--- a/middle presentation.pptx
+++ b/middle presentation.pptx
@@ -954,7 +954,7 @@
               </a:rPr>
               <a:t>A flagship product focused on delivering JavaScript-based UI components for frameworks like Angular, React, and Vue.</a:t>
             </a:r>
-            <a:endParaRPr>
+            <a:endParaRPr b="1">
               <a:solidFill>
                 <a:schemeClr val="dk1"/>
               </a:solidFill>
@@ -971,7 +971,52 @@
               <a:buNone/>
             </a:pPr>
             <a:r>
-              <a:t/>
+              <a:rPr b="1" lang="en-GB">
+                <a:solidFill>
+                  <a:schemeClr val="dk1"/>
+                </a:solidFill>
+              </a:rPr>
+              <a:t>Angular: </a:t>
+            </a:r>
+            <a:r>
+              <a:rPr lang="en-GB">
+                <a:solidFill>
+                  <a:schemeClr val="dk1"/>
+                </a:solidFill>
+              </a:rPr>
+              <a:t>is a popular open source web application framework developed by google and </a:t>
+            </a:r>
+            <a:r>
+              <a:rPr lang="en-GB">
+                <a:solidFill>
+                  <a:schemeClr val="dk1"/>
+                </a:solidFill>
+              </a:rPr>
+              <a:t>community</a:t>
+            </a:r>
+            <a:r>
+              <a:rPr lang="en-GB">
+                <a:solidFill>
+                  <a:schemeClr val="dk1"/>
+                </a:solidFill>
+              </a:rPr>
+              <a:t> of </a:t>
+            </a:r>
+            <a:r>
+              <a:rPr lang="en-GB">
+                <a:solidFill>
+                  <a:schemeClr val="dk1"/>
+                </a:solidFill>
+              </a:rPr>
+              <a:t>individual</a:t>
+            </a:r>
+            <a:r>
+              <a:rPr lang="en-GB">
+                <a:solidFill>
+                  <a:schemeClr val="dk1"/>
+                </a:solidFill>
+              </a:rPr>
+              <a:t> (אִישִׁי) developers and corporations (תאגידים - الشركات) it use to build dynamic and modern web applications - it use with css and js </a:t>
             </a:r>
             <a:endParaRPr>
               <a:solidFill>
@@ -998,12 +1043,7 @@
               <a:buNone/>
             </a:pPr>
             <a:r>
-              <a:rPr lang="en-GB" sz="1500">
-                <a:solidFill>
-                  <a:schemeClr val="dk1"/>
-                </a:solidFill>
-              </a:rPr>
-              <a:t>Provides tools for hybrid and native mobile app development, often integrated with frameworks like Xamarin or other platforms.</a:t>
+              <a:t/>
             </a:r>
             <a:endParaRPr>
               <a:solidFill>
@@ -1337,7 +1377,7 @@
       </p:grpSpPr>
       <p:sp>
         <p:nvSpPr>
-          <p:cNvPr id="101" name="Google Shape;101;g31a6762a23b_0_32:notes"/>
+          <p:cNvPr id="101" name="Google Shape;101;g2d63b4b19cf_0_0:notes"/>
           <p:cNvSpPr/>
           <p:nvPr>
             <p:ph idx="2" type="sldImg"/>
@@ -1372,7 +1412,7 @@
       </p:sp>
       <p:sp>
         <p:nvSpPr>
-          <p:cNvPr id="102" name="Google Shape;102;g31a6762a23b_0_32:notes"/>
+          <p:cNvPr id="102" name="Google Shape;102;g2d63b4b19cf_0_0:notes"/>
           <p:cNvSpPr txBox="1"/>
           <p:nvPr>
             <p:ph idx="1" type="body"/>
@@ -1422,7 +1462,7 @@
   <p:cSld>
     <p:spTree>
       <p:nvGrpSpPr>
-        <p:cNvPr id="106" name="Shape 106"/>
+        <p:cNvPr id="105" name="Shape 105"/>
         <p:cNvGrpSpPr/>
         <p:nvPr/>
       </p:nvGrpSpPr>
@@ -1436,7 +1476,7 @@
       </p:grpSpPr>
       <p:sp>
         <p:nvSpPr>
-          <p:cNvPr id="107" name="Google Shape;107;g31a6762a23b_0_28:notes"/>
+          <p:cNvPr id="106" name="Google Shape;106;g31a6762a23b_0_28:notes"/>
           <p:cNvSpPr/>
           <p:nvPr>
             <p:ph idx="2" type="sldImg"/>
@@ -1471,7 +1511,7 @@
       </p:sp>
       <p:sp>
         <p:nvSpPr>
-          <p:cNvPr id="108" name="Google Shape;108;g31a6762a23b_0_28:notes"/>
+          <p:cNvPr id="107" name="Google Shape;107;g31a6762a23b_0_28:notes"/>
           <p:cNvSpPr txBox="1"/>
           <p:nvPr>
             <p:ph idx="1" type="body"/>
@@ -6497,7 +6537,7 @@
         <p:spPr>
           <a:xfrm>
             <a:off x="45675" y="80375"/>
-            <a:ext cx="2618700" cy="445800"/>
+            <a:ext cx="3218700" cy="445800"/>
           </a:xfrm>
           <a:prstGeom prst="rect">
             <a:avLst/>
@@ -6527,10 +6567,10 @@
                 <a:solidFill>
                   <a:schemeClr val="dk1"/>
                 </a:solidFill>
-                <a:latin typeface="Georgia"/>
-                <a:ea typeface="Georgia"/>
-                <a:cs typeface="Georgia"/>
-                <a:sym typeface="Georgia"/>
+                <a:latin typeface="Comfortaa"/>
+                <a:ea typeface="Comfortaa"/>
+                <a:cs typeface="Comfortaa"/>
+                <a:sym typeface="Comfortaa"/>
               </a:rPr>
               <a:t>Telerik </a:t>
             </a:r>
@@ -6539,10 +6579,10 @@
                 <a:solidFill>
                   <a:schemeClr val="dk1"/>
                 </a:solidFill>
-                <a:latin typeface="Georgia"/>
-                <a:ea typeface="Georgia"/>
-                <a:cs typeface="Georgia"/>
-                <a:sym typeface="Georgia"/>
+                <a:latin typeface="Comfortaa"/>
+                <a:ea typeface="Comfortaa"/>
+                <a:cs typeface="Comfortaa"/>
+                <a:sym typeface="Comfortaa"/>
               </a:rPr>
               <a:t> overview </a:t>
             </a:r>
@@ -6550,10 +6590,10 @@
               <a:solidFill>
                 <a:schemeClr val="dk1"/>
               </a:solidFill>
-              <a:latin typeface="Georgia"/>
-              <a:ea typeface="Georgia"/>
-              <a:cs typeface="Georgia"/>
-              <a:sym typeface="Georgia"/>
+              <a:latin typeface="Comfortaa"/>
+              <a:ea typeface="Comfortaa"/>
+              <a:cs typeface="Comfortaa"/>
+              <a:sym typeface="Comfortaa"/>
             </a:endParaRPr>
           </a:p>
         </p:txBody>
@@ -6650,7 +6690,7 @@
             </a:endParaRPr>
           </a:p>
           <a:p>
-            <a:pPr indent="0" lvl="0" marL="457200" rtl="0" algn="l">
+            <a:pPr indent="0" lvl="0" marL="914400" rtl="0" algn="l">
               <a:lnSpc>
                 <a:spcPct val="115000"/>
               </a:lnSpc>
@@ -6693,6 +6733,7 @@
                 <a:schemeClr val="dk1"/>
               </a:buClr>
               <a:buSzPts val="1600"/>
+              <a:buFont typeface="Georgia"/>
               <a:buAutoNum type="arabicPeriod"/>
             </a:pPr>
             <a:r>
@@ -6754,7 +6795,7 @@
             </a:endParaRPr>
           </a:p>
           <a:p>
-            <a:pPr indent="0" lvl="0" marL="457200" rtl="0" algn="l">
+            <a:pPr indent="0" lvl="0" marL="914400" rtl="0" algn="l">
               <a:lnSpc>
                 <a:spcPct val="115000"/>
               </a:lnSpc>
@@ -6844,7 +6885,7 @@
             </a:endParaRPr>
           </a:p>
           <a:p>
-            <a:pPr indent="0" lvl="0" marL="457200" rtl="0" algn="l">
+            <a:pPr indent="0" lvl="0" marL="914400" rtl="0" algn="l">
               <a:lnSpc>
                 <a:spcPct val="115000"/>
               </a:lnSpc>
@@ -6919,7 +6960,7 @@
             </a:endParaRPr>
           </a:p>
           <a:p>
-            <a:pPr indent="0" lvl="0" marL="457200" rtl="0" algn="l">
+            <a:pPr indent="0" lvl="0" marL="914400" rtl="0" algn="l">
               <a:lnSpc>
                 <a:spcPct val="115000"/>
               </a:lnSpc>
@@ -6969,7 +7010,7 @@
         </p:nvSpPr>
         <p:spPr>
           <a:xfrm>
-            <a:off x="174200" y="729175"/>
+            <a:off x="98000" y="881575"/>
             <a:ext cx="3584100" cy="1966800"/>
           </a:xfrm>
           <a:prstGeom prst="rect">
@@ -7035,7 +7076,7 @@
         </p:nvSpPr>
         <p:spPr>
           <a:xfrm>
-            <a:off x="98000" y="2710375"/>
+            <a:off x="98000" y="3015175"/>
             <a:ext cx="2803200" cy="1966800"/>
           </a:xfrm>
           <a:prstGeom prst="rect">
@@ -7100,7 +7141,7 @@
         </p:nvSpPr>
         <p:spPr>
           <a:xfrm>
-            <a:off x="5105400" y="304800"/>
+            <a:off x="5181600" y="381000"/>
             <a:ext cx="2248500" cy="492600"/>
           </a:xfrm>
           <a:prstGeom prst="rect">
@@ -7294,7 +7335,7 @@
         <p:spPr>
           <a:xfrm>
             <a:off x="761325" y="491700"/>
-            <a:ext cx="3330900" cy="691200"/>
+            <a:ext cx="4362600" cy="691200"/>
           </a:xfrm>
           <a:prstGeom prst="rect">
             <a:avLst/>
@@ -7324,6 +7365,10 @@
                 <a:solidFill>
                   <a:schemeClr val="dk2"/>
                 </a:solidFill>
+                <a:latin typeface="Comfortaa"/>
+                <a:ea typeface="Comfortaa"/>
+                <a:cs typeface="Comfortaa"/>
+                <a:sym typeface="Comfortaa"/>
               </a:rPr>
               <a:t>Project Overview </a:t>
             </a:r>
@@ -7331,6 +7376,10 @@
               <a:solidFill>
                 <a:schemeClr val="dk2"/>
               </a:solidFill>
+              <a:latin typeface="Comfortaa"/>
+              <a:ea typeface="Comfortaa"/>
+              <a:cs typeface="Comfortaa"/>
+              <a:sym typeface="Comfortaa"/>
             </a:endParaRPr>
           </a:p>
         </p:txBody>
@@ -7374,6 +7423,7 @@
                 <a:schemeClr val="dk1"/>
               </a:buClr>
               <a:buSzPts val="1800"/>
+              <a:buFont typeface="Georgia"/>
               <a:buAutoNum type="arabicPeriod"/>
             </a:pPr>
             <a:r>
@@ -7381,13 +7431,21 @@
                 <a:solidFill>
                   <a:schemeClr val="dk1"/>
                 </a:solidFill>
+                <a:latin typeface="Georgia"/>
+                <a:ea typeface="Georgia"/>
+                <a:cs typeface="Georgia"/>
+                <a:sym typeface="Georgia"/>
               </a:rPr>
-              <a:t>Home page tests </a:t>
+              <a:t>Home page tests: </a:t>
             </a:r>
             <a:endParaRPr sz="1800">
               <a:solidFill>
                 <a:schemeClr val="dk1"/>
               </a:solidFill>
+              <a:latin typeface="Georgia"/>
+              <a:ea typeface="Georgia"/>
+              <a:cs typeface="Georgia"/>
+              <a:sym typeface="Georgia"/>
             </a:endParaRPr>
           </a:p>
           <a:p>
@@ -7405,6 +7463,7 @@
                 <a:schemeClr val="dk1"/>
               </a:buClr>
               <a:buSzPts val="1800"/>
+              <a:buFont typeface="Georgia"/>
               <a:buAutoNum type="alphaLcPeriod"/>
             </a:pPr>
             <a:r>
@@ -7412,6 +7471,10 @@
                 <a:solidFill>
                   <a:schemeClr val="dk1"/>
                 </a:solidFill>
+                <a:latin typeface="Georgia"/>
+                <a:ea typeface="Georgia"/>
+                <a:cs typeface="Georgia"/>
+                <a:sym typeface="Georgia"/>
               </a:rPr>
               <a:t>Account</a:t>
             </a:r>
@@ -7419,6 +7482,10 @@
               <a:solidFill>
                 <a:schemeClr val="dk1"/>
               </a:solidFill>
+              <a:latin typeface="Georgia"/>
+              <a:ea typeface="Georgia"/>
+              <a:cs typeface="Georgia"/>
+              <a:sym typeface="Georgia"/>
             </a:endParaRPr>
           </a:p>
           <a:p>
@@ -7436,6 +7503,7 @@
                 <a:schemeClr val="dk1"/>
               </a:buClr>
               <a:buSzPts val="1800"/>
+              <a:buFont typeface="Georgia"/>
               <a:buAutoNum type="alphaLcPeriod"/>
             </a:pPr>
             <a:r>
@@ -7443,6 +7511,10 @@
                 <a:solidFill>
                   <a:schemeClr val="dk1"/>
                 </a:solidFill>
+                <a:latin typeface="Georgia"/>
+                <a:ea typeface="Georgia"/>
+                <a:cs typeface="Georgia"/>
+                <a:sym typeface="Georgia"/>
               </a:rPr>
               <a:t>Contact us </a:t>
             </a:r>
@@ -7450,6 +7522,10 @@
               <a:solidFill>
                 <a:schemeClr val="dk1"/>
               </a:solidFill>
+              <a:latin typeface="Georgia"/>
+              <a:ea typeface="Georgia"/>
+              <a:cs typeface="Georgia"/>
+              <a:sym typeface="Georgia"/>
             </a:endParaRPr>
           </a:p>
           <a:p>
@@ -7467,6 +7543,7 @@
                 <a:schemeClr val="dk1"/>
               </a:buClr>
               <a:buSzPts val="1800"/>
+              <a:buFont typeface="Georgia"/>
               <a:buAutoNum type="alphaLcPeriod"/>
             </a:pPr>
             <a:r>
@@ -7474,6 +7551,10 @@
                 <a:solidFill>
                   <a:schemeClr val="dk1"/>
                 </a:solidFill>
+                <a:latin typeface="Georgia"/>
+                <a:ea typeface="Georgia"/>
+                <a:cs typeface="Georgia"/>
+                <a:sym typeface="Georgia"/>
               </a:rPr>
               <a:t>Buttons in home page </a:t>
             </a:r>
@@ -7481,6 +7562,10 @@
               <a:solidFill>
                 <a:schemeClr val="dk1"/>
               </a:solidFill>
+              <a:latin typeface="Georgia"/>
+              <a:ea typeface="Georgia"/>
+              <a:cs typeface="Georgia"/>
+              <a:sym typeface="Georgia"/>
             </a:endParaRPr>
           </a:p>
           <a:p>
@@ -7498,6 +7583,7 @@
                 <a:schemeClr val="dk1"/>
               </a:buClr>
               <a:buSzPts val="1800"/>
+              <a:buFont typeface="Georgia"/>
               <a:buAutoNum type="alphaLcPeriod"/>
             </a:pPr>
             <a:r>
@@ -7505,6 +7591,10 @@
                 <a:solidFill>
                   <a:schemeClr val="dk1"/>
                 </a:solidFill>
+                <a:latin typeface="Georgia"/>
+                <a:ea typeface="Georgia"/>
+                <a:cs typeface="Georgia"/>
+                <a:sym typeface="Georgia"/>
               </a:rPr>
               <a:t>Links in nav bar(titles)</a:t>
             </a:r>
@@ -7512,6 +7602,10 @@
               <a:solidFill>
                 <a:schemeClr val="dk1"/>
               </a:solidFill>
+              <a:latin typeface="Georgia"/>
+              <a:ea typeface="Georgia"/>
+              <a:cs typeface="Georgia"/>
+              <a:sym typeface="Georgia"/>
             </a:endParaRPr>
           </a:p>
           <a:p>
@@ -7529,6 +7623,7 @@
                 <a:schemeClr val="dk1"/>
               </a:buClr>
               <a:buSzPts val="1800"/>
+              <a:buFont typeface="Georgia"/>
               <a:buAutoNum type="arabicPeriod"/>
             </a:pPr>
             <a:r>
@@ -7536,6 +7631,10 @@
                 <a:solidFill>
                   <a:schemeClr val="dk1"/>
                 </a:solidFill>
+                <a:latin typeface="Georgia"/>
+                <a:ea typeface="Georgia"/>
+                <a:cs typeface="Georgia"/>
+                <a:sym typeface="Georgia"/>
               </a:rPr>
               <a:t>Demo page:</a:t>
             </a:r>
@@ -7543,6 +7642,10 @@
               <a:solidFill>
                 <a:schemeClr val="dk1"/>
               </a:solidFill>
+              <a:latin typeface="Georgia"/>
+              <a:ea typeface="Georgia"/>
+              <a:cs typeface="Georgia"/>
+              <a:sym typeface="Georgia"/>
             </a:endParaRPr>
           </a:p>
           <a:p>
@@ -7560,6 +7663,7 @@
                 <a:schemeClr val="dk1"/>
               </a:buClr>
               <a:buSzPts val="1800"/>
+              <a:buFont typeface="Georgia"/>
               <a:buAutoNum type="alphaLcPeriod"/>
             </a:pPr>
             <a:r>
@@ -7567,13 +7671,21 @@
                 <a:solidFill>
                   <a:schemeClr val="dk1"/>
                 </a:solidFill>
+                <a:latin typeface="Georgia"/>
+                <a:ea typeface="Georgia"/>
+                <a:cs typeface="Georgia"/>
+                <a:sym typeface="Georgia"/>
               </a:rPr>
-              <a:t>Anchors lead to right section</a:t>
+              <a:t>Anchors lead to right section in the page </a:t>
             </a:r>
             <a:endParaRPr sz="1800">
               <a:solidFill>
                 <a:schemeClr val="dk1"/>
               </a:solidFill>
+              <a:latin typeface="Georgia"/>
+              <a:ea typeface="Georgia"/>
+              <a:cs typeface="Georgia"/>
+              <a:sym typeface="Georgia"/>
             </a:endParaRPr>
           </a:p>
         </p:txBody>
@@ -7586,8 +7698,8 @@
         </p:nvSpPr>
         <p:spPr>
           <a:xfrm>
-            <a:off x="5293050" y="1315225"/>
-            <a:ext cx="3111900" cy="1968900"/>
+            <a:off x="4808825" y="1223775"/>
+            <a:ext cx="3596100" cy="2852400"/>
           </a:xfrm>
           <a:prstGeom prst="rect">
             <a:avLst/>
@@ -7603,7 +7715,7 @@
           </a:bodyPr>
           <a:lstStyle/>
           <a:p>
-            <a:pPr indent="-368300" lvl="0" marL="457200" rtl="0" algn="l">
+            <a:pPr indent="-342900" lvl="0" marL="457200" rtl="0" algn="l">
               <a:lnSpc>
                 <a:spcPct val="115000"/>
               </a:lnSpc>
@@ -7616,25 +7728,58 @@
               <a:buClr>
                 <a:schemeClr val="dk1"/>
               </a:buClr>
-              <a:buSzPts val="2200"/>
+              <a:buSzPts val="1800"/>
+              <a:buFont typeface="Georgia"/>
               <a:buChar char="➔"/>
             </a:pPr>
             <a:r>
-              <a:rPr lang="en-GB" sz="2200">
+              <a:rPr lang="en-GB" sz="1800">
                 <a:solidFill>
                   <a:schemeClr val="dk1"/>
                 </a:solidFill>
+                <a:latin typeface="Georgia"/>
+                <a:ea typeface="Georgia"/>
+                <a:cs typeface="Georgia"/>
+                <a:sym typeface="Georgia"/>
               </a:rPr>
-              <a:t>All tests conducated in an OOP manner </a:t>
+              <a:t>All tests </a:t>
             </a:r>
-            <a:endParaRPr sz="2200">
+            <a:r>
+              <a:rPr lang="en-GB" sz="1800">
+                <a:solidFill>
+                  <a:schemeClr val="dk1"/>
+                </a:solidFill>
+                <a:latin typeface="Georgia"/>
+                <a:ea typeface="Georgia"/>
+                <a:cs typeface="Georgia"/>
+                <a:sym typeface="Georgia"/>
+              </a:rPr>
+              <a:t>conducted</a:t>
+            </a:r>
+            <a:r>
+              <a:rPr lang="en-GB" sz="1800">
+                <a:solidFill>
+                  <a:schemeClr val="dk1"/>
+                </a:solidFill>
+                <a:latin typeface="Georgia"/>
+                <a:ea typeface="Georgia"/>
+                <a:cs typeface="Georgia"/>
+                <a:sym typeface="Georgia"/>
+              </a:rPr>
+              <a:t> in an OOP </a:t>
+            </a:r>
+            <a:endParaRPr sz="1800">
               <a:solidFill>
                 <a:schemeClr val="dk1"/>
               </a:solidFill>
+              <a:latin typeface="Georgia"/>
+              <a:ea typeface="Georgia"/>
+              <a:cs typeface="Georgia"/>
+              <a:sym typeface="Georgia"/>
             </a:endParaRPr>
           </a:p>
           <a:p>
-            <a:pPr indent="-368300" lvl="0" marL="457200" rtl="0" algn="l">
+            <a:pPr indent="-342900" lvl="0" marL="457200" rtl="0" algn="l">
               <a:lnSpc>
                 <a:spcPct val="115000"/>
               </a:lnSpc>
@@ -7647,25 +7792,74 @@
               <a:buClr>
                 <a:schemeClr val="dk1"/>
               </a:buClr>
-              <a:buSzPts val="2200"/>
+              <a:buSzPts val="1800"/>
+              <a:buFont typeface="Georgia"/>
               <a:buChar char="➔"/>
             </a:pPr>
             <a:r>
-              <a:rPr lang="en-GB" sz="2200">
+              <a:rPr lang="en-GB" sz="1800">
                 <a:solidFill>
                   <a:schemeClr val="dk1"/>
                 </a:solidFill>
+                <a:latin typeface="Georgia"/>
+                <a:ea typeface="Georgia"/>
+                <a:cs typeface="Georgia"/>
+                <a:sym typeface="Georgia"/>
+              </a:rPr>
+              <a:t>Positive + negative tests</a:t>
+            </a:r>
+            <a:endParaRPr sz="1800">
+              <a:solidFill>
+                <a:schemeClr val="dk1"/>
+              </a:solidFill>
+              <a:latin typeface="Georgia"/>
+              <a:ea typeface="Georgia"/>
+              <a:cs typeface="Georgia"/>
+              <a:sym typeface="Georgia"/>
+            </a:endParaRPr>
+          </a:p>
+          <a:p>
+            <a:pPr indent="-342900" lvl="0" marL="457200" rtl="0" algn="l">
+              <a:lnSpc>
+                <a:spcPct val="115000"/>
+              </a:lnSpc>
+              <a:spcBef>
+                <a:spcPts val="0"/>
+              </a:spcBef>
+              <a:spcAft>
+                <a:spcPts val="0"/>
+              </a:spcAft>
+              <a:buClr>
+                <a:schemeClr val="dk1"/>
+              </a:buClr>
+              <a:buSzPts val="1800"/>
+              <a:buFont typeface="Georgia"/>
+              <a:buChar char="➔"/>
+            </a:pPr>
+            <a:r>
+              <a:rPr lang="en-GB" sz="1800">
+                <a:solidFill>
+                  <a:schemeClr val="dk1"/>
+                </a:solidFill>
+                <a:latin typeface="Georgia"/>
+                <a:ea typeface="Georgia"/>
+                <a:cs typeface="Georgia"/>
+                <a:sym typeface="Georgia"/>
               </a:rPr>
               <a:t>Black box testing </a:t>
             </a:r>
-            <a:endParaRPr sz="2200">
+            <a:endParaRPr sz="1800">
               <a:solidFill>
                 <a:schemeClr val="dk1"/>
               </a:solidFill>
+              <a:latin typeface="Georgia"/>
+              <a:ea typeface="Georgia"/>
+              <a:cs typeface="Georgia"/>
+              <a:sym typeface="Georgia"/>
             </a:endParaRPr>
           </a:p>
           <a:p>
-            <a:pPr indent="-368300" lvl="0" marL="457200" rtl="0" algn="l">
+            <a:pPr indent="-342900" lvl="0" marL="457200" rtl="0" algn="l">
               <a:lnSpc>
                 <a:spcPct val="115000"/>
               </a:lnSpc>
@@ -7678,21 +7872,110 @@
               <a:buClr>
                 <a:schemeClr val="dk1"/>
               </a:buClr>
-              <a:buSzPts val="2200"/>
+              <a:buSzPts val="1800"/>
+              <a:buFont typeface="Georgia"/>
               <a:buChar char="➔"/>
             </a:pPr>
             <a:r>
-              <a:rPr lang="en-GB" sz="2200">
+              <a:rPr lang="en-GB" sz="1800">
                 <a:solidFill>
                   <a:schemeClr val="dk1"/>
                 </a:solidFill>
+                <a:latin typeface="Georgia"/>
+                <a:ea typeface="Georgia"/>
+                <a:cs typeface="Georgia"/>
+                <a:sym typeface="Georgia"/>
               </a:rPr>
-              <a:t>Functionality </a:t>
+              <a:t>Functionality, GUI </a:t>
             </a:r>
-            <a:endParaRPr sz="2200">
+            <a:endParaRPr sz="1800">
               <a:solidFill>
                 <a:schemeClr val="dk1"/>
               </a:solidFill>
+              <a:latin typeface="Georgia"/>
+              <a:ea typeface="Georgia"/>
+              <a:cs typeface="Georgia"/>
+              <a:sym typeface="Georgia"/>
+            </a:endParaRPr>
+          </a:p>
+          <a:p>
+            <a:pPr indent="-342900" lvl="0" marL="457200" rtl="0" algn="l">
+              <a:lnSpc>
+                <a:spcPct val="115000"/>
+              </a:lnSpc>
+              <a:spcBef>
+                <a:spcPts val="0"/>
+              </a:spcBef>
+              <a:spcAft>
+                <a:spcPts val="0"/>
+              </a:spcAft>
+              <a:buClr>
+                <a:schemeClr val="dk1"/>
+              </a:buClr>
+              <a:buSzPts val="1800"/>
+              <a:buFont typeface="Georgia"/>
+              <a:buChar char="➔"/>
+            </a:pPr>
+            <a:r>
+              <a:rPr lang="en-GB" sz="1800">
+                <a:solidFill>
+                  <a:schemeClr val="dk1"/>
+                </a:solidFill>
+                <a:latin typeface="Georgia"/>
+                <a:ea typeface="Georgia"/>
+                <a:cs typeface="Georgia"/>
+                <a:sym typeface="Georgia"/>
+              </a:rPr>
+              <a:t>Sanity Test </a:t>
+            </a:r>
+            <a:endParaRPr sz="1800">
+              <a:solidFill>
+                <a:schemeClr val="dk1"/>
+              </a:solidFill>
+              <a:latin typeface="Georgia"/>
+              <a:ea typeface="Georgia"/>
+              <a:cs typeface="Georgia"/>
+              <a:sym typeface="Georgia"/>
+            </a:endParaRPr>
+          </a:p>
+          <a:p>
+            <a:pPr indent="-342900" lvl="0" marL="457200" rtl="0" algn="l">
+              <a:lnSpc>
+                <a:spcPct val="115000"/>
+              </a:lnSpc>
+              <a:spcBef>
+                <a:spcPts val="0"/>
+              </a:spcBef>
+              <a:spcAft>
+                <a:spcPts val="0"/>
+              </a:spcAft>
+              <a:buClr>
+                <a:schemeClr val="dk1"/>
+              </a:buClr>
+              <a:buSzPts val="1800"/>
+              <a:buFont typeface="Georgia"/>
+              <a:buChar char="➔"/>
+            </a:pPr>
+            <a:r>
+              <a:rPr lang="en-GB" sz="1800">
+                <a:solidFill>
+                  <a:schemeClr val="dk1"/>
+                </a:solidFill>
+                <a:latin typeface="Georgia"/>
+                <a:ea typeface="Georgia"/>
+                <a:cs typeface="Georgia"/>
+                <a:sym typeface="Georgia"/>
+              </a:rPr>
+              <a:t>The reports of result saved in html files  </a:t>
+            </a:r>
+            <a:endParaRPr sz="1800">
+              <a:solidFill>
+                <a:schemeClr val="dk1"/>
+              </a:solidFill>
+              <a:latin typeface="Georgia"/>
+              <a:ea typeface="Georgia"/>
+              <a:cs typeface="Georgia"/>
+              <a:sym typeface="Georgia"/>
             </a:endParaRPr>
           </a:p>
         </p:txBody>
@@ -7758,7 +8041,7 @@
         <p:spPr>
           <a:xfrm>
             <a:off x="514200" y="131350"/>
-            <a:ext cx="3168000" cy="485100"/>
+            <a:ext cx="3534300" cy="485100"/>
           </a:xfrm>
           <a:prstGeom prst="rect">
             <a:avLst/>
@@ -7788,6 +8071,10 @@
                 <a:solidFill>
                   <a:schemeClr val="dk1"/>
                 </a:solidFill>
+                <a:latin typeface="Comfortaa"/>
+                <a:ea typeface="Comfortaa"/>
+                <a:cs typeface="Comfortaa"/>
+                <a:sym typeface="Comfortaa"/>
               </a:rPr>
               <a:t>HOME PAGE TESTS</a:t>
             </a:r>
@@ -7795,6 +8082,10 @@
               <a:solidFill>
                 <a:schemeClr val="dk1"/>
               </a:solidFill>
+              <a:latin typeface="Comfortaa"/>
+              <a:ea typeface="Comfortaa"/>
+              <a:cs typeface="Comfortaa"/>
+              <a:sym typeface="Comfortaa"/>
             </a:endParaRPr>
           </a:p>
         </p:txBody>
@@ -7838,6 +8129,7 @@
                 <a:schemeClr val="dk1"/>
               </a:buClr>
               <a:buSzPts val="2000"/>
+              <a:buFont typeface="Georgia"/>
               <a:buChar char="●"/>
             </a:pPr>
             <a:r>
@@ -7845,6 +8137,10 @@
                 <a:solidFill>
                   <a:schemeClr val="dk1"/>
                 </a:solidFill>
+                <a:latin typeface="Georgia"/>
+                <a:ea typeface="Georgia"/>
+                <a:cs typeface="Georgia"/>
+                <a:sym typeface="Georgia"/>
               </a:rPr>
               <a:t>Test titles - (5 methods) for each element in navbar after click at it insure that the correct page is opened with correct title</a:t>
             </a:r>
@@ -7852,6 +8148,10 @@
               <a:solidFill>
                 <a:schemeClr val="dk1"/>
               </a:solidFill>
+              <a:latin typeface="Georgia"/>
+              <a:ea typeface="Georgia"/>
+              <a:cs typeface="Georgia"/>
+              <a:sym typeface="Georgia"/>
             </a:endParaRPr>
           </a:p>
           <a:p>
@@ -7869,6 +8169,7 @@
                 <a:schemeClr val="dk1"/>
               </a:buClr>
               <a:buSzPts val="2000"/>
+              <a:buFont typeface="Georgia"/>
               <a:buChar char="●"/>
             </a:pPr>
             <a:r>
@@ -7876,6 +8177,10 @@
                 <a:solidFill>
                   <a:schemeClr val="dk1"/>
                 </a:solidFill>
+                <a:latin typeface="Georgia"/>
+                <a:ea typeface="Georgia"/>
+                <a:cs typeface="Georgia"/>
+                <a:sym typeface="Georgia"/>
               </a:rPr>
               <a:t>Buttons - 6 methods, test clicking buttons in home page </a:t>
             </a:r>
@@ -7883,6 +8188,10 @@
               <a:solidFill>
                 <a:schemeClr val="dk1"/>
               </a:solidFill>
+              <a:latin typeface="Georgia"/>
+              <a:ea typeface="Georgia"/>
+              <a:cs typeface="Georgia"/>
+              <a:sym typeface="Georgia"/>
             </a:endParaRPr>
           </a:p>
           <a:p>
@@ -7900,6 +8209,7 @@
                 <a:schemeClr val="dk1"/>
               </a:buClr>
               <a:buSzPts val="2000"/>
+              <a:buFont typeface="Georgia"/>
               <a:buChar char="●"/>
             </a:pPr>
             <a:r>
@@ -7907,6 +8217,10 @@
                 <a:solidFill>
                   <a:schemeClr val="dk1"/>
                 </a:solidFill>
+                <a:latin typeface="Georgia"/>
+                <a:ea typeface="Georgia"/>
+                <a:cs typeface="Georgia"/>
+                <a:sym typeface="Georgia"/>
               </a:rPr>
               <a:t>Demos - 8 methods of tests in nav bar of Demos bage </a:t>
             </a:r>
@@ -7914,6 +8228,10 @@
               <a:solidFill>
                 <a:schemeClr val="dk1"/>
               </a:solidFill>
+              <a:latin typeface="Georgia"/>
+              <a:ea typeface="Georgia"/>
+              <a:cs typeface="Georgia"/>
+              <a:sym typeface="Georgia"/>
             </a:endParaRPr>
           </a:p>
         </p:txBody>
@@ -8282,6 +8600,46 @@
               <a:sym typeface="Georgia"/>
             </a:endParaRPr>
           </a:p>
+          <a:p>
+            <a:pPr indent="-355600" lvl="0" marL="457200" rtl="0" algn="l">
+              <a:lnSpc>
+                <a:spcPct val="115000"/>
+              </a:lnSpc>
+              <a:spcBef>
+                <a:spcPts val="0"/>
+              </a:spcBef>
+              <a:spcAft>
+                <a:spcPts val="0"/>
+              </a:spcAft>
+              <a:buClr>
+                <a:schemeClr val="dk2"/>
+              </a:buClr>
+              <a:buSzPts val="2000"/>
+              <a:buFont typeface="Georgia"/>
+              <a:buChar char="●"/>
+            </a:pPr>
+            <a:r>
+              <a:rPr lang="en-GB" sz="2000">
+                <a:solidFill>
+                  <a:schemeClr val="dk2"/>
+                </a:solidFill>
+                <a:latin typeface="Georgia"/>
+                <a:ea typeface="Georgia"/>
+                <a:cs typeface="Georgia"/>
+                <a:sym typeface="Georgia"/>
+              </a:rPr>
+              <a:t>7 methods </a:t>
+            </a:r>
+            <a:endParaRPr sz="2000">
+              <a:solidFill>
+                <a:schemeClr val="dk2"/>
+              </a:solidFill>
+              <a:latin typeface="Georgia"/>
+              <a:ea typeface="Georgia"/>
+              <a:cs typeface="Georgia"/>
+              <a:sym typeface="Georgia"/>
+            </a:endParaRPr>
+          </a:p>
         </p:txBody>
       </p:sp>
       <p:sp>
@@ -8604,6 +8962,46 @@
                 <a:sym typeface="Georgia"/>
               </a:rPr>
               <a:t>Invalid </a:t>
+            </a:r>
+            <a:endParaRPr sz="2000">
+              <a:solidFill>
+                <a:schemeClr val="dk2"/>
+              </a:solidFill>
+              <a:latin typeface="Georgia"/>
+              <a:ea typeface="Georgia"/>
+              <a:cs typeface="Georgia"/>
+              <a:sym typeface="Georgia"/>
+            </a:endParaRPr>
+          </a:p>
+          <a:p>
+            <a:pPr indent="-355600" lvl="0" marL="457200" rtl="0" algn="l">
+              <a:lnSpc>
+                <a:spcPct val="115000"/>
+              </a:lnSpc>
+              <a:spcBef>
+                <a:spcPts val="0"/>
+              </a:spcBef>
+              <a:spcAft>
+                <a:spcPts val="0"/>
+              </a:spcAft>
+              <a:buClr>
+                <a:schemeClr val="dk2"/>
+              </a:buClr>
+              <a:buSzPts val="2000"/>
+              <a:buFont typeface="Georgia"/>
+              <a:buChar char="●"/>
+            </a:pPr>
+            <a:r>
+              <a:rPr lang="en-GB" sz="2000">
+                <a:solidFill>
+                  <a:schemeClr val="dk2"/>
+                </a:solidFill>
+                <a:latin typeface="Georgia"/>
+                <a:ea typeface="Georgia"/>
+                <a:cs typeface="Georgia"/>
+                <a:sym typeface="Georgia"/>
+              </a:rPr>
+              <a:t>11 methods </a:t>
             </a:r>
             <a:endParaRPr sz="2000">
               <a:solidFill>
@@ -8762,6 +9160,18 @@
 <file path=ppt/slides/slide6.xml><?xml version="1.0" encoding="utf-8"?>
 <p:sld xmlns:a="http://schemas.openxmlformats.org/drawingml/2006/main" xmlns:r="http://schemas.openxmlformats.org/officeDocument/2006/relationships" xmlns:mc="http://schemas.openxmlformats.org/markup-compatibility/2006" xmlns:mv="urn:schemas-microsoft-com:mac:vml" xmlns:p="http://schemas.openxmlformats.org/presentationml/2006/main" xmlns:c="http://schemas.openxmlformats.org/drawingml/2006/chart" xmlns:dgm="http://schemas.openxmlformats.org/drawingml/2006/diagram" xmlns:o="urn:schemas-microsoft-com:office:office" xmlns:v="urn:schemas-microsoft-com:vml" xmlns:pvml="urn:schemas-microsoft-com:office:powerpoint" xmlns:com="http://schemas.openxmlformats.org/drawingml/2006/compatibility" xmlns:p14="http://schemas.microsoft.com/office/powerpoint/2010/main" xmlns:p15="http://schemas.microsoft.com/office/powerpoint/2012/main" xmlns:ahyp="http://schemas.microsoft.com/office/drawing/2018/hyperlinkcolor">
   <p:cSld>
+    <p:bg>
+      <p:bgPr>
+        <a:blipFill>
+          <a:blip r:embed="rId3">
+            <a:alphaModFix/>
+          </a:blip>
+          <a:stretch>
+            <a:fillRect/>
+          </a:stretch>
+        </a:blipFill>
+      </p:bgPr>
+    </p:bg>
     <p:spTree>
       <p:nvGrpSpPr>
         <p:cNvPr id="103" name="Shape 103"/>
@@ -8776,44 +9186,16 @@
           <a:chExt cx="0" cy="0"/>
         </a:xfrm>
       </p:grpSpPr>
-      <p:pic>
-        <p:nvPicPr>
-          <p:cNvPr id="104" name="Google Shape;104;p18"/>
-          <p:cNvPicPr preferRelativeResize="0"/>
-          <p:nvPr/>
-        </p:nvPicPr>
-        <p:blipFill>
-          <a:blip r:embed="rId3">
-            <a:alphaModFix/>
-          </a:blip>
-          <a:stretch>
-            <a:fillRect/>
-          </a:stretch>
-        </p:blipFill>
-        <p:spPr>
-          <a:xfrm>
-            <a:off x="0" y="5"/>
-            <a:ext cx="9144000" cy="1997845"/>
-          </a:xfrm>
-          <a:prstGeom prst="rect">
-            <a:avLst/>
-          </a:prstGeom>
-          <a:noFill/>
-          <a:ln>
-            <a:noFill/>
-          </a:ln>
-        </p:spPr>
-      </p:pic>
       <p:sp>
         <p:nvSpPr>
-          <p:cNvPr id="105" name="Google Shape;105;p18"/>
+          <p:cNvPr id="104" name="Google Shape;104;p18"/>
           <p:cNvSpPr txBox="1"/>
           <p:nvPr/>
         </p:nvSpPr>
         <p:spPr>
           <a:xfrm>
-            <a:off x="2999250" y="2571750"/>
-            <a:ext cx="3172200" cy="812100"/>
+            <a:off x="3068850" y="3301200"/>
+            <a:ext cx="3006300" cy="812100"/>
           </a:xfrm>
           <a:prstGeom prst="rect">
             <a:avLst/>
@@ -8845,7 +9227,7 @@
                 </a:solidFill>
                 <a:hlinkClick r:id="rId4"/>
               </a:rPr>
-              <a:t>To Testes Github</a:t>
+              <a:t>To Tests Github</a:t>
             </a:r>
             <a:endParaRPr sz="2700">
               <a:solidFill>
@@ -8880,7 +9262,7 @@
     </p:bg>
     <p:spTree>
       <p:nvGrpSpPr>
-        <p:cNvPr id="109" name="Shape 109"/>
+        <p:cNvPr id="108" name="Shape 108"/>
         <p:cNvGrpSpPr/>
         <p:nvPr/>
       </p:nvGrpSpPr>
@@ -8894,7 +9276,7 @@
       </p:grpSpPr>
       <p:sp>
         <p:nvSpPr>
-          <p:cNvPr id="110" name="Google Shape;110;p19"/>
+          <p:cNvPr id="109" name="Google Shape;109;p19"/>
           <p:cNvSpPr txBox="1"/>
           <p:nvPr/>
         </p:nvSpPr>
@@ -8952,7 +9334,7 @@
       </p:sp>
       <p:pic>
         <p:nvPicPr>
-          <p:cNvPr id="111" name="Google Shape;111;p19"/>
+          <p:cNvPr id="110" name="Google Shape;110;p19"/>
           <p:cNvPicPr preferRelativeResize="0"/>
           <p:nvPr/>
         </p:nvPicPr>
@@ -8987,6 +9369,285 @@
 </file>
 
 <file path=ppt/theme/theme1.xml><?xml version="1.0" encoding="utf-8"?>
+<a:theme xmlns:a="http://schemas.openxmlformats.org/drawingml/2006/main" xmlns:r="http://schemas.openxmlformats.org/officeDocument/2006/relationships" name="Simple Light">
+  <a:themeElements>
+    <a:clrScheme name="Simple Light">
+      <a:dk1>
+        <a:srgbClr val="000000"/>
+      </a:dk1>
+      <a:lt1>
+        <a:srgbClr val="FFFFFF"/>
+      </a:lt1>
+      <a:dk2>
+        <a:srgbClr val="595959"/>
+      </a:dk2>
+      <a:lt2>
+        <a:srgbClr val="EEEEEE"/>
+      </a:lt2>
+      <a:accent1>
+        <a:srgbClr val="4285F4"/>
+      </a:accent1>
+      <a:accent2>
+        <a:srgbClr val="212121"/>
+      </a:accent2>
+      <a:accent3>
+        <a:srgbClr val="78909C"/>
+      </a:accent3>
+      <a:accent4>
+        <a:srgbClr val="FFAB40"/>
+      </a:accent4>
+      <a:accent5>
+        <a:srgbClr val="0097A7"/>
+      </a:accent5>
+      <a:accent6>
+        <a:srgbClr val="EEFF41"/>
+      </a:accent6>
+      <a:hlink>
+        <a:srgbClr val="0097A7"/>
+      </a:hlink>
+      <a:folHlink>
+        <a:srgbClr val="0097A7"/>
+      </a:folHlink>
+    </a:clrScheme>
+    <a:fontScheme name="Office">
+      <a:majorFont>
+        <a:latin typeface="Arial"/>
+        <a:ea typeface=""/>
+        <a:cs typeface=""/>
+        <a:font script="Jpan" typeface="ＭＳ Ｐゴシック"/>
+        <a:font script="Hang" typeface="맑은 고딕"/>
+        <a:font script="Hans" typeface="宋体"/>
+        <a:font script="Hant" typeface="新細明體"/>
+        <a:font script="Arab" typeface="Times New Roman"/>
+        <a:font script="Hebr" typeface="Times New Roman"/>
+        <a:font script="Thai" typeface="Angsana New"/>
+        <a:font script="Ethi" typeface="Nyala"/>
+        <a:font script="Beng" typeface="Vrinda"/>
+        <a:font script="Gujr" typeface="Shruti"/>
+        <a:font script="Khmr" typeface="MoolBoran"/>
+        <a:font script="Knda" typeface="Tunga"/>
+        <a:font script="Guru" typeface="Raavi"/>
+        <a:font script="Cans" typeface="Euphemia"/>
+        <a:font script="Cher" typeface="Plantagenet Cherokee"/>
+        <a:font script="Yiii" typeface="Microsoft Yi Baiti"/>
+        <a:font script="Tibt" typeface="Microsoft Himalaya"/>
+        <a:font script="Thaa" typeface="MV Boli"/>
+        <a:font script="Deva" typeface="Mangal"/>
+        <a:font script="Telu" typeface="Gautami"/>
+        <a:font script="Taml" typeface="Latha"/>
+        <a:font script="Syrc" typeface="Estrangelo Edessa"/>
+        <a:font script="Orya" typeface="Kalinga"/>
+        <a:font script="Mlym" typeface="Kartika"/>
+        <a:font script="Laoo" typeface="DokChampa"/>
+        <a:font script="Sinh" typeface="Iskoola Pota"/>
+        <a:font script="Mong" typeface="Mongolian Baiti"/>
+        <a:font script="Viet" typeface="Times New Roman"/>
+        <a:font script="Uigh" typeface="Microsoft Uighur"/>
+        <a:font script="Geor" typeface="Sylfaen"/>
+      </a:majorFont>
+      <a:minorFont>
+        <a:latin typeface="Arial"/>
+        <a:ea typeface=""/>
+        <a:cs typeface=""/>
+        <a:font script="Jpan" typeface="ＭＳ Ｐゴシック"/>
+        <a:font script="Hang" typeface="맑은 고딕"/>
+        <a:font script="Hans" typeface="宋体"/>
+        <a:font script="Hant" typeface="新細明體"/>
+        <a:font script="Arab" typeface="Arial"/>
+        <a:font script="Hebr" typeface="Arial"/>
+        <a:font script="Thai" typeface="Cordia New"/>
+        <a:font script="Ethi" typeface="Nyala"/>
+        <a:font script="Beng" typeface="Vrinda"/>
+        <a:font script="Gujr" typeface="Shruti"/>
+        <a:font script="Khmr" typeface="DaunPenh"/>
+        <a:font script="Knda" typeface="Tunga"/>
+        <a:font script="Guru" typeface="Raavi"/>
+        <a:font script="Cans" typeface="Euphemia"/>
+        <a:font script="Cher" typeface="Plantagenet Cherokee"/>
+        <a:font script="Yiii" typeface="Microsoft Yi Baiti"/>
+        <a:font script="Tibt" typeface="Microsoft Himalaya"/>
+        <a:font script="Thaa" typeface="MV Boli"/>
+        <a:font script="Deva" typeface="Mangal"/>
+        <a:font script="Telu" typeface="Gautami"/>
+        <a:font script="Taml" typeface="Latha"/>
+        <a:font script="Syrc" typeface="Estrangelo Edessa"/>
+        <a:font script="Orya" typeface="Kalinga"/>
+        <a:font script="Mlym" typeface="Kartika"/>
+        <a:font script="Laoo" typeface="DokChampa"/>
+        <a:font script="Sinh" typeface="Iskoola Pota"/>
+        <a:font script="Mong" typeface="Mongolian Baiti"/>
+        <a:font script="Viet" typeface="Arial"/>
+        <a:font script="Uigh" typeface="Microsoft Uighur"/>
+        <a:font script="Geor" typeface="Sylfaen"/>
+      </a:minorFont>
+    </a:fontScheme>
+    <a:fmtScheme name="Office">
+      <a:fillStyleLst>
+        <a:solidFill>
+          <a:schemeClr val="phClr"/>
+        </a:solidFill>
+        <a:gradFill rotWithShape="1">
+          <a:gsLst>
+            <a:gs pos="0">
+              <a:schemeClr val="phClr">
+                <a:tint val="50000"/>
+                <a:satMod val="300000"/>
+              </a:schemeClr>
+            </a:gs>
+            <a:gs pos="35000">
+              <a:schemeClr val="phClr">
+                <a:tint val="37000"/>
+                <a:satMod val="300000"/>
+              </a:schemeClr>
+            </a:gs>
+            <a:gs pos="100000">
+              <a:schemeClr val="phClr">
+                <a:tint val="15000"/>
+                <a:satMod val="350000"/>
+              </a:schemeClr>
+            </a:gs>
+          </a:gsLst>
+          <a:lin ang="16200000" scaled="1"/>
+        </a:gradFill>
+        <a:gradFill rotWithShape="1">
+          <a:gsLst>
+            <a:gs pos="0">
+              <a:schemeClr val="phClr">
+                <a:tint val="100000"/>
+                <a:shade val="100000"/>
+                <a:satMod val="130000"/>
+              </a:schemeClr>
+            </a:gs>
+            <a:gs pos="100000">
+              <a:schemeClr val="phClr">
+                <a:tint val="50000"/>
+                <a:shade val="100000"/>
+                <a:satMod val="350000"/>
+              </a:schemeClr>
+            </a:gs>
+          </a:gsLst>
+          <a:lin ang="16200000" scaled="0"/>
+        </a:gradFill>
+      </a:fillStyleLst>
+      <a:lnStyleLst>
+        <a:ln w="9525" cap="flat" cmpd="sng" algn="ctr">
+          <a:solidFill>
+            <a:schemeClr val="phClr">
+              <a:shade val="95000"/>
+              <a:satMod val="105000"/>
+            </a:schemeClr>
+          </a:solidFill>
+          <a:prstDash val="solid"/>
+        </a:ln>
+        <a:ln w="25400" cap="flat" cmpd="sng" algn="ctr">
+          <a:solidFill>
+            <a:schemeClr val="phClr"/>
+          </a:solidFill>
+          <a:prstDash val="solid"/>
+        </a:ln>
+        <a:ln w="38100" cap="flat" cmpd="sng" algn="ctr">
+          <a:solidFill>
+            <a:schemeClr val="phClr"/>
+          </a:solidFill>
+          <a:prstDash val="solid"/>
+        </a:ln>
+      </a:lnStyleLst>
+      <a:effectStyleLst>
+        <a:effectStyle>
+          <a:effectLst>
+            <a:outerShdw blurRad="40000" dist="20000" dir="5400000" rotWithShape="0">
+              <a:srgbClr val="000000">
+                <a:alpha val="38000"/>
+              </a:srgbClr>
+            </a:outerShdw>
+          </a:effectLst>
+        </a:effectStyle>
+        <a:effectStyle>
+          <a:effectLst>
+            <a:outerShdw blurRad="40000" dist="23000" dir="5400000" rotWithShape="0">
+              <a:srgbClr val="000000">
+                <a:alpha val="35000"/>
+              </a:srgbClr>
+            </a:outerShdw>
+          </a:effectLst>
+        </a:effectStyle>
+        <a:effectStyle>
+          <a:effectLst>
+            <a:outerShdw blurRad="40000" dist="23000" dir="5400000" rotWithShape="0">
+              <a:srgbClr val="000000">
+                <a:alpha val="35000"/>
+              </a:srgbClr>
+            </a:outerShdw>
+          </a:effectLst>
+          <a:scene3d>
+            <a:camera prst="orthographicFront">
+              <a:rot lat="0" lon="0" rev="0"/>
+            </a:camera>
+            <a:lightRig rig="threePt" dir="t">
+              <a:rot lat="0" lon="0" rev="1200000"/>
+            </a:lightRig>
+          </a:scene3d>
+          <a:sp3d>
+            <a:bevelT w="63500" h="25400"/>
+          </a:sp3d>
+        </a:effectStyle>
+      </a:effectStyleLst>
+      <a:bgFillStyleLst>
+        <a:solidFill>
+          <a:schemeClr val="phClr"/>
+        </a:solidFill>
+        <a:gradFill rotWithShape="1">
+          <a:gsLst>
+            <a:gs pos="0">
+              <a:schemeClr val="phClr">
+                <a:tint val="40000"/>
+                <a:satMod val="350000"/>
+              </a:schemeClr>
+            </a:gs>
+            <a:gs pos="40000">
+              <a:schemeClr val="phClr">
+                <a:tint val="45000"/>
+                <a:shade val="99000"/>
+                <a:satMod val="350000"/>
+              </a:schemeClr>
+            </a:gs>
+            <a:gs pos="100000">
+              <a:schemeClr val="phClr">
+                <a:shade val="20000"/>
+                <a:satMod val="255000"/>
+              </a:schemeClr>
+            </a:gs>
+          </a:gsLst>
+          <a:path path="circle">
+            <a:fillToRect l="50000" t="-80000" r="50000" b="180000"/>
+          </a:path>
+        </a:gradFill>
+        <a:gradFill rotWithShape="1">
+          <a:gsLst>
+            <a:gs pos="0">
+              <a:schemeClr val="phClr">
+                <a:tint val="80000"/>
+                <a:satMod val="300000"/>
+              </a:schemeClr>
+            </a:gs>
+            <a:gs pos="100000">
+              <a:schemeClr val="phClr">
+                <a:shade val="30000"/>
+                <a:satMod val="200000"/>
+              </a:schemeClr>
+            </a:gs>
+          </a:gsLst>
+          <a:path path="circle">
+            <a:fillToRect l="50000" t="50000" r="50000" b="50000"/>
+          </a:path>
+        </a:gradFill>
+      </a:bgFillStyleLst>
+    </a:fmtScheme>
+  </a:themeElements>
+</a:theme>
+</file>
+
+<file path=ppt/theme/theme2.xml><?xml version="1.0" encoding="utf-8"?>
 <a:theme xmlns:a="http://schemas.openxmlformats.org/drawingml/2006/main" xmlns:r="http://schemas.openxmlformats.org/officeDocument/2006/relationships">
   <a:themeElements>
     <a:clrScheme name="Default">
@@ -9263,283 +9924,4 @@
     </a:fmtScheme>
   </a:themeElements>
 </a:theme>
-</file>
-
-<file path=ppt/theme/theme2.xml><?xml version="1.0" encoding="utf-8"?>
-<a:theme xmlns:a="http://schemas.openxmlformats.org/drawingml/2006/main" xmlns:r="http://schemas.openxmlformats.org/officeDocument/2006/relationships" name="Simple Light">
-  <a:themeElements>
-    <a:clrScheme name="Simple Light">
-      <a:dk1>
-        <a:srgbClr val="000000"/>
-      </a:dk1>
-      <a:lt1>
-        <a:srgbClr val="FFFFFF"/>
-      </a:lt1>
-      <a:dk2>
-        <a:srgbClr val="595959"/>
-      </a:dk2>
-      <a:lt2>
-        <a:srgbClr val="EEEEEE"/>
-      </a:lt2>
-      <a:accent1>
-        <a:srgbClr val="4285F4"/>
-      </a:accent1>
-      <a:accent2>
-        <a:srgbClr val="212121"/>
-      </a:accent2>
-      <a:accent3>
-        <a:srgbClr val="78909C"/>
-      </a:accent3>
-      <a:accent4>
-        <a:srgbClr val="FFAB40"/>
-      </a:accent4>
-      <a:accent5>
-        <a:srgbClr val="0097A7"/>
-      </a:accent5>
-      <a:accent6>
-        <a:srgbClr val="EEFF41"/>
-      </a:accent6>
-      <a:hlink>
-        <a:srgbClr val="0097A7"/>
-      </a:hlink>
-      <a:folHlink>
-        <a:srgbClr val="0097A7"/>
-      </a:folHlink>
-    </a:clrScheme>
-    <a:fontScheme name="Office">
-      <a:majorFont>
-        <a:latin typeface="Arial"/>
-        <a:ea typeface=""/>
-        <a:cs typeface=""/>
-        <a:font script="Jpan" typeface="ＭＳ Ｐゴシック"/>
-        <a:font script="Hang" typeface="맑은 고딕"/>
-        <a:font script="Hans" typeface="宋体"/>
-        <a:font script="Hant" typeface="新細明體"/>
-        <a:font script="Arab" typeface="Times New Roman"/>
-        <a:font script="Hebr" typeface="Times New Roman"/>
-        <a:font script="Thai" typeface="Angsana New"/>
-        <a:font script="Ethi" typeface="Nyala"/>
-        <a:font script="Beng" typeface="Vrinda"/>
-        <a:font script="Gujr" typeface="Shruti"/>
-        <a:font script="Khmr" typeface="MoolBoran"/>
-        <a:font script="Knda" typeface="Tunga"/>
-        <a:font script="Guru" typeface="Raavi"/>
-        <a:font script="Cans" typeface="Euphemia"/>
-        <a:font script="Cher" typeface="Plantagenet Cherokee"/>
-        <a:font script="Yiii" typeface="Microsoft Yi Baiti"/>
-        <a:font script="Tibt" typeface="Microsoft Himalaya"/>
-        <a:font script="Thaa" typeface="MV Boli"/>
-        <a:font script="Deva" typeface="Mangal"/>
-        <a:font script="Telu" typeface="Gautami"/>
-        <a:font script="Taml" typeface="Latha"/>
-        <a:font script="Syrc" typeface="Estrangelo Edessa"/>
-        <a:font script="Orya" typeface="Kalinga"/>
-        <a:font script="Mlym" typeface="Kartika"/>
-        <a:font script="Laoo" typeface="DokChampa"/>
-        <a:font script="Sinh" typeface="Iskoola Pota"/>
-        <a:font script="Mong" typeface="Mongolian Baiti"/>
-        <a:font script="Viet" typeface="Times New Roman"/>
-        <a:font script="Uigh" typeface="Microsoft Uighur"/>
-        <a:font script="Geor" typeface="Sylfaen"/>
-      </a:majorFont>
-      <a:minorFont>
-        <a:latin typeface="Arial"/>
-        <a:ea typeface=""/>
-        <a:cs typeface=""/>
-        <a:font script="Jpan" typeface="ＭＳ Ｐゴシック"/>
-        <a:font script="Hang" typeface="맑은 고딕"/>
-        <a:font script="Hans" typeface="宋体"/>
-        <a:font script="Hant" typeface="新細明體"/>
-        <a:font script="Arab" typeface="Arial"/>
-        <a:font script="Hebr" typeface="Arial"/>
-        <a:font script="Thai" typeface="Cordia New"/>
-        <a:font script="Ethi" typeface="Nyala"/>
-        <a:font script="Beng" typeface="Vrinda"/>
-        <a:font script="Gujr" typeface="Shruti"/>
-        <a:font script="Khmr" typeface="DaunPenh"/>
-        <a:font script="Knda" typeface="Tunga"/>
-        <a:font script="Guru" typeface="Raavi"/>
-        <a:font script="Cans" typeface="Euphemia"/>
-        <a:font script="Cher" typeface="Plantagenet Cherokee"/>
-        <a:font script="Yiii" typeface="Microsoft Yi Baiti"/>
-        <a:font script="Tibt" typeface="Microsoft Himalaya"/>
-        <a:font script="Thaa" typeface="MV Boli"/>
-        <a:font script="Deva" typeface="Mangal"/>
-        <a:font script="Telu" typeface="Gautami"/>
-        <a:font script="Taml" typeface="Latha"/>
-        <a:font script="Syrc" typeface="Estrangelo Edessa"/>
-        <a:font script="Orya" typeface="Kalinga"/>
-        <a:font script="Mlym" typeface="Kartika"/>
-        <a:font script="Laoo" typeface="DokChampa"/>
-        <a:font script="Sinh" typeface="Iskoola Pota"/>
-        <a:font script="Mong" typeface="Mongolian Baiti"/>
-        <a:font script="Viet" typeface="Arial"/>
-        <a:font script="Uigh" typeface="Microsoft Uighur"/>
-        <a:font script="Geor" typeface="Sylfaen"/>
-      </a:minorFont>
-    </a:fontScheme>
-    <a:fmtScheme name="Office">
-      <a:fillStyleLst>
-        <a:solidFill>
-          <a:schemeClr val="phClr"/>
-        </a:solidFill>
-        <a:gradFill rotWithShape="1">
-          <a:gsLst>
-            <a:gs pos="0">
-              <a:schemeClr val="phClr">
-                <a:tint val="50000"/>
-                <a:satMod val="300000"/>
-              </a:schemeClr>
-            </a:gs>
-            <a:gs pos="35000">
-              <a:schemeClr val="phClr">
-                <a:tint val="37000"/>
-                <a:satMod val="300000"/>
-              </a:schemeClr>
-            </a:gs>
-            <a:gs pos="100000">
-              <a:schemeClr val="phClr">
-                <a:tint val="15000"/>
-                <a:satMod val="350000"/>
-              </a:schemeClr>
-            </a:gs>
-          </a:gsLst>
-          <a:lin ang="16200000" scaled="1"/>
-        </a:gradFill>
-        <a:gradFill rotWithShape="1">
-          <a:gsLst>
-            <a:gs pos="0">
-              <a:schemeClr val="phClr">
-                <a:tint val="100000"/>
-                <a:shade val="100000"/>
-                <a:satMod val="130000"/>
-              </a:schemeClr>
-            </a:gs>
-            <a:gs pos="100000">
-              <a:schemeClr val="phClr">
-                <a:tint val="50000"/>
-                <a:shade val="100000"/>
-                <a:satMod val="350000"/>
-              </a:schemeClr>
-            </a:gs>
-          </a:gsLst>
-          <a:lin ang="16200000" scaled="0"/>
-        </a:gradFill>
-      </a:fillStyleLst>
-      <a:lnStyleLst>
-        <a:ln w="9525" cap="flat" cmpd="sng" algn="ctr">
-          <a:solidFill>
-            <a:schemeClr val="phClr">
-              <a:shade val="95000"/>
-              <a:satMod val="105000"/>
-            </a:schemeClr>
-          </a:solidFill>
-          <a:prstDash val="solid"/>
-        </a:ln>
-        <a:ln w="25400" cap="flat" cmpd="sng" algn="ctr">
-          <a:solidFill>
-            <a:schemeClr val="phClr"/>
-          </a:solidFill>
-          <a:prstDash val="solid"/>
-        </a:ln>
-        <a:ln w="38100" cap="flat" cmpd="sng" algn="ctr">
-          <a:solidFill>
-            <a:schemeClr val="phClr"/>
-          </a:solidFill>
-          <a:prstDash val="solid"/>
-        </a:ln>
-      </a:lnStyleLst>
-      <a:effectStyleLst>
-        <a:effectStyle>
-          <a:effectLst>
-            <a:outerShdw blurRad="40000" dist="20000" dir="5400000" rotWithShape="0">
-              <a:srgbClr val="000000">
-                <a:alpha val="38000"/>
-              </a:srgbClr>
-            </a:outerShdw>
-          </a:effectLst>
-        </a:effectStyle>
-        <a:effectStyle>
-          <a:effectLst>
-            <a:outerShdw blurRad="40000" dist="23000" dir="5400000" rotWithShape="0">
-              <a:srgbClr val="000000">
-                <a:alpha val="35000"/>
-              </a:srgbClr>
-            </a:outerShdw>
-          </a:effectLst>
-        </a:effectStyle>
-        <a:effectStyle>
-          <a:effectLst>
-            <a:outerShdw blurRad="40000" dist="23000" dir="5400000" rotWithShape="0">
-              <a:srgbClr val="000000">
-                <a:alpha val="35000"/>
-              </a:srgbClr>
-            </a:outerShdw>
-          </a:effectLst>
-          <a:scene3d>
-            <a:camera prst="orthographicFront">
-              <a:rot lat="0" lon="0" rev="0"/>
-            </a:camera>
-            <a:lightRig rig="threePt" dir="t">
-              <a:rot lat="0" lon="0" rev="1200000"/>
-            </a:lightRig>
-          </a:scene3d>
-          <a:sp3d>
-            <a:bevelT w="63500" h="25400"/>
-          </a:sp3d>
-        </a:effectStyle>
-      </a:effectStyleLst>
-      <a:bgFillStyleLst>
-        <a:solidFill>
-          <a:schemeClr val="phClr"/>
-        </a:solidFill>
-        <a:gradFill rotWithShape="1">
-          <a:gsLst>
-            <a:gs pos="0">
-              <a:schemeClr val="phClr">
-                <a:tint val="40000"/>
-                <a:satMod val="350000"/>
-              </a:schemeClr>
-            </a:gs>
-            <a:gs pos="40000">
-              <a:schemeClr val="phClr">
-                <a:tint val="45000"/>
-                <a:shade val="99000"/>
-                <a:satMod val="350000"/>
-              </a:schemeClr>
-            </a:gs>
-            <a:gs pos="100000">
-              <a:schemeClr val="phClr">
-                <a:shade val="20000"/>
-                <a:satMod val="255000"/>
-              </a:schemeClr>
-            </a:gs>
-          </a:gsLst>
-          <a:path path="circle">
-            <a:fillToRect l="50000" t="-80000" r="50000" b="180000"/>
-          </a:path>
-        </a:gradFill>
-        <a:gradFill rotWithShape="1">
-          <a:gsLst>
-            <a:gs pos="0">
-              <a:schemeClr val="phClr">
-                <a:tint val="80000"/>
-                <a:satMod val="300000"/>
-              </a:schemeClr>
-            </a:gs>
-            <a:gs pos="100000">
-              <a:schemeClr val="phClr">
-                <a:shade val="30000"/>
-                <a:satMod val="200000"/>
-              </a:schemeClr>
-            </a:gs>
-          </a:gsLst>
-          <a:path path="circle">
-            <a:fillToRect l="50000" t="50000" r="50000" b="50000"/>
-          </a:path>
-        </a:gradFill>
-      </a:bgFillStyleLst>
-    </a:fmtScheme>
-  </a:themeElements>
-</a:theme>
 </file>
--- a/middle presentation.pptx
+++ b/middle presentation.pptx
@@ -1,32 +1,39 @@
 
 <file path=ppt/presentation.xml><?xml version="1.0" encoding="utf-8"?>
-<p:presentation xmlns:a="http://schemas.openxmlformats.org/drawingml/2006/main" xmlns:r="http://schemas.openxmlformats.org/officeDocument/2006/relationships" xmlns:mc="http://schemas.openxmlformats.org/markup-compatibility/2006" xmlns:mv="urn:schemas-microsoft-com:mac:vml" xmlns:p="http://schemas.openxmlformats.org/presentationml/2006/main" xmlns:c="http://schemas.openxmlformats.org/drawingml/2006/chart" xmlns:dgm="http://schemas.openxmlformats.org/drawingml/2006/diagram" xmlns:o="urn:schemas-microsoft-com:office:office" xmlns:v="urn:schemas-microsoft-com:vml" xmlns:pvml="urn:schemas-microsoft-com:office:powerpoint" xmlns:com="http://schemas.openxmlformats.org/drawingml/2006/compatibility" xmlns:p14="http://schemas.microsoft.com/office/powerpoint/2010/main" xmlns:p15="http://schemas.microsoft.com/office/powerpoint/2012/main" xmlns:ahyp="http://schemas.microsoft.com/office/drawing/2018/hyperlinkcolor" autoCompressPictures="0" embedTrueTypeFonts="1" strictFirstAndLastChars="0" saveSubsetFonts="1">
+<p:presentation xmlns:a="http://schemas.openxmlformats.org/drawingml/2006/main" xmlns:r="http://schemas.openxmlformats.org/officeDocument/2006/relationships" xmlns:p="http://schemas.openxmlformats.org/presentationml/2006/main" strictFirstAndLastChars="0" embedTrueTypeFonts="1" saveSubsetFonts="1" autoCompressPictures="0">
   <p:sldMasterIdLst>
-    <p:sldMasterId id="2147483659" r:id="rId4"/>
+    <p:sldMasterId id="2147483659" r:id="rId1"/>
   </p:sldMasterIdLst>
   <p:notesMasterIdLst>
-    <p:notesMasterId r:id="rId5"/>
+    <p:notesMasterId r:id="rId9"/>
   </p:notesMasterIdLst>
   <p:sldIdLst>
-    <p:sldId id="256" r:id="rId6"/>
-    <p:sldId id="257" r:id="rId7"/>
-    <p:sldId id="258" r:id="rId8"/>
-    <p:sldId id="259" r:id="rId9"/>
-    <p:sldId id="260" r:id="rId10"/>
-    <p:sldId id="261" r:id="rId11"/>
-    <p:sldId id="262" r:id="rId12"/>
+    <p:sldId id="256" r:id="rId2"/>
+    <p:sldId id="257" r:id="rId3"/>
+    <p:sldId id="258" r:id="rId4"/>
+    <p:sldId id="259" r:id="rId5"/>
+    <p:sldId id="260" r:id="rId6"/>
+    <p:sldId id="261" r:id="rId7"/>
+    <p:sldId id="262" r:id="rId8"/>
   </p:sldIdLst>
-  <p:sldSz cy="5143500" cx="9144000"/>
+  <p:sldSz cx="9144000" cy="5143500" type="screen16x9"/>
   <p:notesSz cx="6858000" cy="9144000"/>
   <p:embeddedFontLst>
     <p:embeddedFont>
-      <p:font typeface="Comfortaa"/>
-      <p:regular r:id="rId13"/>
-      <p:bold r:id="rId14"/>
+      <p:font typeface="Comfortaa" panose="020B0604020202020204" charset="0"/>
+      <p:regular r:id="rId10"/>
+      <p:bold r:id="rId11"/>
+    </p:embeddedFont>
+    <p:embeddedFont>
+      <p:font typeface="Georgia" panose="02040502050405020303" pitchFamily="18" charset="0"/>
+      <p:regular r:id="rId12"/>
+      <p:bold r:id="rId13"/>
+      <p:italic r:id="rId14"/>
+      <p:boldItalic r:id="rId15"/>
     </p:embeddedFont>
   </p:embeddedFontLst>
   <p:defaultTextStyle>
-    <a:defPPr lvl="0" marR="0" rtl="0" algn="l">
+    <a:defPPr marR="0" lvl="0" algn="l" rtl="0">
       <a:lnSpc>
         <a:spcPct val="100000"/>
       </a:lnSpc>
@@ -37,7 +44,7 @@
         <a:spcPts val="0"/>
       </a:spcAft>
     </a:defPPr>
-    <a:lvl1pPr lvl="0" marR="0" rtl="0" algn="l">
+    <a:lvl1pPr marR="0" lvl="0" algn="l" rtl="0">
       <a:lnSpc>
         <a:spcPct val="100000"/>
       </a:lnSpc>
@@ -51,7 +58,7 @@
         <a:srgbClr val="000000"/>
       </a:buClr>
       <a:buFont typeface="Arial"/>
-      <a:defRPr b="0" i="0" sz="1400" u="none" cap="none" strike="noStrike">
+      <a:defRPr sz="1400" b="0" i="0" u="none" strike="noStrike" cap="none">
         <a:solidFill>
           <a:srgbClr val="000000"/>
         </a:solidFill>
@@ -61,7 +68,7 @@
         <a:sym typeface="Arial"/>
       </a:defRPr>
     </a:lvl1pPr>
-    <a:lvl2pPr lvl="1" marR="0" rtl="0" algn="l">
+    <a:lvl2pPr marR="0" lvl="1" algn="l" rtl="0">
       <a:lnSpc>
         <a:spcPct val="100000"/>
       </a:lnSpc>
@@ -75,7 +82,7 @@
         <a:srgbClr val="000000"/>
       </a:buClr>
       <a:buFont typeface="Arial"/>
-      <a:defRPr b="0" i="0" sz="1400" u="none" cap="none" strike="noStrike">
+      <a:defRPr sz="1400" b="0" i="0" u="none" strike="noStrike" cap="none">
         <a:solidFill>
           <a:srgbClr val="000000"/>
         </a:solidFill>
@@ -85,7 +92,7 @@
         <a:sym typeface="Arial"/>
       </a:defRPr>
     </a:lvl2pPr>
-    <a:lvl3pPr lvl="2" marR="0" rtl="0" algn="l">
+    <a:lvl3pPr marR="0" lvl="2" algn="l" rtl="0">
       <a:lnSpc>
         <a:spcPct val="100000"/>
       </a:lnSpc>
@@ -99,7 +106,7 @@
         <a:srgbClr val="000000"/>
       </a:buClr>
       <a:buFont typeface="Arial"/>
-      <a:defRPr b="0" i="0" sz="1400" u="none" cap="none" strike="noStrike">
+      <a:defRPr sz="1400" b="0" i="0" u="none" strike="noStrike" cap="none">
         <a:solidFill>
           <a:srgbClr val="000000"/>
         </a:solidFill>
@@ -109,7 +116,7 @@
         <a:sym typeface="Arial"/>
       </a:defRPr>
     </a:lvl3pPr>
-    <a:lvl4pPr lvl="3" marR="0" rtl="0" algn="l">
+    <a:lvl4pPr marR="0" lvl="3" algn="l" rtl="0">
       <a:lnSpc>
         <a:spcPct val="100000"/>
       </a:lnSpc>
@@ -123,7 +130,7 @@
         <a:srgbClr val="000000"/>
       </a:buClr>
       <a:buFont typeface="Arial"/>
-      <a:defRPr b="0" i="0" sz="1400" u="none" cap="none" strike="noStrike">
+      <a:defRPr sz="1400" b="0" i="0" u="none" strike="noStrike" cap="none">
         <a:solidFill>
           <a:srgbClr val="000000"/>
         </a:solidFill>
@@ -133,7 +140,7 @@
         <a:sym typeface="Arial"/>
       </a:defRPr>
     </a:lvl4pPr>
-    <a:lvl5pPr lvl="4" marR="0" rtl="0" algn="l">
+    <a:lvl5pPr marR="0" lvl="4" algn="l" rtl="0">
       <a:lnSpc>
         <a:spcPct val="100000"/>
       </a:lnSpc>
@@ -147,7 +154,7 @@
         <a:srgbClr val="000000"/>
       </a:buClr>
       <a:buFont typeface="Arial"/>
-      <a:defRPr b="0" i="0" sz="1400" u="none" cap="none" strike="noStrike">
+      <a:defRPr sz="1400" b="0" i="0" u="none" strike="noStrike" cap="none">
         <a:solidFill>
           <a:srgbClr val="000000"/>
         </a:solidFill>
@@ -157,7 +164,7 @@
         <a:sym typeface="Arial"/>
       </a:defRPr>
     </a:lvl5pPr>
-    <a:lvl6pPr lvl="5" marR="0" rtl="0" algn="l">
+    <a:lvl6pPr marR="0" lvl="5" algn="l" rtl="0">
       <a:lnSpc>
         <a:spcPct val="100000"/>
       </a:lnSpc>
@@ -171,7 +178,7 @@
         <a:srgbClr val="000000"/>
       </a:buClr>
       <a:buFont typeface="Arial"/>
-      <a:defRPr b="0" i="0" sz="1400" u="none" cap="none" strike="noStrike">
+      <a:defRPr sz="1400" b="0" i="0" u="none" strike="noStrike" cap="none">
         <a:solidFill>
           <a:srgbClr val="000000"/>
         </a:solidFill>
@@ -181,7 +188,7 @@
         <a:sym typeface="Arial"/>
       </a:defRPr>
     </a:lvl6pPr>
-    <a:lvl7pPr lvl="6" marR="0" rtl="0" algn="l">
+    <a:lvl7pPr marR="0" lvl="6" algn="l" rtl="0">
       <a:lnSpc>
         <a:spcPct val="100000"/>
       </a:lnSpc>
@@ -195,7 +202,7 @@
         <a:srgbClr val="000000"/>
       </a:buClr>
       <a:buFont typeface="Arial"/>
-      <a:defRPr b="0" i="0" sz="1400" u="none" cap="none" strike="noStrike">
+      <a:defRPr sz="1400" b="0" i="0" u="none" strike="noStrike" cap="none">
         <a:solidFill>
           <a:srgbClr val="000000"/>
         </a:solidFill>
@@ -205,7 +212,7 @@
         <a:sym typeface="Arial"/>
       </a:defRPr>
     </a:lvl7pPr>
-    <a:lvl8pPr lvl="7" marR="0" rtl="0" algn="l">
+    <a:lvl8pPr marR="0" lvl="7" algn="l" rtl="0">
       <a:lnSpc>
         <a:spcPct val="100000"/>
       </a:lnSpc>
@@ -219,7 +226,7 @@
         <a:srgbClr val="000000"/>
       </a:buClr>
       <a:buFont typeface="Arial"/>
-      <a:defRPr b="0" i="0" sz="1400" u="none" cap="none" strike="noStrike">
+      <a:defRPr sz="1400" b="0" i="0" u="none" strike="noStrike" cap="none">
         <a:solidFill>
           <a:srgbClr val="000000"/>
         </a:solidFill>
@@ -229,7 +236,7 @@
         <a:sym typeface="Arial"/>
       </a:defRPr>
     </a:lvl8pPr>
-    <a:lvl9pPr lvl="8" marR="0" rtl="0" algn="l">
+    <a:lvl9pPr marR="0" lvl="8" algn="l" rtl="0">
       <a:lnSpc>
         <a:spcPct val="100000"/>
       </a:lnSpc>
@@ -243,7 +250,7 @@
         <a:srgbClr val="000000"/>
       </a:buClr>
       <a:buFont typeface="Arial"/>
-      <a:defRPr b="0" i="0" sz="1400" u="none" cap="none" strike="noStrike">
+      <a:defRPr sz="1400" b="0" i="0" u="none" strike="noStrike" cap="none">
         <a:solidFill>
           <a:srgbClr val="000000"/>
         </a:solidFill>
@@ -256,7 +263,7 @@
   </p:defaultTextStyle>
   <p:extLst>
     <p:ext uri="{EFAFB233-063F-42B5-8137-9DF3F51BA10A}">
-      <p15:sldGuideLst>
+      <p15:sldGuideLst xmlns:p15="http://schemas.microsoft.com/office/powerpoint/2012/main">
         <p15:guide id="1" orient="horz" pos="1620">
           <p15:clr>
             <a:srgbClr val="747775"/>
@@ -274,11 +281,16 @@
 </file>
 
 <file path=ppt/notesMasters/notesMaster1.xml><?xml version="1.0" encoding="utf-8"?>
-<p:notesMaster xmlns:a="http://schemas.openxmlformats.org/drawingml/2006/main" xmlns:r="http://schemas.openxmlformats.org/officeDocument/2006/relationships" xmlns:mc="http://schemas.openxmlformats.org/markup-compatibility/2006" xmlns:mv="urn:schemas-microsoft-com:mac:vml" xmlns:p="http://schemas.openxmlformats.org/presentationml/2006/main" xmlns:c="http://schemas.openxmlformats.org/drawingml/2006/chart" xmlns:dgm="http://schemas.openxmlformats.org/drawingml/2006/diagram" xmlns:o="urn:schemas-microsoft-com:office:office" xmlns:v="urn:schemas-microsoft-com:vml" xmlns:pvml="urn:schemas-microsoft-com:office:powerpoint" xmlns:com="http://schemas.openxmlformats.org/drawingml/2006/compatibility" xmlns:p14="http://schemas.microsoft.com/office/powerpoint/2010/main" xmlns:p15="http://schemas.microsoft.com/office/powerpoint/2012/main" xmlns:ahyp="http://schemas.microsoft.com/office/drawing/2018/hyperlinkcolor">
+<p:notesMaster xmlns:a="http://schemas.openxmlformats.org/drawingml/2006/main" xmlns:r="http://schemas.openxmlformats.org/officeDocument/2006/relationships" xmlns:p="http://schemas.openxmlformats.org/presentationml/2006/main">
   <p:cSld>
+    <p:bg>
+      <p:bgRef idx="1001">
+        <a:schemeClr val="bg1"/>
+      </p:bgRef>
+    </p:bg>
     <p:spTree>
       <p:nvGrpSpPr>
-        <p:cNvPr id="2" name="Shape 2"/>
+        <p:cNvPr id="1" name="Shape 2"/>
         <p:cNvGrpSpPr/>
         <p:nvPr/>
       </p:nvGrpSpPr>
@@ -293,9 +305,11 @@
       <p:sp>
         <p:nvSpPr>
           <p:cNvPr id="3" name="Google Shape;3;n"/>
-          <p:cNvSpPr/>
+          <p:cNvSpPr>
+            <a:spLocks noGrp="1" noRot="1" noChangeAspect="1"/>
+          </p:cNvSpPr>
           <p:nvPr>
-            <p:ph idx="2" type="sldImg"/>
+            <p:ph type="sldImg" idx="2"/>
           </p:nvPr>
         </p:nvSpPr>
         <p:spPr>
@@ -304,9 +318,13 @@
             <a:ext cx="6096075" cy="3429000"/>
           </a:xfrm>
           <a:custGeom>
-            <a:rect b="b" l="l" r="r" t="t"/>
+            <a:avLst/>
+            <a:gdLst/>
+            <a:ahLst/>
+            <a:cxnLst/>
+            <a:rect l="l" t="t" r="r" b="b"/>
             <a:pathLst>
-              <a:path extrusionOk="0" h="120000" w="120000">
+              <a:path w="120000" h="120000" extrusionOk="0">
                 <a:moveTo>
                   <a:pt x="0" y="0"/>
                 </a:moveTo>
@@ -324,23 +342,25 @@
             </a:pathLst>
           </a:custGeom>
           <a:noFill/>
-          <a:ln cap="flat" cmpd="sng" w="9525">
+          <a:ln w="9525" cap="flat" cmpd="sng">
             <a:solidFill>
               <a:srgbClr val="000000"/>
             </a:solidFill>
             <a:prstDash val="solid"/>
             <a:round/>
-            <a:headEnd len="sm" w="sm" type="none"/>
-            <a:tailEnd len="sm" w="sm" type="none"/>
+            <a:headEnd type="none" w="sm" len="sm"/>
+            <a:tailEnd type="none" w="sm" len="sm"/>
           </a:ln>
         </p:spPr>
       </p:sp>
       <p:sp>
         <p:nvSpPr>
           <p:cNvPr id="4" name="Google Shape;4;n"/>
-          <p:cNvSpPr txBox="1"/>
+          <p:cNvSpPr txBox="1">
+            <a:spLocks noGrp="1"/>
+          </p:cNvSpPr>
           <p:nvPr>
-            <p:ph idx="1" type="body"/>
+            <p:ph type="body" idx="1"/>
           </p:nvPr>
         </p:nvSpPr>
         <p:spPr>
@@ -357,11 +377,11 @@
           </a:ln>
         </p:spPr>
         <p:txBody>
-          <a:bodyPr anchorCtr="0" anchor="t" bIns="91425" lIns="91425" spcFirstLastPara="1" rIns="91425" wrap="square" tIns="91425">
+          <a:bodyPr spcFirstLastPara="1" wrap="square" lIns="91425" tIns="91425" rIns="91425" bIns="91425" anchor="t" anchorCtr="0">
             <a:noAutofit/>
           </a:bodyPr>
           <a:lstStyle>
-            <a:lvl1pPr indent="-298450" lvl="0" marL="457200">
+            <a:lvl1pPr marL="457200" lvl="0" indent="-298450">
               <a:spcBef>
                 <a:spcPts val="0"/>
               </a:spcBef>
@@ -372,7 +392,7 @@
               <a:buChar char="●"/>
               <a:defRPr sz="1100"/>
             </a:lvl1pPr>
-            <a:lvl2pPr indent="-298450" lvl="1" marL="914400">
+            <a:lvl2pPr marL="914400" lvl="1" indent="-298450">
               <a:spcBef>
                 <a:spcPts val="0"/>
               </a:spcBef>
@@ -383,7 +403,7 @@
               <a:buChar char="○"/>
               <a:defRPr sz="1100"/>
             </a:lvl2pPr>
-            <a:lvl3pPr indent="-298450" lvl="2" marL="1371600">
+            <a:lvl3pPr marL="1371600" lvl="2" indent="-298450">
               <a:spcBef>
                 <a:spcPts val="0"/>
               </a:spcBef>
@@ -394,7 +414,7 @@
               <a:buChar char="■"/>
               <a:defRPr sz="1100"/>
             </a:lvl3pPr>
-            <a:lvl4pPr indent="-298450" lvl="3" marL="1828800">
+            <a:lvl4pPr marL="1828800" lvl="3" indent="-298450">
               <a:spcBef>
                 <a:spcPts val="0"/>
               </a:spcBef>
@@ -405,7 +425,7 @@
               <a:buChar char="●"/>
               <a:defRPr sz="1100"/>
             </a:lvl4pPr>
-            <a:lvl5pPr indent="-298450" lvl="4" marL="2286000">
+            <a:lvl5pPr marL="2286000" lvl="4" indent="-298450">
               <a:spcBef>
                 <a:spcPts val="0"/>
               </a:spcBef>
@@ -416,7 +436,7 @@
               <a:buChar char="○"/>
               <a:defRPr sz="1100"/>
             </a:lvl5pPr>
-            <a:lvl6pPr indent="-298450" lvl="5" marL="2743200">
+            <a:lvl6pPr marL="2743200" lvl="5" indent="-298450">
               <a:spcBef>
                 <a:spcPts val="0"/>
               </a:spcBef>
@@ -427,7 +447,7 @@
               <a:buChar char="■"/>
               <a:defRPr sz="1100"/>
             </a:lvl6pPr>
-            <a:lvl7pPr indent="-298450" lvl="6" marL="3200400">
+            <a:lvl7pPr marL="3200400" lvl="6" indent="-298450">
               <a:spcBef>
                 <a:spcPts val="0"/>
               </a:spcBef>
@@ -438,7 +458,7 @@
               <a:buChar char="●"/>
               <a:defRPr sz="1100"/>
             </a:lvl7pPr>
-            <a:lvl8pPr indent="-298450" lvl="7" marL="3657600">
+            <a:lvl8pPr marL="3657600" lvl="7" indent="-298450">
               <a:spcBef>
                 <a:spcPts val="0"/>
               </a:spcBef>
@@ -449,7 +469,7 @@
               <a:buChar char="○"/>
               <a:defRPr sz="1100"/>
             </a:lvl8pPr>
-            <a:lvl9pPr indent="-298450" lvl="8" marL="4114800">
+            <a:lvl9pPr marL="4114800" lvl="8" indent="-298450">
               <a:spcBef>
                 <a:spcPts val="0"/>
               </a:spcBef>
@@ -461,14 +481,16 @@
               <a:defRPr sz="1100"/>
             </a:lvl9pPr>
           </a:lstStyle>
-          <a:p/>
+          <a:p>
+            <a:endParaRPr/>
+          </a:p>
         </p:txBody>
       </p:sp>
     </p:spTree>
   </p:cSld>
-  <p:clrMap accent1="accent1" accent2="accent2" accent3="accent3" accent4="accent4" accent5="accent5" accent6="accent6" bg1="lt1" bg2="dk2" tx1="dk1" tx2="lt2" folHlink="folHlink" hlink="hlink"/>
+  <p:clrMap bg1="lt1" tx1="dk1" bg2="dk2" tx2="lt2" accent1="accent1" accent2="accent2" accent3="accent3" accent4="accent4" accent5="accent5" accent6="accent6" hlink="hlink" folHlink="folHlink"/>
   <p:notesStyle>
-    <a:defPPr lvl="0" marR="0" rtl="0" algn="l">
+    <a:defPPr marR="0" lvl="0" algn="l" rtl="0">
       <a:lnSpc>
         <a:spcPct val="100000"/>
       </a:lnSpc>
@@ -479,7 +501,7 @@
         <a:spcPts val="0"/>
       </a:spcAft>
     </a:defPPr>
-    <a:lvl1pPr lvl="0" marR="0" rtl="0" algn="l">
+    <a:lvl1pPr marR="0" lvl="0" algn="l" rtl="0">
       <a:lnSpc>
         <a:spcPct val="100000"/>
       </a:lnSpc>
@@ -493,7 +515,7 @@
         <a:srgbClr val="000000"/>
       </a:buClr>
       <a:buFont typeface="Arial"/>
-      <a:defRPr b="0" i="0" sz="1400" u="none" cap="none" strike="noStrike">
+      <a:defRPr sz="1400" b="0" i="0" u="none" strike="noStrike" cap="none">
         <a:solidFill>
           <a:srgbClr val="000000"/>
         </a:solidFill>
@@ -503,7 +525,7 @@
         <a:sym typeface="Arial"/>
       </a:defRPr>
     </a:lvl1pPr>
-    <a:lvl2pPr lvl="1" marR="0" rtl="0" algn="l">
+    <a:lvl2pPr marR="0" lvl="1" algn="l" rtl="0">
       <a:lnSpc>
         <a:spcPct val="100000"/>
       </a:lnSpc>
@@ -517,7 +539,7 @@
         <a:srgbClr val="000000"/>
       </a:buClr>
       <a:buFont typeface="Arial"/>
-      <a:defRPr b="0" i="0" sz="1400" u="none" cap="none" strike="noStrike">
+      <a:defRPr sz="1400" b="0" i="0" u="none" strike="noStrike" cap="none">
         <a:solidFill>
           <a:srgbClr val="000000"/>
         </a:solidFill>
@@ -527,7 +549,7 @@
         <a:sym typeface="Arial"/>
       </a:defRPr>
     </a:lvl2pPr>
-    <a:lvl3pPr lvl="2" marR="0" rtl="0" algn="l">
+    <a:lvl3pPr marR="0" lvl="2" algn="l" rtl="0">
       <a:lnSpc>
         <a:spcPct val="100000"/>
       </a:lnSpc>
@@ -541,7 +563,7 @@
         <a:srgbClr val="000000"/>
       </a:buClr>
       <a:buFont typeface="Arial"/>
-      <a:defRPr b="0" i="0" sz="1400" u="none" cap="none" strike="noStrike">
+      <a:defRPr sz="1400" b="0" i="0" u="none" strike="noStrike" cap="none">
         <a:solidFill>
           <a:srgbClr val="000000"/>
         </a:solidFill>
@@ -551,7 +573,7 @@
         <a:sym typeface="Arial"/>
       </a:defRPr>
     </a:lvl3pPr>
-    <a:lvl4pPr lvl="3" marR="0" rtl="0" algn="l">
+    <a:lvl4pPr marR="0" lvl="3" algn="l" rtl="0">
       <a:lnSpc>
         <a:spcPct val="100000"/>
       </a:lnSpc>
@@ -565,7 +587,7 @@
         <a:srgbClr val="000000"/>
       </a:buClr>
       <a:buFont typeface="Arial"/>
-      <a:defRPr b="0" i="0" sz="1400" u="none" cap="none" strike="noStrike">
+      <a:defRPr sz="1400" b="0" i="0" u="none" strike="noStrike" cap="none">
         <a:solidFill>
           <a:srgbClr val="000000"/>
         </a:solidFill>
@@ -575,7 +597,7 @@
         <a:sym typeface="Arial"/>
       </a:defRPr>
     </a:lvl4pPr>
-    <a:lvl5pPr lvl="4" marR="0" rtl="0" algn="l">
+    <a:lvl5pPr marR="0" lvl="4" algn="l" rtl="0">
       <a:lnSpc>
         <a:spcPct val="100000"/>
       </a:lnSpc>
@@ -589,7 +611,7 @@
         <a:srgbClr val="000000"/>
       </a:buClr>
       <a:buFont typeface="Arial"/>
-      <a:defRPr b="0" i="0" sz="1400" u="none" cap="none" strike="noStrike">
+      <a:defRPr sz="1400" b="0" i="0" u="none" strike="noStrike" cap="none">
         <a:solidFill>
           <a:srgbClr val="000000"/>
         </a:solidFill>
@@ -599,7 +621,7 @@
         <a:sym typeface="Arial"/>
       </a:defRPr>
     </a:lvl5pPr>
-    <a:lvl6pPr lvl="5" marR="0" rtl="0" algn="l">
+    <a:lvl6pPr marR="0" lvl="5" algn="l" rtl="0">
       <a:lnSpc>
         <a:spcPct val="100000"/>
       </a:lnSpc>
@@ -613,7 +635,7 @@
         <a:srgbClr val="000000"/>
       </a:buClr>
       <a:buFont typeface="Arial"/>
-      <a:defRPr b="0" i="0" sz="1400" u="none" cap="none" strike="noStrike">
+      <a:defRPr sz="1400" b="0" i="0" u="none" strike="noStrike" cap="none">
         <a:solidFill>
           <a:srgbClr val="000000"/>
         </a:solidFill>
@@ -623,7 +645,7 @@
         <a:sym typeface="Arial"/>
       </a:defRPr>
     </a:lvl6pPr>
-    <a:lvl7pPr lvl="6" marR="0" rtl="0" algn="l">
+    <a:lvl7pPr marR="0" lvl="6" algn="l" rtl="0">
       <a:lnSpc>
         <a:spcPct val="100000"/>
       </a:lnSpc>
@@ -637,7 +659,7 @@
         <a:srgbClr val="000000"/>
       </a:buClr>
       <a:buFont typeface="Arial"/>
-      <a:defRPr b="0" i="0" sz="1400" u="none" cap="none" strike="noStrike">
+      <a:defRPr sz="1400" b="0" i="0" u="none" strike="noStrike" cap="none">
         <a:solidFill>
           <a:srgbClr val="000000"/>
         </a:solidFill>
@@ -647,7 +669,7 @@
         <a:sym typeface="Arial"/>
       </a:defRPr>
     </a:lvl7pPr>
-    <a:lvl8pPr lvl="7" marR="0" rtl="0" algn="l">
+    <a:lvl8pPr marR="0" lvl="7" algn="l" rtl="0">
       <a:lnSpc>
         <a:spcPct val="100000"/>
       </a:lnSpc>
@@ -661,7 +683,7 @@
         <a:srgbClr val="000000"/>
       </a:buClr>
       <a:buFont typeface="Arial"/>
-      <a:defRPr b="0" i="0" sz="1400" u="none" cap="none" strike="noStrike">
+      <a:defRPr sz="1400" b="0" i="0" u="none" strike="noStrike" cap="none">
         <a:solidFill>
           <a:srgbClr val="000000"/>
         </a:solidFill>
@@ -671,7 +693,7 @@
         <a:sym typeface="Arial"/>
       </a:defRPr>
     </a:lvl8pPr>
-    <a:lvl9pPr lvl="8" marR="0" rtl="0" algn="l">
+    <a:lvl9pPr marR="0" lvl="8" algn="l" rtl="0">
       <a:lnSpc>
         <a:spcPct val="100000"/>
       </a:lnSpc>
@@ -685,7 +707,7 @@
         <a:srgbClr val="000000"/>
       </a:buClr>
       <a:buFont typeface="Arial"/>
-      <a:defRPr b="0" i="0" sz="1400" u="none" cap="none" strike="noStrike">
+      <a:defRPr sz="1400" b="0" i="0" u="none" strike="noStrike" cap="none">
         <a:solidFill>
           <a:srgbClr val="000000"/>
         </a:solidFill>
@@ -700,11 +722,11 @@
 </file>
 
 <file path=ppt/notesSlides/notesSlide1.xml><?xml version="1.0" encoding="utf-8"?>
-<p:notes xmlns:a="http://schemas.openxmlformats.org/drawingml/2006/main" xmlns:r="http://schemas.openxmlformats.org/officeDocument/2006/relationships" xmlns:mc="http://schemas.openxmlformats.org/markup-compatibility/2006" xmlns:mv="urn:schemas-microsoft-com:mac:vml" xmlns:p="http://schemas.openxmlformats.org/presentationml/2006/main" xmlns:c="http://schemas.openxmlformats.org/drawingml/2006/chart" xmlns:dgm="http://schemas.openxmlformats.org/drawingml/2006/diagram" xmlns:o="urn:schemas-microsoft-com:office:office" xmlns:v="urn:schemas-microsoft-com:vml" xmlns:pvml="urn:schemas-microsoft-com:office:powerpoint" xmlns:com="http://schemas.openxmlformats.org/drawingml/2006/compatibility" xmlns:p14="http://schemas.microsoft.com/office/powerpoint/2010/main" xmlns:p15="http://schemas.microsoft.com/office/powerpoint/2012/main" xmlns:ahyp="http://schemas.microsoft.com/office/drawing/2018/hyperlinkcolor" showMasterPhAnim="0" showMasterSp="0">
+<p:notes xmlns:a="http://schemas.openxmlformats.org/drawingml/2006/main" xmlns:r="http://schemas.openxmlformats.org/officeDocument/2006/relationships" xmlns:p="http://schemas.openxmlformats.org/presentationml/2006/main" showMasterSp="0" showMasterPhAnim="0">
   <p:cSld>
     <p:spTree>
       <p:nvGrpSpPr>
-        <p:cNvPr id="51" name="Shape 51"/>
+        <p:cNvPr id="1" name="Shape 51"/>
         <p:cNvGrpSpPr/>
         <p:nvPr/>
       </p:nvGrpSpPr>
@@ -719,9 +741,11 @@
       <p:sp>
         <p:nvSpPr>
           <p:cNvPr id="52" name="Google Shape;52;p:notes"/>
-          <p:cNvSpPr/>
+          <p:cNvSpPr>
+            <a:spLocks noGrp="1" noRot="1" noChangeAspect="1"/>
+          </p:cNvSpPr>
           <p:nvPr>
-            <p:ph idx="2" type="sldImg"/>
+            <p:ph type="sldImg" idx="2"/>
           </p:nvPr>
         </p:nvSpPr>
         <p:spPr>
@@ -730,9 +754,13 @@
             <a:ext cx="6096075" cy="3429000"/>
           </a:xfrm>
           <a:custGeom>
-            <a:rect b="b" l="l" r="r" t="t"/>
+            <a:avLst/>
+            <a:gdLst/>
+            <a:ahLst/>
+            <a:cxnLst/>
+            <a:rect l="l" t="t" r="r" b="b"/>
             <a:pathLst>
-              <a:path extrusionOk="0" h="120000" w="120000">
+              <a:path w="120000" h="120000" extrusionOk="0">
                 <a:moveTo>
                   <a:pt x="0" y="0"/>
                 </a:moveTo>
@@ -754,9 +782,11 @@
       <p:sp>
         <p:nvSpPr>
           <p:cNvPr id="53" name="Google Shape;53;p:notes"/>
-          <p:cNvSpPr txBox="1"/>
+          <p:cNvSpPr txBox="1">
+            <a:spLocks noGrp="1"/>
+          </p:cNvSpPr>
           <p:nvPr>
-            <p:ph idx="1" type="body"/>
+            <p:ph type="body" idx="1"/>
           </p:nvPr>
         </p:nvSpPr>
         <p:spPr>
@@ -769,12 +799,12 @@
           </a:prstGeom>
         </p:spPr>
         <p:txBody>
-          <a:bodyPr anchorCtr="0" anchor="t" bIns="91425" lIns="91425" spcFirstLastPara="1" rIns="91425" wrap="square" tIns="91425">
+          <a:bodyPr spcFirstLastPara="1" wrap="square" lIns="91425" tIns="91425" rIns="91425" bIns="91425" anchor="t" anchorCtr="0">
             <a:noAutofit/>
           </a:bodyPr>
           <a:lstStyle/>
           <a:p>
-            <a:pPr indent="0" lvl="0" marL="0" rtl="0" algn="l">
+            <a:pPr marL="0" lvl="0" indent="0" algn="l" rtl="0">
               <a:spcBef>
                 <a:spcPts val="0"/>
               </a:spcBef>
@@ -783,9 +813,6 @@
               </a:spcAft>
               <a:buNone/>
             </a:pPr>
-            <a:r>
-              <a:t/>
-            </a:r>
             <a:endParaRPr/>
           </a:p>
         </p:txBody>
@@ -799,11 +826,11 @@
 </file>
 
 <file path=ppt/notesSlides/notesSlide2.xml><?xml version="1.0" encoding="utf-8"?>
-<p:notes xmlns:a="http://schemas.openxmlformats.org/drawingml/2006/main" xmlns:r="http://schemas.openxmlformats.org/officeDocument/2006/relationships" xmlns:mc="http://schemas.openxmlformats.org/markup-compatibility/2006" xmlns:mv="urn:schemas-microsoft-com:mac:vml" xmlns:p="http://schemas.openxmlformats.org/presentationml/2006/main" xmlns:c="http://schemas.openxmlformats.org/drawingml/2006/chart" xmlns:dgm="http://schemas.openxmlformats.org/drawingml/2006/diagram" xmlns:o="urn:schemas-microsoft-com:office:office" xmlns:v="urn:schemas-microsoft-com:vml" xmlns:pvml="urn:schemas-microsoft-com:office:powerpoint" xmlns:com="http://schemas.openxmlformats.org/drawingml/2006/compatibility" xmlns:p14="http://schemas.microsoft.com/office/powerpoint/2010/main" xmlns:p15="http://schemas.microsoft.com/office/powerpoint/2012/main" xmlns:ahyp="http://schemas.microsoft.com/office/drawing/2018/hyperlinkcolor" showMasterPhAnim="0" showMasterSp="0">
+<p:notes xmlns:a="http://schemas.openxmlformats.org/drawingml/2006/main" xmlns:r="http://schemas.openxmlformats.org/officeDocument/2006/relationships" xmlns:p="http://schemas.openxmlformats.org/presentationml/2006/main" showMasterSp="0" showMasterPhAnim="0">
   <p:cSld>
     <p:spTree>
       <p:nvGrpSpPr>
-        <p:cNvPr id="60" name="Shape 60"/>
+        <p:cNvPr id="1" name="Shape 60"/>
         <p:cNvGrpSpPr/>
         <p:nvPr/>
       </p:nvGrpSpPr>
@@ -818,20 +845,26 @@
       <p:sp>
         <p:nvSpPr>
           <p:cNvPr id="61" name="Google Shape;61;g31a6762a23b_0_94:notes"/>
-          <p:cNvSpPr/>
+          <p:cNvSpPr>
+            <a:spLocks noGrp="1" noRot="1" noChangeAspect="1"/>
+          </p:cNvSpPr>
           <p:nvPr>
-            <p:ph idx="2" type="sldImg"/>
+            <p:ph type="sldImg" idx="2"/>
           </p:nvPr>
         </p:nvSpPr>
         <p:spPr>
           <a:xfrm>
-            <a:off x="381300" y="685800"/>
+            <a:off x="381000" y="685800"/>
             <a:ext cx="6096000" cy="3429000"/>
           </a:xfrm>
           <a:custGeom>
-            <a:rect b="b" l="l" r="r" t="t"/>
+            <a:avLst/>
+            <a:gdLst/>
+            <a:ahLst/>
+            <a:cxnLst/>
+            <a:rect l="l" t="t" r="r" b="b"/>
             <a:pathLst>
-              <a:path extrusionOk="0" h="120000" w="120000">
+              <a:path w="120000" h="120000" extrusionOk="0">
                 <a:moveTo>
                   <a:pt x="0" y="0"/>
                 </a:moveTo>
@@ -853,9 +886,11 @@
       <p:sp>
         <p:nvSpPr>
           <p:cNvPr id="62" name="Google Shape;62;g31a6762a23b_0_94:notes"/>
-          <p:cNvSpPr txBox="1"/>
+          <p:cNvSpPr txBox="1">
+            <a:spLocks noGrp="1"/>
+          </p:cNvSpPr>
           <p:nvPr>
-            <p:ph idx="1" type="body"/>
+            <p:ph type="body" idx="1"/>
           </p:nvPr>
         </p:nvSpPr>
         <p:spPr>
@@ -868,12 +903,12 @@
           </a:prstGeom>
         </p:spPr>
         <p:txBody>
-          <a:bodyPr anchorCtr="0" anchor="t" bIns="91425" lIns="91425" spcFirstLastPara="1" rIns="91425" wrap="square" tIns="91425">
+          <a:bodyPr spcFirstLastPara="1" wrap="square" lIns="91425" tIns="91425" rIns="91425" bIns="91425" anchor="t" anchorCtr="0">
             <a:noAutofit/>
           </a:bodyPr>
           <a:lstStyle/>
           <a:p>
-            <a:pPr indent="0" lvl="0" marL="0" rtl="0" algn="l">
+            <a:pPr marL="0" lvl="0" indent="0" algn="l" rtl="0">
               <a:spcBef>
                 <a:spcPts val="0"/>
               </a:spcBef>
@@ -883,7 +918,7 @@
               <a:buNone/>
             </a:pPr>
             <a:r>
-              <a:rPr b="1" lang="en-GB">
+              <a:rPr lang="en-GB" b="1">
                 <a:solidFill>
                   <a:schemeClr val="dk1"/>
                 </a:solidFill>
@@ -897,7 +932,7 @@
             </a:endParaRPr>
           </a:p>
           <a:p>
-            <a:pPr indent="0" lvl="0" marL="0" rtl="0" algn="l">
+            <a:pPr marL="0" lvl="0" indent="0" algn="l" rtl="0">
               <a:spcBef>
                 <a:spcPts val="0"/>
               </a:spcBef>
@@ -907,7 +942,7 @@
               <a:buNone/>
             </a:pPr>
             <a:r>
-              <a:rPr b="1" lang="en-GB">
+              <a:rPr lang="en-GB" b="1">
                 <a:solidFill>
                   <a:schemeClr val="dk1"/>
                 </a:solidFill>
@@ -929,7 +964,7 @@
             </a:endParaRPr>
           </a:p>
           <a:p>
-            <a:pPr indent="0" lvl="0" marL="0" rtl="0" algn="l">
+            <a:pPr marL="0" lvl="0" indent="0" algn="l" rtl="0">
               <a:spcBef>
                 <a:spcPts val="0"/>
               </a:spcBef>
@@ -939,7 +974,7 @@
               <a:buNone/>
             </a:pPr>
             <a:r>
-              <a:rPr b="1" lang="en-GB">
+              <a:rPr lang="en-GB" b="1">
                 <a:solidFill>
                   <a:schemeClr val="dk1"/>
                 </a:solidFill>
@@ -961,7 +996,7 @@
             </a:endParaRPr>
           </a:p>
           <a:p>
-            <a:pPr indent="0" lvl="0" marL="0" rtl="0" algn="l">
+            <a:pPr marL="0" lvl="0" indent="0" algn="l" rtl="0">
               <a:spcBef>
                 <a:spcPts val="0"/>
               </a:spcBef>
@@ -971,7 +1006,7 @@
               <a:buNone/>
             </a:pPr>
             <a:r>
-              <a:rPr b="1" lang="en-GB">
+              <a:rPr lang="en-GB" b="1">
                 <a:solidFill>
                   <a:schemeClr val="dk1"/>
                 </a:solidFill>
@@ -984,39 +1019,7 @@
                   <a:schemeClr val="dk1"/>
                 </a:solidFill>
               </a:rPr>
-              <a:t>is a popular open source web application framework developed by google and </a:t>
-            </a:r>
-            <a:r>
-              <a:rPr lang="en-GB">
-                <a:solidFill>
-                  <a:schemeClr val="dk1"/>
-                </a:solidFill>
-              </a:rPr>
-              <a:t>community</a:t>
-            </a:r>
-            <a:r>
-              <a:rPr lang="en-GB">
-                <a:solidFill>
-                  <a:schemeClr val="dk1"/>
-                </a:solidFill>
-              </a:rPr>
-              <a:t> of </a:t>
-            </a:r>
-            <a:r>
-              <a:rPr lang="en-GB">
-                <a:solidFill>
-                  <a:schemeClr val="dk1"/>
-                </a:solidFill>
-              </a:rPr>
-              <a:t>individual</a:t>
-            </a:r>
-            <a:r>
-              <a:rPr lang="en-GB">
-                <a:solidFill>
-                  <a:schemeClr val="dk1"/>
-                </a:solidFill>
-              </a:rPr>
-              <a:t> (אִישִׁי) developers and corporations (תאגידים - الشركات) it use to build dynamic and modern web applications - it use with css and js </a:t>
+              <a:t>is a popular open source web application framework developed by google and community of individual (אִישִׁי) developers and corporations (תאגידים - الشركات) it use to build dynamic and modern web applications - it use with css and js </a:t>
             </a:r>
             <a:endParaRPr>
               <a:solidFill>
@@ -1025,7 +1028,7 @@
             </a:endParaRPr>
           </a:p>
           <a:p>
-            <a:pPr indent="0" lvl="0" marL="457200" rtl="0" algn="l">
+            <a:pPr marL="457200" lvl="0" indent="0" algn="l" rtl="0">
               <a:lnSpc>
                 <a:spcPct val="115000"/>
               </a:lnSpc>
@@ -1042,9 +1045,6 @@
               <a:buFont typeface="Arial"/>
               <a:buNone/>
             </a:pPr>
-            <a:r>
-              <a:t/>
-            </a:r>
             <a:endParaRPr>
               <a:solidFill>
                 <a:schemeClr val="dk1"/>
@@ -1062,11 +1062,11 @@
 </file>
 
 <file path=ppt/notesSlides/notesSlide3.xml><?xml version="1.0" encoding="utf-8"?>
-<p:notes xmlns:a="http://schemas.openxmlformats.org/drawingml/2006/main" xmlns:r="http://schemas.openxmlformats.org/officeDocument/2006/relationships" xmlns:mc="http://schemas.openxmlformats.org/markup-compatibility/2006" xmlns:mv="urn:schemas-microsoft-com:mac:vml" xmlns:p="http://schemas.openxmlformats.org/presentationml/2006/main" xmlns:c="http://schemas.openxmlformats.org/drawingml/2006/chart" xmlns:dgm="http://schemas.openxmlformats.org/drawingml/2006/diagram" xmlns:o="urn:schemas-microsoft-com:office:office" xmlns:v="urn:schemas-microsoft-com:vml" xmlns:pvml="urn:schemas-microsoft-com:office:powerpoint" xmlns:com="http://schemas.openxmlformats.org/drawingml/2006/compatibility" xmlns:p14="http://schemas.microsoft.com/office/powerpoint/2010/main" xmlns:p15="http://schemas.microsoft.com/office/powerpoint/2012/main" xmlns:ahyp="http://schemas.microsoft.com/office/drawing/2018/hyperlinkcolor" showMasterPhAnim="0" showMasterSp="0">
+<p:notes xmlns:a="http://schemas.openxmlformats.org/drawingml/2006/main" xmlns:r="http://schemas.openxmlformats.org/officeDocument/2006/relationships" xmlns:p="http://schemas.openxmlformats.org/presentationml/2006/main" showMasterSp="0" showMasterPhAnim="0">
   <p:cSld>
     <p:spTree>
       <p:nvGrpSpPr>
-        <p:cNvPr id="70" name="Shape 70"/>
+        <p:cNvPr id="1" name="Shape 70"/>
         <p:cNvGrpSpPr/>
         <p:nvPr/>
       </p:nvGrpSpPr>
@@ -1081,9 +1081,11 @@
       <p:sp>
         <p:nvSpPr>
           <p:cNvPr id="71" name="Google Shape;71;g31a6762a23b_0_116:notes"/>
-          <p:cNvSpPr/>
+          <p:cNvSpPr>
+            <a:spLocks noGrp="1" noRot="1" noChangeAspect="1"/>
+          </p:cNvSpPr>
           <p:nvPr>
-            <p:ph idx="2" type="sldImg"/>
+            <p:ph type="sldImg" idx="2"/>
           </p:nvPr>
         </p:nvSpPr>
         <p:spPr>
@@ -1092,9 +1094,13 @@
             <a:ext cx="6096000" cy="3429000"/>
           </a:xfrm>
           <a:custGeom>
-            <a:rect b="b" l="l" r="r" t="t"/>
+            <a:avLst/>
+            <a:gdLst/>
+            <a:ahLst/>
+            <a:cxnLst/>
+            <a:rect l="l" t="t" r="r" b="b"/>
             <a:pathLst>
-              <a:path extrusionOk="0" h="120000" w="120000">
+              <a:path w="120000" h="120000" extrusionOk="0">
                 <a:moveTo>
                   <a:pt x="0" y="0"/>
                 </a:moveTo>
@@ -1116,9 +1122,11 @@
       <p:sp>
         <p:nvSpPr>
           <p:cNvPr id="72" name="Google Shape;72;g31a6762a23b_0_116:notes"/>
-          <p:cNvSpPr txBox="1"/>
+          <p:cNvSpPr txBox="1">
+            <a:spLocks noGrp="1"/>
+          </p:cNvSpPr>
           <p:nvPr>
-            <p:ph idx="1" type="body"/>
+            <p:ph type="body" idx="1"/>
           </p:nvPr>
         </p:nvSpPr>
         <p:spPr>
@@ -1131,12 +1139,12 @@
           </a:prstGeom>
         </p:spPr>
         <p:txBody>
-          <a:bodyPr anchorCtr="0" anchor="t" bIns="91425" lIns="91425" spcFirstLastPara="1" rIns="91425" wrap="square" tIns="91425">
+          <a:bodyPr spcFirstLastPara="1" wrap="square" lIns="91425" tIns="91425" rIns="91425" bIns="91425" anchor="t" anchorCtr="0">
             <a:noAutofit/>
           </a:bodyPr>
           <a:lstStyle/>
           <a:p>
-            <a:pPr indent="0" lvl="0" marL="0" rtl="0" algn="l">
+            <a:pPr marL="0" lvl="0" indent="0" algn="l" rtl="0">
               <a:spcBef>
                 <a:spcPts val="0"/>
               </a:spcBef>
@@ -1145,9 +1153,6 @@
               </a:spcAft>
               <a:buNone/>
             </a:pPr>
-            <a:r>
-              <a:t/>
-            </a:r>
             <a:endParaRPr/>
           </a:p>
         </p:txBody>
@@ -1161,11 +1166,11 @@
 </file>
 
 <file path=ppt/notesSlides/notesSlide4.xml><?xml version="1.0" encoding="utf-8"?>
-<p:notes xmlns:a="http://schemas.openxmlformats.org/drawingml/2006/main" xmlns:r="http://schemas.openxmlformats.org/officeDocument/2006/relationships" xmlns:mc="http://schemas.openxmlformats.org/markup-compatibility/2006" xmlns:mv="urn:schemas-microsoft-com:mac:vml" xmlns:p="http://schemas.openxmlformats.org/presentationml/2006/main" xmlns:c="http://schemas.openxmlformats.org/drawingml/2006/chart" xmlns:dgm="http://schemas.openxmlformats.org/drawingml/2006/diagram" xmlns:o="urn:schemas-microsoft-com:office:office" xmlns:v="urn:schemas-microsoft-com:vml" xmlns:pvml="urn:schemas-microsoft-com:office:powerpoint" xmlns:com="http://schemas.openxmlformats.org/drawingml/2006/compatibility" xmlns:p14="http://schemas.microsoft.com/office/powerpoint/2010/main" xmlns:p15="http://schemas.microsoft.com/office/powerpoint/2012/main" xmlns:ahyp="http://schemas.microsoft.com/office/drawing/2018/hyperlinkcolor" showMasterPhAnim="0" showMasterSp="0">
+<p:notes xmlns:a="http://schemas.openxmlformats.org/drawingml/2006/main" xmlns:r="http://schemas.openxmlformats.org/officeDocument/2006/relationships" xmlns:p="http://schemas.openxmlformats.org/presentationml/2006/main" showMasterSp="0" showMasterPhAnim="0">
   <p:cSld>
     <p:spTree>
       <p:nvGrpSpPr>
-        <p:cNvPr id="79" name="Shape 79"/>
+        <p:cNvPr id="1" name="Shape 79"/>
         <p:cNvGrpSpPr/>
         <p:nvPr/>
       </p:nvGrpSpPr>
@@ -1180,20 +1185,26 @@
       <p:sp>
         <p:nvSpPr>
           <p:cNvPr id="80" name="Google Shape;80;g31a6762a23b_0_126:notes"/>
-          <p:cNvSpPr/>
+          <p:cNvSpPr>
+            <a:spLocks noGrp="1" noRot="1" noChangeAspect="1"/>
+          </p:cNvSpPr>
           <p:nvPr>
-            <p:ph idx="2" type="sldImg"/>
+            <p:ph type="sldImg" idx="2"/>
           </p:nvPr>
         </p:nvSpPr>
         <p:spPr>
           <a:xfrm>
-            <a:off x="381300" y="685800"/>
+            <a:off x="381000" y="685800"/>
             <a:ext cx="6096000" cy="3429000"/>
           </a:xfrm>
           <a:custGeom>
-            <a:rect b="b" l="l" r="r" t="t"/>
+            <a:avLst/>
+            <a:gdLst/>
+            <a:ahLst/>
+            <a:cxnLst/>
+            <a:rect l="l" t="t" r="r" b="b"/>
             <a:pathLst>
-              <a:path extrusionOk="0" h="120000" w="120000">
+              <a:path w="120000" h="120000" extrusionOk="0">
                 <a:moveTo>
                   <a:pt x="0" y="0"/>
                 </a:moveTo>
@@ -1215,9 +1226,11 @@
       <p:sp>
         <p:nvSpPr>
           <p:cNvPr id="81" name="Google Shape;81;g31a6762a23b_0_126:notes"/>
-          <p:cNvSpPr txBox="1"/>
+          <p:cNvSpPr txBox="1">
+            <a:spLocks noGrp="1"/>
+          </p:cNvSpPr>
           <p:nvPr>
-            <p:ph idx="1" type="body"/>
+            <p:ph type="body" idx="1"/>
           </p:nvPr>
         </p:nvSpPr>
         <p:spPr>
@@ -1230,12 +1243,12 @@
           </a:prstGeom>
         </p:spPr>
         <p:txBody>
-          <a:bodyPr anchorCtr="0" anchor="t" bIns="91425" lIns="91425" spcFirstLastPara="1" rIns="91425" wrap="square" tIns="91425">
+          <a:bodyPr spcFirstLastPara="1" wrap="square" lIns="91425" tIns="91425" rIns="91425" bIns="91425" anchor="t" anchorCtr="0">
             <a:noAutofit/>
           </a:bodyPr>
           <a:lstStyle/>
           <a:p>
-            <a:pPr indent="0" lvl="0" marL="0" rtl="0" algn="l">
+            <a:pPr marL="0" lvl="0" indent="0" algn="l" rtl="0">
               <a:spcBef>
                 <a:spcPts val="0"/>
               </a:spcBef>
@@ -1244,9 +1257,6 @@
               </a:spcAft>
               <a:buNone/>
             </a:pPr>
-            <a:r>
-              <a:t/>
-            </a:r>
             <a:endParaRPr/>
           </a:p>
         </p:txBody>
@@ -1260,11 +1270,11 @@
 </file>
 
 <file path=ppt/notesSlides/notesSlide5.xml><?xml version="1.0" encoding="utf-8"?>
-<p:notes xmlns:a="http://schemas.openxmlformats.org/drawingml/2006/main" xmlns:r="http://schemas.openxmlformats.org/officeDocument/2006/relationships" xmlns:mc="http://schemas.openxmlformats.org/markup-compatibility/2006" xmlns:mv="urn:schemas-microsoft-com:mac:vml" xmlns:p="http://schemas.openxmlformats.org/presentationml/2006/main" xmlns:c="http://schemas.openxmlformats.org/drawingml/2006/chart" xmlns:dgm="http://schemas.openxmlformats.org/drawingml/2006/diagram" xmlns:o="urn:schemas-microsoft-com:office:office" xmlns:v="urn:schemas-microsoft-com:vml" xmlns:pvml="urn:schemas-microsoft-com:office:powerpoint" xmlns:com="http://schemas.openxmlformats.org/drawingml/2006/compatibility" xmlns:p14="http://schemas.microsoft.com/office/powerpoint/2010/main" xmlns:p15="http://schemas.microsoft.com/office/powerpoint/2012/main" xmlns:ahyp="http://schemas.microsoft.com/office/drawing/2018/hyperlinkcolor" showMasterPhAnim="0" showMasterSp="0">
+<p:notes xmlns:a="http://schemas.openxmlformats.org/drawingml/2006/main" xmlns:r="http://schemas.openxmlformats.org/officeDocument/2006/relationships" xmlns:p="http://schemas.openxmlformats.org/presentationml/2006/main" showMasterSp="0" showMasterPhAnim="0">
   <p:cSld>
     <p:spTree>
       <p:nvGrpSpPr>
-        <p:cNvPr id="86" name="Shape 86"/>
+        <p:cNvPr id="1" name="Shape 86"/>
         <p:cNvGrpSpPr/>
         <p:nvPr/>
       </p:nvGrpSpPr>
@@ -1279,9 +1289,11 @@
       <p:sp>
         <p:nvSpPr>
           <p:cNvPr id="87" name="Google Shape;87;g31a6762a23b_0_146:notes"/>
-          <p:cNvSpPr/>
+          <p:cNvSpPr>
+            <a:spLocks noGrp="1" noRot="1" noChangeAspect="1"/>
+          </p:cNvSpPr>
           <p:nvPr>
-            <p:ph idx="2" type="sldImg"/>
+            <p:ph type="sldImg" idx="2"/>
           </p:nvPr>
         </p:nvSpPr>
         <p:spPr>
@@ -1290,9 +1302,13 @@
             <a:ext cx="6096000" cy="3429000"/>
           </a:xfrm>
           <a:custGeom>
-            <a:rect b="b" l="l" r="r" t="t"/>
+            <a:avLst/>
+            <a:gdLst/>
+            <a:ahLst/>
+            <a:cxnLst/>
+            <a:rect l="l" t="t" r="r" b="b"/>
             <a:pathLst>
-              <a:path extrusionOk="0" h="120000" w="120000">
+              <a:path w="120000" h="120000" extrusionOk="0">
                 <a:moveTo>
                   <a:pt x="0" y="0"/>
                 </a:moveTo>
@@ -1314,9 +1330,11 @@
       <p:sp>
         <p:nvSpPr>
           <p:cNvPr id="88" name="Google Shape;88;g31a6762a23b_0_146:notes"/>
-          <p:cNvSpPr txBox="1"/>
+          <p:cNvSpPr txBox="1">
+            <a:spLocks noGrp="1"/>
+          </p:cNvSpPr>
           <p:nvPr>
-            <p:ph idx="1" type="body"/>
+            <p:ph type="body" idx="1"/>
           </p:nvPr>
         </p:nvSpPr>
         <p:spPr>
@@ -1329,12 +1347,12 @@
           </a:prstGeom>
         </p:spPr>
         <p:txBody>
-          <a:bodyPr anchorCtr="0" anchor="t" bIns="91425" lIns="91425" spcFirstLastPara="1" rIns="91425" wrap="square" tIns="91425">
+          <a:bodyPr spcFirstLastPara="1" wrap="square" lIns="91425" tIns="91425" rIns="91425" bIns="91425" anchor="t" anchorCtr="0">
             <a:noAutofit/>
           </a:bodyPr>
           <a:lstStyle/>
           <a:p>
-            <a:pPr indent="0" lvl="0" marL="0" rtl="0" algn="l">
+            <a:pPr marL="0" lvl="0" indent="0" algn="l" rtl="0">
               <a:spcBef>
                 <a:spcPts val="0"/>
               </a:spcBef>
@@ -1343,9 +1361,6 @@
               </a:spcAft>
               <a:buNone/>
             </a:pPr>
-            <a:r>
-              <a:t/>
-            </a:r>
             <a:endParaRPr/>
           </a:p>
         </p:txBody>
@@ -1359,11 +1374,11 @@
 </file>
 
 <file path=ppt/notesSlides/notesSlide6.xml><?xml version="1.0" encoding="utf-8"?>
-<p:notes xmlns:a="http://schemas.openxmlformats.org/drawingml/2006/main" xmlns:r="http://schemas.openxmlformats.org/officeDocument/2006/relationships" xmlns:mc="http://schemas.openxmlformats.org/markup-compatibility/2006" xmlns:mv="urn:schemas-microsoft-com:mac:vml" xmlns:p="http://schemas.openxmlformats.org/presentationml/2006/main" xmlns:c="http://schemas.openxmlformats.org/drawingml/2006/chart" xmlns:dgm="http://schemas.openxmlformats.org/drawingml/2006/diagram" xmlns:o="urn:schemas-microsoft-com:office:office" xmlns:v="urn:schemas-microsoft-com:vml" xmlns:pvml="urn:schemas-microsoft-com:office:powerpoint" xmlns:com="http://schemas.openxmlformats.org/drawingml/2006/compatibility" xmlns:p14="http://schemas.microsoft.com/office/powerpoint/2010/main" xmlns:p15="http://schemas.microsoft.com/office/powerpoint/2012/main" xmlns:ahyp="http://schemas.microsoft.com/office/drawing/2018/hyperlinkcolor" showMasterPhAnim="0" showMasterSp="0">
+<p:notes xmlns:a="http://schemas.openxmlformats.org/drawingml/2006/main" xmlns:r="http://schemas.openxmlformats.org/officeDocument/2006/relationships" xmlns:p="http://schemas.openxmlformats.org/presentationml/2006/main" showMasterSp="0" showMasterPhAnim="0">
   <p:cSld>
     <p:spTree>
       <p:nvGrpSpPr>
-        <p:cNvPr id="100" name="Shape 100"/>
+        <p:cNvPr id="1" name="Shape 100"/>
         <p:cNvGrpSpPr/>
         <p:nvPr/>
       </p:nvGrpSpPr>
@@ -1378,20 +1393,26 @@
       <p:sp>
         <p:nvSpPr>
           <p:cNvPr id="101" name="Google Shape;101;g2d63b4b19cf_0_0:notes"/>
-          <p:cNvSpPr/>
+          <p:cNvSpPr>
+            <a:spLocks noGrp="1" noRot="1" noChangeAspect="1"/>
+          </p:cNvSpPr>
           <p:nvPr>
-            <p:ph idx="2" type="sldImg"/>
+            <p:ph type="sldImg" idx="2"/>
           </p:nvPr>
         </p:nvSpPr>
         <p:spPr>
           <a:xfrm>
-            <a:off x="381300" y="685800"/>
+            <a:off x="381000" y="685800"/>
             <a:ext cx="6096000" cy="3429000"/>
           </a:xfrm>
           <a:custGeom>
-            <a:rect b="b" l="l" r="r" t="t"/>
+            <a:avLst/>
+            <a:gdLst/>
+            <a:ahLst/>
+            <a:cxnLst/>
+            <a:rect l="l" t="t" r="r" b="b"/>
             <a:pathLst>
-              <a:path extrusionOk="0" h="120000" w="120000">
+              <a:path w="120000" h="120000" extrusionOk="0">
                 <a:moveTo>
                   <a:pt x="0" y="0"/>
                 </a:moveTo>
@@ -1413,9 +1434,11 @@
       <p:sp>
         <p:nvSpPr>
           <p:cNvPr id="102" name="Google Shape;102;g2d63b4b19cf_0_0:notes"/>
-          <p:cNvSpPr txBox="1"/>
+          <p:cNvSpPr txBox="1">
+            <a:spLocks noGrp="1"/>
+          </p:cNvSpPr>
           <p:nvPr>
-            <p:ph idx="1" type="body"/>
+            <p:ph type="body" idx="1"/>
           </p:nvPr>
         </p:nvSpPr>
         <p:spPr>
@@ -1428,12 +1451,12 @@
           </a:prstGeom>
         </p:spPr>
         <p:txBody>
-          <a:bodyPr anchorCtr="0" anchor="t" bIns="91425" lIns="91425" spcFirstLastPara="1" rIns="91425" wrap="square" tIns="91425">
+          <a:bodyPr spcFirstLastPara="1" wrap="square" lIns="91425" tIns="91425" rIns="91425" bIns="91425" anchor="t" anchorCtr="0">
             <a:noAutofit/>
           </a:bodyPr>
           <a:lstStyle/>
           <a:p>
-            <a:pPr indent="0" lvl="0" marL="0" rtl="0" algn="l">
+            <a:pPr marL="0" lvl="0" indent="0" algn="l" rtl="0">
               <a:spcBef>
                 <a:spcPts val="0"/>
               </a:spcBef>
@@ -1442,9 +1465,6 @@
               </a:spcAft>
               <a:buNone/>
             </a:pPr>
-            <a:r>
-              <a:t/>
-            </a:r>
             <a:endParaRPr/>
           </a:p>
         </p:txBody>
@@ -1458,11 +1478,11 @@
 </file>
 
 <file path=ppt/notesSlides/notesSlide7.xml><?xml version="1.0" encoding="utf-8"?>
-<p:notes xmlns:a="http://schemas.openxmlformats.org/drawingml/2006/main" xmlns:r="http://schemas.openxmlformats.org/officeDocument/2006/relationships" xmlns:mc="http://schemas.openxmlformats.org/markup-compatibility/2006" xmlns:mv="urn:schemas-microsoft-com:mac:vml" xmlns:p="http://schemas.openxmlformats.org/presentationml/2006/main" xmlns:c="http://schemas.openxmlformats.org/drawingml/2006/chart" xmlns:dgm="http://schemas.openxmlformats.org/drawingml/2006/diagram" xmlns:o="urn:schemas-microsoft-com:office:office" xmlns:v="urn:schemas-microsoft-com:vml" xmlns:pvml="urn:schemas-microsoft-com:office:powerpoint" xmlns:com="http://schemas.openxmlformats.org/drawingml/2006/compatibility" xmlns:p14="http://schemas.microsoft.com/office/powerpoint/2010/main" xmlns:p15="http://schemas.microsoft.com/office/powerpoint/2012/main" xmlns:ahyp="http://schemas.microsoft.com/office/drawing/2018/hyperlinkcolor" showMasterPhAnim="0" showMasterSp="0">
+<p:notes xmlns:a="http://schemas.openxmlformats.org/drawingml/2006/main" xmlns:r="http://schemas.openxmlformats.org/officeDocument/2006/relationships" xmlns:p="http://schemas.openxmlformats.org/presentationml/2006/main" showMasterSp="0" showMasterPhAnim="0">
   <p:cSld>
     <p:spTree>
       <p:nvGrpSpPr>
-        <p:cNvPr id="105" name="Shape 105"/>
+        <p:cNvPr id="1" name="Shape 105"/>
         <p:cNvGrpSpPr/>
         <p:nvPr/>
       </p:nvGrpSpPr>
@@ -1477,9 +1497,11 @@
       <p:sp>
         <p:nvSpPr>
           <p:cNvPr id="106" name="Google Shape;106;g31a6762a23b_0_28:notes"/>
-          <p:cNvSpPr/>
+          <p:cNvSpPr>
+            <a:spLocks noGrp="1" noRot="1" noChangeAspect="1"/>
+          </p:cNvSpPr>
           <p:nvPr>
-            <p:ph idx="2" type="sldImg"/>
+            <p:ph type="sldImg" idx="2"/>
           </p:nvPr>
         </p:nvSpPr>
         <p:spPr>
@@ -1488,9 +1510,13 @@
             <a:ext cx="6096000" cy="3429000"/>
           </a:xfrm>
           <a:custGeom>
-            <a:rect b="b" l="l" r="r" t="t"/>
+            <a:avLst/>
+            <a:gdLst/>
+            <a:ahLst/>
+            <a:cxnLst/>
+            <a:rect l="l" t="t" r="r" b="b"/>
             <a:pathLst>
-              <a:path extrusionOk="0" h="120000" w="120000">
+              <a:path w="120000" h="120000" extrusionOk="0">
                 <a:moveTo>
                   <a:pt x="0" y="0"/>
                 </a:moveTo>
@@ -1512,9 +1538,11 @@
       <p:sp>
         <p:nvSpPr>
           <p:cNvPr id="107" name="Google Shape;107;g31a6762a23b_0_28:notes"/>
-          <p:cNvSpPr txBox="1"/>
+          <p:cNvSpPr txBox="1">
+            <a:spLocks noGrp="1"/>
+          </p:cNvSpPr>
           <p:nvPr>
-            <p:ph idx="1" type="body"/>
+            <p:ph type="body" idx="1"/>
           </p:nvPr>
         </p:nvSpPr>
         <p:spPr>
@@ -1527,12 +1555,12 @@
           </a:prstGeom>
         </p:spPr>
         <p:txBody>
-          <a:bodyPr anchorCtr="0" anchor="t" bIns="91425" lIns="91425" spcFirstLastPara="1" rIns="91425" wrap="square" tIns="91425">
+          <a:bodyPr spcFirstLastPara="1" wrap="square" lIns="91425" tIns="91425" rIns="91425" bIns="91425" anchor="t" anchorCtr="0">
             <a:noAutofit/>
           </a:bodyPr>
           <a:lstStyle/>
           <a:p>
-            <a:pPr indent="0" lvl="0" marL="0" rtl="0" algn="l">
+            <a:pPr marL="0" lvl="0" indent="0" algn="l" rtl="0">
               <a:spcBef>
                 <a:spcPts val="0"/>
               </a:spcBef>
@@ -1541,9 +1569,6 @@
               </a:spcAft>
               <a:buNone/>
             </a:pPr>
-            <a:r>
-              <a:t/>
-            </a:r>
             <a:endParaRPr/>
           </a:p>
         </p:txBody>
@@ -1557,11 +1582,11 @@
 </file>
 
 <file path=ppt/slideLayouts/slideLayout1.xml><?xml version="1.0" encoding="utf-8"?>
-<p:sldLayout xmlns:a="http://schemas.openxmlformats.org/drawingml/2006/main" xmlns:r="http://schemas.openxmlformats.org/officeDocument/2006/relationships" xmlns:mc="http://schemas.openxmlformats.org/markup-compatibility/2006" xmlns:mv="urn:schemas-microsoft-com:mac:vml" xmlns:p="http://schemas.openxmlformats.org/presentationml/2006/main" xmlns:c="http://schemas.openxmlformats.org/drawingml/2006/chart" xmlns:dgm="http://schemas.openxmlformats.org/drawingml/2006/diagram" xmlns:o="urn:schemas-microsoft-com:office:office" xmlns:v="urn:schemas-microsoft-com:vml" xmlns:pvml="urn:schemas-microsoft-com:office:powerpoint" xmlns:com="http://schemas.openxmlformats.org/drawingml/2006/compatibility" xmlns:p14="http://schemas.microsoft.com/office/powerpoint/2010/main" xmlns:p15="http://schemas.microsoft.com/office/powerpoint/2012/main" xmlns:ahyp="http://schemas.microsoft.com/office/drawing/2018/hyperlinkcolor" matchingName="Title slide" type="title">
+<p:sldLayout xmlns:a="http://schemas.openxmlformats.org/drawingml/2006/main" xmlns:r="http://schemas.openxmlformats.org/officeDocument/2006/relationships" xmlns:p="http://schemas.openxmlformats.org/presentationml/2006/main" matchingName="Title slide" type="title">
   <p:cSld name="TITLE">
     <p:spTree>
       <p:nvGrpSpPr>
-        <p:cNvPr id="9" name="Shape 9"/>
+        <p:cNvPr id="1" name="Shape 9"/>
         <p:cNvGrpSpPr/>
         <p:nvPr/>
       </p:nvGrpSpPr>
@@ -1576,7 +1601,9 @@
       <p:sp>
         <p:nvSpPr>
           <p:cNvPr id="10" name="Google Shape;10;p2"/>
-          <p:cNvSpPr txBox="1"/>
+          <p:cNvSpPr txBox="1">
+            <a:spLocks noGrp="1"/>
+          </p:cNvSpPr>
           <p:nvPr>
             <p:ph type="ctrTitle"/>
           </p:nvPr>
@@ -1591,7 +1618,7 @@
           </a:prstGeom>
         </p:spPr>
         <p:txBody>
-          <a:bodyPr anchorCtr="0" anchor="b" bIns="91425" lIns="91425" spcFirstLastPara="1" rIns="91425" wrap="square" tIns="91425">
+          <a:bodyPr spcFirstLastPara="1" wrap="square" lIns="91425" tIns="91425" rIns="91425" bIns="91425" anchor="b" anchorCtr="0">
             <a:normAutofit/>
           </a:bodyPr>
           <a:lstStyle>
@@ -1695,15 +1722,19 @@
               <a:defRPr sz="5200"/>
             </a:lvl9pPr>
           </a:lstStyle>
-          <a:p/>
+          <a:p>
+            <a:endParaRPr/>
+          </a:p>
         </p:txBody>
       </p:sp>
       <p:sp>
         <p:nvSpPr>
           <p:cNvPr id="11" name="Google Shape;11;p2"/>
-          <p:cNvSpPr txBox="1"/>
+          <p:cNvSpPr txBox="1">
+            <a:spLocks noGrp="1"/>
+          </p:cNvSpPr>
           <p:nvPr>
-            <p:ph idx="1" type="subTitle"/>
+            <p:ph type="subTitle" idx="1"/>
           </p:nvPr>
         </p:nvSpPr>
         <p:spPr>
@@ -1716,7 +1747,7 @@
           </a:prstGeom>
         </p:spPr>
         <p:txBody>
-          <a:bodyPr anchorCtr="0" anchor="t" bIns="91425" lIns="91425" spcFirstLastPara="1" rIns="91425" wrap="square" tIns="91425">
+          <a:bodyPr spcFirstLastPara="1" wrap="square" lIns="91425" tIns="91425" rIns="91425" bIns="91425" anchor="t" anchorCtr="0">
             <a:normAutofit/>
           </a:bodyPr>
           <a:lstStyle>
@@ -1847,15 +1878,19 @@
               <a:defRPr sz="2800"/>
             </a:lvl9pPr>
           </a:lstStyle>
-          <a:p/>
+          <a:p>
+            <a:endParaRPr/>
+          </a:p>
         </p:txBody>
       </p:sp>
       <p:sp>
         <p:nvSpPr>
           <p:cNvPr id="12" name="Google Shape;12;p2"/>
-          <p:cNvSpPr txBox="1"/>
+          <p:cNvSpPr txBox="1">
+            <a:spLocks noGrp="1"/>
+          </p:cNvSpPr>
           <p:nvPr>
-            <p:ph idx="12" type="sldNum"/>
+            <p:ph type="sldNum" idx="12"/>
           </p:nvPr>
         </p:nvSpPr>
         <p:spPr>
@@ -1868,7 +1903,7 @@
           </a:prstGeom>
         </p:spPr>
         <p:txBody>
-          <a:bodyPr anchorCtr="0" anchor="ctr" bIns="91425" lIns="91425" spcFirstLastPara="1" rIns="91425" wrap="square" tIns="91425">
+          <a:bodyPr spcFirstLastPara="1" wrap="square" lIns="91425" tIns="91425" rIns="91425" bIns="91425" anchor="ctr" anchorCtr="0">
             <a:normAutofit/>
           </a:bodyPr>
           <a:lstStyle>
@@ -1910,7 +1945,7 @@
             </a:lvl9pPr>
           </a:lstStyle>
           <a:p>
-            <a:pPr indent="0" lvl="0" marL="0" rtl="0" algn="r">
+            <a:pPr marL="0" lvl="0" indent="0" algn="r" rtl="0">
               <a:spcBef>
                 <a:spcPts val="0"/>
               </a:spcBef>
@@ -1936,11 +1971,11 @@
 </file>
 
 <file path=ppt/slideLayouts/slideLayout10.xml><?xml version="1.0" encoding="utf-8"?>
-<p:sldLayout xmlns:a="http://schemas.openxmlformats.org/drawingml/2006/main" xmlns:r="http://schemas.openxmlformats.org/officeDocument/2006/relationships" xmlns:mc="http://schemas.openxmlformats.org/markup-compatibility/2006" xmlns:mv="urn:schemas-microsoft-com:mac:vml" xmlns:p="http://schemas.openxmlformats.org/presentationml/2006/main" xmlns:c="http://schemas.openxmlformats.org/drawingml/2006/chart" xmlns:dgm="http://schemas.openxmlformats.org/drawingml/2006/diagram" xmlns:o="urn:schemas-microsoft-com:office:office" xmlns:v="urn:schemas-microsoft-com:vml" xmlns:pvml="urn:schemas-microsoft-com:office:powerpoint" xmlns:com="http://schemas.openxmlformats.org/drawingml/2006/compatibility" xmlns:p14="http://schemas.microsoft.com/office/powerpoint/2010/main" xmlns:p15="http://schemas.microsoft.com/office/powerpoint/2012/main" xmlns:ahyp="http://schemas.microsoft.com/office/drawing/2018/hyperlinkcolor" matchingName="Big number">
+<p:sldLayout xmlns:a="http://schemas.openxmlformats.org/drawingml/2006/main" xmlns:r="http://schemas.openxmlformats.org/officeDocument/2006/relationships" xmlns:p="http://schemas.openxmlformats.org/presentationml/2006/main" matchingName="Big number">
   <p:cSld name="BIG_NUMBER">
     <p:spTree>
       <p:nvGrpSpPr>
-        <p:cNvPr id="44" name="Shape 44"/>
+        <p:cNvPr id="1" name="Shape 44"/>
         <p:cNvGrpSpPr/>
         <p:nvPr/>
       </p:nvGrpSpPr>
@@ -1955,9 +1990,11 @@
       <p:sp>
         <p:nvSpPr>
           <p:cNvPr id="45" name="Google Shape;45;p11"/>
-          <p:cNvSpPr txBox="1"/>
+          <p:cNvSpPr txBox="1">
+            <a:spLocks noGrp="1"/>
+          </p:cNvSpPr>
           <p:nvPr>
-            <p:ph hasCustomPrompt="1" type="title"/>
+            <p:ph type="title" hasCustomPrompt="1"/>
           </p:nvPr>
         </p:nvSpPr>
         <p:spPr>
@@ -1970,7 +2007,7 @@
           </a:prstGeom>
         </p:spPr>
         <p:txBody>
-          <a:bodyPr anchorCtr="0" anchor="b" bIns="91425" lIns="91425" spcFirstLastPara="1" rIns="91425" wrap="square" tIns="91425">
+          <a:bodyPr spcFirstLastPara="1" wrap="square" lIns="91425" tIns="91425" rIns="91425" bIns="91425" anchor="b" anchorCtr="0">
             <a:normAutofit/>
           </a:bodyPr>
           <a:lstStyle>
@@ -2084,9 +2121,11 @@
       <p:sp>
         <p:nvSpPr>
           <p:cNvPr id="46" name="Google Shape;46;p11"/>
-          <p:cNvSpPr txBox="1"/>
+          <p:cNvSpPr txBox="1">
+            <a:spLocks noGrp="1"/>
+          </p:cNvSpPr>
           <p:nvPr>
-            <p:ph idx="1" type="body"/>
+            <p:ph type="body" idx="1"/>
           </p:nvPr>
         </p:nvSpPr>
         <p:spPr>
@@ -2099,11 +2138,11 @@
           </a:prstGeom>
         </p:spPr>
         <p:txBody>
-          <a:bodyPr anchorCtr="0" anchor="t" bIns="91425" lIns="91425" spcFirstLastPara="1" rIns="91425" wrap="square" tIns="91425">
+          <a:bodyPr spcFirstLastPara="1" wrap="square" lIns="91425" tIns="91425" rIns="91425" bIns="91425" anchor="t" anchorCtr="0">
             <a:normAutofit/>
           </a:bodyPr>
           <a:lstStyle>
-            <a:lvl1pPr indent="-342900" lvl="0" marL="457200" algn="ctr">
+            <a:lvl1pPr marL="457200" lvl="0" indent="-342900" algn="ctr">
               <a:spcBef>
                 <a:spcPts val="0"/>
               </a:spcBef>
@@ -2114,7 +2153,7 @@
               <a:buChar char="●"/>
               <a:defRPr/>
             </a:lvl1pPr>
-            <a:lvl2pPr indent="-317500" lvl="1" marL="914400" algn="ctr">
+            <a:lvl2pPr marL="914400" lvl="1" indent="-317500" algn="ctr">
               <a:spcBef>
                 <a:spcPts val="0"/>
               </a:spcBef>
@@ -2125,7 +2164,7 @@
               <a:buChar char="○"/>
               <a:defRPr/>
             </a:lvl2pPr>
-            <a:lvl3pPr indent="-317500" lvl="2" marL="1371600" algn="ctr">
+            <a:lvl3pPr marL="1371600" lvl="2" indent="-317500" algn="ctr">
               <a:spcBef>
                 <a:spcPts val="0"/>
               </a:spcBef>
@@ -2136,7 +2175,7 @@
               <a:buChar char="■"/>
               <a:defRPr/>
             </a:lvl3pPr>
-            <a:lvl4pPr indent="-317500" lvl="3" marL="1828800" algn="ctr">
+            <a:lvl4pPr marL="1828800" lvl="3" indent="-317500" algn="ctr">
               <a:spcBef>
                 <a:spcPts val="0"/>
               </a:spcBef>
@@ -2147,7 +2186,7 @@
               <a:buChar char="●"/>
               <a:defRPr/>
             </a:lvl4pPr>
-            <a:lvl5pPr indent="-317500" lvl="4" marL="2286000" algn="ctr">
+            <a:lvl5pPr marL="2286000" lvl="4" indent="-317500" algn="ctr">
               <a:spcBef>
                 <a:spcPts val="0"/>
               </a:spcBef>
@@ -2158,7 +2197,7 @@
               <a:buChar char="○"/>
               <a:defRPr/>
             </a:lvl5pPr>
-            <a:lvl6pPr indent="-317500" lvl="5" marL="2743200" algn="ctr">
+            <a:lvl6pPr marL="2743200" lvl="5" indent="-317500" algn="ctr">
               <a:spcBef>
                 <a:spcPts val="0"/>
               </a:spcBef>
@@ -2169,7 +2208,7 @@
               <a:buChar char="■"/>
               <a:defRPr/>
             </a:lvl6pPr>
-            <a:lvl7pPr indent="-317500" lvl="6" marL="3200400" algn="ctr">
+            <a:lvl7pPr marL="3200400" lvl="6" indent="-317500" algn="ctr">
               <a:spcBef>
                 <a:spcPts val="0"/>
               </a:spcBef>
@@ -2180,7 +2219,7 @@
               <a:buChar char="●"/>
               <a:defRPr/>
             </a:lvl7pPr>
-            <a:lvl8pPr indent="-317500" lvl="7" marL="3657600" algn="ctr">
+            <a:lvl8pPr marL="3657600" lvl="7" indent="-317500" algn="ctr">
               <a:spcBef>
                 <a:spcPts val="0"/>
               </a:spcBef>
@@ -2191,7 +2230,7 @@
               <a:buChar char="○"/>
               <a:defRPr/>
             </a:lvl8pPr>
-            <a:lvl9pPr indent="-317500" lvl="8" marL="4114800" algn="ctr">
+            <a:lvl9pPr marL="4114800" lvl="8" indent="-317500" algn="ctr">
               <a:spcBef>
                 <a:spcPts val="0"/>
               </a:spcBef>
@@ -2203,15 +2242,19 @@
               <a:defRPr/>
             </a:lvl9pPr>
           </a:lstStyle>
-          <a:p/>
+          <a:p>
+            <a:endParaRPr/>
+          </a:p>
         </p:txBody>
       </p:sp>
       <p:sp>
         <p:nvSpPr>
           <p:cNvPr id="47" name="Google Shape;47;p11"/>
-          <p:cNvSpPr txBox="1"/>
+          <p:cNvSpPr txBox="1">
+            <a:spLocks noGrp="1"/>
+          </p:cNvSpPr>
           <p:nvPr>
-            <p:ph idx="12" type="sldNum"/>
+            <p:ph type="sldNum" idx="12"/>
           </p:nvPr>
         </p:nvSpPr>
         <p:spPr>
@@ -2224,7 +2267,7 @@
           </a:prstGeom>
         </p:spPr>
         <p:txBody>
-          <a:bodyPr anchorCtr="0" anchor="ctr" bIns="91425" lIns="91425" spcFirstLastPara="1" rIns="91425" wrap="square" tIns="91425">
+          <a:bodyPr spcFirstLastPara="1" wrap="square" lIns="91425" tIns="91425" rIns="91425" bIns="91425" anchor="ctr" anchorCtr="0">
             <a:normAutofit/>
           </a:bodyPr>
           <a:lstStyle>
@@ -2266,7 +2309,7 @@
             </a:lvl9pPr>
           </a:lstStyle>
           <a:p>
-            <a:pPr indent="0" lvl="0" marL="0" rtl="0" algn="r">
+            <a:pPr marL="0" lvl="0" indent="0" algn="r" rtl="0">
               <a:spcBef>
                 <a:spcPts val="0"/>
               </a:spcBef>
@@ -2292,11 +2335,11 @@
 </file>
 
 <file path=ppt/slideLayouts/slideLayout11.xml><?xml version="1.0" encoding="utf-8"?>
-<p:sldLayout xmlns:a="http://schemas.openxmlformats.org/drawingml/2006/main" xmlns:r="http://schemas.openxmlformats.org/officeDocument/2006/relationships" xmlns:mc="http://schemas.openxmlformats.org/markup-compatibility/2006" xmlns:mv="urn:schemas-microsoft-com:mac:vml" xmlns:p="http://schemas.openxmlformats.org/presentationml/2006/main" xmlns:c="http://schemas.openxmlformats.org/drawingml/2006/chart" xmlns:dgm="http://schemas.openxmlformats.org/drawingml/2006/diagram" xmlns:o="urn:schemas-microsoft-com:office:office" xmlns:v="urn:schemas-microsoft-com:vml" xmlns:pvml="urn:schemas-microsoft-com:office:powerpoint" xmlns:com="http://schemas.openxmlformats.org/drawingml/2006/compatibility" xmlns:p14="http://schemas.microsoft.com/office/powerpoint/2010/main" xmlns:p15="http://schemas.microsoft.com/office/powerpoint/2012/main" xmlns:ahyp="http://schemas.microsoft.com/office/drawing/2018/hyperlinkcolor" matchingName="Blank" type="blank">
+<p:sldLayout xmlns:a="http://schemas.openxmlformats.org/drawingml/2006/main" xmlns:r="http://schemas.openxmlformats.org/officeDocument/2006/relationships" xmlns:p="http://schemas.openxmlformats.org/presentationml/2006/main" matchingName="Blank" type="blank">
   <p:cSld name="BLANK">
     <p:spTree>
       <p:nvGrpSpPr>
-        <p:cNvPr id="48" name="Shape 48"/>
+        <p:cNvPr id="1" name="Shape 48"/>
         <p:cNvGrpSpPr/>
         <p:nvPr/>
       </p:nvGrpSpPr>
@@ -2311,9 +2354,11 @@
       <p:sp>
         <p:nvSpPr>
           <p:cNvPr id="49" name="Google Shape;49;p12"/>
-          <p:cNvSpPr txBox="1"/>
+          <p:cNvSpPr txBox="1">
+            <a:spLocks noGrp="1"/>
+          </p:cNvSpPr>
           <p:nvPr>
-            <p:ph idx="12" type="sldNum"/>
+            <p:ph type="sldNum" idx="12"/>
           </p:nvPr>
         </p:nvSpPr>
         <p:spPr>
@@ -2326,7 +2371,7 @@
           </a:prstGeom>
         </p:spPr>
         <p:txBody>
-          <a:bodyPr anchorCtr="0" anchor="ctr" bIns="91425" lIns="91425" spcFirstLastPara="1" rIns="91425" wrap="square" tIns="91425">
+          <a:bodyPr spcFirstLastPara="1" wrap="square" lIns="91425" tIns="91425" rIns="91425" bIns="91425" anchor="ctr" anchorCtr="0">
             <a:normAutofit/>
           </a:bodyPr>
           <a:lstStyle>
@@ -2368,7 +2413,7 @@
             </a:lvl9pPr>
           </a:lstStyle>
           <a:p>
-            <a:pPr indent="0" lvl="0" marL="0" rtl="0" algn="r">
+            <a:pPr marL="0" lvl="0" indent="0" algn="r" rtl="0">
               <a:spcBef>
                 <a:spcPts val="0"/>
               </a:spcBef>
@@ -2387,7 +2432,7 @@
       </p:sp>
       <p:pic>
         <p:nvPicPr>
-          <p:cNvPr descr="A logo with yellow and blue text&#10;&#10;Description automatically generated" id="50" name="Google Shape;50;p12"/>
+          <p:cNvPr id="50" name="Google Shape;50;p12" descr="A logo with yellow and blue text&#10;&#10;Description automatically generated"/>
           <p:cNvPicPr preferRelativeResize="0"/>
           <p:nvPr/>
         </p:nvPicPr>
@@ -2395,7 +2440,7 @@
           <a:blip r:embed="rId2">
             <a:alphaModFix/>
           </a:blip>
-          <a:srcRect b="0" l="0" r="0" t="0"/>
+          <a:srcRect/>
           <a:stretch/>
         </p:blipFill>
         <p:spPr>
@@ -2421,11 +2466,11 @@
 </file>
 
 <file path=ppt/slideLayouts/slideLayout2.xml><?xml version="1.0" encoding="utf-8"?>
-<p:sldLayout xmlns:a="http://schemas.openxmlformats.org/drawingml/2006/main" xmlns:r="http://schemas.openxmlformats.org/officeDocument/2006/relationships" xmlns:mc="http://schemas.openxmlformats.org/markup-compatibility/2006" xmlns:mv="urn:schemas-microsoft-com:mac:vml" xmlns:p="http://schemas.openxmlformats.org/presentationml/2006/main" xmlns:c="http://schemas.openxmlformats.org/drawingml/2006/chart" xmlns:dgm="http://schemas.openxmlformats.org/drawingml/2006/diagram" xmlns:o="urn:schemas-microsoft-com:office:office" xmlns:v="urn:schemas-microsoft-com:vml" xmlns:pvml="urn:schemas-microsoft-com:office:powerpoint" xmlns:com="http://schemas.openxmlformats.org/drawingml/2006/compatibility" xmlns:p14="http://schemas.microsoft.com/office/powerpoint/2010/main" xmlns:p15="http://schemas.microsoft.com/office/powerpoint/2012/main" xmlns:ahyp="http://schemas.microsoft.com/office/drawing/2018/hyperlinkcolor" matchingName="Section header" type="secHead">
+<p:sldLayout xmlns:a="http://schemas.openxmlformats.org/drawingml/2006/main" xmlns:r="http://schemas.openxmlformats.org/officeDocument/2006/relationships" xmlns:p="http://schemas.openxmlformats.org/presentationml/2006/main" matchingName="Section header" type="secHead">
   <p:cSld name="SECTION_HEADER">
     <p:spTree>
       <p:nvGrpSpPr>
-        <p:cNvPr id="13" name="Shape 13"/>
+        <p:cNvPr id="1" name="Shape 13"/>
         <p:cNvGrpSpPr/>
         <p:nvPr/>
       </p:nvGrpSpPr>
@@ -2440,7 +2485,9 @@
       <p:sp>
         <p:nvSpPr>
           <p:cNvPr id="14" name="Google Shape;14;p3"/>
-          <p:cNvSpPr txBox="1"/>
+          <p:cNvSpPr txBox="1">
+            <a:spLocks noGrp="1"/>
+          </p:cNvSpPr>
           <p:nvPr>
             <p:ph type="title"/>
           </p:nvPr>
@@ -2455,7 +2502,7 @@
           </a:prstGeom>
         </p:spPr>
         <p:txBody>
-          <a:bodyPr anchorCtr="0" anchor="ctr" bIns="91425" lIns="91425" spcFirstLastPara="1" rIns="91425" wrap="square" tIns="91425">
+          <a:bodyPr spcFirstLastPara="1" wrap="square" lIns="91425" tIns="91425" rIns="91425" bIns="91425" anchor="ctr" anchorCtr="0">
             <a:normAutofit/>
           </a:bodyPr>
           <a:lstStyle>
@@ -2559,15 +2606,19 @@
               <a:defRPr sz="3600"/>
             </a:lvl9pPr>
           </a:lstStyle>
-          <a:p/>
+          <a:p>
+            <a:endParaRPr/>
+          </a:p>
         </p:txBody>
       </p:sp>
       <p:sp>
         <p:nvSpPr>
           <p:cNvPr id="15" name="Google Shape;15;p3"/>
-          <p:cNvSpPr txBox="1"/>
+          <p:cNvSpPr txBox="1">
+            <a:spLocks noGrp="1"/>
+          </p:cNvSpPr>
           <p:nvPr>
-            <p:ph idx="12" type="sldNum"/>
+            <p:ph type="sldNum" idx="12"/>
           </p:nvPr>
         </p:nvSpPr>
         <p:spPr>
@@ -2580,7 +2631,7 @@
           </a:prstGeom>
         </p:spPr>
         <p:txBody>
-          <a:bodyPr anchorCtr="0" anchor="ctr" bIns="91425" lIns="91425" spcFirstLastPara="1" rIns="91425" wrap="square" tIns="91425">
+          <a:bodyPr spcFirstLastPara="1" wrap="square" lIns="91425" tIns="91425" rIns="91425" bIns="91425" anchor="ctr" anchorCtr="0">
             <a:normAutofit/>
           </a:bodyPr>
           <a:lstStyle>
@@ -2622,7 +2673,7 @@
             </a:lvl9pPr>
           </a:lstStyle>
           <a:p>
-            <a:pPr indent="0" lvl="0" marL="0" rtl="0" algn="r">
+            <a:pPr marL="0" lvl="0" indent="0" algn="r" rtl="0">
               <a:spcBef>
                 <a:spcPts val="0"/>
               </a:spcBef>
@@ -2648,11 +2699,11 @@
 </file>
 
 <file path=ppt/slideLayouts/slideLayout3.xml><?xml version="1.0" encoding="utf-8"?>
-<p:sldLayout xmlns:a="http://schemas.openxmlformats.org/drawingml/2006/main" xmlns:r="http://schemas.openxmlformats.org/officeDocument/2006/relationships" xmlns:mc="http://schemas.openxmlformats.org/markup-compatibility/2006" xmlns:mv="urn:schemas-microsoft-com:mac:vml" xmlns:p="http://schemas.openxmlformats.org/presentationml/2006/main" xmlns:c="http://schemas.openxmlformats.org/drawingml/2006/chart" xmlns:dgm="http://schemas.openxmlformats.org/drawingml/2006/diagram" xmlns:o="urn:schemas-microsoft-com:office:office" xmlns:v="urn:schemas-microsoft-com:vml" xmlns:pvml="urn:schemas-microsoft-com:office:powerpoint" xmlns:com="http://schemas.openxmlformats.org/drawingml/2006/compatibility" xmlns:p14="http://schemas.microsoft.com/office/powerpoint/2010/main" xmlns:p15="http://schemas.microsoft.com/office/powerpoint/2012/main" xmlns:ahyp="http://schemas.microsoft.com/office/drawing/2018/hyperlinkcolor" matchingName="Title and body" type="tx">
+<p:sldLayout xmlns:a="http://schemas.openxmlformats.org/drawingml/2006/main" xmlns:r="http://schemas.openxmlformats.org/officeDocument/2006/relationships" xmlns:p="http://schemas.openxmlformats.org/presentationml/2006/main" matchingName="Title and body" type="tx">
   <p:cSld name="TITLE_AND_BODY">
     <p:spTree>
       <p:nvGrpSpPr>
-        <p:cNvPr id="16" name="Shape 16"/>
+        <p:cNvPr id="1" name="Shape 16"/>
         <p:cNvGrpSpPr/>
         <p:nvPr/>
       </p:nvGrpSpPr>
@@ -2667,7 +2718,9 @@
       <p:sp>
         <p:nvSpPr>
           <p:cNvPr id="17" name="Google Shape;17;p4"/>
-          <p:cNvSpPr txBox="1"/>
+          <p:cNvSpPr txBox="1">
+            <a:spLocks noGrp="1"/>
+          </p:cNvSpPr>
           <p:nvPr>
             <p:ph type="title"/>
           </p:nvPr>
@@ -2682,7 +2735,7 @@
           </a:prstGeom>
         </p:spPr>
         <p:txBody>
-          <a:bodyPr anchorCtr="0" anchor="t" bIns="91425" lIns="91425" spcFirstLastPara="1" rIns="91425" wrap="square" tIns="91425">
+          <a:bodyPr spcFirstLastPara="1" wrap="square" lIns="91425" tIns="91425" rIns="91425" bIns="91425" anchor="t" anchorCtr="0">
             <a:normAutofit/>
           </a:bodyPr>
           <a:lstStyle>
@@ -2786,15 +2839,19 @@
               <a:defRPr/>
             </a:lvl9pPr>
           </a:lstStyle>
-          <a:p/>
+          <a:p>
+            <a:endParaRPr/>
+          </a:p>
         </p:txBody>
       </p:sp>
       <p:sp>
         <p:nvSpPr>
           <p:cNvPr id="18" name="Google Shape;18;p4"/>
-          <p:cNvSpPr txBox="1"/>
+          <p:cNvSpPr txBox="1">
+            <a:spLocks noGrp="1"/>
+          </p:cNvSpPr>
           <p:nvPr>
-            <p:ph idx="1" type="body"/>
+            <p:ph type="body" idx="1"/>
           </p:nvPr>
         </p:nvSpPr>
         <p:spPr>
@@ -2807,11 +2864,11 @@
           </a:prstGeom>
         </p:spPr>
         <p:txBody>
-          <a:bodyPr anchorCtr="0" anchor="t" bIns="91425" lIns="91425" spcFirstLastPara="1" rIns="91425" wrap="square" tIns="91425">
+          <a:bodyPr spcFirstLastPara="1" wrap="square" lIns="91425" tIns="91425" rIns="91425" bIns="91425" anchor="t" anchorCtr="0">
             <a:normAutofit/>
           </a:bodyPr>
           <a:lstStyle>
-            <a:lvl1pPr indent="-342900" lvl="0" marL="457200">
+            <a:lvl1pPr marL="457200" lvl="0" indent="-342900">
               <a:spcBef>
                 <a:spcPts val="0"/>
               </a:spcBef>
@@ -2822,7 +2879,7 @@
               <a:buChar char="●"/>
               <a:defRPr/>
             </a:lvl1pPr>
-            <a:lvl2pPr indent="-317500" lvl="1" marL="914400">
+            <a:lvl2pPr marL="914400" lvl="1" indent="-317500">
               <a:spcBef>
                 <a:spcPts val="0"/>
               </a:spcBef>
@@ -2833,7 +2890,7 @@
               <a:buChar char="○"/>
               <a:defRPr/>
             </a:lvl2pPr>
-            <a:lvl3pPr indent="-317500" lvl="2" marL="1371600">
+            <a:lvl3pPr marL="1371600" lvl="2" indent="-317500">
               <a:spcBef>
                 <a:spcPts val="0"/>
               </a:spcBef>
@@ -2844,7 +2901,7 @@
               <a:buChar char="■"/>
               <a:defRPr/>
             </a:lvl3pPr>
-            <a:lvl4pPr indent="-317500" lvl="3" marL="1828800">
+            <a:lvl4pPr marL="1828800" lvl="3" indent="-317500">
               <a:spcBef>
                 <a:spcPts val="0"/>
               </a:spcBef>
@@ -2855,7 +2912,7 @@
               <a:buChar char="●"/>
               <a:defRPr/>
             </a:lvl4pPr>
-            <a:lvl5pPr indent="-317500" lvl="4" marL="2286000">
+            <a:lvl5pPr marL="2286000" lvl="4" indent="-317500">
               <a:spcBef>
                 <a:spcPts val="0"/>
               </a:spcBef>
@@ -2866,7 +2923,7 @@
               <a:buChar char="○"/>
               <a:defRPr/>
             </a:lvl5pPr>
-            <a:lvl6pPr indent="-317500" lvl="5" marL="2743200">
+            <a:lvl6pPr marL="2743200" lvl="5" indent="-317500">
               <a:spcBef>
                 <a:spcPts val="0"/>
               </a:spcBef>
@@ -2877,7 +2934,7 @@
               <a:buChar char="■"/>
               <a:defRPr/>
             </a:lvl6pPr>
-            <a:lvl7pPr indent="-317500" lvl="6" marL="3200400">
+            <a:lvl7pPr marL="3200400" lvl="6" indent="-317500">
               <a:spcBef>
                 <a:spcPts val="0"/>
               </a:spcBef>
@@ -2888,7 +2945,7 @@
               <a:buChar char="●"/>
               <a:defRPr/>
             </a:lvl7pPr>
-            <a:lvl8pPr indent="-317500" lvl="7" marL="3657600">
+            <a:lvl8pPr marL="3657600" lvl="7" indent="-317500">
               <a:spcBef>
                 <a:spcPts val="0"/>
               </a:spcBef>
@@ -2899,7 +2956,7 @@
               <a:buChar char="○"/>
               <a:defRPr/>
             </a:lvl8pPr>
-            <a:lvl9pPr indent="-317500" lvl="8" marL="4114800">
+            <a:lvl9pPr marL="4114800" lvl="8" indent="-317500">
               <a:spcBef>
                 <a:spcPts val="0"/>
               </a:spcBef>
@@ -2911,15 +2968,19 @@
               <a:defRPr/>
             </a:lvl9pPr>
           </a:lstStyle>
-          <a:p/>
+          <a:p>
+            <a:endParaRPr/>
+          </a:p>
         </p:txBody>
       </p:sp>
       <p:sp>
         <p:nvSpPr>
           <p:cNvPr id="19" name="Google Shape;19;p4"/>
-          <p:cNvSpPr txBox="1"/>
+          <p:cNvSpPr txBox="1">
+            <a:spLocks noGrp="1"/>
+          </p:cNvSpPr>
           <p:nvPr>
-            <p:ph idx="12" type="sldNum"/>
+            <p:ph type="sldNum" idx="12"/>
           </p:nvPr>
         </p:nvSpPr>
         <p:spPr>
@@ -2932,7 +2993,7 @@
           </a:prstGeom>
         </p:spPr>
         <p:txBody>
-          <a:bodyPr anchorCtr="0" anchor="ctr" bIns="91425" lIns="91425" spcFirstLastPara="1" rIns="91425" wrap="square" tIns="91425">
+          <a:bodyPr spcFirstLastPara="1" wrap="square" lIns="91425" tIns="91425" rIns="91425" bIns="91425" anchor="ctr" anchorCtr="0">
             <a:normAutofit/>
           </a:bodyPr>
           <a:lstStyle>
@@ -2974,7 +3035,7 @@
             </a:lvl9pPr>
           </a:lstStyle>
           <a:p>
-            <a:pPr indent="0" lvl="0" marL="0" rtl="0" algn="r">
+            <a:pPr marL="0" lvl="0" indent="0" algn="r" rtl="0">
               <a:spcBef>
                 <a:spcPts val="0"/>
               </a:spcBef>
@@ -3000,11 +3061,11 @@
 </file>
 
 <file path=ppt/slideLayouts/slideLayout4.xml><?xml version="1.0" encoding="utf-8"?>
-<p:sldLayout xmlns:a="http://schemas.openxmlformats.org/drawingml/2006/main" xmlns:r="http://schemas.openxmlformats.org/officeDocument/2006/relationships" xmlns:mc="http://schemas.openxmlformats.org/markup-compatibility/2006" xmlns:mv="urn:schemas-microsoft-com:mac:vml" xmlns:p="http://schemas.openxmlformats.org/presentationml/2006/main" xmlns:c="http://schemas.openxmlformats.org/drawingml/2006/chart" xmlns:dgm="http://schemas.openxmlformats.org/drawingml/2006/diagram" xmlns:o="urn:schemas-microsoft-com:office:office" xmlns:v="urn:schemas-microsoft-com:vml" xmlns:pvml="urn:schemas-microsoft-com:office:powerpoint" xmlns:com="http://schemas.openxmlformats.org/drawingml/2006/compatibility" xmlns:p14="http://schemas.microsoft.com/office/powerpoint/2010/main" xmlns:p15="http://schemas.microsoft.com/office/powerpoint/2012/main" xmlns:ahyp="http://schemas.microsoft.com/office/drawing/2018/hyperlinkcolor" matchingName="Title and two columns" type="twoColTx">
+<p:sldLayout xmlns:a="http://schemas.openxmlformats.org/drawingml/2006/main" xmlns:r="http://schemas.openxmlformats.org/officeDocument/2006/relationships" xmlns:p="http://schemas.openxmlformats.org/presentationml/2006/main" matchingName="Title and two columns" type="twoColTx">
   <p:cSld name="TITLE_AND_TWO_COLUMNS">
     <p:spTree>
       <p:nvGrpSpPr>
-        <p:cNvPr id="20" name="Shape 20"/>
+        <p:cNvPr id="1" name="Shape 20"/>
         <p:cNvGrpSpPr/>
         <p:nvPr/>
       </p:nvGrpSpPr>
@@ -3019,7 +3080,9 @@
       <p:sp>
         <p:nvSpPr>
           <p:cNvPr id="21" name="Google Shape;21;p5"/>
-          <p:cNvSpPr txBox="1"/>
+          <p:cNvSpPr txBox="1">
+            <a:spLocks noGrp="1"/>
+          </p:cNvSpPr>
           <p:nvPr>
             <p:ph type="title"/>
           </p:nvPr>
@@ -3034,7 +3097,7 @@
           </a:prstGeom>
         </p:spPr>
         <p:txBody>
-          <a:bodyPr anchorCtr="0" anchor="t" bIns="91425" lIns="91425" spcFirstLastPara="1" rIns="91425" wrap="square" tIns="91425">
+          <a:bodyPr spcFirstLastPara="1" wrap="square" lIns="91425" tIns="91425" rIns="91425" bIns="91425" anchor="t" anchorCtr="0">
             <a:normAutofit/>
           </a:bodyPr>
           <a:lstStyle>
@@ -3138,15 +3201,19 @@
               <a:defRPr/>
             </a:lvl9pPr>
           </a:lstStyle>
-          <a:p/>
+          <a:p>
+            <a:endParaRPr/>
+          </a:p>
         </p:txBody>
       </p:sp>
       <p:sp>
         <p:nvSpPr>
           <p:cNvPr id="22" name="Google Shape;22;p5"/>
-          <p:cNvSpPr txBox="1"/>
+          <p:cNvSpPr txBox="1">
+            <a:spLocks noGrp="1"/>
+          </p:cNvSpPr>
           <p:nvPr>
-            <p:ph idx="1" type="body"/>
+            <p:ph type="body" idx="1"/>
           </p:nvPr>
         </p:nvSpPr>
         <p:spPr>
@@ -3159,11 +3226,11 @@
           </a:prstGeom>
         </p:spPr>
         <p:txBody>
-          <a:bodyPr anchorCtr="0" anchor="t" bIns="91425" lIns="91425" spcFirstLastPara="1" rIns="91425" wrap="square" tIns="91425">
+          <a:bodyPr spcFirstLastPara="1" wrap="square" lIns="91425" tIns="91425" rIns="91425" bIns="91425" anchor="t" anchorCtr="0">
             <a:normAutofit/>
           </a:bodyPr>
           <a:lstStyle>
-            <a:lvl1pPr indent="-317500" lvl="0" marL="457200">
+            <a:lvl1pPr marL="457200" lvl="0" indent="-317500">
               <a:spcBef>
                 <a:spcPts val="0"/>
               </a:spcBef>
@@ -3174,7 +3241,7 @@
               <a:buChar char="●"/>
               <a:defRPr sz="1400"/>
             </a:lvl1pPr>
-            <a:lvl2pPr indent="-304800" lvl="1" marL="914400">
+            <a:lvl2pPr marL="914400" lvl="1" indent="-304800">
               <a:spcBef>
                 <a:spcPts val="0"/>
               </a:spcBef>
@@ -3185,7 +3252,7 @@
               <a:buChar char="○"/>
               <a:defRPr sz="1200"/>
             </a:lvl2pPr>
-            <a:lvl3pPr indent="-304800" lvl="2" marL="1371600">
+            <a:lvl3pPr marL="1371600" lvl="2" indent="-304800">
               <a:spcBef>
                 <a:spcPts val="0"/>
               </a:spcBef>
@@ -3196,7 +3263,7 @@
               <a:buChar char="■"/>
               <a:defRPr sz="1200"/>
             </a:lvl3pPr>
-            <a:lvl4pPr indent="-304800" lvl="3" marL="1828800">
+            <a:lvl4pPr marL="1828800" lvl="3" indent="-304800">
               <a:spcBef>
                 <a:spcPts val="0"/>
               </a:spcBef>
@@ -3207,7 +3274,7 @@
               <a:buChar char="●"/>
               <a:defRPr sz="1200"/>
             </a:lvl4pPr>
-            <a:lvl5pPr indent="-304800" lvl="4" marL="2286000">
+            <a:lvl5pPr marL="2286000" lvl="4" indent="-304800">
               <a:spcBef>
                 <a:spcPts val="0"/>
               </a:spcBef>
@@ -3218,7 +3285,7 @@
               <a:buChar char="○"/>
               <a:defRPr sz="1200"/>
             </a:lvl5pPr>
-            <a:lvl6pPr indent="-304800" lvl="5" marL="2743200">
+            <a:lvl6pPr marL="2743200" lvl="5" indent="-304800">
               <a:spcBef>
                 <a:spcPts val="0"/>
               </a:spcBef>
@@ -3229,7 +3296,7 @@
               <a:buChar char="■"/>
               <a:defRPr sz="1200"/>
             </a:lvl6pPr>
-            <a:lvl7pPr indent="-304800" lvl="6" marL="3200400">
+            <a:lvl7pPr marL="3200400" lvl="6" indent="-304800">
               <a:spcBef>
                 <a:spcPts val="0"/>
               </a:spcBef>
@@ -3240,7 +3307,7 @@
               <a:buChar char="●"/>
               <a:defRPr sz="1200"/>
             </a:lvl7pPr>
-            <a:lvl8pPr indent="-304800" lvl="7" marL="3657600">
+            <a:lvl8pPr marL="3657600" lvl="7" indent="-304800">
               <a:spcBef>
                 <a:spcPts val="0"/>
               </a:spcBef>
@@ -3251,7 +3318,7 @@
               <a:buChar char="○"/>
               <a:defRPr sz="1200"/>
             </a:lvl8pPr>
-            <a:lvl9pPr indent="-304800" lvl="8" marL="4114800">
+            <a:lvl9pPr marL="4114800" lvl="8" indent="-304800">
               <a:spcBef>
                 <a:spcPts val="0"/>
               </a:spcBef>
@@ -3263,15 +3330,19 @@
               <a:defRPr sz="1200"/>
             </a:lvl9pPr>
           </a:lstStyle>
-          <a:p/>
+          <a:p>
+            <a:endParaRPr/>
+          </a:p>
         </p:txBody>
       </p:sp>
       <p:sp>
         <p:nvSpPr>
           <p:cNvPr id="23" name="Google Shape;23;p5"/>
-          <p:cNvSpPr txBox="1"/>
+          <p:cNvSpPr txBox="1">
+            <a:spLocks noGrp="1"/>
+          </p:cNvSpPr>
           <p:nvPr>
-            <p:ph idx="2" type="body"/>
+            <p:ph type="body" idx="2"/>
           </p:nvPr>
         </p:nvSpPr>
         <p:spPr>
@@ -3284,11 +3355,11 @@
           </a:prstGeom>
         </p:spPr>
         <p:txBody>
-          <a:bodyPr anchorCtr="0" anchor="t" bIns="91425" lIns="91425" spcFirstLastPara="1" rIns="91425" wrap="square" tIns="91425">
+          <a:bodyPr spcFirstLastPara="1" wrap="square" lIns="91425" tIns="91425" rIns="91425" bIns="91425" anchor="t" anchorCtr="0">
             <a:normAutofit/>
           </a:bodyPr>
           <a:lstStyle>
-            <a:lvl1pPr indent="-317500" lvl="0" marL="457200">
+            <a:lvl1pPr marL="457200" lvl="0" indent="-317500">
               <a:spcBef>
                 <a:spcPts val="0"/>
               </a:spcBef>
@@ -3299,7 +3370,7 @@
               <a:buChar char="●"/>
               <a:defRPr sz="1400"/>
             </a:lvl1pPr>
-            <a:lvl2pPr indent="-304800" lvl="1" marL="914400">
+            <a:lvl2pPr marL="914400" lvl="1" indent="-304800">
               <a:spcBef>
                 <a:spcPts val="0"/>
               </a:spcBef>
@@ -3310,7 +3381,7 @@
               <a:buChar char="○"/>
               <a:defRPr sz="1200"/>
             </a:lvl2pPr>
-            <a:lvl3pPr indent="-304800" lvl="2" marL="1371600">
+            <a:lvl3pPr marL="1371600" lvl="2" indent="-304800">
               <a:spcBef>
                 <a:spcPts val="0"/>
               </a:spcBef>
@@ -3321,7 +3392,7 @@
               <a:buChar char="■"/>
               <a:defRPr sz="1200"/>
             </a:lvl3pPr>
-            <a:lvl4pPr indent="-304800" lvl="3" marL="1828800">
+            <a:lvl4pPr marL="1828800" lvl="3" indent="-304800">
               <a:spcBef>
                 <a:spcPts val="0"/>
               </a:spcBef>
@@ -3332,7 +3403,7 @@
               <a:buChar char="●"/>
               <a:defRPr sz="1200"/>
             </a:lvl4pPr>
-            <a:lvl5pPr indent="-304800" lvl="4" marL="2286000">
+            <a:lvl5pPr marL="2286000" lvl="4" indent="-304800">
               <a:spcBef>
                 <a:spcPts val="0"/>
               </a:spcBef>
@@ -3343,7 +3414,7 @@
               <a:buChar char="○"/>
               <a:defRPr sz="1200"/>
             </a:lvl5pPr>
-            <a:lvl6pPr indent="-304800" lvl="5" marL="2743200">
+            <a:lvl6pPr marL="2743200" lvl="5" indent="-304800">
               <a:spcBef>
                 <a:spcPts val="0"/>
               </a:spcBef>
@@ -3354,7 +3425,7 @@
               <a:buChar char="■"/>
               <a:defRPr sz="1200"/>
             </a:lvl6pPr>
-            <a:lvl7pPr indent="-304800" lvl="6" marL="3200400">
+            <a:lvl7pPr marL="3200400" lvl="6" indent="-304800">
               <a:spcBef>
                 <a:spcPts val="0"/>
               </a:spcBef>
@@ -3365,7 +3436,7 @@
               <a:buChar char="●"/>
               <a:defRPr sz="1200"/>
             </a:lvl7pPr>
-            <a:lvl8pPr indent="-304800" lvl="7" marL="3657600">
+            <a:lvl8pPr marL="3657600" lvl="7" indent="-304800">
               <a:spcBef>
                 <a:spcPts val="0"/>
               </a:spcBef>
@@ -3376,7 +3447,7 @@
               <a:buChar char="○"/>
               <a:defRPr sz="1200"/>
             </a:lvl8pPr>
-            <a:lvl9pPr indent="-304800" lvl="8" marL="4114800">
+            <a:lvl9pPr marL="4114800" lvl="8" indent="-304800">
               <a:spcBef>
                 <a:spcPts val="0"/>
               </a:spcBef>
@@ -3388,15 +3459,19 @@
               <a:defRPr sz="1200"/>
             </a:lvl9pPr>
           </a:lstStyle>
-          <a:p/>
+          <a:p>
+            <a:endParaRPr/>
+          </a:p>
         </p:txBody>
       </p:sp>
       <p:sp>
         <p:nvSpPr>
           <p:cNvPr id="24" name="Google Shape;24;p5"/>
-          <p:cNvSpPr txBox="1"/>
+          <p:cNvSpPr txBox="1">
+            <a:spLocks noGrp="1"/>
+          </p:cNvSpPr>
           <p:nvPr>
-            <p:ph idx="12" type="sldNum"/>
+            <p:ph type="sldNum" idx="12"/>
           </p:nvPr>
         </p:nvSpPr>
         <p:spPr>
@@ -3409,7 +3484,7 @@
           </a:prstGeom>
         </p:spPr>
         <p:txBody>
-          <a:bodyPr anchorCtr="0" anchor="ctr" bIns="91425" lIns="91425" spcFirstLastPara="1" rIns="91425" wrap="square" tIns="91425">
+          <a:bodyPr spcFirstLastPara="1" wrap="square" lIns="91425" tIns="91425" rIns="91425" bIns="91425" anchor="ctr" anchorCtr="0">
             <a:normAutofit/>
           </a:bodyPr>
           <a:lstStyle>
@@ -3451,7 +3526,7 @@
             </a:lvl9pPr>
           </a:lstStyle>
           <a:p>
-            <a:pPr indent="0" lvl="0" marL="0" rtl="0" algn="r">
+            <a:pPr marL="0" lvl="0" indent="0" algn="r" rtl="0">
               <a:spcBef>
                 <a:spcPts val="0"/>
               </a:spcBef>
@@ -3477,11 +3552,11 @@
 </file>
 
 <file path=ppt/slideLayouts/slideLayout5.xml><?xml version="1.0" encoding="utf-8"?>
-<p:sldLayout xmlns:a="http://schemas.openxmlformats.org/drawingml/2006/main" xmlns:r="http://schemas.openxmlformats.org/officeDocument/2006/relationships" xmlns:mc="http://schemas.openxmlformats.org/markup-compatibility/2006" xmlns:mv="urn:schemas-microsoft-com:mac:vml" xmlns:p="http://schemas.openxmlformats.org/presentationml/2006/main" xmlns:c="http://schemas.openxmlformats.org/drawingml/2006/chart" xmlns:dgm="http://schemas.openxmlformats.org/drawingml/2006/diagram" xmlns:o="urn:schemas-microsoft-com:office:office" xmlns:v="urn:schemas-microsoft-com:vml" xmlns:pvml="urn:schemas-microsoft-com:office:powerpoint" xmlns:com="http://schemas.openxmlformats.org/drawingml/2006/compatibility" xmlns:p14="http://schemas.microsoft.com/office/powerpoint/2010/main" xmlns:p15="http://schemas.microsoft.com/office/powerpoint/2012/main" xmlns:ahyp="http://schemas.microsoft.com/office/drawing/2018/hyperlinkcolor" matchingName="Title only" type="titleOnly">
+<p:sldLayout xmlns:a="http://schemas.openxmlformats.org/drawingml/2006/main" xmlns:r="http://schemas.openxmlformats.org/officeDocument/2006/relationships" xmlns:p="http://schemas.openxmlformats.org/presentationml/2006/main" matchingName="Title only" type="titleOnly">
   <p:cSld name="TITLE_ONLY">
     <p:spTree>
       <p:nvGrpSpPr>
-        <p:cNvPr id="25" name="Shape 25"/>
+        <p:cNvPr id="1" name="Shape 25"/>
         <p:cNvGrpSpPr/>
         <p:nvPr/>
       </p:nvGrpSpPr>
@@ -3496,7 +3571,9 @@
       <p:sp>
         <p:nvSpPr>
           <p:cNvPr id="26" name="Google Shape;26;p6"/>
-          <p:cNvSpPr txBox="1"/>
+          <p:cNvSpPr txBox="1">
+            <a:spLocks noGrp="1"/>
+          </p:cNvSpPr>
           <p:nvPr>
             <p:ph type="title"/>
           </p:nvPr>
@@ -3511,7 +3588,7 @@
           </a:prstGeom>
         </p:spPr>
         <p:txBody>
-          <a:bodyPr anchorCtr="0" anchor="t" bIns="91425" lIns="91425" spcFirstLastPara="1" rIns="91425" wrap="square" tIns="91425">
+          <a:bodyPr spcFirstLastPara="1" wrap="square" lIns="91425" tIns="91425" rIns="91425" bIns="91425" anchor="t" anchorCtr="0">
             <a:normAutofit/>
           </a:bodyPr>
           <a:lstStyle>
@@ -3615,15 +3692,19 @@
               <a:defRPr/>
             </a:lvl9pPr>
           </a:lstStyle>
-          <a:p/>
+          <a:p>
+            <a:endParaRPr/>
+          </a:p>
         </p:txBody>
       </p:sp>
       <p:sp>
         <p:nvSpPr>
           <p:cNvPr id="27" name="Google Shape;27;p6"/>
-          <p:cNvSpPr txBox="1"/>
+          <p:cNvSpPr txBox="1">
+            <a:spLocks noGrp="1"/>
+          </p:cNvSpPr>
           <p:nvPr>
-            <p:ph idx="12" type="sldNum"/>
+            <p:ph type="sldNum" idx="12"/>
           </p:nvPr>
         </p:nvSpPr>
         <p:spPr>
@@ -3636,7 +3717,7 @@
           </a:prstGeom>
         </p:spPr>
         <p:txBody>
-          <a:bodyPr anchorCtr="0" anchor="ctr" bIns="91425" lIns="91425" spcFirstLastPara="1" rIns="91425" wrap="square" tIns="91425">
+          <a:bodyPr spcFirstLastPara="1" wrap="square" lIns="91425" tIns="91425" rIns="91425" bIns="91425" anchor="ctr" anchorCtr="0">
             <a:normAutofit/>
           </a:bodyPr>
           <a:lstStyle>
@@ -3678,7 +3759,7 @@
             </a:lvl9pPr>
           </a:lstStyle>
           <a:p>
-            <a:pPr indent="0" lvl="0" marL="0" rtl="0" algn="r">
+            <a:pPr marL="0" lvl="0" indent="0" algn="r" rtl="0">
               <a:spcBef>
                 <a:spcPts val="0"/>
               </a:spcBef>
@@ -3704,11 +3785,11 @@
 </file>
 
 <file path=ppt/slideLayouts/slideLayout6.xml><?xml version="1.0" encoding="utf-8"?>
-<p:sldLayout xmlns:a="http://schemas.openxmlformats.org/drawingml/2006/main" xmlns:r="http://schemas.openxmlformats.org/officeDocument/2006/relationships" xmlns:mc="http://schemas.openxmlformats.org/markup-compatibility/2006" xmlns:mv="urn:schemas-microsoft-com:mac:vml" xmlns:p="http://schemas.openxmlformats.org/presentationml/2006/main" xmlns:c="http://schemas.openxmlformats.org/drawingml/2006/chart" xmlns:dgm="http://schemas.openxmlformats.org/drawingml/2006/diagram" xmlns:o="urn:schemas-microsoft-com:office:office" xmlns:v="urn:schemas-microsoft-com:vml" xmlns:pvml="urn:schemas-microsoft-com:office:powerpoint" xmlns:com="http://schemas.openxmlformats.org/drawingml/2006/compatibility" xmlns:p14="http://schemas.microsoft.com/office/powerpoint/2010/main" xmlns:p15="http://schemas.microsoft.com/office/powerpoint/2012/main" xmlns:ahyp="http://schemas.microsoft.com/office/drawing/2018/hyperlinkcolor" matchingName="One column text">
+<p:sldLayout xmlns:a="http://schemas.openxmlformats.org/drawingml/2006/main" xmlns:r="http://schemas.openxmlformats.org/officeDocument/2006/relationships" xmlns:p="http://schemas.openxmlformats.org/presentationml/2006/main" matchingName="One column text">
   <p:cSld name="ONE_COLUMN_TEXT">
     <p:spTree>
       <p:nvGrpSpPr>
-        <p:cNvPr id="28" name="Shape 28"/>
+        <p:cNvPr id="1" name="Shape 28"/>
         <p:cNvGrpSpPr/>
         <p:nvPr/>
       </p:nvGrpSpPr>
@@ -3723,7 +3804,9 @@
       <p:sp>
         <p:nvSpPr>
           <p:cNvPr id="29" name="Google Shape;29;p7"/>
-          <p:cNvSpPr txBox="1"/>
+          <p:cNvSpPr txBox="1">
+            <a:spLocks noGrp="1"/>
+          </p:cNvSpPr>
           <p:nvPr>
             <p:ph type="title"/>
           </p:nvPr>
@@ -3738,7 +3821,7 @@
           </a:prstGeom>
         </p:spPr>
         <p:txBody>
-          <a:bodyPr anchorCtr="0" anchor="b" bIns="91425" lIns="91425" spcFirstLastPara="1" rIns="91425" wrap="square" tIns="91425">
+          <a:bodyPr spcFirstLastPara="1" wrap="square" lIns="91425" tIns="91425" rIns="91425" bIns="91425" anchor="b" anchorCtr="0">
             <a:normAutofit/>
           </a:bodyPr>
           <a:lstStyle>
@@ -3842,15 +3925,19 @@
               <a:defRPr sz="2400"/>
             </a:lvl9pPr>
           </a:lstStyle>
-          <a:p/>
+          <a:p>
+            <a:endParaRPr/>
+          </a:p>
         </p:txBody>
       </p:sp>
       <p:sp>
         <p:nvSpPr>
           <p:cNvPr id="30" name="Google Shape;30;p7"/>
-          <p:cNvSpPr txBox="1"/>
+          <p:cNvSpPr txBox="1">
+            <a:spLocks noGrp="1"/>
+          </p:cNvSpPr>
           <p:nvPr>
-            <p:ph idx="1" type="body"/>
+            <p:ph type="body" idx="1"/>
           </p:nvPr>
         </p:nvSpPr>
         <p:spPr>
@@ -3863,11 +3950,11 @@
           </a:prstGeom>
         </p:spPr>
         <p:txBody>
-          <a:bodyPr anchorCtr="0" anchor="t" bIns="91425" lIns="91425" spcFirstLastPara="1" rIns="91425" wrap="square" tIns="91425">
+          <a:bodyPr spcFirstLastPara="1" wrap="square" lIns="91425" tIns="91425" rIns="91425" bIns="91425" anchor="t" anchorCtr="0">
             <a:normAutofit/>
           </a:bodyPr>
           <a:lstStyle>
-            <a:lvl1pPr indent="-304800" lvl="0" marL="457200">
+            <a:lvl1pPr marL="457200" lvl="0" indent="-304800">
               <a:spcBef>
                 <a:spcPts val="0"/>
               </a:spcBef>
@@ -3878,7 +3965,7 @@
               <a:buChar char="●"/>
               <a:defRPr sz="1200"/>
             </a:lvl1pPr>
-            <a:lvl2pPr indent="-304800" lvl="1" marL="914400">
+            <a:lvl2pPr marL="914400" lvl="1" indent="-304800">
               <a:spcBef>
                 <a:spcPts val="0"/>
               </a:spcBef>
@@ -3889,7 +3976,7 @@
               <a:buChar char="○"/>
               <a:defRPr sz="1200"/>
             </a:lvl2pPr>
-            <a:lvl3pPr indent="-304800" lvl="2" marL="1371600">
+            <a:lvl3pPr marL="1371600" lvl="2" indent="-304800">
               <a:spcBef>
                 <a:spcPts val="0"/>
               </a:spcBef>
@@ -3900,7 +3987,7 @@
               <a:buChar char="■"/>
               <a:defRPr sz="1200"/>
             </a:lvl3pPr>
-            <a:lvl4pPr indent="-304800" lvl="3" marL="1828800">
+            <a:lvl4pPr marL="1828800" lvl="3" indent="-304800">
               <a:spcBef>
                 <a:spcPts val="0"/>
               </a:spcBef>
@@ -3911,7 +3998,7 @@
               <a:buChar char="●"/>
               <a:defRPr sz="1200"/>
             </a:lvl4pPr>
-            <a:lvl5pPr indent="-304800" lvl="4" marL="2286000">
+            <a:lvl5pPr marL="2286000" lvl="4" indent="-304800">
               <a:spcBef>
                 <a:spcPts val="0"/>
               </a:spcBef>
@@ -3922,7 +4009,7 @@
               <a:buChar char="○"/>
               <a:defRPr sz="1200"/>
             </a:lvl5pPr>
-            <a:lvl6pPr indent="-304800" lvl="5" marL="2743200">
+            <a:lvl6pPr marL="2743200" lvl="5" indent="-304800">
               <a:spcBef>
                 <a:spcPts val="0"/>
               </a:spcBef>
@@ -3933,7 +4020,7 @@
               <a:buChar char="■"/>
               <a:defRPr sz="1200"/>
             </a:lvl6pPr>
-            <a:lvl7pPr indent="-304800" lvl="6" marL="3200400">
+            <a:lvl7pPr marL="3200400" lvl="6" indent="-304800">
               <a:spcBef>
                 <a:spcPts val="0"/>
               </a:spcBef>
@@ -3944,7 +4031,7 @@
               <a:buChar char="●"/>
               <a:defRPr sz="1200"/>
             </a:lvl7pPr>
-            <a:lvl8pPr indent="-304800" lvl="7" marL="3657600">
+            <a:lvl8pPr marL="3657600" lvl="7" indent="-304800">
               <a:spcBef>
                 <a:spcPts val="0"/>
               </a:spcBef>
@@ -3955,7 +4042,7 @@
               <a:buChar char="○"/>
               <a:defRPr sz="1200"/>
             </a:lvl8pPr>
-            <a:lvl9pPr indent="-304800" lvl="8" marL="4114800">
+            <a:lvl9pPr marL="4114800" lvl="8" indent="-304800">
               <a:spcBef>
                 <a:spcPts val="0"/>
               </a:spcBef>
@@ -3967,15 +4054,19 @@
               <a:defRPr sz="1200"/>
             </a:lvl9pPr>
           </a:lstStyle>
-          <a:p/>
+          <a:p>
+            <a:endParaRPr/>
+          </a:p>
         </p:txBody>
       </p:sp>
       <p:sp>
         <p:nvSpPr>
           <p:cNvPr id="31" name="Google Shape;31;p7"/>
-          <p:cNvSpPr txBox="1"/>
+          <p:cNvSpPr txBox="1">
+            <a:spLocks noGrp="1"/>
+          </p:cNvSpPr>
           <p:nvPr>
-            <p:ph idx="12" type="sldNum"/>
+            <p:ph type="sldNum" idx="12"/>
           </p:nvPr>
         </p:nvSpPr>
         <p:spPr>
@@ -3988,7 +4079,7 @@
           </a:prstGeom>
         </p:spPr>
         <p:txBody>
-          <a:bodyPr anchorCtr="0" anchor="ctr" bIns="91425" lIns="91425" spcFirstLastPara="1" rIns="91425" wrap="square" tIns="91425">
+          <a:bodyPr spcFirstLastPara="1" wrap="square" lIns="91425" tIns="91425" rIns="91425" bIns="91425" anchor="ctr" anchorCtr="0">
             <a:normAutofit/>
           </a:bodyPr>
           <a:lstStyle>
@@ -4030,7 +4121,7 @@
             </a:lvl9pPr>
           </a:lstStyle>
           <a:p>
-            <a:pPr indent="0" lvl="0" marL="0" rtl="0" algn="r">
+            <a:pPr marL="0" lvl="0" indent="0" algn="r" rtl="0">
               <a:spcBef>
                 <a:spcPts val="0"/>
               </a:spcBef>
@@ -4056,11 +4147,11 @@
 </file>
 
 <file path=ppt/slideLayouts/slideLayout7.xml><?xml version="1.0" encoding="utf-8"?>
-<p:sldLayout xmlns:a="http://schemas.openxmlformats.org/drawingml/2006/main" xmlns:r="http://schemas.openxmlformats.org/officeDocument/2006/relationships" xmlns:mc="http://schemas.openxmlformats.org/markup-compatibility/2006" xmlns:mv="urn:schemas-microsoft-com:mac:vml" xmlns:p="http://schemas.openxmlformats.org/presentationml/2006/main" xmlns:c="http://schemas.openxmlformats.org/drawingml/2006/chart" xmlns:dgm="http://schemas.openxmlformats.org/drawingml/2006/diagram" xmlns:o="urn:schemas-microsoft-com:office:office" xmlns:v="urn:schemas-microsoft-com:vml" xmlns:pvml="urn:schemas-microsoft-com:office:powerpoint" xmlns:com="http://schemas.openxmlformats.org/drawingml/2006/compatibility" xmlns:p14="http://schemas.microsoft.com/office/powerpoint/2010/main" xmlns:p15="http://schemas.microsoft.com/office/powerpoint/2012/main" xmlns:ahyp="http://schemas.microsoft.com/office/drawing/2018/hyperlinkcolor" matchingName="Main point">
+<p:sldLayout xmlns:a="http://schemas.openxmlformats.org/drawingml/2006/main" xmlns:r="http://schemas.openxmlformats.org/officeDocument/2006/relationships" xmlns:p="http://schemas.openxmlformats.org/presentationml/2006/main" matchingName="Main point">
   <p:cSld name="MAIN_POINT">
     <p:spTree>
       <p:nvGrpSpPr>
-        <p:cNvPr id="32" name="Shape 32"/>
+        <p:cNvPr id="1" name="Shape 32"/>
         <p:cNvGrpSpPr/>
         <p:nvPr/>
       </p:nvGrpSpPr>
@@ -4075,7 +4166,9 @@
       <p:sp>
         <p:nvSpPr>
           <p:cNvPr id="33" name="Google Shape;33;p8"/>
-          <p:cNvSpPr txBox="1"/>
+          <p:cNvSpPr txBox="1">
+            <a:spLocks noGrp="1"/>
+          </p:cNvSpPr>
           <p:nvPr>
             <p:ph type="title"/>
           </p:nvPr>
@@ -4090,7 +4183,7 @@
           </a:prstGeom>
         </p:spPr>
         <p:txBody>
-          <a:bodyPr anchorCtr="0" anchor="ctr" bIns="91425" lIns="91425" spcFirstLastPara="1" rIns="91425" wrap="square" tIns="91425">
+          <a:bodyPr spcFirstLastPara="1" wrap="square" lIns="91425" tIns="91425" rIns="91425" bIns="91425" anchor="ctr" anchorCtr="0">
             <a:normAutofit/>
           </a:bodyPr>
           <a:lstStyle>
@@ -4194,15 +4287,19 @@
               <a:defRPr sz="4800"/>
             </a:lvl9pPr>
           </a:lstStyle>
-          <a:p/>
+          <a:p>
+            <a:endParaRPr/>
+          </a:p>
         </p:txBody>
       </p:sp>
       <p:sp>
         <p:nvSpPr>
           <p:cNvPr id="34" name="Google Shape;34;p8"/>
-          <p:cNvSpPr txBox="1"/>
+          <p:cNvSpPr txBox="1">
+            <a:spLocks noGrp="1"/>
+          </p:cNvSpPr>
           <p:nvPr>
-            <p:ph idx="12" type="sldNum"/>
+            <p:ph type="sldNum" idx="12"/>
           </p:nvPr>
         </p:nvSpPr>
         <p:spPr>
@@ -4215,7 +4312,7 @@
           </a:prstGeom>
         </p:spPr>
         <p:txBody>
-          <a:bodyPr anchorCtr="0" anchor="ctr" bIns="91425" lIns="91425" spcFirstLastPara="1" rIns="91425" wrap="square" tIns="91425">
+          <a:bodyPr spcFirstLastPara="1" wrap="square" lIns="91425" tIns="91425" rIns="91425" bIns="91425" anchor="ctr" anchorCtr="0">
             <a:normAutofit/>
           </a:bodyPr>
           <a:lstStyle>
@@ -4257,7 +4354,7 @@
             </a:lvl9pPr>
           </a:lstStyle>
           <a:p>
-            <a:pPr indent="0" lvl="0" marL="0" rtl="0" algn="r">
+            <a:pPr marL="0" lvl="0" indent="0" algn="r" rtl="0">
               <a:spcBef>
                 <a:spcPts val="0"/>
               </a:spcBef>
@@ -4283,11 +4380,11 @@
 </file>
 
 <file path=ppt/slideLayouts/slideLayout8.xml><?xml version="1.0" encoding="utf-8"?>
-<p:sldLayout xmlns:a="http://schemas.openxmlformats.org/drawingml/2006/main" xmlns:r="http://schemas.openxmlformats.org/officeDocument/2006/relationships" xmlns:mc="http://schemas.openxmlformats.org/markup-compatibility/2006" xmlns:mv="urn:schemas-microsoft-com:mac:vml" xmlns:p="http://schemas.openxmlformats.org/presentationml/2006/main" xmlns:c="http://schemas.openxmlformats.org/drawingml/2006/chart" xmlns:dgm="http://schemas.openxmlformats.org/drawingml/2006/diagram" xmlns:o="urn:schemas-microsoft-com:office:office" xmlns:v="urn:schemas-microsoft-com:vml" xmlns:pvml="urn:schemas-microsoft-com:office:powerpoint" xmlns:com="http://schemas.openxmlformats.org/drawingml/2006/compatibility" xmlns:p14="http://schemas.microsoft.com/office/powerpoint/2010/main" xmlns:p15="http://schemas.microsoft.com/office/powerpoint/2012/main" xmlns:ahyp="http://schemas.microsoft.com/office/drawing/2018/hyperlinkcolor" matchingName="Section title and description">
+<p:sldLayout xmlns:a="http://schemas.openxmlformats.org/drawingml/2006/main" xmlns:r="http://schemas.openxmlformats.org/officeDocument/2006/relationships" xmlns:p="http://schemas.openxmlformats.org/presentationml/2006/main" matchingName="Section title and description">
   <p:cSld name="SECTION_TITLE_AND_DESCRIPTION">
     <p:spTree>
       <p:nvGrpSpPr>
-        <p:cNvPr id="35" name="Shape 35"/>
+        <p:cNvPr id="1" name="Shape 35"/>
         <p:cNvGrpSpPr/>
         <p:nvPr/>
       </p:nvGrpSpPr>
@@ -4321,12 +4418,12 @@
           </a:ln>
         </p:spPr>
         <p:txBody>
-          <a:bodyPr anchorCtr="0" anchor="ctr" bIns="91425" lIns="91425" spcFirstLastPara="1" rIns="91425" wrap="square" tIns="91425">
+          <a:bodyPr spcFirstLastPara="1" wrap="square" lIns="91425" tIns="91425" rIns="91425" bIns="91425" anchor="ctr" anchorCtr="0">
             <a:noAutofit/>
           </a:bodyPr>
           <a:lstStyle/>
           <a:p>
-            <a:pPr indent="0" lvl="0" marL="0" rtl="0" algn="l">
+            <a:pPr marL="0" lvl="0" indent="0" algn="l" rtl="0">
               <a:spcBef>
                 <a:spcPts val="0"/>
               </a:spcBef>
@@ -4335,9 +4432,6 @@
               </a:spcAft>
               <a:buNone/>
             </a:pPr>
-            <a:r>
-              <a:t/>
-            </a:r>
             <a:endParaRPr/>
           </a:p>
         </p:txBody>
@@ -4345,7 +4439,9 @@
       <p:sp>
         <p:nvSpPr>
           <p:cNvPr id="37" name="Google Shape;37;p9"/>
-          <p:cNvSpPr txBox="1"/>
+          <p:cNvSpPr txBox="1">
+            <a:spLocks noGrp="1"/>
+          </p:cNvSpPr>
           <p:nvPr>
             <p:ph type="title"/>
           </p:nvPr>
@@ -4360,7 +4456,7 @@
           </a:prstGeom>
         </p:spPr>
         <p:txBody>
-          <a:bodyPr anchorCtr="0" anchor="b" bIns="91425" lIns="91425" spcFirstLastPara="1" rIns="91425" wrap="square" tIns="91425">
+          <a:bodyPr spcFirstLastPara="1" wrap="square" lIns="91425" tIns="91425" rIns="91425" bIns="91425" anchor="b" anchorCtr="0">
             <a:normAutofit/>
           </a:bodyPr>
           <a:lstStyle>
@@ -4464,15 +4560,19 @@
               <a:defRPr sz="4200"/>
             </a:lvl9pPr>
           </a:lstStyle>
-          <a:p/>
+          <a:p>
+            <a:endParaRPr/>
+          </a:p>
         </p:txBody>
       </p:sp>
       <p:sp>
         <p:nvSpPr>
           <p:cNvPr id="38" name="Google Shape;38;p9"/>
-          <p:cNvSpPr txBox="1"/>
+          <p:cNvSpPr txBox="1">
+            <a:spLocks noGrp="1"/>
+          </p:cNvSpPr>
           <p:nvPr>
-            <p:ph idx="1" type="subTitle"/>
+            <p:ph type="subTitle" idx="1"/>
           </p:nvPr>
         </p:nvSpPr>
         <p:spPr>
@@ -4485,7 +4585,7 @@
           </a:prstGeom>
         </p:spPr>
         <p:txBody>
-          <a:bodyPr anchorCtr="0" anchor="t" bIns="91425" lIns="91425" spcFirstLastPara="1" rIns="91425" wrap="square" tIns="91425">
+          <a:bodyPr spcFirstLastPara="1" wrap="square" lIns="91425" tIns="91425" rIns="91425" bIns="91425" anchor="t" anchorCtr="0">
             <a:normAutofit/>
           </a:bodyPr>
           <a:lstStyle>
@@ -4616,15 +4716,19 @@
               <a:defRPr sz="2100"/>
             </a:lvl9pPr>
           </a:lstStyle>
-          <a:p/>
+          <a:p>
+            <a:endParaRPr/>
+          </a:p>
         </p:txBody>
       </p:sp>
       <p:sp>
         <p:nvSpPr>
           <p:cNvPr id="39" name="Google Shape;39;p9"/>
-          <p:cNvSpPr txBox="1"/>
+          <p:cNvSpPr txBox="1">
+            <a:spLocks noGrp="1"/>
+          </p:cNvSpPr>
           <p:nvPr>
-            <p:ph idx="2" type="body"/>
+            <p:ph type="body" idx="2"/>
           </p:nvPr>
         </p:nvSpPr>
         <p:spPr>
@@ -4637,11 +4741,11 @@
           </a:prstGeom>
         </p:spPr>
         <p:txBody>
-          <a:bodyPr anchorCtr="0" anchor="ctr" bIns="91425" lIns="91425" spcFirstLastPara="1" rIns="91425" wrap="square" tIns="91425">
+          <a:bodyPr spcFirstLastPara="1" wrap="square" lIns="91425" tIns="91425" rIns="91425" bIns="91425" anchor="ctr" anchorCtr="0">
             <a:normAutofit/>
           </a:bodyPr>
           <a:lstStyle>
-            <a:lvl1pPr indent="-342900" lvl="0" marL="457200">
+            <a:lvl1pPr marL="457200" lvl="0" indent="-342900">
               <a:spcBef>
                 <a:spcPts val="0"/>
               </a:spcBef>
@@ -4652,7 +4756,7 @@
               <a:buChar char="●"/>
               <a:defRPr/>
             </a:lvl1pPr>
-            <a:lvl2pPr indent="-317500" lvl="1" marL="914400">
+            <a:lvl2pPr marL="914400" lvl="1" indent="-317500">
               <a:spcBef>
                 <a:spcPts val="0"/>
               </a:spcBef>
@@ -4663,7 +4767,7 @@
               <a:buChar char="○"/>
               <a:defRPr/>
             </a:lvl2pPr>
-            <a:lvl3pPr indent="-317500" lvl="2" marL="1371600">
+            <a:lvl3pPr marL="1371600" lvl="2" indent="-317500">
               <a:spcBef>
                 <a:spcPts val="0"/>
               </a:spcBef>
@@ -4674,7 +4778,7 @@
               <a:buChar char="■"/>
               <a:defRPr/>
             </a:lvl3pPr>
-            <a:lvl4pPr indent="-317500" lvl="3" marL="1828800">
+            <a:lvl4pPr marL="1828800" lvl="3" indent="-317500">
               <a:spcBef>
                 <a:spcPts val="0"/>
               </a:spcBef>
@@ -4685,7 +4789,7 @@
               <a:buChar char="●"/>
               <a:defRPr/>
             </a:lvl4pPr>
-            <a:lvl5pPr indent="-317500" lvl="4" marL="2286000">
+            <a:lvl5pPr marL="2286000" lvl="4" indent="-317500">
               <a:spcBef>
                 <a:spcPts val="0"/>
               </a:spcBef>
@@ -4696,7 +4800,7 @@
               <a:buChar char="○"/>
               <a:defRPr/>
             </a:lvl5pPr>
-            <a:lvl6pPr indent="-317500" lvl="5" marL="2743200">
+            <a:lvl6pPr marL="2743200" lvl="5" indent="-317500">
               <a:spcBef>
                 <a:spcPts val="0"/>
               </a:spcBef>
@@ -4707,7 +4811,7 @@
               <a:buChar char="■"/>
               <a:defRPr/>
             </a:lvl6pPr>
-            <a:lvl7pPr indent="-317500" lvl="6" marL="3200400">
+            <a:lvl7pPr marL="3200400" lvl="6" indent="-317500">
               <a:spcBef>
                 <a:spcPts val="0"/>
               </a:spcBef>
@@ -4718,7 +4822,7 @@
               <a:buChar char="●"/>
               <a:defRPr/>
             </a:lvl7pPr>
-            <a:lvl8pPr indent="-317500" lvl="7" marL="3657600">
+            <a:lvl8pPr marL="3657600" lvl="7" indent="-317500">
               <a:spcBef>
                 <a:spcPts val="0"/>
               </a:spcBef>
@@ -4729,7 +4833,7 @@
               <a:buChar char="○"/>
               <a:defRPr/>
             </a:lvl8pPr>
-            <a:lvl9pPr indent="-317500" lvl="8" marL="4114800">
+            <a:lvl9pPr marL="4114800" lvl="8" indent="-317500">
               <a:spcBef>
                 <a:spcPts val="0"/>
               </a:spcBef>
@@ -4741,15 +4845,19 @@
               <a:defRPr/>
             </a:lvl9pPr>
           </a:lstStyle>
-          <a:p/>
+          <a:p>
+            <a:endParaRPr/>
+          </a:p>
         </p:txBody>
       </p:sp>
       <p:sp>
         <p:nvSpPr>
           <p:cNvPr id="40" name="Google Shape;40;p9"/>
-          <p:cNvSpPr txBox="1"/>
+          <p:cNvSpPr txBox="1">
+            <a:spLocks noGrp="1"/>
+          </p:cNvSpPr>
           <p:nvPr>
-            <p:ph idx="12" type="sldNum"/>
+            <p:ph type="sldNum" idx="12"/>
           </p:nvPr>
         </p:nvSpPr>
         <p:spPr>
@@ -4762,7 +4870,7 @@
           </a:prstGeom>
         </p:spPr>
         <p:txBody>
-          <a:bodyPr anchorCtr="0" anchor="ctr" bIns="91425" lIns="91425" spcFirstLastPara="1" rIns="91425" wrap="square" tIns="91425">
+          <a:bodyPr spcFirstLastPara="1" wrap="square" lIns="91425" tIns="91425" rIns="91425" bIns="91425" anchor="ctr" anchorCtr="0">
             <a:normAutofit/>
           </a:bodyPr>
           <a:lstStyle>
@@ -4804,7 +4912,7 @@
             </a:lvl9pPr>
           </a:lstStyle>
           <a:p>
-            <a:pPr indent="0" lvl="0" marL="0" rtl="0" algn="r">
+            <a:pPr marL="0" lvl="0" indent="0" algn="r" rtl="0">
               <a:spcBef>
                 <a:spcPts val="0"/>
               </a:spcBef>
@@ -4830,11 +4938,11 @@
 </file>
 
 <file path=ppt/slideLayouts/slideLayout9.xml><?xml version="1.0" encoding="utf-8"?>
-<p:sldLayout xmlns:a="http://schemas.openxmlformats.org/drawingml/2006/main" xmlns:r="http://schemas.openxmlformats.org/officeDocument/2006/relationships" xmlns:mc="http://schemas.openxmlformats.org/markup-compatibility/2006" xmlns:mv="urn:schemas-microsoft-com:mac:vml" xmlns:p="http://schemas.openxmlformats.org/presentationml/2006/main" xmlns:c="http://schemas.openxmlformats.org/drawingml/2006/chart" xmlns:dgm="http://schemas.openxmlformats.org/drawingml/2006/diagram" xmlns:o="urn:schemas-microsoft-com:office:office" xmlns:v="urn:schemas-microsoft-com:vml" xmlns:pvml="urn:schemas-microsoft-com:office:powerpoint" xmlns:com="http://schemas.openxmlformats.org/drawingml/2006/compatibility" xmlns:p14="http://schemas.microsoft.com/office/powerpoint/2010/main" xmlns:p15="http://schemas.microsoft.com/office/powerpoint/2012/main" xmlns:ahyp="http://schemas.microsoft.com/office/drawing/2018/hyperlinkcolor" matchingName="Caption">
+<p:sldLayout xmlns:a="http://schemas.openxmlformats.org/drawingml/2006/main" xmlns:r="http://schemas.openxmlformats.org/officeDocument/2006/relationships" xmlns:p="http://schemas.openxmlformats.org/presentationml/2006/main" matchingName="Caption">
   <p:cSld name="CAPTION_ONLY">
     <p:spTree>
       <p:nvGrpSpPr>
-        <p:cNvPr id="41" name="Shape 41"/>
+        <p:cNvPr id="1" name="Shape 41"/>
         <p:cNvGrpSpPr/>
         <p:nvPr/>
       </p:nvGrpSpPr>
@@ -4849,9 +4957,11 @@
       <p:sp>
         <p:nvSpPr>
           <p:cNvPr id="42" name="Google Shape;42;p10"/>
-          <p:cNvSpPr txBox="1"/>
+          <p:cNvSpPr txBox="1">
+            <a:spLocks noGrp="1"/>
+          </p:cNvSpPr>
           <p:nvPr>
-            <p:ph idx="1" type="body"/>
+            <p:ph type="body" idx="1"/>
           </p:nvPr>
         </p:nvSpPr>
         <p:spPr>
@@ -4864,11 +4974,11 @@
           </a:prstGeom>
         </p:spPr>
         <p:txBody>
-          <a:bodyPr anchorCtr="0" anchor="ctr" bIns="91425" lIns="91425" spcFirstLastPara="1" rIns="91425" wrap="square" tIns="91425">
+          <a:bodyPr spcFirstLastPara="1" wrap="square" lIns="91425" tIns="91425" rIns="91425" bIns="91425" anchor="ctr" anchorCtr="0">
             <a:normAutofit/>
           </a:bodyPr>
           <a:lstStyle>
-            <a:lvl1pPr indent="-228600" lvl="0" marL="457200">
+            <a:lvl1pPr marL="457200" lvl="0" indent="-228600">
               <a:lnSpc>
                 <a:spcPct val="100000"/>
               </a:lnSpc>
@@ -4883,15 +4993,19 @@
               <a:defRPr/>
             </a:lvl1pPr>
           </a:lstStyle>
-          <a:p/>
+          <a:p>
+            <a:endParaRPr/>
+          </a:p>
         </p:txBody>
       </p:sp>
       <p:sp>
         <p:nvSpPr>
           <p:cNvPr id="43" name="Google Shape;43;p10"/>
-          <p:cNvSpPr txBox="1"/>
+          <p:cNvSpPr txBox="1">
+            <a:spLocks noGrp="1"/>
+          </p:cNvSpPr>
           <p:nvPr>
-            <p:ph idx="12" type="sldNum"/>
+            <p:ph type="sldNum" idx="12"/>
           </p:nvPr>
         </p:nvSpPr>
         <p:spPr>
@@ -4904,7 +5018,7 @@
           </a:prstGeom>
         </p:spPr>
         <p:txBody>
-          <a:bodyPr anchorCtr="0" anchor="ctr" bIns="91425" lIns="91425" spcFirstLastPara="1" rIns="91425" wrap="square" tIns="91425">
+          <a:bodyPr spcFirstLastPara="1" wrap="square" lIns="91425" tIns="91425" rIns="91425" bIns="91425" anchor="ctr" anchorCtr="0">
             <a:normAutofit/>
           </a:bodyPr>
           <a:lstStyle>
@@ -4946,7 +5060,7 @@
             </a:lvl9pPr>
           </a:lstStyle>
           <a:p>
-            <a:pPr indent="0" lvl="0" marL="0" rtl="0" algn="r">
+            <a:pPr marL="0" lvl="0" indent="0" algn="r" rtl="0">
               <a:spcBef>
                 <a:spcPts val="0"/>
               </a:spcBef>
@@ -4972,18 +5086,19 @@
 </file>
 
 <file path=ppt/slideMasters/slideMaster1.xml><?xml version="1.0" encoding="utf-8"?>
-<p:sldMaster xmlns:a="http://schemas.openxmlformats.org/drawingml/2006/main" xmlns:r="http://schemas.openxmlformats.org/officeDocument/2006/relationships" xmlns:mc="http://schemas.openxmlformats.org/markup-compatibility/2006" xmlns:mv="urn:schemas-microsoft-com:mac:vml" xmlns:p="http://schemas.openxmlformats.org/presentationml/2006/main" xmlns:c="http://schemas.openxmlformats.org/drawingml/2006/chart" xmlns:dgm="http://schemas.openxmlformats.org/drawingml/2006/diagram" xmlns:o="urn:schemas-microsoft-com:office:office" xmlns:v="urn:schemas-microsoft-com:vml" xmlns:pvml="urn:schemas-microsoft-com:office:powerpoint" xmlns:com="http://schemas.openxmlformats.org/drawingml/2006/compatibility" xmlns:p14="http://schemas.microsoft.com/office/powerpoint/2010/main" xmlns:p15="http://schemas.microsoft.com/office/powerpoint/2012/main" xmlns:ahyp="http://schemas.microsoft.com/office/drawing/2018/hyperlinkcolor">
+<p:sldMaster xmlns:a="http://schemas.openxmlformats.org/drawingml/2006/main" xmlns:r="http://schemas.openxmlformats.org/officeDocument/2006/relationships" xmlns:p="http://schemas.openxmlformats.org/presentationml/2006/main">
   <p:cSld name="simple-light-2">
     <p:bg>
       <p:bgPr>
         <a:solidFill>
           <a:schemeClr val="lt1"/>
         </a:solidFill>
+        <a:effectLst/>
       </p:bgPr>
     </p:bg>
     <p:spTree>
       <p:nvGrpSpPr>
-        <p:cNvPr id="5" name="Shape 5"/>
+        <p:cNvPr id="1" name="Shape 5"/>
         <p:cNvGrpSpPr/>
         <p:nvPr/>
       </p:nvGrpSpPr>
@@ -4998,7 +5113,9 @@
       <p:sp>
         <p:nvSpPr>
           <p:cNvPr id="6" name="Google Shape;6;p1"/>
-          <p:cNvSpPr txBox="1"/>
+          <p:cNvSpPr txBox="1">
+            <a:spLocks noGrp="1"/>
+          </p:cNvSpPr>
           <p:nvPr>
             <p:ph type="title"/>
           </p:nvPr>
@@ -5017,7 +5134,7 @@
           </a:ln>
         </p:spPr>
         <p:txBody>
-          <a:bodyPr anchorCtr="0" anchor="t" bIns="91425" lIns="91425" spcFirstLastPara="1" rIns="91425" wrap="square" tIns="91425">
+          <a:bodyPr spcFirstLastPara="1" wrap="square" lIns="91425" tIns="91425" rIns="91425" bIns="91425" anchor="t" anchorCtr="0">
             <a:normAutofit/>
           </a:bodyPr>
           <a:lstStyle>
@@ -5184,15 +5301,19 @@
               </a:defRPr>
             </a:lvl9pPr>
           </a:lstStyle>
-          <a:p/>
+          <a:p>
+            <a:endParaRPr/>
+          </a:p>
         </p:txBody>
       </p:sp>
       <p:sp>
         <p:nvSpPr>
           <p:cNvPr id="7" name="Google Shape;7;p1"/>
-          <p:cNvSpPr txBox="1"/>
+          <p:cNvSpPr txBox="1">
+            <a:spLocks noGrp="1"/>
+          </p:cNvSpPr>
           <p:nvPr>
-            <p:ph idx="1" type="body"/>
+            <p:ph type="body" idx="1"/>
           </p:nvPr>
         </p:nvSpPr>
         <p:spPr>
@@ -5209,11 +5330,11 @@
           </a:ln>
         </p:spPr>
         <p:txBody>
-          <a:bodyPr anchorCtr="0" anchor="t" bIns="91425" lIns="91425" spcFirstLastPara="1" rIns="91425" wrap="square" tIns="91425">
+          <a:bodyPr spcFirstLastPara="1" wrap="square" lIns="91425" tIns="91425" rIns="91425" bIns="91425" anchor="t" anchorCtr="0">
             <a:normAutofit/>
           </a:bodyPr>
           <a:lstStyle>
-            <a:lvl1pPr indent="-342900" lvl="0" marL="457200">
+            <a:lvl1pPr marL="457200" lvl="0" indent="-342900">
               <a:lnSpc>
                 <a:spcPct val="115000"/>
               </a:lnSpc>
@@ -5234,7 +5355,7 @@
                 </a:solidFill>
               </a:defRPr>
             </a:lvl1pPr>
-            <a:lvl2pPr indent="-317500" lvl="1" marL="914400">
+            <a:lvl2pPr marL="914400" lvl="1" indent="-317500">
               <a:lnSpc>
                 <a:spcPct val="115000"/>
               </a:lnSpc>
@@ -5255,7 +5376,7 @@
                 </a:solidFill>
               </a:defRPr>
             </a:lvl2pPr>
-            <a:lvl3pPr indent="-317500" lvl="2" marL="1371600">
+            <a:lvl3pPr marL="1371600" lvl="2" indent="-317500">
               <a:lnSpc>
                 <a:spcPct val="115000"/>
               </a:lnSpc>
@@ -5276,7 +5397,7 @@
                 </a:solidFill>
               </a:defRPr>
             </a:lvl3pPr>
-            <a:lvl4pPr indent="-317500" lvl="3" marL="1828800">
+            <a:lvl4pPr marL="1828800" lvl="3" indent="-317500">
               <a:lnSpc>
                 <a:spcPct val="115000"/>
               </a:lnSpc>
@@ -5297,7 +5418,7 @@
                 </a:solidFill>
               </a:defRPr>
             </a:lvl4pPr>
-            <a:lvl5pPr indent="-317500" lvl="4" marL="2286000">
+            <a:lvl5pPr marL="2286000" lvl="4" indent="-317500">
               <a:lnSpc>
                 <a:spcPct val="115000"/>
               </a:lnSpc>
@@ -5318,7 +5439,7 @@
                 </a:solidFill>
               </a:defRPr>
             </a:lvl5pPr>
-            <a:lvl6pPr indent="-317500" lvl="5" marL="2743200">
+            <a:lvl6pPr marL="2743200" lvl="5" indent="-317500">
               <a:lnSpc>
                 <a:spcPct val="115000"/>
               </a:lnSpc>
@@ -5339,7 +5460,7 @@
                 </a:solidFill>
               </a:defRPr>
             </a:lvl6pPr>
-            <a:lvl7pPr indent="-317500" lvl="6" marL="3200400">
+            <a:lvl7pPr marL="3200400" lvl="6" indent="-317500">
               <a:lnSpc>
                 <a:spcPct val="115000"/>
               </a:lnSpc>
@@ -5360,7 +5481,7 @@
                 </a:solidFill>
               </a:defRPr>
             </a:lvl7pPr>
-            <a:lvl8pPr indent="-317500" lvl="7" marL="3657600">
+            <a:lvl8pPr marL="3657600" lvl="7" indent="-317500">
               <a:lnSpc>
                 <a:spcPct val="115000"/>
               </a:lnSpc>
@@ -5381,7 +5502,7 @@
                 </a:solidFill>
               </a:defRPr>
             </a:lvl8pPr>
-            <a:lvl9pPr indent="-317500" lvl="8" marL="4114800">
+            <a:lvl9pPr marL="4114800" lvl="8" indent="-317500">
               <a:lnSpc>
                 <a:spcPct val="115000"/>
               </a:lnSpc>
@@ -5403,15 +5524,19 @@
               </a:defRPr>
             </a:lvl9pPr>
           </a:lstStyle>
-          <a:p/>
+          <a:p>
+            <a:endParaRPr/>
+          </a:p>
         </p:txBody>
       </p:sp>
       <p:sp>
         <p:nvSpPr>
           <p:cNvPr id="8" name="Google Shape;8;p1"/>
-          <p:cNvSpPr txBox="1"/>
+          <p:cNvSpPr txBox="1">
+            <a:spLocks noGrp="1"/>
+          </p:cNvSpPr>
           <p:nvPr>
-            <p:ph idx="12" type="sldNum"/>
+            <p:ph type="sldNum" idx="12"/>
           </p:nvPr>
         </p:nvSpPr>
         <p:spPr>
@@ -5428,7 +5553,7 @@
           </a:ln>
         </p:spPr>
         <p:txBody>
-          <a:bodyPr anchorCtr="0" anchor="ctr" bIns="91425" lIns="91425" spcFirstLastPara="1" rIns="91425" wrap="square" tIns="91425">
+          <a:bodyPr spcFirstLastPara="1" wrap="square" lIns="91425" tIns="91425" rIns="91425" bIns="91425" anchor="ctr" anchorCtr="0">
             <a:normAutofit/>
           </a:bodyPr>
           <a:lstStyle>
@@ -5506,7 +5631,7 @@
             </a:lvl9pPr>
           </a:lstStyle>
           <a:p>
-            <a:pPr indent="0" lvl="0" marL="0" rtl="0" algn="r">
+            <a:pPr marL="0" lvl="0" indent="0" algn="r" rtl="0">
               <a:spcBef>
                 <a:spcPts val="0"/>
               </a:spcBef>
@@ -5525,7 +5650,7 @@
       </p:sp>
     </p:spTree>
   </p:cSld>
-  <p:clrMap accent1="accent1" accent2="accent2" accent3="accent3" accent4="accent4" accent5="accent5" accent6="accent6" bg1="lt1" bg2="dk2" tx1="dk1" tx2="lt2" folHlink="folHlink" hlink="hlink"/>
+  <p:clrMap bg1="lt1" tx1="dk1" bg2="dk2" tx2="lt2" accent1="accent1" accent2="accent2" accent3="accent3" accent4="accent4" accent5="accent5" accent6="accent6" hlink="hlink" folHlink="folHlink"/>
   <p:sldLayoutIdLst>
     <p:sldLayoutId id="2147483648" r:id="rId1"/>
     <p:sldLayoutId id="2147483649" r:id="rId2"/>
@@ -5539,10 +5664,10 @@
     <p:sldLayoutId id="2147483657" r:id="rId10"/>
     <p:sldLayoutId id="2147483658" r:id="rId11"/>
   </p:sldLayoutIdLst>
-  <p:hf dt="0" ftr="0" hdr="0" sldNum="0"/>
+  <p:hf sldNum="0" hdr="0" ftr="0" dt="0"/>
   <p:txStyles>
     <p:titleStyle>
-      <a:defPPr lvl="0" marR="0" rtl="0" algn="l">
+      <a:defPPr marR="0" lvl="0" algn="l" rtl="0">
         <a:lnSpc>
           <a:spcPct val="100000"/>
         </a:lnSpc>
@@ -5553,7 +5678,7 @@
           <a:spcPts val="0"/>
         </a:spcAft>
       </a:defPPr>
-      <a:lvl1pPr lvl="0" marR="0" rtl="0" algn="l">
+      <a:lvl1pPr marR="0" lvl="0" algn="l" rtl="0">
         <a:lnSpc>
           <a:spcPct val="100000"/>
         </a:lnSpc>
@@ -5567,7 +5692,7 @@
           <a:srgbClr val="000000"/>
         </a:buClr>
         <a:buFont typeface="Arial"/>
-        <a:defRPr b="0" i="0" sz="1400" u="none" cap="none" strike="noStrike">
+        <a:defRPr sz="1400" b="0" i="0" u="none" strike="noStrike" cap="none">
           <a:solidFill>
             <a:srgbClr val="000000"/>
           </a:solidFill>
@@ -5577,7 +5702,7 @@
           <a:sym typeface="Arial"/>
         </a:defRPr>
       </a:lvl1pPr>
-      <a:lvl2pPr lvl="1" marR="0" rtl="0" algn="l">
+      <a:lvl2pPr marR="0" lvl="1" algn="l" rtl="0">
         <a:lnSpc>
           <a:spcPct val="100000"/>
         </a:lnSpc>
@@ -5591,7 +5716,7 @@
           <a:srgbClr val="000000"/>
         </a:buClr>
         <a:buFont typeface="Arial"/>
-        <a:defRPr b="0" i="0" sz="1400" u="none" cap="none" strike="noStrike">
+        <a:defRPr sz="1400" b="0" i="0" u="none" strike="noStrike" cap="none">
           <a:solidFill>
             <a:srgbClr val="000000"/>
           </a:solidFill>
@@ -5601,7 +5726,7 @@
           <a:sym typeface="Arial"/>
         </a:defRPr>
       </a:lvl2pPr>
-      <a:lvl3pPr lvl="2" marR="0" rtl="0" algn="l">
+      <a:lvl3pPr marR="0" lvl="2" algn="l" rtl="0">
         <a:lnSpc>
           <a:spcPct val="100000"/>
         </a:lnSpc>
@@ -5615,7 +5740,7 @@
           <a:srgbClr val="000000"/>
         </a:buClr>
         <a:buFont typeface="Arial"/>
-        <a:defRPr b="0" i="0" sz="1400" u="none" cap="none" strike="noStrike">
+        <a:defRPr sz="1400" b="0" i="0" u="none" strike="noStrike" cap="none">
           <a:solidFill>
             <a:srgbClr val="000000"/>
           </a:solidFill>
@@ -5625,7 +5750,7 @@
           <a:sym typeface="Arial"/>
         </a:defRPr>
       </a:lvl3pPr>
-      <a:lvl4pPr lvl="3" marR="0" rtl="0" algn="l">
+      <a:lvl4pPr marR="0" lvl="3" algn="l" rtl="0">
         <a:lnSpc>
           <a:spcPct val="100000"/>
         </a:lnSpc>
@@ -5639,7 +5764,7 @@
           <a:srgbClr val="000000"/>
         </a:buClr>
         <a:buFont typeface="Arial"/>
-        <a:defRPr b="0" i="0" sz="1400" u="none" cap="none" strike="noStrike">
+        <a:defRPr sz="1400" b="0" i="0" u="none" strike="noStrike" cap="none">
           <a:solidFill>
             <a:srgbClr val="000000"/>
           </a:solidFill>
@@ -5649,7 +5774,7 @@
           <a:sym typeface="Arial"/>
         </a:defRPr>
       </a:lvl4pPr>
-      <a:lvl5pPr lvl="4" marR="0" rtl="0" algn="l">
+      <a:lvl5pPr marR="0" lvl="4" algn="l" rtl="0">
         <a:lnSpc>
           <a:spcPct val="100000"/>
         </a:lnSpc>
@@ -5663,7 +5788,7 @@
           <a:srgbClr val="000000"/>
         </a:buClr>
         <a:buFont typeface="Arial"/>
-        <a:defRPr b="0" i="0" sz="1400" u="none" cap="none" strike="noStrike">
+        <a:defRPr sz="1400" b="0" i="0" u="none" strike="noStrike" cap="none">
           <a:solidFill>
             <a:srgbClr val="000000"/>
           </a:solidFill>
@@ -5673,7 +5798,7 @@
           <a:sym typeface="Arial"/>
         </a:defRPr>
       </a:lvl5pPr>
-      <a:lvl6pPr lvl="5" marR="0" rtl="0" algn="l">
+      <a:lvl6pPr marR="0" lvl="5" algn="l" rtl="0">
         <a:lnSpc>
           <a:spcPct val="100000"/>
         </a:lnSpc>
@@ -5687,7 +5812,7 @@
           <a:srgbClr val="000000"/>
         </a:buClr>
         <a:buFont typeface="Arial"/>
-        <a:defRPr b="0" i="0" sz="1400" u="none" cap="none" strike="noStrike">
+        <a:defRPr sz="1400" b="0" i="0" u="none" strike="noStrike" cap="none">
           <a:solidFill>
             <a:srgbClr val="000000"/>
           </a:solidFill>
@@ -5697,7 +5822,7 @@
           <a:sym typeface="Arial"/>
         </a:defRPr>
       </a:lvl6pPr>
-      <a:lvl7pPr lvl="6" marR="0" rtl="0" algn="l">
+      <a:lvl7pPr marR="0" lvl="6" algn="l" rtl="0">
         <a:lnSpc>
           <a:spcPct val="100000"/>
         </a:lnSpc>
@@ -5711,7 +5836,7 @@
           <a:srgbClr val="000000"/>
         </a:buClr>
         <a:buFont typeface="Arial"/>
-        <a:defRPr b="0" i="0" sz="1400" u="none" cap="none" strike="noStrike">
+        <a:defRPr sz="1400" b="0" i="0" u="none" strike="noStrike" cap="none">
           <a:solidFill>
             <a:srgbClr val="000000"/>
           </a:solidFill>
@@ -5721,7 +5846,7 @@
           <a:sym typeface="Arial"/>
         </a:defRPr>
       </a:lvl7pPr>
-      <a:lvl8pPr lvl="7" marR="0" rtl="0" algn="l">
+      <a:lvl8pPr marR="0" lvl="7" algn="l" rtl="0">
         <a:lnSpc>
           <a:spcPct val="100000"/>
         </a:lnSpc>
@@ -5735,7 +5860,7 @@
           <a:srgbClr val="000000"/>
         </a:buClr>
         <a:buFont typeface="Arial"/>
-        <a:defRPr b="0" i="0" sz="1400" u="none" cap="none" strike="noStrike">
+        <a:defRPr sz="1400" b="0" i="0" u="none" strike="noStrike" cap="none">
           <a:solidFill>
             <a:srgbClr val="000000"/>
           </a:solidFill>
@@ -5745,7 +5870,7 @@
           <a:sym typeface="Arial"/>
         </a:defRPr>
       </a:lvl8pPr>
-      <a:lvl9pPr lvl="8" marR="0" rtl="0" algn="l">
+      <a:lvl9pPr marR="0" lvl="8" algn="l" rtl="0">
         <a:lnSpc>
           <a:spcPct val="100000"/>
         </a:lnSpc>
@@ -5759,7 +5884,7 @@
           <a:srgbClr val="000000"/>
         </a:buClr>
         <a:buFont typeface="Arial"/>
-        <a:defRPr b="0" i="0" sz="1400" u="none" cap="none" strike="noStrike">
+        <a:defRPr sz="1400" b="0" i="0" u="none" strike="noStrike" cap="none">
           <a:solidFill>
             <a:srgbClr val="000000"/>
           </a:solidFill>
@@ -5771,7 +5896,7 @@
       </a:lvl9pPr>
     </p:titleStyle>
     <p:bodyStyle>
-      <a:defPPr lvl="0" marR="0" rtl="0" algn="l">
+      <a:defPPr marR="0" lvl="0" algn="l" rtl="0">
         <a:lnSpc>
           <a:spcPct val="100000"/>
         </a:lnSpc>
@@ -5782,7 +5907,7 @@
           <a:spcPts val="0"/>
         </a:spcAft>
       </a:defPPr>
-      <a:lvl1pPr lvl="0" marR="0" rtl="0" algn="l">
+      <a:lvl1pPr marR="0" lvl="0" algn="l" rtl="0">
         <a:lnSpc>
           <a:spcPct val="100000"/>
         </a:lnSpc>
@@ -5796,7 +5921,7 @@
           <a:srgbClr val="000000"/>
         </a:buClr>
         <a:buFont typeface="Arial"/>
-        <a:defRPr b="0" i="0" sz="1400" u="none" cap="none" strike="noStrike">
+        <a:defRPr sz="1400" b="0" i="0" u="none" strike="noStrike" cap="none">
           <a:solidFill>
             <a:srgbClr val="000000"/>
           </a:solidFill>
@@ -5806,7 +5931,7 @@
           <a:sym typeface="Arial"/>
         </a:defRPr>
       </a:lvl1pPr>
-      <a:lvl2pPr lvl="1" marR="0" rtl="0" algn="l">
+      <a:lvl2pPr marR="0" lvl="1" algn="l" rtl="0">
         <a:lnSpc>
           <a:spcPct val="100000"/>
         </a:lnSpc>
@@ -5820,7 +5945,7 @@
           <a:srgbClr val="000000"/>
         </a:buClr>
         <a:buFont typeface="Arial"/>
-        <a:defRPr b="0" i="0" sz="1400" u="none" cap="none" strike="noStrike">
+        <a:defRPr sz="1400" b="0" i="0" u="none" strike="noStrike" cap="none">
           <a:solidFill>
             <a:srgbClr val="000000"/>
           </a:solidFill>
@@ -5830,7 +5955,7 @@
           <a:sym typeface="Arial"/>
         </a:defRPr>
       </a:lvl2pPr>
-      <a:lvl3pPr lvl="2" marR="0" rtl="0" algn="l">
+      <a:lvl3pPr marR="0" lvl="2" algn="l" rtl="0">
         <a:lnSpc>
           <a:spcPct val="100000"/>
         </a:lnSpc>
@@ -5844,7 +5969,7 @@
           <a:srgbClr val="000000"/>
         </a:buClr>
         <a:buFont typeface="Arial"/>
-        <a:defRPr b="0" i="0" sz="1400" u="none" cap="none" strike="noStrike">
+        <a:defRPr sz="1400" b="0" i="0" u="none" strike="noStrike" cap="none">
           <a:solidFill>
             <a:srgbClr val="000000"/>
           </a:solidFill>
@@ -5854,7 +5979,7 @@
           <a:sym typeface="Arial"/>
         </a:defRPr>
       </a:lvl3pPr>
-      <a:lvl4pPr lvl="3" marR="0" rtl="0" algn="l">
+      <a:lvl4pPr marR="0" lvl="3" algn="l" rtl="0">
         <a:lnSpc>
           <a:spcPct val="100000"/>
         </a:lnSpc>
@@ -5868,7 +5993,7 @@
           <a:srgbClr val="000000"/>
         </a:buClr>
         <a:buFont typeface="Arial"/>
-        <a:defRPr b="0" i="0" sz="1400" u="none" cap="none" strike="noStrike">
+        <a:defRPr sz="1400" b="0" i="0" u="none" strike="noStrike" cap="none">
           <a:solidFill>
             <a:srgbClr val="000000"/>
           </a:solidFill>
@@ -5878,7 +6003,7 @@
           <a:sym typeface="Arial"/>
         </a:defRPr>
       </a:lvl4pPr>
-      <a:lvl5pPr lvl="4" marR="0" rtl="0" algn="l">
+      <a:lvl5pPr marR="0" lvl="4" algn="l" rtl="0">
         <a:lnSpc>
           <a:spcPct val="100000"/>
         </a:lnSpc>
@@ -5892,7 +6017,7 @@
           <a:srgbClr val="000000"/>
         </a:buClr>
         <a:buFont typeface="Arial"/>
-        <a:defRPr b="0" i="0" sz="1400" u="none" cap="none" strike="noStrike">
+        <a:defRPr sz="1400" b="0" i="0" u="none" strike="noStrike" cap="none">
           <a:solidFill>
             <a:srgbClr val="000000"/>
           </a:solidFill>
@@ -5902,7 +6027,7 @@
           <a:sym typeface="Arial"/>
         </a:defRPr>
       </a:lvl5pPr>
-      <a:lvl6pPr lvl="5" marR="0" rtl="0" algn="l">
+      <a:lvl6pPr marR="0" lvl="5" algn="l" rtl="0">
         <a:lnSpc>
           <a:spcPct val="100000"/>
         </a:lnSpc>
@@ -5916,7 +6041,7 @@
           <a:srgbClr val="000000"/>
         </a:buClr>
         <a:buFont typeface="Arial"/>
-        <a:defRPr b="0" i="0" sz="1400" u="none" cap="none" strike="noStrike">
+        <a:defRPr sz="1400" b="0" i="0" u="none" strike="noStrike" cap="none">
           <a:solidFill>
             <a:srgbClr val="000000"/>
           </a:solidFill>
@@ -5926,7 +6051,7 @@
           <a:sym typeface="Arial"/>
         </a:defRPr>
       </a:lvl6pPr>
-      <a:lvl7pPr lvl="6" marR="0" rtl="0" algn="l">
+      <a:lvl7pPr marR="0" lvl="6" algn="l" rtl="0">
         <a:lnSpc>
           <a:spcPct val="100000"/>
         </a:lnSpc>
@@ -5940,7 +6065,7 @@
           <a:srgbClr val="000000"/>
         </a:buClr>
         <a:buFont typeface="Arial"/>
-        <a:defRPr b="0" i="0" sz="1400" u="none" cap="none" strike="noStrike">
+        <a:defRPr sz="1400" b="0" i="0" u="none" strike="noStrike" cap="none">
           <a:solidFill>
             <a:srgbClr val="000000"/>
           </a:solidFill>
@@ -5950,7 +6075,7 @@
           <a:sym typeface="Arial"/>
         </a:defRPr>
       </a:lvl7pPr>
-      <a:lvl8pPr lvl="7" marR="0" rtl="0" algn="l">
+      <a:lvl8pPr marR="0" lvl="7" algn="l" rtl="0">
         <a:lnSpc>
           <a:spcPct val="100000"/>
         </a:lnSpc>
@@ -5964,7 +6089,7 @@
           <a:srgbClr val="000000"/>
         </a:buClr>
         <a:buFont typeface="Arial"/>
-        <a:defRPr b="0" i="0" sz="1400" u="none" cap="none" strike="noStrike">
+        <a:defRPr sz="1400" b="0" i="0" u="none" strike="noStrike" cap="none">
           <a:solidFill>
             <a:srgbClr val="000000"/>
           </a:solidFill>
@@ -5974,7 +6099,7 @@
           <a:sym typeface="Arial"/>
         </a:defRPr>
       </a:lvl8pPr>
-      <a:lvl9pPr lvl="8" marR="0" rtl="0" algn="l">
+      <a:lvl9pPr marR="0" lvl="8" algn="l" rtl="0">
         <a:lnSpc>
           <a:spcPct val="100000"/>
         </a:lnSpc>
@@ -5988,7 +6113,7 @@
           <a:srgbClr val="000000"/>
         </a:buClr>
         <a:buFont typeface="Arial"/>
-        <a:defRPr b="0" i="0" sz="1400" u="none" cap="none" strike="noStrike">
+        <a:defRPr sz="1400" b="0" i="0" u="none" strike="noStrike" cap="none">
           <a:solidFill>
             <a:srgbClr val="000000"/>
           </a:solidFill>
@@ -6000,7 +6125,7 @@
       </a:lvl9pPr>
     </p:bodyStyle>
     <p:otherStyle>
-      <a:defPPr lvl="0" marR="0" rtl="0" algn="l">
+      <a:defPPr marR="0" lvl="0" algn="l" rtl="0">
         <a:lnSpc>
           <a:spcPct val="100000"/>
         </a:lnSpc>
@@ -6011,7 +6136,7 @@
           <a:spcPts val="0"/>
         </a:spcAft>
       </a:defPPr>
-      <a:lvl1pPr lvl="0" marR="0" rtl="0" algn="l">
+      <a:lvl1pPr marR="0" lvl="0" algn="l" rtl="0">
         <a:lnSpc>
           <a:spcPct val="100000"/>
         </a:lnSpc>
@@ -6025,7 +6150,7 @@
           <a:srgbClr val="000000"/>
         </a:buClr>
         <a:buFont typeface="Arial"/>
-        <a:defRPr b="0" i="0" sz="1400" u="none" cap="none" strike="noStrike">
+        <a:defRPr sz="1400" b="0" i="0" u="none" strike="noStrike" cap="none">
           <a:solidFill>
             <a:srgbClr val="000000"/>
           </a:solidFill>
@@ -6035,7 +6160,7 @@
           <a:sym typeface="Arial"/>
         </a:defRPr>
       </a:lvl1pPr>
-      <a:lvl2pPr lvl="1" marR="0" rtl="0" algn="l">
+      <a:lvl2pPr marR="0" lvl="1" algn="l" rtl="0">
         <a:lnSpc>
           <a:spcPct val="100000"/>
         </a:lnSpc>
@@ -6049,7 +6174,7 @@
           <a:srgbClr val="000000"/>
         </a:buClr>
         <a:buFont typeface="Arial"/>
-        <a:defRPr b="0" i="0" sz="1400" u="none" cap="none" strike="noStrike">
+        <a:defRPr sz="1400" b="0" i="0" u="none" strike="noStrike" cap="none">
           <a:solidFill>
             <a:srgbClr val="000000"/>
           </a:solidFill>
@@ -6059,7 +6184,7 @@
           <a:sym typeface="Arial"/>
         </a:defRPr>
       </a:lvl2pPr>
-      <a:lvl3pPr lvl="2" marR="0" rtl="0" algn="l">
+      <a:lvl3pPr marR="0" lvl="2" algn="l" rtl="0">
         <a:lnSpc>
           <a:spcPct val="100000"/>
         </a:lnSpc>
@@ -6073,7 +6198,7 @@
           <a:srgbClr val="000000"/>
         </a:buClr>
         <a:buFont typeface="Arial"/>
-        <a:defRPr b="0" i="0" sz="1400" u="none" cap="none" strike="noStrike">
+        <a:defRPr sz="1400" b="0" i="0" u="none" strike="noStrike" cap="none">
           <a:solidFill>
             <a:srgbClr val="000000"/>
           </a:solidFill>
@@ -6083,7 +6208,7 @@
           <a:sym typeface="Arial"/>
         </a:defRPr>
       </a:lvl3pPr>
-      <a:lvl4pPr lvl="3" marR="0" rtl="0" algn="l">
+      <a:lvl4pPr marR="0" lvl="3" algn="l" rtl="0">
         <a:lnSpc>
           <a:spcPct val="100000"/>
         </a:lnSpc>
@@ -6097,7 +6222,7 @@
           <a:srgbClr val="000000"/>
         </a:buClr>
         <a:buFont typeface="Arial"/>
-        <a:defRPr b="0" i="0" sz="1400" u="none" cap="none" strike="noStrike">
+        <a:defRPr sz="1400" b="0" i="0" u="none" strike="noStrike" cap="none">
           <a:solidFill>
             <a:srgbClr val="000000"/>
           </a:solidFill>
@@ -6107,7 +6232,7 @@
           <a:sym typeface="Arial"/>
         </a:defRPr>
       </a:lvl4pPr>
-      <a:lvl5pPr lvl="4" marR="0" rtl="0" algn="l">
+      <a:lvl5pPr marR="0" lvl="4" algn="l" rtl="0">
         <a:lnSpc>
           <a:spcPct val="100000"/>
         </a:lnSpc>
@@ -6121,7 +6246,7 @@
           <a:srgbClr val="000000"/>
         </a:buClr>
         <a:buFont typeface="Arial"/>
-        <a:defRPr b="0" i="0" sz="1400" u="none" cap="none" strike="noStrike">
+        <a:defRPr sz="1400" b="0" i="0" u="none" strike="noStrike" cap="none">
           <a:solidFill>
             <a:srgbClr val="000000"/>
           </a:solidFill>
@@ -6131,7 +6256,7 @@
           <a:sym typeface="Arial"/>
         </a:defRPr>
       </a:lvl5pPr>
-      <a:lvl6pPr lvl="5" marR="0" rtl="0" algn="l">
+      <a:lvl6pPr marR="0" lvl="5" algn="l" rtl="0">
         <a:lnSpc>
           <a:spcPct val="100000"/>
         </a:lnSpc>
@@ -6145,7 +6270,7 @@
           <a:srgbClr val="000000"/>
         </a:buClr>
         <a:buFont typeface="Arial"/>
-        <a:defRPr b="0" i="0" sz="1400" u="none" cap="none" strike="noStrike">
+        <a:defRPr sz="1400" b="0" i="0" u="none" strike="noStrike" cap="none">
           <a:solidFill>
             <a:srgbClr val="000000"/>
           </a:solidFill>
@@ -6155,7 +6280,7 @@
           <a:sym typeface="Arial"/>
         </a:defRPr>
       </a:lvl6pPr>
-      <a:lvl7pPr lvl="6" marR="0" rtl="0" algn="l">
+      <a:lvl7pPr marR="0" lvl="6" algn="l" rtl="0">
         <a:lnSpc>
           <a:spcPct val="100000"/>
         </a:lnSpc>
@@ -6169,7 +6294,7 @@
           <a:srgbClr val="000000"/>
         </a:buClr>
         <a:buFont typeface="Arial"/>
-        <a:defRPr b="0" i="0" sz="1400" u="none" cap="none" strike="noStrike">
+        <a:defRPr sz="1400" b="0" i="0" u="none" strike="noStrike" cap="none">
           <a:solidFill>
             <a:srgbClr val="000000"/>
           </a:solidFill>
@@ -6179,7 +6304,7 @@
           <a:sym typeface="Arial"/>
         </a:defRPr>
       </a:lvl7pPr>
-      <a:lvl8pPr lvl="7" marR="0" rtl="0" algn="l">
+      <a:lvl8pPr marR="0" lvl="7" algn="l" rtl="0">
         <a:lnSpc>
           <a:spcPct val="100000"/>
         </a:lnSpc>
@@ -6193,7 +6318,7 @@
           <a:srgbClr val="000000"/>
         </a:buClr>
         <a:buFont typeface="Arial"/>
-        <a:defRPr b="0" i="0" sz="1400" u="none" cap="none" strike="noStrike">
+        <a:defRPr sz="1400" b="0" i="0" u="none" strike="noStrike" cap="none">
           <a:solidFill>
             <a:srgbClr val="000000"/>
           </a:solidFill>
@@ -6203,7 +6328,7 @@
           <a:sym typeface="Arial"/>
         </a:defRPr>
       </a:lvl8pPr>
-      <a:lvl9pPr lvl="8" marR="0" rtl="0" algn="l">
+      <a:lvl9pPr marR="0" lvl="8" algn="l" rtl="0">
         <a:lnSpc>
           <a:spcPct val="100000"/>
         </a:lnSpc>
@@ -6217,7 +6342,7 @@
           <a:srgbClr val="000000"/>
         </a:buClr>
         <a:buFont typeface="Arial"/>
-        <a:defRPr b="0" i="0" sz="1400" u="none" cap="none" strike="noStrike">
+        <a:defRPr sz="1400" b="0" i="0" u="none" strike="noStrike" cap="none">
           <a:solidFill>
             <a:srgbClr val="000000"/>
           </a:solidFill>
@@ -6233,7 +6358,7 @@
 </file>
 
 <file path=ppt/slides/slide1.xml><?xml version="1.0" encoding="utf-8"?>
-<p:sld xmlns:a="http://schemas.openxmlformats.org/drawingml/2006/main" xmlns:r="http://schemas.openxmlformats.org/officeDocument/2006/relationships" xmlns:mc="http://schemas.openxmlformats.org/markup-compatibility/2006" xmlns:mv="urn:schemas-microsoft-com:mac:vml" xmlns:p="http://schemas.openxmlformats.org/presentationml/2006/main" xmlns:c="http://schemas.openxmlformats.org/drawingml/2006/chart" xmlns:dgm="http://schemas.openxmlformats.org/drawingml/2006/diagram" xmlns:o="urn:schemas-microsoft-com:office:office" xmlns:v="urn:schemas-microsoft-com:vml" xmlns:pvml="urn:schemas-microsoft-com:office:powerpoint" xmlns:com="http://schemas.openxmlformats.org/drawingml/2006/compatibility" xmlns:p14="http://schemas.microsoft.com/office/powerpoint/2010/main" xmlns:p15="http://schemas.microsoft.com/office/powerpoint/2012/main" xmlns:ahyp="http://schemas.microsoft.com/office/drawing/2018/hyperlinkcolor">
+<p:sld xmlns:a="http://schemas.openxmlformats.org/drawingml/2006/main" xmlns:r="http://schemas.openxmlformats.org/officeDocument/2006/relationships" xmlns:p="http://schemas.openxmlformats.org/presentationml/2006/main">
   <p:cSld>
     <p:bg>
       <p:bgPr>
@@ -6245,11 +6370,12 @@
             <a:fillRect/>
           </a:stretch>
         </a:blipFill>
+        <a:effectLst/>
       </p:bgPr>
     </p:bg>
     <p:spTree>
       <p:nvGrpSpPr>
-        <p:cNvPr id="54" name="Shape 54"/>
+        <p:cNvPr id="1" name="Shape 54"/>
         <p:cNvGrpSpPr/>
         <p:nvPr/>
       </p:nvGrpSpPr>
@@ -6281,12 +6407,12 @@
           </a:ln>
         </p:spPr>
         <p:txBody>
-          <a:bodyPr anchorCtr="0" anchor="t" bIns="91425" lIns="91425" spcFirstLastPara="1" rIns="91425" wrap="square" tIns="91425">
+          <a:bodyPr spcFirstLastPara="1" wrap="square" lIns="91425" tIns="91425" rIns="91425" bIns="91425" anchor="t" anchorCtr="0">
             <a:noAutofit/>
           </a:bodyPr>
           <a:lstStyle/>
           <a:p>
-            <a:pPr indent="0" lvl="0" marL="0" rtl="0" algn="l">
+            <a:pPr marL="0" lvl="0" indent="0" algn="l" rtl="0">
               <a:spcBef>
                 <a:spcPts val="0"/>
               </a:spcBef>
@@ -6296,7 +6422,7 @@
               <a:buNone/>
             </a:pPr>
             <a:r>
-              <a:rPr b="1" lang="en-GB" sz="4300">
+              <a:rPr lang="en-GB" sz="4300" b="1">
                 <a:solidFill>
                   <a:schemeClr val="lt1"/>
                 </a:solidFill>
@@ -6307,7 +6433,7 @@
               </a:rPr>
               <a:t>Samar Abu Hdeeb</a:t>
             </a:r>
-            <a:endParaRPr b="1" sz="4300">
+            <a:endParaRPr sz="4300" b="1">
               <a:solidFill>
                 <a:schemeClr val="lt1"/>
               </a:solidFill>
@@ -6332,29 +6458,29 @@
           </a:xfrm>
           <a:prstGeom prst="roundRect">
             <a:avLst>
-              <a:gd fmla="val 16667" name="adj"/>
+              <a:gd name="adj" fmla="val 16667"/>
             </a:avLst>
           </a:prstGeom>
           <a:solidFill>
             <a:srgbClr val="2A3891"/>
           </a:solidFill>
-          <a:ln cap="flat" cmpd="sng" w="9525">
+          <a:ln w="9525" cap="flat" cmpd="sng">
             <a:solidFill>
               <a:srgbClr val="2A3891"/>
             </a:solidFill>
             <a:prstDash val="solid"/>
             <a:round/>
-            <a:headEnd len="sm" w="sm" type="none"/>
-            <a:tailEnd len="sm" w="sm" type="none"/>
+            <a:headEnd type="none" w="sm" len="sm"/>
+            <a:tailEnd type="none" w="sm" len="sm"/>
           </a:ln>
         </p:spPr>
         <p:txBody>
-          <a:bodyPr anchorCtr="0" anchor="ctr" bIns="91425" lIns="91425" spcFirstLastPara="1" rIns="91425" wrap="square" tIns="91425">
+          <a:bodyPr spcFirstLastPara="1" wrap="square" lIns="91425" tIns="91425" rIns="91425" bIns="91425" anchor="ctr" anchorCtr="0">
             <a:noAutofit/>
           </a:bodyPr>
           <a:lstStyle/>
           <a:p>
-            <a:pPr indent="0" lvl="0" marL="0" rtl="0" algn="ctr">
+            <a:pPr marL="0" lvl="0" indent="0" algn="ctr" rtl="0">
               <a:spcBef>
                 <a:spcPts val="0"/>
               </a:spcBef>
@@ -6363,9 +6489,6 @@
               </a:spcAft>
               <a:buNone/>
             </a:pPr>
-            <a:r>
-              <a:t/>
-            </a:r>
             <a:endParaRPr/>
           </a:p>
         </p:txBody>
@@ -6383,29 +6506,29 @@
           </a:xfrm>
           <a:prstGeom prst="roundRect">
             <a:avLst>
-              <a:gd fmla="val 16667" name="adj"/>
+              <a:gd name="adj" fmla="val 16667"/>
             </a:avLst>
           </a:prstGeom>
           <a:solidFill>
             <a:srgbClr val="2A3891"/>
           </a:solidFill>
-          <a:ln cap="flat" cmpd="sng" w="9525">
+          <a:ln w="9525" cap="flat" cmpd="sng">
             <a:solidFill>
               <a:srgbClr val="2A3891"/>
             </a:solidFill>
             <a:prstDash val="solid"/>
             <a:round/>
-            <a:headEnd len="sm" w="sm" type="none"/>
-            <a:tailEnd len="sm" w="sm" type="none"/>
+            <a:headEnd type="none" w="sm" len="sm"/>
+            <a:tailEnd type="none" w="sm" len="sm"/>
           </a:ln>
         </p:spPr>
         <p:txBody>
-          <a:bodyPr anchorCtr="0" anchor="ctr" bIns="91425" lIns="91425" spcFirstLastPara="1" rIns="91425" wrap="square" tIns="91425">
+          <a:bodyPr spcFirstLastPara="1" wrap="square" lIns="91425" tIns="91425" rIns="91425" bIns="91425" anchor="ctr" anchorCtr="0">
             <a:noAutofit/>
           </a:bodyPr>
           <a:lstStyle/>
           <a:p>
-            <a:pPr indent="0" lvl="0" marL="0" rtl="0" algn="ctr">
+            <a:pPr marL="0" lvl="0" indent="0" algn="ctr" rtl="0">
               <a:spcBef>
                 <a:spcPts val="0"/>
               </a:spcBef>
@@ -6414,9 +6537,6 @@
               </a:spcAft>
               <a:buNone/>
             </a:pPr>
-            <a:r>
-              <a:t/>
-            </a:r>
             <a:endParaRPr/>
           </a:p>
         </p:txBody>
@@ -6431,7 +6551,7 @@
           <a:blip r:embed="rId4">
             <a:alphaModFix/>
           </a:blip>
-          <a:srcRect b="0" l="4058" r="0" t="7570"/>
+          <a:srcRect l="4058" t="7570"/>
           <a:stretch/>
         </p:blipFill>
         <p:spPr>
@@ -6450,7 +6570,7 @@
       </p:pic>
       <p:pic>
         <p:nvPicPr>
-          <p:cNvPr descr="A logo with yellow and blue text&#10;&#10;Description automatically generated" id="59" name="Google Shape;59;p13"/>
+          <p:cNvPr id="59" name="Google Shape;59;p13" descr="A logo with yellow and blue text&#10;&#10;Description automatically generated"/>
           <p:cNvPicPr preferRelativeResize="0"/>
           <p:nvPr/>
         </p:nvPicPr>
@@ -6458,7 +6578,7 @@
           <a:blip r:embed="rId5">
             <a:alphaModFix/>
           </a:blip>
-          <a:srcRect b="0" l="0" r="18126" t="0"/>
+          <a:srcRect r="18126"/>
           <a:stretch/>
         </p:blipFill>
         <p:spPr>
@@ -6484,11 +6604,11 @@
 </file>
 
 <file path=ppt/slides/slide2.xml><?xml version="1.0" encoding="utf-8"?>
-<p:sld xmlns:a="http://schemas.openxmlformats.org/drawingml/2006/main" xmlns:r="http://schemas.openxmlformats.org/officeDocument/2006/relationships" xmlns:mc="http://schemas.openxmlformats.org/markup-compatibility/2006" xmlns:mv="urn:schemas-microsoft-com:mac:vml" xmlns:p="http://schemas.openxmlformats.org/presentationml/2006/main" xmlns:c="http://schemas.openxmlformats.org/drawingml/2006/chart" xmlns:dgm="http://schemas.openxmlformats.org/drawingml/2006/diagram" xmlns:o="urn:schemas-microsoft-com:office:office" xmlns:v="urn:schemas-microsoft-com:vml" xmlns:pvml="urn:schemas-microsoft-com:office:powerpoint" xmlns:com="http://schemas.openxmlformats.org/drawingml/2006/compatibility" xmlns:p14="http://schemas.microsoft.com/office/powerpoint/2010/main" xmlns:p15="http://schemas.microsoft.com/office/powerpoint/2012/main" xmlns:ahyp="http://schemas.microsoft.com/office/drawing/2018/hyperlinkcolor">
+<p:sld xmlns:a="http://schemas.openxmlformats.org/drawingml/2006/main" xmlns:r="http://schemas.openxmlformats.org/officeDocument/2006/relationships" xmlns:p="http://schemas.openxmlformats.org/presentationml/2006/main">
   <p:cSld>
     <p:spTree>
       <p:nvGrpSpPr>
-        <p:cNvPr id="63" name="Shape 63"/>
+        <p:cNvPr id="1" name="Shape 63"/>
         <p:cNvGrpSpPr/>
         <p:nvPr/>
       </p:nvGrpSpPr>
@@ -6548,12 +6668,12 @@
           </a:ln>
         </p:spPr>
         <p:txBody>
-          <a:bodyPr anchorCtr="0" anchor="t" bIns="91425" lIns="91425" spcFirstLastPara="1" rIns="91425" wrap="square" tIns="91425">
+          <a:bodyPr spcFirstLastPara="1" wrap="square" lIns="91425" tIns="91425" rIns="91425" bIns="91425" anchor="t" anchorCtr="0">
             <a:noAutofit/>
           </a:bodyPr>
           <a:lstStyle/>
           <a:p>
-            <a:pPr indent="0" lvl="0" marL="0" rtl="0" algn="l">
+            <a:pPr marL="0" lvl="0" indent="0" algn="l" rtl="0">
               <a:spcBef>
                 <a:spcPts val="0"/>
               </a:spcBef>
@@ -6572,19 +6692,7 @@
                 <a:cs typeface="Comfortaa"/>
                 <a:sym typeface="Comfortaa"/>
               </a:rPr>
-              <a:t>Telerik </a:t>
-            </a:r>
-            <a:r>
-              <a:rPr lang="en-GB" sz="2400">
-                <a:solidFill>
-                  <a:schemeClr val="dk1"/>
-                </a:solidFill>
-                <a:latin typeface="Comfortaa"/>
-                <a:ea typeface="Comfortaa"/>
-                <a:cs typeface="Comfortaa"/>
-                <a:sym typeface="Comfortaa"/>
-              </a:rPr>
-              <a:t> overview </a:t>
+              <a:t>Telerik  overview </a:t>
             </a:r>
             <a:endParaRPr sz="2400">
               <a:solidFill>
@@ -6607,7 +6715,7 @@
         <p:spPr>
           <a:xfrm>
             <a:off x="5199300" y="907175"/>
-            <a:ext cx="3996000" cy="3829500"/>
+            <a:ext cx="3996000" cy="4148798"/>
           </a:xfrm>
           <a:prstGeom prst="rect">
             <a:avLst/>
@@ -6618,12 +6726,12 @@
           </a:ln>
         </p:spPr>
         <p:txBody>
-          <a:bodyPr anchorCtr="0" anchor="t" bIns="91425" lIns="91425" spcFirstLastPara="1" rIns="91425" wrap="square" tIns="91425">
+          <a:bodyPr spcFirstLastPara="1" wrap="square" lIns="91425" tIns="91425" rIns="91425" bIns="91425" anchor="t" anchorCtr="0">
             <a:spAutoFit/>
           </a:bodyPr>
           <a:lstStyle/>
           <a:p>
-            <a:pPr indent="-330200" lvl="0" marL="457200" rtl="0" algn="l">
+            <a:pPr marL="457200" lvl="0" indent="-330200" algn="l" rtl="0">
               <a:lnSpc>
                 <a:spcPct val="115000"/>
               </a:lnSpc>
@@ -6638,7 +6746,7 @@
               <a:buAutoNum type="arabicPeriod"/>
             </a:pPr>
             <a:r>
-              <a:rPr b="1" lang="en-GB" sz="1600">
+              <a:rPr lang="en-GB" sz="1600" b="1" dirty="0">
                 <a:highlight>
                   <a:schemeClr val="lt1"/>
                 </a:highlight>
@@ -6650,7 +6758,7 @@
               <a:t>UI Components</a:t>
             </a:r>
             <a:r>
-              <a:rPr lang="en-GB" sz="1600">
+              <a:rPr lang="en-GB" sz="1600" dirty="0">
                 <a:highlight>
                   <a:schemeClr val="lt1"/>
                 </a:highlight>
@@ -6659,10 +6767,34 @@
                 <a:cs typeface="Georgia"/>
                 <a:sym typeface="Georgia"/>
               </a:rPr>
-              <a:t>: e.g </a:t>
+              <a:t>: </a:t>
             </a:r>
             <a:r>
-              <a:rPr lang="en-GB" sz="1600">
+              <a:rPr lang="en-GB" sz="1600" dirty="0" err="1">
+                <a:highlight>
+                  <a:schemeClr val="lt1"/>
+                </a:highlight>
+                <a:latin typeface="Georgia"/>
+                <a:ea typeface="Georgia"/>
+                <a:cs typeface="Georgia"/>
+                <a:sym typeface="Georgia"/>
+              </a:rPr>
+              <a:t>e.g</a:t>
+            </a:r>
+            <a:r>
+              <a:rPr lang="en-GB" sz="1600" dirty="0">
+                <a:highlight>
+                  <a:schemeClr val="lt1"/>
+                </a:highlight>
+                <a:latin typeface="Georgia"/>
+                <a:ea typeface="Georgia"/>
+                <a:cs typeface="Georgia"/>
+                <a:sym typeface="Georgia"/>
+              </a:rPr>
+              <a:t> </a:t>
+            </a:r>
+            <a:r>
+              <a:rPr lang="en-GB" sz="1600" dirty="0">
                 <a:solidFill>
                   <a:schemeClr val="dk1"/>
                 </a:solidFill>
@@ -6676,7 +6808,7 @@
               </a:rPr>
               <a:t>Angular, React, Vue</a:t>
             </a:r>
-            <a:endParaRPr sz="1600">
+            <a:endParaRPr sz="1600" dirty="0">
               <a:solidFill>
                 <a:schemeClr val="dk1"/>
               </a:solidFill>
@@ -6690,7 +6822,7 @@
             </a:endParaRPr>
           </a:p>
           <a:p>
-            <a:pPr indent="0" lvl="0" marL="914400" rtl="0" algn="l">
+            <a:pPr marL="1257300" lvl="0" indent="-342900" algn="l" rtl="0">
               <a:lnSpc>
                 <a:spcPct val="115000"/>
               </a:lnSpc>
@@ -6700,12 +6832,10 @@
               <a:spcAft>
                 <a:spcPts val="0"/>
               </a:spcAft>
-              <a:buNone/>
+              <a:buFont typeface="+mj-lt"/>
+              <a:buAutoNum type="arabicPeriod"/>
             </a:pPr>
-            <a:r>
-              <a:t/>
-            </a:r>
-            <a:endParaRPr sz="1600">
+            <a:endParaRPr sz="1600" dirty="0">
               <a:solidFill>
                 <a:schemeClr val="dk1"/>
               </a:solidFill>
@@ -6719,7 +6849,7 @@
             </a:endParaRPr>
           </a:p>
           <a:p>
-            <a:pPr indent="-330200" lvl="0" marL="457200" rtl="0" algn="l">
+            <a:pPr marL="457200" lvl="0" indent="-330200" algn="l" rtl="0">
               <a:lnSpc>
                 <a:spcPct val="115000"/>
               </a:lnSpc>
@@ -6737,7 +6867,7 @@
               <a:buAutoNum type="arabicPeriod"/>
             </a:pPr>
             <a:r>
-              <a:rPr b="1" lang="en-GB" sz="1600">
+              <a:rPr lang="en-GB" sz="1600" b="1" dirty="0">
                 <a:solidFill>
                   <a:schemeClr val="dk1"/>
                 </a:solidFill>
@@ -6752,7 +6882,7 @@
               <a:t>Kendo UI: </a:t>
             </a:r>
             <a:r>
-              <a:rPr lang="en-GB" sz="1600">
+              <a:rPr lang="en-GB" sz="1600" dirty="0">
                 <a:solidFill>
                   <a:schemeClr val="dk1"/>
                 </a:solidFill>
@@ -6764,24 +6894,9 @@
                 <a:cs typeface="Georgia"/>
                 <a:sym typeface="Georgia"/>
               </a:rPr>
-              <a:t> focused on delivering JavaScript-based UI components for frameworks like Angula</a:t>
+              <a:t> focused on delivering JavaScript-based UI components for frameworks like Angular</a:t>
             </a:r>
-            <a:r>
-              <a:rPr lang="en-GB" sz="1600">
-                <a:solidFill>
-                  <a:schemeClr val="dk1"/>
-                </a:solidFill>
-                <a:highlight>
-                  <a:schemeClr val="lt1"/>
-                </a:highlight>
-                <a:latin typeface="Georgia"/>
-                <a:ea typeface="Georgia"/>
-                <a:cs typeface="Georgia"/>
-                <a:sym typeface="Georgia"/>
-              </a:rPr>
-              <a:t>r</a:t>
-            </a:r>
-            <a:endParaRPr sz="1600">
+            <a:endParaRPr sz="1600" dirty="0">
               <a:solidFill>
                 <a:schemeClr val="dk1"/>
               </a:solidFill>
@@ -6795,7 +6910,7 @@
             </a:endParaRPr>
           </a:p>
           <a:p>
-            <a:pPr indent="0" lvl="0" marL="914400" rtl="0" algn="l">
+            <a:pPr marL="1257300" lvl="0" indent="-342900" algn="l" rtl="0">
               <a:lnSpc>
                 <a:spcPct val="115000"/>
               </a:lnSpc>
@@ -6805,12 +6920,10 @@
               <a:spcAft>
                 <a:spcPts val="0"/>
               </a:spcAft>
-              <a:buNone/>
+              <a:buFont typeface="+mj-lt"/>
+              <a:buAutoNum type="arabicPeriod"/>
             </a:pPr>
-            <a:r>
-              <a:t/>
-            </a:r>
-            <a:endParaRPr sz="1600">
+            <a:endParaRPr sz="1600" dirty="0">
               <a:solidFill>
                 <a:schemeClr val="dk1"/>
               </a:solidFill>
@@ -6824,7 +6937,7 @@
             </a:endParaRPr>
           </a:p>
           <a:p>
-            <a:pPr indent="-330200" lvl="0" marL="457200" rtl="0" algn="l">
+            <a:pPr marL="457200" lvl="0" indent="-330200" algn="l" rtl="0">
               <a:lnSpc>
                 <a:spcPct val="115000"/>
               </a:lnSpc>
@@ -6842,7 +6955,7 @@
               <a:buAutoNum type="arabicPeriod"/>
             </a:pPr>
             <a:r>
-              <a:rPr b="1" lang="en-GB" sz="1600">
+              <a:rPr lang="en-GB" sz="1600" b="1" dirty="0">
                 <a:solidFill>
                   <a:schemeClr val="dk1"/>
                 </a:solidFill>
@@ -6857,7 +6970,7 @@
               <a:t>Reporting and Analytics Tools</a:t>
             </a:r>
             <a:r>
-              <a:rPr lang="en-GB" sz="1600">
+              <a:rPr lang="en-GB" sz="1600" dirty="0">
                 <a:solidFill>
                   <a:schemeClr val="dk1"/>
                 </a:solidFill>
@@ -6871,7 +6984,7 @@
               </a:rPr>
               <a:t>: Telerik Reporting</a:t>
             </a:r>
-            <a:endParaRPr sz="1600">
+            <a:endParaRPr sz="1600" dirty="0">
               <a:solidFill>
                 <a:schemeClr val="dk1"/>
               </a:solidFill>
@@ -6885,7 +6998,7 @@
             </a:endParaRPr>
           </a:p>
           <a:p>
-            <a:pPr indent="0" lvl="0" marL="914400" rtl="0" algn="l">
+            <a:pPr marL="1257300" lvl="0" indent="-342900" algn="l" rtl="0">
               <a:lnSpc>
                 <a:spcPct val="115000"/>
               </a:lnSpc>
@@ -6895,12 +7008,10 @@
               <a:spcAft>
                 <a:spcPts val="0"/>
               </a:spcAft>
-              <a:buNone/>
+              <a:buFont typeface="+mj-lt"/>
+              <a:buAutoNum type="arabicPeriod"/>
             </a:pPr>
-            <a:r>
-              <a:t/>
-            </a:r>
-            <a:endParaRPr sz="1600">
+            <a:endParaRPr sz="1600" dirty="0">
               <a:solidFill>
                 <a:schemeClr val="dk1"/>
               </a:solidFill>
@@ -6914,7 +7025,7 @@
             </a:endParaRPr>
           </a:p>
           <a:p>
-            <a:pPr indent="-330200" lvl="0" marL="457200" rtl="0" algn="l">
+            <a:pPr marL="457200" lvl="0" indent="-330200" algn="l" rtl="0">
               <a:lnSpc>
                 <a:spcPct val="115000"/>
               </a:lnSpc>
@@ -6932,7 +7043,7 @@
               <a:buAutoNum type="arabicPeriod"/>
             </a:pPr>
             <a:r>
-              <a:rPr b="1" lang="en-GB" sz="1600">
+              <a:rPr lang="en-GB" sz="1600" b="1" dirty="0">
                 <a:solidFill>
                   <a:schemeClr val="dk1"/>
                 </a:solidFill>
@@ -6946,7 +7057,7 @@
               </a:rPr>
               <a:t>Cross-Platform Development:</a:t>
             </a:r>
-            <a:endParaRPr b="1" sz="1600">
+            <a:endParaRPr sz="1600" b="1" dirty="0">
               <a:solidFill>
                 <a:schemeClr val="dk1"/>
               </a:solidFill>
@@ -6960,7 +7071,7 @@
             </a:endParaRPr>
           </a:p>
           <a:p>
-            <a:pPr indent="0" lvl="0" marL="914400" rtl="0" algn="l">
+            <a:pPr marL="1257300" lvl="0" indent="-342900" algn="l" rtl="0">
               <a:lnSpc>
                 <a:spcPct val="115000"/>
               </a:lnSpc>
@@ -6970,10 +7081,11 @@
               <a:spcAft>
                 <a:spcPts val="0"/>
               </a:spcAft>
-              <a:buNone/>
+              <a:buFont typeface="+mj-lt"/>
+              <a:buAutoNum type="arabicPeriod"/>
             </a:pPr>
             <a:r>
-              <a:rPr lang="en-GB" sz="1600">
+              <a:rPr lang="en-GB" sz="1600" dirty="0">
                 <a:solidFill>
                   <a:schemeClr val="dk1"/>
                 </a:solidFill>
@@ -6987,7 +7099,7 @@
               </a:rPr>
               <a:t>Provides tools for hybrid and native mobile app development</a:t>
             </a:r>
-            <a:endParaRPr b="1" sz="1600">
+            <a:endParaRPr sz="1600" b="1" dirty="0">
               <a:solidFill>
                 <a:schemeClr val="dk1"/>
               </a:solidFill>
@@ -7022,12 +7134,12 @@
           </a:ln>
         </p:spPr>
         <p:txBody>
-          <a:bodyPr anchorCtr="0" anchor="t" bIns="91425" lIns="91425" spcFirstLastPara="1" rIns="91425" wrap="square" tIns="91425">
+          <a:bodyPr spcFirstLastPara="1" wrap="square" lIns="91425" tIns="91425" rIns="91425" bIns="91425" anchor="t" anchorCtr="0">
             <a:noAutofit/>
           </a:bodyPr>
           <a:lstStyle/>
           <a:p>
-            <a:pPr indent="-330200" lvl="0" marL="457200" rtl="0" algn="l">
+            <a:pPr marL="457200" lvl="0" indent="-330200" algn="l" rtl="0">
               <a:lnSpc>
                 <a:spcPct val="115000"/>
               </a:lnSpc>
@@ -7088,12 +7200,12 @@
           </a:ln>
         </p:spPr>
         <p:txBody>
-          <a:bodyPr anchorCtr="0" anchor="t" bIns="91425" lIns="91425" spcFirstLastPara="1" rIns="91425" wrap="square" tIns="91425">
+          <a:bodyPr spcFirstLastPara="1" wrap="square" lIns="91425" tIns="91425" rIns="91425" bIns="91425" anchor="t" anchorCtr="0">
             <a:noAutofit/>
           </a:bodyPr>
           <a:lstStyle/>
           <a:p>
-            <a:pPr indent="-330200" lvl="0" marL="457200" rtl="0" algn="l">
+            <a:pPr marL="457200" lvl="0" indent="-330200" algn="l" rtl="0">
               <a:lnSpc>
                 <a:spcPct val="115000"/>
               </a:lnSpc>
@@ -7153,12 +7265,12 @@
           </a:ln>
         </p:spPr>
         <p:txBody>
-          <a:bodyPr anchorCtr="0" anchor="t" bIns="91425" lIns="91425" spcFirstLastPara="1" rIns="91425" wrap="square" tIns="91425">
+          <a:bodyPr spcFirstLastPara="1" wrap="square" lIns="91425" tIns="91425" rIns="91425" bIns="91425" anchor="t" anchorCtr="0">
             <a:spAutoFit/>
           </a:bodyPr>
           <a:lstStyle/>
           <a:p>
-            <a:pPr indent="0" lvl="0" marL="0" rtl="0" algn="l">
+            <a:pPr marL="0" lvl="0" indent="0" algn="l" rtl="0">
               <a:lnSpc>
                 <a:spcPct val="115000"/>
               </a:lnSpc>
@@ -7200,7 +7312,7 @@
 </file>
 
 <file path=ppt/slides/slide3.xml><?xml version="1.0" encoding="utf-8"?>
-<p:sld xmlns:a="http://schemas.openxmlformats.org/drawingml/2006/main" xmlns:r="http://schemas.openxmlformats.org/officeDocument/2006/relationships" xmlns:mc="http://schemas.openxmlformats.org/markup-compatibility/2006" xmlns:mv="urn:schemas-microsoft-com:mac:vml" xmlns:p="http://schemas.openxmlformats.org/presentationml/2006/main" xmlns:c="http://schemas.openxmlformats.org/drawingml/2006/chart" xmlns:dgm="http://schemas.openxmlformats.org/drawingml/2006/diagram" xmlns:o="urn:schemas-microsoft-com:office:office" xmlns:v="urn:schemas-microsoft-com:vml" xmlns:pvml="urn:schemas-microsoft-com:office:powerpoint" xmlns:com="http://schemas.openxmlformats.org/drawingml/2006/compatibility" xmlns:p14="http://schemas.microsoft.com/office/powerpoint/2010/main" xmlns:p15="http://schemas.microsoft.com/office/powerpoint/2012/main" xmlns:ahyp="http://schemas.microsoft.com/office/drawing/2018/hyperlinkcolor">
+<p:sld xmlns:a="http://schemas.openxmlformats.org/drawingml/2006/main" xmlns:r="http://schemas.openxmlformats.org/officeDocument/2006/relationships" xmlns:p="http://schemas.openxmlformats.org/presentationml/2006/main">
   <p:cSld>
     <p:bg>
       <p:bgPr>
@@ -7212,11 +7324,12 @@
             <a:fillRect/>
           </a:stretch>
         </a:blipFill>
+        <a:effectLst/>
       </p:bgPr>
     </p:bg>
     <p:spTree>
       <p:nvGrpSpPr>
-        <p:cNvPr id="73" name="Shape 73"/>
+        <p:cNvPr id="1" name="Shape 73"/>
         <p:cNvGrpSpPr/>
         <p:nvPr/>
       </p:nvGrpSpPr>
@@ -7245,23 +7358,23 @@
           <a:solidFill>
             <a:srgbClr val="151950"/>
           </a:solidFill>
-          <a:ln cap="flat" cmpd="sng" w="9525">
+          <a:ln w="9525" cap="flat" cmpd="sng">
             <a:solidFill>
               <a:srgbClr val="151950"/>
             </a:solidFill>
             <a:prstDash val="solid"/>
             <a:round/>
-            <a:headEnd len="sm" w="sm" type="none"/>
-            <a:tailEnd len="sm" w="sm" type="none"/>
+            <a:headEnd type="none" w="sm" len="sm"/>
+            <a:tailEnd type="none" w="sm" len="sm"/>
           </a:ln>
         </p:spPr>
         <p:txBody>
-          <a:bodyPr anchorCtr="0" anchor="ctr" bIns="91425" lIns="91425" spcFirstLastPara="1" rIns="91425" wrap="square" tIns="91425">
+          <a:bodyPr spcFirstLastPara="1" wrap="square" lIns="91425" tIns="91425" rIns="91425" bIns="91425" anchor="ctr" anchorCtr="0">
             <a:noAutofit/>
           </a:bodyPr>
           <a:lstStyle/>
           <a:p>
-            <a:pPr indent="0" lvl="0" marL="0" rtl="0" algn="ctr">
+            <a:pPr marL="0" lvl="0" indent="0" algn="ctr" rtl="0">
               <a:spcBef>
                 <a:spcPts val="0"/>
               </a:spcBef>
@@ -7270,9 +7383,6 @@
               </a:spcAft>
               <a:buNone/>
             </a:pPr>
-            <a:r>
-              <a:t/>
-            </a:r>
             <a:endParaRPr/>
           </a:p>
         </p:txBody>
@@ -7294,23 +7404,23 @@
           <a:solidFill>
             <a:schemeClr val="lt1"/>
           </a:solidFill>
-          <a:ln cap="flat" cmpd="sng" w="9525">
+          <a:ln w="9525" cap="flat" cmpd="sng">
             <a:solidFill>
               <a:schemeClr val="dk2"/>
             </a:solidFill>
             <a:prstDash val="solid"/>
             <a:round/>
-            <a:headEnd len="sm" w="sm" type="none"/>
-            <a:tailEnd len="sm" w="sm" type="none"/>
+            <a:headEnd type="none" w="sm" len="sm"/>
+            <a:tailEnd type="none" w="sm" len="sm"/>
           </a:ln>
         </p:spPr>
         <p:txBody>
-          <a:bodyPr anchorCtr="0" anchor="ctr" bIns="91425" lIns="91425" spcFirstLastPara="1" rIns="91425" wrap="square" tIns="91425">
+          <a:bodyPr spcFirstLastPara="1" wrap="square" lIns="91425" tIns="91425" rIns="91425" bIns="91425" anchor="ctr" anchorCtr="0">
             <a:noAutofit/>
           </a:bodyPr>
           <a:lstStyle/>
           <a:p>
-            <a:pPr indent="0" lvl="0" marL="0" rtl="0" algn="ctr">
+            <a:pPr marL="0" lvl="0" indent="0" algn="ctr" rtl="0">
               <a:spcBef>
                 <a:spcPts val="0"/>
               </a:spcBef>
@@ -7319,9 +7429,6 @@
               </a:spcAft>
               <a:buNone/>
             </a:pPr>
-            <a:r>
-              <a:t/>
-            </a:r>
             <a:endParaRPr/>
           </a:p>
         </p:txBody>
@@ -7346,12 +7453,12 @@
           </a:ln>
         </p:spPr>
         <p:txBody>
-          <a:bodyPr anchorCtr="0" anchor="t" bIns="91425" lIns="91425" spcFirstLastPara="1" rIns="91425" wrap="square" tIns="91425">
+          <a:bodyPr spcFirstLastPara="1" wrap="square" lIns="91425" tIns="91425" rIns="91425" bIns="91425" anchor="t" anchorCtr="0">
             <a:noAutofit/>
           </a:bodyPr>
           <a:lstStyle/>
           <a:p>
-            <a:pPr indent="0" lvl="0" marL="0" rtl="0" algn="l">
+            <a:pPr marL="0" lvl="0" indent="0" algn="l" rtl="0">
               <a:spcBef>
                 <a:spcPts val="0"/>
               </a:spcBef>
@@ -7404,12 +7511,12 @@
           </a:ln>
         </p:spPr>
         <p:txBody>
-          <a:bodyPr anchorCtr="0" anchor="t" bIns="91425" lIns="91425" spcFirstLastPara="1" rIns="91425" wrap="square" tIns="91425">
+          <a:bodyPr spcFirstLastPara="1" wrap="square" lIns="91425" tIns="91425" rIns="91425" bIns="91425" anchor="t" anchorCtr="0">
             <a:noAutofit/>
           </a:bodyPr>
           <a:lstStyle/>
           <a:p>
-            <a:pPr indent="-342900" lvl="0" marL="457200" rtl="0" algn="l">
+            <a:pPr marL="457200" lvl="0" indent="-342900" algn="l" rtl="0">
               <a:lnSpc>
                 <a:spcPct val="115000"/>
               </a:lnSpc>
@@ -7449,7 +7556,7 @@
             </a:endParaRPr>
           </a:p>
           <a:p>
-            <a:pPr indent="-342900" lvl="1" marL="914400" rtl="0" algn="l">
+            <a:pPr marL="914400" lvl="1" indent="-342900" algn="l" rtl="0">
               <a:lnSpc>
                 <a:spcPct val="115000"/>
               </a:lnSpc>
@@ -7489,7 +7596,7 @@
             </a:endParaRPr>
           </a:p>
           <a:p>
-            <a:pPr indent="-342900" lvl="1" marL="914400" rtl="0" algn="l">
+            <a:pPr marL="914400" lvl="1" indent="-342900" algn="l" rtl="0">
               <a:lnSpc>
                 <a:spcPct val="115000"/>
               </a:lnSpc>
@@ -7529,7 +7636,7 @@
             </a:endParaRPr>
           </a:p>
           <a:p>
-            <a:pPr indent="-342900" lvl="1" marL="914400" rtl="0" algn="l">
+            <a:pPr marL="914400" lvl="1" indent="-342900" algn="l" rtl="0">
               <a:lnSpc>
                 <a:spcPct val="115000"/>
               </a:lnSpc>
@@ -7569,7 +7676,7 @@
             </a:endParaRPr>
           </a:p>
           <a:p>
-            <a:pPr indent="-342900" lvl="1" marL="914400" rtl="0" algn="l">
+            <a:pPr marL="914400" lvl="1" indent="-342900" algn="l" rtl="0">
               <a:lnSpc>
                 <a:spcPct val="115000"/>
               </a:lnSpc>
@@ -7609,7 +7716,7 @@
             </a:endParaRPr>
           </a:p>
           <a:p>
-            <a:pPr indent="-342900" lvl="0" marL="457200" rtl="0" algn="l">
+            <a:pPr marL="457200" lvl="0" indent="-342900" algn="l" rtl="0">
               <a:lnSpc>
                 <a:spcPct val="115000"/>
               </a:lnSpc>
@@ -7649,7 +7756,7 @@
             </a:endParaRPr>
           </a:p>
           <a:p>
-            <a:pPr indent="-342900" lvl="1" marL="914400" rtl="0" algn="l">
+            <a:pPr marL="914400" lvl="1" indent="-342900" algn="l" rtl="0">
               <a:lnSpc>
                 <a:spcPct val="115000"/>
               </a:lnSpc>
@@ -7710,12 +7817,12 @@
           </a:ln>
         </p:spPr>
         <p:txBody>
-          <a:bodyPr anchorCtr="0" anchor="t" bIns="91425" lIns="91425" spcFirstLastPara="1" rIns="91425" wrap="square" tIns="91425">
+          <a:bodyPr spcFirstLastPara="1" wrap="square" lIns="91425" tIns="91425" rIns="91425" bIns="91425" anchor="t" anchorCtr="0">
             <a:noAutofit/>
           </a:bodyPr>
           <a:lstStyle/>
           <a:p>
-            <a:pPr indent="-342900" lvl="0" marL="457200" rtl="0" algn="l">
+            <a:pPr marL="457200" lvl="0" indent="-342900" algn="l" rtl="0">
               <a:lnSpc>
                 <a:spcPct val="115000"/>
               </a:lnSpc>
@@ -7742,31 +7849,7 @@
                 <a:cs typeface="Georgia"/>
                 <a:sym typeface="Georgia"/>
               </a:rPr>
-              <a:t>All tests </a:t>
-            </a:r>
-            <a:r>
-              <a:rPr lang="en-GB" sz="1800">
-                <a:solidFill>
-                  <a:schemeClr val="dk1"/>
-                </a:solidFill>
-                <a:latin typeface="Georgia"/>
-                <a:ea typeface="Georgia"/>
-                <a:cs typeface="Georgia"/>
-                <a:sym typeface="Georgia"/>
-              </a:rPr>
-              <a:t>conducted</a:t>
-            </a:r>
-            <a:r>
-              <a:rPr lang="en-GB" sz="1800">
-                <a:solidFill>
-                  <a:schemeClr val="dk1"/>
-                </a:solidFill>
-                <a:latin typeface="Georgia"/>
-                <a:ea typeface="Georgia"/>
-                <a:cs typeface="Georgia"/>
-                <a:sym typeface="Georgia"/>
-              </a:rPr>
-              <a:t> in an OOP </a:t>
+              <a:t>All tests conducted in an OOP </a:t>
             </a:r>
             <a:endParaRPr sz="1800">
               <a:solidFill>
@@ -7779,7 +7862,7 @@
             </a:endParaRPr>
           </a:p>
           <a:p>
-            <a:pPr indent="-342900" lvl="0" marL="457200" rtl="0" algn="l">
+            <a:pPr marL="457200" lvl="0" indent="-342900" algn="l" rtl="0">
               <a:lnSpc>
                 <a:spcPct val="115000"/>
               </a:lnSpc>
@@ -7819,7 +7902,7 @@
             </a:endParaRPr>
           </a:p>
           <a:p>
-            <a:pPr indent="-342900" lvl="0" marL="457200" rtl="0" algn="l">
+            <a:pPr marL="457200" lvl="0" indent="-342900" algn="l" rtl="0">
               <a:lnSpc>
                 <a:spcPct val="115000"/>
               </a:lnSpc>
@@ -7859,7 +7942,7 @@
             </a:endParaRPr>
           </a:p>
           <a:p>
-            <a:pPr indent="-342900" lvl="0" marL="457200" rtl="0" algn="l">
+            <a:pPr marL="457200" lvl="0" indent="-342900" algn="l" rtl="0">
               <a:lnSpc>
                 <a:spcPct val="115000"/>
               </a:lnSpc>
@@ -7899,7 +7982,7 @@
             </a:endParaRPr>
           </a:p>
           <a:p>
-            <a:pPr indent="-342900" lvl="0" marL="457200" rtl="0" algn="l">
+            <a:pPr marL="457200" lvl="0" indent="-342900" algn="l" rtl="0">
               <a:lnSpc>
                 <a:spcPct val="115000"/>
               </a:lnSpc>
@@ -7939,7 +8022,7 @@
             </a:endParaRPr>
           </a:p>
           <a:p>
-            <a:pPr indent="-342900" lvl="0" marL="457200" rtl="0" algn="l">
+            <a:pPr marL="457200" lvl="0" indent="-342900" algn="l" rtl="0">
               <a:lnSpc>
                 <a:spcPct val="115000"/>
               </a:lnSpc>
@@ -7989,11 +8072,11 @@
 </file>
 
 <file path=ppt/slides/slide4.xml><?xml version="1.0" encoding="utf-8"?>
-<p:sld xmlns:a="http://schemas.openxmlformats.org/drawingml/2006/main" xmlns:r="http://schemas.openxmlformats.org/officeDocument/2006/relationships" xmlns:mc="http://schemas.openxmlformats.org/markup-compatibility/2006" xmlns:mv="urn:schemas-microsoft-com:mac:vml" xmlns:p="http://schemas.openxmlformats.org/presentationml/2006/main" xmlns:c="http://schemas.openxmlformats.org/drawingml/2006/chart" xmlns:dgm="http://schemas.openxmlformats.org/drawingml/2006/diagram" xmlns:o="urn:schemas-microsoft-com:office:office" xmlns:v="urn:schemas-microsoft-com:vml" xmlns:pvml="urn:schemas-microsoft-com:office:powerpoint" xmlns:com="http://schemas.openxmlformats.org/drawingml/2006/compatibility" xmlns:p14="http://schemas.microsoft.com/office/powerpoint/2010/main" xmlns:p15="http://schemas.microsoft.com/office/powerpoint/2012/main" xmlns:ahyp="http://schemas.microsoft.com/office/drawing/2018/hyperlinkcolor">
+<p:sld xmlns:a="http://schemas.openxmlformats.org/drawingml/2006/main" xmlns:r="http://schemas.openxmlformats.org/officeDocument/2006/relationships" xmlns:p="http://schemas.openxmlformats.org/presentationml/2006/main">
   <p:cSld>
     <p:spTree>
       <p:nvGrpSpPr>
-        <p:cNvPr id="82" name="Shape 82"/>
+        <p:cNvPr id="1" name="Shape 82"/>
         <p:cNvGrpSpPr/>
         <p:nvPr/>
       </p:nvGrpSpPr>
@@ -8015,7 +8098,7 @@
           <a:blip r:embed="rId3">
             <a:alphaModFix/>
           </a:blip>
-          <a:srcRect b="0" l="0" r="26610" t="0"/>
+          <a:srcRect r="26610"/>
           <a:stretch/>
         </p:blipFill>
         <p:spPr>
@@ -8052,12 +8135,12 @@
           </a:ln>
         </p:spPr>
         <p:txBody>
-          <a:bodyPr anchorCtr="0" anchor="t" bIns="91425" lIns="91425" spcFirstLastPara="1" rIns="91425" wrap="square" tIns="91425">
+          <a:bodyPr spcFirstLastPara="1" wrap="square" lIns="91425" tIns="91425" rIns="91425" bIns="91425" anchor="t" anchorCtr="0">
             <a:noAutofit/>
           </a:bodyPr>
           <a:lstStyle/>
           <a:p>
-            <a:pPr indent="0" lvl="0" marL="0" rtl="0" algn="l">
+            <a:pPr marL="0" lvl="0" indent="0" algn="l" rtl="0">
               <a:spcBef>
                 <a:spcPts val="0"/>
               </a:spcBef>
@@ -8110,12 +8193,12 @@
           </a:ln>
         </p:spPr>
         <p:txBody>
-          <a:bodyPr anchorCtr="0" anchor="t" bIns="91425" lIns="91425" spcFirstLastPara="1" rIns="91425" wrap="square" tIns="91425">
+          <a:bodyPr spcFirstLastPara="1" wrap="square" lIns="91425" tIns="91425" rIns="91425" bIns="91425" anchor="t" anchorCtr="0">
             <a:noAutofit/>
           </a:bodyPr>
           <a:lstStyle/>
           <a:p>
-            <a:pPr indent="-355600" lvl="0" marL="457200" rtl="0" algn="l">
+            <a:pPr marL="457200" lvl="0" indent="-355600" algn="l" rtl="0">
               <a:lnSpc>
                 <a:spcPct val="115000"/>
               </a:lnSpc>
@@ -8133,7 +8216,7 @@
               <a:buChar char="●"/>
             </a:pPr>
             <a:r>
-              <a:rPr lang="en-GB" sz="2000">
+              <a:rPr lang="en-GB" sz="2000" dirty="0">
                 <a:solidFill>
                   <a:schemeClr val="dk1"/>
                 </a:solidFill>
@@ -8142,9 +8225,9 @@
                 <a:cs typeface="Georgia"/>
                 <a:sym typeface="Georgia"/>
               </a:rPr>
-              <a:t>Test titles - (5 methods) for each element in navbar after click at it insure that the correct page is opened with correct title</a:t>
+              <a:t>Test titles - (5 methods) for each element in navbar after click at it ensure that the correct page is opened with correct title</a:t>
             </a:r>
-            <a:endParaRPr sz="2000">
+            <a:endParaRPr sz="2000" dirty="0">
               <a:solidFill>
                 <a:schemeClr val="dk1"/>
               </a:solidFill>
@@ -8155,7 +8238,7 @@
             </a:endParaRPr>
           </a:p>
           <a:p>
-            <a:pPr indent="-355600" lvl="0" marL="457200" rtl="0" algn="l">
+            <a:pPr marL="457200" lvl="0" indent="-355600" algn="l" rtl="0">
               <a:lnSpc>
                 <a:spcPct val="115000"/>
               </a:lnSpc>
@@ -8173,7 +8256,7 @@
               <a:buChar char="●"/>
             </a:pPr>
             <a:r>
-              <a:rPr lang="en-GB" sz="2000">
+              <a:rPr lang="en-GB" sz="2000" dirty="0">
                 <a:solidFill>
                   <a:schemeClr val="dk1"/>
                 </a:solidFill>
@@ -8184,7 +8267,7 @@
               </a:rPr>
               <a:t>Buttons - 6 methods, test clicking buttons in home page </a:t>
             </a:r>
-            <a:endParaRPr sz="2000">
+            <a:endParaRPr sz="2000" dirty="0">
               <a:solidFill>
                 <a:schemeClr val="dk1"/>
               </a:solidFill>
@@ -8195,7 +8278,7 @@
             </a:endParaRPr>
           </a:p>
           <a:p>
-            <a:pPr indent="-355600" lvl="0" marL="457200" rtl="0" algn="l">
+            <a:pPr marL="457200" lvl="0" indent="-355600" algn="l" rtl="0">
               <a:lnSpc>
                 <a:spcPct val="115000"/>
               </a:lnSpc>
@@ -8213,7 +8296,7 @@
               <a:buChar char="●"/>
             </a:pPr>
             <a:r>
-              <a:rPr lang="en-GB" sz="2000">
+              <a:rPr lang="en-GB" sz="2000" dirty="0">
                 <a:solidFill>
                   <a:schemeClr val="dk1"/>
                 </a:solidFill>
@@ -8222,9 +8305,9 @@
                 <a:cs typeface="Georgia"/>
                 <a:sym typeface="Georgia"/>
               </a:rPr>
-              <a:t>Demos - 8 methods of tests in nav bar of Demos bage </a:t>
+              <a:t>Demos - 8 methods of tests in nav bar of Demos page </a:t>
             </a:r>
-            <a:endParaRPr sz="2000">
+            <a:endParaRPr sz="2000" dirty="0">
               <a:solidFill>
                 <a:schemeClr val="dk1"/>
               </a:solidFill>
@@ -8245,7 +8328,7 @@
 </file>
 
 <file path=ppt/slides/slide5.xml><?xml version="1.0" encoding="utf-8"?>
-<p:sld xmlns:a="http://schemas.openxmlformats.org/drawingml/2006/main" xmlns:r="http://schemas.openxmlformats.org/officeDocument/2006/relationships" xmlns:mc="http://schemas.openxmlformats.org/markup-compatibility/2006" xmlns:mv="urn:schemas-microsoft-com:mac:vml" xmlns:p="http://schemas.openxmlformats.org/presentationml/2006/main" xmlns:c="http://schemas.openxmlformats.org/drawingml/2006/chart" xmlns:dgm="http://schemas.openxmlformats.org/drawingml/2006/diagram" xmlns:o="urn:schemas-microsoft-com:office:office" xmlns:v="urn:schemas-microsoft-com:vml" xmlns:pvml="urn:schemas-microsoft-com:office:powerpoint" xmlns:com="http://schemas.openxmlformats.org/drawingml/2006/compatibility" xmlns:p14="http://schemas.microsoft.com/office/powerpoint/2010/main" xmlns:p15="http://schemas.microsoft.com/office/powerpoint/2012/main" xmlns:ahyp="http://schemas.microsoft.com/office/drawing/2018/hyperlinkcolor">
+<p:sld xmlns:a="http://schemas.openxmlformats.org/drawingml/2006/main" xmlns:r="http://schemas.openxmlformats.org/officeDocument/2006/relationships" xmlns:p="http://schemas.openxmlformats.org/presentationml/2006/main">
   <p:cSld>
     <p:bg>
       <p:bgPr>
@@ -8257,11 +8340,12 @@
             <a:fillRect/>
           </a:stretch>
         </a:blipFill>
+        <a:effectLst/>
       </p:bgPr>
     </p:bg>
     <p:spTree>
       <p:nvGrpSpPr>
-        <p:cNvPr id="89" name="Shape 89"/>
+        <p:cNvPr id="1" name="Shape 89"/>
         <p:cNvGrpSpPr/>
         <p:nvPr/>
       </p:nvGrpSpPr>
@@ -8283,7 +8367,7 @@
           <a:blip r:embed="rId4">
             <a:alphaModFix/>
           </a:blip>
-          <a:srcRect b="63698" l="46359" r="38012" t="23211"/>
+          <a:srcRect l="46359" t="23211" r="38012" b="63698"/>
           <a:stretch/>
         </p:blipFill>
         <p:spPr>
@@ -8317,23 +8401,23 @@
           <a:solidFill>
             <a:schemeClr val="lt1"/>
           </a:solidFill>
-          <a:ln cap="flat" cmpd="sng" w="9525">
+          <a:ln w="9525" cap="flat" cmpd="sng">
             <a:solidFill>
               <a:schemeClr val="dk2"/>
             </a:solidFill>
             <a:prstDash val="solid"/>
             <a:round/>
-            <a:headEnd len="sm" w="sm" type="none"/>
-            <a:tailEnd len="sm" w="sm" type="none"/>
+            <a:headEnd type="none" w="sm" len="sm"/>
+            <a:tailEnd type="none" w="sm" len="sm"/>
           </a:ln>
         </p:spPr>
         <p:txBody>
-          <a:bodyPr anchorCtr="0" anchor="ctr" bIns="91425" lIns="91425" spcFirstLastPara="1" rIns="91425" wrap="square" tIns="91425">
+          <a:bodyPr spcFirstLastPara="1" wrap="square" lIns="91425" tIns="91425" rIns="91425" bIns="91425" anchor="ctr" anchorCtr="0">
             <a:noAutofit/>
           </a:bodyPr>
           <a:lstStyle/>
           <a:p>
-            <a:pPr indent="0" lvl="0" marL="0" rtl="0" algn="ctr">
+            <a:pPr marL="0" lvl="0" indent="0" algn="ctr" rtl="0">
               <a:spcBef>
                 <a:spcPts val="0"/>
               </a:spcBef>
@@ -8342,9 +8426,6 @@
               </a:spcAft>
               <a:buNone/>
             </a:pPr>
-            <a:r>
-              <a:t/>
-            </a:r>
             <a:endParaRPr/>
           </a:p>
         </p:txBody>
@@ -8359,7 +8440,7 @@
           <a:blip r:embed="rId5">
             <a:alphaModFix/>
           </a:blip>
-          <a:srcRect b="12503" l="10716" r="60482" t="0"/>
+          <a:srcRect l="10716" r="60482" b="12503"/>
           <a:stretch/>
         </p:blipFill>
         <p:spPr>
@@ -8396,12 +8477,12 @@
           </a:ln>
         </p:spPr>
         <p:txBody>
-          <a:bodyPr anchorCtr="0" anchor="t" bIns="91425" lIns="91425" spcFirstLastPara="1" rIns="91425" wrap="square" tIns="91425">
+          <a:bodyPr spcFirstLastPara="1" wrap="square" lIns="91425" tIns="91425" rIns="91425" bIns="91425" anchor="t" anchorCtr="0">
             <a:noAutofit/>
           </a:bodyPr>
           <a:lstStyle/>
           <a:p>
-            <a:pPr indent="-355600" lvl="0" marL="457200" rtl="0" algn="l">
+            <a:pPr marL="457200" lvl="0" indent="-355600" algn="l" rtl="0">
               <a:lnSpc>
                 <a:spcPct val="115000"/>
               </a:lnSpc>
@@ -8441,7 +8522,7 @@
             </a:endParaRPr>
           </a:p>
           <a:p>
-            <a:pPr indent="-355600" lvl="0" marL="457200" rtl="0" algn="l">
+            <a:pPr marL="457200" lvl="0" indent="-355600" algn="l" rtl="0">
               <a:lnSpc>
                 <a:spcPct val="115000"/>
               </a:lnSpc>
@@ -8481,7 +8562,7 @@
             </a:endParaRPr>
           </a:p>
           <a:p>
-            <a:pPr indent="-355600" lvl="0" marL="457200" rtl="0" algn="l">
+            <a:pPr marL="457200" lvl="0" indent="-355600" algn="l" rtl="0">
               <a:lnSpc>
                 <a:spcPct val="115000"/>
               </a:lnSpc>
@@ -8521,7 +8602,7 @@
             </a:endParaRPr>
           </a:p>
           <a:p>
-            <a:pPr indent="-355600" lvl="0" marL="457200" rtl="0" algn="l">
+            <a:pPr marL="457200" lvl="0" indent="-355600" algn="l" rtl="0">
               <a:lnSpc>
                 <a:spcPct val="115000"/>
               </a:lnSpc>
@@ -8561,7 +8642,7 @@
             </a:endParaRPr>
           </a:p>
           <a:p>
-            <a:pPr indent="-355600" lvl="0" marL="457200" rtl="0" algn="l">
+            <a:pPr marL="457200" lvl="0" indent="-355600" algn="l" rtl="0">
               <a:lnSpc>
                 <a:spcPct val="115000"/>
               </a:lnSpc>
@@ -8601,7 +8682,7 @@
             </a:endParaRPr>
           </a:p>
           <a:p>
-            <a:pPr indent="-355600" lvl="0" marL="457200" rtl="0" algn="l">
+            <a:pPr marL="457200" lvl="0" indent="-355600" algn="l" rtl="0">
               <a:lnSpc>
                 <a:spcPct val="115000"/>
               </a:lnSpc>
@@ -8662,12 +8743,12 @@
           </a:ln>
         </p:spPr>
         <p:txBody>
-          <a:bodyPr anchorCtr="0" anchor="t" bIns="91425" lIns="91425" spcFirstLastPara="1" rIns="91425" wrap="square" tIns="91425">
+          <a:bodyPr spcFirstLastPara="1" wrap="square" lIns="91425" tIns="91425" rIns="91425" bIns="91425" anchor="t" anchorCtr="0">
             <a:noAutofit/>
           </a:bodyPr>
           <a:lstStyle/>
           <a:p>
-            <a:pPr indent="0" lvl="0" marL="0" rtl="0" algn="l">
+            <a:pPr marL="0" lvl="0" indent="0" algn="l" rtl="0">
               <a:spcBef>
                 <a:spcPts val="0"/>
               </a:spcBef>
@@ -8677,7 +8758,7 @@
               <a:buNone/>
             </a:pPr>
             <a:r>
-              <a:rPr b="1" lang="en-GB" sz="2300">
+              <a:rPr lang="en-GB" sz="2300" b="1">
                 <a:solidFill>
                   <a:schemeClr val="dk2"/>
                 </a:solidFill>
@@ -8688,7 +8769,7 @@
               </a:rPr>
               <a:t>ACCOUNT</a:t>
             </a:r>
-            <a:endParaRPr b="1" sz="2300">
+            <a:endParaRPr sz="2300" b="1">
               <a:solidFill>
                 <a:schemeClr val="dk2"/>
               </a:solidFill>
@@ -8717,23 +8798,23 @@
           <a:solidFill>
             <a:schemeClr val="lt1"/>
           </a:solidFill>
-          <a:ln cap="flat" cmpd="sng" w="9525">
+          <a:ln w="9525" cap="flat" cmpd="sng">
             <a:solidFill>
               <a:schemeClr val="dk2"/>
             </a:solidFill>
             <a:prstDash val="solid"/>
             <a:round/>
-            <a:headEnd len="sm" w="sm" type="none"/>
-            <a:tailEnd len="sm" w="sm" type="none"/>
+            <a:headEnd type="none" w="sm" len="sm"/>
+            <a:tailEnd type="none" w="sm" len="sm"/>
           </a:ln>
         </p:spPr>
         <p:txBody>
-          <a:bodyPr anchorCtr="0" anchor="ctr" bIns="91425" lIns="91425" spcFirstLastPara="1" rIns="91425" wrap="square" tIns="91425">
+          <a:bodyPr spcFirstLastPara="1" wrap="square" lIns="91425" tIns="91425" rIns="91425" bIns="91425" anchor="ctr" anchorCtr="0">
             <a:noAutofit/>
           </a:bodyPr>
           <a:lstStyle/>
           <a:p>
-            <a:pPr indent="0" lvl="0" marL="0" rtl="0" algn="ctr">
+            <a:pPr marL="0" lvl="0" indent="0" algn="ctr" rtl="0">
               <a:spcBef>
                 <a:spcPts val="0"/>
               </a:spcBef>
@@ -8742,9 +8823,6 @@
               </a:spcAft>
               <a:buNone/>
             </a:pPr>
-            <a:r>
-              <a:t/>
-            </a:r>
             <a:endParaRPr/>
           </a:p>
         </p:txBody>
@@ -8769,12 +8847,12 @@
           </a:ln>
         </p:spPr>
         <p:txBody>
-          <a:bodyPr anchorCtr="0" anchor="t" bIns="91425" lIns="91425" spcFirstLastPara="1" rIns="91425" wrap="square" tIns="91425">
+          <a:bodyPr spcFirstLastPara="1" wrap="square" lIns="91425" tIns="91425" rIns="91425" bIns="91425" anchor="t" anchorCtr="0">
             <a:noAutofit/>
           </a:bodyPr>
           <a:lstStyle/>
           <a:p>
-            <a:pPr indent="-355600" lvl="0" marL="457200" rtl="0" algn="l">
+            <a:pPr marL="457200" lvl="0" indent="-355600" algn="l" rtl="0">
               <a:lnSpc>
                 <a:spcPct val="115000"/>
               </a:lnSpc>
@@ -8814,7 +8892,7 @@
             </a:endParaRPr>
           </a:p>
           <a:p>
-            <a:pPr indent="-355600" lvl="0" marL="457200" rtl="0" algn="l">
+            <a:pPr marL="457200" lvl="0" indent="-355600" algn="l" rtl="0">
               <a:lnSpc>
                 <a:spcPct val="115000"/>
               </a:lnSpc>
@@ -8854,7 +8932,7 @@
             </a:endParaRPr>
           </a:p>
           <a:p>
-            <a:pPr indent="-355600" lvl="0" marL="457200" rtl="0" algn="l">
+            <a:pPr marL="457200" lvl="0" indent="-355600" algn="l" rtl="0">
               <a:lnSpc>
                 <a:spcPct val="115000"/>
               </a:lnSpc>
@@ -8894,7 +8972,7 @@
             </a:endParaRPr>
           </a:p>
           <a:p>
-            <a:pPr indent="-355600" lvl="0" marL="457200" rtl="0" algn="l">
+            <a:pPr marL="457200" lvl="0" indent="-355600" algn="l" rtl="0">
               <a:lnSpc>
                 <a:spcPct val="115000"/>
               </a:lnSpc>
@@ -8934,7 +9012,7 @@
             </a:endParaRPr>
           </a:p>
           <a:p>
-            <a:pPr indent="-355600" lvl="0" marL="457200" rtl="0" algn="l">
+            <a:pPr marL="457200" lvl="0" indent="-355600" algn="l" rtl="0">
               <a:lnSpc>
                 <a:spcPct val="115000"/>
               </a:lnSpc>
@@ -8974,7 +9052,7 @@
             </a:endParaRPr>
           </a:p>
           <a:p>
-            <a:pPr indent="-355600" lvl="0" marL="457200" rtl="0" algn="l">
+            <a:pPr marL="457200" lvl="0" indent="-355600" algn="l" rtl="0">
               <a:lnSpc>
                 <a:spcPct val="115000"/>
               </a:lnSpc>
@@ -9025,7 +9103,7 @@
           <a:blip r:embed="rId5">
             <a:alphaModFix/>
           </a:blip>
-          <a:srcRect b="14544" l="68272" r="4347" t="0"/>
+          <a:srcRect l="68272" r="4347" b="14544"/>
           <a:stretch/>
         </p:blipFill>
         <p:spPr>
@@ -9062,12 +9140,12 @@
           </a:ln>
         </p:spPr>
         <p:txBody>
-          <a:bodyPr anchorCtr="0" anchor="t" bIns="91425" lIns="91425" spcFirstLastPara="1" rIns="91425" wrap="square" tIns="91425">
+          <a:bodyPr spcFirstLastPara="1" wrap="square" lIns="91425" tIns="91425" rIns="91425" bIns="91425" anchor="t" anchorCtr="0">
             <a:noAutofit/>
           </a:bodyPr>
           <a:lstStyle/>
           <a:p>
-            <a:pPr indent="0" lvl="0" marL="0" rtl="0" algn="l">
+            <a:pPr marL="0" lvl="0" indent="0" algn="l" rtl="0">
               <a:spcBef>
                 <a:spcPts val="0"/>
               </a:spcBef>
@@ -9077,7 +9155,7 @@
               <a:buNone/>
             </a:pPr>
             <a:r>
-              <a:rPr b="1" lang="en-GB" sz="2300">
+              <a:rPr lang="en-GB" sz="2300" b="1">
                 <a:solidFill>
                   <a:schemeClr val="dk2"/>
                 </a:solidFill>
@@ -9088,7 +9166,7 @@
               </a:rPr>
               <a:t>CONTACT US </a:t>
             </a:r>
-            <a:endParaRPr b="1" sz="2300">
+            <a:endParaRPr sz="2300" b="1">
               <a:solidFill>
                 <a:schemeClr val="dk2"/>
               </a:solidFill>
@@ -9117,23 +9195,23 @@
           <a:solidFill>
             <a:srgbClr val="282B8D"/>
           </a:solidFill>
-          <a:ln cap="flat" cmpd="sng" w="9525">
+          <a:ln w="9525" cap="flat" cmpd="sng">
             <a:solidFill>
               <a:srgbClr val="282B8D"/>
             </a:solidFill>
             <a:prstDash val="solid"/>
             <a:round/>
-            <a:headEnd len="sm" w="sm" type="none"/>
-            <a:tailEnd len="sm" w="sm" type="none"/>
+            <a:headEnd type="none" w="sm" len="sm"/>
+            <a:tailEnd type="none" w="sm" len="sm"/>
           </a:ln>
         </p:spPr>
         <p:txBody>
-          <a:bodyPr anchorCtr="0" anchor="ctr" bIns="91425" lIns="91425" spcFirstLastPara="1" rIns="91425" wrap="square" tIns="91425">
+          <a:bodyPr spcFirstLastPara="1" wrap="square" lIns="91425" tIns="91425" rIns="91425" bIns="91425" anchor="ctr" anchorCtr="0">
             <a:noAutofit/>
           </a:bodyPr>
           <a:lstStyle/>
           <a:p>
-            <a:pPr indent="0" lvl="0" marL="0" rtl="0" algn="ctr">
+            <a:pPr marL="0" lvl="0" indent="0" algn="ctr" rtl="0">
               <a:spcBef>
                 <a:spcPts val="0"/>
               </a:spcBef>
@@ -9142,9 +9220,6 @@
               </a:spcAft>
               <a:buNone/>
             </a:pPr>
-            <a:r>
-              <a:t/>
-            </a:r>
             <a:endParaRPr/>
           </a:p>
         </p:txBody>
@@ -9158,7 +9233,7 @@
 </file>
 
 <file path=ppt/slides/slide6.xml><?xml version="1.0" encoding="utf-8"?>
-<p:sld xmlns:a="http://schemas.openxmlformats.org/drawingml/2006/main" xmlns:r="http://schemas.openxmlformats.org/officeDocument/2006/relationships" xmlns:mc="http://schemas.openxmlformats.org/markup-compatibility/2006" xmlns:mv="urn:schemas-microsoft-com:mac:vml" xmlns:p="http://schemas.openxmlformats.org/presentationml/2006/main" xmlns:c="http://schemas.openxmlformats.org/drawingml/2006/chart" xmlns:dgm="http://schemas.openxmlformats.org/drawingml/2006/diagram" xmlns:o="urn:schemas-microsoft-com:office:office" xmlns:v="urn:schemas-microsoft-com:vml" xmlns:pvml="urn:schemas-microsoft-com:office:powerpoint" xmlns:com="http://schemas.openxmlformats.org/drawingml/2006/compatibility" xmlns:p14="http://schemas.microsoft.com/office/powerpoint/2010/main" xmlns:p15="http://schemas.microsoft.com/office/powerpoint/2012/main" xmlns:ahyp="http://schemas.microsoft.com/office/drawing/2018/hyperlinkcolor">
+<p:sld xmlns:a="http://schemas.openxmlformats.org/drawingml/2006/main" xmlns:r="http://schemas.openxmlformats.org/officeDocument/2006/relationships" xmlns:p="http://schemas.openxmlformats.org/presentationml/2006/main">
   <p:cSld>
     <p:bg>
       <p:bgPr>
@@ -9170,11 +9245,12 @@
             <a:fillRect/>
           </a:stretch>
         </a:blipFill>
+        <a:effectLst/>
       </p:bgPr>
     </p:bg>
     <p:spTree>
       <p:nvGrpSpPr>
-        <p:cNvPr id="103" name="Shape 103"/>
+        <p:cNvPr id="1" name="Shape 103"/>
         <p:cNvGrpSpPr/>
         <p:nvPr/>
       </p:nvGrpSpPr>
@@ -9206,12 +9282,12 @@
           </a:ln>
         </p:spPr>
         <p:txBody>
-          <a:bodyPr anchorCtr="0" anchor="t" bIns="91425" lIns="91425" spcFirstLastPara="1" rIns="91425" wrap="square" tIns="91425">
+          <a:bodyPr spcFirstLastPara="1" wrap="square" lIns="91425" tIns="91425" rIns="91425" bIns="91425" anchor="t" anchorCtr="0">
             <a:noAutofit/>
           </a:bodyPr>
           <a:lstStyle/>
           <a:p>
-            <a:pPr indent="0" lvl="0" marL="0" rtl="0" algn="l">
+            <a:pPr marL="0" lvl="0" indent="0" algn="l" rtl="0">
               <a:spcBef>
                 <a:spcPts val="0"/>
               </a:spcBef>
@@ -9221,15 +9297,24 @@
               <a:buNone/>
             </a:pPr>
             <a:r>
-              <a:rPr lang="en-GB" sz="2700" u="sng">
+              <a:rPr lang="en-GB" sz="2700" u="sng" dirty="0">
                 <a:solidFill>
                   <a:schemeClr val="hlink"/>
                 </a:solidFill>
                 <a:hlinkClick r:id="rId4"/>
               </a:rPr>
-              <a:t>To Tests Github</a:t>
+              <a:t>To Tests-</a:t>
             </a:r>
-            <a:endParaRPr sz="2700">
+            <a:r>
+              <a:rPr lang="en-GB" sz="2700" u="sng" dirty="0" err="1">
+                <a:solidFill>
+                  <a:schemeClr val="hlink"/>
+                </a:solidFill>
+                <a:hlinkClick r:id="rId4"/>
+              </a:rPr>
+              <a:t>Github</a:t>
+            </a:r>
+            <a:endParaRPr sz="2700" dirty="0">
               <a:solidFill>
                 <a:schemeClr val="dk2"/>
               </a:solidFill>
@@ -9246,7 +9331,7 @@
 </file>
 
 <file path=ppt/slides/slide7.xml><?xml version="1.0" encoding="utf-8"?>
-<p:sld xmlns:a="http://schemas.openxmlformats.org/drawingml/2006/main" xmlns:r="http://schemas.openxmlformats.org/officeDocument/2006/relationships" xmlns:mc="http://schemas.openxmlformats.org/markup-compatibility/2006" xmlns:mv="urn:schemas-microsoft-com:mac:vml" xmlns:p="http://schemas.openxmlformats.org/presentationml/2006/main" xmlns:c="http://schemas.openxmlformats.org/drawingml/2006/chart" xmlns:dgm="http://schemas.openxmlformats.org/drawingml/2006/diagram" xmlns:o="urn:schemas-microsoft-com:office:office" xmlns:v="urn:schemas-microsoft-com:vml" xmlns:pvml="urn:schemas-microsoft-com:office:powerpoint" xmlns:com="http://schemas.openxmlformats.org/drawingml/2006/compatibility" xmlns:p14="http://schemas.microsoft.com/office/powerpoint/2010/main" xmlns:p15="http://schemas.microsoft.com/office/powerpoint/2012/main" xmlns:ahyp="http://schemas.microsoft.com/office/drawing/2018/hyperlinkcolor">
+<p:sld xmlns:a="http://schemas.openxmlformats.org/drawingml/2006/main" xmlns:r="http://schemas.openxmlformats.org/officeDocument/2006/relationships" xmlns:p="http://schemas.openxmlformats.org/presentationml/2006/main">
   <p:cSld>
     <p:bg>
       <p:bgPr>
@@ -9258,11 +9343,12 @@
             <a:fillRect/>
           </a:stretch>
         </a:blipFill>
+        <a:effectLst/>
       </p:bgPr>
     </p:bg>
     <p:spTree>
       <p:nvGrpSpPr>
-        <p:cNvPr id="108" name="Shape 108"/>
+        <p:cNvPr id="1" name="Shape 108"/>
         <p:cNvGrpSpPr/>
         <p:nvPr/>
       </p:nvGrpSpPr>
@@ -9294,12 +9380,12 @@
           </a:ln>
         </p:spPr>
         <p:txBody>
-          <a:bodyPr anchorCtr="0" anchor="t" bIns="91425" lIns="91425" spcFirstLastPara="1" rIns="91425" wrap="square" tIns="91425">
+          <a:bodyPr spcFirstLastPara="1" wrap="square" lIns="91425" tIns="91425" rIns="91425" bIns="91425" anchor="t" anchorCtr="0">
             <a:noAutofit/>
           </a:bodyPr>
           <a:lstStyle/>
           <a:p>
-            <a:pPr indent="0" lvl="0" marL="0" rtl="0" algn="l">
+            <a:pPr marL="0" lvl="0" indent="0" algn="l" rtl="0">
               <a:spcBef>
                 <a:spcPts val="0"/>
               </a:spcBef>
@@ -9309,7 +9395,7 @@
               <a:buNone/>
             </a:pPr>
             <a:r>
-              <a:rPr b="1" lang="en-GB" sz="5300">
+              <a:rPr lang="en-GB" sz="5300" b="1">
                 <a:solidFill>
                   <a:schemeClr val="lt1"/>
                 </a:solidFill>
@@ -9320,7 +9406,7 @@
               </a:rPr>
               <a:t>THANK YOU</a:t>
             </a:r>
-            <a:endParaRPr b="1" sz="5300">
+            <a:endParaRPr sz="5300" b="1">
               <a:solidFill>
                 <a:schemeClr val="lt1"/>
               </a:solidFill>
@@ -9369,7 +9455,7 @@
 </file>
 
 <file path=ppt/theme/theme1.xml><?xml version="1.0" encoding="utf-8"?>
-<a:theme xmlns:a="http://schemas.openxmlformats.org/drawingml/2006/main" xmlns:r="http://schemas.openxmlformats.org/officeDocument/2006/relationships" name="Simple Light">
+<a:theme xmlns:a="http://schemas.openxmlformats.org/drawingml/2006/main" name="Simple Light">
   <a:themeElements>
     <a:clrScheme name="Simple Light">
       <a:dk1>
@@ -9644,11 +9730,13 @@
       </a:bgFillStyleLst>
     </a:fmtScheme>
   </a:themeElements>
+  <a:objectDefaults/>
+  <a:extraClrSchemeLst/>
 </a:theme>
 </file>
 
 <file path=ppt/theme/theme2.xml><?xml version="1.0" encoding="utf-8"?>
-<a:theme xmlns:a="http://schemas.openxmlformats.org/drawingml/2006/main" xmlns:r="http://schemas.openxmlformats.org/officeDocument/2006/relationships">
+<a:theme xmlns:a="http://schemas.openxmlformats.org/drawingml/2006/main">
   <a:themeElements>
     <a:clrScheme name="Default">
       <a:dk1>
@@ -9923,5 +10011,7 @@
       </a:bgFillStyleLst>
     </a:fmtScheme>
   </a:themeElements>
+  <a:objectDefaults/>
+  <a:extraClrSchemeLst/>
 </a:theme>
 </file>
--- a/middle presentation.pptx
+++ b/middle presentation.pptx
@@ -1,39 +1,43 @@
 
 <file path=ppt/presentation.xml><?xml version="1.0" encoding="utf-8"?>
-<p:presentation xmlns:a="http://schemas.openxmlformats.org/drawingml/2006/main" xmlns:r="http://schemas.openxmlformats.org/officeDocument/2006/relationships" xmlns:p="http://schemas.openxmlformats.org/presentationml/2006/main" strictFirstAndLastChars="0" embedTrueTypeFonts="1" saveSubsetFonts="1" autoCompressPictures="0">
+<p:presentation xmlns:a="http://schemas.openxmlformats.org/drawingml/2006/main" xmlns:r="http://schemas.openxmlformats.org/officeDocument/2006/relationships" xmlns:mc="http://schemas.openxmlformats.org/markup-compatibility/2006" xmlns:mv="urn:schemas-microsoft-com:mac:vml" xmlns:p="http://schemas.openxmlformats.org/presentationml/2006/main" xmlns:c="http://schemas.openxmlformats.org/drawingml/2006/chart" xmlns:dgm="http://schemas.openxmlformats.org/drawingml/2006/diagram" xmlns:o="urn:schemas-microsoft-com:office:office" xmlns:v="urn:schemas-microsoft-com:vml" xmlns:pvml="urn:schemas-microsoft-com:office:powerpoint" xmlns:com="http://schemas.openxmlformats.org/drawingml/2006/compatibility" xmlns:p14="http://schemas.microsoft.com/office/powerpoint/2010/main" xmlns:p15="http://schemas.microsoft.com/office/powerpoint/2012/main" xmlns:ahyp="http://schemas.microsoft.com/office/drawing/2018/hyperlinkcolor" autoCompressPictures="0" embedTrueTypeFonts="1" strictFirstAndLastChars="0" saveSubsetFonts="1">
   <p:sldMasterIdLst>
-    <p:sldMasterId id="2147483659" r:id="rId1"/>
+    <p:sldMasterId id="2147483659" r:id="rId4"/>
   </p:sldMasterIdLst>
   <p:notesMasterIdLst>
-    <p:notesMasterId r:id="rId9"/>
+    <p:notesMasterId r:id="rId5"/>
   </p:notesMasterIdLst>
   <p:sldIdLst>
-    <p:sldId id="256" r:id="rId2"/>
-    <p:sldId id="257" r:id="rId3"/>
-    <p:sldId id="258" r:id="rId4"/>
-    <p:sldId id="259" r:id="rId5"/>
-    <p:sldId id="260" r:id="rId6"/>
-    <p:sldId id="261" r:id="rId7"/>
-    <p:sldId id="262" r:id="rId8"/>
+    <p:sldId id="256" r:id="rId6"/>
+    <p:sldId id="257" r:id="rId7"/>
+    <p:sldId id="258" r:id="rId8"/>
+    <p:sldId id="259" r:id="rId9"/>
+    <p:sldId id="260" r:id="rId10"/>
+    <p:sldId id="261" r:id="rId11"/>
+    <p:sldId id="262" r:id="rId12"/>
+    <p:sldId id="263" r:id="rId13"/>
+    <p:sldId id="264" r:id="rId14"/>
   </p:sldIdLst>
-  <p:sldSz cx="9144000" cy="5143500" type="screen16x9"/>
+  <p:sldSz cy="5143500" cx="9144000"/>
   <p:notesSz cx="6858000" cy="9144000"/>
   <p:embeddedFontLst>
     <p:embeddedFont>
-      <p:font typeface="Comfortaa" panose="020B0604020202020204" charset="0"/>
-      <p:regular r:id="rId10"/>
-      <p:bold r:id="rId11"/>
+      <p:font typeface="Comfortaa Light"/>
+      <p:regular r:id="rId15"/>
+      <p:bold r:id="rId16"/>
     </p:embeddedFont>
     <p:embeddedFont>
-      <p:font typeface="Georgia" panose="02040502050405020303" pitchFamily="18" charset="0"/>
-      <p:regular r:id="rId12"/>
-      <p:bold r:id="rId13"/>
-      <p:italic r:id="rId14"/>
-      <p:boldItalic r:id="rId15"/>
+      <p:font typeface="Lobster"/>
+      <p:regular r:id="rId17"/>
+    </p:embeddedFont>
+    <p:embeddedFont>
+      <p:font typeface="Comfortaa"/>
+      <p:regular r:id="rId18"/>
+      <p:bold r:id="rId19"/>
     </p:embeddedFont>
   </p:embeddedFontLst>
   <p:defaultTextStyle>
-    <a:defPPr marR="0" lvl="0" algn="l" rtl="0">
+    <a:defPPr lvl="0" marR="0" rtl="0" algn="l">
       <a:lnSpc>
         <a:spcPct val="100000"/>
       </a:lnSpc>
@@ -44,7 +48,7 @@
         <a:spcPts val="0"/>
       </a:spcAft>
     </a:defPPr>
-    <a:lvl1pPr marR="0" lvl="0" algn="l" rtl="0">
+    <a:lvl1pPr lvl="0" marR="0" rtl="0" algn="l">
       <a:lnSpc>
         <a:spcPct val="100000"/>
       </a:lnSpc>
@@ -58,7 +62,7 @@
         <a:srgbClr val="000000"/>
       </a:buClr>
       <a:buFont typeface="Arial"/>
-      <a:defRPr sz="1400" b="0" i="0" u="none" strike="noStrike" cap="none">
+      <a:defRPr b="0" i="0" sz="1400" u="none" cap="none" strike="noStrike">
         <a:solidFill>
           <a:srgbClr val="000000"/>
         </a:solidFill>
@@ -68,7 +72,7 @@
         <a:sym typeface="Arial"/>
       </a:defRPr>
     </a:lvl1pPr>
-    <a:lvl2pPr marR="0" lvl="1" algn="l" rtl="0">
+    <a:lvl2pPr lvl="1" marR="0" rtl="0" algn="l">
       <a:lnSpc>
         <a:spcPct val="100000"/>
       </a:lnSpc>
@@ -82,7 +86,7 @@
         <a:srgbClr val="000000"/>
       </a:buClr>
       <a:buFont typeface="Arial"/>
-      <a:defRPr sz="1400" b="0" i="0" u="none" strike="noStrike" cap="none">
+      <a:defRPr b="0" i="0" sz="1400" u="none" cap="none" strike="noStrike">
         <a:solidFill>
           <a:srgbClr val="000000"/>
         </a:solidFill>
@@ -92,7 +96,7 @@
         <a:sym typeface="Arial"/>
       </a:defRPr>
     </a:lvl2pPr>
-    <a:lvl3pPr marR="0" lvl="2" algn="l" rtl="0">
+    <a:lvl3pPr lvl="2" marR="0" rtl="0" algn="l">
       <a:lnSpc>
         <a:spcPct val="100000"/>
       </a:lnSpc>
@@ -106,7 +110,7 @@
         <a:srgbClr val="000000"/>
       </a:buClr>
       <a:buFont typeface="Arial"/>
-      <a:defRPr sz="1400" b="0" i="0" u="none" strike="noStrike" cap="none">
+      <a:defRPr b="0" i="0" sz="1400" u="none" cap="none" strike="noStrike">
         <a:solidFill>
           <a:srgbClr val="000000"/>
         </a:solidFill>
@@ -116,7 +120,7 @@
         <a:sym typeface="Arial"/>
       </a:defRPr>
     </a:lvl3pPr>
-    <a:lvl4pPr marR="0" lvl="3" algn="l" rtl="0">
+    <a:lvl4pPr lvl="3" marR="0" rtl="0" algn="l">
       <a:lnSpc>
         <a:spcPct val="100000"/>
       </a:lnSpc>
@@ -130,7 +134,7 @@
         <a:srgbClr val="000000"/>
       </a:buClr>
       <a:buFont typeface="Arial"/>
-      <a:defRPr sz="1400" b="0" i="0" u="none" strike="noStrike" cap="none">
+      <a:defRPr b="0" i="0" sz="1400" u="none" cap="none" strike="noStrike">
         <a:solidFill>
           <a:srgbClr val="000000"/>
         </a:solidFill>
@@ -140,7 +144,7 @@
         <a:sym typeface="Arial"/>
       </a:defRPr>
     </a:lvl4pPr>
-    <a:lvl5pPr marR="0" lvl="4" algn="l" rtl="0">
+    <a:lvl5pPr lvl="4" marR="0" rtl="0" algn="l">
       <a:lnSpc>
         <a:spcPct val="100000"/>
       </a:lnSpc>
@@ -154,7 +158,7 @@
         <a:srgbClr val="000000"/>
       </a:buClr>
       <a:buFont typeface="Arial"/>
-      <a:defRPr sz="1400" b="0" i="0" u="none" strike="noStrike" cap="none">
+      <a:defRPr b="0" i="0" sz="1400" u="none" cap="none" strike="noStrike">
         <a:solidFill>
           <a:srgbClr val="000000"/>
         </a:solidFill>
@@ -164,7 +168,7 @@
         <a:sym typeface="Arial"/>
       </a:defRPr>
     </a:lvl5pPr>
-    <a:lvl6pPr marR="0" lvl="5" algn="l" rtl="0">
+    <a:lvl6pPr lvl="5" marR="0" rtl="0" algn="l">
       <a:lnSpc>
         <a:spcPct val="100000"/>
       </a:lnSpc>
@@ -178,7 +182,7 @@
         <a:srgbClr val="000000"/>
       </a:buClr>
       <a:buFont typeface="Arial"/>
-      <a:defRPr sz="1400" b="0" i="0" u="none" strike="noStrike" cap="none">
+      <a:defRPr b="0" i="0" sz="1400" u="none" cap="none" strike="noStrike">
         <a:solidFill>
           <a:srgbClr val="000000"/>
         </a:solidFill>
@@ -188,7 +192,7 @@
         <a:sym typeface="Arial"/>
       </a:defRPr>
     </a:lvl6pPr>
-    <a:lvl7pPr marR="0" lvl="6" algn="l" rtl="0">
+    <a:lvl7pPr lvl="6" marR="0" rtl="0" algn="l">
       <a:lnSpc>
         <a:spcPct val="100000"/>
       </a:lnSpc>
@@ -202,7 +206,7 @@
         <a:srgbClr val="000000"/>
       </a:buClr>
       <a:buFont typeface="Arial"/>
-      <a:defRPr sz="1400" b="0" i="0" u="none" strike="noStrike" cap="none">
+      <a:defRPr b="0" i="0" sz="1400" u="none" cap="none" strike="noStrike">
         <a:solidFill>
           <a:srgbClr val="000000"/>
         </a:solidFill>
@@ -212,7 +216,7 @@
         <a:sym typeface="Arial"/>
       </a:defRPr>
     </a:lvl7pPr>
-    <a:lvl8pPr marR="0" lvl="7" algn="l" rtl="0">
+    <a:lvl8pPr lvl="7" marR="0" rtl="0" algn="l">
       <a:lnSpc>
         <a:spcPct val="100000"/>
       </a:lnSpc>
@@ -226,7 +230,7 @@
         <a:srgbClr val="000000"/>
       </a:buClr>
       <a:buFont typeface="Arial"/>
-      <a:defRPr sz="1400" b="0" i="0" u="none" strike="noStrike" cap="none">
+      <a:defRPr b="0" i="0" sz="1400" u="none" cap="none" strike="noStrike">
         <a:solidFill>
           <a:srgbClr val="000000"/>
         </a:solidFill>
@@ -236,7 +240,7 @@
         <a:sym typeface="Arial"/>
       </a:defRPr>
     </a:lvl8pPr>
-    <a:lvl9pPr marR="0" lvl="8" algn="l" rtl="0">
+    <a:lvl9pPr lvl="8" marR="0" rtl="0" algn="l">
       <a:lnSpc>
         <a:spcPct val="100000"/>
       </a:lnSpc>
@@ -250,7 +254,7 @@
         <a:srgbClr val="000000"/>
       </a:buClr>
       <a:buFont typeface="Arial"/>
-      <a:defRPr sz="1400" b="0" i="0" u="none" strike="noStrike" cap="none">
+      <a:defRPr b="0" i="0" sz="1400" u="none" cap="none" strike="noStrike">
         <a:solidFill>
           <a:srgbClr val="000000"/>
         </a:solidFill>
@@ -263,7 +267,7 @@
   </p:defaultTextStyle>
   <p:extLst>
     <p:ext uri="{EFAFB233-063F-42B5-8137-9DF3F51BA10A}">
-      <p15:sldGuideLst xmlns:p15="http://schemas.microsoft.com/office/powerpoint/2012/main">
+      <p15:sldGuideLst>
         <p15:guide id="1" orient="horz" pos="1620">
           <p15:clr>
             <a:srgbClr val="747775"/>
@@ -281,16 +285,11 @@
 </file>
 
 <file path=ppt/notesMasters/notesMaster1.xml><?xml version="1.0" encoding="utf-8"?>
-<p:notesMaster xmlns:a="http://schemas.openxmlformats.org/drawingml/2006/main" xmlns:r="http://schemas.openxmlformats.org/officeDocument/2006/relationships" xmlns:p="http://schemas.openxmlformats.org/presentationml/2006/main">
+<p:notesMaster xmlns:a="http://schemas.openxmlformats.org/drawingml/2006/main" xmlns:r="http://schemas.openxmlformats.org/officeDocument/2006/relationships" xmlns:mc="http://schemas.openxmlformats.org/markup-compatibility/2006" xmlns:mv="urn:schemas-microsoft-com:mac:vml" xmlns:p="http://schemas.openxmlformats.org/presentationml/2006/main" xmlns:c="http://schemas.openxmlformats.org/drawingml/2006/chart" xmlns:dgm="http://schemas.openxmlformats.org/drawingml/2006/diagram" xmlns:o="urn:schemas-microsoft-com:office:office" xmlns:v="urn:schemas-microsoft-com:vml" xmlns:pvml="urn:schemas-microsoft-com:office:powerpoint" xmlns:com="http://schemas.openxmlformats.org/drawingml/2006/compatibility" xmlns:p14="http://schemas.microsoft.com/office/powerpoint/2010/main" xmlns:p15="http://schemas.microsoft.com/office/powerpoint/2012/main" xmlns:ahyp="http://schemas.microsoft.com/office/drawing/2018/hyperlinkcolor">
   <p:cSld>
-    <p:bg>
-      <p:bgRef idx="1001">
-        <a:schemeClr val="bg1"/>
-      </p:bgRef>
-    </p:bg>
     <p:spTree>
       <p:nvGrpSpPr>
-        <p:cNvPr id="1" name="Shape 2"/>
+        <p:cNvPr id="2" name="Shape 2"/>
         <p:cNvGrpSpPr/>
         <p:nvPr/>
       </p:nvGrpSpPr>
@@ -305,11 +304,9 @@
       <p:sp>
         <p:nvSpPr>
           <p:cNvPr id="3" name="Google Shape;3;n"/>
-          <p:cNvSpPr>
-            <a:spLocks noGrp="1" noRot="1" noChangeAspect="1"/>
-          </p:cNvSpPr>
+          <p:cNvSpPr/>
           <p:nvPr>
-            <p:ph type="sldImg" idx="2"/>
+            <p:ph idx="2" type="sldImg"/>
           </p:nvPr>
         </p:nvSpPr>
         <p:spPr>
@@ -318,13 +315,9 @@
             <a:ext cx="6096075" cy="3429000"/>
           </a:xfrm>
           <a:custGeom>
-            <a:avLst/>
-            <a:gdLst/>
-            <a:ahLst/>
-            <a:cxnLst/>
-            <a:rect l="l" t="t" r="r" b="b"/>
+            <a:rect b="b" l="l" r="r" t="t"/>
             <a:pathLst>
-              <a:path w="120000" h="120000" extrusionOk="0">
+              <a:path extrusionOk="0" h="120000" w="120000">
                 <a:moveTo>
                   <a:pt x="0" y="0"/>
                 </a:moveTo>
@@ -342,25 +335,23 @@
             </a:pathLst>
           </a:custGeom>
           <a:noFill/>
-          <a:ln w="9525" cap="flat" cmpd="sng">
+          <a:ln cap="flat" cmpd="sng" w="9525">
             <a:solidFill>
               <a:srgbClr val="000000"/>
             </a:solidFill>
             <a:prstDash val="solid"/>
             <a:round/>
-            <a:headEnd type="none" w="sm" len="sm"/>
-            <a:tailEnd type="none" w="sm" len="sm"/>
+            <a:headEnd len="sm" w="sm" type="none"/>
+            <a:tailEnd len="sm" w="sm" type="none"/>
           </a:ln>
         </p:spPr>
       </p:sp>
       <p:sp>
         <p:nvSpPr>
           <p:cNvPr id="4" name="Google Shape;4;n"/>
-          <p:cNvSpPr txBox="1">
-            <a:spLocks noGrp="1"/>
-          </p:cNvSpPr>
+          <p:cNvSpPr txBox="1"/>
           <p:nvPr>
-            <p:ph type="body" idx="1"/>
+            <p:ph idx="1" type="body"/>
           </p:nvPr>
         </p:nvSpPr>
         <p:spPr>
@@ -377,11 +368,11 @@
           </a:ln>
         </p:spPr>
         <p:txBody>
-          <a:bodyPr spcFirstLastPara="1" wrap="square" lIns="91425" tIns="91425" rIns="91425" bIns="91425" anchor="t" anchorCtr="0">
+          <a:bodyPr anchorCtr="0" anchor="t" bIns="91425" lIns="91425" spcFirstLastPara="1" rIns="91425" wrap="square" tIns="91425">
             <a:noAutofit/>
           </a:bodyPr>
           <a:lstStyle>
-            <a:lvl1pPr marL="457200" lvl="0" indent="-298450">
+            <a:lvl1pPr indent="-298450" lvl="0" marL="457200">
               <a:spcBef>
                 <a:spcPts val="0"/>
               </a:spcBef>
@@ -392,7 +383,7 @@
               <a:buChar char="●"/>
               <a:defRPr sz="1100"/>
             </a:lvl1pPr>
-            <a:lvl2pPr marL="914400" lvl="1" indent="-298450">
+            <a:lvl2pPr indent="-298450" lvl="1" marL="914400">
               <a:spcBef>
                 <a:spcPts val="0"/>
               </a:spcBef>
@@ -403,7 +394,7 @@
               <a:buChar char="○"/>
               <a:defRPr sz="1100"/>
             </a:lvl2pPr>
-            <a:lvl3pPr marL="1371600" lvl="2" indent="-298450">
+            <a:lvl3pPr indent="-298450" lvl="2" marL="1371600">
               <a:spcBef>
                 <a:spcPts val="0"/>
               </a:spcBef>
@@ -414,7 +405,7 @@
               <a:buChar char="■"/>
               <a:defRPr sz="1100"/>
             </a:lvl3pPr>
-            <a:lvl4pPr marL="1828800" lvl="3" indent="-298450">
+            <a:lvl4pPr indent="-298450" lvl="3" marL="1828800">
               <a:spcBef>
                 <a:spcPts val="0"/>
               </a:spcBef>
@@ -425,7 +416,7 @@
               <a:buChar char="●"/>
               <a:defRPr sz="1100"/>
             </a:lvl4pPr>
-            <a:lvl5pPr marL="2286000" lvl="4" indent="-298450">
+            <a:lvl5pPr indent="-298450" lvl="4" marL="2286000">
               <a:spcBef>
                 <a:spcPts val="0"/>
               </a:spcBef>
@@ -436,7 +427,7 @@
               <a:buChar char="○"/>
               <a:defRPr sz="1100"/>
             </a:lvl5pPr>
-            <a:lvl6pPr marL="2743200" lvl="5" indent="-298450">
+            <a:lvl6pPr indent="-298450" lvl="5" marL="2743200">
               <a:spcBef>
                 <a:spcPts val="0"/>
               </a:spcBef>
@@ -447,7 +438,7 @@
               <a:buChar char="■"/>
               <a:defRPr sz="1100"/>
             </a:lvl6pPr>
-            <a:lvl7pPr marL="3200400" lvl="6" indent="-298450">
+            <a:lvl7pPr indent="-298450" lvl="6" marL="3200400">
               <a:spcBef>
                 <a:spcPts val="0"/>
               </a:spcBef>
@@ -458,7 +449,7 @@
               <a:buChar char="●"/>
               <a:defRPr sz="1100"/>
             </a:lvl7pPr>
-            <a:lvl8pPr marL="3657600" lvl="7" indent="-298450">
+            <a:lvl8pPr indent="-298450" lvl="7" marL="3657600">
               <a:spcBef>
                 <a:spcPts val="0"/>
               </a:spcBef>
@@ -469,7 +460,7 @@
               <a:buChar char="○"/>
               <a:defRPr sz="1100"/>
             </a:lvl8pPr>
-            <a:lvl9pPr marL="4114800" lvl="8" indent="-298450">
+            <a:lvl9pPr indent="-298450" lvl="8" marL="4114800">
               <a:spcBef>
                 <a:spcPts val="0"/>
               </a:spcBef>
@@ -481,16 +472,14 @@
               <a:defRPr sz="1100"/>
             </a:lvl9pPr>
           </a:lstStyle>
-          <a:p>
-            <a:endParaRPr/>
-          </a:p>
+          <a:p/>
         </p:txBody>
       </p:sp>
     </p:spTree>
   </p:cSld>
-  <p:clrMap bg1="lt1" tx1="dk1" bg2="dk2" tx2="lt2" accent1="accent1" accent2="accent2" accent3="accent3" accent4="accent4" accent5="accent5" accent6="accent6" hlink="hlink" folHlink="folHlink"/>
+  <p:clrMap accent1="accent1" accent2="accent2" accent3="accent3" accent4="accent4" accent5="accent5" accent6="accent6" bg1="lt1" bg2="dk2" tx1="dk1" tx2="lt2" folHlink="folHlink" hlink="hlink"/>
   <p:notesStyle>
-    <a:defPPr marR="0" lvl="0" algn="l" rtl="0">
+    <a:defPPr lvl="0" marR="0" rtl="0" algn="l">
       <a:lnSpc>
         <a:spcPct val="100000"/>
       </a:lnSpc>
@@ -501,7 +490,7 @@
         <a:spcPts val="0"/>
       </a:spcAft>
     </a:defPPr>
-    <a:lvl1pPr marR="0" lvl="0" algn="l" rtl="0">
+    <a:lvl1pPr lvl="0" marR="0" rtl="0" algn="l">
       <a:lnSpc>
         <a:spcPct val="100000"/>
       </a:lnSpc>
@@ -515,7 +504,7 @@
         <a:srgbClr val="000000"/>
       </a:buClr>
       <a:buFont typeface="Arial"/>
-      <a:defRPr sz="1400" b="0" i="0" u="none" strike="noStrike" cap="none">
+      <a:defRPr b="0" i="0" sz="1400" u="none" cap="none" strike="noStrike">
         <a:solidFill>
           <a:srgbClr val="000000"/>
         </a:solidFill>
@@ -525,7 +514,7 @@
         <a:sym typeface="Arial"/>
       </a:defRPr>
     </a:lvl1pPr>
-    <a:lvl2pPr marR="0" lvl="1" algn="l" rtl="0">
+    <a:lvl2pPr lvl="1" marR="0" rtl="0" algn="l">
       <a:lnSpc>
         <a:spcPct val="100000"/>
       </a:lnSpc>
@@ -539,7 +528,7 @@
         <a:srgbClr val="000000"/>
       </a:buClr>
       <a:buFont typeface="Arial"/>
-      <a:defRPr sz="1400" b="0" i="0" u="none" strike="noStrike" cap="none">
+      <a:defRPr b="0" i="0" sz="1400" u="none" cap="none" strike="noStrike">
         <a:solidFill>
           <a:srgbClr val="000000"/>
         </a:solidFill>
@@ -549,7 +538,7 @@
         <a:sym typeface="Arial"/>
       </a:defRPr>
     </a:lvl2pPr>
-    <a:lvl3pPr marR="0" lvl="2" algn="l" rtl="0">
+    <a:lvl3pPr lvl="2" marR="0" rtl="0" algn="l">
       <a:lnSpc>
         <a:spcPct val="100000"/>
       </a:lnSpc>
@@ -563,7 +552,7 @@
         <a:srgbClr val="000000"/>
       </a:buClr>
       <a:buFont typeface="Arial"/>
-      <a:defRPr sz="1400" b="0" i="0" u="none" strike="noStrike" cap="none">
+      <a:defRPr b="0" i="0" sz="1400" u="none" cap="none" strike="noStrike">
         <a:solidFill>
           <a:srgbClr val="000000"/>
         </a:solidFill>
@@ -573,7 +562,7 @@
         <a:sym typeface="Arial"/>
       </a:defRPr>
     </a:lvl3pPr>
-    <a:lvl4pPr marR="0" lvl="3" algn="l" rtl="0">
+    <a:lvl4pPr lvl="3" marR="0" rtl="0" algn="l">
       <a:lnSpc>
         <a:spcPct val="100000"/>
       </a:lnSpc>
@@ -587,7 +576,7 @@
         <a:srgbClr val="000000"/>
       </a:buClr>
       <a:buFont typeface="Arial"/>
-      <a:defRPr sz="1400" b="0" i="0" u="none" strike="noStrike" cap="none">
+      <a:defRPr b="0" i="0" sz="1400" u="none" cap="none" strike="noStrike">
         <a:solidFill>
           <a:srgbClr val="000000"/>
         </a:solidFill>
@@ -597,7 +586,7 @@
         <a:sym typeface="Arial"/>
       </a:defRPr>
     </a:lvl4pPr>
-    <a:lvl5pPr marR="0" lvl="4" algn="l" rtl="0">
+    <a:lvl5pPr lvl="4" marR="0" rtl="0" algn="l">
       <a:lnSpc>
         <a:spcPct val="100000"/>
       </a:lnSpc>
@@ -611,7 +600,7 @@
         <a:srgbClr val="000000"/>
       </a:buClr>
       <a:buFont typeface="Arial"/>
-      <a:defRPr sz="1400" b="0" i="0" u="none" strike="noStrike" cap="none">
+      <a:defRPr b="0" i="0" sz="1400" u="none" cap="none" strike="noStrike">
         <a:solidFill>
           <a:srgbClr val="000000"/>
         </a:solidFill>
@@ -621,7 +610,7 @@
         <a:sym typeface="Arial"/>
       </a:defRPr>
     </a:lvl5pPr>
-    <a:lvl6pPr marR="0" lvl="5" algn="l" rtl="0">
+    <a:lvl6pPr lvl="5" marR="0" rtl="0" algn="l">
       <a:lnSpc>
         <a:spcPct val="100000"/>
       </a:lnSpc>
@@ -635,7 +624,7 @@
         <a:srgbClr val="000000"/>
       </a:buClr>
       <a:buFont typeface="Arial"/>
-      <a:defRPr sz="1400" b="0" i="0" u="none" strike="noStrike" cap="none">
+      <a:defRPr b="0" i="0" sz="1400" u="none" cap="none" strike="noStrike">
         <a:solidFill>
           <a:srgbClr val="000000"/>
         </a:solidFill>
@@ -645,7 +634,7 @@
         <a:sym typeface="Arial"/>
       </a:defRPr>
     </a:lvl6pPr>
-    <a:lvl7pPr marR="0" lvl="6" algn="l" rtl="0">
+    <a:lvl7pPr lvl="6" marR="0" rtl="0" algn="l">
       <a:lnSpc>
         <a:spcPct val="100000"/>
       </a:lnSpc>
@@ -659,7 +648,7 @@
         <a:srgbClr val="000000"/>
       </a:buClr>
       <a:buFont typeface="Arial"/>
-      <a:defRPr sz="1400" b="0" i="0" u="none" strike="noStrike" cap="none">
+      <a:defRPr b="0" i="0" sz="1400" u="none" cap="none" strike="noStrike">
         <a:solidFill>
           <a:srgbClr val="000000"/>
         </a:solidFill>
@@ -669,7 +658,7 @@
         <a:sym typeface="Arial"/>
       </a:defRPr>
     </a:lvl7pPr>
-    <a:lvl8pPr marR="0" lvl="7" algn="l" rtl="0">
+    <a:lvl8pPr lvl="7" marR="0" rtl="0" algn="l">
       <a:lnSpc>
         <a:spcPct val="100000"/>
       </a:lnSpc>
@@ -683,7 +672,7 @@
         <a:srgbClr val="000000"/>
       </a:buClr>
       <a:buFont typeface="Arial"/>
-      <a:defRPr sz="1400" b="0" i="0" u="none" strike="noStrike" cap="none">
+      <a:defRPr b="0" i="0" sz="1400" u="none" cap="none" strike="noStrike">
         <a:solidFill>
           <a:srgbClr val="000000"/>
         </a:solidFill>
@@ -693,7 +682,7 @@
         <a:sym typeface="Arial"/>
       </a:defRPr>
     </a:lvl8pPr>
-    <a:lvl9pPr marR="0" lvl="8" algn="l" rtl="0">
+    <a:lvl9pPr lvl="8" marR="0" rtl="0" algn="l">
       <a:lnSpc>
         <a:spcPct val="100000"/>
       </a:lnSpc>
@@ -707,7 +696,7 @@
         <a:srgbClr val="000000"/>
       </a:buClr>
       <a:buFont typeface="Arial"/>
-      <a:defRPr sz="1400" b="0" i="0" u="none" strike="noStrike" cap="none">
+      <a:defRPr b="0" i="0" sz="1400" u="none" cap="none" strike="noStrike">
         <a:solidFill>
           <a:srgbClr val="000000"/>
         </a:solidFill>
@@ -722,11 +711,11 @@
 </file>
 
 <file path=ppt/notesSlides/notesSlide1.xml><?xml version="1.0" encoding="utf-8"?>
-<p:notes xmlns:a="http://schemas.openxmlformats.org/drawingml/2006/main" xmlns:r="http://schemas.openxmlformats.org/officeDocument/2006/relationships" xmlns:p="http://schemas.openxmlformats.org/presentationml/2006/main" showMasterSp="0" showMasterPhAnim="0">
+<p:notes xmlns:a="http://schemas.openxmlformats.org/drawingml/2006/main" xmlns:r="http://schemas.openxmlformats.org/officeDocument/2006/relationships" xmlns:mc="http://schemas.openxmlformats.org/markup-compatibility/2006" xmlns:mv="urn:schemas-microsoft-com:mac:vml" xmlns:p="http://schemas.openxmlformats.org/presentationml/2006/main" xmlns:c="http://schemas.openxmlformats.org/drawingml/2006/chart" xmlns:dgm="http://schemas.openxmlformats.org/drawingml/2006/diagram" xmlns:o="urn:schemas-microsoft-com:office:office" xmlns:v="urn:schemas-microsoft-com:vml" xmlns:pvml="urn:schemas-microsoft-com:office:powerpoint" xmlns:com="http://schemas.openxmlformats.org/drawingml/2006/compatibility" xmlns:p14="http://schemas.microsoft.com/office/powerpoint/2010/main" xmlns:p15="http://schemas.microsoft.com/office/powerpoint/2012/main" xmlns:ahyp="http://schemas.microsoft.com/office/drawing/2018/hyperlinkcolor" showMasterPhAnim="0" showMasterSp="0">
   <p:cSld>
     <p:spTree>
       <p:nvGrpSpPr>
-        <p:cNvPr id="1" name="Shape 51"/>
+        <p:cNvPr id="51" name="Shape 51"/>
         <p:cNvGrpSpPr/>
         <p:nvPr/>
       </p:nvGrpSpPr>
@@ -741,11 +730,9 @@
       <p:sp>
         <p:nvSpPr>
           <p:cNvPr id="52" name="Google Shape;52;p:notes"/>
-          <p:cNvSpPr>
-            <a:spLocks noGrp="1" noRot="1" noChangeAspect="1"/>
-          </p:cNvSpPr>
+          <p:cNvSpPr/>
           <p:nvPr>
-            <p:ph type="sldImg" idx="2"/>
+            <p:ph idx="2" type="sldImg"/>
           </p:nvPr>
         </p:nvSpPr>
         <p:spPr>
@@ -754,13 +741,9 @@
             <a:ext cx="6096075" cy="3429000"/>
           </a:xfrm>
           <a:custGeom>
-            <a:avLst/>
-            <a:gdLst/>
-            <a:ahLst/>
-            <a:cxnLst/>
-            <a:rect l="l" t="t" r="r" b="b"/>
+            <a:rect b="b" l="l" r="r" t="t"/>
             <a:pathLst>
-              <a:path w="120000" h="120000" extrusionOk="0">
+              <a:path extrusionOk="0" h="120000" w="120000">
                 <a:moveTo>
                   <a:pt x="0" y="0"/>
                 </a:moveTo>
@@ -782,11 +765,9 @@
       <p:sp>
         <p:nvSpPr>
           <p:cNvPr id="53" name="Google Shape;53;p:notes"/>
-          <p:cNvSpPr txBox="1">
-            <a:spLocks noGrp="1"/>
-          </p:cNvSpPr>
+          <p:cNvSpPr txBox="1"/>
           <p:nvPr>
-            <p:ph type="body" idx="1"/>
+            <p:ph idx="1" type="body"/>
           </p:nvPr>
         </p:nvSpPr>
         <p:spPr>
@@ -799,12 +780,12 @@
           </a:prstGeom>
         </p:spPr>
         <p:txBody>
-          <a:bodyPr spcFirstLastPara="1" wrap="square" lIns="91425" tIns="91425" rIns="91425" bIns="91425" anchor="t" anchorCtr="0">
+          <a:bodyPr anchorCtr="0" anchor="t" bIns="91425" lIns="91425" spcFirstLastPara="1" rIns="91425" wrap="square" tIns="91425">
             <a:noAutofit/>
           </a:bodyPr>
           <a:lstStyle/>
           <a:p>
-            <a:pPr marL="0" lvl="0" indent="0" algn="l" rtl="0">
+            <a:pPr indent="0" lvl="0" marL="0" rtl="0" algn="l">
               <a:spcBef>
                 <a:spcPts val="0"/>
               </a:spcBef>
@@ -813,6 +794,9 @@
               </a:spcAft>
               <a:buNone/>
             </a:pPr>
+            <a:r>
+              <a:t/>
+            </a:r>
             <a:endParaRPr/>
           </a:p>
         </p:txBody>
@@ -826,11 +810,11 @@
 </file>
 
 <file path=ppt/notesSlides/notesSlide2.xml><?xml version="1.0" encoding="utf-8"?>
-<p:notes xmlns:a="http://schemas.openxmlformats.org/drawingml/2006/main" xmlns:r="http://schemas.openxmlformats.org/officeDocument/2006/relationships" xmlns:p="http://schemas.openxmlformats.org/presentationml/2006/main" showMasterSp="0" showMasterPhAnim="0">
+<p:notes xmlns:a="http://schemas.openxmlformats.org/drawingml/2006/main" xmlns:r="http://schemas.openxmlformats.org/officeDocument/2006/relationships" xmlns:mc="http://schemas.openxmlformats.org/markup-compatibility/2006" xmlns:mv="urn:schemas-microsoft-com:mac:vml" xmlns:p="http://schemas.openxmlformats.org/presentationml/2006/main" xmlns:c="http://schemas.openxmlformats.org/drawingml/2006/chart" xmlns:dgm="http://schemas.openxmlformats.org/drawingml/2006/diagram" xmlns:o="urn:schemas-microsoft-com:office:office" xmlns:v="urn:schemas-microsoft-com:vml" xmlns:pvml="urn:schemas-microsoft-com:office:powerpoint" xmlns:com="http://schemas.openxmlformats.org/drawingml/2006/compatibility" xmlns:p14="http://schemas.microsoft.com/office/powerpoint/2010/main" xmlns:p15="http://schemas.microsoft.com/office/powerpoint/2012/main" xmlns:ahyp="http://schemas.microsoft.com/office/drawing/2018/hyperlinkcolor" showMasterPhAnim="0" showMasterSp="0">
   <p:cSld>
     <p:spTree>
       <p:nvGrpSpPr>
-        <p:cNvPr id="1" name="Shape 60"/>
+        <p:cNvPr id="61" name="Shape 61"/>
         <p:cNvGrpSpPr/>
         <p:nvPr/>
       </p:nvGrpSpPr>
@@ -844,27 +828,21 @@
       </p:grpSpPr>
       <p:sp>
         <p:nvSpPr>
-          <p:cNvPr id="61" name="Google Shape;61;g31a6762a23b_0_94:notes"/>
-          <p:cNvSpPr>
-            <a:spLocks noGrp="1" noRot="1" noChangeAspect="1"/>
-          </p:cNvSpPr>
+          <p:cNvPr id="62" name="Google Shape;62;g31a6762a23b_0_94:notes"/>
+          <p:cNvSpPr/>
           <p:nvPr>
-            <p:ph type="sldImg" idx="2"/>
+            <p:ph idx="2" type="sldImg"/>
           </p:nvPr>
         </p:nvSpPr>
         <p:spPr>
           <a:xfrm>
-            <a:off x="381000" y="685800"/>
+            <a:off x="381300" y="685800"/>
             <a:ext cx="6096000" cy="3429000"/>
           </a:xfrm>
           <a:custGeom>
-            <a:avLst/>
-            <a:gdLst/>
-            <a:ahLst/>
-            <a:cxnLst/>
-            <a:rect l="l" t="t" r="r" b="b"/>
+            <a:rect b="b" l="l" r="r" t="t"/>
             <a:pathLst>
-              <a:path w="120000" h="120000" extrusionOk="0">
+              <a:path extrusionOk="0" h="120000" w="120000">
                 <a:moveTo>
                   <a:pt x="0" y="0"/>
                 </a:moveTo>
@@ -885,12 +863,10 @@
       </p:sp>
       <p:sp>
         <p:nvSpPr>
-          <p:cNvPr id="62" name="Google Shape;62;g31a6762a23b_0_94:notes"/>
-          <p:cNvSpPr txBox="1">
-            <a:spLocks noGrp="1"/>
-          </p:cNvSpPr>
+          <p:cNvPr id="63" name="Google Shape;63;g31a6762a23b_0_94:notes"/>
+          <p:cNvSpPr txBox="1"/>
           <p:nvPr>
-            <p:ph type="body" idx="1"/>
+            <p:ph idx="1" type="body"/>
           </p:nvPr>
         </p:nvSpPr>
         <p:spPr>
@@ -903,12 +879,12 @@
           </a:prstGeom>
         </p:spPr>
         <p:txBody>
-          <a:bodyPr spcFirstLastPara="1" wrap="square" lIns="91425" tIns="91425" rIns="91425" bIns="91425" anchor="t" anchorCtr="0">
+          <a:bodyPr anchorCtr="0" anchor="t" bIns="91425" lIns="91425" spcFirstLastPara="1" rIns="91425" wrap="square" tIns="91425">
             <a:noAutofit/>
           </a:bodyPr>
           <a:lstStyle/>
           <a:p>
-            <a:pPr marL="0" lvl="0" indent="0" algn="l" rtl="0">
+            <a:pPr indent="0" lvl="0" marL="0" rtl="0" algn="l">
               <a:spcBef>
                 <a:spcPts val="0"/>
               </a:spcBef>
@@ -918,7 +894,7 @@
               <a:buNone/>
             </a:pPr>
             <a:r>
-              <a:rPr lang="en-GB" b="1">
+              <a:rPr b="1" lang="en-GB">
                 <a:solidFill>
                   <a:schemeClr val="dk1"/>
                 </a:solidFill>
@@ -932,7 +908,7 @@
             </a:endParaRPr>
           </a:p>
           <a:p>
-            <a:pPr marL="0" lvl="0" indent="0" algn="l" rtl="0">
+            <a:pPr indent="0" lvl="0" marL="0" rtl="0" algn="l">
               <a:spcBef>
                 <a:spcPts val="0"/>
               </a:spcBef>
@@ -942,7 +918,7 @@
               <a:buNone/>
             </a:pPr>
             <a:r>
-              <a:rPr lang="en-GB" b="1">
+              <a:rPr b="1" lang="en-GB">
                 <a:solidFill>
                   <a:schemeClr val="dk1"/>
                 </a:solidFill>
@@ -955,7 +931,23 @@
                   <a:schemeClr val="dk1"/>
                 </a:solidFill>
               </a:rPr>
-              <a:t> is a global software company that provides tools, platforms, and solutions for businesses to build, deploy, and manage applications and digital experiences</a:t>
+              <a:t> </a:t>
+            </a:r>
+            <a:r>
+              <a:rPr lang="en-GB">
+                <a:solidFill>
+                  <a:schemeClr val="dk1"/>
+                </a:solidFill>
+              </a:rPr>
+              <a:t>תאגידים </a:t>
+            </a:r>
+            <a:r>
+              <a:rPr lang="en-GB">
+                <a:solidFill>
+                  <a:schemeClr val="dk1"/>
+                </a:solidFill>
+              </a:rPr>
+              <a:t>is a global software company that provides tools, platforms, and solutions for businesses to build, deploy, and manage applications and digital experiences</a:t>
             </a:r>
             <a:endParaRPr>
               <a:solidFill>
@@ -964,7 +956,7 @@
             </a:endParaRPr>
           </a:p>
           <a:p>
-            <a:pPr marL="0" lvl="0" indent="0" algn="l" rtl="0">
+            <a:pPr indent="0" lvl="0" marL="0" rtl="0" algn="l">
               <a:spcBef>
                 <a:spcPts val="0"/>
               </a:spcBef>
@@ -974,7 +966,7 @@
               <a:buNone/>
             </a:pPr>
             <a:r>
-              <a:rPr lang="en-GB" b="1">
+              <a:rPr b="1" lang="en-GB">
                 <a:solidFill>
                   <a:schemeClr val="dk1"/>
                 </a:solidFill>
@@ -987,7 +979,7 @@
                   <a:schemeClr val="dk1"/>
                 </a:solidFill>
               </a:rPr>
-              <a:t>A flagship product focused on delivering JavaScript-based UI components for frameworks like Angular, React, and Vue.</a:t>
+              <a:t>A flagship product מוצר דגל focused on delivering JavaScript-based UI components for frameworks like Angular, React, and Vue.</a:t>
             </a:r>
             <a:endParaRPr b="1">
               <a:solidFill>
@@ -996,7 +988,7 @@
             </a:endParaRPr>
           </a:p>
           <a:p>
-            <a:pPr marL="0" lvl="0" indent="0" algn="l" rtl="0">
+            <a:pPr indent="0" lvl="0" marL="0" rtl="0" algn="l">
               <a:spcBef>
                 <a:spcPts val="0"/>
               </a:spcBef>
@@ -1006,7 +998,7 @@
               <a:buNone/>
             </a:pPr>
             <a:r>
-              <a:rPr lang="en-GB" b="1">
+              <a:rPr b="1" lang="en-GB">
                 <a:solidFill>
                   <a:schemeClr val="dk1"/>
                 </a:solidFill>
@@ -1019,7 +1011,39 @@
                   <a:schemeClr val="dk1"/>
                 </a:solidFill>
               </a:rPr>
-              <a:t>is a popular open source web application framework developed by google and community of individual (אִישִׁי) developers and corporations (תאגידים - الشركات) it use to build dynamic and modern web applications - it use with css and js </a:t>
+              <a:t>is a popular open source web application framework developed by google and </a:t>
+            </a:r>
+            <a:r>
+              <a:rPr lang="en-GB">
+                <a:solidFill>
+                  <a:schemeClr val="dk1"/>
+                </a:solidFill>
+              </a:rPr>
+              <a:t>community</a:t>
+            </a:r>
+            <a:r>
+              <a:rPr lang="en-GB">
+                <a:solidFill>
+                  <a:schemeClr val="dk1"/>
+                </a:solidFill>
+              </a:rPr>
+              <a:t> of </a:t>
+            </a:r>
+            <a:r>
+              <a:rPr lang="en-GB">
+                <a:solidFill>
+                  <a:schemeClr val="dk1"/>
+                </a:solidFill>
+              </a:rPr>
+              <a:t>individual</a:t>
+            </a:r>
+            <a:r>
+              <a:rPr lang="en-GB">
+                <a:solidFill>
+                  <a:schemeClr val="dk1"/>
+                </a:solidFill>
+              </a:rPr>
+              <a:t> (אִישִׁי) developers and corporations (תאגידים - الشركات) it use to build dynamic and modern web applications - it use with css and js </a:t>
             </a:r>
             <a:endParaRPr>
               <a:solidFill>
@@ -1028,7 +1052,7 @@
             </a:endParaRPr>
           </a:p>
           <a:p>
-            <a:pPr marL="457200" lvl="0" indent="0" algn="l" rtl="0">
+            <a:pPr indent="0" lvl="0" marL="457200" rtl="0" algn="l">
               <a:lnSpc>
                 <a:spcPct val="115000"/>
               </a:lnSpc>
@@ -1045,6 +1069,9 @@
               <a:buFont typeface="Arial"/>
               <a:buNone/>
             </a:pPr>
+            <a:r>
+              <a:t/>
+            </a:r>
             <a:endParaRPr>
               <a:solidFill>
                 <a:schemeClr val="dk1"/>
@@ -1062,11 +1089,11 @@
 </file>
 
 <file path=ppt/notesSlides/notesSlide3.xml><?xml version="1.0" encoding="utf-8"?>
-<p:notes xmlns:a="http://schemas.openxmlformats.org/drawingml/2006/main" xmlns:r="http://schemas.openxmlformats.org/officeDocument/2006/relationships" xmlns:p="http://schemas.openxmlformats.org/presentationml/2006/main" showMasterSp="0" showMasterPhAnim="0">
+<p:notes xmlns:a="http://schemas.openxmlformats.org/drawingml/2006/main" xmlns:r="http://schemas.openxmlformats.org/officeDocument/2006/relationships" xmlns:mc="http://schemas.openxmlformats.org/markup-compatibility/2006" xmlns:mv="urn:schemas-microsoft-com:mac:vml" xmlns:p="http://schemas.openxmlformats.org/presentationml/2006/main" xmlns:c="http://schemas.openxmlformats.org/drawingml/2006/chart" xmlns:dgm="http://schemas.openxmlformats.org/drawingml/2006/diagram" xmlns:o="urn:schemas-microsoft-com:office:office" xmlns:v="urn:schemas-microsoft-com:vml" xmlns:pvml="urn:schemas-microsoft-com:office:powerpoint" xmlns:com="http://schemas.openxmlformats.org/drawingml/2006/compatibility" xmlns:p14="http://schemas.microsoft.com/office/powerpoint/2010/main" xmlns:p15="http://schemas.microsoft.com/office/powerpoint/2012/main" xmlns:ahyp="http://schemas.microsoft.com/office/drawing/2018/hyperlinkcolor" showMasterPhAnim="0" showMasterSp="0">
   <p:cSld>
     <p:spTree>
       <p:nvGrpSpPr>
-        <p:cNvPr id="1" name="Shape 70"/>
+        <p:cNvPr id="71" name="Shape 71"/>
         <p:cNvGrpSpPr/>
         <p:nvPr/>
       </p:nvGrpSpPr>
@@ -1080,12 +1107,10 @@
       </p:grpSpPr>
       <p:sp>
         <p:nvSpPr>
-          <p:cNvPr id="71" name="Google Shape;71;g31a6762a23b_0_116:notes"/>
-          <p:cNvSpPr>
-            <a:spLocks noGrp="1" noRot="1" noChangeAspect="1"/>
-          </p:cNvSpPr>
+          <p:cNvPr id="72" name="Google Shape;72;g31a6762a23b_0_116:notes"/>
+          <p:cNvSpPr/>
           <p:nvPr>
-            <p:ph type="sldImg" idx="2"/>
+            <p:ph idx="2" type="sldImg"/>
           </p:nvPr>
         </p:nvSpPr>
         <p:spPr>
@@ -1094,13 +1119,9 @@
             <a:ext cx="6096000" cy="3429000"/>
           </a:xfrm>
           <a:custGeom>
-            <a:avLst/>
-            <a:gdLst/>
-            <a:ahLst/>
-            <a:cxnLst/>
-            <a:rect l="l" t="t" r="r" b="b"/>
+            <a:rect b="b" l="l" r="r" t="t"/>
             <a:pathLst>
-              <a:path w="120000" h="120000" extrusionOk="0">
+              <a:path extrusionOk="0" h="120000" w="120000">
                 <a:moveTo>
                   <a:pt x="0" y="0"/>
                 </a:moveTo>
@@ -1121,12 +1142,10 @@
       </p:sp>
       <p:sp>
         <p:nvSpPr>
-          <p:cNvPr id="72" name="Google Shape;72;g31a6762a23b_0_116:notes"/>
-          <p:cNvSpPr txBox="1">
-            <a:spLocks noGrp="1"/>
-          </p:cNvSpPr>
+          <p:cNvPr id="73" name="Google Shape;73;g31a6762a23b_0_116:notes"/>
+          <p:cNvSpPr txBox="1"/>
           <p:nvPr>
-            <p:ph type="body" idx="1"/>
+            <p:ph idx="1" type="body"/>
           </p:nvPr>
         </p:nvSpPr>
         <p:spPr>
@@ -1139,12 +1158,12 @@
           </a:prstGeom>
         </p:spPr>
         <p:txBody>
-          <a:bodyPr spcFirstLastPara="1" wrap="square" lIns="91425" tIns="91425" rIns="91425" bIns="91425" anchor="t" anchorCtr="0">
+          <a:bodyPr anchorCtr="0" anchor="t" bIns="91425" lIns="91425" spcFirstLastPara="1" rIns="91425" wrap="square" tIns="91425">
             <a:noAutofit/>
           </a:bodyPr>
           <a:lstStyle/>
           <a:p>
-            <a:pPr marL="0" lvl="0" indent="0" algn="l" rtl="0">
+            <a:pPr indent="0" lvl="0" marL="0" rtl="0" algn="l">
               <a:spcBef>
                 <a:spcPts val="0"/>
               </a:spcBef>
@@ -1153,6 +1172,9 @@
               </a:spcAft>
               <a:buNone/>
             </a:pPr>
+            <a:r>
+              <a:t/>
+            </a:r>
             <a:endParaRPr/>
           </a:p>
         </p:txBody>
@@ -1166,11 +1188,11 @@
 </file>
 
 <file path=ppt/notesSlides/notesSlide4.xml><?xml version="1.0" encoding="utf-8"?>
-<p:notes xmlns:a="http://schemas.openxmlformats.org/drawingml/2006/main" xmlns:r="http://schemas.openxmlformats.org/officeDocument/2006/relationships" xmlns:p="http://schemas.openxmlformats.org/presentationml/2006/main" showMasterSp="0" showMasterPhAnim="0">
+<p:notes xmlns:a="http://schemas.openxmlformats.org/drawingml/2006/main" xmlns:r="http://schemas.openxmlformats.org/officeDocument/2006/relationships" xmlns:mc="http://schemas.openxmlformats.org/markup-compatibility/2006" xmlns:mv="urn:schemas-microsoft-com:mac:vml" xmlns:p="http://schemas.openxmlformats.org/presentationml/2006/main" xmlns:c="http://schemas.openxmlformats.org/drawingml/2006/chart" xmlns:dgm="http://schemas.openxmlformats.org/drawingml/2006/diagram" xmlns:o="urn:schemas-microsoft-com:office:office" xmlns:v="urn:schemas-microsoft-com:vml" xmlns:pvml="urn:schemas-microsoft-com:office:powerpoint" xmlns:com="http://schemas.openxmlformats.org/drawingml/2006/compatibility" xmlns:p14="http://schemas.microsoft.com/office/powerpoint/2010/main" xmlns:p15="http://schemas.microsoft.com/office/powerpoint/2012/main" xmlns:ahyp="http://schemas.microsoft.com/office/drawing/2018/hyperlinkcolor" showMasterPhAnim="0" showMasterSp="0">
   <p:cSld>
     <p:spTree>
       <p:nvGrpSpPr>
-        <p:cNvPr id="1" name="Shape 79"/>
+        <p:cNvPr id="80" name="Shape 80"/>
         <p:cNvGrpSpPr/>
         <p:nvPr/>
       </p:nvGrpSpPr>
@@ -1184,27 +1206,21 @@
       </p:grpSpPr>
       <p:sp>
         <p:nvSpPr>
-          <p:cNvPr id="80" name="Google Shape;80;g31a6762a23b_0_126:notes"/>
-          <p:cNvSpPr>
-            <a:spLocks noGrp="1" noRot="1" noChangeAspect="1"/>
-          </p:cNvSpPr>
+          <p:cNvPr id="81" name="Google Shape;81;g31a6762a23b_0_126:notes"/>
+          <p:cNvSpPr/>
           <p:nvPr>
-            <p:ph type="sldImg" idx="2"/>
+            <p:ph idx="2" type="sldImg"/>
           </p:nvPr>
         </p:nvSpPr>
         <p:spPr>
           <a:xfrm>
-            <a:off x="381000" y="685800"/>
+            <a:off x="381300" y="685800"/>
             <a:ext cx="6096000" cy="3429000"/>
           </a:xfrm>
           <a:custGeom>
-            <a:avLst/>
-            <a:gdLst/>
-            <a:ahLst/>
-            <a:cxnLst/>
-            <a:rect l="l" t="t" r="r" b="b"/>
+            <a:rect b="b" l="l" r="r" t="t"/>
             <a:pathLst>
-              <a:path w="120000" h="120000" extrusionOk="0">
+              <a:path extrusionOk="0" h="120000" w="120000">
                 <a:moveTo>
                   <a:pt x="0" y="0"/>
                 </a:moveTo>
@@ -1225,12 +1241,10 @@
       </p:sp>
       <p:sp>
         <p:nvSpPr>
-          <p:cNvPr id="81" name="Google Shape;81;g31a6762a23b_0_126:notes"/>
-          <p:cNvSpPr txBox="1">
-            <a:spLocks noGrp="1"/>
-          </p:cNvSpPr>
+          <p:cNvPr id="82" name="Google Shape;82;g31a6762a23b_0_126:notes"/>
+          <p:cNvSpPr txBox="1"/>
           <p:nvPr>
-            <p:ph type="body" idx="1"/>
+            <p:ph idx="1" type="body"/>
           </p:nvPr>
         </p:nvSpPr>
         <p:spPr>
@@ -1243,12 +1257,12 @@
           </a:prstGeom>
         </p:spPr>
         <p:txBody>
-          <a:bodyPr spcFirstLastPara="1" wrap="square" lIns="91425" tIns="91425" rIns="91425" bIns="91425" anchor="t" anchorCtr="0">
+          <a:bodyPr anchorCtr="0" anchor="t" bIns="91425" lIns="91425" spcFirstLastPara="1" rIns="91425" wrap="square" tIns="91425">
             <a:noAutofit/>
           </a:bodyPr>
           <a:lstStyle/>
           <a:p>
-            <a:pPr marL="0" lvl="0" indent="0" algn="l" rtl="0">
+            <a:pPr indent="0" lvl="0" marL="0" rtl="0" algn="l">
               <a:spcBef>
                 <a:spcPts val="0"/>
               </a:spcBef>
@@ -1257,6 +1271,9 @@
               </a:spcAft>
               <a:buNone/>
             </a:pPr>
+            <a:r>
+              <a:t/>
+            </a:r>
             <a:endParaRPr/>
           </a:p>
         </p:txBody>
@@ -1270,11 +1287,11 @@
 </file>
 
 <file path=ppt/notesSlides/notesSlide5.xml><?xml version="1.0" encoding="utf-8"?>
-<p:notes xmlns:a="http://schemas.openxmlformats.org/drawingml/2006/main" xmlns:r="http://schemas.openxmlformats.org/officeDocument/2006/relationships" xmlns:p="http://schemas.openxmlformats.org/presentationml/2006/main" showMasterSp="0" showMasterPhAnim="0">
+<p:notes xmlns:a="http://schemas.openxmlformats.org/drawingml/2006/main" xmlns:r="http://schemas.openxmlformats.org/officeDocument/2006/relationships" xmlns:mc="http://schemas.openxmlformats.org/markup-compatibility/2006" xmlns:mv="urn:schemas-microsoft-com:mac:vml" xmlns:p="http://schemas.openxmlformats.org/presentationml/2006/main" xmlns:c="http://schemas.openxmlformats.org/drawingml/2006/chart" xmlns:dgm="http://schemas.openxmlformats.org/drawingml/2006/diagram" xmlns:o="urn:schemas-microsoft-com:office:office" xmlns:v="urn:schemas-microsoft-com:vml" xmlns:pvml="urn:schemas-microsoft-com:office:powerpoint" xmlns:com="http://schemas.openxmlformats.org/drawingml/2006/compatibility" xmlns:p14="http://schemas.microsoft.com/office/powerpoint/2010/main" xmlns:p15="http://schemas.microsoft.com/office/powerpoint/2012/main" xmlns:ahyp="http://schemas.microsoft.com/office/drawing/2018/hyperlinkcolor" showMasterPhAnim="0" showMasterSp="0">
   <p:cSld>
     <p:spTree>
       <p:nvGrpSpPr>
-        <p:cNvPr id="1" name="Shape 86"/>
+        <p:cNvPr id="87" name="Shape 87"/>
         <p:cNvGrpSpPr/>
         <p:nvPr/>
       </p:nvGrpSpPr>
@@ -1288,12 +1305,10 @@
       </p:grpSpPr>
       <p:sp>
         <p:nvSpPr>
-          <p:cNvPr id="87" name="Google Shape;87;g31a6762a23b_0_146:notes"/>
-          <p:cNvSpPr>
-            <a:spLocks noGrp="1" noRot="1" noChangeAspect="1"/>
-          </p:cNvSpPr>
+          <p:cNvPr id="88" name="Google Shape;88;g31a6762a23b_0_146:notes"/>
+          <p:cNvSpPr/>
           <p:nvPr>
-            <p:ph type="sldImg" idx="2"/>
+            <p:ph idx="2" type="sldImg"/>
           </p:nvPr>
         </p:nvSpPr>
         <p:spPr>
@@ -1302,13 +1317,9 @@
             <a:ext cx="6096000" cy="3429000"/>
           </a:xfrm>
           <a:custGeom>
-            <a:avLst/>
-            <a:gdLst/>
-            <a:ahLst/>
-            <a:cxnLst/>
-            <a:rect l="l" t="t" r="r" b="b"/>
+            <a:rect b="b" l="l" r="r" t="t"/>
             <a:pathLst>
-              <a:path w="120000" h="120000" extrusionOk="0">
+              <a:path extrusionOk="0" h="120000" w="120000">
                 <a:moveTo>
                   <a:pt x="0" y="0"/>
                 </a:moveTo>
@@ -1329,12 +1340,10 @@
       </p:sp>
       <p:sp>
         <p:nvSpPr>
-          <p:cNvPr id="88" name="Google Shape;88;g31a6762a23b_0_146:notes"/>
-          <p:cNvSpPr txBox="1">
-            <a:spLocks noGrp="1"/>
-          </p:cNvSpPr>
+          <p:cNvPr id="89" name="Google Shape;89;g31a6762a23b_0_146:notes"/>
+          <p:cNvSpPr txBox="1"/>
           <p:nvPr>
-            <p:ph type="body" idx="1"/>
+            <p:ph idx="1" type="body"/>
           </p:nvPr>
         </p:nvSpPr>
         <p:spPr>
@@ -1347,12 +1356,12 @@
           </a:prstGeom>
         </p:spPr>
         <p:txBody>
-          <a:bodyPr spcFirstLastPara="1" wrap="square" lIns="91425" tIns="91425" rIns="91425" bIns="91425" anchor="t" anchorCtr="0">
+          <a:bodyPr anchorCtr="0" anchor="t" bIns="91425" lIns="91425" spcFirstLastPara="1" rIns="91425" wrap="square" tIns="91425">
             <a:noAutofit/>
           </a:bodyPr>
           <a:lstStyle/>
           <a:p>
-            <a:pPr marL="0" lvl="0" indent="0" algn="l" rtl="0">
+            <a:pPr indent="0" lvl="0" marL="0" rtl="0" algn="l">
               <a:spcBef>
                 <a:spcPts val="0"/>
               </a:spcBef>
@@ -1361,6 +1370,9 @@
               </a:spcAft>
               <a:buNone/>
             </a:pPr>
+            <a:r>
+              <a:t/>
+            </a:r>
             <a:endParaRPr/>
           </a:p>
         </p:txBody>
@@ -1374,11 +1386,11 @@
 </file>
 
 <file path=ppt/notesSlides/notesSlide6.xml><?xml version="1.0" encoding="utf-8"?>
-<p:notes xmlns:a="http://schemas.openxmlformats.org/drawingml/2006/main" xmlns:r="http://schemas.openxmlformats.org/officeDocument/2006/relationships" xmlns:p="http://schemas.openxmlformats.org/presentationml/2006/main" showMasterSp="0" showMasterPhAnim="0">
+<p:notes xmlns:a="http://schemas.openxmlformats.org/drawingml/2006/main" xmlns:r="http://schemas.openxmlformats.org/officeDocument/2006/relationships" xmlns:mc="http://schemas.openxmlformats.org/markup-compatibility/2006" xmlns:mv="urn:schemas-microsoft-com:mac:vml" xmlns:p="http://schemas.openxmlformats.org/presentationml/2006/main" xmlns:c="http://schemas.openxmlformats.org/drawingml/2006/chart" xmlns:dgm="http://schemas.openxmlformats.org/drawingml/2006/diagram" xmlns:o="urn:schemas-microsoft-com:office:office" xmlns:v="urn:schemas-microsoft-com:vml" xmlns:pvml="urn:schemas-microsoft-com:office:powerpoint" xmlns:com="http://schemas.openxmlformats.org/drawingml/2006/compatibility" xmlns:p14="http://schemas.microsoft.com/office/powerpoint/2010/main" xmlns:p15="http://schemas.microsoft.com/office/powerpoint/2012/main" xmlns:ahyp="http://schemas.microsoft.com/office/drawing/2018/hyperlinkcolor" showMasterPhAnim="0" showMasterSp="0">
   <p:cSld>
     <p:spTree>
       <p:nvGrpSpPr>
-        <p:cNvPr id="1" name="Shape 100"/>
+        <p:cNvPr id="102" name="Shape 102"/>
         <p:cNvGrpSpPr/>
         <p:nvPr/>
       </p:nvGrpSpPr>
@@ -1392,27 +1404,21 @@
       </p:grpSpPr>
       <p:sp>
         <p:nvSpPr>
-          <p:cNvPr id="101" name="Google Shape;101;g2d63b4b19cf_0_0:notes"/>
-          <p:cNvSpPr>
-            <a:spLocks noGrp="1" noRot="1" noChangeAspect="1"/>
-          </p:cNvSpPr>
+          <p:cNvPr id="103" name="Google Shape;103;g31b9f693c2d_0_5:notes"/>
+          <p:cNvSpPr/>
           <p:nvPr>
-            <p:ph type="sldImg" idx="2"/>
+            <p:ph idx="2" type="sldImg"/>
           </p:nvPr>
         </p:nvSpPr>
         <p:spPr>
           <a:xfrm>
-            <a:off x="381000" y="685800"/>
+            <a:off x="381300" y="685800"/>
             <a:ext cx="6096000" cy="3429000"/>
           </a:xfrm>
           <a:custGeom>
-            <a:avLst/>
-            <a:gdLst/>
-            <a:ahLst/>
-            <a:cxnLst/>
-            <a:rect l="l" t="t" r="r" b="b"/>
+            <a:rect b="b" l="l" r="r" t="t"/>
             <a:pathLst>
-              <a:path w="120000" h="120000" extrusionOk="0">
+              <a:path extrusionOk="0" h="120000" w="120000">
                 <a:moveTo>
                   <a:pt x="0" y="0"/>
                 </a:moveTo>
@@ -1433,12 +1439,10 @@
       </p:sp>
       <p:sp>
         <p:nvSpPr>
-          <p:cNvPr id="102" name="Google Shape;102;g2d63b4b19cf_0_0:notes"/>
-          <p:cNvSpPr txBox="1">
-            <a:spLocks noGrp="1"/>
-          </p:cNvSpPr>
+          <p:cNvPr id="104" name="Google Shape;104;g31b9f693c2d_0_5:notes"/>
+          <p:cNvSpPr txBox="1"/>
           <p:nvPr>
-            <p:ph type="body" idx="1"/>
+            <p:ph idx="1" type="body"/>
           </p:nvPr>
         </p:nvSpPr>
         <p:spPr>
@@ -1451,21 +1455,166 @@
           </a:prstGeom>
         </p:spPr>
         <p:txBody>
-          <a:bodyPr spcFirstLastPara="1" wrap="square" lIns="91425" tIns="91425" rIns="91425" bIns="91425" anchor="t" anchorCtr="0">
+          <a:bodyPr anchorCtr="0" anchor="t" bIns="91425" lIns="91425" spcFirstLastPara="1" rIns="91425" wrap="square" tIns="91425">
             <a:noAutofit/>
           </a:bodyPr>
           <a:lstStyle/>
           <a:p>
-            <a:pPr marL="0" lvl="0" indent="0" algn="l" rtl="0">
-              <a:spcBef>
-                <a:spcPts val="0"/>
-              </a:spcBef>
-              <a:spcAft>
-                <a:spcPts val="0"/>
-              </a:spcAft>
+            <a:pPr indent="0" lvl="0" marL="0" rtl="1" algn="ctr">
+              <a:spcBef>
+                <a:spcPts val="0"/>
+              </a:spcBef>
+              <a:spcAft>
+                <a:spcPts val="0"/>
+              </a:spcAft>
+              <a:buClr>
+                <a:schemeClr val="dk1"/>
+              </a:buClr>
+              <a:buSzPts val="1100"/>
+              <a:buFont typeface="Arial"/>
               <a:buNone/>
             </a:pPr>
-            <a:endParaRPr/>
+            <a:r>
+              <a:rPr lang="en-GB" sz="1200">
+                <a:solidFill>
+                  <a:schemeClr val="dk1"/>
+                </a:solidFill>
+              </a:rPr>
+              <a:t>לכל שדה נמצא באחד מFORM יצירת קשר, או חשבון יש שלושה אופציות קיימות: </a:t>
+            </a:r>
+            <a:endParaRPr sz="1200">
+              <a:solidFill>
+                <a:schemeClr val="dk1"/>
+              </a:solidFill>
+            </a:endParaRPr>
+          </a:p>
+          <a:p>
+            <a:pPr indent="-304800" lvl="0" marL="457200" rtl="1" algn="ctr">
+              <a:spcBef>
+                <a:spcPts val="0"/>
+              </a:spcBef>
+              <a:spcAft>
+                <a:spcPts val="0"/>
+              </a:spcAft>
+              <a:buClr>
+                <a:schemeClr val="dk1"/>
+              </a:buClr>
+              <a:buSzPts val="1200"/>
+              <a:buAutoNum type="arabicPeriod"/>
+            </a:pPr>
+            <a:r>
+              <a:rPr lang="en-GB" sz="1200">
+                <a:solidFill>
+                  <a:schemeClr val="dk1"/>
+                </a:solidFill>
+              </a:rPr>
+              <a:t>שדה רק</a:t>
+            </a:r>
+            <a:endParaRPr sz="1200">
+              <a:solidFill>
+                <a:schemeClr val="dk1"/>
+              </a:solidFill>
+            </a:endParaRPr>
+          </a:p>
+          <a:p>
+            <a:pPr indent="-304800" lvl="0" marL="457200" rtl="1" algn="ctr">
+              <a:spcBef>
+                <a:spcPts val="0"/>
+              </a:spcBef>
+              <a:spcAft>
+                <a:spcPts val="0"/>
+              </a:spcAft>
+              <a:buClr>
+                <a:schemeClr val="dk1"/>
+              </a:buClr>
+              <a:buSzPts val="1200"/>
+              <a:buAutoNum type="arabicPeriod"/>
+            </a:pPr>
+            <a:r>
+              <a:rPr lang="en-GB" sz="1200">
+                <a:solidFill>
+                  <a:schemeClr val="dk1"/>
+                </a:solidFill>
+              </a:rPr>
+              <a:t>ערך שגוי</a:t>
+            </a:r>
+            <a:endParaRPr sz="1200">
+              <a:solidFill>
+                <a:schemeClr val="dk1"/>
+              </a:solidFill>
+            </a:endParaRPr>
+          </a:p>
+          <a:p>
+            <a:pPr indent="-304800" lvl="0" marL="457200" rtl="1" algn="ctr">
+              <a:spcBef>
+                <a:spcPts val="0"/>
+              </a:spcBef>
+              <a:spcAft>
+                <a:spcPts val="0"/>
+              </a:spcAft>
+              <a:buClr>
+                <a:schemeClr val="dk1"/>
+              </a:buClr>
+              <a:buSzPts val="1200"/>
+              <a:buAutoNum type="arabicPeriod"/>
+            </a:pPr>
+            <a:r>
+              <a:rPr lang="en-GB" sz="1200">
+                <a:solidFill>
+                  <a:schemeClr val="dk1"/>
+                </a:solidFill>
+              </a:rPr>
+              <a:t>ערך תקין </a:t>
+            </a:r>
+            <a:endParaRPr sz="1200">
+              <a:solidFill>
+                <a:schemeClr val="dk1"/>
+              </a:solidFill>
+            </a:endParaRPr>
+          </a:p>
+          <a:p>
+            <a:pPr indent="0" lvl="0" marL="457200" rtl="1" algn="ctr">
+              <a:spcBef>
+                <a:spcPts val="0"/>
+              </a:spcBef>
+              <a:spcAft>
+                <a:spcPts val="0"/>
+              </a:spcAft>
+              <a:buClr>
+                <a:schemeClr val="dk1"/>
+              </a:buClr>
+              <a:buSzPts val="1100"/>
+              <a:buFont typeface="Arial"/>
+              <a:buNone/>
+            </a:pPr>
+            <a:r>
+              <a:rPr lang="en-GB" sz="1200">
+                <a:solidFill>
+                  <a:schemeClr val="dk1"/>
+                </a:solidFill>
+              </a:rPr>
+              <a:t>למשל שדה של השם הראשון המשתמש יכול לא לשים שם (שדה ריק) הכניס שם עם תווים מיוחדים, או שם תקין   </a:t>
+            </a:r>
+            <a:endParaRPr sz="1200">
+              <a:solidFill>
+                <a:schemeClr val="dk1"/>
+              </a:solidFill>
+            </a:endParaRPr>
+          </a:p>
+          <a:p>
+            <a:pPr indent="0" lvl="0" marL="0" rtl="0" algn="l">
+              <a:spcBef>
+                <a:spcPts val="0"/>
+              </a:spcBef>
+              <a:spcAft>
+                <a:spcPts val="0"/>
+              </a:spcAft>
+              <a:buNone/>
+            </a:pPr>
+            <a:r>
+              <a:t/>
+            </a:r>
+            <a:endParaRPr sz="1200"/>
           </a:p>
         </p:txBody>
       </p:sp>
@@ -1478,11 +1627,11 @@
 </file>
 
 <file path=ppt/notesSlides/notesSlide7.xml><?xml version="1.0" encoding="utf-8"?>
-<p:notes xmlns:a="http://schemas.openxmlformats.org/drawingml/2006/main" xmlns:r="http://schemas.openxmlformats.org/officeDocument/2006/relationships" xmlns:p="http://schemas.openxmlformats.org/presentationml/2006/main" showMasterSp="0" showMasterPhAnim="0">
+<p:notes xmlns:a="http://schemas.openxmlformats.org/drawingml/2006/main" xmlns:r="http://schemas.openxmlformats.org/officeDocument/2006/relationships" xmlns:mc="http://schemas.openxmlformats.org/markup-compatibility/2006" xmlns:mv="urn:schemas-microsoft-com:mac:vml" xmlns:p="http://schemas.openxmlformats.org/presentationml/2006/main" xmlns:c="http://schemas.openxmlformats.org/drawingml/2006/chart" xmlns:dgm="http://schemas.openxmlformats.org/drawingml/2006/diagram" xmlns:o="urn:schemas-microsoft-com:office:office" xmlns:v="urn:schemas-microsoft-com:vml" xmlns:pvml="urn:schemas-microsoft-com:office:powerpoint" xmlns:com="http://schemas.openxmlformats.org/drawingml/2006/compatibility" xmlns:p14="http://schemas.microsoft.com/office/powerpoint/2010/main" xmlns:p15="http://schemas.microsoft.com/office/powerpoint/2012/main" xmlns:ahyp="http://schemas.microsoft.com/office/drawing/2018/hyperlinkcolor" showMasterPhAnim="0" showMasterSp="0">
   <p:cSld>
     <p:spTree>
       <p:nvGrpSpPr>
-        <p:cNvPr id="1" name="Shape 105"/>
+        <p:cNvPr id="116" name="Shape 116"/>
         <p:cNvGrpSpPr/>
         <p:nvPr/>
       </p:nvGrpSpPr>
@@ -1496,12 +1645,10 @@
       </p:grpSpPr>
       <p:sp>
         <p:nvSpPr>
-          <p:cNvPr id="106" name="Google Shape;106;g31a6762a23b_0_28:notes"/>
-          <p:cNvSpPr>
-            <a:spLocks noGrp="1" noRot="1" noChangeAspect="1"/>
-          </p:cNvSpPr>
+          <p:cNvPr id="117" name="Google Shape;117;g2a46bc62006_0_0:notes"/>
+          <p:cNvSpPr/>
           <p:nvPr>
-            <p:ph type="sldImg" idx="2"/>
+            <p:ph idx="2" type="sldImg"/>
           </p:nvPr>
         </p:nvSpPr>
         <p:spPr>
@@ -1510,13 +1657,9 @@
             <a:ext cx="6096000" cy="3429000"/>
           </a:xfrm>
           <a:custGeom>
-            <a:avLst/>
-            <a:gdLst/>
-            <a:ahLst/>
-            <a:cxnLst/>
-            <a:rect l="l" t="t" r="r" b="b"/>
+            <a:rect b="b" l="l" r="r" t="t"/>
             <a:pathLst>
-              <a:path w="120000" h="120000" extrusionOk="0">
+              <a:path extrusionOk="0" h="120000" w="120000">
                 <a:moveTo>
                   <a:pt x="0" y="0"/>
                 </a:moveTo>
@@ -1537,12 +1680,10 @@
       </p:sp>
       <p:sp>
         <p:nvSpPr>
-          <p:cNvPr id="107" name="Google Shape;107;g31a6762a23b_0_28:notes"/>
-          <p:cNvSpPr txBox="1">
-            <a:spLocks noGrp="1"/>
-          </p:cNvSpPr>
+          <p:cNvPr id="118" name="Google Shape;118;g2a46bc62006_0_0:notes"/>
+          <p:cNvSpPr txBox="1"/>
           <p:nvPr>
-            <p:ph type="body" idx="1"/>
+            <p:ph idx="1" type="body"/>
           </p:nvPr>
         </p:nvSpPr>
         <p:spPr>
@@ -1555,12 +1696,12 @@
           </a:prstGeom>
         </p:spPr>
         <p:txBody>
-          <a:bodyPr spcFirstLastPara="1" wrap="square" lIns="91425" tIns="91425" rIns="91425" bIns="91425" anchor="t" anchorCtr="0">
+          <a:bodyPr anchorCtr="0" anchor="t" bIns="91425" lIns="91425" spcFirstLastPara="1" rIns="91425" wrap="square" tIns="91425">
             <a:noAutofit/>
           </a:bodyPr>
           <a:lstStyle/>
           <a:p>
-            <a:pPr marL="0" lvl="0" indent="0" algn="l" rtl="0">
+            <a:pPr indent="0" lvl="0" marL="0" rtl="0" algn="l">
               <a:spcBef>
                 <a:spcPts val="0"/>
               </a:spcBef>
@@ -1569,6 +1710,208 @@
               </a:spcAft>
               <a:buNone/>
             </a:pPr>
+            <a:r>
+              <a:rPr lang="en-GB"/>
+              <a:t>Allure Report is a flexible, lightweight, and popular framework for test reporting in software development. </a:t>
+            </a:r>
+            <a:endParaRPr/>
+          </a:p>
+        </p:txBody>
+      </p:sp>
+    </p:spTree>
+  </p:cSld>
+  <p:clrMapOvr>
+    <a:masterClrMapping/>
+  </p:clrMapOvr>
+</p:notes>
+</file>
+
+<file path=ppt/notesSlides/notesSlide8.xml><?xml version="1.0" encoding="utf-8"?>
+<p:notes xmlns:a="http://schemas.openxmlformats.org/drawingml/2006/main" xmlns:r="http://schemas.openxmlformats.org/officeDocument/2006/relationships" xmlns:mc="http://schemas.openxmlformats.org/markup-compatibility/2006" xmlns:mv="urn:schemas-microsoft-com:mac:vml" xmlns:p="http://schemas.openxmlformats.org/presentationml/2006/main" xmlns:c="http://schemas.openxmlformats.org/drawingml/2006/chart" xmlns:dgm="http://schemas.openxmlformats.org/drawingml/2006/diagram" xmlns:o="urn:schemas-microsoft-com:office:office" xmlns:v="urn:schemas-microsoft-com:vml" xmlns:pvml="urn:schemas-microsoft-com:office:powerpoint" xmlns:com="http://schemas.openxmlformats.org/drawingml/2006/compatibility" xmlns:p14="http://schemas.microsoft.com/office/powerpoint/2010/main" xmlns:p15="http://schemas.microsoft.com/office/powerpoint/2012/main" xmlns:ahyp="http://schemas.microsoft.com/office/drawing/2018/hyperlinkcolor" showMasterPhAnim="0" showMasterSp="0">
+  <p:cSld>
+    <p:spTree>
+      <p:nvGrpSpPr>
+        <p:cNvPr id="124" name="Shape 124"/>
+        <p:cNvGrpSpPr/>
+        <p:nvPr/>
+      </p:nvGrpSpPr>
+      <p:grpSpPr>
+        <a:xfrm>
+          <a:off x="0" y="0"/>
+          <a:ext cx="0" cy="0"/>
+          <a:chOff x="0" y="0"/>
+          <a:chExt cx="0" cy="0"/>
+        </a:xfrm>
+      </p:grpSpPr>
+      <p:sp>
+        <p:nvSpPr>
+          <p:cNvPr id="125" name="Google Shape;125;g2d63b4b19cf_0_0:notes"/>
+          <p:cNvSpPr/>
+          <p:nvPr>
+            <p:ph idx="2" type="sldImg"/>
+          </p:nvPr>
+        </p:nvSpPr>
+        <p:spPr>
+          <a:xfrm>
+            <a:off x="381300" y="685800"/>
+            <a:ext cx="6096000" cy="3429000"/>
+          </a:xfrm>
+          <a:custGeom>
+            <a:rect b="b" l="l" r="r" t="t"/>
+            <a:pathLst>
+              <a:path extrusionOk="0" h="120000" w="120000">
+                <a:moveTo>
+                  <a:pt x="0" y="0"/>
+                </a:moveTo>
+                <a:lnTo>
+                  <a:pt x="120000" y="0"/>
+                </a:lnTo>
+                <a:lnTo>
+                  <a:pt x="120000" y="120000"/>
+                </a:lnTo>
+                <a:lnTo>
+                  <a:pt x="0" y="120000"/>
+                </a:lnTo>
+                <a:close/>
+              </a:path>
+            </a:pathLst>
+          </a:custGeom>
+        </p:spPr>
+      </p:sp>
+      <p:sp>
+        <p:nvSpPr>
+          <p:cNvPr id="126" name="Google Shape;126;g2d63b4b19cf_0_0:notes"/>
+          <p:cNvSpPr txBox="1"/>
+          <p:nvPr>
+            <p:ph idx="1" type="body"/>
+          </p:nvPr>
+        </p:nvSpPr>
+        <p:spPr>
+          <a:xfrm>
+            <a:off x="685800" y="4343400"/>
+            <a:ext cx="5486400" cy="4114800"/>
+          </a:xfrm>
+          <a:prstGeom prst="rect">
+            <a:avLst/>
+          </a:prstGeom>
+        </p:spPr>
+        <p:txBody>
+          <a:bodyPr anchorCtr="0" anchor="t" bIns="91425" lIns="91425" spcFirstLastPara="1" rIns="91425" wrap="square" tIns="91425">
+            <a:noAutofit/>
+          </a:bodyPr>
+          <a:lstStyle/>
+          <a:p>
+            <a:pPr indent="0" lvl="0" marL="0" rtl="0" algn="l">
+              <a:spcBef>
+                <a:spcPts val="0"/>
+              </a:spcBef>
+              <a:spcAft>
+                <a:spcPts val="0"/>
+              </a:spcAft>
+              <a:buNone/>
+            </a:pPr>
+            <a:r>
+              <a:t/>
+            </a:r>
+            <a:endParaRPr/>
+          </a:p>
+        </p:txBody>
+      </p:sp>
+    </p:spTree>
+  </p:cSld>
+  <p:clrMapOvr>
+    <a:masterClrMapping/>
+  </p:clrMapOvr>
+</p:notes>
+</file>
+
+<file path=ppt/notesSlides/notesSlide9.xml><?xml version="1.0" encoding="utf-8"?>
+<p:notes xmlns:a="http://schemas.openxmlformats.org/drawingml/2006/main" xmlns:r="http://schemas.openxmlformats.org/officeDocument/2006/relationships" xmlns:mc="http://schemas.openxmlformats.org/markup-compatibility/2006" xmlns:mv="urn:schemas-microsoft-com:mac:vml" xmlns:p="http://schemas.openxmlformats.org/presentationml/2006/main" xmlns:c="http://schemas.openxmlformats.org/drawingml/2006/chart" xmlns:dgm="http://schemas.openxmlformats.org/drawingml/2006/diagram" xmlns:o="urn:schemas-microsoft-com:office:office" xmlns:v="urn:schemas-microsoft-com:vml" xmlns:pvml="urn:schemas-microsoft-com:office:powerpoint" xmlns:com="http://schemas.openxmlformats.org/drawingml/2006/compatibility" xmlns:p14="http://schemas.microsoft.com/office/powerpoint/2010/main" xmlns:p15="http://schemas.microsoft.com/office/powerpoint/2012/main" xmlns:ahyp="http://schemas.microsoft.com/office/drawing/2018/hyperlinkcolor" showMasterPhAnim="0" showMasterSp="0">
+  <p:cSld>
+    <p:spTree>
+      <p:nvGrpSpPr>
+        <p:cNvPr id="129" name="Shape 129"/>
+        <p:cNvGrpSpPr/>
+        <p:nvPr/>
+      </p:nvGrpSpPr>
+      <p:grpSpPr>
+        <a:xfrm>
+          <a:off x="0" y="0"/>
+          <a:ext cx="0" cy="0"/>
+          <a:chOff x="0" y="0"/>
+          <a:chExt cx="0" cy="0"/>
+        </a:xfrm>
+      </p:grpSpPr>
+      <p:sp>
+        <p:nvSpPr>
+          <p:cNvPr id="130" name="Google Shape;130;g31a6762a23b_0_28:notes"/>
+          <p:cNvSpPr/>
+          <p:nvPr>
+            <p:ph idx="2" type="sldImg"/>
+          </p:nvPr>
+        </p:nvSpPr>
+        <p:spPr>
+          <a:xfrm>
+            <a:off x="381300" y="685800"/>
+            <a:ext cx="6096000" cy="3429000"/>
+          </a:xfrm>
+          <a:custGeom>
+            <a:rect b="b" l="l" r="r" t="t"/>
+            <a:pathLst>
+              <a:path extrusionOk="0" h="120000" w="120000">
+                <a:moveTo>
+                  <a:pt x="0" y="0"/>
+                </a:moveTo>
+                <a:lnTo>
+                  <a:pt x="120000" y="0"/>
+                </a:lnTo>
+                <a:lnTo>
+                  <a:pt x="120000" y="120000"/>
+                </a:lnTo>
+                <a:lnTo>
+                  <a:pt x="0" y="120000"/>
+                </a:lnTo>
+                <a:close/>
+              </a:path>
+            </a:pathLst>
+          </a:custGeom>
+        </p:spPr>
+      </p:sp>
+      <p:sp>
+        <p:nvSpPr>
+          <p:cNvPr id="131" name="Google Shape;131;g31a6762a23b_0_28:notes"/>
+          <p:cNvSpPr txBox="1"/>
+          <p:nvPr>
+            <p:ph idx="1" type="body"/>
+          </p:nvPr>
+        </p:nvSpPr>
+        <p:spPr>
+          <a:xfrm>
+            <a:off x="685800" y="4343400"/>
+            <a:ext cx="5486400" cy="4114800"/>
+          </a:xfrm>
+          <a:prstGeom prst="rect">
+            <a:avLst/>
+          </a:prstGeom>
+        </p:spPr>
+        <p:txBody>
+          <a:bodyPr anchorCtr="0" anchor="t" bIns="91425" lIns="91425" spcFirstLastPara="1" rIns="91425" wrap="square" tIns="91425">
+            <a:noAutofit/>
+          </a:bodyPr>
+          <a:lstStyle/>
+          <a:p>
+            <a:pPr indent="0" lvl="0" marL="0" rtl="0" algn="l">
+              <a:spcBef>
+                <a:spcPts val="0"/>
+              </a:spcBef>
+              <a:spcAft>
+                <a:spcPts val="0"/>
+              </a:spcAft>
+              <a:buNone/>
+            </a:pPr>
+            <a:r>
+              <a:t/>
+            </a:r>
             <a:endParaRPr/>
           </a:p>
         </p:txBody>
@@ -1582,11 +1925,11 @@
 </file>
 
 <file path=ppt/slideLayouts/slideLayout1.xml><?xml version="1.0" encoding="utf-8"?>
-<p:sldLayout xmlns:a="http://schemas.openxmlformats.org/drawingml/2006/main" xmlns:r="http://schemas.openxmlformats.org/officeDocument/2006/relationships" xmlns:p="http://schemas.openxmlformats.org/presentationml/2006/main" matchingName="Title slide" type="title">
+<p:sldLayout xmlns:a="http://schemas.openxmlformats.org/drawingml/2006/main" xmlns:r="http://schemas.openxmlformats.org/officeDocument/2006/relationships" xmlns:mc="http://schemas.openxmlformats.org/markup-compatibility/2006" xmlns:mv="urn:schemas-microsoft-com:mac:vml" xmlns:p="http://schemas.openxmlformats.org/presentationml/2006/main" xmlns:c="http://schemas.openxmlformats.org/drawingml/2006/chart" xmlns:dgm="http://schemas.openxmlformats.org/drawingml/2006/diagram" xmlns:o="urn:schemas-microsoft-com:office:office" xmlns:v="urn:schemas-microsoft-com:vml" xmlns:pvml="urn:schemas-microsoft-com:office:powerpoint" xmlns:com="http://schemas.openxmlformats.org/drawingml/2006/compatibility" xmlns:p14="http://schemas.microsoft.com/office/powerpoint/2010/main" xmlns:p15="http://schemas.microsoft.com/office/powerpoint/2012/main" xmlns:ahyp="http://schemas.microsoft.com/office/drawing/2018/hyperlinkcolor" matchingName="Title slide" type="title">
   <p:cSld name="TITLE">
     <p:spTree>
       <p:nvGrpSpPr>
-        <p:cNvPr id="1" name="Shape 9"/>
+        <p:cNvPr id="9" name="Shape 9"/>
         <p:cNvGrpSpPr/>
         <p:nvPr/>
       </p:nvGrpSpPr>
@@ -1601,9 +1944,7 @@
       <p:sp>
         <p:nvSpPr>
           <p:cNvPr id="10" name="Google Shape;10;p2"/>
-          <p:cNvSpPr txBox="1">
-            <a:spLocks noGrp="1"/>
-          </p:cNvSpPr>
+          <p:cNvSpPr txBox="1"/>
           <p:nvPr>
             <p:ph type="ctrTitle"/>
           </p:nvPr>
@@ -1618,7 +1959,7 @@
           </a:prstGeom>
         </p:spPr>
         <p:txBody>
-          <a:bodyPr spcFirstLastPara="1" wrap="square" lIns="91425" tIns="91425" rIns="91425" bIns="91425" anchor="b" anchorCtr="0">
+          <a:bodyPr anchorCtr="0" anchor="b" bIns="91425" lIns="91425" spcFirstLastPara="1" rIns="91425" wrap="square" tIns="91425">
             <a:normAutofit/>
           </a:bodyPr>
           <a:lstStyle>
@@ -1722,19 +2063,15 @@
               <a:defRPr sz="5200"/>
             </a:lvl9pPr>
           </a:lstStyle>
-          <a:p>
-            <a:endParaRPr/>
-          </a:p>
+          <a:p/>
         </p:txBody>
       </p:sp>
       <p:sp>
         <p:nvSpPr>
           <p:cNvPr id="11" name="Google Shape;11;p2"/>
-          <p:cNvSpPr txBox="1">
-            <a:spLocks noGrp="1"/>
-          </p:cNvSpPr>
+          <p:cNvSpPr txBox="1"/>
           <p:nvPr>
-            <p:ph type="subTitle" idx="1"/>
+            <p:ph idx="1" type="subTitle"/>
           </p:nvPr>
         </p:nvSpPr>
         <p:spPr>
@@ -1747,7 +2084,7 @@
           </a:prstGeom>
         </p:spPr>
         <p:txBody>
-          <a:bodyPr spcFirstLastPara="1" wrap="square" lIns="91425" tIns="91425" rIns="91425" bIns="91425" anchor="t" anchorCtr="0">
+          <a:bodyPr anchorCtr="0" anchor="t" bIns="91425" lIns="91425" spcFirstLastPara="1" rIns="91425" wrap="square" tIns="91425">
             <a:normAutofit/>
           </a:bodyPr>
           <a:lstStyle>
@@ -1878,19 +2215,15 @@
               <a:defRPr sz="2800"/>
             </a:lvl9pPr>
           </a:lstStyle>
-          <a:p>
-            <a:endParaRPr/>
-          </a:p>
+          <a:p/>
         </p:txBody>
       </p:sp>
       <p:sp>
         <p:nvSpPr>
           <p:cNvPr id="12" name="Google Shape;12;p2"/>
-          <p:cNvSpPr txBox="1">
-            <a:spLocks noGrp="1"/>
-          </p:cNvSpPr>
+          <p:cNvSpPr txBox="1"/>
           <p:nvPr>
-            <p:ph type="sldNum" idx="12"/>
+            <p:ph idx="12" type="sldNum"/>
           </p:nvPr>
         </p:nvSpPr>
         <p:spPr>
@@ -1903,7 +2236,7 @@
           </a:prstGeom>
         </p:spPr>
         <p:txBody>
-          <a:bodyPr spcFirstLastPara="1" wrap="square" lIns="91425" tIns="91425" rIns="91425" bIns="91425" anchor="ctr" anchorCtr="0">
+          <a:bodyPr anchorCtr="0" anchor="ctr" bIns="91425" lIns="91425" spcFirstLastPara="1" rIns="91425" wrap="square" tIns="91425">
             <a:normAutofit/>
           </a:bodyPr>
           <a:lstStyle>
@@ -1945,7 +2278,7 @@
             </a:lvl9pPr>
           </a:lstStyle>
           <a:p>
-            <a:pPr marL="0" lvl="0" indent="0" algn="r" rtl="0">
+            <a:pPr indent="0" lvl="0" marL="0" rtl="0" algn="r">
               <a:spcBef>
                 <a:spcPts val="0"/>
               </a:spcBef>
@@ -1971,11 +2304,11 @@
 </file>
 
 <file path=ppt/slideLayouts/slideLayout10.xml><?xml version="1.0" encoding="utf-8"?>
-<p:sldLayout xmlns:a="http://schemas.openxmlformats.org/drawingml/2006/main" xmlns:r="http://schemas.openxmlformats.org/officeDocument/2006/relationships" xmlns:p="http://schemas.openxmlformats.org/presentationml/2006/main" matchingName="Big number">
+<p:sldLayout xmlns:a="http://schemas.openxmlformats.org/drawingml/2006/main" xmlns:r="http://schemas.openxmlformats.org/officeDocument/2006/relationships" xmlns:mc="http://schemas.openxmlformats.org/markup-compatibility/2006" xmlns:mv="urn:schemas-microsoft-com:mac:vml" xmlns:p="http://schemas.openxmlformats.org/presentationml/2006/main" xmlns:c="http://schemas.openxmlformats.org/drawingml/2006/chart" xmlns:dgm="http://schemas.openxmlformats.org/drawingml/2006/diagram" xmlns:o="urn:schemas-microsoft-com:office:office" xmlns:v="urn:schemas-microsoft-com:vml" xmlns:pvml="urn:schemas-microsoft-com:office:powerpoint" xmlns:com="http://schemas.openxmlformats.org/drawingml/2006/compatibility" xmlns:p14="http://schemas.microsoft.com/office/powerpoint/2010/main" xmlns:p15="http://schemas.microsoft.com/office/powerpoint/2012/main" xmlns:ahyp="http://schemas.microsoft.com/office/drawing/2018/hyperlinkcolor" matchingName="Big number">
   <p:cSld name="BIG_NUMBER">
     <p:spTree>
       <p:nvGrpSpPr>
-        <p:cNvPr id="1" name="Shape 44"/>
+        <p:cNvPr id="44" name="Shape 44"/>
         <p:cNvGrpSpPr/>
         <p:nvPr/>
       </p:nvGrpSpPr>
@@ -1990,11 +2323,9 @@
       <p:sp>
         <p:nvSpPr>
           <p:cNvPr id="45" name="Google Shape;45;p11"/>
-          <p:cNvSpPr txBox="1">
-            <a:spLocks noGrp="1"/>
-          </p:cNvSpPr>
+          <p:cNvSpPr txBox="1"/>
           <p:nvPr>
-            <p:ph type="title" hasCustomPrompt="1"/>
+            <p:ph hasCustomPrompt="1" type="title"/>
           </p:nvPr>
         </p:nvSpPr>
         <p:spPr>
@@ -2007,7 +2338,7 @@
           </a:prstGeom>
         </p:spPr>
         <p:txBody>
-          <a:bodyPr spcFirstLastPara="1" wrap="square" lIns="91425" tIns="91425" rIns="91425" bIns="91425" anchor="b" anchorCtr="0">
+          <a:bodyPr anchorCtr="0" anchor="b" bIns="91425" lIns="91425" spcFirstLastPara="1" rIns="91425" wrap="square" tIns="91425">
             <a:normAutofit/>
           </a:bodyPr>
           <a:lstStyle>
@@ -2121,11 +2452,9 @@
       <p:sp>
         <p:nvSpPr>
           <p:cNvPr id="46" name="Google Shape;46;p11"/>
-          <p:cNvSpPr txBox="1">
-            <a:spLocks noGrp="1"/>
-          </p:cNvSpPr>
+          <p:cNvSpPr txBox="1"/>
           <p:nvPr>
-            <p:ph type="body" idx="1"/>
+            <p:ph idx="1" type="body"/>
           </p:nvPr>
         </p:nvSpPr>
         <p:spPr>
@@ -2138,11 +2467,11 @@
           </a:prstGeom>
         </p:spPr>
         <p:txBody>
-          <a:bodyPr spcFirstLastPara="1" wrap="square" lIns="91425" tIns="91425" rIns="91425" bIns="91425" anchor="t" anchorCtr="0">
+          <a:bodyPr anchorCtr="0" anchor="t" bIns="91425" lIns="91425" spcFirstLastPara="1" rIns="91425" wrap="square" tIns="91425">
             <a:normAutofit/>
           </a:bodyPr>
           <a:lstStyle>
-            <a:lvl1pPr marL="457200" lvl="0" indent="-342900" algn="ctr">
+            <a:lvl1pPr indent="-342900" lvl="0" marL="457200" algn="ctr">
               <a:spcBef>
                 <a:spcPts val="0"/>
               </a:spcBef>
@@ -2153,7 +2482,7 @@
               <a:buChar char="●"/>
               <a:defRPr/>
             </a:lvl1pPr>
-            <a:lvl2pPr marL="914400" lvl="1" indent="-317500" algn="ctr">
+            <a:lvl2pPr indent="-317500" lvl="1" marL="914400" algn="ctr">
               <a:spcBef>
                 <a:spcPts val="0"/>
               </a:spcBef>
@@ -2164,7 +2493,7 @@
               <a:buChar char="○"/>
               <a:defRPr/>
             </a:lvl2pPr>
-            <a:lvl3pPr marL="1371600" lvl="2" indent="-317500" algn="ctr">
+            <a:lvl3pPr indent="-317500" lvl="2" marL="1371600" algn="ctr">
               <a:spcBef>
                 <a:spcPts val="0"/>
               </a:spcBef>
@@ -2175,7 +2504,7 @@
               <a:buChar char="■"/>
               <a:defRPr/>
             </a:lvl3pPr>
-            <a:lvl4pPr marL="1828800" lvl="3" indent="-317500" algn="ctr">
+            <a:lvl4pPr indent="-317500" lvl="3" marL="1828800" algn="ctr">
               <a:spcBef>
                 <a:spcPts val="0"/>
               </a:spcBef>
@@ -2186,7 +2515,7 @@
               <a:buChar char="●"/>
               <a:defRPr/>
             </a:lvl4pPr>
-            <a:lvl5pPr marL="2286000" lvl="4" indent="-317500" algn="ctr">
+            <a:lvl5pPr indent="-317500" lvl="4" marL="2286000" algn="ctr">
               <a:spcBef>
                 <a:spcPts val="0"/>
               </a:spcBef>
@@ -2197,7 +2526,7 @@
               <a:buChar char="○"/>
               <a:defRPr/>
             </a:lvl5pPr>
-            <a:lvl6pPr marL="2743200" lvl="5" indent="-317500" algn="ctr">
+            <a:lvl6pPr indent="-317500" lvl="5" marL="2743200" algn="ctr">
               <a:spcBef>
                 <a:spcPts val="0"/>
               </a:spcBef>
@@ -2208,7 +2537,7 @@
               <a:buChar char="■"/>
               <a:defRPr/>
             </a:lvl6pPr>
-            <a:lvl7pPr marL="3200400" lvl="6" indent="-317500" algn="ctr">
+            <a:lvl7pPr indent="-317500" lvl="6" marL="3200400" algn="ctr">
               <a:spcBef>
                 <a:spcPts val="0"/>
               </a:spcBef>
@@ -2219,7 +2548,7 @@
               <a:buChar char="●"/>
               <a:defRPr/>
             </a:lvl7pPr>
-            <a:lvl8pPr marL="3657600" lvl="7" indent="-317500" algn="ctr">
+            <a:lvl8pPr indent="-317500" lvl="7" marL="3657600" algn="ctr">
               <a:spcBef>
                 <a:spcPts val="0"/>
               </a:spcBef>
@@ -2230,7 +2559,7 @@
               <a:buChar char="○"/>
               <a:defRPr/>
             </a:lvl8pPr>
-            <a:lvl9pPr marL="4114800" lvl="8" indent="-317500" algn="ctr">
+            <a:lvl9pPr indent="-317500" lvl="8" marL="4114800" algn="ctr">
               <a:spcBef>
                 <a:spcPts val="0"/>
               </a:spcBef>
@@ -2242,19 +2571,15 @@
               <a:defRPr/>
             </a:lvl9pPr>
           </a:lstStyle>
-          <a:p>
-            <a:endParaRPr/>
-          </a:p>
+          <a:p/>
         </p:txBody>
       </p:sp>
       <p:sp>
         <p:nvSpPr>
           <p:cNvPr id="47" name="Google Shape;47;p11"/>
-          <p:cNvSpPr txBox="1">
-            <a:spLocks noGrp="1"/>
-          </p:cNvSpPr>
+          <p:cNvSpPr txBox="1"/>
           <p:nvPr>
-            <p:ph type="sldNum" idx="12"/>
+            <p:ph idx="12" type="sldNum"/>
           </p:nvPr>
         </p:nvSpPr>
         <p:spPr>
@@ -2267,7 +2592,7 @@
           </a:prstGeom>
         </p:spPr>
         <p:txBody>
-          <a:bodyPr spcFirstLastPara="1" wrap="square" lIns="91425" tIns="91425" rIns="91425" bIns="91425" anchor="ctr" anchorCtr="0">
+          <a:bodyPr anchorCtr="0" anchor="ctr" bIns="91425" lIns="91425" spcFirstLastPara="1" rIns="91425" wrap="square" tIns="91425">
             <a:normAutofit/>
           </a:bodyPr>
           <a:lstStyle>
@@ -2309,7 +2634,7 @@
             </a:lvl9pPr>
           </a:lstStyle>
           <a:p>
-            <a:pPr marL="0" lvl="0" indent="0" algn="r" rtl="0">
+            <a:pPr indent="0" lvl="0" marL="0" rtl="0" algn="r">
               <a:spcBef>
                 <a:spcPts val="0"/>
               </a:spcBef>
@@ -2335,11 +2660,11 @@
 </file>
 
 <file path=ppt/slideLayouts/slideLayout11.xml><?xml version="1.0" encoding="utf-8"?>
-<p:sldLayout xmlns:a="http://schemas.openxmlformats.org/drawingml/2006/main" xmlns:r="http://schemas.openxmlformats.org/officeDocument/2006/relationships" xmlns:p="http://schemas.openxmlformats.org/presentationml/2006/main" matchingName="Blank" type="blank">
+<p:sldLayout xmlns:a="http://schemas.openxmlformats.org/drawingml/2006/main" xmlns:r="http://schemas.openxmlformats.org/officeDocument/2006/relationships" xmlns:mc="http://schemas.openxmlformats.org/markup-compatibility/2006" xmlns:mv="urn:schemas-microsoft-com:mac:vml" xmlns:p="http://schemas.openxmlformats.org/presentationml/2006/main" xmlns:c="http://schemas.openxmlformats.org/drawingml/2006/chart" xmlns:dgm="http://schemas.openxmlformats.org/drawingml/2006/diagram" xmlns:o="urn:schemas-microsoft-com:office:office" xmlns:v="urn:schemas-microsoft-com:vml" xmlns:pvml="urn:schemas-microsoft-com:office:powerpoint" xmlns:com="http://schemas.openxmlformats.org/drawingml/2006/compatibility" xmlns:p14="http://schemas.microsoft.com/office/powerpoint/2010/main" xmlns:p15="http://schemas.microsoft.com/office/powerpoint/2012/main" xmlns:ahyp="http://schemas.microsoft.com/office/drawing/2018/hyperlinkcolor" matchingName="Blank" type="blank">
   <p:cSld name="BLANK">
     <p:spTree>
       <p:nvGrpSpPr>
-        <p:cNvPr id="1" name="Shape 48"/>
+        <p:cNvPr id="48" name="Shape 48"/>
         <p:cNvGrpSpPr/>
         <p:nvPr/>
       </p:nvGrpSpPr>
@@ -2354,11 +2679,9 @@
       <p:sp>
         <p:nvSpPr>
           <p:cNvPr id="49" name="Google Shape;49;p12"/>
-          <p:cNvSpPr txBox="1">
-            <a:spLocks noGrp="1"/>
-          </p:cNvSpPr>
+          <p:cNvSpPr txBox="1"/>
           <p:nvPr>
-            <p:ph type="sldNum" idx="12"/>
+            <p:ph idx="12" type="sldNum"/>
           </p:nvPr>
         </p:nvSpPr>
         <p:spPr>
@@ -2371,7 +2694,7 @@
           </a:prstGeom>
         </p:spPr>
         <p:txBody>
-          <a:bodyPr spcFirstLastPara="1" wrap="square" lIns="91425" tIns="91425" rIns="91425" bIns="91425" anchor="ctr" anchorCtr="0">
+          <a:bodyPr anchorCtr="0" anchor="ctr" bIns="91425" lIns="91425" spcFirstLastPara="1" rIns="91425" wrap="square" tIns="91425">
             <a:normAutofit/>
           </a:bodyPr>
           <a:lstStyle>
@@ -2413,7 +2736,7 @@
             </a:lvl9pPr>
           </a:lstStyle>
           <a:p>
-            <a:pPr marL="0" lvl="0" indent="0" algn="r" rtl="0">
+            <a:pPr indent="0" lvl="0" marL="0" rtl="0" algn="r">
               <a:spcBef>
                 <a:spcPts val="0"/>
               </a:spcBef>
@@ -2432,7 +2755,7 @@
       </p:sp>
       <p:pic>
         <p:nvPicPr>
-          <p:cNvPr id="50" name="Google Shape;50;p12" descr="A logo with yellow and blue text&#10;&#10;Description automatically generated"/>
+          <p:cNvPr descr="A logo with yellow and blue text&#10;&#10;Description automatically generated" id="50" name="Google Shape;50;p12"/>
           <p:cNvPicPr preferRelativeResize="0"/>
           <p:nvPr/>
         </p:nvPicPr>
@@ -2440,7 +2763,7 @@
           <a:blip r:embed="rId2">
             <a:alphaModFix/>
           </a:blip>
-          <a:srcRect/>
+          <a:srcRect b="0" l="0" r="0" t="0"/>
           <a:stretch/>
         </p:blipFill>
         <p:spPr>
@@ -2466,11 +2789,11 @@
 </file>
 
 <file path=ppt/slideLayouts/slideLayout2.xml><?xml version="1.0" encoding="utf-8"?>
-<p:sldLayout xmlns:a="http://schemas.openxmlformats.org/drawingml/2006/main" xmlns:r="http://schemas.openxmlformats.org/officeDocument/2006/relationships" xmlns:p="http://schemas.openxmlformats.org/presentationml/2006/main" matchingName="Section header" type="secHead">
+<p:sldLayout xmlns:a="http://schemas.openxmlformats.org/drawingml/2006/main" xmlns:r="http://schemas.openxmlformats.org/officeDocument/2006/relationships" xmlns:mc="http://schemas.openxmlformats.org/markup-compatibility/2006" xmlns:mv="urn:schemas-microsoft-com:mac:vml" xmlns:p="http://schemas.openxmlformats.org/presentationml/2006/main" xmlns:c="http://schemas.openxmlformats.org/drawingml/2006/chart" xmlns:dgm="http://schemas.openxmlformats.org/drawingml/2006/diagram" xmlns:o="urn:schemas-microsoft-com:office:office" xmlns:v="urn:schemas-microsoft-com:vml" xmlns:pvml="urn:schemas-microsoft-com:office:powerpoint" xmlns:com="http://schemas.openxmlformats.org/drawingml/2006/compatibility" xmlns:p14="http://schemas.microsoft.com/office/powerpoint/2010/main" xmlns:p15="http://schemas.microsoft.com/office/powerpoint/2012/main" xmlns:ahyp="http://schemas.microsoft.com/office/drawing/2018/hyperlinkcolor" matchingName="Section header" type="secHead">
   <p:cSld name="SECTION_HEADER">
     <p:spTree>
       <p:nvGrpSpPr>
-        <p:cNvPr id="1" name="Shape 13"/>
+        <p:cNvPr id="13" name="Shape 13"/>
         <p:cNvGrpSpPr/>
         <p:nvPr/>
       </p:nvGrpSpPr>
@@ -2485,9 +2808,7 @@
       <p:sp>
         <p:nvSpPr>
           <p:cNvPr id="14" name="Google Shape;14;p3"/>
-          <p:cNvSpPr txBox="1">
-            <a:spLocks noGrp="1"/>
-          </p:cNvSpPr>
+          <p:cNvSpPr txBox="1"/>
           <p:nvPr>
             <p:ph type="title"/>
           </p:nvPr>
@@ -2502,7 +2823,7 @@
           </a:prstGeom>
         </p:spPr>
         <p:txBody>
-          <a:bodyPr spcFirstLastPara="1" wrap="square" lIns="91425" tIns="91425" rIns="91425" bIns="91425" anchor="ctr" anchorCtr="0">
+          <a:bodyPr anchorCtr="0" anchor="ctr" bIns="91425" lIns="91425" spcFirstLastPara="1" rIns="91425" wrap="square" tIns="91425">
             <a:normAutofit/>
           </a:bodyPr>
           <a:lstStyle>
@@ -2606,19 +2927,15 @@
               <a:defRPr sz="3600"/>
             </a:lvl9pPr>
           </a:lstStyle>
-          <a:p>
-            <a:endParaRPr/>
-          </a:p>
+          <a:p/>
         </p:txBody>
       </p:sp>
       <p:sp>
         <p:nvSpPr>
           <p:cNvPr id="15" name="Google Shape;15;p3"/>
-          <p:cNvSpPr txBox="1">
-            <a:spLocks noGrp="1"/>
-          </p:cNvSpPr>
+          <p:cNvSpPr txBox="1"/>
           <p:nvPr>
-            <p:ph type="sldNum" idx="12"/>
+            <p:ph idx="12" type="sldNum"/>
           </p:nvPr>
         </p:nvSpPr>
         <p:spPr>
@@ -2631,7 +2948,7 @@
           </a:prstGeom>
         </p:spPr>
         <p:txBody>
-          <a:bodyPr spcFirstLastPara="1" wrap="square" lIns="91425" tIns="91425" rIns="91425" bIns="91425" anchor="ctr" anchorCtr="0">
+          <a:bodyPr anchorCtr="0" anchor="ctr" bIns="91425" lIns="91425" spcFirstLastPara="1" rIns="91425" wrap="square" tIns="91425">
             <a:normAutofit/>
           </a:bodyPr>
           <a:lstStyle>
@@ -2673,7 +2990,7 @@
             </a:lvl9pPr>
           </a:lstStyle>
           <a:p>
-            <a:pPr marL="0" lvl="0" indent="0" algn="r" rtl="0">
+            <a:pPr indent="0" lvl="0" marL="0" rtl="0" algn="r">
               <a:spcBef>
                 <a:spcPts val="0"/>
               </a:spcBef>
@@ -2699,11 +3016,11 @@
 </file>
 
 <file path=ppt/slideLayouts/slideLayout3.xml><?xml version="1.0" encoding="utf-8"?>
-<p:sldLayout xmlns:a="http://schemas.openxmlformats.org/drawingml/2006/main" xmlns:r="http://schemas.openxmlformats.org/officeDocument/2006/relationships" xmlns:p="http://schemas.openxmlformats.org/presentationml/2006/main" matchingName="Title and body" type="tx">
+<p:sldLayout xmlns:a="http://schemas.openxmlformats.org/drawingml/2006/main" xmlns:r="http://schemas.openxmlformats.org/officeDocument/2006/relationships" xmlns:mc="http://schemas.openxmlformats.org/markup-compatibility/2006" xmlns:mv="urn:schemas-microsoft-com:mac:vml" xmlns:p="http://schemas.openxmlformats.org/presentationml/2006/main" xmlns:c="http://schemas.openxmlformats.org/drawingml/2006/chart" xmlns:dgm="http://schemas.openxmlformats.org/drawingml/2006/diagram" xmlns:o="urn:schemas-microsoft-com:office:office" xmlns:v="urn:schemas-microsoft-com:vml" xmlns:pvml="urn:schemas-microsoft-com:office:powerpoint" xmlns:com="http://schemas.openxmlformats.org/drawingml/2006/compatibility" xmlns:p14="http://schemas.microsoft.com/office/powerpoint/2010/main" xmlns:p15="http://schemas.microsoft.com/office/powerpoint/2012/main" xmlns:ahyp="http://schemas.microsoft.com/office/drawing/2018/hyperlinkcolor" matchingName="Title and body" type="tx">
   <p:cSld name="TITLE_AND_BODY">
     <p:spTree>
       <p:nvGrpSpPr>
-        <p:cNvPr id="1" name="Shape 16"/>
+        <p:cNvPr id="16" name="Shape 16"/>
         <p:cNvGrpSpPr/>
         <p:nvPr/>
       </p:nvGrpSpPr>
@@ -2718,9 +3035,7 @@
       <p:sp>
         <p:nvSpPr>
           <p:cNvPr id="17" name="Google Shape;17;p4"/>
-          <p:cNvSpPr txBox="1">
-            <a:spLocks noGrp="1"/>
-          </p:cNvSpPr>
+          <p:cNvSpPr txBox="1"/>
           <p:nvPr>
             <p:ph type="title"/>
           </p:nvPr>
@@ -2735,7 +3050,7 @@
           </a:prstGeom>
         </p:spPr>
         <p:txBody>
-          <a:bodyPr spcFirstLastPara="1" wrap="square" lIns="91425" tIns="91425" rIns="91425" bIns="91425" anchor="t" anchorCtr="0">
+          <a:bodyPr anchorCtr="0" anchor="t" bIns="91425" lIns="91425" spcFirstLastPara="1" rIns="91425" wrap="square" tIns="91425">
             <a:normAutofit/>
           </a:bodyPr>
           <a:lstStyle>
@@ -2839,19 +3154,15 @@
               <a:defRPr/>
             </a:lvl9pPr>
           </a:lstStyle>
-          <a:p>
-            <a:endParaRPr/>
-          </a:p>
+          <a:p/>
         </p:txBody>
       </p:sp>
       <p:sp>
         <p:nvSpPr>
           <p:cNvPr id="18" name="Google Shape;18;p4"/>
-          <p:cNvSpPr txBox="1">
-            <a:spLocks noGrp="1"/>
-          </p:cNvSpPr>
+          <p:cNvSpPr txBox="1"/>
           <p:nvPr>
-            <p:ph type="body" idx="1"/>
+            <p:ph idx="1" type="body"/>
           </p:nvPr>
         </p:nvSpPr>
         <p:spPr>
@@ -2864,11 +3175,11 @@
           </a:prstGeom>
         </p:spPr>
         <p:txBody>
-          <a:bodyPr spcFirstLastPara="1" wrap="square" lIns="91425" tIns="91425" rIns="91425" bIns="91425" anchor="t" anchorCtr="0">
+          <a:bodyPr anchorCtr="0" anchor="t" bIns="91425" lIns="91425" spcFirstLastPara="1" rIns="91425" wrap="square" tIns="91425">
             <a:normAutofit/>
           </a:bodyPr>
           <a:lstStyle>
-            <a:lvl1pPr marL="457200" lvl="0" indent="-342900">
+            <a:lvl1pPr indent="-342900" lvl="0" marL="457200">
               <a:spcBef>
                 <a:spcPts val="0"/>
               </a:spcBef>
@@ -2879,7 +3190,7 @@
               <a:buChar char="●"/>
               <a:defRPr/>
             </a:lvl1pPr>
-            <a:lvl2pPr marL="914400" lvl="1" indent="-317500">
+            <a:lvl2pPr indent="-317500" lvl="1" marL="914400">
               <a:spcBef>
                 <a:spcPts val="0"/>
               </a:spcBef>
@@ -2890,7 +3201,7 @@
               <a:buChar char="○"/>
               <a:defRPr/>
             </a:lvl2pPr>
-            <a:lvl3pPr marL="1371600" lvl="2" indent="-317500">
+            <a:lvl3pPr indent="-317500" lvl="2" marL="1371600">
               <a:spcBef>
                 <a:spcPts val="0"/>
               </a:spcBef>
@@ -2901,7 +3212,7 @@
               <a:buChar char="■"/>
               <a:defRPr/>
             </a:lvl3pPr>
-            <a:lvl4pPr marL="1828800" lvl="3" indent="-317500">
+            <a:lvl4pPr indent="-317500" lvl="3" marL="1828800">
               <a:spcBef>
                 <a:spcPts val="0"/>
               </a:spcBef>
@@ -2912,7 +3223,7 @@
               <a:buChar char="●"/>
               <a:defRPr/>
             </a:lvl4pPr>
-            <a:lvl5pPr marL="2286000" lvl="4" indent="-317500">
+            <a:lvl5pPr indent="-317500" lvl="4" marL="2286000">
               <a:spcBef>
                 <a:spcPts val="0"/>
               </a:spcBef>
@@ -2923,7 +3234,7 @@
               <a:buChar char="○"/>
               <a:defRPr/>
             </a:lvl5pPr>
-            <a:lvl6pPr marL="2743200" lvl="5" indent="-317500">
+            <a:lvl6pPr indent="-317500" lvl="5" marL="2743200">
               <a:spcBef>
                 <a:spcPts val="0"/>
               </a:spcBef>
@@ -2934,7 +3245,7 @@
               <a:buChar char="■"/>
               <a:defRPr/>
             </a:lvl6pPr>
-            <a:lvl7pPr marL="3200400" lvl="6" indent="-317500">
+            <a:lvl7pPr indent="-317500" lvl="6" marL="3200400">
               <a:spcBef>
                 <a:spcPts val="0"/>
               </a:spcBef>
@@ -2945,7 +3256,7 @@
               <a:buChar char="●"/>
               <a:defRPr/>
             </a:lvl7pPr>
-            <a:lvl8pPr marL="3657600" lvl="7" indent="-317500">
+            <a:lvl8pPr indent="-317500" lvl="7" marL="3657600">
               <a:spcBef>
                 <a:spcPts val="0"/>
               </a:spcBef>
@@ -2956,7 +3267,7 @@
               <a:buChar char="○"/>
               <a:defRPr/>
             </a:lvl8pPr>
-            <a:lvl9pPr marL="4114800" lvl="8" indent="-317500">
+            <a:lvl9pPr indent="-317500" lvl="8" marL="4114800">
               <a:spcBef>
                 <a:spcPts val="0"/>
               </a:spcBef>
@@ -2968,19 +3279,15 @@
               <a:defRPr/>
             </a:lvl9pPr>
           </a:lstStyle>
-          <a:p>
-            <a:endParaRPr/>
-          </a:p>
+          <a:p/>
         </p:txBody>
       </p:sp>
       <p:sp>
         <p:nvSpPr>
           <p:cNvPr id="19" name="Google Shape;19;p4"/>
-          <p:cNvSpPr txBox="1">
-            <a:spLocks noGrp="1"/>
-          </p:cNvSpPr>
+          <p:cNvSpPr txBox="1"/>
           <p:nvPr>
-            <p:ph type="sldNum" idx="12"/>
+            <p:ph idx="12" type="sldNum"/>
           </p:nvPr>
         </p:nvSpPr>
         <p:spPr>
@@ -2993,7 +3300,7 @@
           </a:prstGeom>
         </p:spPr>
         <p:txBody>
-          <a:bodyPr spcFirstLastPara="1" wrap="square" lIns="91425" tIns="91425" rIns="91425" bIns="91425" anchor="ctr" anchorCtr="0">
+          <a:bodyPr anchorCtr="0" anchor="ctr" bIns="91425" lIns="91425" spcFirstLastPara="1" rIns="91425" wrap="square" tIns="91425">
             <a:normAutofit/>
           </a:bodyPr>
           <a:lstStyle>
@@ -3035,7 +3342,7 @@
             </a:lvl9pPr>
           </a:lstStyle>
           <a:p>
-            <a:pPr marL="0" lvl="0" indent="0" algn="r" rtl="0">
+            <a:pPr indent="0" lvl="0" marL="0" rtl="0" algn="r">
               <a:spcBef>
                 <a:spcPts val="0"/>
               </a:spcBef>
@@ -3061,11 +3368,11 @@
 </file>
 
 <file path=ppt/slideLayouts/slideLayout4.xml><?xml version="1.0" encoding="utf-8"?>
-<p:sldLayout xmlns:a="http://schemas.openxmlformats.org/drawingml/2006/main" xmlns:r="http://schemas.openxmlformats.org/officeDocument/2006/relationships" xmlns:p="http://schemas.openxmlformats.org/presentationml/2006/main" matchingName="Title and two columns" type="twoColTx">
+<p:sldLayout xmlns:a="http://schemas.openxmlformats.org/drawingml/2006/main" xmlns:r="http://schemas.openxmlformats.org/officeDocument/2006/relationships" xmlns:mc="http://schemas.openxmlformats.org/markup-compatibility/2006" xmlns:mv="urn:schemas-microsoft-com:mac:vml" xmlns:p="http://schemas.openxmlformats.org/presentationml/2006/main" xmlns:c="http://schemas.openxmlformats.org/drawingml/2006/chart" xmlns:dgm="http://schemas.openxmlformats.org/drawingml/2006/diagram" xmlns:o="urn:schemas-microsoft-com:office:office" xmlns:v="urn:schemas-microsoft-com:vml" xmlns:pvml="urn:schemas-microsoft-com:office:powerpoint" xmlns:com="http://schemas.openxmlformats.org/drawingml/2006/compatibility" xmlns:p14="http://schemas.microsoft.com/office/powerpoint/2010/main" xmlns:p15="http://schemas.microsoft.com/office/powerpoint/2012/main" xmlns:ahyp="http://schemas.microsoft.com/office/drawing/2018/hyperlinkcolor" matchingName="Title and two columns" type="twoColTx">
   <p:cSld name="TITLE_AND_TWO_COLUMNS">
     <p:spTree>
       <p:nvGrpSpPr>
-        <p:cNvPr id="1" name="Shape 20"/>
+        <p:cNvPr id="20" name="Shape 20"/>
         <p:cNvGrpSpPr/>
         <p:nvPr/>
       </p:nvGrpSpPr>
@@ -3080,9 +3387,7 @@
       <p:sp>
         <p:nvSpPr>
           <p:cNvPr id="21" name="Google Shape;21;p5"/>
-          <p:cNvSpPr txBox="1">
-            <a:spLocks noGrp="1"/>
-          </p:cNvSpPr>
+          <p:cNvSpPr txBox="1"/>
           <p:nvPr>
             <p:ph type="title"/>
           </p:nvPr>
@@ -3097,7 +3402,7 @@
           </a:prstGeom>
         </p:spPr>
         <p:txBody>
-          <a:bodyPr spcFirstLastPara="1" wrap="square" lIns="91425" tIns="91425" rIns="91425" bIns="91425" anchor="t" anchorCtr="0">
+          <a:bodyPr anchorCtr="0" anchor="t" bIns="91425" lIns="91425" spcFirstLastPara="1" rIns="91425" wrap="square" tIns="91425">
             <a:normAutofit/>
           </a:bodyPr>
           <a:lstStyle>
@@ -3201,19 +3506,15 @@
               <a:defRPr/>
             </a:lvl9pPr>
           </a:lstStyle>
-          <a:p>
-            <a:endParaRPr/>
-          </a:p>
+          <a:p/>
         </p:txBody>
       </p:sp>
       <p:sp>
         <p:nvSpPr>
           <p:cNvPr id="22" name="Google Shape;22;p5"/>
-          <p:cNvSpPr txBox="1">
-            <a:spLocks noGrp="1"/>
-          </p:cNvSpPr>
+          <p:cNvSpPr txBox="1"/>
           <p:nvPr>
-            <p:ph type="body" idx="1"/>
+            <p:ph idx="1" type="body"/>
           </p:nvPr>
         </p:nvSpPr>
         <p:spPr>
@@ -3226,11 +3527,11 @@
           </a:prstGeom>
         </p:spPr>
         <p:txBody>
-          <a:bodyPr spcFirstLastPara="1" wrap="square" lIns="91425" tIns="91425" rIns="91425" bIns="91425" anchor="t" anchorCtr="0">
+          <a:bodyPr anchorCtr="0" anchor="t" bIns="91425" lIns="91425" spcFirstLastPara="1" rIns="91425" wrap="square" tIns="91425">
             <a:normAutofit/>
           </a:bodyPr>
           <a:lstStyle>
-            <a:lvl1pPr marL="457200" lvl="0" indent="-317500">
+            <a:lvl1pPr indent="-317500" lvl="0" marL="457200">
               <a:spcBef>
                 <a:spcPts val="0"/>
               </a:spcBef>
@@ -3241,7 +3542,7 @@
               <a:buChar char="●"/>
               <a:defRPr sz="1400"/>
             </a:lvl1pPr>
-            <a:lvl2pPr marL="914400" lvl="1" indent="-304800">
+            <a:lvl2pPr indent="-304800" lvl="1" marL="914400">
               <a:spcBef>
                 <a:spcPts val="0"/>
               </a:spcBef>
@@ -3252,7 +3553,7 @@
               <a:buChar char="○"/>
               <a:defRPr sz="1200"/>
             </a:lvl2pPr>
-            <a:lvl3pPr marL="1371600" lvl="2" indent="-304800">
+            <a:lvl3pPr indent="-304800" lvl="2" marL="1371600">
               <a:spcBef>
                 <a:spcPts val="0"/>
               </a:spcBef>
@@ -3263,7 +3564,7 @@
               <a:buChar char="■"/>
               <a:defRPr sz="1200"/>
             </a:lvl3pPr>
-            <a:lvl4pPr marL="1828800" lvl="3" indent="-304800">
+            <a:lvl4pPr indent="-304800" lvl="3" marL="1828800">
               <a:spcBef>
                 <a:spcPts val="0"/>
               </a:spcBef>
@@ -3274,7 +3575,7 @@
               <a:buChar char="●"/>
               <a:defRPr sz="1200"/>
             </a:lvl4pPr>
-            <a:lvl5pPr marL="2286000" lvl="4" indent="-304800">
+            <a:lvl5pPr indent="-304800" lvl="4" marL="2286000">
               <a:spcBef>
                 <a:spcPts val="0"/>
               </a:spcBef>
@@ -3285,7 +3586,7 @@
               <a:buChar char="○"/>
               <a:defRPr sz="1200"/>
             </a:lvl5pPr>
-            <a:lvl6pPr marL="2743200" lvl="5" indent="-304800">
+            <a:lvl6pPr indent="-304800" lvl="5" marL="2743200">
               <a:spcBef>
                 <a:spcPts val="0"/>
               </a:spcBef>
@@ -3296,7 +3597,7 @@
               <a:buChar char="■"/>
               <a:defRPr sz="1200"/>
             </a:lvl6pPr>
-            <a:lvl7pPr marL="3200400" lvl="6" indent="-304800">
+            <a:lvl7pPr indent="-304800" lvl="6" marL="3200400">
               <a:spcBef>
                 <a:spcPts val="0"/>
               </a:spcBef>
@@ -3307,7 +3608,7 @@
               <a:buChar char="●"/>
               <a:defRPr sz="1200"/>
             </a:lvl7pPr>
-            <a:lvl8pPr marL="3657600" lvl="7" indent="-304800">
+            <a:lvl8pPr indent="-304800" lvl="7" marL="3657600">
               <a:spcBef>
                 <a:spcPts val="0"/>
               </a:spcBef>
@@ -3318,7 +3619,7 @@
               <a:buChar char="○"/>
               <a:defRPr sz="1200"/>
             </a:lvl8pPr>
-            <a:lvl9pPr marL="4114800" lvl="8" indent="-304800">
+            <a:lvl9pPr indent="-304800" lvl="8" marL="4114800">
               <a:spcBef>
                 <a:spcPts val="0"/>
               </a:spcBef>
@@ -3330,19 +3631,15 @@
               <a:defRPr sz="1200"/>
             </a:lvl9pPr>
           </a:lstStyle>
-          <a:p>
-            <a:endParaRPr/>
-          </a:p>
+          <a:p/>
         </p:txBody>
       </p:sp>
       <p:sp>
         <p:nvSpPr>
           <p:cNvPr id="23" name="Google Shape;23;p5"/>
-          <p:cNvSpPr txBox="1">
-            <a:spLocks noGrp="1"/>
-          </p:cNvSpPr>
+          <p:cNvSpPr txBox="1"/>
           <p:nvPr>
-            <p:ph type="body" idx="2"/>
+            <p:ph idx="2" type="body"/>
           </p:nvPr>
         </p:nvSpPr>
         <p:spPr>
@@ -3355,11 +3652,11 @@
           </a:prstGeom>
         </p:spPr>
         <p:txBody>
-          <a:bodyPr spcFirstLastPara="1" wrap="square" lIns="91425" tIns="91425" rIns="91425" bIns="91425" anchor="t" anchorCtr="0">
+          <a:bodyPr anchorCtr="0" anchor="t" bIns="91425" lIns="91425" spcFirstLastPara="1" rIns="91425" wrap="square" tIns="91425">
             <a:normAutofit/>
           </a:bodyPr>
           <a:lstStyle>
-            <a:lvl1pPr marL="457200" lvl="0" indent="-317500">
+            <a:lvl1pPr indent="-317500" lvl="0" marL="457200">
               <a:spcBef>
                 <a:spcPts val="0"/>
               </a:spcBef>
@@ -3370,7 +3667,7 @@
               <a:buChar char="●"/>
               <a:defRPr sz="1400"/>
             </a:lvl1pPr>
-            <a:lvl2pPr marL="914400" lvl="1" indent="-304800">
+            <a:lvl2pPr indent="-304800" lvl="1" marL="914400">
               <a:spcBef>
                 <a:spcPts val="0"/>
               </a:spcBef>
@@ -3381,7 +3678,7 @@
               <a:buChar char="○"/>
               <a:defRPr sz="1200"/>
             </a:lvl2pPr>
-            <a:lvl3pPr marL="1371600" lvl="2" indent="-304800">
+            <a:lvl3pPr indent="-304800" lvl="2" marL="1371600">
               <a:spcBef>
                 <a:spcPts val="0"/>
               </a:spcBef>
@@ -3392,7 +3689,7 @@
               <a:buChar char="■"/>
               <a:defRPr sz="1200"/>
             </a:lvl3pPr>
-            <a:lvl4pPr marL="1828800" lvl="3" indent="-304800">
+            <a:lvl4pPr indent="-304800" lvl="3" marL="1828800">
               <a:spcBef>
                 <a:spcPts val="0"/>
               </a:spcBef>
@@ -3403,7 +3700,7 @@
               <a:buChar char="●"/>
               <a:defRPr sz="1200"/>
             </a:lvl4pPr>
-            <a:lvl5pPr marL="2286000" lvl="4" indent="-304800">
+            <a:lvl5pPr indent="-304800" lvl="4" marL="2286000">
               <a:spcBef>
                 <a:spcPts val="0"/>
               </a:spcBef>
@@ -3414,7 +3711,7 @@
               <a:buChar char="○"/>
               <a:defRPr sz="1200"/>
             </a:lvl5pPr>
-            <a:lvl6pPr marL="2743200" lvl="5" indent="-304800">
+            <a:lvl6pPr indent="-304800" lvl="5" marL="2743200">
               <a:spcBef>
                 <a:spcPts val="0"/>
               </a:spcBef>
@@ -3425,7 +3722,7 @@
               <a:buChar char="■"/>
               <a:defRPr sz="1200"/>
             </a:lvl6pPr>
-            <a:lvl7pPr marL="3200400" lvl="6" indent="-304800">
+            <a:lvl7pPr indent="-304800" lvl="6" marL="3200400">
               <a:spcBef>
                 <a:spcPts val="0"/>
               </a:spcBef>
@@ -3436,7 +3733,7 @@
               <a:buChar char="●"/>
               <a:defRPr sz="1200"/>
             </a:lvl7pPr>
-            <a:lvl8pPr marL="3657600" lvl="7" indent="-304800">
+            <a:lvl8pPr indent="-304800" lvl="7" marL="3657600">
               <a:spcBef>
                 <a:spcPts val="0"/>
               </a:spcBef>
@@ -3447,7 +3744,7 @@
               <a:buChar char="○"/>
               <a:defRPr sz="1200"/>
             </a:lvl8pPr>
-            <a:lvl9pPr marL="4114800" lvl="8" indent="-304800">
+            <a:lvl9pPr indent="-304800" lvl="8" marL="4114800">
               <a:spcBef>
                 <a:spcPts val="0"/>
               </a:spcBef>
@@ -3459,19 +3756,15 @@
               <a:defRPr sz="1200"/>
             </a:lvl9pPr>
           </a:lstStyle>
-          <a:p>
-            <a:endParaRPr/>
-          </a:p>
+          <a:p/>
         </p:txBody>
       </p:sp>
       <p:sp>
         <p:nvSpPr>
           <p:cNvPr id="24" name="Google Shape;24;p5"/>
-          <p:cNvSpPr txBox="1">
-            <a:spLocks noGrp="1"/>
-          </p:cNvSpPr>
+          <p:cNvSpPr txBox="1"/>
           <p:nvPr>
-            <p:ph type="sldNum" idx="12"/>
+            <p:ph idx="12" type="sldNum"/>
           </p:nvPr>
         </p:nvSpPr>
         <p:spPr>
@@ -3484,7 +3777,7 @@
           </a:prstGeom>
         </p:spPr>
         <p:txBody>
-          <a:bodyPr spcFirstLastPara="1" wrap="square" lIns="91425" tIns="91425" rIns="91425" bIns="91425" anchor="ctr" anchorCtr="0">
+          <a:bodyPr anchorCtr="0" anchor="ctr" bIns="91425" lIns="91425" spcFirstLastPara="1" rIns="91425" wrap="square" tIns="91425">
             <a:normAutofit/>
           </a:bodyPr>
           <a:lstStyle>
@@ -3526,7 +3819,7 @@
             </a:lvl9pPr>
           </a:lstStyle>
           <a:p>
-            <a:pPr marL="0" lvl="0" indent="0" algn="r" rtl="0">
+            <a:pPr indent="0" lvl="0" marL="0" rtl="0" algn="r">
               <a:spcBef>
                 <a:spcPts val="0"/>
               </a:spcBef>
@@ -3552,11 +3845,11 @@
 </file>
 
 <file path=ppt/slideLayouts/slideLayout5.xml><?xml version="1.0" encoding="utf-8"?>
-<p:sldLayout xmlns:a="http://schemas.openxmlformats.org/drawingml/2006/main" xmlns:r="http://schemas.openxmlformats.org/officeDocument/2006/relationships" xmlns:p="http://schemas.openxmlformats.org/presentationml/2006/main" matchingName="Title only" type="titleOnly">
+<p:sldLayout xmlns:a="http://schemas.openxmlformats.org/drawingml/2006/main" xmlns:r="http://schemas.openxmlformats.org/officeDocument/2006/relationships" xmlns:mc="http://schemas.openxmlformats.org/markup-compatibility/2006" xmlns:mv="urn:schemas-microsoft-com:mac:vml" xmlns:p="http://schemas.openxmlformats.org/presentationml/2006/main" xmlns:c="http://schemas.openxmlformats.org/drawingml/2006/chart" xmlns:dgm="http://schemas.openxmlformats.org/drawingml/2006/diagram" xmlns:o="urn:schemas-microsoft-com:office:office" xmlns:v="urn:schemas-microsoft-com:vml" xmlns:pvml="urn:schemas-microsoft-com:office:powerpoint" xmlns:com="http://schemas.openxmlformats.org/drawingml/2006/compatibility" xmlns:p14="http://schemas.microsoft.com/office/powerpoint/2010/main" xmlns:p15="http://schemas.microsoft.com/office/powerpoint/2012/main" xmlns:ahyp="http://schemas.microsoft.com/office/drawing/2018/hyperlinkcolor" matchingName="Title only" type="titleOnly">
   <p:cSld name="TITLE_ONLY">
     <p:spTree>
       <p:nvGrpSpPr>
-        <p:cNvPr id="1" name="Shape 25"/>
+        <p:cNvPr id="25" name="Shape 25"/>
         <p:cNvGrpSpPr/>
         <p:nvPr/>
       </p:nvGrpSpPr>
@@ -3571,9 +3864,7 @@
       <p:sp>
         <p:nvSpPr>
           <p:cNvPr id="26" name="Google Shape;26;p6"/>
-          <p:cNvSpPr txBox="1">
-            <a:spLocks noGrp="1"/>
-          </p:cNvSpPr>
+          <p:cNvSpPr txBox="1"/>
           <p:nvPr>
             <p:ph type="title"/>
           </p:nvPr>
@@ -3588,7 +3879,7 @@
           </a:prstGeom>
         </p:spPr>
         <p:txBody>
-          <a:bodyPr spcFirstLastPara="1" wrap="square" lIns="91425" tIns="91425" rIns="91425" bIns="91425" anchor="t" anchorCtr="0">
+          <a:bodyPr anchorCtr="0" anchor="t" bIns="91425" lIns="91425" spcFirstLastPara="1" rIns="91425" wrap="square" tIns="91425">
             <a:normAutofit/>
           </a:bodyPr>
           <a:lstStyle>
@@ -3692,19 +3983,15 @@
               <a:defRPr/>
             </a:lvl9pPr>
           </a:lstStyle>
-          <a:p>
-            <a:endParaRPr/>
-          </a:p>
+          <a:p/>
         </p:txBody>
       </p:sp>
       <p:sp>
         <p:nvSpPr>
           <p:cNvPr id="27" name="Google Shape;27;p6"/>
-          <p:cNvSpPr txBox="1">
-            <a:spLocks noGrp="1"/>
-          </p:cNvSpPr>
+          <p:cNvSpPr txBox="1"/>
           <p:nvPr>
-            <p:ph type="sldNum" idx="12"/>
+            <p:ph idx="12" type="sldNum"/>
           </p:nvPr>
         </p:nvSpPr>
         <p:spPr>
@@ -3717,7 +4004,7 @@
           </a:prstGeom>
         </p:spPr>
         <p:txBody>
-          <a:bodyPr spcFirstLastPara="1" wrap="square" lIns="91425" tIns="91425" rIns="91425" bIns="91425" anchor="ctr" anchorCtr="0">
+          <a:bodyPr anchorCtr="0" anchor="ctr" bIns="91425" lIns="91425" spcFirstLastPara="1" rIns="91425" wrap="square" tIns="91425">
             <a:normAutofit/>
           </a:bodyPr>
           <a:lstStyle>
@@ -3759,7 +4046,7 @@
             </a:lvl9pPr>
           </a:lstStyle>
           <a:p>
-            <a:pPr marL="0" lvl="0" indent="0" algn="r" rtl="0">
+            <a:pPr indent="0" lvl="0" marL="0" rtl="0" algn="r">
               <a:spcBef>
                 <a:spcPts val="0"/>
               </a:spcBef>
@@ -3785,11 +4072,11 @@
 </file>
 
 <file path=ppt/slideLayouts/slideLayout6.xml><?xml version="1.0" encoding="utf-8"?>
-<p:sldLayout xmlns:a="http://schemas.openxmlformats.org/drawingml/2006/main" xmlns:r="http://schemas.openxmlformats.org/officeDocument/2006/relationships" xmlns:p="http://schemas.openxmlformats.org/presentationml/2006/main" matchingName="One column text">
+<p:sldLayout xmlns:a="http://schemas.openxmlformats.org/drawingml/2006/main" xmlns:r="http://schemas.openxmlformats.org/officeDocument/2006/relationships" xmlns:mc="http://schemas.openxmlformats.org/markup-compatibility/2006" xmlns:mv="urn:schemas-microsoft-com:mac:vml" xmlns:p="http://schemas.openxmlformats.org/presentationml/2006/main" xmlns:c="http://schemas.openxmlformats.org/drawingml/2006/chart" xmlns:dgm="http://schemas.openxmlformats.org/drawingml/2006/diagram" xmlns:o="urn:schemas-microsoft-com:office:office" xmlns:v="urn:schemas-microsoft-com:vml" xmlns:pvml="urn:schemas-microsoft-com:office:powerpoint" xmlns:com="http://schemas.openxmlformats.org/drawingml/2006/compatibility" xmlns:p14="http://schemas.microsoft.com/office/powerpoint/2010/main" xmlns:p15="http://schemas.microsoft.com/office/powerpoint/2012/main" xmlns:ahyp="http://schemas.microsoft.com/office/drawing/2018/hyperlinkcolor" matchingName="One column text">
   <p:cSld name="ONE_COLUMN_TEXT">
     <p:spTree>
       <p:nvGrpSpPr>
-        <p:cNvPr id="1" name="Shape 28"/>
+        <p:cNvPr id="28" name="Shape 28"/>
         <p:cNvGrpSpPr/>
         <p:nvPr/>
       </p:nvGrpSpPr>
@@ -3804,9 +4091,7 @@
       <p:sp>
         <p:nvSpPr>
           <p:cNvPr id="29" name="Google Shape;29;p7"/>
-          <p:cNvSpPr txBox="1">
-            <a:spLocks noGrp="1"/>
-          </p:cNvSpPr>
+          <p:cNvSpPr txBox="1"/>
           <p:nvPr>
             <p:ph type="title"/>
           </p:nvPr>
@@ -3821,7 +4106,7 @@
           </a:prstGeom>
         </p:spPr>
         <p:txBody>
-          <a:bodyPr spcFirstLastPara="1" wrap="square" lIns="91425" tIns="91425" rIns="91425" bIns="91425" anchor="b" anchorCtr="0">
+          <a:bodyPr anchorCtr="0" anchor="b" bIns="91425" lIns="91425" spcFirstLastPara="1" rIns="91425" wrap="square" tIns="91425">
             <a:normAutofit/>
           </a:bodyPr>
           <a:lstStyle>
@@ -3925,19 +4210,15 @@
               <a:defRPr sz="2400"/>
             </a:lvl9pPr>
           </a:lstStyle>
-          <a:p>
-            <a:endParaRPr/>
-          </a:p>
+          <a:p/>
         </p:txBody>
       </p:sp>
       <p:sp>
         <p:nvSpPr>
           <p:cNvPr id="30" name="Google Shape;30;p7"/>
-          <p:cNvSpPr txBox="1">
-            <a:spLocks noGrp="1"/>
-          </p:cNvSpPr>
+          <p:cNvSpPr txBox="1"/>
           <p:nvPr>
-            <p:ph type="body" idx="1"/>
+            <p:ph idx="1" type="body"/>
           </p:nvPr>
         </p:nvSpPr>
         <p:spPr>
@@ -3950,11 +4231,11 @@
           </a:prstGeom>
         </p:spPr>
         <p:txBody>
-          <a:bodyPr spcFirstLastPara="1" wrap="square" lIns="91425" tIns="91425" rIns="91425" bIns="91425" anchor="t" anchorCtr="0">
+          <a:bodyPr anchorCtr="0" anchor="t" bIns="91425" lIns="91425" spcFirstLastPara="1" rIns="91425" wrap="square" tIns="91425">
             <a:normAutofit/>
           </a:bodyPr>
           <a:lstStyle>
-            <a:lvl1pPr marL="457200" lvl="0" indent="-304800">
+            <a:lvl1pPr indent="-304800" lvl="0" marL="457200">
               <a:spcBef>
                 <a:spcPts val="0"/>
               </a:spcBef>
@@ -3965,7 +4246,7 @@
               <a:buChar char="●"/>
               <a:defRPr sz="1200"/>
             </a:lvl1pPr>
-            <a:lvl2pPr marL="914400" lvl="1" indent="-304800">
+            <a:lvl2pPr indent="-304800" lvl="1" marL="914400">
               <a:spcBef>
                 <a:spcPts val="0"/>
               </a:spcBef>
@@ -3976,7 +4257,7 @@
               <a:buChar char="○"/>
               <a:defRPr sz="1200"/>
             </a:lvl2pPr>
-            <a:lvl3pPr marL="1371600" lvl="2" indent="-304800">
+            <a:lvl3pPr indent="-304800" lvl="2" marL="1371600">
               <a:spcBef>
                 <a:spcPts val="0"/>
               </a:spcBef>
@@ -3987,7 +4268,7 @@
               <a:buChar char="■"/>
               <a:defRPr sz="1200"/>
             </a:lvl3pPr>
-            <a:lvl4pPr marL="1828800" lvl="3" indent="-304800">
+            <a:lvl4pPr indent="-304800" lvl="3" marL="1828800">
               <a:spcBef>
                 <a:spcPts val="0"/>
               </a:spcBef>
@@ -3998,7 +4279,7 @@
               <a:buChar char="●"/>
               <a:defRPr sz="1200"/>
             </a:lvl4pPr>
-            <a:lvl5pPr marL="2286000" lvl="4" indent="-304800">
+            <a:lvl5pPr indent="-304800" lvl="4" marL="2286000">
               <a:spcBef>
                 <a:spcPts val="0"/>
               </a:spcBef>
@@ -4009,7 +4290,7 @@
               <a:buChar char="○"/>
               <a:defRPr sz="1200"/>
             </a:lvl5pPr>
-            <a:lvl6pPr marL="2743200" lvl="5" indent="-304800">
+            <a:lvl6pPr indent="-304800" lvl="5" marL="2743200">
               <a:spcBef>
                 <a:spcPts val="0"/>
               </a:spcBef>
@@ -4020,7 +4301,7 @@
               <a:buChar char="■"/>
               <a:defRPr sz="1200"/>
             </a:lvl6pPr>
-            <a:lvl7pPr marL="3200400" lvl="6" indent="-304800">
+            <a:lvl7pPr indent="-304800" lvl="6" marL="3200400">
               <a:spcBef>
                 <a:spcPts val="0"/>
               </a:spcBef>
@@ -4031,7 +4312,7 @@
               <a:buChar char="●"/>
               <a:defRPr sz="1200"/>
             </a:lvl7pPr>
-            <a:lvl8pPr marL="3657600" lvl="7" indent="-304800">
+            <a:lvl8pPr indent="-304800" lvl="7" marL="3657600">
               <a:spcBef>
                 <a:spcPts val="0"/>
               </a:spcBef>
@@ -4042,7 +4323,7 @@
               <a:buChar char="○"/>
               <a:defRPr sz="1200"/>
             </a:lvl8pPr>
-            <a:lvl9pPr marL="4114800" lvl="8" indent="-304800">
+            <a:lvl9pPr indent="-304800" lvl="8" marL="4114800">
               <a:spcBef>
                 <a:spcPts val="0"/>
               </a:spcBef>
@@ -4054,19 +4335,15 @@
               <a:defRPr sz="1200"/>
             </a:lvl9pPr>
           </a:lstStyle>
-          <a:p>
-            <a:endParaRPr/>
-          </a:p>
+          <a:p/>
         </p:txBody>
       </p:sp>
       <p:sp>
         <p:nvSpPr>
           <p:cNvPr id="31" name="Google Shape;31;p7"/>
-          <p:cNvSpPr txBox="1">
-            <a:spLocks noGrp="1"/>
-          </p:cNvSpPr>
+          <p:cNvSpPr txBox="1"/>
           <p:nvPr>
-            <p:ph type="sldNum" idx="12"/>
+            <p:ph idx="12" type="sldNum"/>
           </p:nvPr>
         </p:nvSpPr>
         <p:spPr>
@@ -4079,7 +4356,7 @@
           </a:prstGeom>
         </p:spPr>
         <p:txBody>
-          <a:bodyPr spcFirstLastPara="1" wrap="square" lIns="91425" tIns="91425" rIns="91425" bIns="91425" anchor="ctr" anchorCtr="0">
+          <a:bodyPr anchorCtr="0" anchor="ctr" bIns="91425" lIns="91425" spcFirstLastPara="1" rIns="91425" wrap="square" tIns="91425">
             <a:normAutofit/>
           </a:bodyPr>
           <a:lstStyle>
@@ -4121,7 +4398,7 @@
             </a:lvl9pPr>
           </a:lstStyle>
           <a:p>
-            <a:pPr marL="0" lvl="0" indent="0" algn="r" rtl="0">
+            <a:pPr indent="0" lvl="0" marL="0" rtl="0" algn="r">
               <a:spcBef>
                 <a:spcPts val="0"/>
               </a:spcBef>
@@ -4147,11 +4424,11 @@
 </file>
 
 <file path=ppt/slideLayouts/slideLayout7.xml><?xml version="1.0" encoding="utf-8"?>
-<p:sldLayout xmlns:a="http://schemas.openxmlformats.org/drawingml/2006/main" xmlns:r="http://schemas.openxmlformats.org/officeDocument/2006/relationships" xmlns:p="http://schemas.openxmlformats.org/presentationml/2006/main" matchingName="Main point">
+<p:sldLayout xmlns:a="http://schemas.openxmlformats.org/drawingml/2006/main" xmlns:r="http://schemas.openxmlformats.org/officeDocument/2006/relationships" xmlns:mc="http://schemas.openxmlformats.org/markup-compatibility/2006" xmlns:mv="urn:schemas-microsoft-com:mac:vml" xmlns:p="http://schemas.openxmlformats.org/presentationml/2006/main" xmlns:c="http://schemas.openxmlformats.org/drawingml/2006/chart" xmlns:dgm="http://schemas.openxmlformats.org/drawingml/2006/diagram" xmlns:o="urn:schemas-microsoft-com:office:office" xmlns:v="urn:schemas-microsoft-com:vml" xmlns:pvml="urn:schemas-microsoft-com:office:powerpoint" xmlns:com="http://schemas.openxmlformats.org/drawingml/2006/compatibility" xmlns:p14="http://schemas.microsoft.com/office/powerpoint/2010/main" xmlns:p15="http://schemas.microsoft.com/office/powerpoint/2012/main" xmlns:ahyp="http://schemas.microsoft.com/office/drawing/2018/hyperlinkcolor" matchingName="Main point">
   <p:cSld name="MAIN_POINT">
     <p:spTree>
       <p:nvGrpSpPr>
-        <p:cNvPr id="1" name="Shape 32"/>
+        <p:cNvPr id="32" name="Shape 32"/>
         <p:cNvGrpSpPr/>
         <p:nvPr/>
       </p:nvGrpSpPr>
@@ -4166,9 +4443,7 @@
       <p:sp>
         <p:nvSpPr>
           <p:cNvPr id="33" name="Google Shape;33;p8"/>
-          <p:cNvSpPr txBox="1">
-            <a:spLocks noGrp="1"/>
-          </p:cNvSpPr>
+          <p:cNvSpPr txBox="1"/>
           <p:nvPr>
             <p:ph type="title"/>
           </p:nvPr>
@@ -4183,7 +4458,7 @@
           </a:prstGeom>
         </p:spPr>
         <p:txBody>
-          <a:bodyPr spcFirstLastPara="1" wrap="square" lIns="91425" tIns="91425" rIns="91425" bIns="91425" anchor="ctr" anchorCtr="0">
+          <a:bodyPr anchorCtr="0" anchor="ctr" bIns="91425" lIns="91425" spcFirstLastPara="1" rIns="91425" wrap="square" tIns="91425">
             <a:normAutofit/>
           </a:bodyPr>
           <a:lstStyle>
@@ -4287,19 +4562,15 @@
               <a:defRPr sz="4800"/>
             </a:lvl9pPr>
           </a:lstStyle>
-          <a:p>
-            <a:endParaRPr/>
-          </a:p>
+          <a:p/>
         </p:txBody>
       </p:sp>
       <p:sp>
         <p:nvSpPr>
           <p:cNvPr id="34" name="Google Shape;34;p8"/>
-          <p:cNvSpPr txBox="1">
-            <a:spLocks noGrp="1"/>
-          </p:cNvSpPr>
+          <p:cNvSpPr txBox="1"/>
           <p:nvPr>
-            <p:ph type="sldNum" idx="12"/>
+            <p:ph idx="12" type="sldNum"/>
           </p:nvPr>
         </p:nvSpPr>
         <p:spPr>
@@ -4312,7 +4583,7 @@
           </a:prstGeom>
         </p:spPr>
         <p:txBody>
-          <a:bodyPr spcFirstLastPara="1" wrap="square" lIns="91425" tIns="91425" rIns="91425" bIns="91425" anchor="ctr" anchorCtr="0">
+          <a:bodyPr anchorCtr="0" anchor="ctr" bIns="91425" lIns="91425" spcFirstLastPara="1" rIns="91425" wrap="square" tIns="91425">
             <a:normAutofit/>
           </a:bodyPr>
           <a:lstStyle>
@@ -4354,7 +4625,7 @@
             </a:lvl9pPr>
           </a:lstStyle>
           <a:p>
-            <a:pPr marL="0" lvl="0" indent="0" algn="r" rtl="0">
+            <a:pPr indent="0" lvl="0" marL="0" rtl="0" algn="r">
               <a:spcBef>
                 <a:spcPts val="0"/>
               </a:spcBef>
@@ -4380,11 +4651,11 @@
 </file>
 
 <file path=ppt/slideLayouts/slideLayout8.xml><?xml version="1.0" encoding="utf-8"?>
-<p:sldLayout xmlns:a="http://schemas.openxmlformats.org/drawingml/2006/main" xmlns:r="http://schemas.openxmlformats.org/officeDocument/2006/relationships" xmlns:p="http://schemas.openxmlformats.org/presentationml/2006/main" matchingName="Section title and description">
+<p:sldLayout xmlns:a="http://schemas.openxmlformats.org/drawingml/2006/main" xmlns:r="http://schemas.openxmlformats.org/officeDocument/2006/relationships" xmlns:mc="http://schemas.openxmlformats.org/markup-compatibility/2006" xmlns:mv="urn:schemas-microsoft-com:mac:vml" xmlns:p="http://schemas.openxmlformats.org/presentationml/2006/main" xmlns:c="http://schemas.openxmlformats.org/drawingml/2006/chart" xmlns:dgm="http://schemas.openxmlformats.org/drawingml/2006/diagram" xmlns:o="urn:schemas-microsoft-com:office:office" xmlns:v="urn:schemas-microsoft-com:vml" xmlns:pvml="urn:schemas-microsoft-com:office:powerpoint" xmlns:com="http://schemas.openxmlformats.org/drawingml/2006/compatibility" xmlns:p14="http://schemas.microsoft.com/office/powerpoint/2010/main" xmlns:p15="http://schemas.microsoft.com/office/powerpoint/2012/main" xmlns:ahyp="http://schemas.microsoft.com/office/drawing/2018/hyperlinkcolor" matchingName="Section title and description">
   <p:cSld name="SECTION_TITLE_AND_DESCRIPTION">
     <p:spTree>
       <p:nvGrpSpPr>
-        <p:cNvPr id="1" name="Shape 35"/>
+        <p:cNvPr id="35" name="Shape 35"/>
         <p:cNvGrpSpPr/>
         <p:nvPr/>
       </p:nvGrpSpPr>
@@ -4418,12 +4689,12 @@
           </a:ln>
         </p:spPr>
         <p:txBody>
-          <a:bodyPr spcFirstLastPara="1" wrap="square" lIns="91425" tIns="91425" rIns="91425" bIns="91425" anchor="ctr" anchorCtr="0">
+          <a:bodyPr anchorCtr="0" anchor="ctr" bIns="91425" lIns="91425" spcFirstLastPara="1" rIns="91425" wrap="square" tIns="91425">
             <a:noAutofit/>
           </a:bodyPr>
           <a:lstStyle/>
           <a:p>
-            <a:pPr marL="0" lvl="0" indent="0" algn="l" rtl="0">
+            <a:pPr indent="0" lvl="0" marL="0" rtl="0" algn="l">
               <a:spcBef>
                 <a:spcPts val="0"/>
               </a:spcBef>
@@ -4432,6 +4703,9 @@
               </a:spcAft>
               <a:buNone/>
             </a:pPr>
+            <a:r>
+              <a:t/>
+            </a:r>
             <a:endParaRPr/>
           </a:p>
         </p:txBody>
@@ -4439,9 +4713,7 @@
       <p:sp>
         <p:nvSpPr>
           <p:cNvPr id="37" name="Google Shape;37;p9"/>
-          <p:cNvSpPr txBox="1">
-            <a:spLocks noGrp="1"/>
-          </p:cNvSpPr>
+          <p:cNvSpPr txBox="1"/>
           <p:nvPr>
             <p:ph type="title"/>
           </p:nvPr>
@@ -4456,7 +4728,7 @@
           </a:prstGeom>
         </p:spPr>
         <p:txBody>
-          <a:bodyPr spcFirstLastPara="1" wrap="square" lIns="91425" tIns="91425" rIns="91425" bIns="91425" anchor="b" anchorCtr="0">
+          <a:bodyPr anchorCtr="0" anchor="b" bIns="91425" lIns="91425" spcFirstLastPara="1" rIns="91425" wrap="square" tIns="91425">
             <a:normAutofit/>
           </a:bodyPr>
           <a:lstStyle>
@@ -4560,19 +4832,15 @@
               <a:defRPr sz="4200"/>
             </a:lvl9pPr>
           </a:lstStyle>
-          <a:p>
-            <a:endParaRPr/>
-          </a:p>
+          <a:p/>
         </p:txBody>
       </p:sp>
       <p:sp>
         <p:nvSpPr>
           <p:cNvPr id="38" name="Google Shape;38;p9"/>
-          <p:cNvSpPr txBox="1">
-            <a:spLocks noGrp="1"/>
-          </p:cNvSpPr>
+          <p:cNvSpPr txBox="1"/>
           <p:nvPr>
-            <p:ph type="subTitle" idx="1"/>
+            <p:ph idx="1" type="subTitle"/>
           </p:nvPr>
         </p:nvSpPr>
         <p:spPr>
@@ -4585,7 +4853,7 @@
           </a:prstGeom>
         </p:spPr>
         <p:txBody>
-          <a:bodyPr spcFirstLastPara="1" wrap="square" lIns="91425" tIns="91425" rIns="91425" bIns="91425" anchor="t" anchorCtr="0">
+          <a:bodyPr anchorCtr="0" anchor="t" bIns="91425" lIns="91425" spcFirstLastPara="1" rIns="91425" wrap="square" tIns="91425">
             <a:normAutofit/>
           </a:bodyPr>
           <a:lstStyle>
@@ -4716,19 +4984,15 @@
               <a:defRPr sz="2100"/>
             </a:lvl9pPr>
           </a:lstStyle>
-          <a:p>
-            <a:endParaRPr/>
-          </a:p>
+          <a:p/>
         </p:txBody>
       </p:sp>
       <p:sp>
         <p:nvSpPr>
           <p:cNvPr id="39" name="Google Shape;39;p9"/>
-          <p:cNvSpPr txBox="1">
-            <a:spLocks noGrp="1"/>
-          </p:cNvSpPr>
+          <p:cNvSpPr txBox="1"/>
           <p:nvPr>
-            <p:ph type="body" idx="2"/>
+            <p:ph idx="2" type="body"/>
           </p:nvPr>
         </p:nvSpPr>
         <p:spPr>
@@ -4741,11 +5005,11 @@
           </a:prstGeom>
         </p:spPr>
         <p:txBody>
-          <a:bodyPr spcFirstLastPara="1" wrap="square" lIns="91425" tIns="91425" rIns="91425" bIns="91425" anchor="ctr" anchorCtr="0">
+          <a:bodyPr anchorCtr="0" anchor="ctr" bIns="91425" lIns="91425" spcFirstLastPara="1" rIns="91425" wrap="square" tIns="91425">
             <a:normAutofit/>
           </a:bodyPr>
           <a:lstStyle>
-            <a:lvl1pPr marL="457200" lvl="0" indent="-342900">
+            <a:lvl1pPr indent="-342900" lvl="0" marL="457200">
               <a:spcBef>
                 <a:spcPts val="0"/>
               </a:spcBef>
@@ -4756,7 +5020,7 @@
               <a:buChar char="●"/>
               <a:defRPr/>
             </a:lvl1pPr>
-            <a:lvl2pPr marL="914400" lvl="1" indent="-317500">
+            <a:lvl2pPr indent="-317500" lvl="1" marL="914400">
               <a:spcBef>
                 <a:spcPts val="0"/>
               </a:spcBef>
@@ -4767,7 +5031,7 @@
               <a:buChar char="○"/>
               <a:defRPr/>
             </a:lvl2pPr>
-            <a:lvl3pPr marL="1371600" lvl="2" indent="-317500">
+            <a:lvl3pPr indent="-317500" lvl="2" marL="1371600">
               <a:spcBef>
                 <a:spcPts val="0"/>
               </a:spcBef>
@@ -4778,7 +5042,7 @@
               <a:buChar char="■"/>
               <a:defRPr/>
             </a:lvl3pPr>
-            <a:lvl4pPr marL="1828800" lvl="3" indent="-317500">
+            <a:lvl4pPr indent="-317500" lvl="3" marL="1828800">
               <a:spcBef>
                 <a:spcPts val="0"/>
               </a:spcBef>
@@ -4789,7 +5053,7 @@
               <a:buChar char="●"/>
               <a:defRPr/>
             </a:lvl4pPr>
-            <a:lvl5pPr marL="2286000" lvl="4" indent="-317500">
+            <a:lvl5pPr indent="-317500" lvl="4" marL="2286000">
               <a:spcBef>
                 <a:spcPts val="0"/>
               </a:spcBef>
@@ -4800,7 +5064,7 @@
               <a:buChar char="○"/>
               <a:defRPr/>
             </a:lvl5pPr>
-            <a:lvl6pPr marL="2743200" lvl="5" indent="-317500">
+            <a:lvl6pPr indent="-317500" lvl="5" marL="2743200">
               <a:spcBef>
                 <a:spcPts val="0"/>
               </a:spcBef>
@@ -4811,7 +5075,7 @@
               <a:buChar char="■"/>
               <a:defRPr/>
             </a:lvl6pPr>
-            <a:lvl7pPr marL="3200400" lvl="6" indent="-317500">
+            <a:lvl7pPr indent="-317500" lvl="6" marL="3200400">
               <a:spcBef>
                 <a:spcPts val="0"/>
               </a:spcBef>
@@ -4822,7 +5086,7 @@
               <a:buChar char="●"/>
               <a:defRPr/>
             </a:lvl7pPr>
-            <a:lvl8pPr marL="3657600" lvl="7" indent="-317500">
+            <a:lvl8pPr indent="-317500" lvl="7" marL="3657600">
               <a:spcBef>
                 <a:spcPts val="0"/>
               </a:spcBef>
@@ -4833,7 +5097,7 @@
               <a:buChar char="○"/>
               <a:defRPr/>
             </a:lvl8pPr>
-            <a:lvl9pPr marL="4114800" lvl="8" indent="-317500">
+            <a:lvl9pPr indent="-317500" lvl="8" marL="4114800">
               <a:spcBef>
                 <a:spcPts val="0"/>
               </a:spcBef>
@@ -4845,19 +5109,15 @@
               <a:defRPr/>
             </a:lvl9pPr>
           </a:lstStyle>
-          <a:p>
-            <a:endParaRPr/>
-          </a:p>
+          <a:p/>
         </p:txBody>
       </p:sp>
       <p:sp>
         <p:nvSpPr>
           <p:cNvPr id="40" name="Google Shape;40;p9"/>
-          <p:cNvSpPr txBox="1">
-            <a:spLocks noGrp="1"/>
-          </p:cNvSpPr>
+          <p:cNvSpPr txBox="1"/>
           <p:nvPr>
-            <p:ph type="sldNum" idx="12"/>
+            <p:ph idx="12" type="sldNum"/>
           </p:nvPr>
         </p:nvSpPr>
         <p:spPr>
@@ -4870,7 +5130,7 @@
           </a:prstGeom>
         </p:spPr>
         <p:txBody>
-          <a:bodyPr spcFirstLastPara="1" wrap="square" lIns="91425" tIns="91425" rIns="91425" bIns="91425" anchor="ctr" anchorCtr="0">
+          <a:bodyPr anchorCtr="0" anchor="ctr" bIns="91425" lIns="91425" spcFirstLastPara="1" rIns="91425" wrap="square" tIns="91425">
             <a:normAutofit/>
           </a:bodyPr>
           <a:lstStyle>
@@ -4912,7 +5172,7 @@
             </a:lvl9pPr>
           </a:lstStyle>
           <a:p>
-            <a:pPr marL="0" lvl="0" indent="0" algn="r" rtl="0">
+            <a:pPr indent="0" lvl="0" marL="0" rtl="0" algn="r">
               <a:spcBef>
                 <a:spcPts val="0"/>
               </a:spcBef>
@@ -4938,11 +5198,11 @@
 </file>
 
 <file path=ppt/slideLayouts/slideLayout9.xml><?xml version="1.0" encoding="utf-8"?>
-<p:sldLayout xmlns:a="http://schemas.openxmlformats.org/drawingml/2006/main" xmlns:r="http://schemas.openxmlformats.org/officeDocument/2006/relationships" xmlns:p="http://schemas.openxmlformats.org/presentationml/2006/main" matchingName="Caption">
+<p:sldLayout xmlns:a="http://schemas.openxmlformats.org/drawingml/2006/main" xmlns:r="http://schemas.openxmlformats.org/officeDocument/2006/relationships" xmlns:mc="http://schemas.openxmlformats.org/markup-compatibility/2006" xmlns:mv="urn:schemas-microsoft-com:mac:vml" xmlns:p="http://schemas.openxmlformats.org/presentationml/2006/main" xmlns:c="http://schemas.openxmlformats.org/drawingml/2006/chart" xmlns:dgm="http://schemas.openxmlformats.org/drawingml/2006/diagram" xmlns:o="urn:schemas-microsoft-com:office:office" xmlns:v="urn:schemas-microsoft-com:vml" xmlns:pvml="urn:schemas-microsoft-com:office:powerpoint" xmlns:com="http://schemas.openxmlformats.org/drawingml/2006/compatibility" xmlns:p14="http://schemas.microsoft.com/office/powerpoint/2010/main" xmlns:p15="http://schemas.microsoft.com/office/powerpoint/2012/main" xmlns:ahyp="http://schemas.microsoft.com/office/drawing/2018/hyperlinkcolor" matchingName="Caption">
   <p:cSld name="CAPTION_ONLY">
     <p:spTree>
       <p:nvGrpSpPr>
-        <p:cNvPr id="1" name="Shape 41"/>
+        <p:cNvPr id="41" name="Shape 41"/>
         <p:cNvGrpSpPr/>
         <p:nvPr/>
       </p:nvGrpSpPr>
@@ -4957,11 +5217,9 @@
       <p:sp>
         <p:nvSpPr>
           <p:cNvPr id="42" name="Google Shape;42;p10"/>
-          <p:cNvSpPr txBox="1">
-            <a:spLocks noGrp="1"/>
-          </p:cNvSpPr>
+          <p:cNvSpPr txBox="1"/>
           <p:nvPr>
-            <p:ph type="body" idx="1"/>
+            <p:ph idx="1" type="body"/>
           </p:nvPr>
         </p:nvSpPr>
         <p:spPr>
@@ -4974,11 +5232,11 @@
           </a:prstGeom>
         </p:spPr>
         <p:txBody>
-          <a:bodyPr spcFirstLastPara="1" wrap="square" lIns="91425" tIns="91425" rIns="91425" bIns="91425" anchor="ctr" anchorCtr="0">
+          <a:bodyPr anchorCtr="0" anchor="ctr" bIns="91425" lIns="91425" spcFirstLastPara="1" rIns="91425" wrap="square" tIns="91425">
             <a:normAutofit/>
           </a:bodyPr>
           <a:lstStyle>
-            <a:lvl1pPr marL="457200" lvl="0" indent="-228600">
+            <a:lvl1pPr indent="-228600" lvl="0" marL="457200">
               <a:lnSpc>
                 <a:spcPct val="100000"/>
               </a:lnSpc>
@@ -4993,19 +5251,15 @@
               <a:defRPr/>
             </a:lvl1pPr>
           </a:lstStyle>
-          <a:p>
-            <a:endParaRPr/>
-          </a:p>
+          <a:p/>
         </p:txBody>
       </p:sp>
       <p:sp>
         <p:nvSpPr>
           <p:cNvPr id="43" name="Google Shape;43;p10"/>
-          <p:cNvSpPr txBox="1">
-            <a:spLocks noGrp="1"/>
-          </p:cNvSpPr>
+          <p:cNvSpPr txBox="1"/>
           <p:nvPr>
-            <p:ph type="sldNum" idx="12"/>
+            <p:ph idx="12" type="sldNum"/>
           </p:nvPr>
         </p:nvSpPr>
         <p:spPr>
@@ -5018,7 +5272,7 @@
           </a:prstGeom>
         </p:spPr>
         <p:txBody>
-          <a:bodyPr spcFirstLastPara="1" wrap="square" lIns="91425" tIns="91425" rIns="91425" bIns="91425" anchor="ctr" anchorCtr="0">
+          <a:bodyPr anchorCtr="0" anchor="ctr" bIns="91425" lIns="91425" spcFirstLastPara="1" rIns="91425" wrap="square" tIns="91425">
             <a:normAutofit/>
           </a:bodyPr>
           <a:lstStyle>
@@ -5060,7 +5314,7 @@
             </a:lvl9pPr>
           </a:lstStyle>
           <a:p>
-            <a:pPr marL="0" lvl="0" indent="0" algn="r" rtl="0">
+            <a:pPr indent="0" lvl="0" marL="0" rtl="0" algn="r">
               <a:spcBef>
                 <a:spcPts val="0"/>
               </a:spcBef>
@@ -5086,19 +5340,18 @@
 </file>
 
 <file path=ppt/slideMasters/slideMaster1.xml><?xml version="1.0" encoding="utf-8"?>
-<p:sldMaster xmlns:a="http://schemas.openxmlformats.org/drawingml/2006/main" xmlns:r="http://schemas.openxmlformats.org/officeDocument/2006/relationships" xmlns:p="http://schemas.openxmlformats.org/presentationml/2006/main">
+<p:sldMaster xmlns:a="http://schemas.openxmlformats.org/drawingml/2006/main" xmlns:r="http://schemas.openxmlformats.org/officeDocument/2006/relationships" xmlns:mc="http://schemas.openxmlformats.org/markup-compatibility/2006" xmlns:mv="urn:schemas-microsoft-com:mac:vml" xmlns:p="http://schemas.openxmlformats.org/presentationml/2006/main" xmlns:c="http://schemas.openxmlformats.org/drawingml/2006/chart" xmlns:dgm="http://schemas.openxmlformats.org/drawingml/2006/diagram" xmlns:o="urn:schemas-microsoft-com:office:office" xmlns:v="urn:schemas-microsoft-com:vml" xmlns:pvml="urn:schemas-microsoft-com:office:powerpoint" xmlns:com="http://schemas.openxmlformats.org/drawingml/2006/compatibility" xmlns:p14="http://schemas.microsoft.com/office/powerpoint/2010/main" xmlns:p15="http://schemas.microsoft.com/office/powerpoint/2012/main" xmlns:ahyp="http://schemas.microsoft.com/office/drawing/2018/hyperlinkcolor">
   <p:cSld name="simple-light-2">
     <p:bg>
       <p:bgPr>
         <a:solidFill>
           <a:schemeClr val="lt1"/>
         </a:solidFill>
-        <a:effectLst/>
       </p:bgPr>
     </p:bg>
     <p:spTree>
       <p:nvGrpSpPr>
-        <p:cNvPr id="1" name="Shape 5"/>
+        <p:cNvPr id="5" name="Shape 5"/>
         <p:cNvGrpSpPr/>
         <p:nvPr/>
       </p:nvGrpSpPr>
@@ -5113,9 +5366,7 @@
       <p:sp>
         <p:nvSpPr>
           <p:cNvPr id="6" name="Google Shape;6;p1"/>
-          <p:cNvSpPr txBox="1">
-            <a:spLocks noGrp="1"/>
-          </p:cNvSpPr>
+          <p:cNvSpPr txBox="1"/>
           <p:nvPr>
             <p:ph type="title"/>
           </p:nvPr>
@@ -5134,7 +5385,7 @@
           </a:ln>
         </p:spPr>
         <p:txBody>
-          <a:bodyPr spcFirstLastPara="1" wrap="square" lIns="91425" tIns="91425" rIns="91425" bIns="91425" anchor="t" anchorCtr="0">
+          <a:bodyPr anchorCtr="0" anchor="t" bIns="91425" lIns="91425" spcFirstLastPara="1" rIns="91425" wrap="square" tIns="91425">
             <a:normAutofit/>
           </a:bodyPr>
           <a:lstStyle>
@@ -5301,19 +5552,15 @@
               </a:defRPr>
             </a:lvl9pPr>
           </a:lstStyle>
-          <a:p>
-            <a:endParaRPr/>
-          </a:p>
+          <a:p/>
         </p:txBody>
       </p:sp>
       <p:sp>
         <p:nvSpPr>
           <p:cNvPr id="7" name="Google Shape;7;p1"/>
-          <p:cNvSpPr txBox="1">
-            <a:spLocks noGrp="1"/>
-          </p:cNvSpPr>
+          <p:cNvSpPr txBox="1"/>
           <p:nvPr>
-            <p:ph type="body" idx="1"/>
+            <p:ph idx="1" type="body"/>
           </p:nvPr>
         </p:nvSpPr>
         <p:spPr>
@@ -5330,11 +5577,11 @@
           </a:ln>
         </p:spPr>
         <p:txBody>
-          <a:bodyPr spcFirstLastPara="1" wrap="square" lIns="91425" tIns="91425" rIns="91425" bIns="91425" anchor="t" anchorCtr="0">
+          <a:bodyPr anchorCtr="0" anchor="t" bIns="91425" lIns="91425" spcFirstLastPara="1" rIns="91425" wrap="square" tIns="91425">
             <a:normAutofit/>
           </a:bodyPr>
           <a:lstStyle>
-            <a:lvl1pPr marL="457200" lvl="0" indent="-342900">
+            <a:lvl1pPr indent="-342900" lvl="0" marL="457200">
               <a:lnSpc>
                 <a:spcPct val="115000"/>
               </a:lnSpc>
@@ -5355,7 +5602,7 @@
                 </a:solidFill>
               </a:defRPr>
             </a:lvl1pPr>
-            <a:lvl2pPr marL="914400" lvl="1" indent="-317500">
+            <a:lvl2pPr indent="-317500" lvl="1" marL="914400">
               <a:lnSpc>
                 <a:spcPct val="115000"/>
               </a:lnSpc>
@@ -5376,7 +5623,7 @@
                 </a:solidFill>
               </a:defRPr>
             </a:lvl2pPr>
-            <a:lvl3pPr marL="1371600" lvl="2" indent="-317500">
+            <a:lvl3pPr indent="-317500" lvl="2" marL="1371600">
               <a:lnSpc>
                 <a:spcPct val="115000"/>
               </a:lnSpc>
@@ -5397,7 +5644,7 @@
                 </a:solidFill>
               </a:defRPr>
             </a:lvl3pPr>
-            <a:lvl4pPr marL="1828800" lvl="3" indent="-317500">
+            <a:lvl4pPr indent="-317500" lvl="3" marL="1828800">
               <a:lnSpc>
                 <a:spcPct val="115000"/>
               </a:lnSpc>
@@ -5418,7 +5665,7 @@
                 </a:solidFill>
               </a:defRPr>
             </a:lvl4pPr>
-            <a:lvl5pPr marL="2286000" lvl="4" indent="-317500">
+            <a:lvl5pPr indent="-317500" lvl="4" marL="2286000">
               <a:lnSpc>
                 <a:spcPct val="115000"/>
               </a:lnSpc>
@@ -5439,7 +5686,7 @@
                 </a:solidFill>
               </a:defRPr>
             </a:lvl5pPr>
-            <a:lvl6pPr marL="2743200" lvl="5" indent="-317500">
+            <a:lvl6pPr indent="-317500" lvl="5" marL="2743200">
               <a:lnSpc>
                 <a:spcPct val="115000"/>
               </a:lnSpc>
@@ -5460,7 +5707,7 @@
                 </a:solidFill>
               </a:defRPr>
             </a:lvl6pPr>
-            <a:lvl7pPr marL="3200400" lvl="6" indent="-317500">
+            <a:lvl7pPr indent="-317500" lvl="6" marL="3200400">
               <a:lnSpc>
                 <a:spcPct val="115000"/>
               </a:lnSpc>
@@ -5481,7 +5728,7 @@
                 </a:solidFill>
               </a:defRPr>
             </a:lvl7pPr>
-            <a:lvl8pPr marL="3657600" lvl="7" indent="-317500">
+            <a:lvl8pPr indent="-317500" lvl="7" marL="3657600">
               <a:lnSpc>
                 <a:spcPct val="115000"/>
               </a:lnSpc>
@@ -5502,7 +5749,7 @@
                 </a:solidFill>
               </a:defRPr>
             </a:lvl8pPr>
-            <a:lvl9pPr marL="4114800" lvl="8" indent="-317500">
+            <a:lvl9pPr indent="-317500" lvl="8" marL="4114800">
               <a:lnSpc>
                 <a:spcPct val="115000"/>
               </a:lnSpc>
@@ -5524,19 +5771,15 @@
               </a:defRPr>
             </a:lvl9pPr>
           </a:lstStyle>
-          <a:p>
-            <a:endParaRPr/>
-          </a:p>
+          <a:p/>
         </p:txBody>
       </p:sp>
       <p:sp>
         <p:nvSpPr>
           <p:cNvPr id="8" name="Google Shape;8;p1"/>
-          <p:cNvSpPr txBox="1">
-            <a:spLocks noGrp="1"/>
-          </p:cNvSpPr>
+          <p:cNvSpPr txBox="1"/>
           <p:nvPr>
-            <p:ph type="sldNum" idx="12"/>
+            <p:ph idx="12" type="sldNum"/>
           </p:nvPr>
         </p:nvSpPr>
         <p:spPr>
@@ -5553,7 +5796,7 @@
           </a:ln>
         </p:spPr>
         <p:txBody>
-          <a:bodyPr spcFirstLastPara="1" wrap="square" lIns="91425" tIns="91425" rIns="91425" bIns="91425" anchor="ctr" anchorCtr="0">
+          <a:bodyPr anchorCtr="0" anchor="ctr" bIns="91425" lIns="91425" spcFirstLastPara="1" rIns="91425" wrap="square" tIns="91425">
             <a:normAutofit/>
           </a:bodyPr>
           <a:lstStyle>
@@ -5631,7 +5874,7 @@
             </a:lvl9pPr>
           </a:lstStyle>
           <a:p>
-            <a:pPr marL="0" lvl="0" indent="0" algn="r" rtl="0">
+            <a:pPr indent="0" lvl="0" marL="0" rtl="0" algn="r">
               <a:spcBef>
                 <a:spcPts val="0"/>
               </a:spcBef>
@@ -5650,7 +5893,7 @@
       </p:sp>
     </p:spTree>
   </p:cSld>
-  <p:clrMap bg1="lt1" tx1="dk1" bg2="dk2" tx2="lt2" accent1="accent1" accent2="accent2" accent3="accent3" accent4="accent4" accent5="accent5" accent6="accent6" hlink="hlink" folHlink="folHlink"/>
+  <p:clrMap accent1="accent1" accent2="accent2" accent3="accent3" accent4="accent4" accent5="accent5" accent6="accent6" bg1="lt1" bg2="dk2" tx1="dk1" tx2="lt2" folHlink="folHlink" hlink="hlink"/>
   <p:sldLayoutIdLst>
     <p:sldLayoutId id="2147483648" r:id="rId1"/>
     <p:sldLayoutId id="2147483649" r:id="rId2"/>
@@ -5664,10 +5907,10 @@
     <p:sldLayoutId id="2147483657" r:id="rId10"/>
     <p:sldLayoutId id="2147483658" r:id="rId11"/>
   </p:sldLayoutIdLst>
-  <p:hf sldNum="0" hdr="0" ftr="0" dt="0"/>
+  <p:hf dt="0" ftr="0" hdr="0" sldNum="0"/>
   <p:txStyles>
     <p:titleStyle>
-      <a:defPPr marR="0" lvl="0" algn="l" rtl="0">
+      <a:defPPr lvl="0" marR="0" rtl="0" algn="l">
         <a:lnSpc>
           <a:spcPct val="100000"/>
         </a:lnSpc>
@@ -5678,7 +5921,7 @@
           <a:spcPts val="0"/>
         </a:spcAft>
       </a:defPPr>
-      <a:lvl1pPr marR="0" lvl="0" algn="l" rtl="0">
+      <a:lvl1pPr lvl="0" marR="0" rtl="0" algn="l">
         <a:lnSpc>
           <a:spcPct val="100000"/>
         </a:lnSpc>
@@ -5692,7 +5935,7 @@
           <a:srgbClr val="000000"/>
         </a:buClr>
         <a:buFont typeface="Arial"/>
-        <a:defRPr sz="1400" b="0" i="0" u="none" strike="noStrike" cap="none">
+        <a:defRPr b="0" i="0" sz="1400" u="none" cap="none" strike="noStrike">
           <a:solidFill>
             <a:srgbClr val="000000"/>
           </a:solidFill>
@@ -5702,7 +5945,7 @@
           <a:sym typeface="Arial"/>
         </a:defRPr>
       </a:lvl1pPr>
-      <a:lvl2pPr marR="0" lvl="1" algn="l" rtl="0">
+      <a:lvl2pPr lvl="1" marR="0" rtl="0" algn="l">
         <a:lnSpc>
           <a:spcPct val="100000"/>
         </a:lnSpc>
@@ -5716,7 +5959,7 @@
           <a:srgbClr val="000000"/>
         </a:buClr>
         <a:buFont typeface="Arial"/>
-        <a:defRPr sz="1400" b="0" i="0" u="none" strike="noStrike" cap="none">
+        <a:defRPr b="0" i="0" sz="1400" u="none" cap="none" strike="noStrike">
           <a:solidFill>
             <a:srgbClr val="000000"/>
           </a:solidFill>
@@ -5726,7 +5969,7 @@
           <a:sym typeface="Arial"/>
         </a:defRPr>
       </a:lvl2pPr>
-      <a:lvl3pPr marR="0" lvl="2" algn="l" rtl="0">
+      <a:lvl3pPr lvl="2" marR="0" rtl="0" algn="l">
         <a:lnSpc>
           <a:spcPct val="100000"/>
         </a:lnSpc>
@@ -5740,7 +5983,7 @@
           <a:srgbClr val="000000"/>
         </a:buClr>
         <a:buFont typeface="Arial"/>
-        <a:defRPr sz="1400" b="0" i="0" u="none" strike="noStrike" cap="none">
+        <a:defRPr b="0" i="0" sz="1400" u="none" cap="none" strike="noStrike">
           <a:solidFill>
             <a:srgbClr val="000000"/>
           </a:solidFill>
@@ -5750,7 +5993,7 @@
           <a:sym typeface="Arial"/>
         </a:defRPr>
       </a:lvl3pPr>
-      <a:lvl4pPr marR="0" lvl="3" algn="l" rtl="0">
+      <a:lvl4pPr lvl="3" marR="0" rtl="0" algn="l">
         <a:lnSpc>
           <a:spcPct val="100000"/>
         </a:lnSpc>
@@ -5764,7 +6007,7 @@
           <a:srgbClr val="000000"/>
         </a:buClr>
         <a:buFont typeface="Arial"/>
-        <a:defRPr sz="1400" b="0" i="0" u="none" strike="noStrike" cap="none">
+        <a:defRPr b="0" i="0" sz="1400" u="none" cap="none" strike="noStrike">
           <a:solidFill>
             <a:srgbClr val="000000"/>
           </a:solidFill>
@@ -5774,7 +6017,7 @@
           <a:sym typeface="Arial"/>
         </a:defRPr>
       </a:lvl4pPr>
-      <a:lvl5pPr marR="0" lvl="4" algn="l" rtl="0">
+      <a:lvl5pPr lvl="4" marR="0" rtl="0" algn="l">
         <a:lnSpc>
           <a:spcPct val="100000"/>
         </a:lnSpc>
@@ -5788,7 +6031,7 @@
           <a:srgbClr val="000000"/>
         </a:buClr>
         <a:buFont typeface="Arial"/>
-        <a:defRPr sz="1400" b="0" i="0" u="none" strike="noStrike" cap="none">
+        <a:defRPr b="0" i="0" sz="1400" u="none" cap="none" strike="noStrike">
           <a:solidFill>
             <a:srgbClr val="000000"/>
           </a:solidFill>
@@ -5798,7 +6041,7 @@
           <a:sym typeface="Arial"/>
         </a:defRPr>
       </a:lvl5pPr>
-      <a:lvl6pPr marR="0" lvl="5" algn="l" rtl="0">
+      <a:lvl6pPr lvl="5" marR="0" rtl="0" algn="l">
         <a:lnSpc>
           <a:spcPct val="100000"/>
         </a:lnSpc>
@@ -5812,7 +6055,7 @@
           <a:srgbClr val="000000"/>
         </a:buClr>
         <a:buFont typeface="Arial"/>
-        <a:defRPr sz="1400" b="0" i="0" u="none" strike="noStrike" cap="none">
+        <a:defRPr b="0" i="0" sz="1400" u="none" cap="none" strike="noStrike">
           <a:solidFill>
             <a:srgbClr val="000000"/>
           </a:solidFill>
@@ -5822,7 +6065,7 @@
           <a:sym typeface="Arial"/>
         </a:defRPr>
       </a:lvl6pPr>
-      <a:lvl7pPr marR="0" lvl="6" algn="l" rtl="0">
+      <a:lvl7pPr lvl="6" marR="0" rtl="0" algn="l">
         <a:lnSpc>
           <a:spcPct val="100000"/>
         </a:lnSpc>
@@ -5836,7 +6079,7 @@
           <a:srgbClr val="000000"/>
         </a:buClr>
         <a:buFont typeface="Arial"/>
-        <a:defRPr sz="1400" b="0" i="0" u="none" strike="noStrike" cap="none">
+        <a:defRPr b="0" i="0" sz="1400" u="none" cap="none" strike="noStrike">
           <a:solidFill>
             <a:srgbClr val="000000"/>
           </a:solidFill>
@@ -5846,7 +6089,7 @@
           <a:sym typeface="Arial"/>
         </a:defRPr>
       </a:lvl7pPr>
-      <a:lvl8pPr marR="0" lvl="7" algn="l" rtl="0">
+      <a:lvl8pPr lvl="7" marR="0" rtl="0" algn="l">
         <a:lnSpc>
           <a:spcPct val="100000"/>
         </a:lnSpc>
@@ -5860,7 +6103,7 @@
           <a:srgbClr val="000000"/>
         </a:buClr>
         <a:buFont typeface="Arial"/>
-        <a:defRPr sz="1400" b="0" i="0" u="none" strike="noStrike" cap="none">
+        <a:defRPr b="0" i="0" sz="1400" u="none" cap="none" strike="noStrike">
           <a:solidFill>
             <a:srgbClr val="000000"/>
           </a:solidFill>
@@ -5870,7 +6113,7 @@
           <a:sym typeface="Arial"/>
         </a:defRPr>
       </a:lvl8pPr>
-      <a:lvl9pPr marR="0" lvl="8" algn="l" rtl="0">
+      <a:lvl9pPr lvl="8" marR="0" rtl="0" algn="l">
         <a:lnSpc>
           <a:spcPct val="100000"/>
         </a:lnSpc>
@@ -5884,7 +6127,7 @@
           <a:srgbClr val="000000"/>
         </a:buClr>
         <a:buFont typeface="Arial"/>
-        <a:defRPr sz="1400" b="0" i="0" u="none" strike="noStrike" cap="none">
+        <a:defRPr b="0" i="0" sz="1400" u="none" cap="none" strike="noStrike">
           <a:solidFill>
             <a:srgbClr val="000000"/>
           </a:solidFill>
@@ -5896,7 +6139,7 @@
       </a:lvl9pPr>
     </p:titleStyle>
     <p:bodyStyle>
-      <a:defPPr marR="0" lvl="0" algn="l" rtl="0">
+      <a:defPPr lvl="0" marR="0" rtl="0" algn="l">
         <a:lnSpc>
           <a:spcPct val="100000"/>
         </a:lnSpc>
@@ -5907,7 +6150,7 @@
           <a:spcPts val="0"/>
         </a:spcAft>
       </a:defPPr>
-      <a:lvl1pPr marR="0" lvl="0" algn="l" rtl="0">
+      <a:lvl1pPr lvl="0" marR="0" rtl="0" algn="l">
         <a:lnSpc>
           <a:spcPct val="100000"/>
         </a:lnSpc>
@@ -5921,7 +6164,7 @@
           <a:srgbClr val="000000"/>
         </a:buClr>
         <a:buFont typeface="Arial"/>
-        <a:defRPr sz="1400" b="0" i="0" u="none" strike="noStrike" cap="none">
+        <a:defRPr b="0" i="0" sz="1400" u="none" cap="none" strike="noStrike">
           <a:solidFill>
             <a:srgbClr val="000000"/>
           </a:solidFill>
@@ -5931,7 +6174,7 @@
           <a:sym typeface="Arial"/>
         </a:defRPr>
       </a:lvl1pPr>
-      <a:lvl2pPr marR="0" lvl="1" algn="l" rtl="0">
+      <a:lvl2pPr lvl="1" marR="0" rtl="0" algn="l">
         <a:lnSpc>
           <a:spcPct val="100000"/>
         </a:lnSpc>
@@ -5945,7 +6188,7 @@
           <a:srgbClr val="000000"/>
         </a:buClr>
         <a:buFont typeface="Arial"/>
-        <a:defRPr sz="1400" b="0" i="0" u="none" strike="noStrike" cap="none">
+        <a:defRPr b="0" i="0" sz="1400" u="none" cap="none" strike="noStrike">
           <a:solidFill>
             <a:srgbClr val="000000"/>
           </a:solidFill>
@@ -5955,7 +6198,7 @@
           <a:sym typeface="Arial"/>
         </a:defRPr>
       </a:lvl2pPr>
-      <a:lvl3pPr marR="0" lvl="2" algn="l" rtl="0">
+      <a:lvl3pPr lvl="2" marR="0" rtl="0" algn="l">
         <a:lnSpc>
           <a:spcPct val="100000"/>
         </a:lnSpc>
@@ -5969,7 +6212,7 @@
           <a:srgbClr val="000000"/>
         </a:buClr>
         <a:buFont typeface="Arial"/>
-        <a:defRPr sz="1400" b="0" i="0" u="none" strike="noStrike" cap="none">
+        <a:defRPr b="0" i="0" sz="1400" u="none" cap="none" strike="noStrike">
           <a:solidFill>
             <a:srgbClr val="000000"/>
           </a:solidFill>
@@ -5979,7 +6222,7 @@
           <a:sym typeface="Arial"/>
         </a:defRPr>
       </a:lvl3pPr>
-      <a:lvl4pPr marR="0" lvl="3" algn="l" rtl="0">
+      <a:lvl4pPr lvl="3" marR="0" rtl="0" algn="l">
         <a:lnSpc>
           <a:spcPct val="100000"/>
         </a:lnSpc>
@@ -5993,7 +6236,7 @@
           <a:srgbClr val="000000"/>
         </a:buClr>
         <a:buFont typeface="Arial"/>
-        <a:defRPr sz="1400" b="0" i="0" u="none" strike="noStrike" cap="none">
+        <a:defRPr b="0" i="0" sz="1400" u="none" cap="none" strike="noStrike">
           <a:solidFill>
             <a:srgbClr val="000000"/>
           </a:solidFill>
@@ -6003,7 +6246,7 @@
           <a:sym typeface="Arial"/>
         </a:defRPr>
       </a:lvl4pPr>
-      <a:lvl5pPr marR="0" lvl="4" algn="l" rtl="0">
+      <a:lvl5pPr lvl="4" marR="0" rtl="0" algn="l">
         <a:lnSpc>
           <a:spcPct val="100000"/>
         </a:lnSpc>
@@ -6017,7 +6260,7 @@
           <a:srgbClr val="000000"/>
         </a:buClr>
         <a:buFont typeface="Arial"/>
-        <a:defRPr sz="1400" b="0" i="0" u="none" strike="noStrike" cap="none">
+        <a:defRPr b="0" i="0" sz="1400" u="none" cap="none" strike="noStrike">
           <a:solidFill>
             <a:srgbClr val="000000"/>
           </a:solidFill>
@@ -6027,7 +6270,7 @@
           <a:sym typeface="Arial"/>
         </a:defRPr>
       </a:lvl5pPr>
-      <a:lvl6pPr marR="0" lvl="5" algn="l" rtl="0">
+      <a:lvl6pPr lvl="5" marR="0" rtl="0" algn="l">
         <a:lnSpc>
           <a:spcPct val="100000"/>
         </a:lnSpc>
@@ -6041,7 +6284,7 @@
           <a:srgbClr val="000000"/>
         </a:buClr>
         <a:buFont typeface="Arial"/>
-        <a:defRPr sz="1400" b="0" i="0" u="none" strike="noStrike" cap="none">
+        <a:defRPr b="0" i="0" sz="1400" u="none" cap="none" strike="noStrike">
           <a:solidFill>
             <a:srgbClr val="000000"/>
           </a:solidFill>
@@ -6051,7 +6294,7 @@
           <a:sym typeface="Arial"/>
         </a:defRPr>
       </a:lvl6pPr>
-      <a:lvl7pPr marR="0" lvl="6" algn="l" rtl="0">
+      <a:lvl7pPr lvl="6" marR="0" rtl="0" algn="l">
         <a:lnSpc>
           <a:spcPct val="100000"/>
         </a:lnSpc>
@@ -6065,7 +6308,7 @@
           <a:srgbClr val="000000"/>
         </a:buClr>
         <a:buFont typeface="Arial"/>
-        <a:defRPr sz="1400" b="0" i="0" u="none" strike="noStrike" cap="none">
+        <a:defRPr b="0" i="0" sz="1400" u="none" cap="none" strike="noStrike">
           <a:solidFill>
             <a:srgbClr val="000000"/>
           </a:solidFill>
@@ -6075,7 +6318,7 @@
           <a:sym typeface="Arial"/>
         </a:defRPr>
       </a:lvl7pPr>
-      <a:lvl8pPr marR="0" lvl="7" algn="l" rtl="0">
+      <a:lvl8pPr lvl="7" marR="0" rtl="0" algn="l">
         <a:lnSpc>
           <a:spcPct val="100000"/>
         </a:lnSpc>
@@ -6089,7 +6332,7 @@
           <a:srgbClr val="000000"/>
         </a:buClr>
         <a:buFont typeface="Arial"/>
-        <a:defRPr sz="1400" b="0" i="0" u="none" strike="noStrike" cap="none">
+        <a:defRPr b="0" i="0" sz="1400" u="none" cap="none" strike="noStrike">
           <a:solidFill>
             <a:srgbClr val="000000"/>
           </a:solidFill>
@@ -6099,7 +6342,7 @@
           <a:sym typeface="Arial"/>
         </a:defRPr>
       </a:lvl8pPr>
-      <a:lvl9pPr marR="0" lvl="8" algn="l" rtl="0">
+      <a:lvl9pPr lvl="8" marR="0" rtl="0" algn="l">
         <a:lnSpc>
           <a:spcPct val="100000"/>
         </a:lnSpc>
@@ -6113,7 +6356,7 @@
           <a:srgbClr val="000000"/>
         </a:buClr>
         <a:buFont typeface="Arial"/>
-        <a:defRPr sz="1400" b="0" i="0" u="none" strike="noStrike" cap="none">
+        <a:defRPr b="0" i="0" sz="1400" u="none" cap="none" strike="noStrike">
           <a:solidFill>
             <a:srgbClr val="000000"/>
           </a:solidFill>
@@ -6125,7 +6368,7 @@
       </a:lvl9pPr>
     </p:bodyStyle>
     <p:otherStyle>
-      <a:defPPr marR="0" lvl="0" algn="l" rtl="0">
+      <a:defPPr lvl="0" marR="0" rtl="0" algn="l">
         <a:lnSpc>
           <a:spcPct val="100000"/>
         </a:lnSpc>
@@ -6136,7 +6379,7 @@
           <a:spcPts val="0"/>
         </a:spcAft>
       </a:defPPr>
-      <a:lvl1pPr marR="0" lvl="0" algn="l" rtl="0">
+      <a:lvl1pPr lvl="0" marR="0" rtl="0" algn="l">
         <a:lnSpc>
           <a:spcPct val="100000"/>
         </a:lnSpc>
@@ -6150,7 +6393,7 @@
           <a:srgbClr val="000000"/>
         </a:buClr>
         <a:buFont typeface="Arial"/>
-        <a:defRPr sz="1400" b="0" i="0" u="none" strike="noStrike" cap="none">
+        <a:defRPr b="0" i="0" sz="1400" u="none" cap="none" strike="noStrike">
           <a:solidFill>
             <a:srgbClr val="000000"/>
           </a:solidFill>
@@ -6160,7 +6403,7 @@
           <a:sym typeface="Arial"/>
         </a:defRPr>
       </a:lvl1pPr>
-      <a:lvl2pPr marR="0" lvl="1" algn="l" rtl="0">
+      <a:lvl2pPr lvl="1" marR="0" rtl="0" algn="l">
         <a:lnSpc>
           <a:spcPct val="100000"/>
         </a:lnSpc>
@@ -6174,7 +6417,7 @@
           <a:srgbClr val="000000"/>
         </a:buClr>
         <a:buFont typeface="Arial"/>
-        <a:defRPr sz="1400" b="0" i="0" u="none" strike="noStrike" cap="none">
+        <a:defRPr b="0" i="0" sz="1400" u="none" cap="none" strike="noStrike">
           <a:solidFill>
             <a:srgbClr val="000000"/>
           </a:solidFill>
@@ -6184,7 +6427,7 @@
           <a:sym typeface="Arial"/>
         </a:defRPr>
       </a:lvl2pPr>
-      <a:lvl3pPr marR="0" lvl="2" algn="l" rtl="0">
+      <a:lvl3pPr lvl="2" marR="0" rtl="0" algn="l">
         <a:lnSpc>
           <a:spcPct val="100000"/>
         </a:lnSpc>
@@ -6198,7 +6441,7 @@
           <a:srgbClr val="000000"/>
         </a:buClr>
         <a:buFont typeface="Arial"/>
-        <a:defRPr sz="1400" b="0" i="0" u="none" strike="noStrike" cap="none">
+        <a:defRPr b="0" i="0" sz="1400" u="none" cap="none" strike="noStrike">
           <a:solidFill>
             <a:srgbClr val="000000"/>
           </a:solidFill>
@@ -6208,7 +6451,7 @@
           <a:sym typeface="Arial"/>
         </a:defRPr>
       </a:lvl3pPr>
-      <a:lvl4pPr marR="0" lvl="3" algn="l" rtl="0">
+      <a:lvl4pPr lvl="3" marR="0" rtl="0" algn="l">
         <a:lnSpc>
           <a:spcPct val="100000"/>
         </a:lnSpc>
@@ -6222,7 +6465,7 @@
           <a:srgbClr val="000000"/>
         </a:buClr>
         <a:buFont typeface="Arial"/>
-        <a:defRPr sz="1400" b="0" i="0" u="none" strike="noStrike" cap="none">
+        <a:defRPr b="0" i="0" sz="1400" u="none" cap="none" strike="noStrike">
           <a:solidFill>
             <a:srgbClr val="000000"/>
           </a:solidFill>
@@ -6232,7 +6475,7 @@
           <a:sym typeface="Arial"/>
         </a:defRPr>
       </a:lvl4pPr>
-      <a:lvl5pPr marR="0" lvl="4" algn="l" rtl="0">
+      <a:lvl5pPr lvl="4" marR="0" rtl="0" algn="l">
         <a:lnSpc>
           <a:spcPct val="100000"/>
         </a:lnSpc>
@@ -6246,7 +6489,7 @@
           <a:srgbClr val="000000"/>
         </a:buClr>
         <a:buFont typeface="Arial"/>
-        <a:defRPr sz="1400" b="0" i="0" u="none" strike="noStrike" cap="none">
+        <a:defRPr b="0" i="0" sz="1400" u="none" cap="none" strike="noStrike">
           <a:solidFill>
             <a:srgbClr val="000000"/>
           </a:solidFill>
@@ -6256,7 +6499,7 @@
           <a:sym typeface="Arial"/>
         </a:defRPr>
       </a:lvl5pPr>
-      <a:lvl6pPr marR="0" lvl="5" algn="l" rtl="0">
+      <a:lvl6pPr lvl="5" marR="0" rtl="0" algn="l">
         <a:lnSpc>
           <a:spcPct val="100000"/>
         </a:lnSpc>
@@ -6270,7 +6513,7 @@
           <a:srgbClr val="000000"/>
         </a:buClr>
         <a:buFont typeface="Arial"/>
-        <a:defRPr sz="1400" b="0" i="0" u="none" strike="noStrike" cap="none">
+        <a:defRPr b="0" i="0" sz="1400" u="none" cap="none" strike="noStrike">
           <a:solidFill>
             <a:srgbClr val="000000"/>
           </a:solidFill>
@@ -6280,7 +6523,7 @@
           <a:sym typeface="Arial"/>
         </a:defRPr>
       </a:lvl6pPr>
-      <a:lvl7pPr marR="0" lvl="6" algn="l" rtl="0">
+      <a:lvl7pPr lvl="6" marR="0" rtl="0" algn="l">
         <a:lnSpc>
           <a:spcPct val="100000"/>
         </a:lnSpc>
@@ -6294,7 +6537,7 @@
           <a:srgbClr val="000000"/>
         </a:buClr>
         <a:buFont typeface="Arial"/>
-        <a:defRPr sz="1400" b="0" i="0" u="none" strike="noStrike" cap="none">
+        <a:defRPr b="0" i="0" sz="1400" u="none" cap="none" strike="noStrike">
           <a:solidFill>
             <a:srgbClr val="000000"/>
           </a:solidFill>
@@ -6304,7 +6547,7 @@
           <a:sym typeface="Arial"/>
         </a:defRPr>
       </a:lvl7pPr>
-      <a:lvl8pPr marR="0" lvl="7" algn="l" rtl="0">
+      <a:lvl8pPr lvl="7" marR="0" rtl="0" algn="l">
         <a:lnSpc>
           <a:spcPct val="100000"/>
         </a:lnSpc>
@@ -6318,7 +6561,7 @@
           <a:srgbClr val="000000"/>
         </a:buClr>
         <a:buFont typeface="Arial"/>
-        <a:defRPr sz="1400" b="0" i="0" u="none" strike="noStrike" cap="none">
+        <a:defRPr b="0" i="0" sz="1400" u="none" cap="none" strike="noStrike">
           <a:solidFill>
             <a:srgbClr val="000000"/>
           </a:solidFill>
@@ -6328,7 +6571,7 @@
           <a:sym typeface="Arial"/>
         </a:defRPr>
       </a:lvl8pPr>
-      <a:lvl9pPr marR="0" lvl="8" algn="l" rtl="0">
+      <a:lvl9pPr lvl="8" marR="0" rtl="0" algn="l">
         <a:lnSpc>
           <a:spcPct val="100000"/>
         </a:lnSpc>
@@ -6342,7 +6585,7 @@
           <a:srgbClr val="000000"/>
         </a:buClr>
         <a:buFont typeface="Arial"/>
-        <a:defRPr sz="1400" b="0" i="0" u="none" strike="noStrike" cap="none">
+        <a:defRPr b="0" i="0" sz="1400" u="none" cap="none" strike="noStrike">
           <a:solidFill>
             <a:srgbClr val="000000"/>
           </a:solidFill>
@@ -6358,7 +6601,7 @@
 </file>
 
 <file path=ppt/slides/slide1.xml><?xml version="1.0" encoding="utf-8"?>
-<p:sld xmlns:a="http://schemas.openxmlformats.org/drawingml/2006/main" xmlns:r="http://schemas.openxmlformats.org/officeDocument/2006/relationships" xmlns:p="http://schemas.openxmlformats.org/presentationml/2006/main">
+<p:sld xmlns:a="http://schemas.openxmlformats.org/drawingml/2006/main" xmlns:r="http://schemas.openxmlformats.org/officeDocument/2006/relationships" xmlns:mc="http://schemas.openxmlformats.org/markup-compatibility/2006" xmlns:mv="urn:schemas-microsoft-com:mac:vml" xmlns:p="http://schemas.openxmlformats.org/presentationml/2006/main" xmlns:c="http://schemas.openxmlformats.org/drawingml/2006/chart" xmlns:dgm="http://schemas.openxmlformats.org/drawingml/2006/diagram" xmlns:o="urn:schemas-microsoft-com:office:office" xmlns:v="urn:schemas-microsoft-com:vml" xmlns:pvml="urn:schemas-microsoft-com:office:powerpoint" xmlns:com="http://schemas.openxmlformats.org/drawingml/2006/compatibility" xmlns:p14="http://schemas.microsoft.com/office/powerpoint/2010/main" xmlns:p15="http://schemas.microsoft.com/office/powerpoint/2012/main" xmlns:ahyp="http://schemas.microsoft.com/office/drawing/2018/hyperlinkcolor">
   <p:cSld>
     <p:bg>
       <p:bgPr>
@@ -6370,12 +6613,11 @@
             <a:fillRect/>
           </a:stretch>
         </a:blipFill>
-        <a:effectLst/>
       </p:bgPr>
     </p:bg>
     <p:spTree>
       <p:nvGrpSpPr>
-        <p:cNvPr id="1" name="Shape 54"/>
+        <p:cNvPr id="54" name="Shape 54"/>
         <p:cNvGrpSpPr/>
         <p:nvPr/>
       </p:nvGrpSpPr>
@@ -6395,7 +6637,7 @@
         </p:nvSpPr>
         <p:spPr>
           <a:xfrm>
-            <a:off x="3751175" y="1237575"/>
+            <a:off x="3751175" y="856575"/>
             <a:ext cx="5697600" cy="916200"/>
           </a:xfrm>
           <a:prstGeom prst="rect">
@@ -6407,12 +6649,12 @@
           </a:ln>
         </p:spPr>
         <p:txBody>
-          <a:bodyPr spcFirstLastPara="1" wrap="square" lIns="91425" tIns="91425" rIns="91425" bIns="91425" anchor="t" anchorCtr="0">
+          <a:bodyPr anchorCtr="0" anchor="t" bIns="91425" lIns="91425" spcFirstLastPara="1" rIns="91425" wrap="square" tIns="91425">
             <a:noAutofit/>
           </a:bodyPr>
           <a:lstStyle/>
           <a:p>
-            <a:pPr marL="0" lvl="0" indent="0" algn="l" rtl="0">
+            <a:pPr indent="0" lvl="0" marL="0" rtl="0" algn="l">
               <a:spcBef>
                 <a:spcPts val="0"/>
               </a:spcBef>
@@ -6422,7 +6664,7 @@
               <a:buNone/>
             </a:pPr>
             <a:r>
-              <a:rPr lang="en-GB" sz="4300" b="1">
+              <a:rPr b="1" lang="en-GB" sz="4300">
                 <a:solidFill>
                   <a:schemeClr val="lt1"/>
                 </a:solidFill>
@@ -6433,7 +6675,7 @@
               </a:rPr>
               <a:t>Samar Abu Hdeeb</a:t>
             </a:r>
-            <a:endParaRPr sz="4300" b="1">
+            <a:endParaRPr b="1" sz="4300">
               <a:solidFill>
                 <a:schemeClr val="lt1"/>
               </a:solidFill>
@@ -6458,29 +6700,29 @@
           </a:xfrm>
           <a:prstGeom prst="roundRect">
             <a:avLst>
-              <a:gd name="adj" fmla="val 16667"/>
+              <a:gd fmla="val 16667" name="adj"/>
             </a:avLst>
           </a:prstGeom>
           <a:solidFill>
             <a:srgbClr val="2A3891"/>
           </a:solidFill>
-          <a:ln w="9525" cap="flat" cmpd="sng">
+          <a:ln cap="flat" cmpd="sng" w="9525">
             <a:solidFill>
               <a:srgbClr val="2A3891"/>
             </a:solidFill>
             <a:prstDash val="solid"/>
             <a:round/>
-            <a:headEnd type="none" w="sm" len="sm"/>
-            <a:tailEnd type="none" w="sm" len="sm"/>
+            <a:headEnd len="sm" w="sm" type="none"/>
+            <a:tailEnd len="sm" w="sm" type="none"/>
           </a:ln>
         </p:spPr>
         <p:txBody>
-          <a:bodyPr spcFirstLastPara="1" wrap="square" lIns="91425" tIns="91425" rIns="91425" bIns="91425" anchor="ctr" anchorCtr="0">
+          <a:bodyPr anchorCtr="0" anchor="ctr" bIns="91425" lIns="91425" spcFirstLastPara="1" rIns="91425" wrap="square" tIns="91425">
             <a:noAutofit/>
           </a:bodyPr>
           <a:lstStyle/>
           <a:p>
-            <a:pPr marL="0" lvl="0" indent="0" algn="ctr" rtl="0">
+            <a:pPr indent="0" lvl="0" marL="0" rtl="0" algn="ctr">
               <a:spcBef>
                 <a:spcPts val="0"/>
               </a:spcBef>
@@ -6489,6 +6731,9 @@
               </a:spcAft>
               <a:buNone/>
             </a:pPr>
+            <a:r>
+              <a:t/>
+            </a:r>
             <a:endParaRPr/>
           </a:p>
         </p:txBody>
@@ -6506,29 +6751,29 @@
           </a:xfrm>
           <a:prstGeom prst="roundRect">
             <a:avLst>
-              <a:gd name="adj" fmla="val 16667"/>
+              <a:gd fmla="val 16667" name="adj"/>
             </a:avLst>
           </a:prstGeom>
           <a:solidFill>
             <a:srgbClr val="2A3891"/>
           </a:solidFill>
-          <a:ln w="9525" cap="flat" cmpd="sng">
+          <a:ln cap="flat" cmpd="sng" w="9525">
             <a:solidFill>
               <a:srgbClr val="2A3891"/>
             </a:solidFill>
             <a:prstDash val="solid"/>
             <a:round/>
-            <a:headEnd type="none" w="sm" len="sm"/>
-            <a:tailEnd type="none" w="sm" len="sm"/>
+            <a:headEnd len="sm" w="sm" type="none"/>
+            <a:tailEnd len="sm" w="sm" type="none"/>
           </a:ln>
         </p:spPr>
         <p:txBody>
-          <a:bodyPr spcFirstLastPara="1" wrap="square" lIns="91425" tIns="91425" rIns="91425" bIns="91425" anchor="ctr" anchorCtr="0">
+          <a:bodyPr anchorCtr="0" anchor="ctr" bIns="91425" lIns="91425" spcFirstLastPara="1" rIns="91425" wrap="square" tIns="91425">
             <a:noAutofit/>
           </a:bodyPr>
           <a:lstStyle/>
           <a:p>
-            <a:pPr marL="0" lvl="0" indent="0" algn="ctr" rtl="0">
+            <a:pPr indent="0" lvl="0" marL="0" rtl="0" algn="ctr">
               <a:spcBef>
                 <a:spcPts val="0"/>
               </a:spcBef>
@@ -6537,6 +6782,9 @@
               </a:spcAft>
               <a:buNone/>
             </a:pPr>
+            <a:r>
+              <a:t/>
+            </a:r>
             <a:endParaRPr/>
           </a:p>
         </p:txBody>
@@ -6551,7 +6799,7 @@
           <a:blip r:embed="rId4">
             <a:alphaModFix/>
           </a:blip>
-          <a:srcRect l="4058" t="7570"/>
+          <a:srcRect b="0" l="4058" r="0" t="7570"/>
           <a:stretch/>
         </p:blipFill>
         <p:spPr>
@@ -6570,7 +6818,7 @@
       </p:pic>
       <p:pic>
         <p:nvPicPr>
-          <p:cNvPr id="59" name="Google Shape;59;p13" descr="A logo with yellow and blue text&#10;&#10;Description automatically generated"/>
+          <p:cNvPr descr="A logo with yellow and blue text&#10;&#10;Description automatically generated" id="59" name="Google Shape;59;p13"/>
           <p:cNvPicPr preferRelativeResize="0"/>
           <p:nvPr/>
         </p:nvPicPr>
@@ -6578,7 +6826,7 @@
           <a:blip r:embed="rId5">
             <a:alphaModFix/>
           </a:blip>
-          <a:srcRect r="18126"/>
+          <a:srcRect b="0" l="0" r="18126" t="0"/>
           <a:stretch/>
         </p:blipFill>
         <p:spPr>
@@ -6595,6 +6843,120 @@
           </a:ln>
         </p:spPr>
       </p:pic>
+      <p:sp>
+        <p:nvSpPr>
+          <p:cNvPr id="60" name="Google Shape;60;p13"/>
+          <p:cNvSpPr txBox="1"/>
+          <p:nvPr/>
+        </p:nvSpPr>
+        <p:spPr>
+          <a:xfrm>
+            <a:off x="4726325" y="1943625"/>
+            <a:ext cx="4052100" cy="975300"/>
+          </a:xfrm>
+          <a:prstGeom prst="rect">
+            <a:avLst/>
+          </a:prstGeom>
+          <a:noFill/>
+          <a:ln>
+            <a:noFill/>
+          </a:ln>
+        </p:spPr>
+        <p:txBody>
+          <a:bodyPr anchorCtr="0" anchor="t" bIns="91425" lIns="91425" spcFirstLastPara="1" rIns="91425" wrap="square" tIns="91425">
+            <a:noAutofit/>
+          </a:bodyPr>
+          <a:lstStyle/>
+          <a:p>
+            <a:pPr indent="0" lvl="0" marL="0" rtl="0" algn="ctr">
+              <a:spcBef>
+                <a:spcPts val="0"/>
+              </a:spcBef>
+              <a:spcAft>
+                <a:spcPts val="0"/>
+              </a:spcAft>
+              <a:buNone/>
+            </a:pPr>
+            <a:r>
+              <a:rPr lang="en-GB" sz="1800">
+                <a:solidFill>
+                  <a:schemeClr val="lt1"/>
+                </a:solidFill>
+                <a:latin typeface="Comfortaa Light"/>
+                <a:ea typeface="Comfortaa Light"/>
+                <a:cs typeface="Comfortaa Light"/>
+                <a:sym typeface="Comfortaa Light"/>
+              </a:rPr>
+              <a:t>Computer science </a:t>
+            </a:r>
+            <a:r>
+              <a:rPr lang="en-GB" sz="1800">
+                <a:solidFill>
+                  <a:schemeClr val="lt1"/>
+                </a:solidFill>
+                <a:latin typeface="Comfortaa Light"/>
+                <a:ea typeface="Comfortaa Light"/>
+                <a:cs typeface="Comfortaa Light"/>
+                <a:sym typeface="Comfortaa Light"/>
+              </a:rPr>
+              <a:t>graduate,</a:t>
+            </a:r>
+            <a:endParaRPr sz="1800">
+              <a:solidFill>
+                <a:schemeClr val="lt1"/>
+              </a:solidFill>
+              <a:latin typeface="Comfortaa Light"/>
+              <a:ea typeface="Comfortaa Light"/>
+              <a:cs typeface="Comfortaa Light"/>
+              <a:sym typeface="Comfortaa Light"/>
+            </a:endParaRPr>
+          </a:p>
+          <a:p>
+            <a:pPr indent="0" lvl="0" marL="0" rtl="0" algn="ctr">
+              <a:spcBef>
+                <a:spcPts val="0"/>
+              </a:spcBef>
+              <a:spcAft>
+                <a:spcPts val="0"/>
+              </a:spcAft>
+              <a:buNone/>
+            </a:pPr>
+            <a:r>
+              <a:rPr lang="en-GB" sz="1800">
+                <a:solidFill>
+                  <a:schemeClr val="lt1"/>
+                </a:solidFill>
+                <a:latin typeface="Comfortaa Light"/>
+                <a:ea typeface="Comfortaa Light"/>
+                <a:cs typeface="Comfortaa Light"/>
+                <a:sym typeface="Comfortaa Light"/>
+              </a:rPr>
+              <a:t>Student at Athar in an Automation course </a:t>
+            </a:r>
+            <a:r>
+              <a:rPr lang="en-GB" sz="1800">
+                <a:solidFill>
+                  <a:schemeClr val="lt1"/>
+                </a:solidFill>
+                <a:latin typeface="Comfortaa Light"/>
+                <a:ea typeface="Comfortaa Light"/>
+                <a:cs typeface="Comfortaa Light"/>
+                <a:sym typeface="Comfortaa Light"/>
+              </a:rPr>
+              <a:t> </a:t>
+            </a:r>
+            <a:endParaRPr sz="1800">
+              <a:solidFill>
+                <a:schemeClr val="lt1"/>
+              </a:solidFill>
+              <a:latin typeface="Comfortaa Light"/>
+              <a:ea typeface="Comfortaa Light"/>
+              <a:cs typeface="Comfortaa Light"/>
+              <a:sym typeface="Comfortaa Light"/>
+            </a:endParaRPr>
+          </a:p>
+        </p:txBody>
+      </p:sp>
     </p:spTree>
   </p:cSld>
   <p:clrMapOvr>
@@ -6604,11 +6966,11 @@
 </file>
 
 <file path=ppt/slides/slide2.xml><?xml version="1.0" encoding="utf-8"?>
-<p:sld xmlns:a="http://schemas.openxmlformats.org/drawingml/2006/main" xmlns:r="http://schemas.openxmlformats.org/officeDocument/2006/relationships" xmlns:p="http://schemas.openxmlformats.org/presentationml/2006/main">
+<p:sld xmlns:a="http://schemas.openxmlformats.org/drawingml/2006/main" xmlns:r="http://schemas.openxmlformats.org/officeDocument/2006/relationships" xmlns:mc="http://schemas.openxmlformats.org/markup-compatibility/2006" xmlns:mv="urn:schemas-microsoft-com:mac:vml" xmlns:p="http://schemas.openxmlformats.org/presentationml/2006/main" xmlns:c="http://schemas.openxmlformats.org/drawingml/2006/chart" xmlns:dgm="http://schemas.openxmlformats.org/drawingml/2006/diagram" xmlns:o="urn:schemas-microsoft-com:office:office" xmlns:v="urn:schemas-microsoft-com:vml" xmlns:pvml="urn:schemas-microsoft-com:office:powerpoint" xmlns:com="http://schemas.openxmlformats.org/drawingml/2006/compatibility" xmlns:p14="http://schemas.microsoft.com/office/powerpoint/2010/main" xmlns:p15="http://schemas.microsoft.com/office/powerpoint/2012/main" xmlns:ahyp="http://schemas.microsoft.com/office/drawing/2018/hyperlinkcolor">
   <p:cSld>
     <p:spTree>
       <p:nvGrpSpPr>
-        <p:cNvPr id="1" name="Shape 63"/>
+        <p:cNvPr id="64" name="Shape 64"/>
         <p:cNvGrpSpPr/>
         <p:nvPr/>
       </p:nvGrpSpPr>
@@ -6622,7 +6984,7 @@
       </p:grpSpPr>
       <p:pic>
         <p:nvPicPr>
-          <p:cNvPr id="64" name="Google Shape;64;p14"/>
+          <p:cNvPr id="65" name="Google Shape;65;p14"/>
           <p:cNvPicPr preferRelativeResize="0"/>
           <p:nvPr/>
         </p:nvPicPr>
@@ -6650,7 +7012,7 @@
       </p:pic>
       <p:sp>
         <p:nvSpPr>
-          <p:cNvPr id="65" name="Google Shape;65;p14"/>
+          <p:cNvPr id="66" name="Google Shape;66;p14"/>
           <p:cNvSpPr txBox="1"/>
           <p:nvPr/>
         </p:nvSpPr>
@@ -6668,12 +7030,12 @@
           </a:ln>
         </p:spPr>
         <p:txBody>
-          <a:bodyPr spcFirstLastPara="1" wrap="square" lIns="91425" tIns="91425" rIns="91425" bIns="91425" anchor="t" anchorCtr="0">
+          <a:bodyPr anchorCtr="0" anchor="t" bIns="91425" lIns="91425" spcFirstLastPara="1" rIns="91425" wrap="square" tIns="91425">
             <a:noAutofit/>
           </a:bodyPr>
           <a:lstStyle/>
           <a:p>
-            <a:pPr marL="0" lvl="0" indent="0" algn="l" rtl="0">
+            <a:pPr indent="0" lvl="0" marL="0" rtl="0" algn="l">
               <a:spcBef>
                 <a:spcPts val="0"/>
               </a:spcBef>
@@ -6692,7 +7054,19 @@
                 <a:cs typeface="Comfortaa"/>
                 <a:sym typeface="Comfortaa"/>
               </a:rPr>
-              <a:t>Telerik  overview </a:t>
+              <a:t>Telerik </a:t>
+            </a:r>
+            <a:r>
+              <a:rPr lang="en-GB" sz="2400">
+                <a:solidFill>
+                  <a:schemeClr val="dk1"/>
+                </a:solidFill>
+                <a:latin typeface="Comfortaa"/>
+                <a:ea typeface="Comfortaa"/>
+                <a:cs typeface="Comfortaa"/>
+                <a:sym typeface="Comfortaa"/>
+              </a:rPr>
+              <a:t> overview </a:t>
             </a:r>
             <a:endParaRPr sz="2400">
               <a:solidFill>
@@ -6708,14 +7082,14 @@
       </p:sp>
       <p:sp>
         <p:nvSpPr>
-          <p:cNvPr id="66" name="Google Shape;66;p14"/>
+          <p:cNvPr id="67" name="Google Shape;67;p14"/>
           <p:cNvSpPr txBox="1"/>
           <p:nvPr/>
         </p:nvSpPr>
         <p:spPr>
           <a:xfrm>
             <a:off x="5199300" y="907175"/>
-            <a:ext cx="3996000" cy="4148798"/>
+            <a:ext cx="3996000" cy="3829500"/>
           </a:xfrm>
           <a:prstGeom prst="rect">
             <a:avLst/>
@@ -6726,12 +7100,12 @@
           </a:ln>
         </p:spPr>
         <p:txBody>
-          <a:bodyPr spcFirstLastPara="1" wrap="square" lIns="91425" tIns="91425" rIns="91425" bIns="91425" anchor="t" anchorCtr="0">
+          <a:bodyPr anchorCtr="0" anchor="t" bIns="91425" lIns="91425" spcFirstLastPara="1" rIns="91425" wrap="square" tIns="91425">
             <a:spAutoFit/>
           </a:bodyPr>
           <a:lstStyle/>
           <a:p>
-            <a:pPr marL="457200" lvl="0" indent="-330200" algn="l" rtl="0">
+            <a:pPr indent="-330200" lvl="0" marL="457200" rtl="0" algn="l">
               <a:lnSpc>
                 <a:spcPct val="115000"/>
               </a:lnSpc>
@@ -6746,7 +7120,7 @@
               <a:buAutoNum type="arabicPeriod"/>
             </a:pPr>
             <a:r>
-              <a:rPr lang="en-GB" sz="1600" b="1" dirty="0">
+              <a:rPr b="1" lang="en-GB" sz="1600">
                 <a:highlight>
                   <a:schemeClr val="lt1"/>
                 </a:highlight>
@@ -6758,7 +7132,7 @@
               <a:t>UI Components</a:t>
             </a:r>
             <a:r>
-              <a:rPr lang="en-GB" sz="1600" dirty="0">
+              <a:rPr lang="en-GB" sz="1600">
                 <a:highlight>
                   <a:schemeClr val="lt1"/>
                 </a:highlight>
@@ -6767,34 +7141,10 @@
                 <a:cs typeface="Georgia"/>
                 <a:sym typeface="Georgia"/>
               </a:rPr>
-              <a:t>: </a:t>
-            </a:r>
-            <a:r>
-              <a:rPr lang="en-GB" sz="1600" dirty="0" err="1">
-                <a:highlight>
-                  <a:schemeClr val="lt1"/>
-                </a:highlight>
-                <a:latin typeface="Georgia"/>
-                <a:ea typeface="Georgia"/>
-                <a:cs typeface="Georgia"/>
-                <a:sym typeface="Georgia"/>
-              </a:rPr>
-              <a:t>e.g</a:t>
-            </a:r>
-            <a:r>
-              <a:rPr lang="en-GB" sz="1600" dirty="0">
-                <a:highlight>
-                  <a:schemeClr val="lt1"/>
-                </a:highlight>
-                <a:latin typeface="Georgia"/>
-                <a:ea typeface="Georgia"/>
-                <a:cs typeface="Georgia"/>
-                <a:sym typeface="Georgia"/>
-              </a:rPr>
-              <a:t> </a:t>
-            </a:r>
-            <a:r>
-              <a:rPr lang="en-GB" sz="1600" dirty="0">
+              <a:t>: e.g </a:t>
+            </a:r>
+            <a:r>
+              <a:rPr lang="en-GB" sz="1600">
                 <a:solidFill>
                   <a:schemeClr val="dk1"/>
                 </a:solidFill>
@@ -6808,7 +7158,7 @@
               </a:rPr>
               <a:t>Angular, React, Vue</a:t>
             </a:r>
-            <a:endParaRPr sz="1600" dirty="0">
+            <a:endParaRPr sz="1600">
               <a:solidFill>
                 <a:schemeClr val="dk1"/>
               </a:solidFill>
@@ -6822,7 +7172,7 @@
             </a:endParaRPr>
           </a:p>
           <a:p>
-            <a:pPr marL="1257300" lvl="0" indent="-342900" algn="l" rtl="0">
+            <a:pPr indent="0" lvl="0" marL="914400" rtl="0" algn="l">
               <a:lnSpc>
                 <a:spcPct val="115000"/>
               </a:lnSpc>
@@ -6832,10 +7182,12 @@
               <a:spcAft>
                 <a:spcPts val="0"/>
               </a:spcAft>
-              <a:buFont typeface="+mj-lt"/>
-              <a:buAutoNum type="arabicPeriod"/>
+              <a:buNone/>
             </a:pPr>
-            <a:endParaRPr sz="1600" dirty="0">
+            <a:r>
+              <a:t/>
+            </a:r>
+            <a:endParaRPr sz="1600">
               <a:solidFill>
                 <a:schemeClr val="dk1"/>
               </a:solidFill>
@@ -6849,7 +7201,7 @@
             </a:endParaRPr>
           </a:p>
           <a:p>
-            <a:pPr marL="457200" lvl="0" indent="-330200" algn="l" rtl="0">
+            <a:pPr indent="-330200" lvl="0" marL="457200" rtl="0" algn="l">
               <a:lnSpc>
                 <a:spcPct val="115000"/>
               </a:lnSpc>
@@ -6867,7 +7219,7 @@
               <a:buAutoNum type="arabicPeriod"/>
             </a:pPr>
             <a:r>
-              <a:rPr lang="en-GB" sz="1600" b="1" dirty="0">
+              <a:rPr b="1" lang="en-GB" sz="1600">
                 <a:solidFill>
                   <a:schemeClr val="dk1"/>
                 </a:solidFill>
@@ -6882,7 +7234,7 @@
               <a:t>Kendo UI: </a:t>
             </a:r>
             <a:r>
-              <a:rPr lang="en-GB" sz="1600" dirty="0">
+              <a:rPr lang="en-GB" sz="1600">
                 <a:solidFill>
                   <a:schemeClr val="dk1"/>
                 </a:solidFill>
@@ -6894,9 +7246,24 @@
                 <a:cs typeface="Georgia"/>
                 <a:sym typeface="Georgia"/>
               </a:rPr>
-              <a:t> focused on delivering JavaScript-based UI components for frameworks like Angular</a:t>
-            </a:r>
-            <a:endParaRPr sz="1600" dirty="0">
+              <a:t> focused on delivering JavaScript-based UI components for frameworks like Angula</a:t>
+            </a:r>
+            <a:r>
+              <a:rPr lang="en-GB" sz="1600">
+                <a:solidFill>
+                  <a:schemeClr val="dk1"/>
+                </a:solidFill>
+                <a:highlight>
+                  <a:schemeClr val="lt1"/>
+                </a:highlight>
+                <a:latin typeface="Georgia"/>
+                <a:ea typeface="Georgia"/>
+                <a:cs typeface="Georgia"/>
+                <a:sym typeface="Georgia"/>
+              </a:rPr>
+              <a:t>r</a:t>
+            </a:r>
+            <a:endParaRPr sz="1600">
               <a:solidFill>
                 <a:schemeClr val="dk1"/>
               </a:solidFill>
@@ -6910,7 +7277,7 @@
             </a:endParaRPr>
           </a:p>
           <a:p>
-            <a:pPr marL="1257300" lvl="0" indent="-342900" algn="l" rtl="0">
+            <a:pPr indent="0" lvl="0" marL="914400" rtl="0" algn="l">
               <a:lnSpc>
                 <a:spcPct val="115000"/>
               </a:lnSpc>
@@ -6920,10 +7287,12 @@
               <a:spcAft>
                 <a:spcPts val="0"/>
               </a:spcAft>
-              <a:buFont typeface="+mj-lt"/>
-              <a:buAutoNum type="arabicPeriod"/>
+              <a:buNone/>
             </a:pPr>
-            <a:endParaRPr sz="1600" dirty="0">
+            <a:r>
+              <a:t/>
+            </a:r>
+            <a:endParaRPr sz="1600">
               <a:solidFill>
                 <a:schemeClr val="dk1"/>
               </a:solidFill>
@@ -6937,7 +7306,7 @@
             </a:endParaRPr>
           </a:p>
           <a:p>
-            <a:pPr marL="457200" lvl="0" indent="-330200" algn="l" rtl="0">
+            <a:pPr indent="-330200" lvl="0" marL="457200" rtl="0" algn="l">
               <a:lnSpc>
                 <a:spcPct val="115000"/>
               </a:lnSpc>
@@ -6955,7 +7324,7 @@
               <a:buAutoNum type="arabicPeriod"/>
             </a:pPr>
             <a:r>
-              <a:rPr lang="en-GB" sz="1600" b="1" dirty="0">
+              <a:rPr b="1" lang="en-GB" sz="1600">
                 <a:solidFill>
                   <a:schemeClr val="dk1"/>
                 </a:solidFill>
@@ -6970,7 +7339,7 @@
               <a:t>Reporting and Analytics Tools</a:t>
             </a:r>
             <a:r>
-              <a:rPr lang="en-GB" sz="1600" dirty="0">
+              <a:rPr lang="en-GB" sz="1600">
                 <a:solidFill>
                   <a:schemeClr val="dk1"/>
                 </a:solidFill>
@@ -6984,7 +7353,7 @@
               </a:rPr>
               <a:t>: Telerik Reporting</a:t>
             </a:r>
-            <a:endParaRPr sz="1600" dirty="0">
+            <a:endParaRPr sz="1600">
               <a:solidFill>
                 <a:schemeClr val="dk1"/>
               </a:solidFill>
@@ -6998,7 +7367,7 @@
             </a:endParaRPr>
           </a:p>
           <a:p>
-            <a:pPr marL="1257300" lvl="0" indent="-342900" algn="l" rtl="0">
+            <a:pPr indent="0" lvl="0" marL="914400" rtl="0" algn="l">
               <a:lnSpc>
                 <a:spcPct val="115000"/>
               </a:lnSpc>
@@ -7008,10 +7377,12 @@
               <a:spcAft>
                 <a:spcPts val="0"/>
               </a:spcAft>
-              <a:buFont typeface="+mj-lt"/>
-              <a:buAutoNum type="arabicPeriod"/>
+              <a:buNone/>
             </a:pPr>
-            <a:endParaRPr sz="1600" dirty="0">
+            <a:r>
+              <a:t/>
+            </a:r>
+            <a:endParaRPr sz="1600">
               <a:solidFill>
                 <a:schemeClr val="dk1"/>
               </a:solidFill>
@@ -7025,7 +7396,7 @@
             </a:endParaRPr>
           </a:p>
           <a:p>
-            <a:pPr marL="457200" lvl="0" indent="-330200" algn="l" rtl="0">
+            <a:pPr indent="-330200" lvl="0" marL="457200" rtl="0" algn="l">
               <a:lnSpc>
                 <a:spcPct val="115000"/>
               </a:lnSpc>
@@ -7043,7 +7414,7 @@
               <a:buAutoNum type="arabicPeriod"/>
             </a:pPr>
             <a:r>
-              <a:rPr lang="en-GB" sz="1600" b="1" dirty="0">
+              <a:rPr b="1" lang="en-GB" sz="1600">
                 <a:solidFill>
                   <a:schemeClr val="dk1"/>
                 </a:solidFill>
@@ -7057,7 +7428,7 @@
               </a:rPr>
               <a:t>Cross-Platform Development:</a:t>
             </a:r>
-            <a:endParaRPr sz="1600" b="1" dirty="0">
+            <a:endParaRPr b="1" sz="1600">
               <a:solidFill>
                 <a:schemeClr val="dk1"/>
               </a:solidFill>
@@ -7071,7 +7442,7 @@
             </a:endParaRPr>
           </a:p>
           <a:p>
-            <a:pPr marL="1257300" lvl="0" indent="-342900" algn="l" rtl="0">
+            <a:pPr indent="0" lvl="0" marL="914400" rtl="0" algn="l">
               <a:lnSpc>
                 <a:spcPct val="115000"/>
               </a:lnSpc>
@@ -7081,11 +7452,10 @@
               <a:spcAft>
                 <a:spcPts val="0"/>
               </a:spcAft>
-              <a:buFont typeface="+mj-lt"/>
-              <a:buAutoNum type="arabicPeriod"/>
+              <a:buNone/>
             </a:pPr>
             <a:r>
-              <a:rPr lang="en-GB" sz="1600" dirty="0">
+              <a:rPr lang="en-GB" sz="1600">
                 <a:solidFill>
                   <a:schemeClr val="dk1"/>
                 </a:solidFill>
@@ -7099,7 +7469,7 @@
               </a:rPr>
               <a:t>Provides tools for hybrid and native mobile app development</a:t>
             </a:r>
-            <a:endParaRPr sz="1600" b="1" dirty="0">
+            <a:endParaRPr b="1" sz="1600">
               <a:solidFill>
                 <a:schemeClr val="dk1"/>
               </a:solidFill>
@@ -7116,7 +7486,7 @@
       </p:sp>
       <p:sp>
         <p:nvSpPr>
-          <p:cNvPr id="67" name="Google Shape;67;p14"/>
+          <p:cNvPr id="68" name="Google Shape;68;p14"/>
           <p:cNvSpPr txBox="1"/>
           <p:nvPr/>
         </p:nvSpPr>
@@ -7134,12 +7504,12 @@
           </a:ln>
         </p:spPr>
         <p:txBody>
-          <a:bodyPr spcFirstLastPara="1" wrap="square" lIns="91425" tIns="91425" rIns="91425" bIns="91425" anchor="t" anchorCtr="0">
+          <a:bodyPr anchorCtr="0" anchor="t" bIns="91425" lIns="91425" spcFirstLastPara="1" rIns="91425" wrap="square" tIns="91425">
             <a:noAutofit/>
           </a:bodyPr>
           <a:lstStyle/>
           <a:p>
-            <a:pPr marL="457200" lvl="0" indent="-330200" algn="l" rtl="0">
+            <a:pPr indent="-330200" lvl="0" marL="457200" rtl="0" algn="l">
               <a:lnSpc>
                 <a:spcPct val="115000"/>
               </a:lnSpc>
@@ -7182,7 +7552,7 @@
       </p:sp>
       <p:sp>
         <p:nvSpPr>
-          <p:cNvPr id="68" name="Google Shape;68;p14"/>
+          <p:cNvPr id="69" name="Google Shape;69;p14"/>
           <p:cNvSpPr txBox="1"/>
           <p:nvPr/>
         </p:nvSpPr>
@@ -7200,12 +7570,12 @@
           </a:ln>
         </p:spPr>
         <p:txBody>
-          <a:bodyPr spcFirstLastPara="1" wrap="square" lIns="91425" tIns="91425" rIns="91425" bIns="91425" anchor="t" anchorCtr="0">
+          <a:bodyPr anchorCtr="0" anchor="t" bIns="91425" lIns="91425" spcFirstLastPara="1" rIns="91425" wrap="square" tIns="91425">
             <a:noAutofit/>
           </a:bodyPr>
           <a:lstStyle/>
           <a:p>
-            <a:pPr marL="457200" lvl="0" indent="-330200" algn="l" rtl="0">
+            <a:pPr indent="-330200" lvl="0" marL="457200" rtl="0" algn="l">
               <a:lnSpc>
                 <a:spcPct val="115000"/>
               </a:lnSpc>
@@ -7247,7 +7617,7 @@
       </p:sp>
       <p:sp>
         <p:nvSpPr>
-          <p:cNvPr id="69" name="Google Shape;69;p14"/>
+          <p:cNvPr id="70" name="Google Shape;70;p14"/>
           <p:cNvSpPr txBox="1"/>
           <p:nvPr/>
         </p:nvSpPr>
@@ -7265,12 +7635,12 @@
           </a:ln>
         </p:spPr>
         <p:txBody>
-          <a:bodyPr spcFirstLastPara="1" wrap="square" lIns="91425" tIns="91425" rIns="91425" bIns="91425" anchor="t" anchorCtr="0">
+          <a:bodyPr anchorCtr="0" anchor="t" bIns="91425" lIns="91425" spcFirstLastPara="1" rIns="91425" wrap="square" tIns="91425">
             <a:spAutoFit/>
           </a:bodyPr>
           <a:lstStyle/>
           <a:p>
-            <a:pPr marL="0" lvl="0" indent="0" algn="l" rtl="0">
+            <a:pPr indent="0" lvl="0" marL="0" rtl="0" algn="l">
               <a:lnSpc>
                 <a:spcPct val="115000"/>
               </a:lnSpc>
@@ -7312,7 +7682,7 @@
 </file>
 
 <file path=ppt/slides/slide3.xml><?xml version="1.0" encoding="utf-8"?>
-<p:sld xmlns:a="http://schemas.openxmlformats.org/drawingml/2006/main" xmlns:r="http://schemas.openxmlformats.org/officeDocument/2006/relationships" xmlns:p="http://schemas.openxmlformats.org/presentationml/2006/main">
+<p:sld xmlns:a="http://schemas.openxmlformats.org/drawingml/2006/main" xmlns:r="http://schemas.openxmlformats.org/officeDocument/2006/relationships" xmlns:mc="http://schemas.openxmlformats.org/markup-compatibility/2006" xmlns:mv="urn:schemas-microsoft-com:mac:vml" xmlns:p="http://schemas.openxmlformats.org/presentationml/2006/main" xmlns:c="http://schemas.openxmlformats.org/drawingml/2006/chart" xmlns:dgm="http://schemas.openxmlformats.org/drawingml/2006/diagram" xmlns:o="urn:schemas-microsoft-com:office:office" xmlns:v="urn:schemas-microsoft-com:vml" xmlns:pvml="urn:schemas-microsoft-com:office:powerpoint" xmlns:com="http://schemas.openxmlformats.org/drawingml/2006/compatibility" xmlns:p14="http://schemas.microsoft.com/office/powerpoint/2010/main" xmlns:p15="http://schemas.microsoft.com/office/powerpoint/2012/main" xmlns:ahyp="http://schemas.microsoft.com/office/drawing/2018/hyperlinkcolor">
   <p:cSld>
     <p:bg>
       <p:bgPr>
@@ -7324,12 +7694,11 @@
             <a:fillRect/>
           </a:stretch>
         </a:blipFill>
-        <a:effectLst/>
       </p:bgPr>
     </p:bg>
     <p:spTree>
       <p:nvGrpSpPr>
-        <p:cNvPr id="1" name="Shape 73"/>
+        <p:cNvPr id="74" name="Shape 74"/>
         <p:cNvGrpSpPr/>
         <p:nvPr/>
       </p:nvGrpSpPr>
@@ -7343,7 +7712,7 @@
       </p:grpSpPr>
       <p:sp>
         <p:nvSpPr>
-          <p:cNvPr id="74" name="Google Shape;74;p15"/>
+          <p:cNvPr id="75" name="Google Shape;75;p15"/>
           <p:cNvSpPr/>
           <p:nvPr/>
         </p:nvSpPr>
@@ -7358,23 +7727,23 @@
           <a:solidFill>
             <a:srgbClr val="151950"/>
           </a:solidFill>
-          <a:ln w="9525" cap="flat" cmpd="sng">
+          <a:ln cap="flat" cmpd="sng" w="9525">
             <a:solidFill>
               <a:srgbClr val="151950"/>
             </a:solidFill>
             <a:prstDash val="solid"/>
             <a:round/>
-            <a:headEnd type="none" w="sm" len="sm"/>
-            <a:tailEnd type="none" w="sm" len="sm"/>
+            <a:headEnd len="sm" w="sm" type="none"/>
+            <a:tailEnd len="sm" w="sm" type="none"/>
           </a:ln>
         </p:spPr>
         <p:txBody>
-          <a:bodyPr spcFirstLastPara="1" wrap="square" lIns="91425" tIns="91425" rIns="91425" bIns="91425" anchor="ctr" anchorCtr="0">
+          <a:bodyPr anchorCtr="0" anchor="ctr" bIns="91425" lIns="91425" spcFirstLastPara="1" rIns="91425" wrap="square" tIns="91425">
             <a:noAutofit/>
           </a:bodyPr>
           <a:lstStyle/>
           <a:p>
-            <a:pPr marL="0" lvl="0" indent="0" algn="ctr" rtl="0">
+            <a:pPr indent="0" lvl="0" marL="0" rtl="0" algn="ctr">
               <a:spcBef>
                 <a:spcPts val="0"/>
               </a:spcBef>
@@ -7383,13 +7752,16 @@
               </a:spcAft>
               <a:buNone/>
             </a:pPr>
+            <a:r>
+              <a:t/>
+            </a:r>
             <a:endParaRPr/>
           </a:p>
         </p:txBody>
       </p:sp>
       <p:sp>
         <p:nvSpPr>
-          <p:cNvPr id="75" name="Google Shape;75;p15"/>
+          <p:cNvPr id="76" name="Google Shape;76;p15"/>
           <p:cNvSpPr/>
           <p:nvPr/>
         </p:nvSpPr>
@@ -7404,23 +7776,23 @@
           <a:solidFill>
             <a:schemeClr val="lt1"/>
           </a:solidFill>
-          <a:ln w="9525" cap="flat" cmpd="sng">
+          <a:ln cap="flat" cmpd="sng" w="9525">
             <a:solidFill>
               <a:schemeClr val="dk2"/>
             </a:solidFill>
             <a:prstDash val="solid"/>
             <a:round/>
-            <a:headEnd type="none" w="sm" len="sm"/>
-            <a:tailEnd type="none" w="sm" len="sm"/>
+            <a:headEnd len="sm" w="sm" type="none"/>
+            <a:tailEnd len="sm" w="sm" type="none"/>
           </a:ln>
         </p:spPr>
         <p:txBody>
-          <a:bodyPr spcFirstLastPara="1" wrap="square" lIns="91425" tIns="91425" rIns="91425" bIns="91425" anchor="ctr" anchorCtr="0">
+          <a:bodyPr anchorCtr="0" anchor="ctr" bIns="91425" lIns="91425" spcFirstLastPara="1" rIns="91425" wrap="square" tIns="91425">
             <a:noAutofit/>
           </a:bodyPr>
           <a:lstStyle/>
           <a:p>
-            <a:pPr marL="0" lvl="0" indent="0" algn="ctr" rtl="0">
+            <a:pPr indent="0" lvl="0" marL="0" rtl="0" algn="ctr">
               <a:spcBef>
                 <a:spcPts val="0"/>
               </a:spcBef>
@@ -7429,13 +7801,16 @@
               </a:spcAft>
               <a:buNone/>
             </a:pPr>
+            <a:r>
+              <a:t/>
+            </a:r>
             <a:endParaRPr/>
           </a:p>
         </p:txBody>
       </p:sp>
       <p:sp>
         <p:nvSpPr>
-          <p:cNvPr id="76" name="Google Shape;76;p15"/>
+          <p:cNvPr id="77" name="Google Shape;77;p15"/>
           <p:cNvSpPr txBox="1"/>
           <p:nvPr/>
         </p:nvSpPr>
@@ -7453,12 +7828,12 @@
           </a:ln>
         </p:spPr>
         <p:txBody>
-          <a:bodyPr spcFirstLastPara="1" wrap="square" lIns="91425" tIns="91425" rIns="91425" bIns="91425" anchor="t" anchorCtr="0">
+          <a:bodyPr anchorCtr="0" anchor="t" bIns="91425" lIns="91425" spcFirstLastPara="1" rIns="91425" wrap="square" tIns="91425">
             <a:noAutofit/>
           </a:bodyPr>
           <a:lstStyle/>
           <a:p>
-            <a:pPr marL="0" lvl="0" indent="0" algn="l" rtl="0">
+            <a:pPr indent="0" lvl="0" marL="0" rtl="0" algn="l">
               <a:spcBef>
                 <a:spcPts val="0"/>
               </a:spcBef>
@@ -7493,7 +7868,7 @@
       </p:sp>
       <p:sp>
         <p:nvSpPr>
-          <p:cNvPr id="77" name="Google Shape;77;p15"/>
+          <p:cNvPr id="78" name="Google Shape;78;p15"/>
           <p:cNvSpPr txBox="1"/>
           <p:nvPr/>
         </p:nvSpPr>
@@ -7511,12 +7886,12 @@
           </a:ln>
         </p:spPr>
         <p:txBody>
-          <a:bodyPr spcFirstLastPara="1" wrap="square" lIns="91425" tIns="91425" rIns="91425" bIns="91425" anchor="t" anchorCtr="0">
+          <a:bodyPr anchorCtr="0" anchor="t" bIns="91425" lIns="91425" spcFirstLastPara="1" rIns="91425" wrap="square" tIns="91425">
             <a:noAutofit/>
           </a:bodyPr>
           <a:lstStyle/>
           <a:p>
-            <a:pPr marL="457200" lvl="0" indent="-342900" algn="l" rtl="0">
+            <a:pPr indent="-342900" lvl="0" marL="457200" rtl="0" algn="l">
               <a:lnSpc>
                 <a:spcPct val="115000"/>
               </a:lnSpc>
@@ -7556,7 +7931,7 @@
             </a:endParaRPr>
           </a:p>
           <a:p>
-            <a:pPr marL="914400" lvl="1" indent="-342900" algn="l" rtl="0">
+            <a:pPr indent="-342900" lvl="1" marL="914400" rtl="0" algn="l">
               <a:lnSpc>
                 <a:spcPct val="115000"/>
               </a:lnSpc>
@@ -7596,7 +7971,7 @@
             </a:endParaRPr>
           </a:p>
           <a:p>
-            <a:pPr marL="914400" lvl="1" indent="-342900" algn="l" rtl="0">
+            <a:pPr indent="-342900" lvl="1" marL="914400" rtl="0" algn="l">
               <a:lnSpc>
                 <a:spcPct val="115000"/>
               </a:lnSpc>
@@ -7636,7 +8011,7 @@
             </a:endParaRPr>
           </a:p>
           <a:p>
-            <a:pPr marL="914400" lvl="1" indent="-342900" algn="l" rtl="0">
+            <a:pPr indent="-342900" lvl="1" marL="914400" rtl="0" algn="l">
               <a:lnSpc>
                 <a:spcPct val="115000"/>
               </a:lnSpc>
@@ -7676,7 +8051,7 @@
             </a:endParaRPr>
           </a:p>
           <a:p>
-            <a:pPr marL="914400" lvl="1" indent="-342900" algn="l" rtl="0">
+            <a:pPr indent="-342900" lvl="1" marL="914400" rtl="0" algn="l">
               <a:lnSpc>
                 <a:spcPct val="115000"/>
               </a:lnSpc>
@@ -7716,7 +8091,7 @@
             </a:endParaRPr>
           </a:p>
           <a:p>
-            <a:pPr marL="457200" lvl="0" indent="-342900" algn="l" rtl="0">
+            <a:pPr indent="-342900" lvl="0" marL="457200" rtl="0" algn="l">
               <a:lnSpc>
                 <a:spcPct val="115000"/>
               </a:lnSpc>
@@ -7756,7 +8131,7 @@
             </a:endParaRPr>
           </a:p>
           <a:p>
-            <a:pPr marL="914400" lvl="1" indent="-342900" algn="l" rtl="0">
+            <a:pPr indent="-342900" lvl="1" marL="914400" rtl="0" algn="l">
               <a:lnSpc>
                 <a:spcPct val="115000"/>
               </a:lnSpc>
@@ -7799,13 +8174,13 @@
       </p:sp>
       <p:sp>
         <p:nvSpPr>
-          <p:cNvPr id="78" name="Google Shape;78;p15"/>
+          <p:cNvPr id="79" name="Google Shape;79;p15"/>
           <p:cNvSpPr txBox="1"/>
           <p:nvPr/>
         </p:nvSpPr>
         <p:spPr>
           <a:xfrm>
-            <a:off x="4808825" y="1223775"/>
+            <a:off x="4808825" y="1376175"/>
             <a:ext cx="3596100" cy="2852400"/>
           </a:xfrm>
           <a:prstGeom prst="rect">
@@ -7817,12 +8192,12 @@
           </a:ln>
         </p:spPr>
         <p:txBody>
-          <a:bodyPr spcFirstLastPara="1" wrap="square" lIns="91425" tIns="91425" rIns="91425" bIns="91425" anchor="t" anchorCtr="0">
+          <a:bodyPr anchorCtr="0" anchor="t" bIns="91425" lIns="91425" spcFirstLastPara="1" rIns="91425" wrap="square" tIns="91425">
             <a:noAutofit/>
           </a:bodyPr>
           <a:lstStyle/>
           <a:p>
-            <a:pPr marL="457200" lvl="0" indent="-342900" algn="l" rtl="0">
+            <a:pPr indent="-342900" lvl="0" marL="457200" rtl="0" algn="l">
               <a:lnSpc>
                 <a:spcPct val="115000"/>
               </a:lnSpc>
@@ -7849,7 +8224,31 @@
                 <a:cs typeface="Georgia"/>
                 <a:sym typeface="Georgia"/>
               </a:rPr>
-              <a:t>All tests conducted in an OOP </a:t>
+              <a:t>All tests </a:t>
+            </a:r>
+            <a:r>
+              <a:rPr lang="en-GB" sz="1800">
+                <a:solidFill>
+                  <a:schemeClr val="dk1"/>
+                </a:solidFill>
+                <a:latin typeface="Georgia"/>
+                <a:ea typeface="Georgia"/>
+                <a:cs typeface="Georgia"/>
+                <a:sym typeface="Georgia"/>
+              </a:rPr>
+              <a:t>conducted</a:t>
+            </a:r>
+            <a:r>
+              <a:rPr lang="en-GB" sz="1800">
+                <a:solidFill>
+                  <a:schemeClr val="dk1"/>
+                </a:solidFill>
+                <a:latin typeface="Georgia"/>
+                <a:ea typeface="Georgia"/>
+                <a:cs typeface="Georgia"/>
+                <a:sym typeface="Georgia"/>
+              </a:rPr>
+              <a:t> in an OOP manner</a:t>
             </a:r>
             <a:endParaRPr sz="1800">
               <a:solidFill>
@@ -7862,7 +8261,7 @@
             </a:endParaRPr>
           </a:p>
           <a:p>
-            <a:pPr marL="457200" lvl="0" indent="-342900" algn="l" rtl="0">
+            <a:pPr indent="-342900" lvl="0" marL="457200" rtl="0" algn="l">
               <a:lnSpc>
                 <a:spcPct val="115000"/>
               </a:lnSpc>
@@ -7902,7 +8301,7 @@
             </a:endParaRPr>
           </a:p>
           <a:p>
-            <a:pPr marL="457200" lvl="0" indent="-342900" algn="l" rtl="0">
+            <a:pPr indent="-342900" lvl="0" marL="457200" rtl="0" algn="l">
               <a:lnSpc>
                 <a:spcPct val="115000"/>
               </a:lnSpc>
@@ -7929,7 +8328,7 @@
                 <a:cs typeface="Georgia"/>
                 <a:sym typeface="Georgia"/>
               </a:rPr>
-              <a:t>Black box testing </a:t>
+              <a:t>Black box testing / E2E</a:t>
             </a:r>
             <a:endParaRPr sz="1800">
               <a:solidFill>
@@ -7942,7 +8341,7 @@
             </a:endParaRPr>
           </a:p>
           <a:p>
-            <a:pPr marL="457200" lvl="0" indent="-342900" algn="l" rtl="0">
+            <a:pPr indent="-342900" lvl="0" marL="457200" rtl="0" algn="l">
               <a:lnSpc>
                 <a:spcPct val="115000"/>
               </a:lnSpc>
@@ -7982,7 +8381,7 @@
             </a:endParaRPr>
           </a:p>
           <a:p>
-            <a:pPr marL="457200" lvl="0" indent="-342900" algn="l" rtl="0">
+            <a:pPr indent="-342900" lvl="0" marL="457200" rtl="0" algn="l">
               <a:lnSpc>
                 <a:spcPct val="115000"/>
               </a:lnSpc>
@@ -8022,7 +8421,7 @@
             </a:endParaRPr>
           </a:p>
           <a:p>
-            <a:pPr marL="457200" lvl="0" indent="-342900" algn="l" rtl="0">
+            <a:pPr indent="-342900" lvl="0" marL="457200" rtl="0" algn="l">
               <a:lnSpc>
                 <a:spcPct val="115000"/>
               </a:lnSpc>
@@ -8072,11 +8471,11 @@
 </file>
 
 <file path=ppt/slides/slide4.xml><?xml version="1.0" encoding="utf-8"?>
-<p:sld xmlns:a="http://schemas.openxmlformats.org/drawingml/2006/main" xmlns:r="http://schemas.openxmlformats.org/officeDocument/2006/relationships" xmlns:p="http://schemas.openxmlformats.org/presentationml/2006/main">
+<p:sld xmlns:a="http://schemas.openxmlformats.org/drawingml/2006/main" xmlns:r="http://schemas.openxmlformats.org/officeDocument/2006/relationships" xmlns:mc="http://schemas.openxmlformats.org/markup-compatibility/2006" xmlns:mv="urn:schemas-microsoft-com:mac:vml" xmlns:p="http://schemas.openxmlformats.org/presentationml/2006/main" xmlns:c="http://schemas.openxmlformats.org/drawingml/2006/chart" xmlns:dgm="http://schemas.openxmlformats.org/drawingml/2006/diagram" xmlns:o="urn:schemas-microsoft-com:office:office" xmlns:v="urn:schemas-microsoft-com:vml" xmlns:pvml="urn:schemas-microsoft-com:office:powerpoint" xmlns:com="http://schemas.openxmlformats.org/drawingml/2006/compatibility" xmlns:p14="http://schemas.microsoft.com/office/powerpoint/2010/main" xmlns:p15="http://schemas.microsoft.com/office/powerpoint/2012/main" xmlns:ahyp="http://schemas.microsoft.com/office/drawing/2018/hyperlinkcolor">
   <p:cSld>
     <p:spTree>
       <p:nvGrpSpPr>
-        <p:cNvPr id="1" name="Shape 82"/>
+        <p:cNvPr id="83" name="Shape 83"/>
         <p:cNvGrpSpPr/>
         <p:nvPr/>
       </p:nvGrpSpPr>
@@ -8090,7 +8489,7 @@
       </p:grpSpPr>
       <p:pic>
         <p:nvPicPr>
-          <p:cNvPr id="83" name="Google Shape;83;p16"/>
+          <p:cNvPr id="84" name="Google Shape;84;p16"/>
           <p:cNvPicPr preferRelativeResize="0"/>
           <p:nvPr/>
         </p:nvPicPr>
@@ -8098,7 +8497,7 @@
           <a:blip r:embed="rId3">
             <a:alphaModFix/>
           </a:blip>
-          <a:srcRect r="26610"/>
+          <a:srcRect b="0" l="0" r="26610" t="0"/>
           <a:stretch/>
         </p:blipFill>
         <p:spPr>
@@ -8117,7 +8516,7 @@
       </p:pic>
       <p:sp>
         <p:nvSpPr>
-          <p:cNvPr id="84" name="Google Shape;84;p16"/>
+          <p:cNvPr id="85" name="Google Shape;85;p16"/>
           <p:cNvSpPr txBox="1"/>
           <p:nvPr/>
         </p:nvSpPr>
@@ -8135,12 +8534,12 @@
           </a:ln>
         </p:spPr>
         <p:txBody>
-          <a:bodyPr spcFirstLastPara="1" wrap="square" lIns="91425" tIns="91425" rIns="91425" bIns="91425" anchor="t" anchorCtr="0">
+          <a:bodyPr anchorCtr="0" anchor="t" bIns="91425" lIns="91425" spcFirstLastPara="1" rIns="91425" wrap="square" tIns="91425">
             <a:noAutofit/>
           </a:bodyPr>
           <a:lstStyle/>
           <a:p>
-            <a:pPr marL="0" lvl="0" indent="0" algn="l" rtl="0">
+            <a:pPr indent="0" lvl="0" marL="0" rtl="0" algn="l">
               <a:spcBef>
                 <a:spcPts val="0"/>
               </a:spcBef>
@@ -8175,7 +8574,7 @@
       </p:sp>
       <p:sp>
         <p:nvSpPr>
-          <p:cNvPr id="85" name="Google Shape;85;p16"/>
+          <p:cNvPr id="86" name="Google Shape;86;p16"/>
           <p:cNvSpPr txBox="1"/>
           <p:nvPr/>
         </p:nvSpPr>
@@ -8193,12 +8592,12 @@
           </a:ln>
         </p:spPr>
         <p:txBody>
-          <a:bodyPr spcFirstLastPara="1" wrap="square" lIns="91425" tIns="91425" rIns="91425" bIns="91425" anchor="t" anchorCtr="0">
+          <a:bodyPr anchorCtr="0" anchor="t" bIns="91425" lIns="91425" spcFirstLastPara="1" rIns="91425" wrap="square" tIns="91425">
             <a:noAutofit/>
           </a:bodyPr>
           <a:lstStyle/>
           <a:p>
-            <a:pPr marL="457200" lvl="0" indent="-355600" algn="l" rtl="0">
+            <a:pPr indent="-355600" lvl="0" marL="457200" rtl="0" algn="l">
               <a:lnSpc>
                 <a:spcPct val="115000"/>
               </a:lnSpc>
@@ -8216,7 +8615,7 @@
               <a:buChar char="●"/>
             </a:pPr>
             <a:r>
-              <a:rPr lang="en-GB" sz="2000" dirty="0">
+              <a:rPr lang="en-GB" sz="2000">
                 <a:solidFill>
                   <a:schemeClr val="dk1"/>
                 </a:solidFill>
@@ -8225,9 +8624,9 @@
                 <a:cs typeface="Georgia"/>
                 <a:sym typeface="Georgia"/>
               </a:rPr>
-              <a:t>Test titles - (5 methods) for each element in navbar after click at it ensure that the correct page is opened with correct title</a:t>
-            </a:r>
-            <a:endParaRPr sz="2000" dirty="0">
+              <a:t>Test titles - (5 methods) for each element in navbar after click at it insure that the correct page is opened with correct title</a:t>
+            </a:r>
+            <a:endParaRPr sz="2000">
               <a:solidFill>
                 <a:schemeClr val="dk1"/>
               </a:solidFill>
@@ -8238,7 +8637,7 @@
             </a:endParaRPr>
           </a:p>
           <a:p>
-            <a:pPr marL="457200" lvl="0" indent="-355600" algn="l" rtl="0">
+            <a:pPr indent="-355600" lvl="0" marL="457200" rtl="0" algn="l">
               <a:lnSpc>
                 <a:spcPct val="115000"/>
               </a:lnSpc>
@@ -8256,7 +8655,7 @@
               <a:buChar char="●"/>
             </a:pPr>
             <a:r>
-              <a:rPr lang="en-GB" sz="2000" dirty="0">
+              <a:rPr lang="en-GB" sz="2000">
                 <a:solidFill>
                   <a:schemeClr val="dk1"/>
                 </a:solidFill>
@@ -8267,7 +8666,7 @@
               </a:rPr>
               <a:t>Buttons - 6 methods, test clicking buttons in home page </a:t>
             </a:r>
-            <a:endParaRPr sz="2000" dirty="0">
+            <a:endParaRPr sz="2000">
               <a:solidFill>
                 <a:schemeClr val="dk1"/>
               </a:solidFill>
@@ -8278,7 +8677,7 @@
             </a:endParaRPr>
           </a:p>
           <a:p>
-            <a:pPr marL="457200" lvl="0" indent="-355600" algn="l" rtl="0">
+            <a:pPr indent="-355600" lvl="0" marL="457200" rtl="0" algn="l">
               <a:lnSpc>
                 <a:spcPct val="115000"/>
               </a:lnSpc>
@@ -8296,7 +8695,7 @@
               <a:buChar char="●"/>
             </a:pPr>
             <a:r>
-              <a:rPr lang="en-GB" sz="2000" dirty="0">
+              <a:rPr lang="en-GB" sz="2000">
                 <a:solidFill>
                   <a:schemeClr val="dk1"/>
                 </a:solidFill>
@@ -8305,9 +8704,9 @@
                 <a:cs typeface="Georgia"/>
                 <a:sym typeface="Georgia"/>
               </a:rPr>
-              <a:t>Demos - 8 methods of tests in nav bar of Demos page </a:t>
-            </a:r>
-            <a:endParaRPr sz="2000" dirty="0">
+              <a:t>Demos - 8 methods of tests in nav bar of Demos page-after click go to correct section </a:t>
+            </a:r>
+            <a:endParaRPr sz="2000">
               <a:solidFill>
                 <a:schemeClr val="dk1"/>
               </a:solidFill>
@@ -8328,7 +8727,7 @@
 </file>
 
 <file path=ppt/slides/slide5.xml><?xml version="1.0" encoding="utf-8"?>
-<p:sld xmlns:a="http://schemas.openxmlformats.org/drawingml/2006/main" xmlns:r="http://schemas.openxmlformats.org/officeDocument/2006/relationships" xmlns:p="http://schemas.openxmlformats.org/presentationml/2006/main">
+<p:sld xmlns:a="http://schemas.openxmlformats.org/drawingml/2006/main" xmlns:r="http://schemas.openxmlformats.org/officeDocument/2006/relationships" xmlns:mc="http://schemas.openxmlformats.org/markup-compatibility/2006" xmlns:mv="urn:schemas-microsoft-com:mac:vml" xmlns:p="http://schemas.openxmlformats.org/presentationml/2006/main" xmlns:c="http://schemas.openxmlformats.org/drawingml/2006/chart" xmlns:dgm="http://schemas.openxmlformats.org/drawingml/2006/diagram" xmlns:o="urn:schemas-microsoft-com:office:office" xmlns:v="urn:schemas-microsoft-com:vml" xmlns:pvml="urn:schemas-microsoft-com:office:powerpoint" xmlns:com="http://schemas.openxmlformats.org/drawingml/2006/compatibility" xmlns:p14="http://schemas.microsoft.com/office/powerpoint/2010/main" xmlns:p15="http://schemas.microsoft.com/office/powerpoint/2012/main" xmlns:ahyp="http://schemas.microsoft.com/office/drawing/2018/hyperlinkcolor" show="0">
   <p:cSld>
     <p:bg>
       <p:bgPr>
@@ -8340,12 +8739,11 @@
             <a:fillRect/>
           </a:stretch>
         </a:blipFill>
-        <a:effectLst/>
       </p:bgPr>
     </p:bg>
     <p:spTree>
       <p:nvGrpSpPr>
-        <p:cNvPr id="1" name="Shape 89"/>
+        <p:cNvPr id="90" name="Shape 90"/>
         <p:cNvGrpSpPr/>
         <p:nvPr/>
       </p:nvGrpSpPr>
@@ -8359,7 +8757,7 @@
       </p:grpSpPr>
       <p:pic>
         <p:nvPicPr>
-          <p:cNvPr id="90" name="Google Shape;90;p17"/>
+          <p:cNvPr id="91" name="Google Shape;91;p17"/>
           <p:cNvPicPr preferRelativeResize="0"/>
           <p:nvPr/>
         </p:nvPicPr>
@@ -8367,7 +8765,7 @@
           <a:blip r:embed="rId4">
             <a:alphaModFix/>
           </a:blip>
-          <a:srcRect l="46359" t="23211" r="38012" b="63698"/>
+          <a:srcRect b="63698" l="46359" r="38012" t="23211"/>
           <a:stretch/>
         </p:blipFill>
         <p:spPr>
@@ -8386,7 +8784,7 @@
       </p:pic>
       <p:sp>
         <p:nvSpPr>
-          <p:cNvPr id="91" name="Google Shape;91;p17"/>
+          <p:cNvPr id="92" name="Google Shape;92;p17"/>
           <p:cNvSpPr/>
           <p:nvPr/>
         </p:nvSpPr>
@@ -8401,23 +8799,23 @@
           <a:solidFill>
             <a:schemeClr val="lt1"/>
           </a:solidFill>
-          <a:ln w="9525" cap="flat" cmpd="sng">
+          <a:ln cap="flat" cmpd="sng" w="9525">
             <a:solidFill>
               <a:schemeClr val="dk2"/>
             </a:solidFill>
             <a:prstDash val="solid"/>
             <a:round/>
-            <a:headEnd type="none" w="sm" len="sm"/>
-            <a:tailEnd type="none" w="sm" len="sm"/>
+            <a:headEnd len="sm" w="sm" type="none"/>
+            <a:tailEnd len="sm" w="sm" type="none"/>
           </a:ln>
         </p:spPr>
         <p:txBody>
-          <a:bodyPr spcFirstLastPara="1" wrap="square" lIns="91425" tIns="91425" rIns="91425" bIns="91425" anchor="ctr" anchorCtr="0">
+          <a:bodyPr anchorCtr="0" anchor="ctr" bIns="91425" lIns="91425" spcFirstLastPara="1" rIns="91425" wrap="square" tIns="91425">
             <a:noAutofit/>
           </a:bodyPr>
           <a:lstStyle/>
           <a:p>
-            <a:pPr marL="0" lvl="0" indent="0" algn="ctr" rtl="0">
+            <a:pPr indent="0" lvl="0" marL="0" rtl="0" algn="ctr">
               <a:spcBef>
                 <a:spcPts val="0"/>
               </a:spcBef>
@@ -8426,13 +8824,16 @@
               </a:spcAft>
               <a:buNone/>
             </a:pPr>
+            <a:r>
+              <a:t/>
+            </a:r>
             <a:endParaRPr/>
           </a:p>
         </p:txBody>
       </p:sp>
       <p:pic>
         <p:nvPicPr>
-          <p:cNvPr id="92" name="Google Shape;92;p17"/>
+          <p:cNvPr id="93" name="Google Shape;93;p17"/>
           <p:cNvPicPr preferRelativeResize="0"/>
           <p:nvPr/>
         </p:nvPicPr>
@@ -8440,7 +8841,7 @@
           <a:blip r:embed="rId5">
             <a:alphaModFix/>
           </a:blip>
-          <a:srcRect l="10716" r="60482" b="12503"/>
+          <a:srcRect b="12503" l="10716" r="60482" t="0"/>
           <a:stretch/>
         </p:blipFill>
         <p:spPr>
@@ -8459,7 +8860,7 @@
       </p:pic>
       <p:sp>
         <p:nvSpPr>
-          <p:cNvPr id="93" name="Google Shape;93;p17"/>
+          <p:cNvPr id="94" name="Google Shape;94;p17"/>
           <p:cNvSpPr txBox="1"/>
           <p:nvPr/>
         </p:nvSpPr>
@@ -8477,12 +8878,12 @@
           </a:ln>
         </p:spPr>
         <p:txBody>
-          <a:bodyPr spcFirstLastPara="1" wrap="square" lIns="91425" tIns="91425" rIns="91425" bIns="91425" anchor="t" anchorCtr="0">
+          <a:bodyPr anchorCtr="0" anchor="t" bIns="91425" lIns="91425" spcFirstLastPara="1" rIns="91425" wrap="square" tIns="91425">
             <a:noAutofit/>
           </a:bodyPr>
           <a:lstStyle/>
           <a:p>
-            <a:pPr marL="457200" lvl="0" indent="-355600" algn="l" rtl="0">
+            <a:pPr indent="-355600" lvl="0" marL="457200" rtl="0" algn="l">
               <a:lnSpc>
                 <a:spcPct val="115000"/>
               </a:lnSpc>
@@ -8522,7 +8923,7 @@
             </a:endParaRPr>
           </a:p>
           <a:p>
-            <a:pPr marL="457200" lvl="0" indent="-355600" algn="l" rtl="0">
+            <a:pPr indent="-355600" lvl="0" marL="457200" rtl="0" algn="l">
               <a:lnSpc>
                 <a:spcPct val="115000"/>
               </a:lnSpc>
@@ -8562,7 +8963,7 @@
             </a:endParaRPr>
           </a:p>
           <a:p>
-            <a:pPr marL="457200" lvl="0" indent="-355600" algn="l" rtl="0">
+            <a:pPr indent="-355600" lvl="0" marL="457200" rtl="0" algn="l">
               <a:lnSpc>
                 <a:spcPct val="115000"/>
               </a:lnSpc>
@@ -8602,7 +9003,7 @@
             </a:endParaRPr>
           </a:p>
           <a:p>
-            <a:pPr marL="457200" lvl="0" indent="-355600" algn="l" rtl="0">
+            <a:pPr indent="-355600" lvl="0" marL="457200" rtl="0" algn="l">
               <a:lnSpc>
                 <a:spcPct val="115000"/>
               </a:lnSpc>
@@ -8642,7 +9043,7 @@
             </a:endParaRPr>
           </a:p>
           <a:p>
-            <a:pPr marL="457200" lvl="0" indent="-355600" algn="l" rtl="0">
+            <a:pPr indent="-355600" lvl="0" marL="457200" rtl="0" algn="l">
               <a:lnSpc>
                 <a:spcPct val="115000"/>
               </a:lnSpc>
@@ -8682,7 +9083,7 @@
             </a:endParaRPr>
           </a:p>
           <a:p>
-            <a:pPr marL="457200" lvl="0" indent="-355600" algn="l" rtl="0">
+            <a:pPr indent="-355600" lvl="0" marL="457200" rtl="0" algn="l">
               <a:lnSpc>
                 <a:spcPct val="115000"/>
               </a:lnSpc>
@@ -8725,7 +9126,7 @@
       </p:sp>
       <p:sp>
         <p:nvSpPr>
-          <p:cNvPr id="94" name="Google Shape;94;p17"/>
+          <p:cNvPr id="95" name="Google Shape;95;p17"/>
           <p:cNvSpPr txBox="1"/>
           <p:nvPr/>
         </p:nvSpPr>
@@ -8743,12 +9144,12 @@
           </a:ln>
         </p:spPr>
         <p:txBody>
-          <a:bodyPr spcFirstLastPara="1" wrap="square" lIns="91425" tIns="91425" rIns="91425" bIns="91425" anchor="t" anchorCtr="0">
+          <a:bodyPr anchorCtr="0" anchor="t" bIns="91425" lIns="91425" spcFirstLastPara="1" rIns="91425" wrap="square" tIns="91425">
             <a:noAutofit/>
           </a:bodyPr>
           <a:lstStyle/>
           <a:p>
-            <a:pPr marL="0" lvl="0" indent="0" algn="l" rtl="0">
+            <a:pPr indent="0" lvl="0" marL="0" rtl="0" algn="l">
               <a:spcBef>
                 <a:spcPts val="0"/>
               </a:spcBef>
@@ -8758,7 +9159,7 @@
               <a:buNone/>
             </a:pPr>
             <a:r>
-              <a:rPr lang="en-GB" sz="2300" b="1">
+              <a:rPr b="1" lang="en-GB" sz="2300">
                 <a:solidFill>
                   <a:schemeClr val="dk2"/>
                 </a:solidFill>
@@ -8769,7 +9170,7 @@
               </a:rPr>
               <a:t>ACCOUNT</a:t>
             </a:r>
-            <a:endParaRPr sz="2300" b="1">
+            <a:endParaRPr b="1" sz="2300">
               <a:solidFill>
                 <a:schemeClr val="dk2"/>
               </a:solidFill>
@@ -8783,7 +9184,7 @@
       </p:sp>
       <p:sp>
         <p:nvSpPr>
-          <p:cNvPr id="95" name="Google Shape;95;p17"/>
+          <p:cNvPr id="96" name="Google Shape;96;p17"/>
           <p:cNvSpPr/>
           <p:nvPr/>
         </p:nvSpPr>
@@ -8798,23 +9199,23 @@
           <a:solidFill>
             <a:schemeClr val="lt1"/>
           </a:solidFill>
-          <a:ln w="9525" cap="flat" cmpd="sng">
+          <a:ln cap="flat" cmpd="sng" w="9525">
             <a:solidFill>
               <a:schemeClr val="dk2"/>
             </a:solidFill>
             <a:prstDash val="solid"/>
             <a:round/>
-            <a:headEnd type="none" w="sm" len="sm"/>
-            <a:tailEnd type="none" w="sm" len="sm"/>
+            <a:headEnd len="sm" w="sm" type="none"/>
+            <a:tailEnd len="sm" w="sm" type="none"/>
           </a:ln>
         </p:spPr>
         <p:txBody>
-          <a:bodyPr spcFirstLastPara="1" wrap="square" lIns="91425" tIns="91425" rIns="91425" bIns="91425" anchor="ctr" anchorCtr="0">
+          <a:bodyPr anchorCtr="0" anchor="ctr" bIns="91425" lIns="91425" spcFirstLastPara="1" rIns="91425" wrap="square" tIns="91425">
             <a:noAutofit/>
           </a:bodyPr>
           <a:lstStyle/>
           <a:p>
-            <a:pPr marL="0" lvl="0" indent="0" algn="ctr" rtl="0">
+            <a:pPr indent="0" lvl="0" marL="0" rtl="0" algn="ctr">
               <a:spcBef>
                 <a:spcPts val="0"/>
               </a:spcBef>
@@ -8823,13 +9224,16 @@
               </a:spcAft>
               <a:buNone/>
             </a:pPr>
+            <a:r>
+              <a:t/>
+            </a:r>
             <a:endParaRPr/>
           </a:p>
         </p:txBody>
       </p:sp>
       <p:sp>
         <p:nvSpPr>
-          <p:cNvPr id="96" name="Google Shape;96;p17"/>
+          <p:cNvPr id="97" name="Google Shape;97;p17"/>
           <p:cNvSpPr txBox="1"/>
           <p:nvPr/>
         </p:nvSpPr>
@@ -8847,12 +9251,12 @@
           </a:ln>
         </p:spPr>
         <p:txBody>
-          <a:bodyPr spcFirstLastPara="1" wrap="square" lIns="91425" tIns="91425" rIns="91425" bIns="91425" anchor="t" anchorCtr="0">
+          <a:bodyPr anchorCtr="0" anchor="t" bIns="91425" lIns="91425" spcFirstLastPara="1" rIns="91425" wrap="square" tIns="91425">
             <a:noAutofit/>
           </a:bodyPr>
           <a:lstStyle/>
           <a:p>
-            <a:pPr marL="457200" lvl="0" indent="-355600" algn="l" rtl="0">
+            <a:pPr indent="-355600" lvl="0" marL="457200" rtl="0" algn="l">
               <a:lnSpc>
                 <a:spcPct val="115000"/>
               </a:lnSpc>
@@ -8892,7 +9296,7 @@
             </a:endParaRPr>
           </a:p>
           <a:p>
-            <a:pPr marL="457200" lvl="0" indent="-355600" algn="l" rtl="0">
+            <a:pPr indent="-355600" lvl="0" marL="457200" rtl="0" algn="l">
               <a:lnSpc>
                 <a:spcPct val="115000"/>
               </a:lnSpc>
@@ -8932,7 +9336,7 @@
             </a:endParaRPr>
           </a:p>
           <a:p>
-            <a:pPr marL="457200" lvl="0" indent="-355600" algn="l" rtl="0">
+            <a:pPr indent="-355600" lvl="0" marL="457200" rtl="0" algn="l">
               <a:lnSpc>
                 <a:spcPct val="115000"/>
               </a:lnSpc>
@@ -8972,7 +9376,7 @@
             </a:endParaRPr>
           </a:p>
           <a:p>
-            <a:pPr marL="457200" lvl="0" indent="-355600" algn="l" rtl="0">
+            <a:pPr indent="-355600" lvl="0" marL="457200" rtl="0" algn="l">
               <a:lnSpc>
                 <a:spcPct val="115000"/>
               </a:lnSpc>
@@ -9012,7 +9416,7 @@
             </a:endParaRPr>
           </a:p>
           <a:p>
-            <a:pPr marL="457200" lvl="0" indent="-355600" algn="l" rtl="0">
+            <a:pPr indent="-355600" lvl="0" marL="457200" rtl="0" algn="l">
               <a:lnSpc>
                 <a:spcPct val="115000"/>
               </a:lnSpc>
@@ -9052,7 +9456,7 @@
             </a:endParaRPr>
           </a:p>
           <a:p>
-            <a:pPr marL="457200" lvl="0" indent="-355600" algn="l" rtl="0">
+            <a:pPr indent="-355600" lvl="0" marL="457200" rtl="0" algn="l">
               <a:lnSpc>
                 <a:spcPct val="115000"/>
               </a:lnSpc>
@@ -9095,7 +9499,7 @@
       </p:sp>
       <p:pic>
         <p:nvPicPr>
-          <p:cNvPr id="97" name="Google Shape;97;p17"/>
+          <p:cNvPr id="98" name="Google Shape;98;p17"/>
           <p:cNvPicPr preferRelativeResize="0"/>
           <p:nvPr/>
         </p:nvPicPr>
@@ -9103,7 +9507,7 @@
           <a:blip r:embed="rId5">
             <a:alphaModFix/>
           </a:blip>
-          <a:srcRect l="68272" r="4347" b="14544"/>
+          <a:srcRect b="14544" l="68272" r="4347" t="0"/>
           <a:stretch/>
         </p:blipFill>
         <p:spPr>
@@ -9122,7 +9526,7 @@
       </p:pic>
       <p:sp>
         <p:nvSpPr>
-          <p:cNvPr id="98" name="Google Shape;98;p17"/>
+          <p:cNvPr id="99" name="Google Shape;99;p17"/>
           <p:cNvSpPr txBox="1"/>
           <p:nvPr/>
         </p:nvSpPr>
@@ -9140,12 +9544,12 @@
           </a:ln>
         </p:spPr>
         <p:txBody>
-          <a:bodyPr spcFirstLastPara="1" wrap="square" lIns="91425" tIns="91425" rIns="91425" bIns="91425" anchor="t" anchorCtr="0">
+          <a:bodyPr anchorCtr="0" anchor="t" bIns="91425" lIns="91425" spcFirstLastPara="1" rIns="91425" wrap="square" tIns="91425">
             <a:noAutofit/>
           </a:bodyPr>
           <a:lstStyle/>
           <a:p>
-            <a:pPr marL="0" lvl="0" indent="0" algn="l" rtl="0">
+            <a:pPr indent="0" lvl="0" marL="0" rtl="0" algn="l">
               <a:spcBef>
                 <a:spcPts val="0"/>
               </a:spcBef>
@@ -9155,7 +9559,7 @@
               <a:buNone/>
             </a:pPr>
             <a:r>
-              <a:rPr lang="en-GB" sz="2300" b="1">
+              <a:rPr b="1" lang="en-GB" sz="2300">
                 <a:solidFill>
                   <a:schemeClr val="dk2"/>
                 </a:solidFill>
@@ -9166,7 +9570,7 @@
               </a:rPr>
               <a:t>CONTACT US </a:t>
             </a:r>
-            <a:endParaRPr sz="2300" b="1">
+            <a:endParaRPr b="1" sz="2300">
               <a:solidFill>
                 <a:schemeClr val="dk2"/>
               </a:solidFill>
@@ -9180,7 +9584,7 @@
       </p:sp>
       <p:sp>
         <p:nvSpPr>
-          <p:cNvPr id="99" name="Google Shape;99;p17"/>
+          <p:cNvPr id="100" name="Google Shape;100;p17"/>
           <p:cNvSpPr/>
           <p:nvPr/>
         </p:nvSpPr>
@@ -9195,23 +9599,23 @@
           <a:solidFill>
             <a:srgbClr val="282B8D"/>
           </a:solidFill>
-          <a:ln w="9525" cap="flat" cmpd="sng">
+          <a:ln cap="flat" cmpd="sng" w="9525">
             <a:solidFill>
               <a:srgbClr val="282B8D"/>
             </a:solidFill>
             <a:prstDash val="solid"/>
             <a:round/>
-            <a:headEnd type="none" w="sm" len="sm"/>
-            <a:tailEnd type="none" w="sm" len="sm"/>
+            <a:headEnd len="sm" w="sm" type="none"/>
+            <a:tailEnd len="sm" w="sm" type="none"/>
           </a:ln>
         </p:spPr>
         <p:txBody>
-          <a:bodyPr spcFirstLastPara="1" wrap="square" lIns="91425" tIns="91425" rIns="91425" bIns="91425" anchor="ctr" anchorCtr="0">
+          <a:bodyPr anchorCtr="0" anchor="ctr" bIns="91425" lIns="91425" spcFirstLastPara="1" rIns="91425" wrap="square" tIns="91425">
             <a:noAutofit/>
           </a:bodyPr>
           <a:lstStyle/>
           <a:p>
-            <a:pPr marL="0" lvl="0" indent="0" algn="ctr" rtl="0">
+            <a:pPr indent="0" lvl="0" marL="0" rtl="0" algn="ctr">
               <a:spcBef>
                 <a:spcPts val="0"/>
               </a:spcBef>
@@ -9220,6 +9624,134 @@
               </a:spcAft>
               <a:buNone/>
             </a:pPr>
+            <a:r>
+              <a:t/>
+            </a:r>
+            <a:endParaRPr/>
+          </a:p>
+        </p:txBody>
+      </p:sp>
+      <p:sp>
+        <p:nvSpPr>
+          <p:cNvPr id="101" name="Google Shape;101;p17"/>
+          <p:cNvSpPr/>
+          <p:nvPr/>
+        </p:nvSpPr>
+        <p:spPr>
+          <a:xfrm>
+            <a:off x="-2064375" y="469075"/>
+            <a:ext cx="1741500" cy="3332100"/>
+          </a:xfrm>
+          <a:prstGeom prst="rect">
+            <a:avLst/>
+          </a:prstGeom>
+          <a:solidFill>
+            <a:schemeClr val="lt2"/>
+          </a:solidFill>
+          <a:ln cap="flat" cmpd="sng" w="9525">
+            <a:solidFill>
+              <a:schemeClr val="dk2"/>
+            </a:solidFill>
+            <a:prstDash val="solid"/>
+            <a:round/>
+            <a:headEnd len="sm" w="sm" type="none"/>
+            <a:tailEnd len="sm" w="sm" type="none"/>
+          </a:ln>
+        </p:spPr>
+        <p:txBody>
+          <a:bodyPr anchorCtr="0" anchor="ctr" bIns="91425" lIns="91425" spcFirstLastPara="1" rIns="91425" wrap="square" tIns="91425">
+            <a:noAutofit/>
+          </a:bodyPr>
+          <a:lstStyle/>
+          <a:p>
+            <a:pPr indent="0" lvl="0" marL="0" rtl="1" algn="ctr">
+              <a:spcBef>
+                <a:spcPts val="0"/>
+              </a:spcBef>
+              <a:spcAft>
+                <a:spcPts val="0"/>
+              </a:spcAft>
+              <a:buNone/>
+            </a:pPr>
+            <a:r>
+              <a:rPr lang="en-GB"/>
+              <a:t>לכל שדה נמצא באחד מFORM יצירת קשר, או חשבון יש שלושה אופציות קיימות: </a:t>
+            </a:r>
+            <a:endParaRPr/>
+          </a:p>
+          <a:p>
+            <a:pPr indent="-317500" lvl="0" marL="457200" rtl="1" algn="ctr">
+              <a:spcBef>
+                <a:spcPts val="0"/>
+              </a:spcBef>
+              <a:spcAft>
+                <a:spcPts val="0"/>
+              </a:spcAft>
+              <a:buSzPts val="1400"/>
+              <a:buAutoNum type="arabicPeriod"/>
+            </a:pPr>
+            <a:r>
+              <a:rPr lang="en-GB"/>
+              <a:t>שדה רק</a:t>
+            </a:r>
+            <a:endParaRPr/>
+          </a:p>
+          <a:p>
+            <a:pPr indent="-317500" lvl="0" marL="457200" rtl="1" algn="ctr">
+              <a:spcBef>
+                <a:spcPts val="0"/>
+              </a:spcBef>
+              <a:spcAft>
+                <a:spcPts val="0"/>
+              </a:spcAft>
+              <a:buSzPts val="1400"/>
+              <a:buAutoNum type="arabicPeriod"/>
+            </a:pPr>
+            <a:r>
+              <a:rPr lang="en-GB"/>
+              <a:t>ערך שגוי</a:t>
+            </a:r>
+            <a:endParaRPr/>
+          </a:p>
+          <a:p>
+            <a:pPr indent="-317500" lvl="0" marL="457200" rtl="1" algn="ctr">
+              <a:spcBef>
+                <a:spcPts val="0"/>
+              </a:spcBef>
+              <a:spcAft>
+                <a:spcPts val="0"/>
+              </a:spcAft>
+              <a:buSzPts val="1400"/>
+              <a:buAutoNum type="arabicPeriod"/>
+            </a:pPr>
+            <a:r>
+              <a:rPr lang="en-GB"/>
+              <a:t>ערך תקין </a:t>
+            </a:r>
+            <a:endParaRPr/>
+          </a:p>
+          <a:p>
+            <a:pPr indent="0" lvl="0" marL="457200" rtl="1" algn="ctr">
+              <a:spcBef>
+                <a:spcPts val="0"/>
+              </a:spcBef>
+              <a:spcAft>
+                <a:spcPts val="0"/>
+              </a:spcAft>
+              <a:buNone/>
+            </a:pPr>
+            <a:r>
+              <a:rPr lang="en-GB"/>
+              <a:t>למשל שדה של השם הראשון המשתמש יכול לא </a:t>
+            </a:r>
+            <a:r>
+              <a:rPr lang="en-GB"/>
+              <a:t>לשים</a:t>
+            </a:r>
+            <a:r>
+              <a:rPr lang="en-GB"/>
+              <a:t> שם (שדה ריק) הכניס שם עם תווים מיוחדים, או שם תקין   </a:t>
+            </a:r>
             <a:endParaRPr/>
           </a:p>
         </p:txBody>
@@ -9233,7 +9765,1075 @@
 </file>
 
 <file path=ppt/slides/slide6.xml><?xml version="1.0" encoding="utf-8"?>
-<p:sld xmlns:a="http://schemas.openxmlformats.org/drawingml/2006/main" xmlns:r="http://schemas.openxmlformats.org/officeDocument/2006/relationships" xmlns:p="http://schemas.openxmlformats.org/presentationml/2006/main">
+<p:sld xmlns:a="http://schemas.openxmlformats.org/drawingml/2006/main" xmlns:r="http://schemas.openxmlformats.org/officeDocument/2006/relationships" xmlns:mc="http://schemas.openxmlformats.org/markup-compatibility/2006" xmlns:mv="urn:schemas-microsoft-com:mac:vml" xmlns:p="http://schemas.openxmlformats.org/presentationml/2006/main" xmlns:c="http://schemas.openxmlformats.org/drawingml/2006/chart" xmlns:dgm="http://schemas.openxmlformats.org/drawingml/2006/diagram" xmlns:o="urn:schemas-microsoft-com:office:office" xmlns:v="urn:schemas-microsoft-com:vml" xmlns:pvml="urn:schemas-microsoft-com:office:powerpoint" xmlns:com="http://schemas.openxmlformats.org/drawingml/2006/compatibility" xmlns:p14="http://schemas.microsoft.com/office/powerpoint/2010/main" xmlns:p15="http://schemas.microsoft.com/office/powerpoint/2012/main" xmlns:ahyp="http://schemas.microsoft.com/office/drawing/2018/hyperlinkcolor">
+  <p:cSld>
+    <p:bg>
+      <p:bgPr>
+        <a:solidFill>
+          <a:schemeClr val="lt1"/>
+        </a:solidFill>
+      </p:bgPr>
+    </p:bg>
+    <p:spTree>
+      <p:nvGrpSpPr>
+        <p:cNvPr id="105" name="Shape 105"/>
+        <p:cNvGrpSpPr/>
+        <p:nvPr/>
+      </p:nvGrpSpPr>
+      <p:grpSpPr>
+        <a:xfrm>
+          <a:off x="0" y="0"/>
+          <a:ext cx="0" cy="0"/>
+          <a:chOff x="0" y="0"/>
+          <a:chExt cx="0" cy="0"/>
+        </a:xfrm>
+      </p:grpSpPr>
+      <p:pic>
+        <p:nvPicPr>
+          <p:cNvPr id="106" name="Google Shape;106;p18"/>
+          <p:cNvPicPr preferRelativeResize="0"/>
+          <p:nvPr/>
+        </p:nvPicPr>
+        <p:blipFill rotWithShape="1">
+          <a:blip r:embed="rId3">
+            <a:alphaModFix/>
+          </a:blip>
+          <a:srcRect b="63698" l="46359" r="38012" t="23211"/>
+          <a:stretch/>
+        </p:blipFill>
+        <p:spPr>
+          <a:xfrm>
+            <a:off x="9398149" y="167824"/>
+            <a:ext cx="2143123" cy="1009749"/>
+          </a:xfrm>
+          <a:prstGeom prst="rect">
+            <a:avLst/>
+          </a:prstGeom>
+          <a:noFill/>
+          <a:ln>
+            <a:noFill/>
+          </a:ln>
+        </p:spPr>
+      </p:pic>
+      <p:pic>
+        <p:nvPicPr>
+          <p:cNvPr id="107" name="Google Shape;107;p18"/>
+          <p:cNvPicPr preferRelativeResize="0"/>
+          <p:nvPr/>
+        </p:nvPicPr>
+        <p:blipFill>
+          <a:blip r:embed="rId4">
+            <a:alphaModFix/>
+          </a:blip>
+          <a:stretch>
+            <a:fillRect/>
+          </a:stretch>
+        </p:blipFill>
+        <p:spPr>
+          <a:xfrm>
+            <a:off x="2864522" y="0"/>
+            <a:ext cx="3346232" cy="5143501"/>
+          </a:xfrm>
+          <a:prstGeom prst="rect">
+            <a:avLst/>
+          </a:prstGeom>
+          <a:noFill/>
+          <a:ln>
+            <a:noFill/>
+          </a:ln>
+        </p:spPr>
+      </p:pic>
+      <p:sp>
+        <p:nvSpPr>
+          <p:cNvPr id="108" name="Google Shape;108;p18"/>
+          <p:cNvSpPr/>
+          <p:nvPr/>
+        </p:nvSpPr>
+        <p:spPr>
+          <a:xfrm>
+            <a:off x="5683050" y="557150"/>
+            <a:ext cx="3372600" cy="4004400"/>
+          </a:xfrm>
+          <a:prstGeom prst="rect">
+            <a:avLst/>
+          </a:prstGeom>
+          <a:solidFill>
+            <a:schemeClr val="lt1"/>
+          </a:solidFill>
+          <a:ln cap="flat" cmpd="sng" w="9525">
+            <a:solidFill>
+              <a:schemeClr val="dk2"/>
+            </a:solidFill>
+            <a:prstDash val="solid"/>
+            <a:round/>
+            <a:headEnd len="sm" w="sm" type="none"/>
+            <a:tailEnd len="sm" w="sm" type="none"/>
+          </a:ln>
+        </p:spPr>
+        <p:txBody>
+          <a:bodyPr anchorCtr="0" anchor="ctr" bIns="91425" lIns="91425" spcFirstLastPara="1" rIns="91425" wrap="square" tIns="91425">
+            <a:noAutofit/>
+          </a:bodyPr>
+          <a:lstStyle/>
+          <a:p>
+            <a:pPr indent="0" lvl="0" marL="0" rtl="0" algn="ctr">
+              <a:spcBef>
+                <a:spcPts val="0"/>
+              </a:spcBef>
+              <a:spcAft>
+                <a:spcPts val="0"/>
+              </a:spcAft>
+              <a:buNone/>
+            </a:pPr>
+            <a:r>
+              <a:t/>
+            </a:r>
+            <a:endParaRPr/>
+          </a:p>
+        </p:txBody>
+      </p:sp>
+      <p:sp>
+        <p:nvSpPr>
+          <p:cNvPr id="109" name="Google Shape;109;p18"/>
+          <p:cNvSpPr txBox="1"/>
+          <p:nvPr/>
+        </p:nvSpPr>
+        <p:spPr>
+          <a:xfrm>
+            <a:off x="5723250" y="1399550"/>
+            <a:ext cx="3286800" cy="2896200"/>
+          </a:xfrm>
+          <a:prstGeom prst="rect">
+            <a:avLst/>
+          </a:prstGeom>
+          <a:noFill/>
+          <a:ln>
+            <a:noFill/>
+          </a:ln>
+        </p:spPr>
+        <p:txBody>
+          <a:bodyPr anchorCtr="0" anchor="t" bIns="91425" lIns="91425" spcFirstLastPara="1" rIns="91425" wrap="square" tIns="91425">
+            <a:noAutofit/>
+          </a:bodyPr>
+          <a:lstStyle/>
+          <a:p>
+            <a:pPr indent="-355600" lvl="0" marL="457200" rtl="0" algn="l">
+              <a:lnSpc>
+                <a:spcPct val="115000"/>
+              </a:lnSpc>
+              <a:spcBef>
+                <a:spcPts val="0"/>
+              </a:spcBef>
+              <a:spcAft>
+                <a:spcPts val="0"/>
+              </a:spcAft>
+              <a:buClr>
+                <a:schemeClr val="dk2"/>
+              </a:buClr>
+              <a:buSzPts val="2000"/>
+              <a:buFont typeface="Georgia"/>
+              <a:buChar char="●"/>
+            </a:pPr>
+            <a:r>
+              <a:rPr lang="en-GB" sz="2000">
+                <a:solidFill>
+                  <a:schemeClr val="dk2"/>
+                </a:solidFill>
+                <a:latin typeface="Georgia"/>
+                <a:ea typeface="Georgia"/>
+                <a:cs typeface="Georgia"/>
+                <a:sym typeface="Georgia"/>
+              </a:rPr>
+              <a:t>Empty field</a:t>
+            </a:r>
+            <a:endParaRPr sz="2000">
+              <a:solidFill>
+                <a:schemeClr val="dk2"/>
+              </a:solidFill>
+              <a:latin typeface="Georgia"/>
+              <a:ea typeface="Georgia"/>
+              <a:cs typeface="Georgia"/>
+              <a:sym typeface="Georgia"/>
+            </a:endParaRPr>
+          </a:p>
+          <a:p>
+            <a:pPr indent="-355600" lvl="0" marL="457200" rtl="0" algn="l">
+              <a:lnSpc>
+                <a:spcPct val="115000"/>
+              </a:lnSpc>
+              <a:spcBef>
+                <a:spcPts val="0"/>
+              </a:spcBef>
+              <a:spcAft>
+                <a:spcPts val="0"/>
+              </a:spcAft>
+              <a:buClr>
+                <a:schemeClr val="dk2"/>
+              </a:buClr>
+              <a:buSzPts val="2000"/>
+              <a:buFont typeface="Georgia"/>
+              <a:buChar char="●"/>
+            </a:pPr>
+            <a:r>
+              <a:rPr lang="en-GB" sz="2000">
+                <a:solidFill>
+                  <a:schemeClr val="dk2"/>
+                </a:solidFill>
+                <a:latin typeface="Georgia"/>
+                <a:ea typeface="Georgia"/>
+                <a:cs typeface="Georgia"/>
+                <a:sym typeface="Georgia"/>
+              </a:rPr>
+              <a:t>Symbols </a:t>
+            </a:r>
+            <a:endParaRPr sz="2000">
+              <a:solidFill>
+                <a:schemeClr val="dk2"/>
+              </a:solidFill>
+              <a:latin typeface="Georgia"/>
+              <a:ea typeface="Georgia"/>
+              <a:cs typeface="Georgia"/>
+              <a:sym typeface="Georgia"/>
+            </a:endParaRPr>
+          </a:p>
+          <a:p>
+            <a:pPr indent="-355600" lvl="0" marL="457200" rtl="0" algn="l">
+              <a:lnSpc>
+                <a:spcPct val="115000"/>
+              </a:lnSpc>
+              <a:spcBef>
+                <a:spcPts val="0"/>
+              </a:spcBef>
+              <a:spcAft>
+                <a:spcPts val="0"/>
+              </a:spcAft>
+              <a:buClr>
+                <a:schemeClr val="dk2"/>
+              </a:buClr>
+              <a:buSzPts val="2000"/>
+              <a:buFont typeface="Georgia"/>
+              <a:buChar char="●"/>
+            </a:pPr>
+            <a:r>
+              <a:rPr lang="en-GB" sz="2000">
+                <a:solidFill>
+                  <a:schemeClr val="dk2"/>
+                </a:solidFill>
+                <a:latin typeface="Georgia"/>
+                <a:ea typeface="Georgia"/>
+                <a:cs typeface="Georgia"/>
+                <a:sym typeface="Georgia"/>
+              </a:rPr>
+              <a:t>Change email button </a:t>
+            </a:r>
+            <a:endParaRPr sz="2000">
+              <a:solidFill>
+                <a:schemeClr val="dk2"/>
+              </a:solidFill>
+              <a:latin typeface="Georgia"/>
+              <a:ea typeface="Georgia"/>
+              <a:cs typeface="Georgia"/>
+              <a:sym typeface="Georgia"/>
+            </a:endParaRPr>
+          </a:p>
+          <a:p>
+            <a:pPr indent="-355600" lvl="0" marL="457200" rtl="0" algn="l">
+              <a:lnSpc>
+                <a:spcPct val="115000"/>
+              </a:lnSpc>
+              <a:spcBef>
+                <a:spcPts val="0"/>
+              </a:spcBef>
+              <a:spcAft>
+                <a:spcPts val="0"/>
+              </a:spcAft>
+              <a:buClr>
+                <a:schemeClr val="dk2"/>
+              </a:buClr>
+              <a:buSzPts val="2000"/>
+              <a:buFont typeface="Georgia"/>
+              <a:buChar char="●"/>
+            </a:pPr>
+            <a:r>
+              <a:rPr lang="en-GB" sz="2000">
+                <a:solidFill>
+                  <a:schemeClr val="dk2"/>
+                </a:solidFill>
+                <a:latin typeface="Georgia"/>
+                <a:ea typeface="Georgia"/>
+                <a:cs typeface="Georgia"/>
+                <a:sym typeface="Georgia"/>
+              </a:rPr>
+              <a:t>Tooltip: phone number field, country fields </a:t>
+            </a:r>
+            <a:endParaRPr sz="2000">
+              <a:solidFill>
+                <a:schemeClr val="dk2"/>
+              </a:solidFill>
+              <a:latin typeface="Georgia"/>
+              <a:ea typeface="Georgia"/>
+              <a:cs typeface="Georgia"/>
+              <a:sym typeface="Georgia"/>
+            </a:endParaRPr>
+          </a:p>
+          <a:p>
+            <a:pPr indent="-355600" lvl="0" marL="457200" rtl="0" algn="l">
+              <a:lnSpc>
+                <a:spcPct val="115000"/>
+              </a:lnSpc>
+              <a:spcBef>
+                <a:spcPts val="0"/>
+              </a:spcBef>
+              <a:spcAft>
+                <a:spcPts val="0"/>
+              </a:spcAft>
+              <a:buClr>
+                <a:schemeClr val="dk2"/>
+              </a:buClr>
+              <a:buSzPts val="2000"/>
+              <a:buFont typeface="Georgia"/>
+              <a:buChar char="●"/>
+            </a:pPr>
+            <a:r>
+              <a:rPr lang="en-GB" sz="2000">
+                <a:solidFill>
+                  <a:schemeClr val="dk2"/>
+                </a:solidFill>
+                <a:latin typeface="Georgia"/>
+                <a:ea typeface="Georgia"/>
+                <a:cs typeface="Georgia"/>
+                <a:sym typeface="Georgia"/>
+              </a:rPr>
+              <a:t>Empty fields: password, country </a:t>
+            </a:r>
+            <a:endParaRPr sz="2000">
+              <a:solidFill>
+                <a:schemeClr val="dk2"/>
+              </a:solidFill>
+              <a:latin typeface="Georgia"/>
+              <a:ea typeface="Georgia"/>
+              <a:cs typeface="Georgia"/>
+              <a:sym typeface="Georgia"/>
+            </a:endParaRPr>
+          </a:p>
+          <a:p>
+            <a:pPr indent="-355600" lvl="0" marL="457200" rtl="0" algn="l">
+              <a:lnSpc>
+                <a:spcPct val="115000"/>
+              </a:lnSpc>
+              <a:spcBef>
+                <a:spcPts val="0"/>
+              </a:spcBef>
+              <a:spcAft>
+                <a:spcPts val="0"/>
+              </a:spcAft>
+              <a:buClr>
+                <a:schemeClr val="dk2"/>
+              </a:buClr>
+              <a:buSzPts val="2000"/>
+              <a:buFont typeface="Georgia"/>
+              <a:buChar char="●"/>
+            </a:pPr>
+            <a:r>
+              <a:rPr lang="en-GB" sz="2000">
+                <a:solidFill>
+                  <a:schemeClr val="dk2"/>
+                </a:solidFill>
+                <a:latin typeface="Georgia"/>
+                <a:ea typeface="Georgia"/>
+                <a:cs typeface="Georgia"/>
+                <a:sym typeface="Georgia"/>
+              </a:rPr>
+              <a:t>9 methods </a:t>
+            </a:r>
+            <a:endParaRPr sz="2000">
+              <a:solidFill>
+                <a:schemeClr val="dk2"/>
+              </a:solidFill>
+              <a:latin typeface="Georgia"/>
+              <a:ea typeface="Georgia"/>
+              <a:cs typeface="Georgia"/>
+              <a:sym typeface="Georgia"/>
+            </a:endParaRPr>
+          </a:p>
+        </p:txBody>
+      </p:sp>
+      <p:sp>
+        <p:nvSpPr>
+          <p:cNvPr id="110" name="Google Shape;110;p18"/>
+          <p:cNvSpPr txBox="1"/>
+          <p:nvPr/>
+        </p:nvSpPr>
+        <p:spPr>
+          <a:xfrm>
+            <a:off x="6361216" y="709600"/>
+            <a:ext cx="1824600" cy="519000"/>
+          </a:xfrm>
+          <a:prstGeom prst="rect">
+            <a:avLst/>
+          </a:prstGeom>
+          <a:noFill/>
+          <a:ln>
+            <a:noFill/>
+          </a:ln>
+        </p:spPr>
+        <p:txBody>
+          <a:bodyPr anchorCtr="0" anchor="t" bIns="91425" lIns="91425" spcFirstLastPara="1" rIns="91425" wrap="square" tIns="91425">
+            <a:noAutofit/>
+          </a:bodyPr>
+          <a:lstStyle/>
+          <a:p>
+            <a:pPr indent="0" lvl="0" marL="0" rtl="0" algn="l">
+              <a:spcBef>
+                <a:spcPts val="0"/>
+              </a:spcBef>
+              <a:spcAft>
+                <a:spcPts val="0"/>
+              </a:spcAft>
+              <a:buNone/>
+            </a:pPr>
+            <a:r>
+              <a:rPr b="1" lang="en-GB" sz="2300">
+                <a:solidFill>
+                  <a:schemeClr val="dk2"/>
+                </a:solidFill>
+                <a:latin typeface="Comfortaa"/>
+                <a:ea typeface="Comfortaa"/>
+                <a:cs typeface="Comfortaa"/>
+                <a:sym typeface="Comfortaa"/>
+              </a:rPr>
+              <a:t>ACCOUNT</a:t>
+            </a:r>
+            <a:endParaRPr b="1" sz="2300">
+              <a:solidFill>
+                <a:schemeClr val="dk2"/>
+              </a:solidFill>
+              <a:latin typeface="Comfortaa"/>
+              <a:ea typeface="Comfortaa"/>
+              <a:cs typeface="Comfortaa"/>
+              <a:sym typeface="Comfortaa"/>
+            </a:endParaRPr>
+          </a:p>
+        </p:txBody>
+      </p:sp>
+      <p:sp>
+        <p:nvSpPr>
+          <p:cNvPr id="111" name="Google Shape;111;p18"/>
+          <p:cNvSpPr/>
+          <p:nvPr/>
+        </p:nvSpPr>
+        <p:spPr>
+          <a:xfrm>
+            <a:off x="101550" y="557150"/>
+            <a:ext cx="3091500" cy="4004400"/>
+          </a:xfrm>
+          <a:prstGeom prst="rect">
+            <a:avLst/>
+          </a:prstGeom>
+          <a:solidFill>
+            <a:schemeClr val="lt1"/>
+          </a:solidFill>
+          <a:ln cap="flat" cmpd="sng" w="9525">
+            <a:solidFill>
+              <a:schemeClr val="dk2"/>
+            </a:solidFill>
+            <a:prstDash val="solid"/>
+            <a:round/>
+            <a:headEnd len="sm" w="sm" type="none"/>
+            <a:tailEnd len="sm" w="sm" type="none"/>
+          </a:ln>
+        </p:spPr>
+        <p:txBody>
+          <a:bodyPr anchorCtr="0" anchor="ctr" bIns="91425" lIns="91425" spcFirstLastPara="1" rIns="91425" wrap="square" tIns="91425">
+            <a:noAutofit/>
+          </a:bodyPr>
+          <a:lstStyle/>
+          <a:p>
+            <a:pPr indent="0" lvl="0" marL="0" rtl="0" algn="ctr">
+              <a:spcBef>
+                <a:spcPts val="0"/>
+              </a:spcBef>
+              <a:spcAft>
+                <a:spcPts val="0"/>
+              </a:spcAft>
+              <a:buNone/>
+            </a:pPr>
+            <a:r>
+              <a:t/>
+            </a:r>
+            <a:endParaRPr/>
+          </a:p>
+        </p:txBody>
+      </p:sp>
+      <p:sp>
+        <p:nvSpPr>
+          <p:cNvPr id="112" name="Google Shape;112;p18"/>
+          <p:cNvSpPr txBox="1"/>
+          <p:nvPr/>
+        </p:nvSpPr>
+        <p:spPr>
+          <a:xfrm>
+            <a:off x="222301" y="1582900"/>
+            <a:ext cx="2914800" cy="2459700"/>
+          </a:xfrm>
+          <a:prstGeom prst="rect">
+            <a:avLst/>
+          </a:prstGeom>
+          <a:noFill/>
+          <a:ln>
+            <a:noFill/>
+          </a:ln>
+        </p:spPr>
+        <p:txBody>
+          <a:bodyPr anchorCtr="0" anchor="t" bIns="91425" lIns="91425" spcFirstLastPara="1" rIns="91425" wrap="square" tIns="91425">
+            <a:noAutofit/>
+          </a:bodyPr>
+          <a:lstStyle/>
+          <a:p>
+            <a:pPr indent="-355600" lvl="0" marL="457200" rtl="0" algn="l">
+              <a:lnSpc>
+                <a:spcPct val="115000"/>
+              </a:lnSpc>
+              <a:spcBef>
+                <a:spcPts val="0"/>
+              </a:spcBef>
+              <a:spcAft>
+                <a:spcPts val="0"/>
+              </a:spcAft>
+              <a:buClr>
+                <a:schemeClr val="dk2"/>
+              </a:buClr>
+              <a:buSzPts val="2000"/>
+              <a:buFont typeface="Georgia"/>
+              <a:buChar char="●"/>
+            </a:pPr>
+            <a:r>
+              <a:rPr lang="en-GB" sz="2000">
+                <a:solidFill>
+                  <a:schemeClr val="dk2"/>
+                </a:solidFill>
+                <a:latin typeface="Georgia"/>
+                <a:ea typeface="Georgia"/>
+                <a:cs typeface="Georgia"/>
+                <a:sym typeface="Georgia"/>
+              </a:rPr>
+              <a:t>Valid input </a:t>
+            </a:r>
+            <a:endParaRPr sz="2000">
+              <a:solidFill>
+                <a:schemeClr val="dk2"/>
+              </a:solidFill>
+              <a:latin typeface="Georgia"/>
+              <a:ea typeface="Georgia"/>
+              <a:cs typeface="Georgia"/>
+              <a:sym typeface="Georgia"/>
+            </a:endParaRPr>
+          </a:p>
+          <a:p>
+            <a:pPr indent="-355600" lvl="0" marL="457200" rtl="0" algn="l">
+              <a:lnSpc>
+                <a:spcPct val="115000"/>
+              </a:lnSpc>
+              <a:spcBef>
+                <a:spcPts val="0"/>
+              </a:spcBef>
+              <a:spcAft>
+                <a:spcPts val="0"/>
+              </a:spcAft>
+              <a:buClr>
+                <a:schemeClr val="dk2"/>
+              </a:buClr>
+              <a:buSzPts val="2000"/>
+              <a:buFont typeface="Georgia"/>
+              <a:buChar char="●"/>
+            </a:pPr>
+            <a:r>
+              <a:rPr lang="en-GB" sz="2000">
+                <a:solidFill>
+                  <a:schemeClr val="dk2"/>
+                </a:solidFill>
+                <a:latin typeface="Georgia"/>
+                <a:ea typeface="Georgia"/>
+                <a:cs typeface="Georgia"/>
+                <a:sym typeface="Georgia"/>
+              </a:rPr>
+              <a:t>Empty fields </a:t>
+            </a:r>
+            <a:endParaRPr sz="2000">
+              <a:solidFill>
+                <a:schemeClr val="dk2"/>
+              </a:solidFill>
+              <a:latin typeface="Georgia"/>
+              <a:ea typeface="Georgia"/>
+              <a:cs typeface="Georgia"/>
+              <a:sym typeface="Georgia"/>
+            </a:endParaRPr>
+          </a:p>
+          <a:p>
+            <a:pPr indent="-355600" lvl="0" marL="457200" rtl="0" algn="l">
+              <a:lnSpc>
+                <a:spcPct val="115000"/>
+              </a:lnSpc>
+              <a:spcBef>
+                <a:spcPts val="0"/>
+              </a:spcBef>
+              <a:spcAft>
+                <a:spcPts val="0"/>
+              </a:spcAft>
+              <a:buClr>
+                <a:schemeClr val="dk2"/>
+              </a:buClr>
+              <a:buSzPts val="2000"/>
+              <a:buFont typeface="Georgia"/>
+              <a:buChar char="●"/>
+            </a:pPr>
+            <a:r>
+              <a:rPr lang="en-GB" sz="2000">
+                <a:solidFill>
+                  <a:schemeClr val="dk2"/>
+                </a:solidFill>
+                <a:latin typeface="Georgia"/>
+                <a:ea typeface="Georgia"/>
+                <a:cs typeface="Georgia"/>
+                <a:sym typeface="Georgia"/>
+              </a:rPr>
+              <a:t>Special chars and symbols </a:t>
+            </a:r>
+            <a:endParaRPr sz="2000">
+              <a:solidFill>
+                <a:schemeClr val="dk2"/>
+              </a:solidFill>
+              <a:latin typeface="Georgia"/>
+              <a:ea typeface="Georgia"/>
+              <a:cs typeface="Georgia"/>
+              <a:sym typeface="Georgia"/>
+            </a:endParaRPr>
+          </a:p>
+          <a:p>
+            <a:pPr indent="-355600" lvl="0" marL="457200" rtl="0" algn="l">
+              <a:lnSpc>
+                <a:spcPct val="115000"/>
+              </a:lnSpc>
+              <a:spcBef>
+                <a:spcPts val="0"/>
+              </a:spcBef>
+              <a:spcAft>
+                <a:spcPts val="0"/>
+              </a:spcAft>
+              <a:buClr>
+                <a:schemeClr val="dk2"/>
+              </a:buClr>
+              <a:buSzPts val="2000"/>
+              <a:buFont typeface="Georgia"/>
+              <a:buChar char="●"/>
+            </a:pPr>
+            <a:r>
+              <a:rPr lang="en-GB" sz="2000">
+                <a:solidFill>
+                  <a:schemeClr val="dk2"/>
+                </a:solidFill>
+                <a:latin typeface="Georgia"/>
+                <a:ea typeface="Georgia"/>
+                <a:cs typeface="Georgia"/>
+                <a:sym typeface="Georgia"/>
+              </a:rPr>
+              <a:t>Tooltip </a:t>
+            </a:r>
+            <a:endParaRPr sz="2000">
+              <a:solidFill>
+                <a:schemeClr val="dk2"/>
+              </a:solidFill>
+              <a:latin typeface="Georgia"/>
+              <a:ea typeface="Georgia"/>
+              <a:cs typeface="Georgia"/>
+              <a:sym typeface="Georgia"/>
+            </a:endParaRPr>
+          </a:p>
+          <a:p>
+            <a:pPr indent="-355600" lvl="0" marL="457200" rtl="0" algn="l">
+              <a:lnSpc>
+                <a:spcPct val="115000"/>
+              </a:lnSpc>
+              <a:spcBef>
+                <a:spcPts val="0"/>
+              </a:spcBef>
+              <a:spcAft>
+                <a:spcPts val="0"/>
+              </a:spcAft>
+              <a:buClr>
+                <a:schemeClr val="dk2"/>
+              </a:buClr>
+              <a:buSzPts val="2000"/>
+              <a:buFont typeface="Georgia"/>
+              <a:buChar char="●"/>
+            </a:pPr>
+            <a:r>
+              <a:rPr lang="en-GB" sz="2000">
+                <a:solidFill>
+                  <a:schemeClr val="dk2"/>
+                </a:solidFill>
+                <a:latin typeface="Georgia"/>
+                <a:ea typeface="Georgia"/>
+                <a:cs typeface="Georgia"/>
+                <a:sym typeface="Georgia"/>
+              </a:rPr>
+              <a:t>Invalid </a:t>
+            </a:r>
+            <a:endParaRPr sz="2000">
+              <a:solidFill>
+                <a:schemeClr val="dk2"/>
+              </a:solidFill>
+              <a:latin typeface="Georgia"/>
+              <a:ea typeface="Georgia"/>
+              <a:cs typeface="Georgia"/>
+              <a:sym typeface="Georgia"/>
+            </a:endParaRPr>
+          </a:p>
+          <a:p>
+            <a:pPr indent="-355600" lvl="0" marL="457200" rtl="0" algn="l">
+              <a:lnSpc>
+                <a:spcPct val="115000"/>
+              </a:lnSpc>
+              <a:spcBef>
+                <a:spcPts val="0"/>
+              </a:spcBef>
+              <a:spcAft>
+                <a:spcPts val="0"/>
+              </a:spcAft>
+              <a:buClr>
+                <a:schemeClr val="dk2"/>
+              </a:buClr>
+              <a:buSzPts val="2000"/>
+              <a:buFont typeface="Georgia"/>
+              <a:buChar char="●"/>
+            </a:pPr>
+            <a:r>
+              <a:rPr lang="en-GB" sz="2000">
+                <a:solidFill>
+                  <a:schemeClr val="dk2"/>
+                </a:solidFill>
+                <a:latin typeface="Georgia"/>
+                <a:ea typeface="Georgia"/>
+                <a:cs typeface="Georgia"/>
+                <a:sym typeface="Georgia"/>
+              </a:rPr>
+              <a:t>11 methods </a:t>
+            </a:r>
+            <a:endParaRPr sz="2000">
+              <a:solidFill>
+                <a:schemeClr val="dk2"/>
+              </a:solidFill>
+              <a:latin typeface="Georgia"/>
+              <a:ea typeface="Georgia"/>
+              <a:cs typeface="Georgia"/>
+              <a:sym typeface="Georgia"/>
+            </a:endParaRPr>
+          </a:p>
+        </p:txBody>
+      </p:sp>
+      <p:sp>
+        <p:nvSpPr>
+          <p:cNvPr id="113" name="Google Shape;113;p18"/>
+          <p:cNvSpPr txBox="1"/>
+          <p:nvPr/>
+        </p:nvSpPr>
+        <p:spPr>
+          <a:xfrm>
+            <a:off x="662924" y="746200"/>
+            <a:ext cx="2530200" cy="519000"/>
+          </a:xfrm>
+          <a:prstGeom prst="rect">
+            <a:avLst/>
+          </a:prstGeom>
+          <a:noFill/>
+          <a:ln>
+            <a:noFill/>
+          </a:ln>
+        </p:spPr>
+        <p:txBody>
+          <a:bodyPr anchorCtr="0" anchor="t" bIns="91425" lIns="91425" spcFirstLastPara="1" rIns="91425" wrap="square" tIns="91425">
+            <a:noAutofit/>
+          </a:bodyPr>
+          <a:lstStyle/>
+          <a:p>
+            <a:pPr indent="0" lvl="0" marL="0" rtl="0" algn="l">
+              <a:spcBef>
+                <a:spcPts val="0"/>
+              </a:spcBef>
+              <a:spcAft>
+                <a:spcPts val="0"/>
+              </a:spcAft>
+              <a:buNone/>
+            </a:pPr>
+            <a:r>
+              <a:rPr b="1" lang="en-GB" sz="2300">
+                <a:solidFill>
+                  <a:schemeClr val="dk2"/>
+                </a:solidFill>
+                <a:latin typeface="Comfortaa"/>
+                <a:ea typeface="Comfortaa"/>
+                <a:cs typeface="Comfortaa"/>
+                <a:sym typeface="Comfortaa"/>
+              </a:rPr>
+              <a:t>CONTACT US </a:t>
+            </a:r>
+            <a:endParaRPr b="1" sz="2300">
+              <a:solidFill>
+                <a:schemeClr val="dk2"/>
+              </a:solidFill>
+              <a:latin typeface="Comfortaa"/>
+              <a:ea typeface="Comfortaa"/>
+              <a:cs typeface="Comfortaa"/>
+              <a:sym typeface="Comfortaa"/>
+            </a:endParaRPr>
+          </a:p>
+        </p:txBody>
+      </p:sp>
+      <p:pic>
+        <p:nvPicPr>
+          <p:cNvPr id="114" name="Google Shape;114;p18"/>
+          <p:cNvPicPr preferRelativeResize="0"/>
+          <p:nvPr/>
+        </p:nvPicPr>
+        <p:blipFill>
+          <a:blip r:embed="rId5">
+            <a:alphaModFix/>
+          </a:blip>
+          <a:stretch>
+            <a:fillRect/>
+          </a:stretch>
+        </p:blipFill>
+        <p:spPr>
+          <a:xfrm>
+            <a:off x="5940224" y="738199"/>
+            <a:ext cx="413100" cy="413100"/>
+          </a:xfrm>
+          <a:prstGeom prst="rect">
+            <a:avLst/>
+          </a:prstGeom>
+          <a:noFill/>
+          <a:ln>
+            <a:noFill/>
+          </a:ln>
+        </p:spPr>
+      </p:pic>
+      <p:pic>
+        <p:nvPicPr>
+          <p:cNvPr id="115" name="Google Shape;115;p18"/>
+          <p:cNvPicPr preferRelativeResize="0"/>
+          <p:nvPr/>
+        </p:nvPicPr>
+        <p:blipFill>
+          <a:blip r:embed="rId6">
+            <a:alphaModFix/>
+          </a:blip>
+          <a:stretch>
+            <a:fillRect/>
+          </a:stretch>
+        </p:blipFill>
+        <p:spPr>
+          <a:xfrm>
+            <a:off x="253950" y="786500"/>
+            <a:ext cx="387606" cy="364800"/>
+          </a:xfrm>
+          <a:prstGeom prst="rect">
+            <a:avLst/>
+          </a:prstGeom>
+          <a:noFill/>
+          <a:ln>
+            <a:noFill/>
+          </a:ln>
+        </p:spPr>
+      </p:pic>
+    </p:spTree>
+  </p:cSld>
+  <p:clrMapOvr>
+    <a:masterClrMapping/>
+  </p:clrMapOvr>
+</p:sld>
+</file>
+
+<file path=ppt/slides/slide7.xml><?xml version="1.0" encoding="utf-8"?>
+<p:sld xmlns:a="http://schemas.openxmlformats.org/drawingml/2006/main" xmlns:r="http://schemas.openxmlformats.org/officeDocument/2006/relationships" xmlns:mc="http://schemas.openxmlformats.org/markup-compatibility/2006" xmlns:mv="urn:schemas-microsoft-com:mac:vml" xmlns:p="http://schemas.openxmlformats.org/presentationml/2006/main" xmlns:c="http://schemas.openxmlformats.org/drawingml/2006/chart" xmlns:dgm="http://schemas.openxmlformats.org/drawingml/2006/diagram" xmlns:o="urn:schemas-microsoft-com:office:office" xmlns:v="urn:schemas-microsoft-com:vml" xmlns:pvml="urn:schemas-microsoft-com:office:powerpoint" xmlns:com="http://schemas.openxmlformats.org/drawingml/2006/compatibility" xmlns:p14="http://schemas.microsoft.com/office/powerpoint/2010/main" xmlns:p15="http://schemas.microsoft.com/office/powerpoint/2012/main" xmlns:ahyp="http://schemas.microsoft.com/office/drawing/2018/hyperlinkcolor">
+  <p:cSld>
+    <p:spTree>
+      <p:nvGrpSpPr>
+        <p:cNvPr id="119" name="Shape 119"/>
+        <p:cNvGrpSpPr/>
+        <p:nvPr/>
+      </p:nvGrpSpPr>
+      <p:grpSpPr>
+        <a:xfrm>
+          <a:off x="0" y="0"/>
+          <a:ext cx="0" cy="0"/>
+          <a:chOff x="0" y="0"/>
+          <a:chExt cx="0" cy="0"/>
+        </a:xfrm>
+      </p:grpSpPr>
+      <p:pic>
+        <p:nvPicPr>
+          <p:cNvPr id="120" name="Google Shape;120;p19"/>
+          <p:cNvPicPr preferRelativeResize="0"/>
+          <p:nvPr/>
+        </p:nvPicPr>
+        <p:blipFill rotWithShape="1">
+          <a:blip r:embed="rId3">
+            <a:alphaModFix/>
+          </a:blip>
+          <a:srcRect b="0" l="0" r="16093" t="11355"/>
+          <a:stretch/>
+        </p:blipFill>
+        <p:spPr>
+          <a:xfrm>
+            <a:off x="3436600" y="22850"/>
+            <a:ext cx="5778274" cy="5143500"/>
+          </a:xfrm>
+          <a:prstGeom prst="rect">
+            <a:avLst/>
+          </a:prstGeom>
+          <a:noFill/>
+          <a:ln>
+            <a:noFill/>
+          </a:ln>
+        </p:spPr>
+      </p:pic>
+      <p:pic>
+        <p:nvPicPr>
+          <p:cNvPr id="121" name="Google Shape;121;p19"/>
+          <p:cNvPicPr preferRelativeResize="0"/>
+          <p:nvPr/>
+        </p:nvPicPr>
+        <p:blipFill rotWithShape="1">
+          <a:blip r:embed="rId4">
+            <a:alphaModFix/>
+          </a:blip>
+          <a:srcRect b="0" l="15070" r="8312" t="13472"/>
+          <a:stretch/>
+        </p:blipFill>
+        <p:spPr>
+          <a:xfrm>
+            <a:off x="0" y="609600"/>
+            <a:ext cx="5639751" cy="3673600"/>
+          </a:xfrm>
+          <a:prstGeom prst="rect">
+            <a:avLst/>
+          </a:prstGeom>
+          <a:noFill/>
+          <a:ln>
+            <a:noFill/>
+          </a:ln>
+        </p:spPr>
+      </p:pic>
+      <p:pic>
+        <p:nvPicPr>
+          <p:cNvPr id="122" name="Google Shape;122;p19"/>
+          <p:cNvPicPr preferRelativeResize="0"/>
+          <p:nvPr/>
+        </p:nvPicPr>
+        <p:blipFill rotWithShape="1">
+          <a:blip r:embed="rId4">
+            <a:alphaModFix/>
+          </a:blip>
+          <a:srcRect b="85678" l="0" r="83200" t="0"/>
+          <a:stretch/>
+        </p:blipFill>
+        <p:spPr>
+          <a:xfrm>
+            <a:off x="125725" y="137175"/>
+            <a:ext cx="962400" cy="473175"/>
+          </a:xfrm>
+          <a:prstGeom prst="rect">
+            <a:avLst/>
+          </a:prstGeom>
+          <a:noFill/>
+          <a:ln>
+            <a:noFill/>
+          </a:ln>
+        </p:spPr>
+      </p:pic>
+      <p:sp>
+        <p:nvSpPr>
+          <p:cNvPr id="123" name="Google Shape;123;p19"/>
+          <p:cNvSpPr txBox="1"/>
+          <p:nvPr/>
+        </p:nvSpPr>
+        <p:spPr>
+          <a:xfrm>
+            <a:off x="0" y="4507975"/>
+            <a:ext cx="2366100" cy="548700"/>
+          </a:xfrm>
+          <a:prstGeom prst="rect">
+            <a:avLst/>
+          </a:prstGeom>
+          <a:noFill/>
+          <a:ln>
+            <a:noFill/>
+          </a:ln>
+        </p:spPr>
+        <p:txBody>
+          <a:bodyPr anchorCtr="0" anchor="t" bIns="91425" lIns="91425" spcFirstLastPara="1" rIns="91425" wrap="square" tIns="91425">
+            <a:noAutofit/>
+          </a:bodyPr>
+          <a:lstStyle/>
+          <a:p>
+            <a:pPr indent="0" lvl="0" marL="0" rtl="0" algn="l">
+              <a:spcBef>
+                <a:spcPts val="0"/>
+              </a:spcBef>
+              <a:spcAft>
+                <a:spcPts val="0"/>
+              </a:spcAft>
+              <a:buNone/>
+            </a:pPr>
+            <a:r>
+              <a:rPr lang="en-GB" sz="2100">
+                <a:solidFill>
+                  <a:schemeClr val="dk1"/>
+                </a:solidFill>
+                <a:latin typeface="Lobster"/>
+                <a:ea typeface="Lobster"/>
+                <a:cs typeface="Lobster"/>
+                <a:sym typeface="Lobster"/>
+              </a:rPr>
+              <a:t>By </a:t>
+            </a:r>
+            <a:r>
+              <a:rPr lang="en-GB" sz="2100">
+                <a:solidFill>
+                  <a:schemeClr val="dk1"/>
+                </a:solidFill>
+                <a:highlight>
+                  <a:srgbClr val="FFFFFF"/>
+                </a:highlight>
+                <a:latin typeface="Lobster"/>
+                <a:ea typeface="Lobster"/>
+                <a:cs typeface="Lobster"/>
+                <a:sym typeface="Lobster"/>
+              </a:rPr>
+              <a:t>Allure Report</a:t>
+            </a:r>
+            <a:endParaRPr sz="2100">
+              <a:solidFill>
+                <a:schemeClr val="dk1"/>
+              </a:solidFill>
+              <a:latin typeface="Lobster"/>
+              <a:ea typeface="Lobster"/>
+              <a:cs typeface="Lobster"/>
+              <a:sym typeface="Lobster"/>
+            </a:endParaRPr>
+          </a:p>
+        </p:txBody>
+      </p:sp>
+    </p:spTree>
+  </p:cSld>
+  <p:clrMapOvr>
+    <a:masterClrMapping/>
+  </p:clrMapOvr>
+</p:sld>
+</file>
+
+<file path=ppt/slides/slide8.xml><?xml version="1.0" encoding="utf-8"?>
+<p:sld xmlns:a="http://schemas.openxmlformats.org/drawingml/2006/main" xmlns:r="http://schemas.openxmlformats.org/officeDocument/2006/relationships" xmlns:mc="http://schemas.openxmlformats.org/markup-compatibility/2006" xmlns:mv="urn:schemas-microsoft-com:mac:vml" xmlns:p="http://schemas.openxmlformats.org/presentationml/2006/main" xmlns:c="http://schemas.openxmlformats.org/drawingml/2006/chart" xmlns:dgm="http://schemas.openxmlformats.org/drawingml/2006/diagram" xmlns:o="urn:schemas-microsoft-com:office:office" xmlns:v="urn:schemas-microsoft-com:vml" xmlns:pvml="urn:schemas-microsoft-com:office:powerpoint" xmlns:com="http://schemas.openxmlformats.org/drawingml/2006/compatibility" xmlns:p14="http://schemas.microsoft.com/office/powerpoint/2010/main" xmlns:p15="http://schemas.microsoft.com/office/powerpoint/2012/main" xmlns:ahyp="http://schemas.microsoft.com/office/drawing/2018/hyperlinkcolor">
   <p:cSld>
     <p:bg>
       <p:bgPr>
@@ -9245,12 +10845,11 @@
             <a:fillRect/>
           </a:stretch>
         </a:blipFill>
-        <a:effectLst/>
       </p:bgPr>
     </p:bg>
     <p:spTree>
       <p:nvGrpSpPr>
-        <p:cNvPr id="1" name="Shape 103"/>
+        <p:cNvPr id="127" name="Shape 127"/>
         <p:cNvGrpSpPr/>
         <p:nvPr/>
       </p:nvGrpSpPr>
@@ -9264,7 +10863,7 @@
       </p:grpSpPr>
       <p:sp>
         <p:nvSpPr>
-          <p:cNvPr id="104" name="Google Shape;104;p18"/>
+          <p:cNvPr id="128" name="Google Shape;128;p20"/>
           <p:cNvSpPr txBox="1"/>
           <p:nvPr/>
         </p:nvSpPr>
@@ -9282,12 +10881,12 @@
           </a:ln>
         </p:spPr>
         <p:txBody>
-          <a:bodyPr spcFirstLastPara="1" wrap="square" lIns="91425" tIns="91425" rIns="91425" bIns="91425" anchor="t" anchorCtr="0">
+          <a:bodyPr anchorCtr="0" anchor="t" bIns="91425" lIns="91425" spcFirstLastPara="1" rIns="91425" wrap="square" tIns="91425">
             <a:noAutofit/>
           </a:bodyPr>
           <a:lstStyle/>
           <a:p>
-            <a:pPr marL="0" lvl="0" indent="0" algn="l" rtl="0">
+            <a:pPr indent="0" lvl="0" marL="0" rtl="0" algn="l">
               <a:spcBef>
                 <a:spcPts val="0"/>
               </a:spcBef>
@@ -9297,16 +10896,20 @@
               <a:buNone/>
             </a:pPr>
             <a:r>
-              <a:rPr lang="en-GB" sz="2700" u="sng" dirty="0">
-                <a:solidFill>
-                  <a:schemeClr val="hlink"/>
-                </a:solidFill>
-                <a:hlinkClick r:id="rId4"/>
+              <a:rPr lang="en-GB" sz="2700">
+                <a:latin typeface="Comfortaa"/>
+                <a:ea typeface="Comfortaa"/>
+                <a:cs typeface="Comfortaa"/>
+                <a:sym typeface="Comfortaa"/>
               </a:rPr>
-              <a:t>To Tests-</a:t>
-            </a:r>
-            <a:r>
-              <a:rPr lang="en-GB" sz="2700" u="sng" dirty="0" err="1">
+              <a:t>DEMO</a:t>
+            </a:r>
+            <a:r>
+              <a:rPr lang="en-GB" sz="2700"/>
+              <a:t> </a:t>
+            </a:r>
+            <a:r>
+              <a:rPr lang="en-GB" sz="2700" u="sng">
                 <a:solidFill>
                   <a:schemeClr val="hlink"/>
                 </a:solidFill>
@@ -9314,7 +10917,7 @@
               </a:rPr>
               <a:t>Github</a:t>
             </a:r>
-            <a:endParaRPr sz="2700" dirty="0">
+            <a:endParaRPr sz="2700">
               <a:solidFill>
                 <a:schemeClr val="dk2"/>
               </a:solidFill>
@@ -9330,8 +10933,8 @@
 </p:sld>
 </file>
 
-<file path=ppt/slides/slide7.xml><?xml version="1.0" encoding="utf-8"?>
-<p:sld xmlns:a="http://schemas.openxmlformats.org/drawingml/2006/main" xmlns:r="http://schemas.openxmlformats.org/officeDocument/2006/relationships" xmlns:p="http://schemas.openxmlformats.org/presentationml/2006/main">
+<file path=ppt/slides/slide9.xml><?xml version="1.0" encoding="utf-8"?>
+<p:sld xmlns:a="http://schemas.openxmlformats.org/drawingml/2006/main" xmlns:r="http://schemas.openxmlformats.org/officeDocument/2006/relationships" xmlns:mc="http://schemas.openxmlformats.org/markup-compatibility/2006" xmlns:mv="urn:schemas-microsoft-com:mac:vml" xmlns:p="http://schemas.openxmlformats.org/presentationml/2006/main" xmlns:c="http://schemas.openxmlformats.org/drawingml/2006/chart" xmlns:dgm="http://schemas.openxmlformats.org/drawingml/2006/diagram" xmlns:o="urn:schemas-microsoft-com:office:office" xmlns:v="urn:schemas-microsoft-com:vml" xmlns:pvml="urn:schemas-microsoft-com:office:powerpoint" xmlns:com="http://schemas.openxmlformats.org/drawingml/2006/compatibility" xmlns:p14="http://schemas.microsoft.com/office/powerpoint/2010/main" xmlns:p15="http://schemas.microsoft.com/office/powerpoint/2012/main" xmlns:ahyp="http://schemas.microsoft.com/office/drawing/2018/hyperlinkcolor" show="0">
   <p:cSld>
     <p:bg>
       <p:bgPr>
@@ -9343,12 +10946,11 @@
             <a:fillRect/>
           </a:stretch>
         </a:blipFill>
-        <a:effectLst/>
       </p:bgPr>
     </p:bg>
     <p:spTree>
       <p:nvGrpSpPr>
-        <p:cNvPr id="1" name="Shape 108"/>
+        <p:cNvPr id="132" name="Shape 132"/>
         <p:cNvGrpSpPr/>
         <p:nvPr/>
       </p:nvGrpSpPr>
@@ -9362,7 +10964,7 @@
       </p:grpSpPr>
       <p:sp>
         <p:nvSpPr>
-          <p:cNvPr id="109" name="Google Shape;109;p19"/>
+          <p:cNvPr id="133" name="Google Shape;133;p21"/>
           <p:cNvSpPr txBox="1"/>
           <p:nvPr/>
         </p:nvSpPr>
@@ -9380,12 +10982,12 @@
           </a:ln>
         </p:spPr>
         <p:txBody>
-          <a:bodyPr spcFirstLastPara="1" wrap="square" lIns="91425" tIns="91425" rIns="91425" bIns="91425" anchor="t" anchorCtr="0">
+          <a:bodyPr anchorCtr="0" anchor="t" bIns="91425" lIns="91425" spcFirstLastPara="1" rIns="91425" wrap="square" tIns="91425">
             <a:noAutofit/>
           </a:bodyPr>
           <a:lstStyle/>
           <a:p>
-            <a:pPr marL="0" lvl="0" indent="0" algn="l" rtl="0">
+            <a:pPr indent="0" lvl="0" marL="0" rtl="0" algn="l">
               <a:spcBef>
                 <a:spcPts val="0"/>
               </a:spcBef>
@@ -9395,7 +10997,7 @@
               <a:buNone/>
             </a:pPr>
             <a:r>
-              <a:rPr lang="en-GB" sz="5300" b="1">
+              <a:rPr b="1" lang="en-GB" sz="5300">
                 <a:solidFill>
                   <a:schemeClr val="lt1"/>
                 </a:solidFill>
@@ -9406,7 +11008,7 @@
               </a:rPr>
               <a:t>THANK YOU</a:t>
             </a:r>
-            <a:endParaRPr sz="5300" b="1">
+            <a:endParaRPr b="1" sz="5300">
               <a:solidFill>
                 <a:schemeClr val="lt1"/>
               </a:solidFill>
@@ -9420,7 +11022,7 @@
       </p:sp>
       <p:pic>
         <p:nvPicPr>
-          <p:cNvPr id="110" name="Google Shape;110;p19"/>
+          <p:cNvPr id="134" name="Google Shape;134;p21"/>
           <p:cNvPicPr preferRelativeResize="0"/>
           <p:nvPr/>
         </p:nvPicPr>
@@ -9455,7 +11057,286 @@
 </file>
 
 <file path=ppt/theme/theme1.xml><?xml version="1.0" encoding="utf-8"?>
-<a:theme xmlns:a="http://schemas.openxmlformats.org/drawingml/2006/main" name="Simple Light">
+<a:theme xmlns:a="http://schemas.openxmlformats.org/drawingml/2006/main" xmlns:r="http://schemas.openxmlformats.org/officeDocument/2006/relationships">
+  <a:themeElements>
+    <a:clrScheme name="Default">
+      <a:dk1>
+        <a:srgbClr val="000000"/>
+      </a:dk1>
+      <a:lt1>
+        <a:srgbClr val="FFFFFF"/>
+      </a:lt1>
+      <a:dk2>
+        <a:srgbClr val="158158"/>
+      </a:dk2>
+      <a:lt2>
+        <a:srgbClr val="F3F3F3"/>
+      </a:lt2>
+      <a:accent1>
+        <a:srgbClr val="058DC7"/>
+      </a:accent1>
+      <a:accent2>
+        <a:srgbClr val="50B432"/>
+      </a:accent2>
+      <a:accent3>
+        <a:srgbClr val="ED561B"/>
+      </a:accent3>
+      <a:accent4>
+        <a:srgbClr val="EDEF00"/>
+      </a:accent4>
+      <a:accent5>
+        <a:srgbClr val="24CBE5"/>
+      </a:accent5>
+      <a:accent6>
+        <a:srgbClr val="64E572"/>
+      </a:accent6>
+      <a:hlink>
+        <a:srgbClr val="2200CC"/>
+      </a:hlink>
+      <a:folHlink>
+        <a:srgbClr val="551A8B"/>
+      </a:folHlink>
+    </a:clrScheme>
+    <a:fontScheme name="Office">
+      <a:majorFont>
+        <a:latin typeface="Arial"/>
+        <a:ea typeface=""/>
+        <a:cs typeface=""/>
+        <a:font script="Jpan" typeface="ＭＳ Ｐゴシック"/>
+        <a:font script="Hang" typeface="맑은 고딕"/>
+        <a:font script="Hans" typeface="宋体"/>
+        <a:font script="Hant" typeface="新細明體"/>
+        <a:font script="Arab" typeface="Times New Roman"/>
+        <a:font script="Hebr" typeface="Times New Roman"/>
+        <a:font script="Thai" typeface="Angsana New"/>
+        <a:font script="Ethi" typeface="Nyala"/>
+        <a:font script="Beng" typeface="Vrinda"/>
+        <a:font script="Gujr" typeface="Shruti"/>
+        <a:font script="Khmr" typeface="MoolBoran"/>
+        <a:font script="Knda" typeface="Tunga"/>
+        <a:font script="Guru" typeface="Raavi"/>
+        <a:font script="Cans" typeface="Euphemia"/>
+        <a:font script="Cher" typeface="Plantagenet Cherokee"/>
+        <a:font script="Yiii" typeface="Microsoft Yi Baiti"/>
+        <a:font script="Tibt" typeface="Microsoft Himalaya"/>
+        <a:font script="Thaa" typeface="MV Boli"/>
+        <a:font script="Deva" typeface="Mangal"/>
+        <a:font script="Telu" typeface="Gautami"/>
+        <a:font script="Taml" typeface="Latha"/>
+        <a:font script="Syrc" typeface="Estrangelo Edessa"/>
+        <a:font script="Orya" typeface="Kalinga"/>
+        <a:font script="Mlym" typeface="Kartika"/>
+        <a:font script="Laoo" typeface="DokChampa"/>
+        <a:font script="Sinh" typeface="Iskoola Pota"/>
+        <a:font script="Mong" typeface="Mongolian Baiti"/>
+        <a:font script="Viet" typeface="Times New Roman"/>
+        <a:font script="Uigh" typeface="Microsoft Uighur"/>
+        <a:font script="Geor" typeface="Sylfaen"/>
+      </a:majorFont>
+      <a:minorFont>
+        <a:latin typeface="Arial"/>
+        <a:ea typeface=""/>
+        <a:cs typeface=""/>
+        <a:font script="Jpan" typeface="ＭＳ Ｐゴシック"/>
+        <a:font script="Hang" typeface="맑은 고딕"/>
+        <a:font script="Hans" typeface="宋体"/>
+        <a:font script="Hant" typeface="新細明體"/>
+        <a:font script="Arab" typeface="Arial"/>
+        <a:font script="Hebr" typeface="Arial"/>
+        <a:font script="Thai" typeface="Cordia New"/>
+        <a:font script="Ethi" typeface="Nyala"/>
+        <a:font script="Beng" typeface="Vrinda"/>
+        <a:font script="Gujr" typeface="Shruti"/>
+        <a:font script="Khmr" typeface="DaunPenh"/>
+        <a:font script="Knda" typeface="Tunga"/>
+        <a:font script="Guru" typeface="Raavi"/>
+        <a:font script="Cans" typeface="Euphemia"/>
+        <a:font script="Cher" typeface="Plantagenet Cherokee"/>
+        <a:font script="Yiii" typeface="Microsoft Yi Baiti"/>
+        <a:font script="Tibt" typeface="Microsoft Himalaya"/>
+        <a:font script="Thaa" typeface="MV Boli"/>
+        <a:font script="Deva" typeface="Mangal"/>
+        <a:font script="Telu" typeface="Gautami"/>
+        <a:font script="Taml" typeface="Latha"/>
+        <a:font script="Syrc" typeface="Estrangelo Edessa"/>
+        <a:font script="Orya" typeface="Kalinga"/>
+        <a:font script="Mlym" typeface="Kartika"/>
+        <a:font script="Laoo" typeface="DokChampa"/>
+        <a:font script="Sinh" typeface="Iskoola Pota"/>
+        <a:font script="Mong" typeface="Mongolian Baiti"/>
+        <a:font script="Viet" typeface="Arial"/>
+        <a:font script="Uigh" typeface="Microsoft Uighur"/>
+        <a:font script="Geor" typeface="Sylfaen"/>
+      </a:minorFont>
+    </a:fontScheme>
+    <a:fmtScheme name="Office">
+      <a:fillStyleLst>
+        <a:solidFill>
+          <a:schemeClr val="phClr"/>
+        </a:solidFill>
+        <a:gradFill rotWithShape="1">
+          <a:gsLst>
+            <a:gs pos="0">
+              <a:schemeClr val="phClr">
+                <a:tint val="50000"/>
+                <a:satMod val="300000"/>
+              </a:schemeClr>
+            </a:gs>
+            <a:gs pos="35000">
+              <a:schemeClr val="phClr">
+                <a:tint val="37000"/>
+                <a:satMod val="300000"/>
+              </a:schemeClr>
+            </a:gs>
+            <a:gs pos="100000">
+              <a:schemeClr val="phClr">
+                <a:tint val="15000"/>
+                <a:satMod val="350000"/>
+              </a:schemeClr>
+            </a:gs>
+          </a:gsLst>
+          <a:lin ang="16200000" scaled="1"/>
+        </a:gradFill>
+        <a:gradFill rotWithShape="1">
+          <a:gsLst>
+            <a:gs pos="0">
+              <a:schemeClr val="phClr">
+                <a:tint val="100000"/>
+                <a:shade val="100000"/>
+                <a:satMod val="130000"/>
+              </a:schemeClr>
+            </a:gs>
+            <a:gs pos="100000">
+              <a:schemeClr val="phClr">
+                <a:tint val="50000"/>
+                <a:shade val="100000"/>
+                <a:satMod val="350000"/>
+              </a:schemeClr>
+            </a:gs>
+          </a:gsLst>
+          <a:lin ang="16200000" scaled="0"/>
+        </a:gradFill>
+      </a:fillStyleLst>
+      <a:lnStyleLst>
+        <a:ln w="9525" cap="flat" cmpd="sng" algn="ctr">
+          <a:solidFill>
+            <a:schemeClr val="phClr">
+              <a:shade val="95000"/>
+              <a:satMod val="105000"/>
+            </a:schemeClr>
+          </a:solidFill>
+          <a:prstDash val="solid"/>
+        </a:ln>
+        <a:ln w="25400" cap="flat" cmpd="sng" algn="ctr">
+          <a:solidFill>
+            <a:schemeClr val="phClr"/>
+          </a:solidFill>
+          <a:prstDash val="solid"/>
+        </a:ln>
+        <a:ln w="38100" cap="flat" cmpd="sng" algn="ctr">
+          <a:solidFill>
+            <a:schemeClr val="phClr"/>
+          </a:solidFill>
+          <a:prstDash val="solid"/>
+        </a:ln>
+      </a:lnStyleLst>
+      <a:effectStyleLst>
+        <a:effectStyle>
+          <a:effectLst>
+            <a:outerShdw blurRad="40000" dist="20000" dir="5400000" rotWithShape="0">
+              <a:srgbClr val="000000">
+                <a:alpha val="38000"/>
+              </a:srgbClr>
+            </a:outerShdw>
+          </a:effectLst>
+        </a:effectStyle>
+        <a:effectStyle>
+          <a:effectLst>
+            <a:outerShdw blurRad="40000" dist="23000" dir="5400000" rotWithShape="0">
+              <a:srgbClr val="000000">
+                <a:alpha val="35000"/>
+              </a:srgbClr>
+            </a:outerShdw>
+          </a:effectLst>
+        </a:effectStyle>
+        <a:effectStyle>
+          <a:effectLst>
+            <a:outerShdw blurRad="40000" dist="23000" dir="5400000" rotWithShape="0">
+              <a:srgbClr val="000000">
+                <a:alpha val="35000"/>
+              </a:srgbClr>
+            </a:outerShdw>
+          </a:effectLst>
+          <a:scene3d>
+            <a:camera prst="orthographicFront">
+              <a:rot lat="0" lon="0" rev="0"/>
+            </a:camera>
+            <a:lightRig rig="threePt" dir="t">
+              <a:rot lat="0" lon="0" rev="1200000"/>
+            </a:lightRig>
+          </a:scene3d>
+          <a:sp3d>
+            <a:bevelT w="63500" h="25400"/>
+          </a:sp3d>
+        </a:effectStyle>
+      </a:effectStyleLst>
+      <a:bgFillStyleLst>
+        <a:solidFill>
+          <a:schemeClr val="phClr"/>
+        </a:solidFill>
+        <a:gradFill rotWithShape="1">
+          <a:gsLst>
+            <a:gs pos="0">
+              <a:schemeClr val="phClr">
+                <a:tint val="40000"/>
+                <a:satMod val="350000"/>
+              </a:schemeClr>
+            </a:gs>
+            <a:gs pos="40000">
+              <a:schemeClr val="phClr">
+                <a:tint val="45000"/>
+                <a:shade val="99000"/>
+                <a:satMod val="350000"/>
+              </a:schemeClr>
+            </a:gs>
+            <a:gs pos="100000">
+              <a:schemeClr val="phClr">
+                <a:shade val="20000"/>
+                <a:satMod val="255000"/>
+              </a:schemeClr>
+            </a:gs>
+          </a:gsLst>
+          <a:path path="circle">
+            <a:fillToRect l="50000" t="-80000" r="50000" b="180000"/>
+          </a:path>
+        </a:gradFill>
+        <a:gradFill rotWithShape="1">
+          <a:gsLst>
+            <a:gs pos="0">
+              <a:schemeClr val="phClr">
+                <a:tint val="80000"/>
+                <a:satMod val="300000"/>
+              </a:schemeClr>
+            </a:gs>
+            <a:gs pos="100000">
+              <a:schemeClr val="phClr">
+                <a:shade val="30000"/>
+                <a:satMod val="200000"/>
+              </a:schemeClr>
+            </a:gs>
+          </a:gsLst>
+          <a:path path="circle">
+            <a:fillToRect l="50000" t="50000" r="50000" b="50000"/>
+          </a:path>
+        </a:gradFill>
+      </a:bgFillStyleLst>
+    </a:fmtScheme>
+  </a:themeElements>
+</a:theme>
+</file>
+
+<file path=ppt/theme/theme2.xml><?xml version="1.0" encoding="utf-8"?>
+<a:theme xmlns:a="http://schemas.openxmlformats.org/drawingml/2006/main" xmlns:r="http://schemas.openxmlformats.org/officeDocument/2006/relationships" name="Simple Light">
   <a:themeElements>
     <a:clrScheme name="Simple Light">
       <a:dk1>
@@ -9730,288 +11611,5 @@
       </a:bgFillStyleLst>
     </a:fmtScheme>
   </a:themeElements>
-  <a:objectDefaults/>
-  <a:extraClrSchemeLst/>
-</a:theme>
-</file>
-
-<file path=ppt/theme/theme2.xml><?xml version="1.0" encoding="utf-8"?>
-<a:theme xmlns:a="http://schemas.openxmlformats.org/drawingml/2006/main">
-  <a:themeElements>
-    <a:clrScheme name="Default">
-      <a:dk1>
-        <a:srgbClr val="000000"/>
-      </a:dk1>
-      <a:lt1>
-        <a:srgbClr val="FFFFFF"/>
-      </a:lt1>
-      <a:dk2>
-        <a:srgbClr val="158158"/>
-      </a:dk2>
-      <a:lt2>
-        <a:srgbClr val="F3F3F3"/>
-      </a:lt2>
-      <a:accent1>
-        <a:srgbClr val="058DC7"/>
-      </a:accent1>
-      <a:accent2>
-        <a:srgbClr val="50B432"/>
-      </a:accent2>
-      <a:accent3>
-        <a:srgbClr val="ED561B"/>
-      </a:accent3>
-      <a:accent4>
-        <a:srgbClr val="EDEF00"/>
-      </a:accent4>
-      <a:accent5>
-        <a:srgbClr val="24CBE5"/>
-      </a:accent5>
-      <a:accent6>
-        <a:srgbClr val="64E572"/>
-      </a:accent6>
-      <a:hlink>
-        <a:srgbClr val="2200CC"/>
-      </a:hlink>
-      <a:folHlink>
-        <a:srgbClr val="551A8B"/>
-      </a:folHlink>
-    </a:clrScheme>
-    <a:fontScheme name="Office">
-      <a:majorFont>
-        <a:latin typeface="Arial"/>
-        <a:ea typeface=""/>
-        <a:cs typeface=""/>
-        <a:font script="Jpan" typeface="ＭＳ Ｐゴシック"/>
-        <a:font script="Hang" typeface="맑은 고딕"/>
-        <a:font script="Hans" typeface="宋体"/>
-        <a:font script="Hant" typeface="新細明體"/>
-        <a:font script="Arab" typeface="Times New Roman"/>
-        <a:font script="Hebr" typeface="Times New Roman"/>
-        <a:font script="Thai" typeface="Angsana New"/>
-        <a:font script="Ethi" typeface="Nyala"/>
-        <a:font script="Beng" typeface="Vrinda"/>
-        <a:font script="Gujr" typeface="Shruti"/>
-        <a:font script="Khmr" typeface="MoolBoran"/>
-        <a:font script="Knda" typeface="Tunga"/>
-        <a:font script="Guru" typeface="Raavi"/>
-        <a:font script="Cans" typeface="Euphemia"/>
-        <a:font script="Cher" typeface="Plantagenet Cherokee"/>
-        <a:font script="Yiii" typeface="Microsoft Yi Baiti"/>
-        <a:font script="Tibt" typeface="Microsoft Himalaya"/>
-        <a:font script="Thaa" typeface="MV Boli"/>
-        <a:font script="Deva" typeface="Mangal"/>
-        <a:font script="Telu" typeface="Gautami"/>
-        <a:font script="Taml" typeface="Latha"/>
-        <a:font script="Syrc" typeface="Estrangelo Edessa"/>
-        <a:font script="Orya" typeface="Kalinga"/>
-        <a:font script="Mlym" typeface="Kartika"/>
-        <a:font script="Laoo" typeface="DokChampa"/>
-        <a:font script="Sinh" typeface="Iskoola Pota"/>
-        <a:font script="Mong" typeface="Mongolian Baiti"/>
-        <a:font script="Viet" typeface="Times New Roman"/>
-        <a:font script="Uigh" typeface="Microsoft Uighur"/>
-        <a:font script="Geor" typeface="Sylfaen"/>
-      </a:majorFont>
-      <a:minorFont>
-        <a:latin typeface="Arial"/>
-        <a:ea typeface=""/>
-        <a:cs typeface=""/>
-        <a:font script="Jpan" typeface="ＭＳ Ｐゴシック"/>
-        <a:font script="Hang" typeface="맑은 고딕"/>
-        <a:font script="Hans" typeface="宋体"/>
-        <a:font script="Hant" typeface="新細明體"/>
-        <a:font script="Arab" typeface="Arial"/>
-        <a:font script="Hebr" typeface="Arial"/>
-        <a:font script="Thai" typeface="Cordia New"/>
-        <a:font script="Ethi" typeface="Nyala"/>
-        <a:font script="Beng" typeface="Vrinda"/>
-        <a:font script="Gujr" typeface="Shruti"/>
-        <a:font script="Khmr" typeface="DaunPenh"/>
-        <a:font script="Knda" typeface="Tunga"/>
-        <a:font script="Guru" typeface="Raavi"/>
-        <a:font script="Cans" typeface="Euphemia"/>
-        <a:font script="Cher" typeface="Plantagenet Cherokee"/>
-        <a:font script="Yiii" typeface="Microsoft Yi Baiti"/>
-        <a:font script="Tibt" typeface="Microsoft Himalaya"/>
-        <a:font script="Thaa" typeface="MV Boli"/>
-        <a:font script="Deva" typeface="Mangal"/>
-        <a:font script="Telu" typeface="Gautami"/>
-        <a:font script="Taml" typeface="Latha"/>
-        <a:font script="Syrc" typeface="Estrangelo Edessa"/>
-        <a:font script="Orya" typeface="Kalinga"/>
-        <a:font script="Mlym" typeface="Kartika"/>
-        <a:font script="Laoo" typeface="DokChampa"/>
-        <a:font script="Sinh" typeface="Iskoola Pota"/>
-        <a:font script="Mong" typeface="Mongolian Baiti"/>
-        <a:font script="Viet" typeface="Arial"/>
-        <a:font script="Uigh" typeface="Microsoft Uighur"/>
-        <a:font script="Geor" typeface="Sylfaen"/>
-      </a:minorFont>
-    </a:fontScheme>
-    <a:fmtScheme name="Office">
-      <a:fillStyleLst>
-        <a:solidFill>
-          <a:schemeClr val="phClr"/>
-        </a:solidFill>
-        <a:gradFill rotWithShape="1">
-          <a:gsLst>
-            <a:gs pos="0">
-              <a:schemeClr val="phClr">
-                <a:tint val="50000"/>
-                <a:satMod val="300000"/>
-              </a:schemeClr>
-            </a:gs>
-            <a:gs pos="35000">
-              <a:schemeClr val="phClr">
-                <a:tint val="37000"/>
-                <a:satMod val="300000"/>
-              </a:schemeClr>
-            </a:gs>
-            <a:gs pos="100000">
-              <a:schemeClr val="phClr">
-                <a:tint val="15000"/>
-                <a:satMod val="350000"/>
-              </a:schemeClr>
-            </a:gs>
-          </a:gsLst>
-          <a:lin ang="16200000" scaled="1"/>
-        </a:gradFill>
-        <a:gradFill rotWithShape="1">
-          <a:gsLst>
-            <a:gs pos="0">
-              <a:schemeClr val="phClr">
-                <a:tint val="100000"/>
-                <a:shade val="100000"/>
-                <a:satMod val="130000"/>
-              </a:schemeClr>
-            </a:gs>
-            <a:gs pos="100000">
-              <a:schemeClr val="phClr">
-                <a:tint val="50000"/>
-                <a:shade val="100000"/>
-                <a:satMod val="350000"/>
-              </a:schemeClr>
-            </a:gs>
-          </a:gsLst>
-          <a:lin ang="16200000" scaled="0"/>
-        </a:gradFill>
-      </a:fillStyleLst>
-      <a:lnStyleLst>
-        <a:ln w="9525" cap="flat" cmpd="sng" algn="ctr">
-          <a:solidFill>
-            <a:schemeClr val="phClr">
-              <a:shade val="95000"/>
-              <a:satMod val="105000"/>
-            </a:schemeClr>
-          </a:solidFill>
-          <a:prstDash val="solid"/>
-        </a:ln>
-        <a:ln w="25400" cap="flat" cmpd="sng" algn="ctr">
-          <a:solidFill>
-            <a:schemeClr val="phClr"/>
-          </a:solidFill>
-          <a:prstDash val="solid"/>
-        </a:ln>
-        <a:ln w="38100" cap="flat" cmpd="sng" algn="ctr">
-          <a:solidFill>
-            <a:schemeClr val="phClr"/>
-          </a:solidFill>
-          <a:prstDash val="solid"/>
-        </a:ln>
-      </a:lnStyleLst>
-      <a:effectStyleLst>
-        <a:effectStyle>
-          <a:effectLst>
-            <a:outerShdw blurRad="40000" dist="20000" dir="5400000" rotWithShape="0">
-              <a:srgbClr val="000000">
-                <a:alpha val="38000"/>
-              </a:srgbClr>
-            </a:outerShdw>
-          </a:effectLst>
-        </a:effectStyle>
-        <a:effectStyle>
-          <a:effectLst>
-            <a:outerShdw blurRad="40000" dist="23000" dir="5400000" rotWithShape="0">
-              <a:srgbClr val="000000">
-                <a:alpha val="35000"/>
-              </a:srgbClr>
-            </a:outerShdw>
-          </a:effectLst>
-        </a:effectStyle>
-        <a:effectStyle>
-          <a:effectLst>
-            <a:outerShdw blurRad="40000" dist="23000" dir="5400000" rotWithShape="0">
-              <a:srgbClr val="000000">
-                <a:alpha val="35000"/>
-              </a:srgbClr>
-            </a:outerShdw>
-          </a:effectLst>
-          <a:scene3d>
-            <a:camera prst="orthographicFront">
-              <a:rot lat="0" lon="0" rev="0"/>
-            </a:camera>
-            <a:lightRig rig="threePt" dir="t">
-              <a:rot lat="0" lon="0" rev="1200000"/>
-            </a:lightRig>
-          </a:scene3d>
-          <a:sp3d>
-            <a:bevelT w="63500" h="25400"/>
-          </a:sp3d>
-        </a:effectStyle>
-      </a:effectStyleLst>
-      <a:bgFillStyleLst>
-        <a:solidFill>
-          <a:schemeClr val="phClr"/>
-        </a:solidFill>
-        <a:gradFill rotWithShape="1">
-          <a:gsLst>
-            <a:gs pos="0">
-              <a:schemeClr val="phClr">
-                <a:tint val="40000"/>
-                <a:satMod val="350000"/>
-              </a:schemeClr>
-            </a:gs>
-            <a:gs pos="40000">
-              <a:schemeClr val="phClr">
-                <a:tint val="45000"/>
-                <a:shade val="99000"/>
-                <a:satMod val="350000"/>
-              </a:schemeClr>
-            </a:gs>
-            <a:gs pos="100000">
-              <a:schemeClr val="phClr">
-                <a:shade val="20000"/>
-                <a:satMod val="255000"/>
-              </a:schemeClr>
-            </a:gs>
-          </a:gsLst>
-          <a:path path="circle">
-            <a:fillToRect l="50000" t="-80000" r="50000" b="180000"/>
-          </a:path>
-        </a:gradFill>
-        <a:gradFill rotWithShape="1">
-          <a:gsLst>
-            <a:gs pos="0">
-              <a:schemeClr val="phClr">
-                <a:tint val="80000"/>
-                <a:satMod val="300000"/>
-              </a:schemeClr>
-            </a:gs>
-            <a:gs pos="100000">
-              <a:schemeClr val="phClr">
-                <a:shade val="30000"/>
-                <a:satMod val="200000"/>
-              </a:schemeClr>
-            </a:gs>
-          </a:gsLst>
-          <a:path path="circle">
-            <a:fillToRect l="50000" t="50000" r="50000" b="50000"/>
-          </a:path>
-        </a:gradFill>
-      </a:bgFillStyleLst>
-    </a:fmtScheme>
-  </a:themeElements>
-  <a:objectDefaults/>
-  <a:extraClrSchemeLst/>
 </a:theme>
 </file>
--- a/middle presentation.pptx
+++ b/middle presentation.pptx
@@ -1,43 +1,50 @@
 
 <file path=ppt/presentation.xml><?xml version="1.0" encoding="utf-8"?>
-<p:presentation xmlns:a="http://schemas.openxmlformats.org/drawingml/2006/main" xmlns:r="http://schemas.openxmlformats.org/officeDocument/2006/relationships" xmlns:mc="http://schemas.openxmlformats.org/markup-compatibility/2006" xmlns:mv="urn:schemas-microsoft-com:mac:vml" xmlns:p="http://schemas.openxmlformats.org/presentationml/2006/main" xmlns:c="http://schemas.openxmlformats.org/drawingml/2006/chart" xmlns:dgm="http://schemas.openxmlformats.org/drawingml/2006/diagram" xmlns:o="urn:schemas-microsoft-com:office:office" xmlns:v="urn:schemas-microsoft-com:vml" xmlns:pvml="urn:schemas-microsoft-com:office:powerpoint" xmlns:com="http://schemas.openxmlformats.org/drawingml/2006/compatibility" xmlns:p14="http://schemas.microsoft.com/office/powerpoint/2010/main" xmlns:p15="http://schemas.microsoft.com/office/powerpoint/2012/main" xmlns:ahyp="http://schemas.microsoft.com/office/drawing/2018/hyperlinkcolor" autoCompressPictures="0" embedTrueTypeFonts="1" strictFirstAndLastChars="0" saveSubsetFonts="1">
+<p:presentation xmlns:a="http://schemas.openxmlformats.org/drawingml/2006/main" xmlns:r="http://schemas.openxmlformats.org/officeDocument/2006/relationships" xmlns:p="http://schemas.openxmlformats.org/presentationml/2006/main" strictFirstAndLastChars="0" embedTrueTypeFonts="1" saveSubsetFonts="1" autoCompressPictures="0">
   <p:sldMasterIdLst>
-    <p:sldMasterId id="2147483659" r:id="rId4"/>
+    <p:sldMasterId id="2147483659" r:id="rId1"/>
   </p:sldMasterIdLst>
   <p:notesMasterIdLst>
-    <p:notesMasterId r:id="rId5"/>
+    <p:notesMasterId r:id="rId11"/>
   </p:notesMasterIdLst>
   <p:sldIdLst>
-    <p:sldId id="256" r:id="rId6"/>
-    <p:sldId id="257" r:id="rId7"/>
-    <p:sldId id="258" r:id="rId8"/>
-    <p:sldId id="259" r:id="rId9"/>
-    <p:sldId id="260" r:id="rId10"/>
-    <p:sldId id="261" r:id="rId11"/>
-    <p:sldId id="262" r:id="rId12"/>
-    <p:sldId id="263" r:id="rId13"/>
-    <p:sldId id="264" r:id="rId14"/>
+    <p:sldId id="256" r:id="rId2"/>
+    <p:sldId id="257" r:id="rId3"/>
+    <p:sldId id="258" r:id="rId4"/>
+    <p:sldId id="259" r:id="rId5"/>
+    <p:sldId id="260" r:id="rId6"/>
+    <p:sldId id="261" r:id="rId7"/>
+    <p:sldId id="262" r:id="rId8"/>
+    <p:sldId id="263" r:id="rId9"/>
+    <p:sldId id="264" r:id="rId10"/>
   </p:sldIdLst>
-  <p:sldSz cy="5143500" cx="9144000"/>
+  <p:sldSz cx="9144000" cy="5143500" type="screen16x9"/>
   <p:notesSz cx="6858000" cy="9144000"/>
   <p:embeddedFontLst>
     <p:embeddedFont>
-      <p:font typeface="Comfortaa Light"/>
-      <p:regular r:id="rId15"/>
-      <p:bold r:id="rId16"/>
+      <p:font typeface="Comfortaa" panose="020B0604020202020204" charset="0"/>
+      <p:regular r:id="rId12"/>
+      <p:bold r:id="rId13"/>
     </p:embeddedFont>
     <p:embeddedFont>
-      <p:font typeface="Lobster"/>
-      <p:regular r:id="rId17"/>
+      <p:font typeface="Comfortaa Light" panose="020B0604020202020204" charset="0"/>
+      <p:regular r:id="rId14"/>
+      <p:bold r:id="rId15"/>
     </p:embeddedFont>
     <p:embeddedFont>
-      <p:font typeface="Comfortaa"/>
-      <p:regular r:id="rId18"/>
-      <p:bold r:id="rId19"/>
+      <p:font typeface="Georgia" panose="02040502050405020303" pitchFamily="18" charset="0"/>
+      <p:regular r:id="rId16"/>
+      <p:bold r:id="rId17"/>
+      <p:italic r:id="rId18"/>
+      <p:boldItalic r:id="rId19"/>
+    </p:embeddedFont>
+    <p:embeddedFont>
+      <p:font typeface="Lobster" panose="00000500000000000000" pitchFamily="2" charset="0"/>
+      <p:regular r:id="rId20"/>
     </p:embeddedFont>
   </p:embeddedFontLst>
   <p:defaultTextStyle>
-    <a:defPPr lvl="0" marR="0" rtl="0" algn="l">
+    <a:defPPr marR="0" lvl="0" algn="l" rtl="0">
       <a:lnSpc>
         <a:spcPct val="100000"/>
       </a:lnSpc>
@@ -48,7 +55,7 @@
         <a:spcPts val="0"/>
       </a:spcAft>
     </a:defPPr>
-    <a:lvl1pPr lvl="0" marR="0" rtl="0" algn="l">
+    <a:lvl1pPr marR="0" lvl="0" algn="l" rtl="0">
       <a:lnSpc>
         <a:spcPct val="100000"/>
       </a:lnSpc>
@@ -62,7 +69,7 @@
         <a:srgbClr val="000000"/>
       </a:buClr>
       <a:buFont typeface="Arial"/>
-      <a:defRPr b="0" i="0" sz="1400" u="none" cap="none" strike="noStrike">
+      <a:defRPr sz="1400" b="0" i="0" u="none" strike="noStrike" cap="none">
         <a:solidFill>
           <a:srgbClr val="000000"/>
         </a:solidFill>
@@ -72,7 +79,7 @@
         <a:sym typeface="Arial"/>
       </a:defRPr>
     </a:lvl1pPr>
-    <a:lvl2pPr lvl="1" marR="0" rtl="0" algn="l">
+    <a:lvl2pPr marR="0" lvl="1" algn="l" rtl="0">
       <a:lnSpc>
         <a:spcPct val="100000"/>
       </a:lnSpc>
@@ -86,7 +93,7 @@
         <a:srgbClr val="000000"/>
       </a:buClr>
       <a:buFont typeface="Arial"/>
-      <a:defRPr b="0" i="0" sz="1400" u="none" cap="none" strike="noStrike">
+      <a:defRPr sz="1400" b="0" i="0" u="none" strike="noStrike" cap="none">
         <a:solidFill>
           <a:srgbClr val="000000"/>
         </a:solidFill>
@@ -96,7 +103,7 @@
         <a:sym typeface="Arial"/>
       </a:defRPr>
     </a:lvl2pPr>
-    <a:lvl3pPr lvl="2" marR="0" rtl="0" algn="l">
+    <a:lvl3pPr marR="0" lvl="2" algn="l" rtl="0">
       <a:lnSpc>
         <a:spcPct val="100000"/>
       </a:lnSpc>
@@ -110,7 +117,7 @@
         <a:srgbClr val="000000"/>
       </a:buClr>
       <a:buFont typeface="Arial"/>
-      <a:defRPr b="0" i="0" sz="1400" u="none" cap="none" strike="noStrike">
+      <a:defRPr sz="1400" b="0" i="0" u="none" strike="noStrike" cap="none">
         <a:solidFill>
           <a:srgbClr val="000000"/>
         </a:solidFill>
@@ -120,7 +127,7 @@
         <a:sym typeface="Arial"/>
       </a:defRPr>
     </a:lvl3pPr>
-    <a:lvl4pPr lvl="3" marR="0" rtl="0" algn="l">
+    <a:lvl4pPr marR="0" lvl="3" algn="l" rtl="0">
       <a:lnSpc>
         <a:spcPct val="100000"/>
       </a:lnSpc>
@@ -134,7 +141,7 @@
         <a:srgbClr val="000000"/>
       </a:buClr>
       <a:buFont typeface="Arial"/>
-      <a:defRPr b="0" i="0" sz="1400" u="none" cap="none" strike="noStrike">
+      <a:defRPr sz="1400" b="0" i="0" u="none" strike="noStrike" cap="none">
         <a:solidFill>
           <a:srgbClr val="000000"/>
         </a:solidFill>
@@ -144,7 +151,7 @@
         <a:sym typeface="Arial"/>
       </a:defRPr>
     </a:lvl4pPr>
-    <a:lvl5pPr lvl="4" marR="0" rtl="0" algn="l">
+    <a:lvl5pPr marR="0" lvl="4" algn="l" rtl="0">
       <a:lnSpc>
         <a:spcPct val="100000"/>
       </a:lnSpc>
@@ -158,7 +165,7 @@
         <a:srgbClr val="000000"/>
       </a:buClr>
       <a:buFont typeface="Arial"/>
-      <a:defRPr b="0" i="0" sz="1400" u="none" cap="none" strike="noStrike">
+      <a:defRPr sz="1400" b="0" i="0" u="none" strike="noStrike" cap="none">
         <a:solidFill>
           <a:srgbClr val="000000"/>
         </a:solidFill>
@@ -168,7 +175,7 @@
         <a:sym typeface="Arial"/>
       </a:defRPr>
     </a:lvl5pPr>
-    <a:lvl6pPr lvl="5" marR="0" rtl="0" algn="l">
+    <a:lvl6pPr marR="0" lvl="5" algn="l" rtl="0">
       <a:lnSpc>
         <a:spcPct val="100000"/>
       </a:lnSpc>
@@ -182,7 +189,7 @@
         <a:srgbClr val="000000"/>
       </a:buClr>
       <a:buFont typeface="Arial"/>
-      <a:defRPr b="0" i="0" sz="1400" u="none" cap="none" strike="noStrike">
+      <a:defRPr sz="1400" b="0" i="0" u="none" strike="noStrike" cap="none">
         <a:solidFill>
           <a:srgbClr val="000000"/>
         </a:solidFill>
@@ -192,7 +199,7 @@
         <a:sym typeface="Arial"/>
       </a:defRPr>
     </a:lvl6pPr>
-    <a:lvl7pPr lvl="6" marR="0" rtl="0" algn="l">
+    <a:lvl7pPr marR="0" lvl="6" algn="l" rtl="0">
       <a:lnSpc>
         <a:spcPct val="100000"/>
       </a:lnSpc>
@@ -206,7 +213,7 @@
         <a:srgbClr val="000000"/>
       </a:buClr>
       <a:buFont typeface="Arial"/>
-      <a:defRPr b="0" i="0" sz="1400" u="none" cap="none" strike="noStrike">
+      <a:defRPr sz="1400" b="0" i="0" u="none" strike="noStrike" cap="none">
         <a:solidFill>
           <a:srgbClr val="000000"/>
         </a:solidFill>
@@ -216,7 +223,7 @@
         <a:sym typeface="Arial"/>
       </a:defRPr>
     </a:lvl7pPr>
-    <a:lvl8pPr lvl="7" marR="0" rtl="0" algn="l">
+    <a:lvl8pPr marR="0" lvl="7" algn="l" rtl="0">
       <a:lnSpc>
         <a:spcPct val="100000"/>
       </a:lnSpc>
@@ -230,7 +237,7 @@
         <a:srgbClr val="000000"/>
       </a:buClr>
       <a:buFont typeface="Arial"/>
-      <a:defRPr b="0" i="0" sz="1400" u="none" cap="none" strike="noStrike">
+      <a:defRPr sz="1400" b="0" i="0" u="none" strike="noStrike" cap="none">
         <a:solidFill>
           <a:srgbClr val="000000"/>
         </a:solidFill>
@@ -240,7 +247,7 @@
         <a:sym typeface="Arial"/>
       </a:defRPr>
     </a:lvl8pPr>
-    <a:lvl9pPr lvl="8" marR="0" rtl="0" algn="l">
+    <a:lvl9pPr marR="0" lvl="8" algn="l" rtl="0">
       <a:lnSpc>
         <a:spcPct val="100000"/>
       </a:lnSpc>
@@ -254,7 +261,7 @@
         <a:srgbClr val="000000"/>
       </a:buClr>
       <a:buFont typeface="Arial"/>
-      <a:defRPr b="0" i="0" sz="1400" u="none" cap="none" strike="noStrike">
+      <a:defRPr sz="1400" b="0" i="0" u="none" strike="noStrike" cap="none">
         <a:solidFill>
           <a:srgbClr val="000000"/>
         </a:solidFill>
@@ -267,7 +274,7 @@
   </p:defaultTextStyle>
   <p:extLst>
     <p:ext uri="{EFAFB233-063F-42B5-8137-9DF3F51BA10A}">
-      <p15:sldGuideLst>
+      <p15:sldGuideLst xmlns:p15="http://schemas.microsoft.com/office/powerpoint/2012/main">
         <p15:guide id="1" orient="horz" pos="1620">
           <p15:clr>
             <a:srgbClr val="747775"/>
@@ -285,11 +292,16 @@
 </file>
 
 <file path=ppt/notesMasters/notesMaster1.xml><?xml version="1.0" encoding="utf-8"?>
-<p:notesMaster xmlns:a="http://schemas.openxmlformats.org/drawingml/2006/main" xmlns:r="http://schemas.openxmlformats.org/officeDocument/2006/relationships" xmlns:mc="http://schemas.openxmlformats.org/markup-compatibility/2006" xmlns:mv="urn:schemas-microsoft-com:mac:vml" xmlns:p="http://schemas.openxmlformats.org/presentationml/2006/main" xmlns:c="http://schemas.openxmlformats.org/drawingml/2006/chart" xmlns:dgm="http://schemas.openxmlformats.org/drawingml/2006/diagram" xmlns:o="urn:schemas-microsoft-com:office:office" xmlns:v="urn:schemas-microsoft-com:vml" xmlns:pvml="urn:schemas-microsoft-com:office:powerpoint" xmlns:com="http://schemas.openxmlformats.org/drawingml/2006/compatibility" xmlns:p14="http://schemas.microsoft.com/office/powerpoint/2010/main" xmlns:p15="http://schemas.microsoft.com/office/powerpoint/2012/main" xmlns:ahyp="http://schemas.microsoft.com/office/drawing/2018/hyperlinkcolor">
+<p:notesMaster xmlns:a="http://schemas.openxmlformats.org/drawingml/2006/main" xmlns:r="http://schemas.openxmlformats.org/officeDocument/2006/relationships" xmlns:p="http://schemas.openxmlformats.org/presentationml/2006/main">
   <p:cSld>
+    <p:bg>
+      <p:bgRef idx="1001">
+        <a:schemeClr val="bg1"/>
+      </p:bgRef>
+    </p:bg>
     <p:spTree>
       <p:nvGrpSpPr>
-        <p:cNvPr id="2" name="Shape 2"/>
+        <p:cNvPr id="1" name="Shape 2"/>
         <p:cNvGrpSpPr/>
         <p:nvPr/>
       </p:nvGrpSpPr>
@@ -304,9 +316,11 @@
       <p:sp>
         <p:nvSpPr>
           <p:cNvPr id="3" name="Google Shape;3;n"/>
-          <p:cNvSpPr/>
+          <p:cNvSpPr>
+            <a:spLocks noGrp="1" noRot="1" noChangeAspect="1"/>
+          </p:cNvSpPr>
           <p:nvPr>
-            <p:ph idx="2" type="sldImg"/>
+            <p:ph type="sldImg" idx="2"/>
           </p:nvPr>
         </p:nvSpPr>
         <p:spPr>
@@ -315,9 +329,13 @@
             <a:ext cx="6096075" cy="3429000"/>
           </a:xfrm>
           <a:custGeom>
-            <a:rect b="b" l="l" r="r" t="t"/>
+            <a:avLst/>
+            <a:gdLst/>
+            <a:ahLst/>
+            <a:cxnLst/>
+            <a:rect l="l" t="t" r="r" b="b"/>
             <a:pathLst>
-              <a:path extrusionOk="0" h="120000" w="120000">
+              <a:path w="120000" h="120000" extrusionOk="0">
                 <a:moveTo>
                   <a:pt x="0" y="0"/>
                 </a:moveTo>
@@ -335,23 +353,25 @@
             </a:pathLst>
           </a:custGeom>
           <a:noFill/>
-          <a:ln cap="flat" cmpd="sng" w="9525">
+          <a:ln w="9525" cap="flat" cmpd="sng">
             <a:solidFill>
               <a:srgbClr val="000000"/>
             </a:solidFill>
             <a:prstDash val="solid"/>
             <a:round/>
-            <a:headEnd len="sm" w="sm" type="none"/>
-            <a:tailEnd len="sm" w="sm" type="none"/>
+            <a:headEnd type="none" w="sm" len="sm"/>
+            <a:tailEnd type="none" w="sm" len="sm"/>
           </a:ln>
         </p:spPr>
       </p:sp>
       <p:sp>
         <p:nvSpPr>
           <p:cNvPr id="4" name="Google Shape;4;n"/>
-          <p:cNvSpPr txBox="1"/>
+          <p:cNvSpPr txBox="1">
+            <a:spLocks noGrp="1"/>
+          </p:cNvSpPr>
           <p:nvPr>
-            <p:ph idx="1" type="body"/>
+            <p:ph type="body" idx="1"/>
           </p:nvPr>
         </p:nvSpPr>
         <p:spPr>
@@ -368,11 +388,11 @@
           </a:ln>
         </p:spPr>
         <p:txBody>
-          <a:bodyPr anchorCtr="0" anchor="t" bIns="91425" lIns="91425" spcFirstLastPara="1" rIns="91425" wrap="square" tIns="91425">
+          <a:bodyPr spcFirstLastPara="1" wrap="square" lIns="91425" tIns="91425" rIns="91425" bIns="91425" anchor="t" anchorCtr="0">
             <a:noAutofit/>
           </a:bodyPr>
           <a:lstStyle>
-            <a:lvl1pPr indent="-298450" lvl="0" marL="457200">
+            <a:lvl1pPr marL="457200" lvl="0" indent="-298450">
               <a:spcBef>
                 <a:spcPts val="0"/>
               </a:spcBef>
@@ -383,7 +403,7 @@
               <a:buChar char="●"/>
               <a:defRPr sz="1100"/>
             </a:lvl1pPr>
-            <a:lvl2pPr indent="-298450" lvl="1" marL="914400">
+            <a:lvl2pPr marL="914400" lvl="1" indent="-298450">
               <a:spcBef>
                 <a:spcPts val="0"/>
               </a:spcBef>
@@ -394,7 +414,7 @@
               <a:buChar char="○"/>
               <a:defRPr sz="1100"/>
             </a:lvl2pPr>
-            <a:lvl3pPr indent="-298450" lvl="2" marL="1371600">
+            <a:lvl3pPr marL="1371600" lvl="2" indent="-298450">
               <a:spcBef>
                 <a:spcPts val="0"/>
               </a:spcBef>
@@ -405,7 +425,7 @@
               <a:buChar char="■"/>
               <a:defRPr sz="1100"/>
             </a:lvl3pPr>
-            <a:lvl4pPr indent="-298450" lvl="3" marL="1828800">
+            <a:lvl4pPr marL="1828800" lvl="3" indent="-298450">
               <a:spcBef>
                 <a:spcPts val="0"/>
               </a:spcBef>
@@ -416,7 +436,7 @@
               <a:buChar char="●"/>
               <a:defRPr sz="1100"/>
             </a:lvl4pPr>
-            <a:lvl5pPr indent="-298450" lvl="4" marL="2286000">
+            <a:lvl5pPr marL="2286000" lvl="4" indent="-298450">
               <a:spcBef>
                 <a:spcPts val="0"/>
               </a:spcBef>
@@ -427,7 +447,7 @@
               <a:buChar char="○"/>
               <a:defRPr sz="1100"/>
             </a:lvl5pPr>
-            <a:lvl6pPr indent="-298450" lvl="5" marL="2743200">
+            <a:lvl6pPr marL="2743200" lvl="5" indent="-298450">
               <a:spcBef>
                 <a:spcPts val="0"/>
               </a:spcBef>
@@ -438,7 +458,7 @@
               <a:buChar char="■"/>
               <a:defRPr sz="1100"/>
             </a:lvl6pPr>
-            <a:lvl7pPr indent="-298450" lvl="6" marL="3200400">
+            <a:lvl7pPr marL="3200400" lvl="6" indent="-298450">
               <a:spcBef>
                 <a:spcPts val="0"/>
               </a:spcBef>
@@ -449,7 +469,7 @@
               <a:buChar char="●"/>
               <a:defRPr sz="1100"/>
             </a:lvl7pPr>
-            <a:lvl8pPr indent="-298450" lvl="7" marL="3657600">
+            <a:lvl8pPr marL="3657600" lvl="7" indent="-298450">
               <a:spcBef>
                 <a:spcPts val="0"/>
               </a:spcBef>
@@ -460,7 +480,7 @@
               <a:buChar char="○"/>
               <a:defRPr sz="1100"/>
             </a:lvl8pPr>
-            <a:lvl9pPr indent="-298450" lvl="8" marL="4114800">
+            <a:lvl9pPr marL="4114800" lvl="8" indent="-298450">
               <a:spcBef>
                 <a:spcPts val="0"/>
               </a:spcBef>
@@ -472,14 +492,16 @@
               <a:defRPr sz="1100"/>
             </a:lvl9pPr>
           </a:lstStyle>
-          <a:p/>
+          <a:p>
+            <a:endParaRPr/>
+          </a:p>
         </p:txBody>
       </p:sp>
     </p:spTree>
   </p:cSld>
-  <p:clrMap accent1="accent1" accent2="accent2" accent3="accent3" accent4="accent4" accent5="accent5" accent6="accent6" bg1="lt1" bg2="dk2" tx1="dk1" tx2="lt2" folHlink="folHlink" hlink="hlink"/>
+  <p:clrMap bg1="lt1" tx1="dk1" bg2="dk2" tx2="lt2" accent1="accent1" accent2="accent2" accent3="accent3" accent4="accent4" accent5="accent5" accent6="accent6" hlink="hlink" folHlink="folHlink"/>
   <p:notesStyle>
-    <a:defPPr lvl="0" marR="0" rtl="0" algn="l">
+    <a:defPPr marR="0" lvl="0" algn="l" rtl="0">
       <a:lnSpc>
         <a:spcPct val="100000"/>
       </a:lnSpc>
@@ -490,7 +512,7 @@
         <a:spcPts val="0"/>
       </a:spcAft>
     </a:defPPr>
-    <a:lvl1pPr lvl="0" marR="0" rtl="0" algn="l">
+    <a:lvl1pPr marR="0" lvl="0" algn="l" rtl="0">
       <a:lnSpc>
         <a:spcPct val="100000"/>
       </a:lnSpc>
@@ -504,7 +526,7 @@
         <a:srgbClr val="000000"/>
       </a:buClr>
       <a:buFont typeface="Arial"/>
-      <a:defRPr b="0" i="0" sz="1400" u="none" cap="none" strike="noStrike">
+      <a:defRPr sz="1400" b="0" i="0" u="none" strike="noStrike" cap="none">
         <a:solidFill>
           <a:srgbClr val="000000"/>
         </a:solidFill>
@@ -514,7 +536,7 @@
         <a:sym typeface="Arial"/>
       </a:defRPr>
     </a:lvl1pPr>
-    <a:lvl2pPr lvl="1" marR="0" rtl="0" algn="l">
+    <a:lvl2pPr marR="0" lvl="1" algn="l" rtl="0">
       <a:lnSpc>
         <a:spcPct val="100000"/>
       </a:lnSpc>
@@ -528,7 +550,7 @@
         <a:srgbClr val="000000"/>
       </a:buClr>
       <a:buFont typeface="Arial"/>
-      <a:defRPr b="0" i="0" sz="1400" u="none" cap="none" strike="noStrike">
+      <a:defRPr sz="1400" b="0" i="0" u="none" strike="noStrike" cap="none">
         <a:solidFill>
           <a:srgbClr val="000000"/>
         </a:solidFill>
@@ -538,7 +560,7 @@
         <a:sym typeface="Arial"/>
       </a:defRPr>
     </a:lvl2pPr>
-    <a:lvl3pPr lvl="2" marR="0" rtl="0" algn="l">
+    <a:lvl3pPr marR="0" lvl="2" algn="l" rtl="0">
       <a:lnSpc>
         <a:spcPct val="100000"/>
       </a:lnSpc>
@@ -552,7 +574,7 @@
         <a:srgbClr val="000000"/>
       </a:buClr>
       <a:buFont typeface="Arial"/>
-      <a:defRPr b="0" i="0" sz="1400" u="none" cap="none" strike="noStrike">
+      <a:defRPr sz="1400" b="0" i="0" u="none" strike="noStrike" cap="none">
         <a:solidFill>
           <a:srgbClr val="000000"/>
         </a:solidFill>
@@ -562,7 +584,7 @@
         <a:sym typeface="Arial"/>
       </a:defRPr>
     </a:lvl3pPr>
-    <a:lvl4pPr lvl="3" marR="0" rtl="0" algn="l">
+    <a:lvl4pPr marR="0" lvl="3" algn="l" rtl="0">
       <a:lnSpc>
         <a:spcPct val="100000"/>
       </a:lnSpc>
@@ -576,7 +598,7 @@
         <a:srgbClr val="000000"/>
       </a:buClr>
       <a:buFont typeface="Arial"/>
-      <a:defRPr b="0" i="0" sz="1400" u="none" cap="none" strike="noStrike">
+      <a:defRPr sz="1400" b="0" i="0" u="none" strike="noStrike" cap="none">
         <a:solidFill>
           <a:srgbClr val="000000"/>
         </a:solidFill>
@@ -586,7 +608,7 @@
         <a:sym typeface="Arial"/>
       </a:defRPr>
     </a:lvl4pPr>
-    <a:lvl5pPr lvl="4" marR="0" rtl="0" algn="l">
+    <a:lvl5pPr marR="0" lvl="4" algn="l" rtl="0">
       <a:lnSpc>
         <a:spcPct val="100000"/>
       </a:lnSpc>
@@ -600,7 +622,7 @@
         <a:srgbClr val="000000"/>
       </a:buClr>
       <a:buFont typeface="Arial"/>
-      <a:defRPr b="0" i="0" sz="1400" u="none" cap="none" strike="noStrike">
+      <a:defRPr sz="1400" b="0" i="0" u="none" strike="noStrike" cap="none">
         <a:solidFill>
           <a:srgbClr val="000000"/>
         </a:solidFill>
@@ -610,7 +632,7 @@
         <a:sym typeface="Arial"/>
       </a:defRPr>
     </a:lvl5pPr>
-    <a:lvl6pPr lvl="5" marR="0" rtl="0" algn="l">
+    <a:lvl6pPr marR="0" lvl="5" algn="l" rtl="0">
       <a:lnSpc>
         <a:spcPct val="100000"/>
       </a:lnSpc>
@@ -624,7 +646,7 @@
         <a:srgbClr val="000000"/>
       </a:buClr>
       <a:buFont typeface="Arial"/>
-      <a:defRPr b="0" i="0" sz="1400" u="none" cap="none" strike="noStrike">
+      <a:defRPr sz="1400" b="0" i="0" u="none" strike="noStrike" cap="none">
         <a:solidFill>
           <a:srgbClr val="000000"/>
         </a:solidFill>
@@ -634,7 +656,7 @@
         <a:sym typeface="Arial"/>
       </a:defRPr>
     </a:lvl6pPr>
-    <a:lvl7pPr lvl="6" marR="0" rtl="0" algn="l">
+    <a:lvl7pPr marR="0" lvl="6" algn="l" rtl="0">
       <a:lnSpc>
         <a:spcPct val="100000"/>
       </a:lnSpc>
@@ -648,7 +670,7 @@
         <a:srgbClr val="000000"/>
       </a:buClr>
       <a:buFont typeface="Arial"/>
-      <a:defRPr b="0" i="0" sz="1400" u="none" cap="none" strike="noStrike">
+      <a:defRPr sz="1400" b="0" i="0" u="none" strike="noStrike" cap="none">
         <a:solidFill>
           <a:srgbClr val="000000"/>
         </a:solidFill>
@@ -658,7 +680,7 @@
         <a:sym typeface="Arial"/>
       </a:defRPr>
     </a:lvl7pPr>
-    <a:lvl8pPr lvl="7" marR="0" rtl="0" algn="l">
+    <a:lvl8pPr marR="0" lvl="7" algn="l" rtl="0">
       <a:lnSpc>
         <a:spcPct val="100000"/>
       </a:lnSpc>
@@ -672,7 +694,7 @@
         <a:srgbClr val="000000"/>
       </a:buClr>
       <a:buFont typeface="Arial"/>
-      <a:defRPr b="0" i="0" sz="1400" u="none" cap="none" strike="noStrike">
+      <a:defRPr sz="1400" b="0" i="0" u="none" strike="noStrike" cap="none">
         <a:solidFill>
           <a:srgbClr val="000000"/>
         </a:solidFill>
@@ -682,7 +704,7 @@
         <a:sym typeface="Arial"/>
       </a:defRPr>
     </a:lvl8pPr>
-    <a:lvl9pPr lvl="8" marR="0" rtl="0" algn="l">
+    <a:lvl9pPr marR="0" lvl="8" algn="l" rtl="0">
       <a:lnSpc>
         <a:spcPct val="100000"/>
       </a:lnSpc>
@@ -696,7 +718,7 @@
         <a:srgbClr val="000000"/>
       </a:buClr>
       <a:buFont typeface="Arial"/>
-      <a:defRPr b="0" i="0" sz="1400" u="none" cap="none" strike="noStrike">
+      <a:defRPr sz="1400" b="0" i="0" u="none" strike="noStrike" cap="none">
         <a:solidFill>
           <a:srgbClr val="000000"/>
         </a:solidFill>
@@ -711,11 +733,11 @@
 </file>
 
 <file path=ppt/notesSlides/notesSlide1.xml><?xml version="1.0" encoding="utf-8"?>
-<p:notes xmlns:a="http://schemas.openxmlformats.org/drawingml/2006/main" xmlns:r="http://schemas.openxmlformats.org/officeDocument/2006/relationships" xmlns:mc="http://schemas.openxmlformats.org/markup-compatibility/2006" xmlns:mv="urn:schemas-microsoft-com:mac:vml" xmlns:p="http://schemas.openxmlformats.org/presentationml/2006/main" xmlns:c="http://schemas.openxmlformats.org/drawingml/2006/chart" xmlns:dgm="http://schemas.openxmlformats.org/drawingml/2006/diagram" xmlns:o="urn:schemas-microsoft-com:office:office" xmlns:v="urn:schemas-microsoft-com:vml" xmlns:pvml="urn:schemas-microsoft-com:office:powerpoint" xmlns:com="http://schemas.openxmlformats.org/drawingml/2006/compatibility" xmlns:p14="http://schemas.microsoft.com/office/powerpoint/2010/main" xmlns:p15="http://schemas.microsoft.com/office/powerpoint/2012/main" xmlns:ahyp="http://schemas.microsoft.com/office/drawing/2018/hyperlinkcolor" showMasterPhAnim="0" showMasterSp="0">
+<p:notes xmlns:a="http://schemas.openxmlformats.org/drawingml/2006/main" xmlns:r="http://schemas.openxmlformats.org/officeDocument/2006/relationships" xmlns:p="http://schemas.openxmlformats.org/presentationml/2006/main" showMasterSp="0" showMasterPhAnim="0">
   <p:cSld>
     <p:spTree>
       <p:nvGrpSpPr>
-        <p:cNvPr id="51" name="Shape 51"/>
+        <p:cNvPr id="1" name="Shape 51"/>
         <p:cNvGrpSpPr/>
         <p:nvPr/>
       </p:nvGrpSpPr>
@@ -730,9 +752,11 @@
       <p:sp>
         <p:nvSpPr>
           <p:cNvPr id="52" name="Google Shape;52;p:notes"/>
-          <p:cNvSpPr/>
+          <p:cNvSpPr>
+            <a:spLocks noGrp="1" noRot="1" noChangeAspect="1"/>
+          </p:cNvSpPr>
           <p:nvPr>
-            <p:ph idx="2" type="sldImg"/>
+            <p:ph type="sldImg" idx="2"/>
           </p:nvPr>
         </p:nvSpPr>
         <p:spPr>
@@ -741,9 +765,13 @@
             <a:ext cx="6096075" cy="3429000"/>
           </a:xfrm>
           <a:custGeom>
-            <a:rect b="b" l="l" r="r" t="t"/>
+            <a:avLst/>
+            <a:gdLst/>
+            <a:ahLst/>
+            <a:cxnLst/>
+            <a:rect l="l" t="t" r="r" b="b"/>
             <a:pathLst>
-              <a:path extrusionOk="0" h="120000" w="120000">
+              <a:path w="120000" h="120000" extrusionOk="0">
                 <a:moveTo>
                   <a:pt x="0" y="0"/>
                 </a:moveTo>
@@ -765,9 +793,11 @@
       <p:sp>
         <p:nvSpPr>
           <p:cNvPr id="53" name="Google Shape;53;p:notes"/>
-          <p:cNvSpPr txBox="1"/>
+          <p:cNvSpPr txBox="1">
+            <a:spLocks noGrp="1"/>
+          </p:cNvSpPr>
           <p:nvPr>
-            <p:ph idx="1" type="body"/>
+            <p:ph type="body" idx="1"/>
           </p:nvPr>
         </p:nvSpPr>
         <p:spPr>
@@ -780,12 +810,12 @@
           </a:prstGeom>
         </p:spPr>
         <p:txBody>
-          <a:bodyPr anchorCtr="0" anchor="t" bIns="91425" lIns="91425" spcFirstLastPara="1" rIns="91425" wrap="square" tIns="91425">
+          <a:bodyPr spcFirstLastPara="1" wrap="square" lIns="91425" tIns="91425" rIns="91425" bIns="91425" anchor="t" anchorCtr="0">
             <a:noAutofit/>
           </a:bodyPr>
           <a:lstStyle/>
           <a:p>
-            <a:pPr indent="0" lvl="0" marL="0" rtl="0" algn="l">
+            <a:pPr marL="0" lvl="0" indent="0" algn="l" rtl="0">
               <a:spcBef>
                 <a:spcPts val="0"/>
               </a:spcBef>
@@ -794,9 +824,6 @@
               </a:spcAft>
               <a:buNone/>
             </a:pPr>
-            <a:r>
-              <a:t/>
-            </a:r>
             <a:endParaRPr/>
           </a:p>
         </p:txBody>
@@ -810,11 +837,11 @@
 </file>
 
 <file path=ppt/notesSlides/notesSlide2.xml><?xml version="1.0" encoding="utf-8"?>
-<p:notes xmlns:a="http://schemas.openxmlformats.org/drawingml/2006/main" xmlns:r="http://schemas.openxmlformats.org/officeDocument/2006/relationships" xmlns:mc="http://schemas.openxmlformats.org/markup-compatibility/2006" xmlns:mv="urn:schemas-microsoft-com:mac:vml" xmlns:p="http://schemas.openxmlformats.org/presentationml/2006/main" xmlns:c="http://schemas.openxmlformats.org/drawingml/2006/chart" xmlns:dgm="http://schemas.openxmlformats.org/drawingml/2006/diagram" xmlns:o="urn:schemas-microsoft-com:office:office" xmlns:v="urn:schemas-microsoft-com:vml" xmlns:pvml="urn:schemas-microsoft-com:office:powerpoint" xmlns:com="http://schemas.openxmlformats.org/drawingml/2006/compatibility" xmlns:p14="http://schemas.microsoft.com/office/powerpoint/2010/main" xmlns:p15="http://schemas.microsoft.com/office/powerpoint/2012/main" xmlns:ahyp="http://schemas.microsoft.com/office/drawing/2018/hyperlinkcolor" showMasterPhAnim="0" showMasterSp="0">
+<p:notes xmlns:a="http://schemas.openxmlformats.org/drawingml/2006/main" xmlns:r="http://schemas.openxmlformats.org/officeDocument/2006/relationships" xmlns:p="http://schemas.openxmlformats.org/presentationml/2006/main" showMasterSp="0" showMasterPhAnim="0">
   <p:cSld>
     <p:spTree>
       <p:nvGrpSpPr>
-        <p:cNvPr id="61" name="Shape 61"/>
+        <p:cNvPr id="1" name="Shape 61"/>
         <p:cNvGrpSpPr/>
         <p:nvPr/>
       </p:nvGrpSpPr>
@@ -829,20 +856,26 @@
       <p:sp>
         <p:nvSpPr>
           <p:cNvPr id="62" name="Google Shape;62;g31a6762a23b_0_94:notes"/>
-          <p:cNvSpPr/>
+          <p:cNvSpPr>
+            <a:spLocks noGrp="1" noRot="1" noChangeAspect="1"/>
+          </p:cNvSpPr>
           <p:nvPr>
-            <p:ph idx="2" type="sldImg"/>
+            <p:ph type="sldImg" idx="2"/>
           </p:nvPr>
         </p:nvSpPr>
         <p:spPr>
           <a:xfrm>
-            <a:off x="381300" y="685800"/>
+            <a:off x="381000" y="685800"/>
             <a:ext cx="6096000" cy="3429000"/>
           </a:xfrm>
           <a:custGeom>
-            <a:rect b="b" l="l" r="r" t="t"/>
+            <a:avLst/>
+            <a:gdLst/>
+            <a:ahLst/>
+            <a:cxnLst/>
+            <a:rect l="l" t="t" r="r" b="b"/>
             <a:pathLst>
-              <a:path extrusionOk="0" h="120000" w="120000">
+              <a:path w="120000" h="120000" extrusionOk="0">
                 <a:moveTo>
                   <a:pt x="0" y="0"/>
                 </a:moveTo>
@@ -864,9 +897,11 @@
       <p:sp>
         <p:nvSpPr>
           <p:cNvPr id="63" name="Google Shape;63;g31a6762a23b_0_94:notes"/>
-          <p:cNvSpPr txBox="1"/>
+          <p:cNvSpPr txBox="1">
+            <a:spLocks noGrp="1"/>
+          </p:cNvSpPr>
           <p:nvPr>
-            <p:ph idx="1" type="body"/>
+            <p:ph type="body" idx="1"/>
           </p:nvPr>
         </p:nvSpPr>
         <p:spPr>
@@ -879,12 +914,12 @@
           </a:prstGeom>
         </p:spPr>
         <p:txBody>
-          <a:bodyPr anchorCtr="0" anchor="t" bIns="91425" lIns="91425" spcFirstLastPara="1" rIns="91425" wrap="square" tIns="91425">
+          <a:bodyPr spcFirstLastPara="1" wrap="square" lIns="91425" tIns="91425" rIns="91425" bIns="91425" anchor="t" anchorCtr="0">
             <a:noAutofit/>
           </a:bodyPr>
           <a:lstStyle/>
           <a:p>
-            <a:pPr indent="0" lvl="0" marL="0" rtl="0" algn="l">
+            <a:pPr marL="0" lvl="0" indent="0" algn="l" rtl="0">
               <a:spcBef>
                 <a:spcPts val="0"/>
               </a:spcBef>
@@ -894,7 +929,7 @@
               <a:buNone/>
             </a:pPr>
             <a:r>
-              <a:rPr b="1" lang="en-GB">
+              <a:rPr lang="en-GB" b="1">
                 <a:solidFill>
                   <a:schemeClr val="dk1"/>
                 </a:solidFill>
@@ -908,7 +943,7 @@
             </a:endParaRPr>
           </a:p>
           <a:p>
-            <a:pPr indent="0" lvl="0" marL="0" rtl="0" algn="l">
+            <a:pPr marL="0" lvl="0" indent="0" algn="l" rtl="0">
               <a:spcBef>
                 <a:spcPts val="0"/>
               </a:spcBef>
@@ -918,7 +953,7 @@
               <a:buNone/>
             </a:pPr>
             <a:r>
-              <a:rPr b="1" lang="en-GB">
+              <a:rPr lang="en-GB" b="1">
                 <a:solidFill>
                   <a:schemeClr val="dk1"/>
                 </a:solidFill>
@@ -931,23 +966,7 @@
                   <a:schemeClr val="dk1"/>
                 </a:solidFill>
               </a:rPr>
-              <a:t> </a:t>
-            </a:r>
-            <a:r>
-              <a:rPr lang="en-GB">
-                <a:solidFill>
-                  <a:schemeClr val="dk1"/>
-                </a:solidFill>
-              </a:rPr>
-              <a:t>תאגידים </a:t>
-            </a:r>
-            <a:r>
-              <a:rPr lang="en-GB">
-                <a:solidFill>
-                  <a:schemeClr val="dk1"/>
-                </a:solidFill>
-              </a:rPr>
-              <a:t>is a global software company that provides tools, platforms, and solutions for businesses to build, deploy, and manage applications and digital experiences</a:t>
+              <a:t> תאגידים is a global software company that provides tools, platforms, and solutions for businesses to build, deploy, and manage applications and digital experiences</a:t>
             </a:r>
             <a:endParaRPr>
               <a:solidFill>
@@ -956,7 +975,7 @@
             </a:endParaRPr>
           </a:p>
           <a:p>
-            <a:pPr indent="0" lvl="0" marL="0" rtl="0" algn="l">
+            <a:pPr marL="0" lvl="0" indent="0" algn="l" rtl="0">
               <a:spcBef>
                 <a:spcPts val="0"/>
               </a:spcBef>
@@ -966,7 +985,7 @@
               <a:buNone/>
             </a:pPr>
             <a:r>
-              <a:rPr b="1" lang="en-GB">
+              <a:rPr lang="en-GB" b="1">
                 <a:solidFill>
                   <a:schemeClr val="dk1"/>
                 </a:solidFill>
@@ -988,7 +1007,7 @@
             </a:endParaRPr>
           </a:p>
           <a:p>
-            <a:pPr indent="0" lvl="0" marL="0" rtl="0" algn="l">
+            <a:pPr marL="0" lvl="0" indent="0" algn="l" rtl="0">
               <a:spcBef>
                 <a:spcPts val="0"/>
               </a:spcBef>
@@ -998,7 +1017,7 @@
               <a:buNone/>
             </a:pPr>
             <a:r>
-              <a:rPr b="1" lang="en-GB">
+              <a:rPr lang="en-GB" b="1">
                 <a:solidFill>
                   <a:schemeClr val="dk1"/>
                 </a:solidFill>
@@ -1011,39 +1030,7 @@
                   <a:schemeClr val="dk1"/>
                 </a:solidFill>
               </a:rPr>
-              <a:t>is a popular open source web application framework developed by google and </a:t>
-            </a:r>
-            <a:r>
-              <a:rPr lang="en-GB">
-                <a:solidFill>
-                  <a:schemeClr val="dk1"/>
-                </a:solidFill>
-              </a:rPr>
-              <a:t>community</a:t>
-            </a:r>
-            <a:r>
-              <a:rPr lang="en-GB">
-                <a:solidFill>
-                  <a:schemeClr val="dk1"/>
-                </a:solidFill>
-              </a:rPr>
-              <a:t> of </a:t>
-            </a:r>
-            <a:r>
-              <a:rPr lang="en-GB">
-                <a:solidFill>
-                  <a:schemeClr val="dk1"/>
-                </a:solidFill>
-              </a:rPr>
-              <a:t>individual</a:t>
-            </a:r>
-            <a:r>
-              <a:rPr lang="en-GB">
-                <a:solidFill>
-                  <a:schemeClr val="dk1"/>
-                </a:solidFill>
-              </a:rPr>
-              <a:t> (אִישִׁי) developers and corporations (תאגידים - الشركات) it use to build dynamic and modern web applications - it use with css and js </a:t>
+              <a:t>is a popular open source web application framework developed by google and community of individual (אִישִׁי) developers and corporations (תאגידים - الشركات) it use to build dynamic and modern web applications - it use with css and js </a:t>
             </a:r>
             <a:endParaRPr>
               <a:solidFill>
@@ -1052,7 +1039,7 @@
             </a:endParaRPr>
           </a:p>
           <a:p>
-            <a:pPr indent="0" lvl="0" marL="457200" rtl="0" algn="l">
+            <a:pPr marL="457200" lvl="0" indent="0" algn="l" rtl="0">
               <a:lnSpc>
                 <a:spcPct val="115000"/>
               </a:lnSpc>
@@ -1069,9 +1056,6 @@
               <a:buFont typeface="Arial"/>
               <a:buNone/>
             </a:pPr>
-            <a:r>
-              <a:t/>
-            </a:r>
             <a:endParaRPr>
               <a:solidFill>
                 <a:schemeClr val="dk1"/>
@@ -1089,11 +1073,11 @@
 </file>
 
 <file path=ppt/notesSlides/notesSlide3.xml><?xml version="1.0" encoding="utf-8"?>
-<p:notes xmlns:a="http://schemas.openxmlformats.org/drawingml/2006/main" xmlns:r="http://schemas.openxmlformats.org/officeDocument/2006/relationships" xmlns:mc="http://schemas.openxmlformats.org/markup-compatibility/2006" xmlns:mv="urn:schemas-microsoft-com:mac:vml" xmlns:p="http://schemas.openxmlformats.org/presentationml/2006/main" xmlns:c="http://schemas.openxmlformats.org/drawingml/2006/chart" xmlns:dgm="http://schemas.openxmlformats.org/drawingml/2006/diagram" xmlns:o="urn:schemas-microsoft-com:office:office" xmlns:v="urn:schemas-microsoft-com:vml" xmlns:pvml="urn:schemas-microsoft-com:office:powerpoint" xmlns:com="http://schemas.openxmlformats.org/drawingml/2006/compatibility" xmlns:p14="http://schemas.microsoft.com/office/powerpoint/2010/main" xmlns:p15="http://schemas.microsoft.com/office/powerpoint/2012/main" xmlns:ahyp="http://schemas.microsoft.com/office/drawing/2018/hyperlinkcolor" showMasterPhAnim="0" showMasterSp="0">
+<p:notes xmlns:a="http://schemas.openxmlformats.org/drawingml/2006/main" xmlns:r="http://schemas.openxmlformats.org/officeDocument/2006/relationships" xmlns:p="http://schemas.openxmlformats.org/presentationml/2006/main" showMasterSp="0" showMasterPhAnim="0">
   <p:cSld>
     <p:spTree>
       <p:nvGrpSpPr>
-        <p:cNvPr id="71" name="Shape 71"/>
+        <p:cNvPr id="1" name="Shape 71"/>
         <p:cNvGrpSpPr/>
         <p:nvPr/>
       </p:nvGrpSpPr>
@@ -1108,9 +1092,11 @@
       <p:sp>
         <p:nvSpPr>
           <p:cNvPr id="72" name="Google Shape;72;g31a6762a23b_0_116:notes"/>
-          <p:cNvSpPr/>
+          <p:cNvSpPr>
+            <a:spLocks noGrp="1" noRot="1" noChangeAspect="1"/>
+          </p:cNvSpPr>
           <p:nvPr>
-            <p:ph idx="2" type="sldImg"/>
+            <p:ph type="sldImg" idx="2"/>
           </p:nvPr>
         </p:nvSpPr>
         <p:spPr>
@@ -1119,9 +1105,13 @@
             <a:ext cx="6096000" cy="3429000"/>
           </a:xfrm>
           <a:custGeom>
-            <a:rect b="b" l="l" r="r" t="t"/>
+            <a:avLst/>
+            <a:gdLst/>
+            <a:ahLst/>
+            <a:cxnLst/>
+            <a:rect l="l" t="t" r="r" b="b"/>
             <a:pathLst>
-              <a:path extrusionOk="0" h="120000" w="120000">
+              <a:path w="120000" h="120000" extrusionOk="0">
                 <a:moveTo>
                   <a:pt x="0" y="0"/>
                 </a:moveTo>
@@ -1143,9 +1133,11 @@
       <p:sp>
         <p:nvSpPr>
           <p:cNvPr id="73" name="Google Shape;73;g31a6762a23b_0_116:notes"/>
-          <p:cNvSpPr txBox="1"/>
+          <p:cNvSpPr txBox="1">
+            <a:spLocks noGrp="1"/>
+          </p:cNvSpPr>
           <p:nvPr>
-            <p:ph idx="1" type="body"/>
+            <p:ph type="body" idx="1"/>
           </p:nvPr>
         </p:nvSpPr>
         <p:spPr>
@@ -1158,12 +1150,12 @@
           </a:prstGeom>
         </p:spPr>
         <p:txBody>
-          <a:bodyPr anchorCtr="0" anchor="t" bIns="91425" lIns="91425" spcFirstLastPara="1" rIns="91425" wrap="square" tIns="91425">
+          <a:bodyPr spcFirstLastPara="1" wrap="square" lIns="91425" tIns="91425" rIns="91425" bIns="91425" anchor="t" anchorCtr="0">
             <a:noAutofit/>
           </a:bodyPr>
           <a:lstStyle/>
           <a:p>
-            <a:pPr indent="0" lvl="0" marL="0" rtl="0" algn="l">
+            <a:pPr marL="0" lvl="0" indent="0" algn="l" rtl="0">
               <a:spcBef>
                 <a:spcPts val="0"/>
               </a:spcBef>
@@ -1172,9 +1164,6 @@
               </a:spcAft>
               <a:buNone/>
             </a:pPr>
-            <a:r>
-              <a:t/>
-            </a:r>
             <a:endParaRPr/>
           </a:p>
         </p:txBody>
@@ -1188,11 +1177,11 @@
 </file>
 
 <file path=ppt/notesSlides/notesSlide4.xml><?xml version="1.0" encoding="utf-8"?>
-<p:notes xmlns:a="http://schemas.openxmlformats.org/drawingml/2006/main" xmlns:r="http://schemas.openxmlformats.org/officeDocument/2006/relationships" xmlns:mc="http://schemas.openxmlformats.org/markup-compatibility/2006" xmlns:mv="urn:schemas-microsoft-com:mac:vml" xmlns:p="http://schemas.openxmlformats.org/presentationml/2006/main" xmlns:c="http://schemas.openxmlformats.org/drawingml/2006/chart" xmlns:dgm="http://schemas.openxmlformats.org/drawingml/2006/diagram" xmlns:o="urn:schemas-microsoft-com:office:office" xmlns:v="urn:schemas-microsoft-com:vml" xmlns:pvml="urn:schemas-microsoft-com:office:powerpoint" xmlns:com="http://schemas.openxmlformats.org/drawingml/2006/compatibility" xmlns:p14="http://schemas.microsoft.com/office/powerpoint/2010/main" xmlns:p15="http://schemas.microsoft.com/office/powerpoint/2012/main" xmlns:ahyp="http://schemas.microsoft.com/office/drawing/2018/hyperlinkcolor" showMasterPhAnim="0" showMasterSp="0">
+<p:notes xmlns:a="http://schemas.openxmlformats.org/drawingml/2006/main" xmlns:r="http://schemas.openxmlformats.org/officeDocument/2006/relationships" xmlns:p="http://schemas.openxmlformats.org/presentationml/2006/main" showMasterSp="0" showMasterPhAnim="0">
   <p:cSld>
     <p:spTree>
       <p:nvGrpSpPr>
-        <p:cNvPr id="80" name="Shape 80"/>
+        <p:cNvPr id="1" name="Shape 80"/>
         <p:cNvGrpSpPr/>
         <p:nvPr/>
       </p:nvGrpSpPr>
@@ -1207,9 +1196,11 @@
       <p:sp>
         <p:nvSpPr>
           <p:cNvPr id="81" name="Google Shape;81;g31a6762a23b_0_126:notes"/>
-          <p:cNvSpPr/>
+          <p:cNvSpPr>
+            <a:spLocks noGrp="1" noRot="1" noChangeAspect="1"/>
+          </p:cNvSpPr>
           <p:nvPr>
-            <p:ph idx="2" type="sldImg"/>
+            <p:ph type="sldImg" idx="2"/>
           </p:nvPr>
         </p:nvSpPr>
         <p:spPr>
@@ -1218,9 +1209,13 @@
             <a:ext cx="6096000" cy="3429000"/>
           </a:xfrm>
           <a:custGeom>
-            <a:rect b="b" l="l" r="r" t="t"/>
+            <a:avLst/>
+            <a:gdLst/>
+            <a:ahLst/>
+            <a:cxnLst/>
+            <a:rect l="l" t="t" r="r" b="b"/>
             <a:pathLst>
-              <a:path extrusionOk="0" h="120000" w="120000">
+              <a:path w="120000" h="120000" extrusionOk="0">
                 <a:moveTo>
                   <a:pt x="0" y="0"/>
                 </a:moveTo>
@@ -1242,9 +1237,11 @@
       <p:sp>
         <p:nvSpPr>
           <p:cNvPr id="82" name="Google Shape;82;g31a6762a23b_0_126:notes"/>
-          <p:cNvSpPr txBox="1"/>
+          <p:cNvSpPr txBox="1">
+            <a:spLocks noGrp="1"/>
+          </p:cNvSpPr>
           <p:nvPr>
-            <p:ph idx="1" type="body"/>
+            <p:ph type="body" idx="1"/>
           </p:nvPr>
         </p:nvSpPr>
         <p:spPr>
@@ -1257,12 +1254,12 @@
           </a:prstGeom>
         </p:spPr>
         <p:txBody>
-          <a:bodyPr anchorCtr="0" anchor="t" bIns="91425" lIns="91425" spcFirstLastPara="1" rIns="91425" wrap="square" tIns="91425">
+          <a:bodyPr spcFirstLastPara="1" wrap="square" lIns="91425" tIns="91425" rIns="91425" bIns="91425" anchor="t" anchorCtr="0">
             <a:noAutofit/>
           </a:bodyPr>
           <a:lstStyle/>
           <a:p>
-            <a:pPr indent="0" lvl="0" marL="0" rtl="0" algn="l">
+            <a:pPr marL="0" lvl="0" indent="0" algn="l" rtl="0">
               <a:spcBef>
                 <a:spcPts val="0"/>
               </a:spcBef>
@@ -1271,9 +1268,6 @@
               </a:spcAft>
               <a:buNone/>
             </a:pPr>
-            <a:r>
-              <a:t/>
-            </a:r>
             <a:endParaRPr/>
           </a:p>
         </p:txBody>
@@ -1287,11 +1281,11 @@
 </file>
 
 <file path=ppt/notesSlides/notesSlide5.xml><?xml version="1.0" encoding="utf-8"?>
-<p:notes xmlns:a="http://schemas.openxmlformats.org/drawingml/2006/main" xmlns:r="http://schemas.openxmlformats.org/officeDocument/2006/relationships" xmlns:mc="http://schemas.openxmlformats.org/markup-compatibility/2006" xmlns:mv="urn:schemas-microsoft-com:mac:vml" xmlns:p="http://schemas.openxmlformats.org/presentationml/2006/main" xmlns:c="http://schemas.openxmlformats.org/drawingml/2006/chart" xmlns:dgm="http://schemas.openxmlformats.org/drawingml/2006/diagram" xmlns:o="urn:schemas-microsoft-com:office:office" xmlns:v="urn:schemas-microsoft-com:vml" xmlns:pvml="urn:schemas-microsoft-com:office:powerpoint" xmlns:com="http://schemas.openxmlformats.org/drawingml/2006/compatibility" xmlns:p14="http://schemas.microsoft.com/office/powerpoint/2010/main" xmlns:p15="http://schemas.microsoft.com/office/powerpoint/2012/main" xmlns:ahyp="http://schemas.microsoft.com/office/drawing/2018/hyperlinkcolor" showMasterPhAnim="0" showMasterSp="0">
+<p:notes xmlns:a="http://schemas.openxmlformats.org/drawingml/2006/main" xmlns:r="http://schemas.openxmlformats.org/officeDocument/2006/relationships" xmlns:p="http://schemas.openxmlformats.org/presentationml/2006/main" showMasterSp="0" showMasterPhAnim="0">
   <p:cSld>
     <p:spTree>
       <p:nvGrpSpPr>
-        <p:cNvPr id="87" name="Shape 87"/>
+        <p:cNvPr id="1" name="Shape 87"/>
         <p:cNvGrpSpPr/>
         <p:nvPr/>
       </p:nvGrpSpPr>
@@ -1306,9 +1300,11 @@
       <p:sp>
         <p:nvSpPr>
           <p:cNvPr id="88" name="Google Shape;88;g31a6762a23b_0_146:notes"/>
-          <p:cNvSpPr/>
+          <p:cNvSpPr>
+            <a:spLocks noGrp="1" noRot="1" noChangeAspect="1"/>
+          </p:cNvSpPr>
           <p:nvPr>
-            <p:ph idx="2" type="sldImg"/>
+            <p:ph type="sldImg" idx="2"/>
           </p:nvPr>
         </p:nvSpPr>
         <p:spPr>
@@ -1317,9 +1313,13 @@
             <a:ext cx="6096000" cy="3429000"/>
           </a:xfrm>
           <a:custGeom>
-            <a:rect b="b" l="l" r="r" t="t"/>
+            <a:avLst/>
+            <a:gdLst/>
+            <a:ahLst/>
+            <a:cxnLst/>
+            <a:rect l="l" t="t" r="r" b="b"/>
             <a:pathLst>
-              <a:path extrusionOk="0" h="120000" w="120000">
+              <a:path w="120000" h="120000" extrusionOk="0">
                 <a:moveTo>
                   <a:pt x="0" y="0"/>
                 </a:moveTo>
@@ -1341,9 +1341,11 @@
       <p:sp>
         <p:nvSpPr>
           <p:cNvPr id="89" name="Google Shape;89;g31a6762a23b_0_146:notes"/>
-          <p:cNvSpPr txBox="1"/>
+          <p:cNvSpPr txBox="1">
+            <a:spLocks noGrp="1"/>
+          </p:cNvSpPr>
           <p:nvPr>
-            <p:ph idx="1" type="body"/>
+            <p:ph type="body" idx="1"/>
           </p:nvPr>
         </p:nvSpPr>
         <p:spPr>
@@ -1356,12 +1358,12 @@
           </a:prstGeom>
         </p:spPr>
         <p:txBody>
-          <a:bodyPr anchorCtr="0" anchor="t" bIns="91425" lIns="91425" spcFirstLastPara="1" rIns="91425" wrap="square" tIns="91425">
+          <a:bodyPr spcFirstLastPara="1" wrap="square" lIns="91425" tIns="91425" rIns="91425" bIns="91425" anchor="t" anchorCtr="0">
             <a:noAutofit/>
           </a:bodyPr>
           <a:lstStyle/>
           <a:p>
-            <a:pPr indent="0" lvl="0" marL="0" rtl="0" algn="l">
+            <a:pPr marL="0" lvl="0" indent="0" algn="l" rtl="0">
               <a:spcBef>
                 <a:spcPts val="0"/>
               </a:spcBef>
@@ -1370,9 +1372,6 @@
               </a:spcAft>
               <a:buNone/>
             </a:pPr>
-            <a:r>
-              <a:t/>
-            </a:r>
             <a:endParaRPr/>
           </a:p>
         </p:txBody>
@@ -1386,11 +1385,11 @@
 </file>
 
 <file path=ppt/notesSlides/notesSlide6.xml><?xml version="1.0" encoding="utf-8"?>
-<p:notes xmlns:a="http://schemas.openxmlformats.org/drawingml/2006/main" xmlns:r="http://schemas.openxmlformats.org/officeDocument/2006/relationships" xmlns:mc="http://schemas.openxmlformats.org/markup-compatibility/2006" xmlns:mv="urn:schemas-microsoft-com:mac:vml" xmlns:p="http://schemas.openxmlformats.org/presentationml/2006/main" xmlns:c="http://schemas.openxmlformats.org/drawingml/2006/chart" xmlns:dgm="http://schemas.openxmlformats.org/drawingml/2006/diagram" xmlns:o="urn:schemas-microsoft-com:office:office" xmlns:v="urn:schemas-microsoft-com:vml" xmlns:pvml="urn:schemas-microsoft-com:office:powerpoint" xmlns:com="http://schemas.openxmlformats.org/drawingml/2006/compatibility" xmlns:p14="http://schemas.microsoft.com/office/powerpoint/2010/main" xmlns:p15="http://schemas.microsoft.com/office/powerpoint/2012/main" xmlns:ahyp="http://schemas.microsoft.com/office/drawing/2018/hyperlinkcolor" showMasterPhAnim="0" showMasterSp="0">
+<p:notes xmlns:a="http://schemas.openxmlformats.org/drawingml/2006/main" xmlns:r="http://schemas.openxmlformats.org/officeDocument/2006/relationships" xmlns:p="http://schemas.openxmlformats.org/presentationml/2006/main" showMasterSp="0" showMasterPhAnim="0">
   <p:cSld>
     <p:spTree>
       <p:nvGrpSpPr>
-        <p:cNvPr id="102" name="Shape 102"/>
+        <p:cNvPr id="1" name="Shape 102"/>
         <p:cNvGrpSpPr/>
         <p:nvPr/>
       </p:nvGrpSpPr>
@@ -1405,9 +1404,11 @@
       <p:sp>
         <p:nvSpPr>
           <p:cNvPr id="103" name="Google Shape;103;g31b9f693c2d_0_5:notes"/>
-          <p:cNvSpPr/>
+          <p:cNvSpPr>
+            <a:spLocks noGrp="1" noRot="1" noChangeAspect="1"/>
+          </p:cNvSpPr>
           <p:nvPr>
-            <p:ph idx="2" type="sldImg"/>
+            <p:ph type="sldImg" idx="2"/>
           </p:nvPr>
         </p:nvSpPr>
         <p:spPr>
@@ -1416,9 +1417,13 @@
             <a:ext cx="6096000" cy="3429000"/>
           </a:xfrm>
           <a:custGeom>
-            <a:rect b="b" l="l" r="r" t="t"/>
+            <a:avLst/>
+            <a:gdLst/>
+            <a:ahLst/>
+            <a:cxnLst/>
+            <a:rect l="l" t="t" r="r" b="b"/>
             <a:pathLst>
-              <a:path extrusionOk="0" h="120000" w="120000">
+              <a:path w="120000" h="120000" extrusionOk="0">
                 <a:moveTo>
                   <a:pt x="0" y="0"/>
                 </a:moveTo>
@@ -1440,9 +1445,11 @@
       <p:sp>
         <p:nvSpPr>
           <p:cNvPr id="104" name="Google Shape;104;g31b9f693c2d_0_5:notes"/>
-          <p:cNvSpPr txBox="1"/>
+          <p:cNvSpPr txBox="1">
+            <a:spLocks noGrp="1"/>
+          </p:cNvSpPr>
           <p:nvPr>
-            <p:ph idx="1" type="body"/>
+            <p:ph type="body" idx="1"/>
           </p:nvPr>
         </p:nvSpPr>
         <p:spPr>
@@ -1455,12 +1462,12 @@
           </a:prstGeom>
         </p:spPr>
         <p:txBody>
-          <a:bodyPr anchorCtr="0" anchor="t" bIns="91425" lIns="91425" spcFirstLastPara="1" rIns="91425" wrap="square" tIns="91425">
+          <a:bodyPr spcFirstLastPara="1" wrap="square" lIns="91425" tIns="91425" rIns="91425" bIns="91425" anchor="t" anchorCtr="0">
             <a:noAutofit/>
           </a:bodyPr>
           <a:lstStyle/>
           <a:p>
-            <a:pPr indent="0" lvl="0" marL="0" rtl="1" algn="ctr">
+            <a:pPr marL="0" lvl="0" indent="0" algn="ctr" rtl="1">
               <a:spcBef>
                 <a:spcPts val="0"/>
               </a:spcBef>
@@ -1489,7 +1496,7 @@
             </a:endParaRPr>
           </a:p>
           <a:p>
-            <a:pPr indent="-304800" lvl="0" marL="457200" rtl="1" algn="ctr">
+            <a:pPr marL="457200" lvl="0" indent="-304800" algn="ctr" rtl="1">
               <a:spcBef>
                 <a:spcPts val="0"/>
               </a:spcBef>
@@ -1517,7 +1524,7 @@
             </a:endParaRPr>
           </a:p>
           <a:p>
-            <a:pPr indent="-304800" lvl="0" marL="457200" rtl="1" algn="ctr">
+            <a:pPr marL="457200" lvl="0" indent="-304800" algn="ctr" rtl="1">
               <a:spcBef>
                 <a:spcPts val="0"/>
               </a:spcBef>
@@ -1545,7 +1552,7 @@
             </a:endParaRPr>
           </a:p>
           <a:p>
-            <a:pPr indent="-304800" lvl="0" marL="457200" rtl="1" algn="ctr">
+            <a:pPr marL="457200" lvl="0" indent="-304800" algn="ctr" rtl="1">
               <a:spcBef>
                 <a:spcPts val="0"/>
               </a:spcBef>
@@ -1573,7 +1580,7 @@
             </a:endParaRPr>
           </a:p>
           <a:p>
-            <a:pPr indent="0" lvl="0" marL="457200" rtl="1" algn="ctr">
+            <a:pPr marL="457200" lvl="0" indent="0" algn="ctr" rtl="1">
               <a:spcBef>
                 <a:spcPts val="0"/>
               </a:spcBef>
@@ -1602,7 +1609,7 @@
             </a:endParaRPr>
           </a:p>
           <a:p>
-            <a:pPr indent="0" lvl="0" marL="0" rtl="0" algn="l">
+            <a:pPr marL="0" lvl="0" indent="0" algn="l" rtl="0">
               <a:spcBef>
                 <a:spcPts val="0"/>
               </a:spcBef>
@@ -1611,9 +1618,6 @@
               </a:spcAft>
               <a:buNone/>
             </a:pPr>
-            <a:r>
-              <a:t/>
-            </a:r>
             <a:endParaRPr sz="1200"/>
           </a:p>
         </p:txBody>
@@ -1627,11 +1631,11 @@
 </file>
 
 <file path=ppt/notesSlides/notesSlide7.xml><?xml version="1.0" encoding="utf-8"?>
-<p:notes xmlns:a="http://schemas.openxmlformats.org/drawingml/2006/main" xmlns:r="http://schemas.openxmlformats.org/officeDocument/2006/relationships" xmlns:mc="http://schemas.openxmlformats.org/markup-compatibility/2006" xmlns:mv="urn:schemas-microsoft-com:mac:vml" xmlns:p="http://schemas.openxmlformats.org/presentationml/2006/main" xmlns:c="http://schemas.openxmlformats.org/drawingml/2006/chart" xmlns:dgm="http://schemas.openxmlformats.org/drawingml/2006/diagram" xmlns:o="urn:schemas-microsoft-com:office:office" xmlns:v="urn:schemas-microsoft-com:vml" xmlns:pvml="urn:schemas-microsoft-com:office:powerpoint" xmlns:com="http://schemas.openxmlformats.org/drawingml/2006/compatibility" xmlns:p14="http://schemas.microsoft.com/office/powerpoint/2010/main" xmlns:p15="http://schemas.microsoft.com/office/powerpoint/2012/main" xmlns:ahyp="http://schemas.microsoft.com/office/drawing/2018/hyperlinkcolor" showMasterPhAnim="0" showMasterSp="0">
+<p:notes xmlns:a="http://schemas.openxmlformats.org/drawingml/2006/main" xmlns:r="http://schemas.openxmlformats.org/officeDocument/2006/relationships" xmlns:p="http://schemas.openxmlformats.org/presentationml/2006/main" showMasterSp="0" showMasterPhAnim="0">
   <p:cSld>
     <p:spTree>
       <p:nvGrpSpPr>
-        <p:cNvPr id="116" name="Shape 116"/>
+        <p:cNvPr id="1" name="Shape 116"/>
         <p:cNvGrpSpPr/>
         <p:nvPr/>
       </p:nvGrpSpPr>
@@ -1646,9 +1650,11 @@
       <p:sp>
         <p:nvSpPr>
           <p:cNvPr id="117" name="Google Shape;117;g2a46bc62006_0_0:notes"/>
-          <p:cNvSpPr/>
+          <p:cNvSpPr>
+            <a:spLocks noGrp="1" noRot="1" noChangeAspect="1"/>
+          </p:cNvSpPr>
           <p:nvPr>
-            <p:ph idx="2" type="sldImg"/>
+            <p:ph type="sldImg" idx="2"/>
           </p:nvPr>
         </p:nvSpPr>
         <p:spPr>
@@ -1657,9 +1663,13 @@
             <a:ext cx="6096000" cy="3429000"/>
           </a:xfrm>
           <a:custGeom>
-            <a:rect b="b" l="l" r="r" t="t"/>
+            <a:avLst/>
+            <a:gdLst/>
+            <a:ahLst/>
+            <a:cxnLst/>
+            <a:rect l="l" t="t" r="r" b="b"/>
             <a:pathLst>
-              <a:path extrusionOk="0" h="120000" w="120000">
+              <a:path w="120000" h="120000" extrusionOk="0">
                 <a:moveTo>
                   <a:pt x="0" y="0"/>
                 </a:moveTo>
@@ -1681,9 +1691,11 @@
       <p:sp>
         <p:nvSpPr>
           <p:cNvPr id="118" name="Google Shape;118;g2a46bc62006_0_0:notes"/>
-          <p:cNvSpPr txBox="1"/>
+          <p:cNvSpPr txBox="1">
+            <a:spLocks noGrp="1"/>
+          </p:cNvSpPr>
           <p:nvPr>
-            <p:ph idx="1" type="body"/>
+            <p:ph type="body" idx="1"/>
           </p:nvPr>
         </p:nvSpPr>
         <p:spPr>
@@ -1696,12 +1708,12 @@
           </a:prstGeom>
         </p:spPr>
         <p:txBody>
-          <a:bodyPr anchorCtr="0" anchor="t" bIns="91425" lIns="91425" spcFirstLastPara="1" rIns="91425" wrap="square" tIns="91425">
+          <a:bodyPr spcFirstLastPara="1" wrap="square" lIns="91425" tIns="91425" rIns="91425" bIns="91425" anchor="t" anchorCtr="0">
             <a:noAutofit/>
           </a:bodyPr>
           <a:lstStyle/>
           <a:p>
-            <a:pPr indent="0" lvl="0" marL="0" rtl="0" algn="l">
+            <a:pPr marL="0" lvl="0" indent="0" algn="l" rtl="0">
               <a:spcBef>
                 <a:spcPts val="0"/>
               </a:spcBef>
@@ -1727,11 +1739,11 @@
 </file>
 
 <file path=ppt/notesSlides/notesSlide8.xml><?xml version="1.0" encoding="utf-8"?>
-<p:notes xmlns:a="http://schemas.openxmlformats.org/drawingml/2006/main" xmlns:r="http://schemas.openxmlformats.org/officeDocument/2006/relationships" xmlns:mc="http://schemas.openxmlformats.org/markup-compatibility/2006" xmlns:mv="urn:schemas-microsoft-com:mac:vml" xmlns:p="http://schemas.openxmlformats.org/presentationml/2006/main" xmlns:c="http://schemas.openxmlformats.org/drawingml/2006/chart" xmlns:dgm="http://schemas.openxmlformats.org/drawingml/2006/diagram" xmlns:o="urn:schemas-microsoft-com:office:office" xmlns:v="urn:schemas-microsoft-com:vml" xmlns:pvml="urn:schemas-microsoft-com:office:powerpoint" xmlns:com="http://schemas.openxmlformats.org/drawingml/2006/compatibility" xmlns:p14="http://schemas.microsoft.com/office/powerpoint/2010/main" xmlns:p15="http://schemas.microsoft.com/office/powerpoint/2012/main" xmlns:ahyp="http://schemas.microsoft.com/office/drawing/2018/hyperlinkcolor" showMasterPhAnim="0" showMasterSp="0">
+<p:notes xmlns:a="http://schemas.openxmlformats.org/drawingml/2006/main" xmlns:r="http://schemas.openxmlformats.org/officeDocument/2006/relationships" xmlns:p="http://schemas.openxmlformats.org/presentationml/2006/main" showMasterSp="0" showMasterPhAnim="0">
   <p:cSld>
     <p:spTree>
       <p:nvGrpSpPr>
-        <p:cNvPr id="124" name="Shape 124"/>
+        <p:cNvPr id="1" name="Shape 124"/>
         <p:cNvGrpSpPr/>
         <p:nvPr/>
       </p:nvGrpSpPr>
@@ -1746,9 +1758,11 @@
       <p:sp>
         <p:nvSpPr>
           <p:cNvPr id="125" name="Google Shape;125;g2d63b4b19cf_0_0:notes"/>
-          <p:cNvSpPr/>
+          <p:cNvSpPr>
+            <a:spLocks noGrp="1" noRot="1" noChangeAspect="1"/>
+          </p:cNvSpPr>
           <p:nvPr>
-            <p:ph idx="2" type="sldImg"/>
+            <p:ph type="sldImg" idx="2"/>
           </p:nvPr>
         </p:nvSpPr>
         <p:spPr>
@@ -1757,9 +1771,13 @@
             <a:ext cx="6096000" cy="3429000"/>
           </a:xfrm>
           <a:custGeom>
-            <a:rect b="b" l="l" r="r" t="t"/>
+            <a:avLst/>
+            <a:gdLst/>
+            <a:ahLst/>
+            <a:cxnLst/>
+            <a:rect l="l" t="t" r="r" b="b"/>
             <a:pathLst>
-              <a:path extrusionOk="0" h="120000" w="120000">
+              <a:path w="120000" h="120000" extrusionOk="0">
                 <a:moveTo>
                   <a:pt x="0" y="0"/>
                 </a:moveTo>
@@ -1781,9 +1799,11 @@
       <p:sp>
         <p:nvSpPr>
           <p:cNvPr id="126" name="Google Shape;126;g2d63b4b19cf_0_0:notes"/>
-          <p:cNvSpPr txBox="1"/>
+          <p:cNvSpPr txBox="1">
+            <a:spLocks noGrp="1"/>
+          </p:cNvSpPr>
           <p:nvPr>
-            <p:ph idx="1" type="body"/>
+            <p:ph type="body" idx="1"/>
           </p:nvPr>
         </p:nvSpPr>
         <p:spPr>
@@ -1796,12 +1816,12 @@
           </a:prstGeom>
         </p:spPr>
         <p:txBody>
-          <a:bodyPr anchorCtr="0" anchor="t" bIns="91425" lIns="91425" spcFirstLastPara="1" rIns="91425" wrap="square" tIns="91425">
+          <a:bodyPr spcFirstLastPara="1" wrap="square" lIns="91425" tIns="91425" rIns="91425" bIns="91425" anchor="t" anchorCtr="0">
             <a:noAutofit/>
           </a:bodyPr>
           <a:lstStyle/>
           <a:p>
-            <a:pPr indent="0" lvl="0" marL="0" rtl="0" algn="l">
+            <a:pPr marL="0" lvl="0" indent="0" algn="l" rtl="0">
               <a:spcBef>
                 <a:spcPts val="0"/>
               </a:spcBef>
@@ -1810,9 +1830,6 @@
               </a:spcAft>
               <a:buNone/>
             </a:pPr>
-            <a:r>
-              <a:t/>
-            </a:r>
             <a:endParaRPr/>
           </a:p>
         </p:txBody>
@@ -1826,11 +1843,11 @@
 </file>
 
 <file path=ppt/notesSlides/notesSlide9.xml><?xml version="1.0" encoding="utf-8"?>
-<p:notes xmlns:a="http://schemas.openxmlformats.org/drawingml/2006/main" xmlns:r="http://schemas.openxmlformats.org/officeDocument/2006/relationships" xmlns:mc="http://schemas.openxmlformats.org/markup-compatibility/2006" xmlns:mv="urn:schemas-microsoft-com:mac:vml" xmlns:p="http://schemas.openxmlformats.org/presentationml/2006/main" xmlns:c="http://schemas.openxmlformats.org/drawingml/2006/chart" xmlns:dgm="http://schemas.openxmlformats.org/drawingml/2006/diagram" xmlns:o="urn:schemas-microsoft-com:office:office" xmlns:v="urn:schemas-microsoft-com:vml" xmlns:pvml="urn:schemas-microsoft-com:office:powerpoint" xmlns:com="http://schemas.openxmlformats.org/drawingml/2006/compatibility" xmlns:p14="http://schemas.microsoft.com/office/powerpoint/2010/main" xmlns:p15="http://schemas.microsoft.com/office/powerpoint/2012/main" xmlns:ahyp="http://schemas.microsoft.com/office/drawing/2018/hyperlinkcolor" showMasterPhAnim="0" showMasterSp="0">
+<p:notes xmlns:a="http://schemas.openxmlformats.org/drawingml/2006/main" xmlns:r="http://schemas.openxmlformats.org/officeDocument/2006/relationships" xmlns:p="http://schemas.openxmlformats.org/presentationml/2006/main" showMasterSp="0" showMasterPhAnim="0">
   <p:cSld>
     <p:spTree>
       <p:nvGrpSpPr>
-        <p:cNvPr id="129" name="Shape 129"/>
+        <p:cNvPr id="1" name="Shape 129"/>
         <p:cNvGrpSpPr/>
         <p:nvPr/>
       </p:nvGrpSpPr>
@@ -1845,9 +1862,11 @@
       <p:sp>
         <p:nvSpPr>
           <p:cNvPr id="130" name="Google Shape;130;g31a6762a23b_0_28:notes"/>
-          <p:cNvSpPr/>
+          <p:cNvSpPr>
+            <a:spLocks noGrp="1" noRot="1" noChangeAspect="1"/>
+          </p:cNvSpPr>
           <p:nvPr>
-            <p:ph idx="2" type="sldImg"/>
+            <p:ph type="sldImg" idx="2"/>
           </p:nvPr>
         </p:nvSpPr>
         <p:spPr>
@@ -1856,9 +1875,13 @@
             <a:ext cx="6096000" cy="3429000"/>
           </a:xfrm>
           <a:custGeom>
-            <a:rect b="b" l="l" r="r" t="t"/>
+            <a:avLst/>
+            <a:gdLst/>
+            <a:ahLst/>
+            <a:cxnLst/>
+            <a:rect l="l" t="t" r="r" b="b"/>
             <a:pathLst>
-              <a:path extrusionOk="0" h="120000" w="120000">
+              <a:path w="120000" h="120000" extrusionOk="0">
                 <a:moveTo>
                   <a:pt x="0" y="0"/>
                 </a:moveTo>
@@ -1880,9 +1903,11 @@
       <p:sp>
         <p:nvSpPr>
           <p:cNvPr id="131" name="Google Shape;131;g31a6762a23b_0_28:notes"/>
-          <p:cNvSpPr txBox="1"/>
+          <p:cNvSpPr txBox="1">
+            <a:spLocks noGrp="1"/>
+          </p:cNvSpPr>
           <p:nvPr>
-            <p:ph idx="1" type="body"/>
+            <p:ph type="body" idx="1"/>
           </p:nvPr>
         </p:nvSpPr>
         <p:spPr>
@@ -1895,12 +1920,12 @@
           </a:prstGeom>
         </p:spPr>
         <p:txBody>
-          <a:bodyPr anchorCtr="0" anchor="t" bIns="91425" lIns="91425" spcFirstLastPara="1" rIns="91425" wrap="square" tIns="91425">
+          <a:bodyPr spcFirstLastPara="1" wrap="square" lIns="91425" tIns="91425" rIns="91425" bIns="91425" anchor="t" anchorCtr="0">
             <a:noAutofit/>
           </a:bodyPr>
           <a:lstStyle/>
           <a:p>
-            <a:pPr indent="0" lvl="0" marL="0" rtl="0" algn="l">
+            <a:pPr marL="0" lvl="0" indent="0" algn="l" rtl="0">
               <a:spcBef>
                 <a:spcPts val="0"/>
               </a:spcBef>
@@ -1909,9 +1934,6 @@
               </a:spcAft>
               <a:buNone/>
             </a:pPr>
-            <a:r>
-              <a:t/>
-            </a:r>
             <a:endParaRPr/>
           </a:p>
         </p:txBody>
@@ -1925,11 +1947,11 @@
 </file>
 
 <file path=ppt/slideLayouts/slideLayout1.xml><?xml version="1.0" encoding="utf-8"?>
-<p:sldLayout xmlns:a="http://schemas.openxmlformats.org/drawingml/2006/main" xmlns:r="http://schemas.openxmlformats.org/officeDocument/2006/relationships" xmlns:mc="http://schemas.openxmlformats.org/markup-compatibility/2006" xmlns:mv="urn:schemas-microsoft-com:mac:vml" xmlns:p="http://schemas.openxmlformats.org/presentationml/2006/main" xmlns:c="http://schemas.openxmlformats.org/drawingml/2006/chart" xmlns:dgm="http://schemas.openxmlformats.org/drawingml/2006/diagram" xmlns:o="urn:schemas-microsoft-com:office:office" xmlns:v="urn:schemas-microsoft-com:vml" xmlns:pvml="urn:schemas-microsoft-com:office:powerpoint" xmlns:com="http://schemas.openxmlformats.org/drawingml/2006/compatibility" xmlns:p14="http://schemas.microsoft.com/office/powerpoint/2010/main" xmlns:p15="http://schemas.microsoft.com/office/powerpoint/2012/main" xmlns:ahyp="http://schemas.microsoft.com/office/drawing/2018/hyperlinkcolor" matchingName="Title slide" type="title">
+<p:sldLayout xmlns:a="http://schemas.openxmlformats.org/drawingml/2006/main" xmlns:r="http://schemas.openxmlformats.org/officeDocument/2006/relationships" xmlns:p="http://schemas.openxmlformats.org/presentationml/2006/main" matchingName="Title slide" type="title">
   <p:cSld name="TITLE">
     <p:spTree>
       <p:nvGrpSpPr>
-        <p:cNvPr id="9" name="Shape 9"/>
+        <p:cNvPr id="1" name="Shape 9"/>
         <p:cNvGrpSpPr/>
         <p:nvPr/>
       </p:nvGrpSpPr>
@@ -1944,7 +1966,9 @@
       <p:sp>
         <p:nvSpPr>
           <p:cNvPr id="10" name="Google Shape;10;p2"/>
-          <p:cNvSpPr txBox="1"/>
+          <p:cNvSpPr txBox="1">
+            <a:spLocks noGrp="1"/>
+          </p:cNvSpPr>
           <p:nvPr>
             <p:ph type="ctrTitle"/>
           </p:nvPr>
@@ -1959,7 +1983,7 @@
           </a:prstGeom>
         </p:spPr>
         <p:txBody>
-          <a:bodyPr anchorCtr="0" anchor="b" bIns="91425" lIns="91425" spcFirstLastPara="1" rIns="91425" wrap="square" tIns="91425">
+          <a:bodyPr spcFirstLastPara="1" wrap="square" lIns="91425" tIns="91425" rIns="91425" bIns="91425" anchor="b" anchorCtr="0">
             <a:normAutofit/>
           </a:bodyPr>
           <a:lstStyle>
@@ -2063,15 +2087,19 @@
               <a:defRPr sz="5200"/>
             </a:lvl9pPr>
           </a:lstStyle>
-          <a:p/>
+          <a:p>
+            <a:endParaRPr/>
+          </a:p>
         </p:txBody>
       </p:sp>
       <p:sp>
         <p:nvSpPr>
           <p:cNvPr id="11" name="Google Shape;11;p2"/>
-          <p:cNvSpPr txBox="1"/>
+          <p:cNvSpPr txBox="1">
+            <a:spLocks noGrp="1"/>
+          </p:cNvSpPr>
           <p:nvPr>
-            <p:ph idx="1" type="subTitle"/>
+            <p:ph type="subTitle" idx="1"/>
           </p:nvPr>
         </p:nvSpPr>
         <p:spPr>
@@ -2084,7 +2112,7 @@
           </a:prstGeom>
         </p:spPr>
         <p:txBody>
-          <a:bodyPr anchorCtr="0" anchor="t" bIns="91425" lIns="91425" spcFirstLastPara="1" rIns="91425" wrap="square" tIns="91425">
+          <a:bodyPr spcFirstLastPara="1" wrap="square" lIns="91425" tIns="91425" rIns="91425" bIns="91425" anchor="t" anchorCtr="0">
             <a:normAutofit/>
           </a:bodyPr>
           <a:lstStyle>
@@ -2215,15 +2243,19 @@
               <a:defRPr sz="2800"/>
             </a:lvl9pPr>
           </a:lstStyle>
-          <a:p/>
+          <a:p>
+            <a:endParaRPr/>
+          </a:p>
         </p:txBody>
       </p:sp>
       <p:sp>
         <p:nvSpPr>
           <p:cNvPr id="12" name="Google Shape;12;p2"/>
-          <p:cNvSpPr txBox="1"/>
+          <p:cNvSpPr txBox="1">
+            <a:spLocks noGrp="1"/>
+          </p:cNvSpPr>
           <p:nvPr>
-            <p:ph idx="12" type="sldNum"/>
+            <p:ph type="sldNum" idx="12"/>
           </p:nvPr>
         </p:nvSpPr>
         <p:spPr>
@@ -2236,7 +2268,7 @@
           </a:prstGeom>
         </p:spPr>
         <p:txBody>
-          <a:bodyPr anchorCtr="0" anchor="ctr" bIns="91425" lIns="91425" spcFirstLastPara="1" rIns="91425" wrap="square" tIns="91425">
+          <a:bodyPr spcFirstLastPara="1" wrap="square" lIns="91425" tIns="91425" rIns="91425" bIns="91425" anchor="ctr" anchorCtr="0">
             <a:normAutofit/>
           </a:bodyPr>
           <a:lstStyle>
@@ -2278,7 +2310,7 @@
             </a:lvl9pPr>
           </a:lstStyle>
           <a:p>
-            <a:pPr indent="0" lvl="0" marL="0" rtl="0" algn="r">
+            <a:pPr marL="0" lvl="0" indent="0" algn="r" rtl="0">
               <a:spcBef>
                 <a:spcPts val="0"/>
               </a:spcBef>
@@ -2304,11 +2336,11 @@
 </file>
 
 <file path=ppt/slideLayouts/slideLayout10.xml><?xml version="1.0" encoding="utf-8"?>
-<p:sldLayout xmlns:a="http://schemas.openxmlformats.org/drawingml/2006/main" xmlns:r="http://schemas.openxmlformats.org/officeDocument/2006/relationships" xmlns:mc="http://schemas.openxmlformats.org/markup-compatibility/2006" xmlns:mv="urn:schemas-microsoft-com:mac:vml" xmlns:p="http://schemas.openxmlformats.org/presentationml/2006/main" xmlns:c="http://schemas.openxmlformats.org/drawingml/2006/chart" xmlns:dgm="http://schemas.openxmlformats.org/drawingml/2006/diagram" xmlns:o="urn:schemas-microsoft-com:office:office" xmlns:v="urn:schemas-microsoft-com:vml" xmlns:pvml="urn:schemas-microsoft-com:office:powerpoint" xmlns:com="http://schemas.openxmlformats.org/drawingml/2006/compatibility" xmlns:p14="http://schemas.microsoft.com/office/powerpoint/2010/main" xmlns:p15="http://schemas.microsoft.com/office/powerpoint/2012/main" xmlns:ahyp="http://schemas.microsoft.com/office/drawing/2018/hyperlinkcolor" matchingName="Big number">
+<p:sldLayout xmlns:a="http://schemas.openxmlformats.org/drawingml/2006/main" xmlns:r="http://schemas.openxmlformats.org/officeDocument/2006/relationships" xmlns:p="http://schemas.openxmlformats.org/presentationml/2006/main" matchingName="Big number">
   <p:cSld name="BIG_NUMBER">
     <p:spTree>
       <p:nvGrpSpPr>
-        <p:cNvPr id="44" name="Shape 44"/>
+        <p:cNvPr id="1" name="Shape 44"/>
         <p:cNvGrpSpPr/>
         <p:nvPr/>
       </p:nvGrpSpPr>
@@ -2323,9 +2355,11 @@
       <p:sp>
         <p:nvSpPr>
           <p:cNvPr id="45" name="Google Shape;45;p11"/>
-          <p:cNvSpPr txBox="1"/>
+          <p:cNvSpPr txBox="1">
+            <a:spLocks noGrp="1"/>
+          </p:cNvSpPr>
           <p:nvPr>
-            <p:ph hasCustomPrompt="1" type="title"/>
+            <p:ph type="title" hasCustomPrompt="1"/>
           </p:nvPr>
         </p:nvSpPr>
         <p:spPr>
@@ -2338,7 +2372,7 @@
           </a:prstGeom>
         </p:spPr>
         <p:txBody>
-          <a:bodyPr anchorCtr="0" anchor="b" bIns="91425" lIns="91425" spcFirstLastPara="1" rIns="91425" wrap="square" tIns="91425">
+          <a:bodyPr spcFirstLastPara="1" wrap="square" lIns="91425" tIns="91425" rIns="91425" bIns="91425" anchor="b" anchorCtr="0">
             <a:normAutofit/>
           </a:bodyPr>
           <a:lstStyle>
@@ -2452,9 +2486,11 @@
       <p:sp>
         <p:nvSpPr>
           <p:cNvPr id="46" name="Google Shape;46;p11"/>
-          <p:cNvSpPr txBox="1"/>
+          <p:cNvSpPr txBox="1">
+            <a:spLocks noGrp="1"/>
+          </p:cNvSpPr>
           <p:nvPr>
-            <p:ph idx="1" type="body"/>
+            <p:ph type="body" idx="1"/>
           </p:nvPr>
         </p:nvSpPr>
         <p:spPr>
@@ -2467,11 +2503,11 @@
           </a:prstGeom>
         </p:spPr>
         <p:txBody>
-          <a:bodyPr anchorCtr="0" anchor="t" bIns="91425" lIns="91425" spcFirstLastPara="1" rIns="91425" wrap="square" tIns="91425">
+          <a:bodyPr spcFirstLastPara="1" wrap="square" lIns="91425" tIns="91425" rIns="91425" bIns="91425" anchor="t" anchorCtr="0">
             <a:normAutofit/>
           </a:bodyPr>
           <a:lstStyle>
-            <a:lvl1pPr indent="-342900" lvl="0" marL="457200" algn="ctr">
+            <a:lvl1pPr marL="457200" lvl="0" indent="-342900" algn="ctr">
               <a:spcBef>
                 <a:spcPts val="0"/>
               </a:spcBef>
@@ -2482,7 +2518,7 @@
               <a:buChar char="●"/>
               <a:defRPr/>
             </a:lvl1pPr>
-            <a:lvl2pPr indent="-317500" lvl="1" marL="914400" algn="ctr">
+            <a:lvl2pPr marL="914400" lvl="1" indent="-317500" algn="ctr">
               <a:spcBef>
                 <a:spcPts val="0"/>
               </a:spcBef>
@@ -2493,7 +2529,7 @@
               <a:buChar char="○"/>
               <a:defRPr/>
             </a:lvl2pPr>
-            <a:lvl3pPr indent="-317500" lvl="2" marL="1371600" algn="ctr">
+            <a:lvl3pPr marL="1371600" lvl="2" indent="-317500" algn="ctr">
               <a:spcBef>
                 <a:spcPts val="0"/>
               </a:spcBef>
@@ -2504,7 +2540,7 @@
               <a:buChar char="■"/>
               <a:defRPr/>
             </a:lvl3pPr>
-            <a:lvl4pPr indent="-317500" lvl="3" marL="1828800" algn="ctr">
+            <a:lvl4pPr marL="1828800" lvl="3" indent="-317500" algn="ctr">
               <a:spcBef>
                 <a:spcPts val="0"/>
               </a:spcBef>
@@ -2515,7 +2551,7 @@
               <a:buChar char="●"/>
               <a:defRPr/>
             </a:lvl4pPr>
-            <a:lvl5pPr indent="-317500" lvl="4" marL="2286000" algn="ctr">
+            <a:lvl5pPr marL="2286000" lvl="4" indent="-317500" algn="ctr">
               <a:spcBef>
                 <a:spcPts val="0"/>
               </a:spcBef>
@@ -2526,7 +2562,7 @@
               <a:buChar char="○"/>
               <a:defRPr/>
             </a:lvl5pPr>
-            <a:lvl6pPr indent="-317500" lvl="5" marL="2743200" algn="ctr">
+            <a:lvl6pPr marL="2743200" lvl="5" indent="-317500" algn="ctr">
               <a:spcBef>
                 <a:spcPts val="0"/>
               </a:spcBef>
@@ -2537,7 +2573,7 @@
               <a:buChar char="■"/>
               <a:defRPr/>
             </a:lvl6pPr>
-            <a:lvl7pPr indent="-317500" lvl="6" marL="3200400" algn="ctr">
+            <a:lvl7pPr marL="3200400" lvl="6" indent="-317500" algn="ctr">
               <a:spcBef>
                 <a:spcPts val="0"/>
               </a:spcBef>
@@ -2548,7 +2584,7 @@
               <a:buChar char="●"/>
               <a:defRPr/>
             </a:lvl7pPr>
-            <a:lvl8pPr indent="-317500" lvl="7" marL="3657600" algn="ctr">
+            <a:lvl8pPr marL="3657600" lvl="7" indent="-317500" algn="ctr">
               <a:spcBef>
                 <a:spcPts val="0"/>
               </a:spcBef>
@@ -2559,7 +2595,7 @@
               <a:buChar char="○"/>
               <a:defRPr/>
             </a:lvl8pPr>
-            <a:lvl9pPr indent="-317500" lvl="8" marL="4114800" algn="ctr">
+            <a:lvl9pPr marL="4114800" lvl="8" indent="-317500" algn="ctr">
               <a:spcBef>
                 <a:spcPts val="0"/>
               </a:spcBef>
@@ -2571,15 +2607,19 @@
               <a:defRPr/>
             </a:lvl9pPr>
           </a:lstStyle>
-          <a:p/>
+          <a:p>
+            <a:endParaRPr/>
+          </a:p>
         </p:txBody>
       </p:sp>
       <p:sp>
         <p:nvSpPr>
           <p:cNvPr id="47" name="Google Shape;47;p11"/>
-          <p:cNvSpPr txBox="1"/>
+          <p:cNvSpPr txBox="1">
+            <a:spLocks noGrp="1"/>
+          </p:cNvSpPr>
           <p:nvPr>
-            <p:ph idx="12" type="sldNum"/>
+            <p:ph type="sldNum" idx="12"/>
           </p:nvPr>
         </p:nvSpPr>
         <p:spPr>
@@ -2592,7 +2632,7 @@
           </a:prstGeom>
         </p:spPr>
         <p:txBody>
-          <a:bodyPr anchorCtr="0" anchor="ctr" bIns="91425" lIns="91425" spcFirstLastPara="1" rIns="91425" wrap="square" tIns="91425">
+          <a:bodyPr spcFirstLastPara="1" wrap="square" lIns="91425" tIns="91425" rIns="91425" bIns="91425" anchor="ctr" anchorCtr="0">
             <a:normAutofit/>
           </a:bodyPr>
           <a:lstStyle>
@@ -2634,7 +2674,7 @@
             </a:lvl9pPr>
           </a:lstStyle>
           <a:p>
-            <a:pPr indent="0" lvl="0" marL="0" rtl="0" algn="r">
+            <a:pPr marL="0" lvl="0" indent="0" algn="r" rtl="0">
               <a:spcBef>
                 <a:spcPts val="0"/>
               </a:spcBef>
@@ -2660,11 +2700,11 @@
 </file>
 
 <file path=ppt/slideLayouts/slideLayout11.xml><?xml version="1.0" encoding="utf-8"?>
-<p:sldLayout xmlns:a="http://schemas.openxmlformats.org/drawingml/2006/main" xmlns:r="http://schemas.openxmlformats.org/officeDocument/2006/relationships" xmlns:mc="http://schemas.openxmlformats.org/markup-compatibility/2006" xmlns:mv="urn:schemas-microsoft-com:mac:vml" xmlns:p="http://schemas.openxmlformats.org/presentationml/2006/main" xmlns:c="http://schemas.openxmlformats.org/drawingml/2006/chart" xmlns:dgm="http://schemas.openxmlformats.org/drawingml/2006/diagram" xmlns:o="urn:schemas-microsoft-com:office:office" xmlns:v="urn:schemas-microsoft-com:vml" xmlns:pvml="urn:schemas-microsoft-com:office:powerpoint" xmlns:com="http://schemas.openxmlformats.org/drawingml/2006/compatibility" xmlns:p14="http://schemas.microsoft.com/office/powerpoint/2010/main" xmlns:p15="http://schemas.microsoft.com/office/powerpoint/2012/main" xmlns:ahyp="http://schemas.microsoft.com/office/drawing/2018/hyperlinkcolor" matchingName="Blank" type="blank">
+<p:sldLayout xmlns:a="http://schemas.openxmlformats.org/drawingml/2006/main" xmlns:r="http://schemas.openxmlformats.org/officeDocument/2006/relationships" xmlns:p="http://schemas.openxmlformats.org/presentationml/2006/main" matchingName="Blank" type="blank">
   <p:cSld name="BLANK">
     <p:spTree>
       <p:nvGrpSpPr>
-        <p:cNvPr id="48" name="Shape 48"/>
+        <p:cNvPr id="1" name="Shape 48"/>
         <p:cNvGrpSpPr/>
         <p:nvPr/>
       </p:nvGrpSpPr>
@@ -2679,9 +2719,11 @@
       <p:sp>
         <p:nvSpPr>
           <p:cNvPr id="49" name="Google Shape;49;p12"/>
-          <p:cNvSpPr txBox="1"/>
+          <p:cNvSpPr txBox="1">
+            <a:spLocks noGrp="1"/>
+          </p:cNvSpPr>
           <p:nvPr>
-            <p:ph idx="12" type="sldNum"/>
+            <p:ph type="sldNum" idx="12"/>
           </p:nvPr>
         </p:nvSpPr>
         <p:spPr>
@@ -2694,7 +2736,7 @@
           </a:prstGeom>
         </p:spPr>
         <p:txBody>
-          <a:bodyPr anchorCtr="0" anchor="ctr" bIns="91425" lIns="91425" spcFirstLastPara="1" rIns="91425" wrap="square" tIns="91425">
+          <a:bodyPr spcFirstLastPara="1" wrap="square" lIns="91425" tIns="91425" rIns="91425" bIns="91425" anchor="ctr" anchorCtr="0">
             <a:normAutofit/>
           </a:bodyPr>
           <a:lstStyle>
@@ -2736,7 +2778,7 @@
             </a:lvl9pPr>
           </a:lstStyle>
           <a:p>
-            <a:pPr indent="0" lvl="0" marL="0" rtl="0" algn="r">
+            <a:pPr marL="0" lvl="0" indent="0" algn="r" rtl="0">
               <a:spcBef>
                 <a:spcPts val="0"/>
               </a:spcBef>
@@ -2755,7 +2797,7 @@
       </p:sp>
       <p:pic>
         <p:nvPicPr>
-          <p:cNvPr descr="A logo with yellow and blue text&#10;&#10;Description automatically generated" id="50" name="Google Shape;50;p12"/>
+          <p:cNvPr id="50" name="Google Shape;50;p12" descr="A logo with yellow and blue text&#10;&#10;Description automatically generated"/>
           <p:cNvPicPr preferRelativeResize="0"/>
           <p:nvPr/>
         </p:nvPicPr>
@@ -2763,7 +2805,7 @@
           <a:blip r:embed="rId2">
             <a:alphaModFix/>
           </a:blip>
-          <a:srcRect b="0" l="0" r="0" t="0"/>
+          <a:srcRect/>
           <a:stretch/>
         </p:blipFill>
         <p:spPr>
@@ -2789,11 +2831,11 @@
 </file>
 
 <file path=ppt/slideLayouts/slideLayout2.xml><?xml version="1.0" encoding="utf-8"?>
-<p:sldLayout xmlns:a="http://schemas.openxmlformats.org/drawingml/2006/main" xmlns:r="http://schemas.openxmlformats.org/officeDocument/2006/relationships" xmlns:mc="http://schemas.openxmlformats.org/markup-compatibility/2006" xmlns:mv="urn:schemas-microsoft-com:mac:vml" xmlns:p="http://schemas.openxmlformats.org/presentationml/2006/main" xmlns:c="http://schemas.openxmlformats.org/drawingml/2006/chart" xmlns:dgm="http://schemas.openxmlformats.org/drawingml/2006/diagram" xmlns:o="urn:schemas-microsoft-com:office:office" xmlns:v="urn:schemas-microsoft-com:vml" xmlns:pvml="urn:schemas-microsoft-com:office:powerpoint" xmlns:com="http://schemas.openxmlformats.org/drawingml/2006/compatibility" xmlns:p14="http://schemas.microsoft.com/office/powerpoint/2010/main" xmlns:p15="http://schemas.microsoft.com/office/powerpoint/2012/main" xmlns:ahyp="http://schemas.microsoft.com/office/drawing/2018/hyperlinkcolor" matchingName="Section header" type="secHead">
+<p:sldLayout xmlns:a="http://schemas.openxmlformats.org/drawingml/2006/main" xmlns:r="http://schemas.openxmlformats.org/officeDocument/2006/relationships" xmlns:p="http://schemas.openxmlformats.org/presentationml/2006/main" matchingName="Section header" type="secHead">
   <p:cSld name="SECTION_HEADER">
     <p:spTree>
       <p:nvGrpSpPr>
-        <p:cNvPr id="13" name="Shape 13"/>
+        <p:cNvPr id="1" name="Shape 13"/>
         <p:cNvGrpSpPr/>
         <p:nvPr/>
       </p:nvGrpSpPr>
@@ -2808,7 +2850,9 @@
       <p:sp>
         <p:nvSpPr>
           <p:cNvPr id="14" name="Google Shape;14;p3"/>
-          <p:cNvSpPr txBox="1"/>
+          <p:cNvSpPr txBox="1">
+            <a:spLocks noGrp="1"/>
+          </p:cNvSpPr>
           <p:nvPr>
             <p:ph type="title"/>
           </p:nvPr>
@@ -2823,7 +2867,7 @@
           </a:prstGeom>
         </p:spPr>
         <p:txBody>
-          <a:bodyPr anchorCtr="0" anchor="ctr" bIns="91425" lIns="91425" spcFirstLastPara="1" rIns="91425" wrap="square" tIns="91425">
+          <a:bodyPr spcFirstLastPara="1" wrap="square" lIns="91425" tIns="91425" rIns="91425" bIns="91425" anchor="ctr" anchorCtr="0">
             <a:normAutofit/>
           </a:bodyPr>
           <a:lstStyle>
@@ -2927,15 +2971,19 @@
               <a:defRPr sz="3600"/>
             </a:lvl9pPr>
           </a:lstStyle>
-          <a:p/>
+          <a:p>
+            <a:endParaRPr/>
+          </a:p>
         </p:txBody>
       </p:sp>
       <p:sp>
         <p:nvSpPr>
           <p:cNvPr id="15" name="Google Shape;15;p3"/>
-          <p:cNvSpPr txBox="1"/>
+          <p:cNvSpPr txBox="1">
+            <a:spLocks noGrp="1"/>
+          </p:cNvSpPr>
           <p:nvPr>
-            <p:ph idx="12" type="sldNum"/>
+            <p:ph type="sldNum" idx="12"/>
           </p:nvPr>
         </p:nvSpPr>
         <p:spPr>
@@ -2948,7 +2996,7 @@
           </a:prstGeom>
         </p:spPr>
         <p:txBody>
-          <a:bodyPr anchorCtr="0" anchor="ctr" bIns="91425" lIns="91425" spcFirstLastPara="1" rIns="91425" wrap="square" tIns="91425">
+          <a:bodyPr spcFirstLastPara="1" wrap="square" lIns="91425" tIns="91425" rIns="91425" bIns="91425" anchor="ctr" anchorCtr="0">
             <a:normAutofit/>
           </a:bodyPr>
           <a:lstStyle>
@@ -2990,7 +3038,7 @@
             </a:lvl9pPr>
           </a:lstStyle>
           <a:p>
-            <a:pPr indent="0" lvl="0" marL="0" rtl="0" algn="r">
+            <a:pPr marL="0" lvl="0" indent="0" algn="r" rtl="0">
               <a:spcBef>
                 <a:spcPts val="0"/>
               </a:spcBef>
@@ -3016,11 +3064,11 @@
 </file>
 
 <file path=ppt/slideLayouts/slideLayout3.xml><?xml version="1.0" encoding="utf-8"?>
-<p:sldLayout xmlns:a="http://schemas.openxmlformats.org/drawingml/2006/main" xmlns:r="http://schemas.openxmlformats.org/officeDocument/2006/relationships" xmlns:mc="http://schemas.openxmlformats.org/markup-compatibility/2006" xmlns:mv="urn:schemas-microsoft-com:mac:vml" xmlns:p="http://schemas.openxmlformats.org/presentationml/2006/main" xmlns:c="http://schemas.openxmlformats.org/drawingml/2006/chart" xmlns:dgm="http://schemas.openxmlformats.org/drawingml/2006/diagram" xmlns:o="urn:schemas-microsoft-com:office:office" xmlns:v="urn:schemas-microsoft-com:vml" xmlns:pvml="urn:schemas-microsoft-com:office:powerpoint" xmlns:com="http://schemas.openxmlformats.org/drawingml/2006/compatibility" xmlns:p14="http://schemas.microsoft.com/office/powerpoint/2010/main" xmlns:p15="http://schemas.microsoft.com/office/powerpoint/2012/main" xmlns:ahyp="http://schemas.microsoft.com/office/drawing/2018/hyperlinkcolor" matchingName="Title and body" type="tx">
+<p:sldLayout xmlns:a="http://schemas.openxmlformats.org/drawingml/2006/main" xmlns:r="http://schemas.openxmlformats.org/officeDocument/2006/relationships" xmlns:p="http://schemas.openxmlformats.org/presentationml/2006/main" matchingName="Title and body" type="tx">
   <p:cSld name="TITLE_AND_BODY">
     <p:spTree>
       <p:nvGrpSpPr>
-        <p:cNvPr id="16" name="Shape 16"/>
+        <p:cNvPr id="1" name="Shape 16"/>
         <p:cNvGrpSpPr/>
         <p:nvPr/>
       </p:nvGrpSpPr>
@@ -3035,7 +3083,9 @@
       <p:sp>
         <p:nvSpPr>
           <p:cNvPr id="17" name="Google Shape;17;p4"/>
-          <p:cNvSpPr txBox="1"/>
+          <p:cNvSpPr txBox="1">
+            <a:spLocks noGrp="1"/>
+          </p:cNvSpPr>
           <p:nvPr>
             <p:ph type="title"/>
           </p:nvPr>
@@ -3050,7 +3100,7 @@
           </a:prstGeom>
         </p:spPr>
         <p:txBody>
-          <a:bodyPr anchorCtr="0" anchor="t" bIns="91425" lIns="91425" spcFirstLastPara="1" rIns="91425" wrap="square" tIns="91425">
+          <a:bodyPr spcFirstLastPara="1" wrap="square" lIns="91425" tIns="91425" rIns="91425" bIns="91425" anchor="t" anchorCtr="0">
             <a:normAutofit/>
           </a:bodyPr>
           <a:lstStyle>
@@ -3154,15 +3204,19 @@
               <a:defRPr/>
             </a:lvl9pPr>
           </a:lstStyle>
-          <a:p/>
+          <a:p>
+            <a:endParaRPr/>
+          </a:p>
         </p:txBody>
       </p:sp>
       <p:sp>
         <p:nvSpPr>
           <p:cNvPr id="18" name="Google Shape;18;p4"/>
-          <p:cNvSpPr txBox="1"/>
+          <p:cNvSpPr txBox="1">
+            <a:spLocks noGrp="1"/>
+          </p:cNvSpPr>
           <p:nvPr>
-            <p:ph idx="1" type="body"/>
+            <p:ph type="body" idx="1"/>
           </p:nvPr>
         </p:nvSpPr>
         <p:spPr>
@@ -3175,11 +3229,11 @@
           </a:prstGeom>
         </p:spPr>
         <p:txBody>
-          <a:bodyPr anchorCtr="0" anchor="t" bIns="91425" lIns="91425" spcFirstLastPara="1" rIns="91425" wrap="square" tIns="91425">
+          <a:bodyPr spcFirstLastPara="1" wrap="square" lIns="91425" tIns="91425" rIns="91425" bIns="91425" anchor="t" anchorCtr="0">
             <a:normAutofit/>
           </a:bodyPr>
           <a:lstStyle>
-            <a:lvl1pPr indent="-342900" lvl="0" marL="457200">
+            <a:lvl1pPr marL="457200" lvl="0" indent="-342900">
               <a:spcBef>
                 <a:spcPts val="0"/>
               </a:spcBef>
@@ -3190,7 +3244,7 @@
               <a:buChar char="●"/>
               <a:defRPr/>
             </a:lvl1pPr>
-            <a:lvl2pPr indent="-317500" lvl="1" marL="914400">
+            <a:lvl2pPr marL="914400" lvl="1" indent="-317500">
               <a:spcBef>
                 <a:spcPts val="0"/>
               </a:spcBef>
@@ -3201,7 +3255,7 @@
               <a:buChar char="○"/>
               <a:defRPr/>
             </a:lvl2pPr>
-            <a:lvl3pPr indent="-317500" lvl="2" marL="1371600">
+            <a:lvl3pPr marL="1371600" lvl="2" indent="-317500">
               <a:spcBef>
                 <a:spcPts val="0"/>
               </a:spcBef>
@@ -3212,7 +3266,7 @@
               <a:buChar char="■"/>
               <a:defRPr/>
             </a:lvl3pPr>
-            <a:lvl4pPr indent="-317500" lvl="3" marL="1828800">
+            <a:lvl4pPr marL="1828800" lvl="3" indent="-317500">
               <a:spcBef>
                 <a:spcPts val="0"/>
               </a:spcBef>
@@ -3223,7 +3277,7 @@
               <a:buChar char="●"/>
               <a:defRPr/>
             </a:lvl4pPr>
-            <a:lvl5pPr indent="-317500" lvl="4" marL="2286000">
+            <a:lvl5pPr marL="2286000" lvl="4" indent="-317500">
               <a:spcBef>
                 <a:spcPts val="0"/>
               </a:spcBef>
@@ -3234,7 +3288,7 @@
               <a:buChar char="○"/>
               <a:defRPr/>
             </a:lvl5pPr>
-            <a:lvl6pPr indent="-317500" lvl="5" marL="2743200">
+            <a:lvl6pPr marL="2743200" lvl="5" indent="-317500">
               <a:spcBef>
                 <a:spcPts val="0"/>
               </a:spcBef>
@@ -3245,7 +3299,7 @@
               <a:buChar char="■"/>
               <a:defRPr/>
             </a:lvl6pPr>
-            <a:lvl7pPr indent="-317500" lvl="6" marL="3200400">
+            <a:lvl7pPr marL="3200400" lvl="6" indent="-317500">
               <a:spcBef>
                 <a:spcPts val="0"/>
               </a:spcBef>
@@ -3256,7 +3310,7 @@
               <a:buChar char="●"/>
               <a:defRPr/>
             </a:lvl7pPr>
-            <a:lvl8pPr indent="-317500" lvl="7" marL="3657600">
+            <a:lvl8pPr marL="3657600" lvl="7" indent="-317500">
               <a:spcBef>
                 <a:spcPts val="0"/>
               </a:spcBef>
@@ -3267,7 +3321,7 @@
               <a:buChar char="○"/>
               <a:defRPr/>
             </a:lvl8pPr>
-            <a:lvl9pPr indent="-317500" lvl="8" marL="4114800">
+            <a:lvl9pPr marL="4114800" lvl="8" indent="-317500">
               <a:spcBef>
                 <a:spcPts val="0"/>
               </a:spcBef>
@@ -3279,15 +3333,19 @@
               <a:defRPr/>
             </a:lvl9pPr>
           </a:lstStyle>
-          <a:p/>
+          <a:p>
+            <a:endParaRPr/>
+          </a:p>
         </p:txBody>
       </p:sp>
       <p:sp>
         <p:nvSpPr>
           <p:cNvPr id="19" name="Google Shape;19;p4"/>
-          <p:cNvSpPr txBox="1"/>
+          <p:cNvSpPr txBox="1">
+            <a:spLocks noGrp="1"/>
+          </p:cNvSpPr>
           <p:nvPr>
-            <p:ph idx="12" type="sldNum"/>
+            <p:ph type="sldNum" idx="12"/>
           </p:nvPr>
         </p:nvSpPr>
         <p:spPr>
@@ -3300,7 +3358,7 @@
           </a:prstGeom>
         </p:spPr>
         <p:txBody>
-          <a:bodyPr anchorCtr="0" anchor="ctr" bIns="91425" lIns="91425" spcFirstLastPara="1" rIns="91425" wrap="square" tIns="91425">
+          <a:bodyPr spcFirstLastPara="1" wrap="square" lIns="91425" tIns="91425" rIns="91425" bIns="91425" anchor="ctr" anchorCtr="0">
             <a:normAutofit/>
           </a:bodyPr>
           <a:lstStyle>
@@ -3342,7 +3400,7 @@
             </a:lvl9pPr>
           </a:lstStyle>
           <a:p>
-            <a:pPr indent="0" lvl="0" marL="0" rtl="0" algn="r">
+            <a:pPr marL="0" lvl="0" indent="0" algn="r" rtl="0">
               <a:spcBef>
                 <a:spcPts val="0"/>
               </a:spcBef>
@@ -3368,11 +3426,11 @@
 </file>
 
 <file path=ppt/slideLayouts/slideLayout4.xml><?xml version="1.0" encoding="utf-8"?>
-<p:sldLayout xmlns:a="http://schemas.openxmlformats.org/drawingml/2006/main" xmlns:r="http://schemas.openxmlformats.org/officeDocument/2006/relationships" xmlns:mc="http://schemas.openxmlformats.org/markup-compatibility/2006" xmlns:mv="urn:schemas-microsoft-com:mac:vml" xmlns:p="http://schemas.openxmlformats.org/presentationml/2006/main" xmlns:c="http://schemas.openxmlformats.org/drawingml/2006/chart" xmlns:dgm="http://schemas.openxmlformats.org/drawingml/2006/diagram" xmlns:o="urn:schemas-microsoft-com:office:office" xmlns:v="urn:schemas-microsoft-com:vml" xmlns:pvml="urn:schemas-microsoft-com:office:powerpoint" xmlns:com="http://schemas.openxmlformats.org/drawingml/2006/compatibility" xmlns:p14="http://schemas.microsoft.com/office/powerpoint/2010/main" xmlns:p15="http://schemas.microsoft.com/office/powerpoint/2012/main" xmlns:ahyp="http://schemas.microsoft.com/office/drawing/2018/hyperlinkcolor" matchingName="Title and two columns" type="twoColTx">
+<p:sldLayout xmlns:a="http://schemas.openxmlformats.org/drawingml/2006/main" xmlns:r="http://schemas.openxmlformats.org/officeDocument/2006/relationships" xmlns:p="http://schemas.openxmlformats.org/presentationml/2006/main" matchingName="Title and two columns" type="twoColTx">
   <p:cSld name="TITLE_AND_TWO_COLUMNS">
     <p:spTree>
       <p:nvGrpSpPr>
-        <p:cNvPr id="20" name="Shape 20"/>
+        <p:cNvPr id="1" name="Shape 20"/>
         <p:cNvGrpSpPr/>
         <p:nvPr/>
       </p:nvGrpSpPr>
@@ -3387,7 +3445,9 @@
       <p:sp>
         <p:nvSpPr>
           <p:cNvPr id="21" name="Google Shape;21;p5"/>
-          <p:cNvSpPr txBox="1"/>
+          <p:cNvSpPr txBox="1">
+            <a:spLocks noGrp="1"/>
+          </p:cNvSpPr>
           <p:nvPr>
             <p:ph type="title"/>
           </p:nvPr>
@@ -3402,7 +3462,7 @@
           </a:prstGeom>
         </p:spPr>
         <p:txBody>
-          <a:bodyPr anchorCtr="0" anchor="t" bIns="91425" lIns="91425" spcFirstLastPara="1" rIns="91425" wrap="square" tIns="91425">
+          <a:bodyPr spcFirstLastPara="1" wrap="square" lIns="91425" tIns="91425" rIns="91425" bIns="91425" anchor="t" anchorCtr="0">
             <a:normAutofit/>
           </a:bodyPr>
           <a:lstStyle>
@@ -3506,15 +3566,19 @@
               <a:defRPr/>
             </a:lvl9pPr>
           </a:lstStyle>
-          <a:p/>
+          <a:p>
+            <a:endParaRPr/>
+          </a:p>
         </p:txBody>
       </p:sp>
       <p:sp>
         <p:nvSpPr>
           <p:cNvPr id="22" name="Google Shape;22;p5"/>
-          <p:cNvSpPr txBox="1"/>
+          <p:cNvSpPr txBox="1">
+            <a:spLocks noGrp="1"/>
+          </p:cNvSpPr>
           <p:nvPr>
-            <p:ph idx="1" type="body"/>
+            <p:ph type="body" idx="1"/>
           </p:nvPr>
         </p:nvSpPr>
         <p:spPr>
@@ -3527,11 +3591,11 @@
           </a:prstGeom>
         </p:spPr>
         <p:txBody>
-          <a:bodyPr anchorCtr="0" anchor="t" bIns="91425" lIns="91425" spcFirstLastPara="1" rIns="91425" wrap="square" tIns="91425">
+          <a:bodyPr spcFirstLastPara="1" wrap="square" lIns="91425" tIns="91425" rIns="91425" bIns="91425" anchor="t" anchorCtr="0">
             <a:normAutofit/>
           </a:bodyPr>
           <a:lstStyle>
-            <a:lvl1pPr indent="-317500" lvl="0" marL="457200">
+            <a:lvl1pPr marL="457200" lvl="0" indent="-317500">
               <a:spcBef>
                 <a:spcPts val="0"/>
               </a:spcBef>
@@ -3542,7 +3606,7 @@
               <a:buChar char="●"/>
               <a:defRPr sz="1400"/>
             </a:lvl1pPr>
-            <a:lvl2pPr indent="-304800" lvl="1" marL="914400">
+            <a:lvl2pPr marL="914400" lvl="1" indent="-304800">
               <a:spcBef>
                 <a:spcPts val="0"/>
               </a:spcBef>
@@ -3553,7 +3617,7 @@
               <a:buChar char="○"/>
               <a:defRPr sz="1200"/>
             </a:lvl2pPr>
-            <a:lvl3pPr indent="-304800" lvl="2" marL="1371600">
+            <a:lvl3pPr marL="1371600" lvl="2" indent="-304800">
               <a:spcBef>
                 <a:spcPts val="0"/>
               </a:spcBef>
@@ -3564,7 +3628,7 @@
               <a:buChar char="■"/>
               <a:defRPr sz="1200"/>
             </a:lvl3pPr>
-            <a:lvl4pPr indent="-304800" lvl="3" marL="1828800">
+            <a:lvl4pPr marL="1828800" lvl="3" indent="-304800">
               <a:spcBef>
                 <a:spcPts val="0"/>
               </a:spcBef>
@@ -3575,7 +3639,7 @@
               <a:buChar char="●"/>
               <a:defRPr sz="1200"/>
             </a:lvl4pPr>
-            <a:lvl5pPr indent="-304800" lvl="4" marL="2286000">
+            <a:lvl5pPr marL="2286000" lvl="4" indent="-304800">
               <a:spcBef>
                 <a:spcPts val="0"/>
               </a:spcBef>
@@ -3586,7 +3650,7 @@
               <a:buChar char="○"/>
               <a:defRPr sz="1200"/>
             </a:lvl5pPr>
-            <a:lvl6pPr indent="-304800" lvl="5" marL="2743200">
+            <a:lvl6pPr marL="2743200" lvl="5" indent="-304800">
               <a:spcBef>
                 <a:spcPts val="0"/>
               </a:spcBef>
@@ -3597,7 +3661,7 @@
               <a:buChar char="■"/>
               <a:defRPr sz="1200"/>
             </a:lvl6pPr>
-            <a:lvl7pPr indent="-304800" lvl="6" marL="3200400">
+            <a:lvl7pPr marL="3200400" lvl="6" indent="-304800">
               <a:spcBef>
                 <a:spcPts val="0"/>
               </a:spcBef>
@@ -3608,7 +3672,7 @@
               <a:buChar char="●"/>
               <a:defRPr sz="1200"/>
             </a:lvl7pPr>
-            <a:lvl8pPr indent="-304800" lvl="7" marL="3657600">
+            <a:lvl8pPr marL="3657600" lvl="7" indent="-304800">
               <a:spcBef>
                 <a:spcPts val="0"/>
               </a:spcBef>
@@ -3619,7 +3683,7 @@
               <a:buChar char="○"/>
               <a:defRPr sz="1200"/>
             </a:lvl8pPr>
-            <a:lvl9pPr indent="-304800" lvl="8" marL="4114800">
+            <a:lvl9pPr marL="4114800" lvl="8" indent="-304800">
               <a:spcBef>
                 <a:spcPts val="0"/>
               </a:spcBef>
@@ -3631,15 +3695,19 @@
               <a:defRPr sz="1200"/>
             </a:lvl9pPr>
           </a:lstStyle>
-          <a:p/>
+          <a:p>
+            <a:endParaRPr/>
+          </a:p>
         </p:txBody>
       </p:sp>
       <p:sp>
         <p:nvSpPr>
           <p:cNvPr id="23" name="Google Shape;23;p5"/>
-          <p:cNvSpPr txBox="1"/>
+          <p:cNvSpPr txBox="1">
+            <a:spLocks noGrp="1"/>
+          </p:cNvSpPr>
           <p:nvPr>
-            <p:ph idx="2" type="body"/>
+            <p:ph type="body" idx="2"/>
           </p:nvPr>
         </p:nvSpPr>
         <p:spPr>
@@ -3652,11 +3720,11 @@
           </a:prstGeom>
         </p:spPr>
         <p:txBody>
-          <a:bodyPr anchorCtr="0" anchor="t" bIns="91425" lIns="91425" spcFirstLastPara="1" rIns="91425" wrap="square" tIns="91425">
+          <a:bodyPr spcFirstLastPara="1" wrap="square" lIns="91425" tIns="91425" rIns="91425" bIns="91425" anchor="t" anchorCtr="0">
             <a:normAutofit/>
           </a:bodyPr>
           <a:lstStyle>
-            <a:lvl1pPr indent="-317500" lvl="0" marL="457200">
+            <a:lvl1pPr marL="457200" lvl="0" indent="-317500">
               <a:spcBef>
                 <a:spcPts val="0"/>
               </a:spcBef>
@@ -3667,7 +3735,7 @@
               <a:buChar char="●"/>
               <a:defRPr sz="1400"/>
             </a:lvl1pPr>
-            <a:lvl2pPr indent="-304800" lvl="1" marL="914400">
+            <a:lvl2pPr marL="914400" lvl="1" indent="-304800">
               <a:spcBef>
                 <a:spcPts val="0"/>
               </a:spcBef>
@@ -3678,7 +3746,7 @@
               <a:buChar char="○"/>
               <a:defRPr sz="1200"/>
             </a:lvl2pPr>
-            <a:lvl3pPr indent="-304800" lvl="2" marL="1371600">
+            <a:lvl3pPr marL="1371600" lvl="2" indent="-304800">
               <a:spcBef>
                 <a:spcPts val="0"/>
               </a:spcBef>
@@ -3689,7 +3757,7 @@
               <a:buChar char="■"/>
               <a:defRPr sz="1200"/>
             </a:lvl3pPr>
-            <a:lvl4pPr indent="-304800" lvl="3" marL="1828800">
+            <a:lvl4pPr marL="1828800" lvl="3" indent="-304800">
               <a:spcBef>
                 <a:spcPts val="0"/>
               </a:spcBef>
@@ -3700,7 +3768,7 @@
               <a:buChar char="●"/>
               <a:defRPr sz="1200"/>
             </a:lvl4pPr>
-            <a:lvl5pPr indent="-304800" lvl="4" marL="2286000">
+            <a:lvl5pPr marL="2286000" lvl="4" indent="-304800">
               <a:spcBef>
                 <a:spcPts val="0"/>
               </a:spcBef>
@@ -3711,7 +3779,7 @@
               <a:buChar char="○"/>
               <a:defRPr sz="1200"/>
             </a:lvl5pPr>
-            <a:lvl6pPr indent="-304800" lvl="5" marL="2743200">
+            <a:lvl6pPr marL="2743200" lvl="5" indent="-304800">
               <a:spcBef>
                 <a:spcPts val="0"/>
               </a:spcBef>
@@ -3722,7 +3790,7 @@
               <a:buChar char="■"/>
               <a:defRPr sz="1200"/>
             </a:lvl6pPr>
-            <a:lvl7pPr indent="-304800" lvl="6" marL="3200400">
+            <a:lvl7pPr marL="3200400" lvl="6" indent="-304800">
               <a:spcBef>
                 <a:spcPts val="0"/>
               </a:spcBef>
@@ -3733,7 +3801,7 @@
               <a:buChar char="●"/>
               <a:defRPr sz="1200"/>
             </a:lvl7pPr>
-            <a:lvl8pPr indent="-304800" lvl="7" marL="3657600">
+            <a:lvl8pPr marL="3657600" lvl="7" indent="-304800">
               <a:spcBef>
                 <a:spcPts val="0"/>
               </a:spcBef>
@@ -3744,7 +3812,7 @@
               <a:buChar char="○"/>
               <a:defRPr sz="1200"/>
             </a:lvl8pPr>
-            <a:lvl9pPr indent="-304800" lvl="8" marL="4114800">
+            <a:lvl9pPr marL="4114800" lvl="8" indent="-304800">
               <a:spcBef>
                 <a:spcPts val="0"/>
               </a:spcBef>
@@ -3756,15 +3824,19 @@
               <a:defRPr sz="1200"/>
             </a:lvl9pPr>
           </a:lstStyle>
-          <a:p/>
+          <a:p>
+            <a:endParaRPr/>
+          </a:p>
         </p:txBody>
       </p:sp>
       <p:sp>
         <p:nvSpPr>
           <p:cNvPr id="24" name="Google Shape;24;p5"/>
-          <p:cNvSpPr txBox="1"/>
+          <p:cNvSpPr txBox="1">
+            <a:spLocks noGrp="1"/>
+          </p:cNvSpPr>
           <p:nvPr>
-            <p:ph idx="12" type="sldNum"/>
+            <p:ph type="sldNum" idx="12"/>
           </p:nvPr>
         </p:nvSpPr>
         <p:spPr>
@@ -3777,7 +3849,7 @@
           </a:prstGeom>
         </p:spPr>
         <p:txBody>
-          <a:bodyPr anchorCtr="0" anchor="ctr" bIns="91425" lIns="91425" spcFirstLastPara="1" rIns="91425" wrap="square" tIns="91425">
+          <a:bodyPr spcFirstLastPara="1" wrap="square" lIns="91425" tIns="91425" rIns="91425" bIns="91425" anchor="ctr" anchorCtr="0">
             <a:normAutofit/>
           </a:bodyPr>
           <a:lstStyle>
@@ -3819,7 +3891,7 @@
             </a:lvl9pPr>
           </a:lstStyle>
           <a:p>
-            <a:pPr indent="0" lvl="0" marL="0" rtl="0" algn="r">
+            <a:pPr marL="0" lvl="0" indent="0" algn="r" rtl="0">
               <a:spcBef>
                 <a:spcPts val="0"/>
               </a:spcBef>
@@ -3845,11 +3917,11 @@
 </file>
 
 <file path=ppt/slideLayouts/slideLayout5.xml><?xml version="1.0" encoding="utf-8"?>
-<p:sldLayout xmlns:a="http://schemas.openxmlformats.org/drawingml/2006/main" xmlns:r="http://schemas.openxmlformats.org/officeDocument/2006/relationships" xmlns:mc="http://schemas.openxmlformats.org/markup-compatibility/2006" xmlns:mv="urn:schemas-microsoft-com:mac:vml" xmlns:p="http://schemas.openxmlformats.org/presentationml/2006/main" xmlns:c="http://schemas.openxmlformats.org/drawingml/2006/chart" xmlns:dgm="http://schemas.openxmlformats.org/drawingml/2006/diagram" xmlns:o="urn:schemas-microsoft-com:office:office" xmlns:v="urn:schemas-microsoft-com:vml" xmlns:pvml="urn:schemas-microsoft-com:office:powerpoint" xmlns:com="http://schemas.openxmlformats.org/drawingml/2006/compatibility" xmlns:p14="http://schemas.microsoft.com/office/powerpoint/2010/main" xmlns:p15="http://schemas.microsoft.com/office/powerpoint/2012/main" xmlns:ahyp="http://schemas.microsoft.com/office/drawing/2018/hyperlinkcolor" matchingName="Title only" type="titleOnly">
+<p:sldLayout xmlns:a="http://schemas.openxmlformats.org/drawingml/2006/main" xmlns:r="http://schemas.openxmlformats.org/officeDocument/2006/relationships" xmlns:p="http://schemas.openxmlformats.org/presentationml/2006/main" matchingName="Title only" type="titleOnly">
   <p:cSld name="TITLE_ONLY">
     <p:spTree>
       <p:nvGrpSpPr>
-        <p:cNvPr id="25" name="Shape 25"/>
+        <p:cNvPr id="1" name="Shape 25"/>
         <p:cNvGrpSpPr/>
         <p:nvPr/>
       </p:nvGrpSpPr>
@@ -3864,7 +3936,9 @@
       <p:sp>
         <p:nvSpPr>
           <p:cNvPr id="26" name="Google Shape;26;p6"/>
-          <p:cNvSpPr txBox="1"/>
+          <p:cNvSpPr txBox="1">
+            <a:spLocks noGrp="1"/>
+          </p:cNvSpPr>
           <p:nvPr>
             <p:ph type="title"/>
           </p:nvPr>
@@ -3879,7 +3953,7 @@
           </a:prstGeom>
         </p:spPr>
         <p:txBody>
-          <a:bodyPr anchorCtr="0" anchor="t" bIns="91425" lIns="91425" spcFirstLastPara="1" rIns="91425" wrap="square" tIns="91425">
+          <a:bodyPr spcFirstLastPara="1" wrap="square" lIns="91425" tIns="91425" rIns="91425" bIns="91425" anchor="t" anchorCtr="0">
             <a:normAutofit/>
           </a:bodyPr>
           <a:lstStyle>
@@ -3983,15 +4057,19 @@
               <a:defRPr/>
             </a:lvl9pPr>
           </a:lstStyle>
-          <a:p/>
+          <a:p>
+            <a:endParaRPr/>
+          </a:p>
         </p:txBody>
       </p:sp>
       <p:sp>
         <p:nvSpPr>
           <p:cNvPr id="27" name="Google Shape;27;p6"/>
-          <p:cNvSpPr txBox="1"/>
+          <p:cNvSpPr txBox="1">
+            <a:spLocks noGrp="1"/>
+          </p:cNvSpPr>
           <p:nvPr>
-            <p:ph idx="12" type="sldNum"/>
+            <p:ph type="sldNum" idx="12"/>
           </p:nvPr>
         </p:nvSpPr>
         <p:spPr>
@@ -4004,7 +4082,7 @@
           </a:prstGeom>
         </p:spPr>
         <p:txBody>
-          <a:bodyPr anchorCtr="0" anchor="ctr" bIns="91425" lIns="91425" spcFirstLastPara="1" rIns="91425" wrap="square" tIns="91425">
+          <a:bodyPr spcFirstLastPara="1" wrap="square" lIns="91425" tIns="91425" rIns="91425" bIns="91425" anchor="ctr" anchorCtr="0">
             <a:normAutofit/>
           </a:bodyPr>
           <a:lstStyle>
@@ -4046,7 +4124,7 @@
             </a:lvl9pPr>
           </a:lstStyle>
           <a:p>
-            <a:pPr indent="0" lvl="0" marL="0" rtl="0" algn="r">
+            <a:pPr marL="0" lvl="0" indent="0" algn="r" rtl="0">
               <a:spcBef>
                 <a:spcPts val="0"/>
               </a:spcBef>
@@ -4072,11 +4150,11 @@
 </file>
 
 <file path=ppt/slideLayouts/slideLayout6.xml><?xml version="1.0" encoding="utf-8"?>
-<p:sldLayout xmlns:a="http://schemas.openxmlformats.org/drawingml/2006/main" xmlns:r="http://schemas.openxmlformats.org/officeDocument/2006/relationships" xmlns:mc="http://schemas.openxmlformats.org/markup-compatibility/2006" xmlns:mv="urn:schemas-microsoft-com:mac:vml" xmlns:p="http://schemas.openxmlformats.org/presentationml/2006/main" xmlns:c="http://schemas.openxmlformats.org/drawingml/2006/chart" xmlns:dgm="http://schemas.openxmlformats.org/drawingml/2006/diagram" xmlns:o="urn:schemas-microsoft-com:office:office" xmlns:v="urn:schemas-microsoft-com:vml" xmlns:pvml="urn:schemas-microsoft-com:office:powerpoint" xmlns:com="http://schemas.openxmlformats.org/drawingml/2006/compatibility" xmlns:p14="http://schemas.microsoft.com/office/powerpoint/2010/main" xmlns:p15="http://schemas.microsoft.com/office/powerpoint/2012/main" xmlns:ahyp="http://schemas.microsoft.com/office/drawing/2018/hyperlinkcolor" matchingName="One column text">
+<p:sldLayout xmlns:a="http://schemas.openxmlformats.org/drawingml/2006/main" xmlns:r="http://schemas.openxmlformats.org/officeDocument/2006/relationships" xmlns:p="http://schemas.openxmlformats.org/presentationml/2006/main" matchingName="One column text">
   <p:cSld name="ONE_COLUMN_TEXT">
     <p:spTree>
       <p:nvGrpSpPr>
-        <p:cNvPr id="28" name="Shape 28"/>
+        <p:cNvPr id="1" name="Shape 28"/>
         <p:cNvGrpSpPr/>
         <p:nvPr/>
       </p:nvGrpSpPr>
@@ -4091,7 +4169,9 @@
       <p:sp>
         <p:nvSpPr>
           <p:cNvPr id="29" name="Google Shape;29;p7"/>
-          <p:cNvSpPr txBox="1"/>
+          <p:cNvSpPr txBox="1">
+            <a:spLocks noGrp="1"/>
+          </p:cNvSpPr>
           <p:nvPr>
             <p:ph type="title"/>
           </p:nvPr>
@@ -4106,7 +4186,7 @@
           </a:prstGeom>
         </p:spPr>
         <p:txBody>
-          <a:bodyPr anchorCtr="0" anchor="b" bIns="91425" lIns="91425" spcFirstLastPara="1" rIns="91425" wrap="square" tIns="91425">
+          <a:bodyPr spcFirstLastPara="1" wrap="square" lIns="91425" tIns="91425" rIns="91425" bIns="91425" anchor="b" anchorCtr="0">
             <a:normAutofit/>
           </a:bodyPr>
           <a:lstStyle>
@@ -4210,15 +4290,19 @@
               <a:defRPr sz="2400"/>
             </a:lvl9pPr>
           </a:lstStyle>
-          <a:p/>
+          <a:p>
+            <a:endParaRPr/>
+          </a:p>
         </p:txBody>
       </p:sp>
       <p:sp>
         <p:nvSpPr>
           <p:cNvPr id="30" name="Google Shape;30;p7"/>
-          <p:cNvSpPr txBox="1"/>
+          <p:cNvSpPr txBox="1">
+            <a:spLocks noGrp="1"/>
+          </p:cNvSpPr>
           <p:nvPr>
-            <p:ph idx="1" type="body"/>
+            <p:ph type="body" idx="1"/>
           </p:nvPr>
         </p:nvSpPr>
         <p:spPr>
@@ -4231,11 +4315,11 @@
           </a:prstGeom>
         </p:spPr>
         <p:txBody>
-          <a:bodyPr anchorCtr="0" anchor="t" bIns="91425" lIns="91425" spcFirstLastPara="1" rIns="91425" wrap="square" tIns="91425">
+          <a:bodyPr spcFirstLastPara="1" wrap="square" lIns="91425" tIns="91425" rIns="91425" bIns="91425" anchor="t" anchorCtr="0">
             <a:normAutofit/>
           </a:bodyPr>
           <a:lstStyle>
-            <a:lvl1pPr indent="-304800" lvl="0" marL="457200">
+            <a:lvl1pPr marL="457200" lvl="0" indent="-304800">
               <a:spcBef>
                 <a:spcPts val="0"/>
               </a:spcBef>
@@ -4246,7 +4330,7 @@
               <a:buChar char="●"/>
               <a:defRPr sz="1200"/>
             </a:lvl1pPr>
-            <a:lvl2pPr indent="-304800" lvl="1" marL="914400">
+            <a:lvl2pPr marL="914400" lvl="1" indent="-304800">
               <a:spcBef>
                 <a:spcPts val="0"/>
               </a:spcBef>
@@ -4257,7 +4341,7 @@
               <a:buChar char="○"/>
               <a:defRPr sz="1200"/>
             </a:lvl2pPr>
-            <a:lvl3pPr indent="-304800" lvl="2" marL="1371600">
+            <a:lvl3pPr marL="1371600" lvl="2" indent="-304800">
               <a:spcBef>
                 <a:spcPts val="0"/>
               </a:spcBef>
@@ -4268,7 +4352,7 @@
               <a:buChar char="■"/>
               <a:defRPr sz="1200"/>
             </a:lvl3pPr>
-            <a:lvl4pPr indent="-304800" lvl="3" marL="1828800">
+            <a:lvl4pPr marL="1828800" lvl="3" indent="-304800">
               <a:spcBef>
                 <a:spcPts val="0"/>
               </a:spcBef>
@@ -4279,7 +4363,7 @@
               <a:buChar char="●"/>
               <a:defRPr sz="1200"/>
             </a:lvl4pPr>
-            <a:lvl5pPr indent="-304800" lvl="4" marL="2286000">
+            <a:lvl5pPr marL="2286000" lvl="4" indent="-304800">
               <a:spcBef>
                 <a:spcPts val="0"/>
               </a:spcBef>
@@ -4290,7 +4374,7 @@
               <a:buChar char="○"/>
               <a:defRPr sz="1200"/>
             </a:lvl5pPr>
-            <a:lvl6pPr indent="-304800" lvl="5" marL="2743200">
+            <a:lvl6pPr marL="2743200" lvl="5" indent="-304800">
               <a:spcBef>
                 <a:spcPts val="0"/>
               </a:spcBef>
@@ -4301,7 +4385,7 @@
               <a:buChar char="■"/>
               <a:defRPr sz="1200"/>
             </a:lvl6pPr>
-            <a:lvl7pPr indent="-304800" lvl="6" marL="3200400">
+            <a:lvl7pPr marL="3200400" lvl="6" indent="-304800">
               <a:spcBef>
                 <a:spcPts val="0"/>
               </a:spcBef>
@@ -4312,7 +4396,7 @@
               <a:buChar char="●"/>
               <a:defRPr sz="1200"/>
             </a:lvl7pPr>
-            <a:lvl8pPr indent="-304800" lvl="7" marL="3657600">
+            <a:lvl8pPr marL="3657600" lvl="7" indent="-304800">
               <a:spcBef>
                 <a:spcPts val="0"/>
               </a:spcBef>
@@ -4323,7 +4407,7 @@
               <a:buChar char="○"/>
               <a:defRPr sz="1200"/>
             </a:lvl8pPr>
-            <a:lvl9pPr indent="-304800" lvl="8" marL="4114800">
+            <a:lvl9pPr marL="4114800" lvl="8" indent="-304800">
               <a:spcBef>
                 <a:spcPts val="0"/>
               </a:spcBef>
@@ -4335,15 +4419,19 @@
               <a:defRPr sz="1200"/>
             </a:lvl9pPr>
           </a:lstStyle>
-          <a:p/>
+          <a:p>
+            <a:endParaRPr/>
+          </a:p>
         </p:txBody>
       </p:sp>
       <p:sp>
         <p:nvSpPr>
           <p:cNvPr id="31" name="Google Shape;31;p7"/>
-          <p:cNvSpPr txBox="1"/>
+          <p:cNvSpPr txBox="1">
+            <a:spLocks noGrp="1"/>
+          </p:cNvSpPr>
           <p:nvPr>
-            <p:ph idx="12" type="sldNum"/>
+            <p:ph type="sldNum" idx="12"/>
           </p:nvPr>
         </p:nvSpPr>
         <p:spPr>
@@ -4356,7 +4444,7 @@
           </a:prstGeom>
         </p:spPr>
         <p:txBody>
-          <a:bodyPr anchorCtr="0" anchor="ctr" bIns="91425" lIns="91425" spcFirstLastPara="1" rIns="91425" wrap="square" tIns="91425">
+          <a:bodyPr spcFirstLastPara="1" wrap="square" lIns="91425" tIns="91425" rIns="91425" bIns="91425" anchor="ctr" anchorCtr="0">
             <a:normAutofit/>
           </a:bodyPr>
           <a:lstStyle>
@@ -4398,7 +4486,7 @@
             </a:lvl9pPr>
           </a:lstStyle>
           <a:p>
-            <a:pPr indent="0" lvl="0" marL="0" rtl="0" algn="r">
+            <a:pPr marL="0" lvl="0" indent="0" algn="r" rtl="0">
               <a:spcBef>
                 <a:spcPts val="0"/>
               </a:spcBef>
@@ -4424,11 +4512,11 @@
 </file>
 
 <file path=ppt/slideLayouts/slideLayout7.xml><?xml version="1.0" encoding="utf-8"?>
-<p:sldLayout xmlns:a="http://schemas.openxmlformats.org/drawingml/2006/main" xmlns:r="http://schemas.openxmlformats.org/officeDocument/2006/relationships" xmlns:mc="http://schemas.openxmlformats.org/markup-compatibility/2006" xmlns:mv="urn:schemas-microsoft-com:mac:vml" xmlns:p="http://schemas.openxmlformats.org/presentationml/2006/main" xmlns:c="http://schemas.openxmlformats.org/drawingml/2006/chart" xmlns:dgm="http://schemas.openxmlformats.org/drawingml/2006/diagram" xmlns:o="urn:schemas-microsoft-com:office:office" xmlns:v="urn:schemas-microsoft-com:vml" xmlns:pvml="urn:schemas-microsoft-com:office:powerpoint" xmlns:com="http://schemas.openxmlformats.org/drawingml/2006/compatibility" xmlns:p14="http://schemas.microsoft.com/office/powerpoint/2010/main" xmlns:p15="http://schemas.microsoft.com/office/powerpoint/2012/main" xmlns:ahyp="http://schemas.microsoft.com/office/drawing/2018/hyperlinkcolor" matchingName="Main point">
+<p:sldLayout xmlns:a="http://schemas.openxmlformats.org/drawingml/2006/main" xmlns:r="http://schemas.openxmlformats.org/officeDocument/2006/relationships" xmlns:p="http://schemas.openxmlformats.org/presentationml/2006/main" matchingName="Main point">
   <p:cSld name="MAIN_POINT">
     <p:spTree>
       <p:nvGrpSpPr>
-        <p:cNvPr id="32" name="Shape 32"/>
+        <p:cNvPr id="1" name="Shape 32"/>
         <p:cNvGrpSpPr/>
         <p:nvPr/>
       </p:nvGrpSpPr>
@@ -4443,7 +4531,9 @@
       <p:sp>
         <p:nvSpPr>
           <p:cNvPr id="33" name="Google Shape;33;p8"/>
-          <p:cNvSpPr txBox="1"/>
+          <p:cNvSpPr txBox="1">
+            <a:spLocks noGrp="1"/>
+          </p:cNvSpPr>
           <p:nvPr>
             <p:ph type="title"/>
           </p:nvPr>
@@ -4458,7 +4548,7 @@
           </a:prstGeom>
         </p:spPr>
         <p:txBody>
-          <a:bodyPr anchorCtr="0" anchor="ctr" bIns="91425" lIns="91425" spcFirstLastPara="1" rIns="91425" wrap="square" tIns="91425">
+          <a:bodyPr spcFirstLastPara="1" wrap="square" lIns="91425" tIns="91425" rIns="91425" bIns="91425" anchor="ctr" anchorCtr="0">
             <a:normAutofit/>
           </a:bodyPr>
           <a:lstStyle>
@@ -4562,15 +4652,19 @@
               <a:defRPr sz="4800"/>
             </a:lvl9pPr>
           </a:lstStyle>
-          <a:p/>
+          <a:p>
+            <a:endParaRPr/>
+          </a:p>
         </p:txBody>
       </p:sp>
       <p:sp>
         <p:nvSpPr>
           <p:cNvPr id="34" name="Google Shape;34;p8"/>
-          <p:cNvSpPr txBox="1"/>
+          <p:cNvSpPr txBox="1">
+            <a:spLocks noGrp="1"/>
+          </p:cNvSpPr>
           <p:nvPr>
-            <p:ph idx="12" type="sldNum"/>
+            <p:ph type="sldNum" idx="12"/>
           </p:nvPr>
         </p:nvSpPr>
         <p:spPr>
@@ -4583,7 +4677,7 @@
           </a:prstGeom>
         </p:spPr>
         <p:txBody>
-          <a:bodyPr anchorCtr="0" anchor="ctr" bIns="91425" lIns="91425" spcFirstLastPara="1" rIns="91425" wrap="square" tIns="91425">
+          <a:bodyPr spcFirstLastPara="1" wrap="square" lIns="91425" tIns="91425" rIns="91425" bIns="91425" anchor="ctr" anchorCtr="0">
             <a:normAutofit/>
           </a:bodyPr>
           <a:lstStyle>
@@ -4625,7 +4719,7 @@
             </a:lvl9pPr>
           </a:lstStyle>
           <a:p>
-            <a:pPr indent="0" lvl="0" marL="0" rtl="0" algn="r">
+            <a:pPr marL="0" lvl="0" indent="0" algn="r" rtl="0">
               <a:spcBef>
                 <a:spcPts val="0"/>
               </a:spcBef>
@@ -4651,11 +4745,11 @@
 </file>
 
 <file path=ppt/slideLayouts/slideLayout8.xml><?xml version="1.0" encoding="utf-8"?>
-<p:sldLayout xmlns:a="http://schemas.openxmlformats.org/drawingml/2006/main" xmlns:r="http://schemas.openxmlformats.org/officeDocument/2006/relationships" xmlns:mc="http://schemas.openxmlformats.org/markup-compatibility/2006" xmlns:mv="urn:schemas-microsoft-com:mac:vml" xmlns:p="http://schemas.openxmlformats.org/presentationml/2006/main" xmlns:c="http://schemas.openxmlformats.org/drawingml/2006/chart" xmlns:dgm="http://schemas.openxmlformats.org/drawingml/2006/diagram" xmlns:o="urn:schemas-microsoft-com:office:office" xmlns:v="urn:schemas-microsoft-com:vml" xmlns:pvml="urn:schemas-microsoft-com:office:powerpoint" xmlns:com="http://schemas.openxmlformats.org/drawingml/2006/compatibility" xmlns:p14="http://schemas.microsoft.com/office/powerpoint/2010/main" xmlns:p15="http://schemas.microsoft.com/office/powerpoint/2012/main" xmlns:ahyp="http://schemas.microsoft.com/office/drawing/2018/hyperlinkcolor" matchingName="Section title and description">
+<p:sldLayout xmlns:a="http://schemas.openxmlformats.org/drawingml/2006/main" xmlns:r="http://schemas.openxmlformats.org/officeDocument/2006/relationships" xmlns:p="http://schemas.openxmlformats.org/presentationml/2006/main" matchingName="Section title and description">
   <p:cSld name="SECTION_TITLE_AND_DESCRIPTION">
     <p:spTree>
       <p:nvGrpSpPr>
-        <p:cNvPr id="35" name="Shape 35"/>
+        <p:cNvPr id="1" name="Shape 35"/>
         <p:cNvGrpSpPr/>
         <p:nvPr/>
       </p:nvGrpSpPr>
@@ -4689,12 +4783,12 @@
           </a:ln>
         </p:spPr>
         <p:txBody>
-          <a:bodyPr anchorCtr="0" anchor="ctr" bIns="91425" lIns="91425" spcFirstLastPara="1" rIns="91425" wrap="square" tIns="91425">
+          <a:bodyPr spcFirstLastPara="1" wrap="square" lIns="91425" tIns="91425" rIns="91425" bIns="91425" anchor="ctr" anchorCtr="0">
             <a:noAutofit/>
           </a:bodyPr>
           <a:lstStyle/>
           <a:p>
-            <a:pPr indent="0" lvl="0" marL="0" rtl="0" algn="l">
+            <a:pPr marL="0" lvl="0" indent="0" algn="l" rtl="0">
               <a:spcBef>
                 <a:spcPts val="0"/>
               </a:spcBef>
@@ -4703,9 +4797,6 @@
               </a:spcAft>
               <a:buNone/>
             </a:pPr>
-            <a:r>
-              <a:t/>
-            </a:r>
             <a:endParaRPr/>
           </a:p>
         </p:txBody>
@@ -4713,7 +4804,9 @@
       <p:sp>
         <p:nvSpPr>
           <p:cNvPr id="37" name="Google Shape;37;p9"/>
-          <p:cNvSpPr txBox="1"/>
+          <p:cNvSpPr txBox="1">
+            <a:spLocks noGrp="1"/>
+          </p:cNvSpPr>
           <p:nvPr>
             <p:ph type="title"/>
           </p:nvPr>
@@ -4728,7 +4821,7 @@
           </a:prstGeom>
         </p:spPr>
         <p:txBody>
-          <a:bodyPr anchorCtr="0" anchor="b" bIns="91425" lIns="91425" spcFirstLastPara="1" rIns="91425" wrap="square" tIns="91425">
+          <a:bodyPr spcFirstLastPara="1" wrap="square" lIns="91425" tIns="91425" rIns="91425" bIns="91425" anchor="b" anchorCtr="0">
             <a:normAutofit/>
           </a:bodyPr>
           <a:lstStyle>
@@ -4832,15 +4925,19 @@
               <a:defRPr sz="4200"/>
             </a:lvl9pPr>
           </a:lstStyle>
-          <a:p/>
+          <a:p>
+            <a:endParaRPr/>
+          </a:p>
         </p:txBody>
       </p:sp>
       <p:sp>
         <p:nvSpPr>
           <p:cNvPr id="38" name="Google Shape;38;p9"/>
-          <p:cNvSpPr txBox="1"/>
+          <p:cNvSpPr txBox="1">
+            <a:spLocks noGrp="1"/>
+          </p:cNvSpPr>
           <p:nvPr>
-            <p:ph idx="1" type="subTitle"/>
+            <p:ph type="subTitle" idx="1"/>
           </p:nvPr>
         </p:nvSpPr>
         <p:spPr>
@@ -4853,7 +4950,7 @@
           </a:prstGeom>
         </p:spPr>
         <p:txBody>
-          <a:bodyPr anchorCtr="0" anchor="t" bIns="91425" lIns="91425" spcFirstLastPara="1" rIns="91425" wrap="square" tIns="91425">
+          <a:bodyPr spcFirstLastPara="1" wrap="square" lIns="91425" tIns="91425" rIns="91425" bIns="91425" anchor="t" anchorCtr="0">
             <a:normAutofit/>
           </a:bodyPr>
           <a:lstStyle>
@@ -4984,15 +5081,19 @@
               <a:defRPr sz="2100"/>
             </a:lvl9pPr>
           </a:lstStyle>
-          <a:p/>
+          <a:p>
+            <a:endParaRPr/>
+          </a:p>
         </p:txBody>
       </p:sp>
       <p:sp>
         <p:nvSpPr>
           <p:cNvPr id="39" name="Google Shape;39;p9"/>
-          <p:cNvSpPr txBox="1"/>
+          <p:cNvSpPr txBox="1">
+            <a:spLocks noGrp="1"/>
+          </p:cNvSpPr>
           <p:nvPr>
-            <p:ph idx="2" type="body"/>
+            <p:ph type="body" idx="2"/>
           </p:nvPr>
         </p:nvSpPr>
         <p:spPr>
@@ -5005,11 +5106,11 @@
           </a:prstGeom>
         </p:spPr>
         <p:txBody>
-          <a:bodyPr anchorCtr="0" anchor="ctr" bIns="91425" lIns="91425" spcFirstLastPara="1" rIns="91425" wrap="square" tIns="91425">
+          <a:bodyPr spcFirstLastPara="1" wrap="square" lIns="91425" tIns="91425" rIns="91425" bIns="91425" anchor="ctr" anchorCtr="0">
             <a:normAutofit/>
           </a:bodyPr>
           <a:lstStyle>
-            <a:lvl1pPr indent="-342900" lvl="0" marL="457200">
+            <a:lvl1pPr marL="457200" lvl="0" indent="-342900">
               <a:spcBef>
                 <a:spcPts val="0"/>
               </a:spcBef>
@@ -5020,7 +5121,7 @@
               <a:buChar char="●"/>
               <a:defRPr/>
             </a:lvl1pPr>
-            <a:lvl2pPr indent="-317500" lvl="1" marL="914400">
+            <a:lvl2pPr marL="914400" lvl="1" indent="-317500">
               <a:spcBef>
                 <a:spcPts val="0"/>
               </a:spcBef>
@@ -5031,7 +5132,7 @@
               <a:buChar char="○"/>
               <a:defRPr/>
             </a:lvl2pPr>
-            <a:lvl3pPr indent="-317500" lvl="2" marL="1371600">
+            <a:lvl3pPr marL="1371600" lvl="2" indent="-317500">
               <a:spcBef>
                 <a:spcPts val="0"/>
               </a:spcBef>
@@ -5042,7 +5143,7 @@
               <a:buChar char="■"/>
               <a:defRPr/>
             </a:lvl3pPr>
-            <a:lvl4pPr indent="-317500" lvl="3" marL="1828800">
+            <a:lvl4pPr marL="1828800" lvl="3" indent="-317500">
               <a:spcBef>
                 <a:spcPts val="0"/>
               </a:spcBef>
@@ -5053,7 +5154,7 @@
               <a:buChar char="●"/>
               <a:defRPr/>
             </a:lvl4pPr>
-            <a:lvl5pPr indent="-317500" lvl="4" marL="2286000">
+            <a:lvl5pPr marL="2286000" lvl="4" indent="-317500">
               <a:spcBef>
                 <a:spcPts val="0"/>
               </a:spcBef>
@@ -5064,7 +5165,7 @@
               <a:buChar char="○"/>
               <a:defRPr/>
             </a:lvl5pPr>
-            <a:lvl6pPr indent="-317500" lvl="5" marL="2743200">
+            <a:lvl6pPr marL="2743200" lvl="5" indent="-317500">
               <a:spcBef>
                 <a:spcPts val="0"/>
               </a:spcBef>
@@ -5075,7 +5176,7 @@
               <a:buChar char="■"/>
               <a:defRPr/>
             </a:lvl6pPr>
-            <a:lvl7pPr indent="-317500" lvl="6" marL="3200400">
+            <a:lvl7pPr marL="3200400" lvl="6" indent="-317500">
               <a:spcBef>
                 <a:spcPts val="0"/>
               </a:spcBef>
@@ -5086,7 +5187,7 @@
               <a:buChar char="●"/>
               <a:defRPr/>
             </a:lvl7pPr>
-            <a:lvl8pPr indent="-317500" lvl="7" marL="3657600">
+            <a:lvl8pPr marL="3657600" lvl="7" indent="-317500">
               <a:spcBef>
                 <a:spcPts val="0"/>
               </a:spcBef>
@@ -5097,7 +5198,7 @@
               <a:buChar char="○"/>
               <a:defRPr/>
             </a:lvl8pPr>
-            <a:lvl9pPr indent="-317500" lvl="8" marL="4114800">
+            <a:lvl9pPr marL="4114800" lvl="8" indent="-317500">
               <a:spcBef>
                 <a:spcPts val="0"/>
               </a:spcBef>
@@ -5109,15 +5210,19 @@
               <a:defRPr/>
             </a:lvl9pPr>
           </a:lstStyle>
-          <a:p/>
+          <a:p>
+            <a:endParaRPr/>
+          </a:p>
         </p:txBody>
       </p:sp>
       <p:sp>
         <p:nvSpPr>
           <p:cNvPr id="40" name="Google Shape;40;p9"/>
-          <p:cNvSpPr txBox="1"/>
+          <p:cNvSpPr txBox="1">
+            <a:spLocks noGrp="1"/>
+          </p:cNvSpPr>
           <p:nvPr>
-            <p:ph idx="12" type="sldNum"/>
+            <p:ph type="sldNum" idx="12"/>
           </p:nvPr>
         </p:nvSpPr>
         <p:spPr>
@@ -5130,7 +5235,7 @@
           </a:prstGeom>
         </p:spPr>
         <p:txBody>
-          <a:bodyPr anchorCtr="0" anchor="ctr" bIns="91425" lIns="91425" spcFirstLastPara="1" rIns="91425" wrap="square" tIns="91425">
+          <a:bodyPr spcFirstLastPara="1" wrap="square" lIns="91425" tIns="91425" rIns="91425" bIns="91425" anchor="ctr" anchorCtr="0">
             <a:normAutofit/>
           </a:bodyPr>
           <a:lstStyle>
@@ -5172,7 +5277,7 @@
             </a:lvl9pPr>
           </a:lstStyle>
           <a:p>
-            <a:pPr indent="0" lvl="0" marL="0" rtl="0" algn="r">
+            <a:pPr marL="0" lvl="0" indent="0" algn="r" rtl="0">
               <a:spcBef>
                 <a:spcPts val="0"/>
               </a:spcBef>
@@ -5198,11 +5303,11 @@
 </file>
 
 <file path=ppt/slideLayouts/slideLayout9.xml><?xml version="1.0" encoding="utf-8"?>
-<p:sldLayout xmlns:a="http://schemas.openxmlformats.org/drawingml/2006/main" xmlns:r="http://schemas.openxmlformats.org/officeDocument/2006/relationships" xmlns:mc="http://schemas.openxmlformats.org/markup-compatibility/2006" xmlns:mv="urn:schemas-microsoft-com:mac:vml" xmlns:p="http://schemas.openxmlformats.org/presentationml/2006/main" xmlns:c="http://schemas.openxmlformats.org/drawingml/2006/chart" xmlns:dgm="http://schemas.openxmlformats.org/drawingml/2006/diagram" xmlns:o="urn:schemas-microsoft-com:office:office" xmlns:v="urn:schemas-microsoft-com:vml" xmlns:pvml="urn:schemas-microsoft-com:office:powerpoint" xmlns:com="http://schemas.openxmlformats.org/drawingml/2006/compatibility" xmlns:p14="http://schemas.microsoft.com/office/powerpoint/2010/main" xmlns:p15="http://schemas.microsoft.com/office/powerpoint/2012/main" xmlns:ahyp="http://schemas.microsoft.com/office/drawing/2018/hyperlinkcolor" matchingName="Caption">
+<p:sldLayout xmlns:a="http://schemas.openxmlformats.org/drawingml/2006/main" xmlns:r="http://schemas.openxmlformats.org/officeDocument/2006/relationships" xmlns:p="http://schemas.openxmlformats.org/presentationml/2006/main" matchingName="Caption">
   <p:cSld name="CAPTION_ONLY">
     <p:spTree>
       <p:nvGrpSpPr>
-        <p:cNvPr id="41" name="Shape 41"/>
+        <p:cNvPr id="1" name="Shape 41"/>
         <p:cNvGrpSpPr/>
         <p:nvPr/>
       </p:nvGrpSpPr>
@@ -5217,9 +5322,11 @@
       <p:sp>
         <p:nvSpPr>
           <p:cNvPr id="42" name="Google Shape;42;p10"/>
-          <p:cNvSpPr txBox="1"/>
+          <p:cNvSpPr txBox="1">
+            <a:spLocks noGrp="1"/>
+          </p:cNvSpPr>
           <p:nvPr>
-            <p:ph idx="1" type="body"/>
+            <p:ph type="body" idx="1"/>
           </p:nvPr>
         </p:nvSpPr>
         <p:spPr>
@@ -5232,11 +5339,11 @@
           </a:prstGeom>
         </p:spPr>
         <p:txBody>
-          <a:bodyPr anchorCtr="0" anchor="ctr" bIns="91425" lIns="91425" spcFirstLastPara="1" rIns="91425" wrap="square" tIns="91425">
+          <a:bodyPr spcFirstLastPara="1" wrap="square" lIns="91425" tIns="91425" rIns="91425" bIns="91425" anchor="ctr" anchorCtr="0">
             <a:normAutofit/>
           </a:bodyPr>
           <a:lstStyle>
-            <a:lvl1pPr indent="-228600" lvl="0" marL="457200">
+            <a:lvl1pPr marL="457200" lvl="0" indent="-228600">
               <a:lnSpc>
                 <a:spcPct val="100000"/>
               </a:lnSpc>
@@ -5251,15 +5358,19 @@
               <a:defRPr/>
             </a:lvl1pPr>
           </a:lstStyle>
-          <a:p/>
+          <a:p>
+            <a:endParaRPr/>
+          </a:p>
         </p:txBody>
       </p:sp>
       <p:sp>
         <p:nvSpPr>
           <p:cNvPr id="43" name="Google Shape;43;p10"/>
-          <p:cNvSpPr txBox="1"/>
+          <p:cNvSpPr txBox="1">
+            <a:spLocks noGrp="1"/>
+          </p:cNvSpPr>
           <p:nvPr>
-            <p:ph idx="12" type="sldNum"/>
+            <p:ph type="sldNum" idx="12"/>
           </p:nvPr>
         </p:nvSpPr>
         <p:spPr>
@@ -5272,7 +5383,7 @@
           </a:prstGeom>
         </p:spPr>
         <p:txBody>
-          <a:bodyPr anchorCtr="0" anchor="ctr" bIns="91425" lIns="91425" spcFirstLastPara="1" rIns="91425" wrap="square" tIns="91425">
+          <a:bodyPr spcFirstLastPara="1" wrap="square" lIns="91425" tIns="91425" rIns="91425" bIns="91425" anchor="ctr" anchorCtr="0">
             <a:normAutofit/>
           </a:bodyPr>
           <a:lstStyle>
@@ -5314,7 +5425,7 @@
             </a:lvl9pPr>
           </a:lstStyle>
           <a:p>
-            <a:pPr indent="0" lvl="0" marL="0" rtl="0" algn="r">
+            <a:pPr marL="0" lvl="0" indent="0" algn="r" rtl="0">
               <a:spcBef>
                 <a:spcPts val="0"/>
               </a:spcBef>
@@ -5340,18 +5451,19 @@
 </file>
 
 <file path=ppt/slideMasters/slideMaster1.xml><?xml version="1.0" encoding="utf-8"?>
-<p:sldMaster xmlns:a="http://schemas.openxmlformats.org/drawingml/2006/main" xmlns:r="http://schemas.openxmlformats.org/officeDocument/2006/relationships" xmlns:mc="http://schemas.openxmlformats.org/markup-compatibility/2006" xmlns:mv="urn:schemas-microsoft-com:mac:vml" xmlns:p="http://schemas.openxmlformats.org/presentationml/2006/main" xmlns:c="http://schemas.openxmlformats.org/drawingml/2006/chart" xmlns:dgm="http://schemas.openxmlformats.org/drawingml/2006/diagram" xmlns:o="urn:schemas-microsoft-com:office:office" xmlns:v="urn:schemas-microsoft-com:vml" xmlns:pvml="urn:schemas-microsoft-com:office:powerpoint" xmlns:com="http://schemas.openxmlformats.org/drawingml/2006/compatibility" xmlns:p14="http://schemas.microsoft.com/office/powerpoint/2010/main" xmlns:p15="http://schemas.microsoft.com/office/powerpoint/2012/main" xmlns:ahyp="http://schemas.microsoft.com/office/drawing/2018/hyperlinkcolor">
+<p:sldMaster xmlns:a="http://schemas.openxmlformats.org/drawingml/2006/main" xmlns:r="http://schemas.openxmlformats.org/officeDocument/2006/relationships" xmlns:p="http://schemas.openxmlformats.org/presentationml/2006/main">
   <p:cSld name="simple-light-2">
     <p:bg>
       <p:bgPr>
         <a:solidFill>
           <a:schemeClr val="lt1"/>
         </a:solidFill>
+        <a:effectLst/>
       </p:bgPr>
     </p:bg>
     <p:spTree>
       <p:nvGrpSpPr>
-        <p:cNvPr id="5" name="Shape 5"/>
+        <p:cNvPr id="1" name="Shape 5"/>
         <p:cNvGrpSpPr/>
         <p:nvPr/>
       </p:nvGrpSpPr>
@@ -5366,7 +5478,9 @@
       <p:sp>
         <p:nvSpPr>
           <p:cNvPr id="6" name="Google Shape;6;p1"/>
-          <p:cNvSpPr txBox="1"/>
+          <p:cNvSpPr txBox="1">
+            <a:spLocks noGrp="1"/>
+          </p:cNvSpPr>
           <p:nvPr>
             <p:ph type="title"/>
           </p:nvPr>
@@ -5385,7 +5499,7 @@
           </a:ln>
         </p:spPr>
         <p:txBody>
-          <a:bodyPr anchorCtr="0" anchor="t" bIns="91425" lIns="91425" spcFirstLastPara="1" rIns="91425" wrap="square" tIns="91425">
+          <a:bodyPr spcFirstLastPara="1" wrap="square" lIns="91425" tIns="91425" rIns="91425" bIns="91425" anchor="t" anchorCtr="0">
             <a:normAutofit/>
           </a:bodyPr>
           <a:lstStyle>
@@ -5552,15 +5666,19 @@
               </a:defRPr>
             </a:lvl9pPr>
           </a:lstStyle>
-          <a:p/>
+          <a:p>
+            <a:endParaRPr/>
+          </a:p>
         </p:txBody>
       </p:sp>
       <p:sp>
         <p:nvSpPr>
           <p:cNvPr id="7" name="Google Shape;7;p1"/>
-          <p:cNvSpPr txBox="1"/>
+          <p:cNvSpPr txBox="1">
+            <a:spLocks noGrp="1"/>
+          </p:cNvSpPr>
           <p:nvPr>
-            <p:ph idx="1" type="body"/>
+            <p:ph type="body" idx="1"/>
           </p:nvPr>
         </p:nvSpPr>
         <p:spPr>
@@ -5577,11 +5695,11 @@
           </a:ln>
         </p:spPr>
         <p:txBody>
-          <a:bodyPr anchorCtr="0" anchor="t" bIns="91425" lIns="91425" spcFirstLastPara="1" rIns="91425" wrap="square" tIns="91425">
+          <a:bodyPr spcFirstLastPara="1" wrap="square" lIns="91425" tIns="91425" rIns="91425" bIns="91425" anchor="t" anchorCtr="0">
             <a:normAutofit/>
           </a:bodyPr>
           <a:lstStyle>
-            <a:lvl1pPr indent="-342900" lvl="0" marL="457200">
+            <a:lvl1pPr marL="457200" lvl="0" indent="-342900">
               <a:lnSpc>
                 <a:spcPct val="115000"/>
               </a:lnSpc>
@@ -5602,7 +5720,7 @@
                 </a:solidFill>
               </a:defRPr>
             </a:lvl1pPr>
-            <a:lvl2pPr indent="-317500" lvl="1" marL="914400">
+            <a:lvl2pPr marL="914400" lvl="1" indent="-317500">
               <a:lnSpc>
                 <a:spcPct val="115000"/>
               </a:lnSpc>
@@ -5623,7 +5741,7 @@
                 </a:solidFill>
               </a:defRPr>
             </a:lvl2pPr>
-            <a:lvl3pPr indent="-317500" lvl="2" marL="1371600">
+            <a:lvl3pPr marL="1371600" lvl="2" indent="-317500">
               <a:lnSpc>
                 <a:spcPct val="115000"/>
               </a:lnSpc>
@@ -5644,7 +5762,7 @@
                 </a:solidFill>
               </a:defRPr>
             </a:lvl3pPr>
-            <a:lvl4pPr indent="-317500" lvl="3" marL="1828800">
+            <a:lvl4pPr marL="1828800" lvl="3" indent="-317500">
               <a:lnSpc>
                 <a:spcPct val="115000"/>
               </a:lnSpc>
@@ -5665,7 +5783,7 @@
                 </a:solidFill>
               </a:defRPr>
             </a:lvl4pPr>
-            <a:lvl5pPr indent="-317500" lvl="4" marL="2286000">
+            <a:lvl5pPr marL="2286000" lvl="4" indent="-317500">
               <a:lnSpc>
                 <a:spcPct val="115000"/>
               </a:lnSpc>
@@ -5686,7 +5804,7 @@
                 </a:solidFill>
               </a:defRPr>
             </a:lvl5pPr>
-            <a:lvl6pPr indent="-317500" lvl="5" marL="2743200">
+            <a:lvl6pPr marL="2743200" lvl="5" indent="-317500">
               <a:lnSpc>
                 <a:spcPct val="115000"/>
               </a:lnSpc>
@@ -5707,7 +5825,7 @@
                 </a:solidFill>
               </a:defRPr>
             </a:lvl6pPr>
-            <a:lvl7pPr indent="-317500" lvl="6" marL="3200400">
+            <a:lvl7pPr marL="3200400" lvl="6" indent="-317500">
               <a:lnSpc>
                 <a:spcPct val="115000"/>
               </a:lnSpc>
@@ -5728,7 +5846,7 @@
                 </a:solidFill>
               </a:defRPr>
             </a:lvl7pPr>
-            <a:lvl8pPr indent="-317500" lvl="7" marL="3657600">
+            <a:lvl8pPr marL="3657600" lvl="7" indent="-317500">
               <a:lnSpc>
                 <a:spcPct val="115000"/>
               </a:lnSpc>
@@ -5749,7 +5867,7 @@
                 </a:solidFill>
               </a:defRPr>
             </a:lvl8pPr>
-            <a:lvl9pPr indent="-317500" lvl="8" marL="4114800">
+            <a:lvl9pPr marL="4114800" lvl="8" indent="-317500">
               <a:lnSpc>
                 <a:spcPct val="115000"/>
               </a:lnSpc>
@@ -5771,15 +5889,19 @@
               </a:defRPr>
             </a:lvl9pPr>
           </a:lstStyle>
-          <a:p/>
+          <a:p>
+            <a:endParaRPr/>
+          </a:p>
         </p:txBody>
       </p:sp>
       <p:sp>
         <p:nvSpPr>
           <p:cNvPr id="8" name="Google Shape;8;p1"/>
-          <p:cNvSpPr txBox="1"/>
+          <p:cNvSpPr txBox="1">
+            <a:spLocks noGrp="1"/>
+          </p:cNvSpPr>
           <p:nvPr>
-            <p:ph idx="12" type="sldNum"/>
+            <p:ph type="sldNum" idx="12"/>
           </p:nvPr>
         </p:nvSpPr>
         <p:spPr>
@@ -5796,7 +5918,7 @@
           </a:ln>
         </p:spPr>
         <p:txBody>
-          <a:bodyPr anchorCtr="0" anchor="ctr" bIns="91425" lIns="91425" spcFirstLastPara="1" rIns="91425" wrap="square" tIns="91425">
+          <a:bodyPr spcFirstLastPara="1" wrap="square" lIns="91425" tIns="91425" rIns="91425" bIns="91425" anchor="ctr" anchorCtr="0">
             <a:normAutofit/>
           </a:bodyPr>
           <a:lstStyle>
@@ -5874,7 +5996,7 @@
             </a:lvl9pPr>
           </a:lstStyle>
           <a:p>
-            <a:pPr indent="0" lvl="0" marL="0" rtl="0" algn="r">
+            <a:pPr marL="0" lvl="0" indent="0" algn="r" rtl="0">
               <a:spcBef>
                 <a:spcPts val="0"/>
               </a:spcBef>
@@ -5893,7 +6015,7 @@
       </p:sp>
     </p:spTree>
   </p:cSld>
-  <p:clrMap accent1="accent1" accent2="accent2" accent3="accent3" accent4="accent4" accent5="accent5" accent6="accent6" bg1="lt1" bg2="dk2" tx1="dk1" tx2="lt2" folHlink="folHlink" hlink="hlink"/>
+  <p:clrMap bg1="lt1" tx1="dk1" bg2="dk2" tx2="lt2" accent1="accent1" accent2="accent2" accent3="accent3" accent4="accent4" accent5="accent5" accent6="accent6" hlink="hlink" folHlink="folHlink"/>
   <p:sldLayoutIdLst>
     <p:sldLayoutId id="2147483648" r:id="rId1"/>
     <p:sldLayoutId id="2147483649" r:id="rId2"/>
@@ -5907,10 +6029,10 @@
     <p:sldLayoutId id="2147483657" r:id="rId10"/>
     <p:sldLayoutId id="2147483658" r:id="rId11"/>
   </p:sldLayoutIdLst>
-  <p:hf dt="0" ftr="0" hdr="0" sldNum="0"/>
+  <p:hf sldNum="0" hdr="0" ftr="0" dt="0"/>
   <p:txStyles>
     <p:titleStyle>
-      <a:defPPr lvl="0" marR="0" rtl="0" algn="l">
+      <a:defPPr marR="0" lvl="0" algn="l" rtl="0">
         <a:lnSpc>
           <a:spcPct val="100000"/>
         </a:lnSpc>
@@ -5921,7 +6043,7 @@
           <a:spcPts val="0"/>
         </a:spcAft>
       </a:defPPr>
-      <a:lvl1pPr lvl="0" marR="0" rtl="0" algn="l">
+      <a:lvl1pPr marR="0" lvl="0" algn="l" rtl="0">
         <a:lnSpc>
           <a:spcPct val="100000"/>
         </a:lnSpc>
@@ -5935,7 +6057,7 @@
           <a:srgbClr val="000000"/>
         </a:buClr>
         <a:buFont typeface="Arial"/>
-        <a:defRPr b="0" i="0" sz="1400" u="none" cap="none" strike="noStrike">
+        <a:defRPr sz="1400" b="0" i="0" u="none" strike="noStrike" cap="none">
           <a:solidFill>
             <a:srgbClr val="000000"/>
           </a:solidFill>
@@ -5945,7 +6067,7 @@
           <a:sym typeface="Arial"/>
         </a:defRPr>
       </a:lvl1pPr>
-      <a:lvl2pPr lvl="1" marR="0" rtl="0" algn="l">
+      <a:lvl2pPr marR="0" lvl="1" algn="l" rtl="0">
         <a:lnSpc>
           <a:spcPct val="100000"/>
         </a:lnSpc>
@@ -5959,7 +6081,7 @@
           <a:srgbClr val="000000"/>
         </a:buClr>
         <a:buFont typeface="Arial"/>
-        <a:defRPr b="0" i="0" sz="1400" u="none" cap="none" strike="noStrike">
+        <a:defRPr sz="1400" b="0" i="0" u="none" strike="noStrike" cap="none">
           <a:solidFill>
             <a:srgbClr val="000000"/>
           </a:solidFill>
@@ -5969,7 +6091,7 @@
           <a:sym typeface="Arial"/>
         </a:defRPr>
       </a:lvl2pPr>
-      <a:lvl3pPr lvl="2" marR="0" rtl="0" algn="l">
+      <a:lvl3pPr marR="0" lvl="2" algn="l" rtl="0">
         <a:lnSpc>
           <a:spcPct val="100000"/>
         </a:lnSpc>
@@ -5983,7 +6105,7 @@
           <a:srgbClr val="000000"/>
         </a:buClr>
         <a:buFont typeface="Arial"/>
-        <a:defRPr b="0" i="0" sz="1400" u="none" cap="none" strike="noStrike">
+        <a:defRPr sz="1400" b="0" i="0" u="none" strike="noStrike" cap="none">
           <a:solidFill>
             <a:srgbClr val="000000"/>
           </a:solidFill>
@@ -5993,7 +6115,7 @@
           <a:sym typeface="Arial"/>
         </a:defRPr>
       </a:lvl3pPr>
-      <a:lvl4pPr lvl="3" marR="0" rtl="0" algn="l">
+      <a:lvl4pPr marR="0" lvl="3" algn="l" rtl="0">
         <a:lnSpc>
           <a:spcPct val="100000"/>
         </a:lnSpc>
@@ -6007,7 +6129,7 @@
           <a:srgbClr val="000000"/>
         </a:buClr>
         <a:buFont typeface="Arial"/>
-        <a:defRPr b="0" i="0" sz="1400" u="none" cap="none" strike="noStrike">
+        <a:defRPr sz="1400" b="0" i="0" u="none" strike="noStrike" cap="none">
           <a:solidFill>
             <a:srgbClr val="000000"/>
           </a:solidFill>
@@ -6017,7 +6139,7 @@
           <a:sym typeface="Arial"/>
         </a:defRPr>
       </a:lvl4pPr>
-      <a:lvl5pPr lvl="4" marR="0" rtl="0" algn="l">
+      <a:lvl5pPr marR="0" lvl="4" algn="l" rtl="0">
         <a:lnSpc>
           <a:spcPct val="100000"/>
         </a:lnSpc>
@@ -6031,7 +6153,7 @@
           <a:srgbClr val="000000"/>
         </a:buClr>
         <a:buFont typeface="Arial"/>
-        <a:defRPr b="0" i="0" sz="1400" u="none" cap="none" strike="noStrike">
+        <a:defRPr sz="1400" b="0" i="0" u="none" strike="noStrike" cap="none">
           <a:solidFill>
             <a:srgbClr val="000000"/>
           </a:solidFill>
@@ -6041,7 +6163,7 @@
           <a:sym typeface="Arial"/>
         </a:defRPr>
       </a:lvl5pPr>
-      <a:lvl6pPr lvl="5" marR="0" rtl="0" algn="l">
+      <a:lvl6pPr marR="0" lvl="5" algn="l" rtl="0">
         <a:lnSpc>
           <a:spcPct val="100000"/>
         </a:lnSpc>
@@ -6055,7 +6177,7 @@
           <a:srgbClr val="000000"/>
         </a:buClr>
         <a:buFont typeface="Arial"/>
-        <a:defRPr b="0" i="0" sz="1400" u="none" cap="none" strike="noStrike">
+        <a:defRPr sz="1400" b="0" i="0" u="none" strike="noStrike" cap="none">
           <a:solidFill>
             <a:srgbClr val="000000"/>
           </a:solidFill>
@@ -6065,7 +6187,7 @@
           <a:sym typeface="Arial"/>
         </a:defRPr>
       </a:lvl6pPr>
-      <a:lvl7pPr lvl="6" marR="0" rtl="0" algn="l">
+      <a:lvl7pPr marR="0" lvl="6" algn="l" rtl="0">
         <a:lnSpc>
           <a:spcPct val="100000"/>
         </a:lnSpc>
@@ -6079,7 +6201,7 @@
           <a:srgbClr val="000000"/>
         </a:buClr>
         <a:buFont typeface="Arial"/>
-        <a:defRPr b="0" i="0" sz="1400" u="none" cap="none" strike="noStrike">
+        <a:defRPr sz="1400" b="0" i="0" u="none" strike="noStrike" cap="none">
           <a:solidFill>
             <a:srgbClr val="000000"/>
           </a:solidFill>
@@ -6089,7 +6211,7 @@
           <a:sym typeface="Arial"/>
         </a:defRPr>
       </a:lvl7pPr>
-      <a:lvl8pPr lvl="7" marR="0" rtl="0" algn="l">
+      <a:lvl8pPr marR="0" lvl="7" algn="l" rtl="0">
         <a:lnSpc>
           <a:spcPct val="100000"/>
         </a:lnSpc>
@@ -6103,7 +6225,7 @@
           <a:srgbClr val="000000"/>
         </a:buClr>
         <a:buFont typeface="Arial"/>
-        <a:defRPr b="0" i="0" sz="1400" u="none" cap="none" strike="noStrike">
+        <a:defRPr sz="1400" b="0" i="0" u="none" strike="noStrike" cap="none">
           <a:solidFill>
             <a:srgbClr val="000000"/>
           </a:solidFill>
@@ -6113,7 +6235,7 @@
           <a:sym typeface="Arial"/>
         </a:defRPr>
       </a:lvl8pPr>
-      <a:lvl9pPr lvl="8" marR="0" rtl="0" algn="l">
+      <a:lvl9pPr marR="0" lvl="8" algn="l" rtl="0">
         <a:lnSpc>
           <a:spcPct val="100000"/>
         </a:lnSpc>
@@ -6127,7 +6249,7 @@
           <a:srgbClr val="000000"/>
         </a:buClr>
         <a:buFont typeface="Arial"/>
-        <a:defRPr b="0" i="0" sz="1400" u="none" cap="none" strike="noStrike">
+        <a:defRPr sz="1400" b="0" i="0" u="none" strike="noStrike" cap="none">
           <a:solidFill>
             <a:srgbClr val="000000"/>
           </a:solidFill>
@@ -6139,7 +6261,7 @@
       </a:lvl9pPr>
     </p:titleStyle>
     <p:bodyStyle>
-      <a:defPPr lvl="0" marR="0" rtl="0" algn="l">
+      <a:defPPr marR="0" lvl="0" algn="l" rtl="0">
         <a:lnSpc>
           <a:spcPct val="100000"/>
         </a:lnSpc>
@@ -6150,7 +6272,7 @@
           <a:spcPts val="0"/>
         </a:spcAft>
       </a:defPPr>
-      <a:lvl1pPr lvl="0" marR="0" rtl="0" algn="l">
+      <a:lvl1pPr marR="0" lvl="0" algn="l" rtl="0">
         <a:lnSpc>
           <a:spcPct val="100000"/>
         </a:lnSpc>
@@ -6164,7 +6286,7 @@
           <a:srgbClr val="000000"/>
         </a:buClr>
         <a:buFont typeface="Arial"/>
-        <a:defRPr b="0" i="0" sz="1400" u="none" cap="none" strike="noStrike">
+        <a:defRPr sz="1400" b="0" i="0" u="none" strike="noStrike" cap="none">
           <a:solidFill>
             <a:srgbClr val="000000"/>
           </a:solidFill>
@@ -6174,7 +6296,7 @@
           <a:sym typeface="Arial"/>
         </a:defRPr>
       </a:lvl1pPr>
-      <a:lvl2pPr lvl="1" marR="0" rtl="0" algn="l">
+      <a:lvl2pPr marR="0" lvl="1" algn="l" rtl="0">
         <a:lnSpc>
           <a:spcPct val="100000"/>
         </a:lnSpc>
@@ -6188,7 +6310,7 @@
           <a:srgbClr val="000000"/>
         </a:buClr>
         <a:buFont typeface="Arial"/>
-        <a:defRPr b="0" i="0" sz="1400" u="none" cap="none" strike="noStrike">
+        <a:defRPr sz="1400" b="0" i="0" u="none" strike="noStrike" cap="none">
           <a:solidFill>
             <a:srgbClr val="000000"/>
           </a:solidFill>
@@ -6198,7 +6320,7 @@
           <a:sym typeface="Arial"/>
         </a:defRPr>
       </a:lvl2pPr>
-      <a:lvl3pPr lvl="2" marR="0" rtl="0" algn="l">
+      <a:lvl3pPr marR="0" lvl="2" algn="l" rtl="0">
         <a:lnSpc>
           <a:spcPct val="100000"/>
         </a:lnSpc>
@@ -6212,7 +6334,7 @@
           <a:srgbClr val="000000"/>
         </a:buClr>
         <a:buFont typeface="Arial"/>
-        <a:defRPr b="0" i="0" sz="1400" u="none" cap="none" strike="noStrike">
+        <a:defRPr sz="1400" b="0" i="0" u="none" strike="noStrike" cap="none">
           <a:solidFill>
             <a:srgbClr val="000000"/>
           </a:solidFill>
@@ -6222,7 +6344,7 @@
           <a:sym typeface="Arial"/>
         </a:defRPr>
       </a:lvl3pPr>
-      <a:lvl4pPr lvl="3" marR="0" rtl="0" algn="l">
+      <a:lvl4pPr marR="0" lvl="3" algn="l" rtl="0">
         <a:lnSpc>
           <a:spcPct val="100000"/>
         </a:lnSpc>
@@ -6236,7 +6358,7 @@
           <a:srgbClr val="000000"/>
         </a:buClr>
         <a:buFont typeface="Arial"/>
-        <a:defRPr b="0" i="0" sz="1400" u="none" cap="none" strike="noStrike">
+        <a:defRPr sz="1400" b="0" i="0" u="none" strike="noStrike" cap="none">
           <a:solidFill>
             <a:srgbClr val="000000"/>
           </a:solidFill>
@@ -6246,7 +6368,7 @@
           <a:sym typeface="Arial"/>
         </a:defRPr>
       </a:lvl4pPr>
-      <a:lvl5pPr lvl="4" marR="0" rtl="0" algn="l">
+      <a:lvl5pPr marR="0" lvl="4" algn="l" rtl="0">
         <a:lnSpc>
           <a:spcPct val="100000"/>
         </a:lnSpc>
@@ -6260,7 +6382,7 @@
           <a:srgbClr val="000000"/>
         </a:buClr>
         <a:buFont typeface="Arial"/>
-        <a:defRPr b="0" i="0" sz="1400" u="none" cap="none" strike="noStrike">
+        <a:defRPr sz="1400" b="0" i="0" u="none" strike="noStrike" cap="none">
           <a:solidFill>
             <a:srgbClr val="000000"/>
           </a:solidFill>
@@ -6270,7 +6392,7 @@
           <a:sym typeface="Arial"/>
         </a:defRPr>
       </a:lvl5pPr>
-      <a:lvl6pPr lvl="5" marR="0" rtl="0" algn="l">
+      <a:lvl6pPr marR="0" lvl="5" algn="l" rtl="0">
         <a:lnSpc>
           <a:spcPct val="100000"/>
         </a:lnSpc>
@@ -6284,7 +6406,7 @@
           <a:srgbClr val="000000"/>
         </a:buClr>
         <a:buFont typeface="Arial"/>
-        <a:defRPr b="0" i="0" sz="1400" u="none" cap="none" strike="noStrike">
+        <a:defRPr sz="1400" b="0" i="0" u="none" strike="noStrike" cap="none">
           <a:solidFill>
             <a:srgbClr val="000000"/>
           </a:solidFill>
@@ -6294,7 +6416,7 @@
           <a:sym typeface="Arial"/>
         </a:defRPr>
       </a:lvl6pPr>
-      <a:lvl7pPr lvl="6" marR="0" rtl="0" algn="l">
+      <a:lvl7pPr marR="0" lvl="6" algn="l" rtl="0">
         <a:lnSpc>
           <a:spcPct val="100000"/>
         </a:lnSpc>
@@ -6308,7 +6430,7 @@
           <a:srgbClr val="000000"/>
         </a:buClr>
         <a:buFont typeface="Arial"/>
-        <a:defRPr b="0" i="0" sz="1400" u="none" cap="none" strike="noStrike">
+        <a:defRPr sz="1400" b="0" i="0" u="none" strike="noStrike" cap="none">
           <a:solidFill>
             <a:srgbClr val="000000"/>
           </a:solidFill>
@@ -6318,7 +6440,7 @@
           <a:sym typeface="Arial"/>
         </a:defRPr>
       </a:lvl7pPr>
-      <a:lvl8pPr lvl="7" marR="0" rtl="0" algn="l">
+      <a:lvl8pPr marR="0" lvl="7" algn="l" rtl="0">
         <a:lnSpc>
           <a:spcPct val="100000"/>
         </a:lnSpc>
@@ -6332,7 +6454,7 @@
           <a:srgbClr val="000000"/>
         </a:buClr>
         <a:buFont typeface="Arial"/>
-        <a:defRPr b="0" i="0" sz="1400" u="none" cap="none" strike="noStrike">
+        <a:defRPr sz="1400" b="0" i="0" u="none" strike="noStrike" cap="none">
           <a:solidFill>
             <a:srgbClr val="000000"/>
           </a:solidFill>
@@ -6342,7 +6464,7 @@
           <a:sym typeface="Arial"/>
         </a:defRPr>
       </a:lvl8pPr>
-      <a:lvl9pPr lvl="8" marR="0" rtl="0" algn="l">
+      <a:lvl9pPr marR="0" lvl="8" algn="l" rtl="0">
         <a:lnSpc>
           <a:spcPct val="100000"/>
         </a:lnSpc>
@@ -6356,7 +6478,7 @@
           <a:srgbClr val="000000"/>
         </a:buClr>
         <a:buFont typeface="Arial"/>
-        <a:defRPr b="0" i="0" sz="1400" u="none" cap="none" strike="noStrike">
+        <a:defRPr sz="1400" b="0" i="0" u="none" strike="noStrike" cap="none">
           <a:solidFill>
             <a:srgbClr val="000000"/>
           </a:solidFill>
@@ -6368,7 +6490,7 @@
       </a:lvl9pPr>
     </p:bodyStyle>
     <p:otherStyle>
-      <a:defPPr lvl="0" marR="0" rtl="0" algn="l">
+      <a:defPPr marR="0" lvl="0" algn="l" rtl="0">
         <a:lnSpc>
           <a:spcPct val="100000"/>
         </a:lnSpc>
@@ -6379,7 +6501,7 @@
           <a:spcPts val="0"/>
         </a:spcAft>
       </a:defPPr>
-      <a:lvl1pPr lvl="0" marR="0" rtl="0" algn="l">
+      <a:lvl1pPr marR="0" lvl="0" algn="l" rtl="0">
         <a:lnSpc>
           <a:spcPct val="100000"/>
         </a:lnSpc>
@@ -6393,7 +6515,7 @@
           <a:srgbClr val="000000"/>
         </a:buClr>
         <a:buFont typeface="Arial"/>
-        <a:defRPr b="0" i="0" sz="1400" u="none" cap="none" strike="noStrike">
+        <a:defRPr sz="1400" b="0" i="0" u="none" strike="noStrike" cap="none">
           <a:solidFill>
             <a:srgbClr val="000000"/>
           </a:solidFill>
@@ -6403,7 +6525,7 @@
           <a:sym typeface="Arial"/>
         </a:defRPr>
       </a:lvl1pPr>
-      <a:lvl2pPr lvl="1" marR="0" rtl="0" algn="l">
+      <a:lvl2pPr marR="0" lvl="1" algn="l" rtl="0">
         <a:lnSpc>
           <a:spcPct val="100000"/>
         </a:lnSpc>
@@ -6417,7 +6539,7 @@
           <a:srgbClr val="000000"/>
         </a:buClr>
         <a:buFont typeface="Arial"/>
-        <a:defRPr b="0" i="0" sz="1400" u="none" cap="none" strike="noStrike">
+        <a:defRPr sz="1400" b="0" i="0" u="none" strike="noStrike" cap="none">
           <a:solidFill>
             <a:srgbClr val="000000"/>
           </a:solidFill>
@@ -6427,7 +6549,7 @@
           <a:sym typeface="Arial"/>
         </a:defRPr>
       </a:lvl2pPr>
-      <a:lvl3pPr lvl="2" marR="0" rtl="0" algn="l">
+      <a:lvl3pPr marR="0" lvl="2" algn="l" rtl="0">
         <a:lnSpc>
           <a:spcPct val="100000"/>
         </a:lnSpc>
@@ -6441,7 +6563,7 @@
           <a:srgbClr val="000000"/>
         </a:buClr>
         <a:buFont typeface="Arial"/>
-        <a:defRPr b="0" i="0" sz="1400" u="none" cap="none" strike="noStrike">
+        <a:defRPr sz="1400" b="0" i="0" u="none" strike="noStrike" cap="none">
           <a:solidFill>
             <a:srgbClr val="000000"/>
           </a:solidFill>
@@ -6451,7 +6573,7 @@
           <a:sym typeface="Arial"/>
         </a:defRPr>
       </a:lvl3pPr>
-      <a:lvl4pPr lvl="3" marR="0" rtl="0" algn="l">
+      <a:lvl4pPr marR="0" lvl="3" algn="l" rtl="0">
         <a:lnSpc>
           <a:spcPct val="100000"/>
         </a:lnSpc>
@@ -6465,7 +6587,7 @@
           <a:srgbClr val="000000"/>
         </a:buClr>
         <a:buFont typeface="Arial"/>
-        <a:defRPr b="0" i="0" sz="1400" u="none" cap="none" strike="noStrike">
+        <a:defRPr sz="1400" b="0" i="0" u="none" strike="noStrike" cap="none">
           <a:solidFill>
             <a:srgbClr val="000000"/>
           </a:solidFill>
@@ -6475,7 +6597,7 @@
           <a:sym typeface="Arial"/>
         </a:defRPr>
       </a:lvl4pPr>
-      <a:lvl5pPr lvl="4" marR="0" rtl="0" algn="l">
+      <a:lvl5pPr marR="0" lvl="4" algn="l" rtl="0">
         <a:lnSpc>
           <a:spcPct val="100000"/>
         </a:lnSpc>
@@ -6489,7 +6611,7 @@
           <a:srgbClr val="000000"/>
         </a:buClr>
         <a:buFont typeface="Arial"/>
-        <a:defRPr b="0" i="0" sz="1400" u="none" cap="none" strike="noStrike">
+        <a:defRPr sz="1400" b="0" i="0" u="none" strike="noStrike" cap="none">
           <a:solidFill>
             <a:srgbClr val="000000"/>
           </a:solidFill>
@@ -6499,7 +6621,7 @@
           <a:sym typeface="Arial"/>
         </a:defRPr>
       </a:lvl5pPr>
-      <a:lvl6pPr lvl="5" marR="0" rtl="0" algn="l">
+      <a:lvl6pPr marR="0" lvl="5" algn="l" rtl="0">
         <a:lnSpc>
           <a:spcPct val="100000"/>
         </a:lnSpc>
@@ -6513,7 +6635,7 @@
           <a:srgbClr val="000000"/>
         </a:buClr>
         <a:buFont typeface="Arial"/>
-        <a:defRPr b="0" i="0" sz="1400" u="none" cap="none" strike="noStrike">
+        <a:defRPr sz="1400" b="0" i="0" u="none" strike="noStrike" cap="none">
           <a:solidFill>
             <a:srgbClr val="000000"/>
           </a:solidFill>
@@ -6523,7 +6645,7 @@
           <a:sym typeface="Arial"/>
         </a:defRPr>
       </a:lvl6pPr>
-      <a:lvl7pPr lvl="6" marR="0" rtl="0" algn="l">
+      <a:lvl7pPr marR="0" lvl="6" algn="l" rtl="0">
         <a:lnSpc>
           <a:spcPct val="100000"/>
         </a:lnSpc>
@@ -6537,7 +6659,7 @@
           <a:srgbClr val="000000"/>
         </a:buClr>
         <a:buFont typeface="Arial"/>
-        <a:defRPr b="0" i="0" sz="1400" u="none" cap="none" strike="noStrike">
+        <a:defRPr sz="1400" b="0" i="0" u="none" strike="noStrike" cap="none">
           <a:solidFill>
             <a:srgbClr val="000000"/>
           </a:solidFill>
@@ -6547,7 +6669,7 @@
           <a:sym typeface="Arial"/>
         </a:defRPr>
       </a:lvl7pPr>
-      <a:lvl8pPr lvl="7" marR="0" rtl="0" algn="l">
+      <a:lvl8pPr marR="0" lvl="7" algn="l" rtl="0">
         <a:lnSpc>
           <a:spcPct val="100000"/>
         </a:lnSpc>
@@ -6561,7 +6683,7 @@
           <a:srgbClr val="000000"/>
         </a:buClr>
         <a:buFont typeface="Arial"/>
-        <a:defRPr b="0" i="0" sz="1400" u="none" cap="none" strike="noStrike">
+        <a:defRPr sz="1400" b="0" i="0" u="none" strike="noStrike" cap="none">
           <a:solidFill>
             <a:srgbClr val="000000"/>
           </a:solidFill>
@@ -6571,7 +6693,7 @@
           <a:sym typeface="Arial"/>
         </a:defRPr>
       </a:lvl8pPr>
-      <a:lvl9pPr lvl="8" marR="0" rtl="0" algn="l">
+      <a:lvl9pPr marR="0" lvl="8" algn="l" rtl="0">
         <a:lnSpc>
           <a:spcPct val="100000"/>
         </a:lnSpc>
@@ -6585,7 +6707,7 @@
           <a:srgbClr val="000000"/>
         </a:buClr>
         <a:buFont typeface="Arial"/>
-        <a:defRPr b="0" i="0" sz="1400" u="none" cap="none" strike="noStrike">
+        <a:defRPr sz="1400" b="0" i="0" u="none" strike="noStrike" cap="none">
           <a:solidFill>
             <a:srgbClr val="000000"/>
           </a:solidFill>
@@ -6601,7 +6723,7 @@
 </file>
 
 <file path=ppt/slides/slide1.xml><?xml version="1.0" encoding="utf-8"?>
-<p:sld xmlns:a="http://schemas.openxmlformats.org/drawingml/2006/main" xmlns:r="http://schemas.openxmlformats.org/officeDocument/2006/relationships" xmlns:mc="http://schemas.openxmlformats.org/markup-compatibility/2006" xmlns:mv="urn:schemas-microsoft-com:mac:vml" xmlns:p="http://schemas.openxmlformats.org/presentationml/2006/main" xmlns:c="http://schemas.openxmlformats.org/drawingml/2006/chart" xmlns:dgm="http://schemas.openxmlformats.org/drawingml/2006/diagram" xmlns:o="urn:schemas-microsoft-com:office:office" xmlns:v="urn:schemas-microsoft-com:vml" xmlns:pvml="urn:schemas-microsoft-com:office:powerpoint" xmlns:com="http://schemas.openxmlformats.org/drawingml/2006/compatibility" xmlns:p14="http://schemas.microsoft.com/office/powerpoint/2010/main" xmlns:p15="http://schemas.microsoft.com/office/powerpoint/2012/main" xmlns:ahyp="http://schemas.microsoft.com/office/drawing/2018/hyperlinkcolor">
+<p:sld xmlns:a="http://schemas.openxmlformats.org/drawingml/2006/main" xmlns:r="http://schemas.openxmlformats.org/officeDocument/2006/relationships" xmlns:p="http://schemas.openxmlformats.org/presentationml/2006/main">
   <p:cSld>
     <p:bg>
       <p:bgPr>
@@ -6613,11 +6735,12 @@
             <a:fillRect/>
           </a:stretch>
         </a:blipFill>
+        <a:effectLst/>
       </p:bgPr>
     </p:bg>
     <p:spTree>
       <p:nvGrpSpPr>
-        <p:cNvPr id="54" name="Shape 54"/>
+        <p:cNvPr id="1" name="Shape 54"/>
         <p:cNvGrpSpPr/>
         <p:nvPr/>
       </p:nvGrpSpPr>
@@ -6649,12 +6772,12 @@
           </a:ln>
         </p:spPr>
         <p:txBody>
-          <a:bodyPr anchorCtr="0" anchor="t" bIns="91425" lIns="91425" spcFirstLastPara="1" rIns="91425" wrap="square" tIns="91425">
+          <a:bodyPr spcFirstLastPara="1" wrap="square" lIns="91425" tIns="91425" rIns="91425" bIns="91425" anchor="t" anchorCtr="0">
             <a:noAutofit/>
           </a:bodyPr>
           <a:lstStyle/>
           <a:p>
-            <a:pPr indent="0" lvl="0" marL="0" rtl="0" algn="l">
+            <a:pPr marL="0" lvl="0" indent="0" algn="l" rtl="0">
               <a:spcBef>
                 <a:spcPts val="0"/>
               </a:spcBef>
@@ -6664,7 +6787,7 @@
               <a:buNone/>
             </a:pPr>
             <a:r>
-              <a:rPr b="1" lang="en-GB" sz="4300">
+              <a:rPr lang="en-GB" sz="4300" b="1">
                 <a:solidFill>
                   <a:schemeClr val="lt1"/>
                 </a:solidFill>
@@ -6675,7 +6798,7 @@
               </a:rPr>
               <a:t>Samar Abu Hdeeb</a:t>
             </a:r>
-            <a:endParaRPr b="1" sz="4300">
+            <a:endParaRPr sz="4300" b="1">
               <a:solidFill>
                 <a:schemeClr val="lt1"/>
               </a:solidFill>
@@ -6700,29 +6823,29 @@
           </a:xfrm>
           <a:prstGeom prst="roundRect">
             <a:avLst>
-              <a:gd fmla="val 16667" name="adj"/>
+              <a:gd name="adj" fmla="val 16667"/>
             </a:avLst>
           </a:prstGeom>
           <a:solidFill>
             <a:srgbClr val="2A3891"/>
           </a:solidFill>
-          <a:ln cap="flat" cmpd="sng" w="9525">
+          <a:ln w="9525" cap="flat" cmpd="sng">
             <a:solidFill>
               <a:srgbClr val="2A3891"/>
             </a:solidFill>
             <a:prstDash val="solid"/>
             <a:round/>
-            <a:headEnd len="sm" w="sm" type="none"/>
-            <a:tailEnd len="sm" w="sm" type="none"/>
+            <a:headEnd type="none" w="sm" len="sm"/>
+            <a:tailEnd type="none" w="sm" len="sm"/>
           </a:ln>
         </p:spPr>
         <p:txBody>
-          <a:bodyPr anchorCtr="0" anchor="ctr" bIns="91425" lIns="91425" spcFirstLastPara="1" rIns="91425" wrap="square" tIns="91425">
+          <a:bodyPr spcFirstLastPara="1" wrap="square" lIns="91425" tIns="91425" rIns="91425" bIns="91425" anchor="ctr" anchorCtr="0">
             <a:noAutofit/>
           </a:bodyPr>
           <a:lstStyle/>
           <a:p>
-            <a:pPr indent="0" lvl="0" marL="0" rtl="0" algn="ctr">
+            <a:pPr marL="0" lvl="0" indent="0" algn="ctr" rtl="0">
               <a:spcBef>
                 <a:spcPts val="0"/>
               </a:spcBef>
@@ -6731,9 +6854,6 @@
               </a:spcAft>
               <a:buNone/>
             </a:pPr>
-            <a:r>
-              <a:t/>
-            </a:r>
             <a:endParaRPr/>
           </a:p>
         </p:txBody>
@@ -6751,29 +6871,29 @@
           </a:xfrm>
           <a:prstGeom prst="roundRect">
             <a:avLst>
-              <a:gd fmla="val 16667" name="adj"/>
+              <a:gd name="adj" fmla="val 16667"/>
             </a:avLst>
           </a:prstGeom>
           <a:solidFill>
             <a:srgbClr val="2A3891"/>
           </a:solidFill>
-          <a:ln cap="flat" cmpd="sng" w="9525">
+          <a:ln w="9525" cap="flat" cmpd="sng">
             <a:solidFill>
               <a:srgbClr val="2A3891"/>
             </a:solidFill>
             <a:prstDash val="solid"/>
             <a:round/>
-            <a:headEnd len="sm" w="sm" type="none"/>
-            <a:tailEnd len="sm" w="sm" type="none"/>
+            <a:headEnd type="none" w="sm" len="sm"/>
+            <a:tailEnd type="none" w="sm" len="sm"/>
           </a:ln>
         </p:spPr>
         <p:txBody>
-          <a:bodyPr anchorCtr="0" anchor="ctr" bIns="91425" lIns="91425" spcFirstLastPara="1" rIns="91425" wrap="square" tIns="91425">
+          <a:bodyPr spcFirstLastPara="1" wrap="square" lIns="91425" tIns="91425" rIns="91425" bIns="91425" anchor="ctr" anchorCtr="0">
             <a:noAutofit/>
           </a:bodyPr>
           <a:lstStyle/>
           <a:p>
-            <a:pPr indent="0" lvl="0" marL="0" rtl="0" algn="ctr">
+            <a:pPr marL="0" lvl="0" indent="0" algn="ctr" rtl="0">
               <a:spcBef>
                 <a:spcPts val="0"/>
               </a:spcBef>
@@ -6782,9 +6902,6 @@
               </a:spcAft>
               <a:buNone/>
             </a:pPr>
-            <a:r>
-              <a:t/>
-            </a:r>
             <a:endParaRPr/>
           </a:p>
         </p:txBody>
@@ -6799,7 +6916,7 @@
           <a:blip r:embed="rId4">
             <a:alphaModFix/>
           </a:blip>
-          <a:srcRect b="0" l="4058" r="0" t="7570"/>
+          <a:srcRect l="4058" t="7570"/>
           <a:stretch/>
         </p:blipFill>
         <p:spPr>
@@ -6818,7 +6935,7 @@
       </p:pic>
       <p:pic>
         <p:nvPicPr>
-          <p:cNvPr descr="A logo with yellow and blue text&#10;&#10;Description automatically generated" id="59" name="Google Shape;59;p13"/>
+          <p:cNvPr id="59" name="Google Shape;59;p13" descr="A logo with yellow and blue text&#10;&#10;Description automatically generated"/>
           <p:cNvPicPr preferRelativeResize="0"/>
           <p:nvPr/>
         </p:nvPicPr>
@@ -6826,7 +6943,7 @@
           <a:blip r:embed="rId5">
             <a:alphaModFix/>
           </a:blip>
-          <a:srcRect b="0" l="0" r="18126" t="0"/>
+          <a:srcRect r="18126"/>
           <a:stretch/>
         </p:blipFill>
         <p:spPr>
@@ -6863,12 +6980,12 @@
           </a:ln>
         </p:spPr>
         <p:txBody>
-          <a:bodyPr anchorCtr="0" anchor="t" bIns="91425" lIns="91425" spcFirstLastPara="1" rIns="91425" wrap="square" tIns="91425">
+          <a:bodyPr spcFirstLastPara="1" wrap="square" lIns="91425" tIns="91425" rIns="91425" bIns="91425" anchor="t" anchorCtr="0">
             <a:noAutofit/>
           </a:bodyPr>
           <a:lstStyle/>
           <a:p>
-            <a:pPr indent="0" lvl="0" marL="0" rtl="0" algn="ctr">
+            <a:pPr marL="0" lvl="0" indent="0" algn="ctr" rtl="0">
               <a:spcBef>
                 <a:spcPts val="0"/>
               </a:spcBef>
@@ -6887,19 +7004,7 @@
                 <a:cs typeface="Comfortaa Light"/>
                 <a:sym typeface="Comfortaa Light"/>
               </a:rPr>
-              <a:t>Computer science </a:t>
-            </a:r>
-            <a:r>
-              <a:rPr lang="en-GB" sz="1800">
-                <a:solidFill>
-                  <a:schemeClr val="lt1"/>
-                </a:solidFill>
-                <a:latin typeface="Comfortaa Light"/>
-                <a:ea typeface="Comfortaa Light"/>
-                <a:cs typeface="Comfortaa Light"/>
-                <a:sym typeface="Comfortaa Light"/>
-              </a:rPr>
-              <a:t>graduate,</a:t>
+              <a:t>Computer science graduate,</a:t>
             </a:r>
             <a:endParaRPr sz="1800">
               <a:solidFill>
@@ -6912,7 +7017,7 @@
             </a:endParaRPr>
           </a:p>
           <a:p>
-            <a:pPr indent="0" lvl="0" marL="0" rtl="0" algn="ctr">
+            <a:pPr marL="0" lvl="0" indent="0" algn="ctr" rtl="0">
               <a:spcBef>
                 <a:spcPts val="0"/>
               </a:spcBef>
@@ -6931,19 +7036,7 @@
                 <a:cs typeface="Comfortaa Light"/>
                 <a:sym typeface="Comfortaa Light"/>
               </a:rPr>
-              <a:t>Student at Athar in an Automation course </a:t>
-            </a:r>
-            <a:r>
-              <a:rPr lang="en-GB" sz="1800">
-                <a:solidFill>
-                  <a:schemeClr val="lt1"/>
-                </a:solidFill>
-                <a:latin typeface="Comfortaa Light"/>
-                <a:ea typeface="Comfortaa Light"/>
-                <a:cs typeface="Comfortaa Light"/>
-                <a:sym typeface="Comfortaa Light"/>
-              </a:rPr>
-              <a:t> </a:t>
+              <a:t>Student at Athar in an Automation course  </a:t>
             </a:r>
             <a:endParaRPr sz="1800">
               <a:solidFill>
@@ -6966,11 +7059,11 @@
 </file>
 
 <file path=ppt/slides/slide2.xml><?xml version="1.0" encoding="utf-8"?>
-<p:sld xmlns:a="http://schemas.openxmlformats.org/drawingml/2006/main" xmlns:r="http://schemas.openxmlformats.org/officeDocument/2006/relationships" xmlns:mc="http://schemas.openxmlformats.org/markup-compatibility/2006" xmlns:mv="urn:schemas-microsoft-com:mac:vml" xmlns:p="http://schemas.openxmlformats.org/presentationml/2006/main" xmlns:c="http://schemas.openxmlformats.org/drawingml/2006/chart" xmlns:dgm="http://schemas.openxmlformats.org/drawingml/2006/diagram" xmlns:o="urn:schemas-microsoft-com:office:office" xmlns:v="urn:schemas-microsoft-com:vml" xmlns:pvml="urn:schemas-microsoft-com:office:powerpoint" xmlns:com="http://schemas.openxmlformats.org/drawingml/2006/compatibility" xmlns:p14="http://schemas.microsoft.com/office/powerpoint/2010/main" xmlns:p15="http://schemas.microsoft.com/office/powerpoint/2012/main" xmlns:ahyp="http://schemas.microsoft.com/office/drawing/2018/hyperlinkcolor">
+<p:sld xmlns:a="http://schemas.openxmlformats.org/drawingml/2006/main" xmlns:r="http://schemas.openxmlformats.org/officeDocument/2006/relationships" xmlns:p="http://schemas.openxmlformats.org/presentationml/2006/main">
   <p:cSld>
     <p:spTree>
       <p:nvGrpSpPr>
-        <p:cNvPr id="64" name="Shape 64"/>
+        <p:cNvPr id="1" name="Shape 64"/>
         <p:cNvGrpSpPr/>
         <p:nvPr/>
       </p:nvGrpSpPr>
@@ -7030,12 +7123,12 @@
           </a:ln>
         </p:spPr>
         <p:txBody>
-          <a:bodyPr anchorCtr="0" anchor="t" bIns="91425" lIns="91425" spcFirstLastPara="1" rIns="91425" wrap="square" tIns="91425">
+          <a:bodyPr spcFirstLastPara="1" wrap="square" lIns="91425" tIns="91425" rIns="91425" bIns="91425" anchor="t" anchorCtr="0">
             <a:noAutofit/>
           </a:bodyPr>
           <a:lstStyle/>
           <a:p>
-            <a:pPr indent="0" lvl="0" marL="0" rtl="0" algn="l">
+            <a:pPr marL="0" lvl="0" indent="0" algn="l" rtl="0">
               <a:spcBef>
                 <a:spcPts val="0"/>
               </a:spcBef>
@@ -7054,19 +7147,7 @@
                 <a:cs typeface="Comfortaa"/>
                 <a:sym typeface="Comfortaa"/>
               </a:rPr>
-              <a:t>Telerik </a:t>
-            </a:r>
-            <a:r>
-              <a:rPr lang="en-GB" sz="2400">
-                <a:solidFill>
-                  <a:schemeClr val="dk1"/>
-                </a:solidFill>
-                <a:latin typeface="Comfortaa"/>
-                <a:ea typeface="Comfortaa"/>
-                <a:cs typeface="Comfortaa"/>
-                <a:sym typeface="Comfortaa"/>
-              </a:rPr>
-              <a:t> overview </a:t>
+              <a:t>Telerik  overview </a:t>
             </a:r>
             <a:endParaRPr sz="2400">
               <a:solidFill>
@@ -7089,7 +7170,7 @@
         <p:spPr>
           <a:xfrm>
             <a:off x="5199300" y="907175"/>
-            <a:ext cx="3996000" cy="3829500"/>
+            <a:ext cx="3996000" cy="4148798"/>
           </a:xfrm>
           <a:prstGeom prst="rect">
             <a:avLst/>
@@ -7100,12 +7181,12 @@
           </a:ln>
         </p:spPr>
         <p:txBody>
-          <a:bodyPr anchorCtr="0" anchor="t" bIns="91425" lIns="91425" spcFirstLastPara="1" rIns="91425" wrap="square" tIns="91425">
+          <a:bodyPr spcFirstLastPara="1" wrap="square" lIns="91425" tIns="91425" rIns="91425" bIns="91425" anchor="t" anchorCtr="0">
             <a:spAutoFit/>
           </a:bodyPr>
           <a:lstStyle/>
           <a:p>
-            <a:pPr indent="-330200" lvl="0" marL="457200" rtl="0" algn="l">
+            <a:pPr marL="457200" lvl="0" indent="-330200" algn="l" rtl="0">
               <a:lnSpc>
                 <a:spcPct val="115000"/>
               </a:lnSpc>
@@ -7120,7 +7201,7 @@
               <a:buAutoNum type="arabicPeriod"/>
             </a:pPr>
             <a:r>
-              <a:rPr b="1" lang="en-GB" sz="1600">
+              <a:rPr lang="en-GB" sz="1600" b="1" dirty="0">
                 <a:highlight>
                   <a:schemeClr val="lt1"/>
                 </a:highlight>
@@ -7132,7 +7213,7 @@
               <a:t>UI Components</a:t>
             </a:r>
             <a:r>
-              <a:rPr lang="en-GB" sz="1600">
+              <a:rPr lang="en-GB" sz="1600" dirty="0">
                 <a:highlight>
                   <a:schemeClr val="lt1"/>
                 </a:highlight>
@@ -7141,10 +7222,34 @@
                 <a:cs typeface="Georgia"/>
                 <a:sym typeface="Georgia"/>
               </a:rPr>
-              <a:t>: e.g </a:t>
+              <a:t>: </a:t>
             </a:r>
             <a:r>
-              <a:rPr lang="en-GB" sz="1600">
+              <a:rPr lang="en-GB" sz="1600" dirty="0" err="1">
+                <a:highlight>
+                  <a:schemeClr val="lt1"/>
+                </a:highlight>
+                <a:latin typeface="Georgia"/>
+                <a:ea typeface="Georgia"/>
+                <a:cs typeface="Georgia"/>
+                <a:sym typeface="Georgia"/>
+              </a:rPr>
+              <a:t>e.g</a:t>
+            </a:r>
+            <a:r>
+              <a:rPr lang="en-GB" sz="1600" dirty="0">
+                <a:highlight>
+                  <a:schemeClr val="lt1"/>
+                </a:highlight>
+                <a:latin typeface="Georgia"/>
+                <a:ea typeface="Georgia"/>
+                <a:cs typeface="Georgia"/>
+                <a:sym typeface="Georgia"/>
+              </a:rPr>
+              <a:t> </a:t>
+            </a:r>
+            <a:r>
+              <a:rPr lang="en-GB" sz="1600" dirty="0">
                 <a:solidFill>
                   <a:schemeClr val="dk1"/>
                 </a:solidFill>
@@ -7158,7 +7263,7 @@
               </a:rPr>
               <a:t>Angular, React, Vue</a:t>
             </a:r>
-            <a:endParaRPr sz="1600">
+            <a:endParaRPr sz="1600" dirty="0">
               <a:solidFill>
                 <a:schemeClr val="dk1"/>
               </a:solidFill>
@@ -7172,7 +7277,7 @@
             </a:endParaRPr>
           </a:p>
           <a:p>
-            <a:pPr indent="0" lvl="0" marL="914400" rtl="0" algn="l">
+            <a:pPr marL="1257300" lvl="0" indent="-342900" algn="l" rtl="0">
               <a:lnSpc>
                 <a:spcPct val="115000"/>
               </a:lnSpc>
@@ -7182,12 +7287,10 @@
               <a:spcAft>
                 <a:spcPts val="0"/>
               </a:spcAft>
-              <a:buNone/>
+              <a:buFont typeface="+mj-lt"/>
+              <a:buAutoNum type="arabicPeriod"/>
             </a:pPr>
-            <a:r>
-              <a:t/>
-            </a:r>
-            <a:endParaRPr sz="1600">
+            <a:endParaRPr sz="1600" dirty="0">
               <a:solidFill>
                 <a:schemeClr val="dk1"/>
               </a:solidFill>
@@ -7201,7 +7304,7 @@
             </a:endParaRPr>
           </a:p>
           <a:p>
-            <a:pPr indent="-330200" lvl="0" marL="457200" rtl="0" algn="l">
+            <a:pPr marL="457200" lvl="0" indent="-330200" algn="l" rtl="0">
               <a:lnSpc>
                 <a:spcPct val="115000"/>
               </a:lnSpc>
@@ -7219,7 +7322,7 @@
               <a:buAutoNum type="arabicPeriod"/>
             </a:pPr>
             <a:r>
-              <a:rPr b="1" lang="en-GB" sz="1600">
+              <a:rPr lang="en-GB" sz="1600" b="1" dirty="0">
                 <a:solidFill>
                   <a:schemeClr val="dk1"/>
                 </a:solidFill>
@@ -7234,7 +7337,7 @@
               <a:t>Kendo UI: </a:t>
             </a:r>
             <a:r>
-              <a:rPr lang="en-GB" sz="1600">
+              <a:rPr lang="en-GB" sz="1600" dirty="0">
                 <a:solidFill>
                   <a:schemeClr val="dk1"/>
                 </a:solidFill>
@@ -7246,24 +7349,9 @@
                 <a:cs typeface="Georgia"/>
                 <a:sym typeface="Georgia"/>
               </a:rPr>
-              <a:t> focused on delivering JavaScript-based UI components for frameworks like Angula</a:t>
+              <a:t> focused on delivering JavaScript-based UI components for frameworks like Angular</a:t>
             </a:r>
-            <a:r>
-              <a:rPr lang="en-GB" sz="1600">
-                <a:solidFill>
-                  <a:schemeClr val="dk1"/>
-                </a:solidFill>
-                <a:highlight>
-                  <a:schemeClr val="lt1"/>
-                </a:highlight>
-                <a:latin typeface="Georgia"/>
-                <a:ea typeface="Georgia"/>
-                <a:cs typeface="Georgia"/>
-                <a:sym typeface="Georgia"/>
-              </a:rPr>
-              <a:t>r</a:t>
-            </a:r>
-            <a:endParaRPr sz="1600">
+            <a:endParaRPr sz="1600" dirty="0">
               <a:solidFill>
                 <a:schemeClr val="dk1"/>
               </a:solidFill>
@@ -7277,7 +7365,7 @@
             </a:endParaRPr>
           </a:p>
           <a:p>
-            <a:pPr indent="0" lvl="0" marL="914400" rtl="0" algn="l">
+            <a:pPr marL="1257300" lvl="0" indent="-342900" algn="l" rtl="0">
               <a:lnSpc>
                 <a:spcPct val="115000"/>
               </a:lnSpc>
@@ -7287,12 +7375,10 @@
               <a:spcAft>
                 <a:spcPts val="0"/>
               </a:spcAft>
-              <a:buNone/>
+              <a:buFont typeface="+mj-lt"/>
+              <a:buAutoNum type="arabicPeriod"/>
             </a:pPr>
-            <a:r>
-              <a:t/>
-            </a:r>
-            <a:endParaRPr sz="1600">
+            <a:endParaRPr sz="1600" dirty="0">
               <a:solidFill>
                 <a:schemeClr val="dk1"/>
               </a:solidFill>
@@ -7306,7 +7392,7 @@
             </a:endParaRPr>
           </a:p>
           <a:p>
-            <a:pPr indent="-330200" lvl="0" marL="457200" rtl="0" algn="l">
+            <a:pPr marL="457200" lvl="0" indent="-330200" algn="l" rtl="0">
               <a:lnSpc>
                 <a:spcPct val="115000"/>
               </a:lnSpc>
@@ -7324,7 +7410,7 @@
               <a:buAutoNum type="arabicPeriod"/>
             </a:pPr>
             <a:r>
-              <a:rPr b="1" lang="en-GB" sz="1600">
+              <a:rPr lang="en-GB" sz="1600" b="1" dirty="0">
                 <a:solidFill>
                   <a:schemeClr val="dk1"/>
                 </a:solidFill>
@@ -7339,7 +7425,7 @@
               <a:t>Reporting and Analytics Tools</a:t>
             </a:r>
             <a:r>
-              <a:rPr lang="en-GB" sz="1600">
+              <a:rPr lang="en-GB" sz="1600" dirty="0">
                 <a:solidFill>
                   <a:schemeClr val="dk1"/>
                 </a:solidFill>
@@ -7353,7 +7439,7 @@
               </a:rPr>
               <a:t>: Telerik Reporting</a:t>
             </a:r>
-            <a:endParaRPr sz="1600">
+            <a:endParaRPr sz="1600" dirty="0">
               <a:solidFill>
                 <a:schemeClr val="dk1"/>
               </a:solidFill>
@@ -7367,7 +7453,7 @@
             </a:endParaRPr>
           </a:p>
           <a:p>
-            <a:pPr indent="0" lvl="0" marL="914400" rtl="0" algn="l">
+            <a:pPr marL="1257300" lvl="0" indent="-342900" algn="l" rtl="0">
               <a:lnSpc>
                 <a:spcPct val="115000"/>
               </a:lnSpc>
@@ -7377,12 +7463,10 @@
               <a:spcAft>
                 <a:spcPts val="0"/>
               </a:spcAft>
-              <a:buNone/>
+              <a:buFont typeface="+mj-lt"/>
+              <a:buAutoNum type="arabicPeriod"/>
             </a:pPr>
-            <a:r>
-              <a:t/>
-            </a:r>
-            <a:endParaRPr sz="1600">
+            <a:endParaRPr sz="1600" dirty="0">
               <a:solidFill>
                 <a:schemeClr val="dk1"/>
               </a:solidFill>
@@ -7396,7 +7480,7 @@
             </a:endParaRPr>
           </a:p>
           <a:p>
-            <a:pPr indent="-330200" lvl="0" marL="457200" rtl="0" algn="l">
+            <a:pPr marL="457200" lvl="0" indent="-330200" algn="l" rtl="0">
               <a:lnSpc>
                 <a:spcPct val="115000"/>
               </a:lnSpc>
@@ -7414,7 +7498,7 @@
               <a:buAutoNum type="arabicPeriod"/>
             </a:pPr>
             <a:r>
-              <a:rPr b="1" lang="en-GB" sz="1600">
+              <a:rPr lang="en-GB" sz="1600" b="1" dirty="0">
                 <a:solidFill>
                   <a:schemeClr val="dk1"/>
                 </a:solidFill>
@@ -7428,7 +7512,7 @@
               </a:rPr>
               <a:t>Cross-Platform Development:</a:t>
             </a:r>
-            <a:endParaRPr b="1" sz="1600">
+            <a:endParaRPr sz="1600" b="1" dirty="0">
               <a:solidFill>
                 <a:schemeClr val="dk1"/>
               </a:solidFill>
@@ -7442,7 +7526,7 @@
             </a:endParaRPr>
           </a:p>
           <a:p>
-            <a:pPr indent="0" lvl="0" marL="914400" rtl="0" algn="l">
+            <a:pPr marL="1257300" lvl="0" indent="-342900" algn="l" rtl="0">
               <a:lnSpc>
                 <a:spcPct val="115000"/>
               </a:lnSpc>
@@ -7452,10 +7536,11 @@
               <a:spcAft>
                 <a:spcPts val="0"/>
               </a:spcAft>
-              <a:buNone/>
+              <a:buFont typeface="+mj-lt"/>
+              <a:buAutoNum type="arabicPeriod"/>
             </a:pPr>
             <a:r>
-              <a:rPr lang="en-GB" sz="1600">
+              <a:rPr lang="en-GB" sz="1600" dirty="0">
                 <a:solidFill>
                   <a:schemeClr val="dk1"/>
                 </a:solidFill>
@@ -7469,7 +7554,7 @@
               </a:rPr>
               <a:t>Provides tools for hybrid and native mobile app development</a:t>
             </a:r>
-            <a:endParaRPr b="1" sz="1600">
+            <a:endParaRPr sz="1600" b="1" dirty="0">
               <a:solidFill>
                 <a:schemeClr val="dk1"/>
               </a:solidFill>
@@ -7504,12 +7589,12 @@
           </a:ln>
         </p:spPr>
         <p:txBody>
-          <a:bodyPr anchorCtr="0" anchor="t" bIns="91425" lIns="91425" spcFirstLastPara="1" rIns="91425" wrap="square" tIns="91425">
+          <a:bodyPr spcFirstLastPara="1" wrap="square" lIns="91425" tIns="91425" rIns="91425" bIns="91425" anchor="t" anchorCtr="0">
             <a:noAutofit/>
           </a:bodyPr>
           <a:lstStyle/>
           <a:p>
-            <a:pPr indent="-330200" lvl="0" marL="457200" rtl="0" algn="l">
+            <a:pPr marL="457200" lvl="0" indent="-330200" algn="l" rtl="0">
               <a:lnSpc>
                 <a:spcPct val="115000"/>
               </a:lnSpc>
@@ -7570,12 +7655,12 @@
           </a:ln>
         </p:spPr>
         <p:txBody>
-          <a:bodyPr anchorCtr="0" anchor="t" bIns="91425" lIns="91425" spcFirstLastPara="1" rIns="91425" wrap="square" tIns="91425">
+          <a:bodyPr spcFirstLastPara="1" wrap="square" lIns="91425" tIns="91425" rIns="91425" bIns="91425" anchor="t" anchorCtr="0">
             <a:noAutofit/>
           </a:bodyPr>
           <a:lstStyle/>
           <a:p>
-            <a:pPr indent="-330200" lvl="0" marL="457200" rtl="0" algn="l">
+            <a:pPr marL="457200" lvl="0" indent="-330200" algn="l" rtl="0">
               <a:lnSpc>
                 <a:spcPct val="115000"/>
               </a:lnSpc>
@@ -7635,12 +7720,12 @@
           </a:ln>
         </p:spPr>
         <p:txBody>
-          <a:bodyPr anchorCtr="0" anchor="t" bIns="91425" lIns="91425" spcFirstLastPara="1" rIns="91425" wrap="square" tIns="91425">
+          <a:bodyPr spcFirstLastPara="1" wrap="square" lIns="91425" tIns="91425" rIns="91425" bIns="91425" anchor="t" anchorCtr="0">
             <a:spAutoFit/>
           </a:bodyPr>
           <a:lstStyle/>
           <a:p>
-            <a:pPr indent="0" lvl="0" marL="0" rtl="0" algn="l">
+            <a:pPr marL="0" lvl="0" indent="0" algn="l" rtl="0">
               <a:lnSpc>
                 <a:spcPct val="115000"/>
               </a:lnSpc>
@@ -7682,7 +7767,7 @@
 </file>
 
 <file path=ppt/slides/slide3.xml><?xml version="1.0" encoding="utf-8"?>
-<p:sld xmlns:a="http://schemas.openxmlformats.org/drawingml/2006/main" xmlns:r="http://schemas.openxmlformats.org/officeDocument/2006/relationships" xmlns:mc="http://schemas.openxmlformats.org/markup-compatibility/2006" xmlns:mv="urn:schemas-microsoft-com:mac:vml" xmlns:p="http://schemas.openxmlformats.org/presentationml/2006/main" xmlns:c="http://schemas.openxmlformats.org/drawingml/2006/chart" xmlns:dgm="http://schemas.openxmlformats.org/drawingml/2006/diagram" xmlns:o="urn:schemas-microsoft-com:office:office" xmlns:v="urn:schemas-microsoft-com:vml" xmlns:pvml="urn:schemas-microsoft-com:office:powerpoint" xmlns:com="http://schemas.openxmlformats.org/drawingml/2006/compatibility" xmlns:p14="http://schemas.microsoft.com/office/powerpoint/2010/main" xmlns:p15="http://schemas.microsoft.com/office/powerpoint/2012/main" xmlns:ahyp="http://schemas.microsoft.com/office/drawing/2018/hyperlinkcolor">
+<p:sld xmlns:a="http://schemas.openxmlformats.org/drawingml/2006/main" xmlns:r="http://schemas.openxmlformats.org/officeDocument/2006/relationships" xmlns:p="http://schemas.openxmlformats.org/presentationml/2006/main">
   <p:cSld>
     <p:bg>
       <p:bgPr>
@@ -7694,11 +7779,12 @@
             <a:fillRect/>
           </a:stretch>
         </a:blipFill>
+        <a:effectLst/>
       </p:bgPr>
     </p:bg>
     <p:spTree>
       <p:nvGrpSpPr>
-        <p:cNvPr id="74" name="Shape 74"/>
+        <p:cNvPr id="1" name="Shape 74"/>
         <p:cNvGrpSpPr/>
         <p:nvPr/>
       </p:nvGrpSpPr>
@@ -7727,23 +7813,23 @@
           <a:solidFill>
             <a:srgbClr val="151950"/>
           </a:solidFill>
-          <a:ln cap="flat" cmpd="sng" w="9525">
+          <a:ln w="9525" cap="flat" cmpd="sng">
             <a:solidFill>
               <a:srgbClr val="151950"/>
             </a:solidFill>
             <a:prstDash val="solid"/>
             <a:round/>
-            <a:headEnd len="sm" w="sm" type="none"/>
-            <a:tailEnd len="sm" w="sm" type="none"/>
+            <a:headEnd type="none" w="sm" len="sm"/>
+            <a:tailEnd type="none" w="sm" len="sm"/>
           </a:ln>
         </p:spPr>
         <p:txBody>
-          <a:bodyPr anchorCtr="0" anchor="ctr" bIns="91425" lIns="91425" spcFirstLastPara="1" rIns="91425" wrap="square" tIns="91425">
+          <a:bodyPr spcFirstLastPara="1" wrap="square" lIns="91425" tIns="91425" rIns="91425" bIns="91425" anchor="ctr" anchorCtr="0">
             <a:noAutofit/>
           </a:bodyPr>
           <a:lstStyle/>
           <a:p>
-            <a:pPr indent="0" lvl="0" marL="0" rtl="0" algn="ctr">
+            <a:pPr marL="0" lvl="0" indent="0" algn="ctr" rtl="0">
               <a:spcBef>
                 <a:spcPts val="0"/>
               </a:spcBef>
@@ -7752,9 +7838,6 @@
               </a:spcAft>
               <a:buNone/>
             </a:pPr>
-            <a:r>
-              <a:t/>
-            </a:r>
             <a:endParaRPr/>
           </a:p>
         </p:txBody>
@@ -7776,23 +7859,23 @@
           <a:solidFill>
             <a:schemeClr val="lt1"/>
           </a:solidFill>
-          <a:ln cap="flat" cmpd="sng" w="9525">
+          <a:ln w="9525" cap="flat" cmpd="sng">
             <a:solidFill>
               <a:schemeClr val="dk2"/>
             </a:solidFill>
             <a:prstDash val="solid"/>
             <a:round/>
-            <a:headEnd len="sm" w="sm" type="none"/>
-            <a:tailEnd len="sm" w="sm" type="none"/>
+            <a:headEnd type="none" w="sm" len="sm"/>
+            <a:tailEnd type="none" w="sm" len="sm"/>
           </a:ln>
         </p:spPr>
         <p:txBody>
-          <a:bodyPr anchorCtr="0" anchor="ctr" bIns="91425" lIns="91425" spcFirstLastPara="1" rIns="91425" wrap="square" tIns="91425">
+          <a:bodyPr spcFirstLastPara="1" wrap="square" lIns="91425" tIns="91425" rIns="91425" bIns="91425" anchor="ctr" anchorCtr="0">
             <a:noAutofit/>
           </a:bodyPr>
           <a:lstStyle/>
           <a:p>
-            <a:pPr indent="0" lvl="0" marL="0" rtl="0" algn="ctr">
+            <a:pPr marL="0" lvl="0" indent="0" algn="ctr" rtl="0">
               <a:spcBef>
                 <a:spcPts val="0"/>
               </a:spcBef>
@@ -7801,9 +7884,6 @@
               </a:spcAft>
               <a:buNone/>
             </a:pPr>
-            <a:r>
-              <a:t/>
-            </a:r>
             <a:endParaRPr/>
           </a:p>
         </p:txBody>
@@ -7828,12 +7908,12 @@
           </a:ln>
         </p:spPr>
         <p:txBody>
-          <a:bodyPr anchorCtr="0" anchor="t" bIns="91425" lIns="91425" spcFirstLastPara="1" rIns="91425" wrap="square" tIns="91425">
+          <a:bodyPr spcFirstLastPara="1" wrap="square" lIns="91425" tIns="91425" rIns="91425" bIns="91425" anchor="t" anchorCtr="0">
             <a:noAutofit/>
           </a:bodyPr>
           <a:lstStyle/>
           <a:p>
-            <a:pPr indent="0" lvl="0" marL="0" rtl="0" algn="l">
+            <a:pPr marL="0" lvl="0" indent="0" algn="l" rtl="0">
               <a:spcBef>
                 <a:spcPts val="0"/>
               </a:spcBef>
@@ -7886,12 +7966,12 @@
           </a:ln>
         </p:spPr>
         <p:txBody>
-          <a:bodyPr anchorCtr="0" anchor="t" bIns="91425" lIns="91425" spcFirstLastPara="1" rIns="91425" wrap="square" tIns="91425">
+          <a:bodyPr spcFirstLastPara="1" wrap="square" lIns="91425" tIns="91425" rIns="91425" bIns="91425" anchor="t" anchorCtr="0">
             <a:noAutofit/>
           </a:bodyPr>
           <a:lstStyle/>
           <a:p>
-            <a:pPr indent="-342900" lvl="0" marL="457200" rtl="0" algn="l">
+            <a:pPr marL="457200" lvl="0" indent="-342900" algn="l" rtl="0">
               <a:lnSpc>
                 <a:spcPct val="115000"/>
               </a:lnSpc>
@@ -7931,7 +8011,7 @@
             </a:endParaRPr>
           </a:p>
           <a:p>
-            <a:pPr indent="-342900" lvl="1" marL="914400" rtl="0" algn="l">
+            <a:pPr marL="914400" lvl="1" indent="-342900" algn="l" rtl="0">
               <a:lnSpc>
                 <a:spcPct val="115000"/>
               </a:lnSpc>
@@ -7971,7 +8051,7 @@
             </a:endParaRPr>
           </a:p>
           <a:p>
-            <a:pPr indent="-342900" lvl="1" marL="914400" rtl="0" algn="l">
+            <a:pPr marL="914400" lvl="1" indent="-342900" algn="l" rtl="0">
               <a:lnSpc>
                 <a:spcPct val="115000"/>
               </a:lnSpc>
@@ -8011,7 +8091,7 @@
             </a:endParaRPr>
           </a:p>
           <a:p>
-            <a:pPr indent="-342900" lvl="1" marL="914400" rtl="0" algn="l">
+            <a:pPr marL="914400" lvl="1" indent="-342900" algn="l" rtl="0">
               <a:lnSpc>
                 <a:spcPct val="115000"/>
               </a:lnSpc>
@@ -8051,7 +8131,7 @@
             </a:endParaRPr>
           </a:p>
           <a:p>
-            <a:pPr indent="-342900" lvl="1" marL="914400" rtl="0" algn="l">
+            <a:pPr marL="914400" lvl="1" indent="-342900" algn="l" rtl="0">
               <a:lnSpc>
                 <a:spcPct val="115000"/>
               </a:lnSpc>
@@ -8091,7 +8171,7 @@
             </a:endParaRPr>
           </a:p>
           <a:p>
-            <a:pPr indent="-342900" lvl="0" marL="457200" rtl="0" algn="l">
+            <a:pPr marL="457200" lvl="0" indent="-342900" algn="l" rtl="0">
               <a:lnSpc>
                 <a:spcPct val="115000"/>
               </a:lnSpc>
@@ -8131,7 +8211,7 @@
             </a:endParaRPr>
           </a:p>
           <a:p>
-            <a:pPr indent="-342900" lvl="1" marL="914400" rtl="0" algn="l">
+            <a:pPr marL="914400" lvl="1" indent="-342900" algn="l" rtl="0">
               <a:lnSpc>
                 <a:spcPct val="115000"/>
               </a:lnSpc>
@@ -8192,12 +8272,12 @@
           </a:ln>
         </p:spPr>
         <p:txBody>
-          <a:bodyPr anchorCtr="0" anchor="t" bIns="91425" lIns="91425" spcFirstLastPara="1" rIns="91425" wrap="square" tIns="91425">
+          <a:bodyPr spcFirstLastPara="1" wrap="square" lIns="91425" tIns="91425" rIns="91425" bIns="91425" anchor="t" anchorCtr="0">
             <a:noAutofit/>
           </a:bodyPr>
           <a:lstStyle/>
           <a:p>
-            <a:pPr indent="-342900" lvl="0" marL="457200" rtl="0" algn="l">
+            <a:pPr marL="457200" lvl="0" indent="-342900" algn="l" rtl="0">
               <a:lnSpc>
                 <a:spcPct val="115000"/>
               </a:lnSpc>
@@ -8224,31 +8304,7 @@
                 <a:cs typeface="Georgia"/>
                 <a:sym typeface="Georgia"/>
               </a:rPr>
-              <a:t>All tests </a:t>
-            </a:r>
-            <a:r>
-              <a:rPr lang="en-GB" sz="1800">
-                <a:solidFill>
-                  <a:schemeClr val="dk1"/>
-                </a:solidFill>
-                <a:latin typeface="Georgia"/>
-                <a:ea typeface="Georgia"/>
-                <a:cs typeface="Georgia"/>
-                <a:sym typeface="Georgia"/>
-              </a:rPr>
-              <a:t>conducted</a:t>
-            </a:r>
-            <a:r>
-              <a:rPr lang="en-GB" sz="1800">
-                <a:solidFill>
-                  <a:schemeClr val="dk1"/>
-                </a:solidFill>
-                <a:latin typeface="Georgia"/>
-                <a:ea typeface="Georgia"/>
-                <a:cs typeface="Georgia"/>
-                <a:sym typeface="Georgia"/>
-              </a:rPr>
-              <a:t> in an OOP manner</a:t>
+              <a:t>All tests conducted in an OOP manner</a:t>
             </a:r>
             <a:endParaRPr sz="1800">
               <a:solidFill>
@@ -8261,7 +8317,7 @@
             </a:endParaRPr>
           </a:p>
           <a:p>
-            <a:pPr indent="-342900" lvl="0" marL="457200" rtl="0" algn="l">
+            <a:pPr marL="457200" lvl="0" indent="-342900" algn="l" rtl="0">
               <a:lnSpc>
                 <a:spcPct val="115000"/>
               </a:lnSpc>
@@ -8301,7 +8357,7 @@
             </a:endParaRPr>
           </a:p>
           <a:p>
-            <a:pPr indent="-342900" lvl="0" marL="457200" rtl="0" algn="l">
+            <a:pPr marL="457200" lvl="0" indent="-342900" algn="l" rtl="0">
               <a:lnSpc>
                 <a:spcPct val="115000"/>
               </a:lnSpc>
@@ -8341,7 +8397,7 @@
             </a:endParaRPr>
           </a:p>
           <a:p>
-            <a:pPr indent="-342900" lvl="0" marL="457200" rtl="0" algn="l">
+            <a:pPr marL="457200" lvl="0" indent="-342900" algn="l" rtl="0">
               <a:lnSpc>
                 <a:spcPct val="115000"/>
               </a:lnSpc>
@@ -8381,7 +8437,7 @@
             </a:endParaRPr>
           </a:p>
           <a:p>
-            <a:pPr indent="-342900" lvl="0" marL="457200" rtl="0" algn="l">
+            <a:pPr marL="457200" lvl="0" indent="-342900" algn="l" rtl="0">
               <a:lnSpc>
                 <a:spcPct val="115000"/>
               </a:lnSpc>
@@ -8421,7 +8477,7 @@
             </a:endParaRPr>
           </a:p>
           <a:p>
-            <a:pPr indent="-342900" lvl="0" marL="457200" rtl="0" algn="l">
+            <a:pPr marL="457200" lvl="0" indent="-342900" algn="l" rtl="0">
               <a:lnSpc>
                 <a:spcPct val="115000"/>
               </a:lnSpc>
@@ -8471,11 +8527,11 @@
 </file>
 
 <file path=ppt/slides/slide4.xml><?xml version="1.0" encoding="utf-8"?>
-<p:sld xmlns:a="http://schemas.openxmlformats.org/drawingml/2006/main" xmlns:r="http://schemas.openxmlformats.org/officeDocument/2006/relationships" xmlns:mc="http://schemas.openxmlformats.org/markup-compatibility/2006" xmlns:mv="urn:schemas-microsoft-com:mac:vml" xmlns:p="http://schemas.openxmlformats.org/presentationml/2006/main" xmlns:c="http://schemas.openxmlformats.org/drawingml/2006/chart" xmlns:dgm="http://schemas.openxmlformats.org/drawingml/2006/diagram" xmlns:o="urn:schemas-microsoft-com:office:office" xmlns:v="urn:schemas-microsoft-com:vml" xmlns:pvml="urn:schemas-microsoft-com:office:powerpoint" xmlns:com="http://schemas.openxmlformats.org/drawingml/2006/compatibility" xmlns:p14="http://schemas.microsoft.com/office/powerpoint/2010/main" xmlns:p15="http://schemas.microsoft.com/office/powerpoint/2012/main" xmlns:ahyp="http://schemas.microsoft.com/office/drawing/2018/hyperlinkcolor">
+<p:sld xmlns:a="http://schemas.openxmlformats.org/drawingml/2006/main" xmlns:r="http://schemas.openxmlformats.org/officeDocument/2006/relationships" xmlns:p="http://schemas.openxmlformats.org/presentationml/2006/main">
   <p:cSld>
     <p:spTree>
       <p:nvGrpSpPr>
-        <p:cNvPr id="83" name="Shape 83"/>
+        <p:cNvPr id="1" name="Shape 83"/>
         <p:cNvGrpSpPr/>
         <p:nvPr/>
       </p:nvGrpSpPr>
@@ -8497,7 +8553,7 @@
           <a:blip r:embed="rId3">
             <a:alphaModFix/>
           </a:blip>
-          <a:srcRect b="0" l="0" r="26610" t="0"/>
+          <a:srcRect r="26610"/>
           <a:stretch/>
         </p:blipFill>
         <p:spPr>
@@ -8534,12 +8590,12 @@
           </a:ln>
         </p:spPr>
         <p:txBody>
-          <a:bodyPr anchorCtr="0" anchor="t" bIns="91425" lIns="91425" spcFirstLastPara="1" rIns="91425" wrap="square" tIns="91425">
+          <a:bodyPr spcFirstLastPara="1" wrap="square" lIns="91425" tIns="91425" rIns="91425" bIns="91425" anchor="t" anchorCtr="0">
             <a:noAutofit/>
           </a:bodyPr>
           <a:lstStyle/>
           <a:p>
-            <a:pPr indent="0" lvl="0" marL="0" rtl="0" algn="l">
+            <a:pPr marL="0" lvl="0" indent="0" algn="l" rtl="0">
               <a:spcBef>
                 <a:spcPts val="0"/>
               </a:spcBef>
@@ -8592,12 +8648,12 @@
           </a:ln>
         </p:spPr>
         <p:txBody>
-          <a:bodyPr anchorCtr="0" anchor="t" bIns="91425" lIns="91425" spcFirstLastPara="1" rIns="91425" wrap="square" tIns="91425">
+          <a:bodyPr spcFirstLastPara="1" wrap="square" lIns="91425" tIns="91425" rIns="91425" bIns="91425" anchor="t" anchorCtr="0">
             <a:noAutofit/>
           </a:bodyPr>
           <a:lstStyle/>
           <a:p>
-            <a:pPr indent="-355600" lvl="0" marL="457200" rtl="0" algn="l">
+            <a:pPr marL="457200" lvl="0" indent="-355600" algn="l" rtl="0">
               <a:lnSpc>
                 <a:spcPct val="115000"/>
               </a:lnSpc>
@@ -8637,7 +8693,7 @@
             </a:endParaRPr>
           </a:p>
           <a:p>
-            <a:pPr indent="-355600" lvl="0" marL="457200" rtl="0" algn="l">
+            <a:pPr marL="457200" lvl="0" indent="-355600" algn="l" rtl="0">
               <a:lnSpc>
                 <a:spcPct val="115000"/>
               </a:lnSpc>
@@ -8677,7 +8733,7 @@
             </a:endParaRPr>
           </a:p>
           <a:p>
-            <a:pPr indent="-355600" lvl="0" marL="457200" rtl="0" algn="l">
+            <a:pPr marL="457200" lvl="0" indent="-355600" algn="l" rtl="0">
               <a:lnSpc>
                 <a:spcPct val="115000"/>
               </a:lnSpc>
@@ -8727,7 +8783,7 @@
 </file>
 
 <file path=ppt/slides/slide5.xml><?xml version="1.0" encoding="utf-8"?>
-<p:sld xmlns:a="http://schemas.openxmlformats.org/drawingml/2006/main" xmlns:r="http://schemas.openxmlformats.org/officeDocument/2006/relationships" xmlns:mc="http://schemas.openxmlformats.org/markup-compatibility/2006" xmlns:mv="urn:schemas-microsoft-com:mac:vml" xmlns:p="http://schemas.openxmlformats.org/presentationml/2006/main" xmlns:c="http://schemas.openxmlformats.org/drawingml/2006/chart" xmlns:dgm="http://schemas.openxmlformats.org/drawingml/2006/diagram" xmlns:o="urn:schemas-microsoft-com:office:office" xmlns:v="urn:schemas-microsoft-com:vml" xmlns:pvml="urn:schemas-microsoft-com:office:powerpoint" xmlns:com="http://schemas.openxmlformats.org/drawingml/2006/compatibility" xmlns:p14="http://schemas.microsoft.com/office/powerpoint/2010/main" xmlns:p15="http://schemas.microsoft.com/office/powerpoint/2012/main" xmlns:ahyp="http://schemas.microsoft.com/office/drawing/2018/hyperlinkcolor" show="0">
+<p:sld xmlns:a="http://schemas.openxmlformats.org/drawingml/2006/main" xmlns:r="http://schemas.openxmlformats.org/officeDocument/2006/relationships" xmlns:p="http://schemas.openxmlformats.org/presentationml/2006/main" show="0">
   <p:cSld>
     <p:bg>
       <p:bgPr>
@@ -8739,11 +8795,12 @@
             <a:fillRect/>
           </a:stretch>
         </a:blipFill>
+        <a:effectLst/>
       </p:bgPr>
     </p:bg>
     <p:spTree>
       <p:nvGrpSpPr>
-        <p:cNvPr id="90" name="Shape 90"/>
+        <p:cNvPr id="1" name="Shape 90"/>
         <p:cNvGrpSpPr/>
         <p:nvPr/>
       </p:nvGrpSpPr>
@@ -8765,7 +8822,7 @@
           <a:blip r:embed="rId4">
             <a:alphaModFix/>
           </a:blip>
-          <a:srcRect b="63698" l="46359" r="38012" t="23211"/>
+          <a:srcRect l="46359" t="23211" r="38012" b="63698"/>
           <a:stretch/>
         </p:blipFill>
         <p:spPr>
@@ -8799,23 +8856,23 @@
           <a:solidFill>
             <a:schemeClr val="lt1"/>
           </a:solidFill>
-          <a:ln cap="flat" cmpd="sng" w="9525">
+          <a:ln w="9525" cap="flat" cmpd="sng">
             <a:solidFill>
               <a:schemeClr val="dk2"/>
             </a:solidFill>
             <a:prstDash val="solid"/>
             <a:round/>
-            <a:headEnd len="sm" w="sm" type="none"/>
-            <a:tailEnd len="sm" w="sm" type="none"/>
+            <a:headEnd type="none" w="sm" len="sm"/>
+            <a:tailEnd type="none" w="sm" len="sm"/>
           </a:ln>
         </p:spPr>
         <p:txBody>
-          <a:bodyPr anchorCtr="0" anchor="ctr" bIns="91425" lIns="91425" spcFirstLastPara="1" rIns="91425" wrap="square" tIns="91425">
+          <a:bodyPr spcFirstLastPara="1" wrap="square" lIns="91425" tIns="91425" rIns="91425" bIns="91425" anchor="ctr" anchorCtr="0">
             <a:noAutofit/>
           </a:bodyPr>
           <a:lstStyle/>
           <a:p>
-            <a:pPr indent="0" lvl="0" marL="0" rtl="0" algn="ctr">
+            <a:pPr marL="0" lvl="0" indent="0" algn="ctr" rtl="0">
               <a:spcBef>
                 <a:spcPts val="0"/>
               </a:spcBef>
@@ -8824,9 +8881,6 @@
               </a:spcAft>
               <a:buNone/>
             </a:pPr>
-            <a:r>
-              <a:t/>
-            </a:r>
             <a:endParaRPr/>
           </a:p>
         </p:txBody>
@@ -8841,7 +8895,7 @@
           <a:blip r:embed="rId5">
             <a:alphaModFix/>
           </a:blip>
-          <a:srcRect b="12503" l="10716" r="60482" t="0"/>
+          <a:srcRect l="10716" r="60482" b="12503"/>
           <a:stretch/>
         </p:blipFill>
         <p:spPr>
@@ -8878,12 +8932,12 @@
           </a:ln>
         </p:spPr>
         <p:txBody>
-          <a:bodyPr anchorCtr="0" anchor="t" bIns="91425" lIns="91425" spcFirstLastPara="1" rIns="91425" wrap="square" tIns="91425">
+          <a:bodyPr spcFirstLastPara="1" wrap="square" lIns="91425" tIns="91425" rIns="91425" bIns="91425" anchor="t" anchorCtr="0">
             <a:noAutofit/>
           </a:bodyPr>
           <a:lstStyle/>
           <a:p>
-            <a:pPr indent="-355600" lvl="0" marL="457200" rtl="0" algn="l">
+            <a:pPr marL="457200" lvl="0" indent="-355600" algn="l" rtl="0">
               <a:lnSpc>
                 <a:spcPct val="115000"/>
               </a:lnSpc>
@@ -8923,7 +8977,7 @@
             </a:endParaRPr>
           </a:p>
           <a:p>
-            <a:pPr indent="-355600" lvl="0" marL="457200" rtl="0" algn="l">
+            <a:pPr marL="457200" lvl="0" indent="-355600" algn="l" rtl="0">
               <a:lnSpc>
                 <a:spcPct val="115000"/>
               </a:lnSpc>
@@ -8963,7 +9017,7 @@
             </a:endParaRPr>
           </a:p>
           <a:p>
-            <a:pPr indent="-355600" lvl="0" marL="457200" rtl="0" algn="l">
+            <a:pPr marL="457200" lvl="0" indent="-355600" algn="l" rtl="0">
               <a:lnSpc>
                 <a:spcPct val="115000"/>
               </a:lnSpc>
@@ -9003,7 +9057,7 @@
             </a:endParaRPr>
           </a:p>
           <a:p>
-            <a:pPr indent="-355600" lvl="0" marL="457200" rtl="0" algn="l">
+            <a:pPr marL="457200" lvl="0" indent="-355600" algn="l" rtl="0">
               <a:lnSpc>
                 <a:spcPct val="115000"/>
               </a:lnSpc>
@@ -9043,7 +9097,7 @@
             </a:endParaRPr>
           </a:p>
           <a:p>
-            <a:pPr indent="-355600" lvl="0" marL="457200" rtl="0" algn="l">
+            <a:pPr marL="457200" lvl="0" indent="-355600" algn="l" rtl="0">
               <a:lnSpc>
                 <a:spcPct val="115000"/>
               </a:lnSpc>
@@ -9083,7 +9137,7 @@
             </a:endParaRPr>
           </a:p>
           <a:p>
-            <a:pPr indent="-355600" lvl="0" marL="457200" rtl="0" algn="l">
+            <a:pPr marL="457200" lvl="0" indent="-355600" algn="l" rtl="0">
               <a:lnSpc>
                 <a:spcPct val="115000"/>
               </a:lnSpc>
@@ -9144,12 +9198,12 @@
           </a:ln>
         </p:spPr>
         <p:txBody>
-          <a:bodyPr anchorCtr="0" anchor="t" bIns="91425" lIns="91425" spcFirstLastPara="1" rIns="91425" wrap="square" tIns="91425">
+          <a:bodyPr spcFirstLastPara="1" wrap="square" lIns="91425" tIns="91425" rIns="91425" bIns="91425" anchor="t" anchorCtr="0">
             <a:noAutofit/>
           </a:bodyPr>
           <a:lstStyle/>
           <a:p>
-            <a:pPr indent="0" lvl="0" marL="0" rtl="0" algn="l">
+            <a:pPr marL="0" lvl="0" indent="0" algn="l" rtl="0">
               <a:spcBef>
                 <a:spcPts val="0"/>
               </a:spcBef>
@@ -9159,7 +9213,7 @@
               <a:buNone/>
             </a:pPr>
             <a:r>
-              <a:rPr b="1" lang="en-GB" sz="2300">
+              <a:rPr lang="en-GB" sz="2300" b="1">
                 <a:solidFill>
                   <a:schemeClr val="dk2"/>
                 </a:solidFill>
@@ -9170,7 +9224,7 @@
               </a:rPr>
               <a:t>ACCOUNT</a:t>
             </a:r>
-            <a:endParaRPr b="1" sz="2300">
+            <a:endParaRPr sz="2300" b="1">
               <a:solidFill>
                 <a:schemeClr val="dk2"/>
               </a:solidFill>
@@ -9199,23 +9253,23 @@
           <a:solidFill>
             <a:schemeClr val="lt1"/>
           </a:solidFill>
-          <a:ln cap="flat" cmpd="sng" w="9525">
+          <a:ln w="9525" cap="flat" cmpd="sng">
             <a:solidFill>
               <a:schemeClr val="dk2"/>
             </a:solidFill>
             <a:prstDash val="solid"/>
             <a:round/>
-            <a:headEnd len="sm" w="sm" type="none"/>
-            <a:tailEnd len="sm" w="sm" type="none"/>
+            <a:headEnd type="none" w="sm" len="sm"/>
+            <a:tailEnd type="none" w="sm" len="sm"/>
           </a:ln>
         </p:spPr>
         <p:txBody>
-          <a:bodyPr anchorCtr="0" anchor="ctr" bIns="91425" lIns="91425" spcFirstLastPara="1" rIns="91425" wrap="square" tIns="91425">
+          <a:bodyPr spcFirstLastPara="1" wrap="square" lIns="91425" tIns="91425" rIns="91425" bIns="91425" anchor="ctr" anchorCtr="0">
             <a:noAutofit/>
           </a:bodyPr>
           <a:lstStyle/>
           <a:p>
-            <a:pPr indent="0" lvl="0" marL="0" rtl="0" algn="ctr">
+            <a:pPr marL="0" lvl="0" indent="0" algn="ctr" rtl="0">
               <a:spcBef>
                 <a:spcPts val="0"/>
               </a:spcBef>
@@ -9224,9 +9278,6 @@
               </a:spcAft>
               <a:buNone/>
             </a:pPr>
-            <a:r>
-              <a:t/>
-            </a:r>
             <a:endParaRPr/>
           </a:p>
         </p:txBody>
@@ -9251,12 +9302,12 @@
           </a:ln>
         </p:spPr>
         <p:txBody>
-          <a:bodyPr anchorCtr="0" anchor="t" bIns="91425" lIns="91425" spcFirstLastPara="1" rIns="91425" wrap="square" tIns="91425">
+          <a:bodyPr spcFirstLastPara="1" wrap="square" lIns="91425" tIns="91425" rIns="91425" bIns="91425" anchor="t" anchorCtr="0">
             <a:noAutofit/>
           </a:bodyPr>
           <a:lstStyle/>
           <a:p>
-            <a:pPr indent="-355600" lvl="0" marL="457200" rtl="0" algn="l">
+            <a:pPr marL="457200" lvl="0" indent="-355600" algn="l" rtl="0">
               <a:lnSpc>
                 <a:spcPct val="115000"/>
               </a:lnSpc>
@@ -9296,7 +9347,7 @@
             </a:endParaRPr>
           </a:p>
           <a:p>
-            <a:pPr indent="-355600" lvl="0" marL="457200" rtl="0" algn="l">
+            <a:pPr marL="457200" lvl="0" indent="-355600" algn="l" rtl="0">
               <a:lnSpc>
                 <a:spcPct val="115000"/>
               </a:lnSpc>
@@ -9336,7 +9387,7 @@
             </a:endParaRPr>
           </a:p>
           <a:p>
-            <a:pPr indent="-355600" lvl="0" marL="457200" rtl="0" algn="l">
+            <a:pPr marL="457200" lvl="0" indent="-355600" algn="l" rtl="0">
               <a:lnSpc>
                 <a:spcPct val="115000"/>
               </a:lnSpc>
@@ -9376,7 +9427,7 @@
             </a:endParaRPr>
           </a:p>
           <a:p>
-            <a:pPr indent="-355600" lvl="0" marL="457200" rtl="0" algn="l">
+            <a:pPr marL="457200" lvl="0" indent="-355600" algn="l" rtl="0">
               <a:lnSpc>
                 <a:spcPct val="115000"/>
               </a:lnSpc>
@@ -9416,7 +9467,7 @@
             </a:endParaRPr>
           </a:p>
           <a:p>
-            <a:pPr indent="-355600" lvl="0" marL="457200" rtl="0" algn="l">
+            <a:pPr marL="457200" lvl="0" indent="-355600" algn="l" rtl="0">
               <a:lnSpc>
                 <a:spcPct val="115000"/>
               </a:lnSpc>
@@ -9456,7 +9507,7 @@
             </a:endParaRPr>
           </a:p>
           <a:p>
-            <a:pPr indent="-355600" lvl="0" marL="457200" rtl="0" algn="l">
+            <a:pPr marL="457200" lvl="0" indent="-355600" algn="l" rtl="0">
               <a:lnSpc>
                 <a:spcPct val="115000"/>
               </a:lnSpc>
@@ -9507,7 +9558,7 @@
           <a:blip r:embed="rId5">
             <a:alphaModFix/>
           </a:blip>
-          <a:srcRect b="14544" l="68272" r="4347" t="0"/>
+          <a:srcRect l="68272" r="4347" b="14544"/>
           <a:stretch/>
         </p:blipFill>
         <p:spPr>
@@ -9544,12 +9595,12 @@
           </a:ln>
         </p:spPr>
         <p:txBody>
-          <a:bodyPr anchorCtr="0" anchor="t" bIns="91425" lIns="91425" spcFirstLastPara="1" rIns="91425" wrap="square" tIns="91425">
+          <a:bodyPr spcFirstLastPara="1" wrap="square" lIns="91425" tIns="91425" rIns="91425" bIns="91425" anchor="t" anchorCtr="0">
             <a:noAutofit/>
           </a:bodyPr>
           <a:lstStyle/>
           <a:p>
-            <a:pPr indent="0" lvl="0" marL="0" rtl="0" algn="l">
+            <a:pPr marL="0" lvl="0" indent="0" algn="l" rtl="0">
               <a:spcBef>
                 <a:spcPts val="0"/>
               </a:spcBef>
@@ -9559,7 +9610,7 @@
               <a:buNone/>
             </a:pPr>
             <a:r>
-              <a:rPr b="1" lang="en-GB" sz="2300">
+              <a:rPr lang="en-GB" sz="2300" b="1">
                 <a:solidFill>
                   <a:schemeClr val="dk2"/>
                 </a:solidFill>
@@ -9570,7 +9621,7 @@
               </a:rPr>
               <a:t>CONTACT US </a:t>
             </a:r>
-            <a:endParaRPr b="1" sz="2300">
+            <a:endParaRPr sz="2300" b="1">
               <a:solidFill>
                 <a:schemeClr val="dk2"/>
               </a:solidFill>
@@ -9599,23 +9650,23 @@
           <a:solidFill>
             <a:srgbClr val="282B8D"/>
           </a:solidFill>
-          <a:ln cap="flat" cmpd="sng" w="9525">
+          <a:ln w="9525" cap="flat" cmpd="sng">
             <a:solidFill>
               <a:srgbClr val="282B8D"/>
             </a:solidFill>
             <a:prstDash val="solid"/>
             <a:round/>
-            <a:headEnd len="sm" w="sm" type="none"/>
-            <a:tailEnd len="sm" w="sm" type="none"/>
+            <a:headEnd type="none" w="sm" len="sm"/>
+            <a:tailEnd type="none" w="sm" len="sm"/>
           </a:ln>
         </p:spPr>
         <p:txBody>
-          <a:bodyPr anchorCtr="0" anchor="ctr" bIns="91425" lIns="91425" spcFirstLastPara="1" rIns="91425" wrap="square" tIns="91425">
+          <a:bodyPr spcFirstLastPara="1" wrap="square" lIns="91425" tIns="91425" rIns="91425" bIns="91425" anchor="ctr" anchorCtr="0">
             <a:noAutofit/>
           </a:bodyPr>
           <a:lstStyle/>
           <a:p>
-            <a:pPr indent="0" lvl="0" marL="0" rtl="0" algn="ctr">
+            <a:pPr marL="0" lvl="0" indent="0" algn="ctr" rtl="0">
               <a:spcBef>
                 <a:spcPts val="0"/>
               </a:spcBef>
@@ -9624,9 +9675,6 @@
               </a:spcAft>
               <a:buNone/>
             </a:pPr>
-            <a:r>
-              <a:t/>
-            </a:r>
             <a:endParaRPr/>
           </a:p>
         </p:txBody>
@@ -9648,23 +9696,23 @@
           <a:solidFill>
             <a:schemeClr val="lt2"/>
           </a:solidFill>
-          <a:ln cap="flat" cmpd="sng" w="9525">
+          <a:ln w="9525" cap="flat" cmpd="sng">
             <a:solidFill>
               <a:schemeClr val="dk2"/>
             </a:solidFill>
             <a:prstDash val="solid"/>
             <a:round/>
-            <a:headEnd len="sm" w="sm" type="none"/>
-            <a:tailEnd len="sm" w="sm" type="none"/>
+            <a:headEnd type="none" w="sm" len="sm"/>
+            <a:tailEnd type="none" w="sm" len="sm"/>
           </a:ln>
         </p:spPr>
         <p:txBody>
-          <a:bodyPr anchorCtr="0" anchor="ctr" bIns="91425" lIns="91425" spcFirstLastPara="1" rIns="91425" wrap="square" tIns="91425">
+          <a:bodyPr spcFirstLastPara="1" wrap="square" lIns="91425" tIns="91425" rIns="91425" bIns="91425" anchor="ctr" anchorCtr="0">
             <a:noAutofit/>
           </a:bodyPr>
           <a:lstStyle/>
           <a:p>
-            <a:pPr indent="0" lvl="0" marL="0" rtl="1" algn="ctr">
+            <a:pPr marL="0" lvl="0" indent="0" algn="ctr" rtl="1">
               <a:spcBef>
                 <a:spcPts val="0"/>
               </a:spcBef>
@@ -9680,7 +9728,7 @@
             <a:endParaRPr/>
           </a:p>
           <a:p>
-            <a:pPr indent="-317500" lvl="0" marL="457200" rtl="1" algn="ctr">
+            <a:pPr marL="457200" lvl="0" indent="-317500" algn="ctr" rtl="1">
               <a:spcBef>
                 <a:spcPts val="0"/>
               </a:spcBef>
@@ -9697,7 +9745,7 @@
             <a:endParaRPr/>
           </a:p>
           <a:p>
-            <a:pPr indent="-317500" lvl="0" marL="457200" rtl="1" algn="ctr">
+            <a:pPr marL="457200" lvl="0" indent="-317500" algn="ctr" rtl="1">
               <a:spcBef>
                 <a:spcPts val="0"/>
               </a:spcBef>
@@ -9714,7 +9762,7 @@
             <a:endParaRPr/>
           </a:p>
           <a:p>
-            <a:pPr indent="-317500" lvl="0" marL="457200" rtl="1" algn="ctr">
+            <a:pPr marL="457200" lvl="0" indent="-317500" algn="ctr" rtl="1">
               <a:spcBef>
                 <a:spcPts val="0"/>
               </a:spcBef>
@@ -9731,7 +9779,7 @@
             <a:endParaRPr/>
           </a:p>
           <a:p>
-            <a:pPr indent="0" lvl="0" marL="457200" rtl="1" algn="ctr">
+            <a:pPr marL="457200" lvl="0" indent="0" algn="ctr" rtl="1">
               <a:spcBef>
                 <a:spcPts val="0"/>
               </a:spcBef>
@@ -9742,15 +9790,7 @@
             </a:pPr>
             <a:r>
               <a:rPr lang="en-GB"/>
-              <a:t>למשל שדה של השם הראשון המשתמש יכול לא </a:t>
-            </a:r>
-            <a:r>
-              <a:rPr lang="en-GB"/>
-              <a:t>לשים</a:t>
-            </a:r>
-            <a:r>
-              <a:rPr lang="en-GB"/>
-              <a:t> שם (שדה ריק) הכניס שם עם תווים מיוחדים, או שם תקין   </a:t>
+              <a:t>למשל שדה של השם הראשון המשתמש יכול לא לשים שם (שדה ריק) הכניס שם עם תווים מיוחדים, או שם תקין   </a:t>
             </a:r>
             <a:endParaRPr/>
           </a:p>
@@ -9765,18 +9805,19 @@
 </file>
 
 <file path=ppt/slides/slide6.xml><?xml version="1.0" encoding="utf-8"?>
-<p:sld xmlns:a="http://schemas.openxmlformats.org/drawingml/2006/main" xmlns:r="http://schemas.openxmlformats.org/officeDocument/2006/relationships" xmlns:mc="http://schemas.openxmlformats.org/markup-compatibility/2006" xmlns:mv="urn:schemas-microsoft-com:mac:vml" xmlns:p="http://schemas.openxmlformats.org/presentationml/2006/main" xmlns:c="http://schemas.openxmlformats.org/drawingml/2006/chart" xmlns:dgm="http://schemas.openxmlformats.org/drawingml/2006/diagram" xmlns:o="urn:schemas-microsoft-com:office:office" xmlns:v="urn:schemas-microsoft-com:vml" xmlns:pvml="urn:schemas-microsoft-com:office:powerpoint" xmlns:com="http://schemas.openxmlformats.org/drawingml/2006/compatibility" xmlns:p14="http://schemas.microsoft.com/office/powerpoint/2010/main" xmlns:p15="http://schemas.microsoft.com/office/powerpoint/2012/main" xmlns:ahyp="http://schemas.microsoft.com/office/drawing/2018/hyperlinkcolor">
+<p:sld xmlns:a="http://schemas.openxmlformats.org/drawingml/2006/main" xmlns:r="http://schemas.openxmlformats.org/officeDocument/2006/relationships" xmlns:p="http://schemas.openxmlformats.org/presentationml/2006/main">
   <p:cSld>
     <p:bg>
       <p:bgPr>
         <a:solidFill>
           <a:schemeClr val="lt1"/>
         </a:solidFill>
+        <a:effectLst/>
       </p:bgPr>
     </p:bg>
     <p:spTree>
       <p:nvGrpSpPr>
-        <p:cNvPr id="105" name="Shape 105"/>
+        <p:cNvPr id="1" name="Shape 105"/>
         <p:cNvGrpSpPr/>
         <p:nvPr/>
       </p:nvGrpSpPr>
@@ -9798,7 +9839,7 @@
           <a:blip r:embed="rId3">
             <a:alphaModFix/>
           </a:blip>
-          <a:srcRect b="63698" l="46359" r="38012" t="23211"/>
+          <a:srcRect l="46359" t="23211" r="38012" b="63698"/>
           <a:stretch/>
         </p:blipFill>
         <p:spPr>
@@ -9860,23 +9901,23 @@
           <a:solidFill>
             <a:schemeClr val="lt1"/>
           </a:solidFill>
-          <a:ln cap="flat" cmpd="sng" w="9525">
+          <a:ln w="9525" cap="flat" cmpd="sng">
             <a:solidFill>
               <a:schemeClr val="dk2"/>
             </a:solidFill>
             <a:prstDash val="solid"/>
             <a:round/>
-            <a:headEnd len="sm" w="sm" type="none"/>
-            <a:tailEnd len="sm" w="sm" type="none"/>
+            <a:headEnd type="none" w="sm" len="sm"/>
+            <a:tailEnd type="none" w="sm" len="sm"/>
           </a:ln>
         </p:spPr>
         <p:txBody>
-          <a:bodyPr anchorCtr="0" anchor="ctr" bIns="91425" lIns="91425" spcFirstLastPara="1" rIns="91425" wrap="square" tIns="91425">
+          <a:bodyPr spcFirstLastPara="1" wrap="square" lIns="91425" tIns="91425" rIns="91425" bIns="91425" anchor="ctr" anchorCtr="0">
             <a:noAutofit/>
           </a:bodyPr>
           <a:lstStyle/>
           <a:p>
-            <a:pPr indent="0" lvl="0" marL="0" rtl="0" algn="ctr">
+            <a:pPr marL="0" lvl="0" indent="0" algn="ctr" rtl="0">
               <a:spcBef>
                 <a:spcPts val="0"/>
               </a:spcBef>
@@ -9885,9 +9926,6 @@
               </a:spcAft>
               <a:buNone/>
             </a:pPr>
-            <a:r>
-              <a:t/>
-            </a:r>
             <a:endParaRPr/>
           </a:p>
         </p:txBody>
@@ -9912,12 +9950,12 @@
           </a:ln>
         </p:spPr>
         <p:txBody>
-          <a:bodyPr anchorCtr="0" anchor="t" bIns="91425" lIns="91425" spcFirstLastPara="1" rIns="91425" wrap="square" tIns="91425">
+          <a:bodyPr spcFirstLastPara="1" wrap="square" lIns="91425" tIns="91425" rIns="91425" bIns="91425" anchor="t" anchorCtr="0">
             <a:noAutofit/>
           </a:bodyPr>
           <a:lstStyle/>
           <a:p>
-            <a:pPr indent="-355600" lvl="0" marL="457200" rtl="0" algn="l">
+            <a:pPr marL="457200" lvl="0" indent="-355600" algn="l" rtl="0">
               <a:lnSpc>
                 <a:spcPct val="115000"/>
               </a:lnSpc>
@@ -9957,7 +9995,7 @@
             </a:endParaRPr>
           </a:p>
           <a:p>
-            <a:pPr indent="-355600" lvl="0" marL="457200" rtl="0" algn="l">
+            <a:pPr marL="457200" lvl="0" indent="-355600" algn="l" rtl="0">
               <a:lnSpc>
                 <a:spcPct val="115000"/>
               </a:lnSpc>
@@ -9997,7 +10035,7 @@
             </a:endParaRPr>
           </a:p>
           <a:p>
-            <a:pPr indent="-355600" lvl="0" marL="457200" rtl="0" algn="l">
+            <a:pPr marL="457200" lvl="0" indent="-355600" algn="l" rtl="0">
               <a:lnSpc>
                 <a:spcPct val="115000"/>
               </a:lnSpc>
@@ -10037,7 +10075,7 @@
             </a:endParaRPr>
           </a:p>
           <a:p>
-            <a:pPr indent="-355600" lvl="0" marL="457200" rtl="0" algn="l">
+            <a:pPr marL="457200" lvl="0" indent="-355600" algn="l" rtl="0">
               <a:lnSpc>
                 <a:spcPct val="115000"/>
               </a:lnSpc>
@@ -10077,7 +10115,7 @@
             </a:endParaRPr>
           </a:p>
           <a:p>
-            <a:pPr indent="-355600" lvl="0" marL="457200" rtl="0" algn="l">
+            <a:pPr marL="457200" lvl="0" indent="-355600" algn="l" rtl="0">
               <a:lnSpc>
                 <a:spcPct val="115000"/>
               </a:lnSpc>
@@ -10117,7 +10155,7 @@
             </a:endParaRPr>
           </a:p>
           <a:p>
-            <a:pPr indent="-355600" lvl="0" marL="457200" rtl="0" algn="l">
+            <a:pPr marL="457200" lvl="0" indent="-355600" algn="l" rtl="0">
               <a:lnSpc>
                 <a:spcPct val="115000"/>
               </a:lnSpc>
@@ -10178,12 +10216,12 @@
           </a:ln>
         </p:spPr>
         <p:txBody>
-          <a:bodyPr anchorCtr="0" anchor="t" bIns="91425" lIns="91425" spcFirstLastPara="1" rIns="91425" wrap="square" tIns="91425">
+          <a:bodyPr spcFirstLastPara="1" wrap="square" lIns="91425" tIns="91425" rIns="91425" bIns="91425" anchor="t" anchorCtr="0">
             <a:noAutofit/>
           </a:bodyPr>
           <a:lstStyle/>
           <a:p>
-            <a:pPr indent="0" lvl="0" marL="0" rtl="0" algn="l">
+            <a:pPr marL="0" lvl="0" indent="0" algn="l" rtl="0">
               <a:spcBef>
                 <a:spcPts val="0"/>
               </a:spcBef>
@@ -10193,7 +10231,7 @@
               <a:buNone/>
             </a:pPr>
             <a:r>
-              <a:rPr b="1" lang="en-GB" sz="2300">
+              <a:rPr lang="en-GB" sz="2300" b="1">
                 <a:solidFill>
                   <a:schemeClr val="dk2"/>
                 </a:solidFill>
@@ -10204,7 +10242,7 @@
               </a:rPr>
               <a:t>ACCOUNT</a:t>
             </a:r>
-            <a:endParaRPr b="1" sz="2300">
+            <a:endParaRPr sz="2300" b="1">
               <a:solidFill>
                 <a:schemeClr val="dk2"/>
               </a:solidFill>
@@ -10233,23 +10271,23 @@
           <a:solidFill>
             <a:schemeClr val="lt1"/>
           </a:solidFill>
-          <a:ln cap="flat" cmpd="sng" w="9525">
+          <a:ln w="9525" cap="flat" cmpd="sng">
             <a:solidFill>
               <a:schemeClr val="dk2"/>
             </a:solidFill>
             <a:prstDash val="solid"/>
             <a:round/>
-            <a:headEnd len="sm" w="sm" type="none"/>
-            <a:tailEnd len="sm" w="sm" type="none"/>
+            <a:headEnd type="none" w="sm" len="sm"/>
+            <a:tailEnd type="none" w="sm" len="sm"/>
           </a:ln>
         </p:spPr>
         <p:txBody>
-          <a:bodyPr anchorCtr="0" anchor="ctr" bIns="91425" lIns="91425" spcFirstLastPara="1" rIns="91425" wrap="square" tIns="91425">
+          <a:bodyPr spcFirstLastPara="1" wrap="square" lIns="91425" tIns="91425" rIns="91425" bIns="91425" anchor="ctr" anchorCtr="0">
             <a:noAutofit/>
           </a:bodyPr>
           <a:lstStyle/>
           <a:p>
-            <a:pPr indent="0" lvl="0" marL="0" rtl="0" algn="ctr">
+            <a:pPr marL="0" lvl="0" indent="0" algn="ctr" rtl="0">
               <a:spcBef>
                 <a:spcPts val="0"/>
               </a:spcBef>
@@ -10258,9 +10296,6 @@
               </a:spcAft>
               <a:buNone/>
             </a:pPr>
-            <a:r>
-              <a:t/>
-            </a:r>
             <a:endParaRPr/>
           </a:p>
         </p:txBody>
@@ -10285,12 +10320,12 @@
           </a:ln>
         </p:spPr>
         <p:txBody>
-          <a:bodyPr anchorCtr="0" anchor="t" bIns="91425" lIns="91425" spcFirstLastPara="1" rIns="91425" wrap="square" tIns="91425">
+          <a:bodyPr spcFirstLastPara="1" wrap="square" lIns="91425" tIns="91425" rIns="91425" bIns="91425" anchor="t" anchorCtr="0">
             <a:noAutofit/>
           </a:bodyPr>
           <a:lstStyle/>
           <a:p>
-            <a:pPr indent="-355600" lvl="0" marL="457200" rtl="0" algn="l">
+            <a:pPr marL="457200" lvl="0" indent="-355600" algn="l" rtl="0">
               <a:lnSpc>
                 <a:spcPct val="115000"/>
               </a:lnSpc>
@@ -10330,7 +10365,7 @@
             </a:endParaRPr>
           </a:p>
           <a:p>
-            <a:pPr indent="-355600" lvl="0" marL="457200" rtl="0" algn="l">
+            <a:pPr marL="457200" lvl="0" indent="-355600" algn="l" rtl="0">
               <a:lnSpc>
                 <a:spcPct val="115000"/>
               </a:lnSpc>
@@ -10370,7 +10405,7 @@
             </a:endParaRPr>
           </a:p>
           <a:p>
-            <a:pPr indent="-355600" lvl="0" marL="457200" rtl="0" algn="l">
+            <a:pPr marL="457200" lvl="0" indent="-355600" algn="l" rtl="0">
               <a:lnSpc>
                 <a:spcPct val="115000"/>
               </a:lnSpc>
@@ -10410,7 +10445,7 @@
             </a:endParaRPr>
           </a:p>
           <a:p>
-            <a:pPr indent="-355600" lvl="0" marL="457200" rtl="0" algn="l">
+            <a:pPr marL="457200" lvl="0" indent="-355600" algn="l" rtl="0">
               <a:lnSpc>
                 <a:spcPct val="115000"/>
               </a:lnSpc>
@@ -10450,7 +10485,7 @@
             </a:endParaRPr>
           </a:p>
           <a:p>
-            <a:pPr indent="-355600" lvl="0" marL="457200" rtl="0" algn="l">
+            <a:pPr marL="457200" lvl="0" indent="-355600" algn="l" rtl="0">
               <a:lnSpc>
                 <a:spcPct val="115000"/>
               </a:lnSpc>
@@ -10490,7 +10525,7 @@
             </a:endParaRPr>
           </a:p>
           <a:p>
-            <a:pPr indent="-355600" lvl="0" marL="457200" rtl="0" algn="l">
+            <a:pPr marL="457200" lvl="0" indent="-355600" algn="l" rtl="0">
               <a:lnSpc>
                 <a:spcPct val="115000"/>
               </a:lnSpc>
@@ -10551,12 +10586,12 @@
           </a:ln>
         </p:spPr>
         <p:txBody>
-          <a:bodyPr anchorCtr="0" anchor="t" bIns="91425" lIns="91425" spcFirstLastPara="1" rIns="91425" wrap="square" tIns="91425">
+          <a:bodyPr spcFirstLastPara="1" wrap="square" lIns="91425" tIns="91425" rIns="91425" bIns="91425" anchor="t" anchorCtr="0">
             <a:noAutofit/>
           </a:bodyPr>
           <a:lstStyle/>
           <a:p>
-            <a:pPr indent="0" lvl="0" marL="0" rtl="0" algn="l">
+            <a:pPr marL="0" lvl="0" indent="0" algn="l" rtl="0">
               <a:spcBef>
                 <a:spcPts val="0"/>
               </a:spcBef>
@@ -10566,7 +10601,7 @@
               <a:buNone/>
             </a:pPr>
             <a:r>
-              <a:rPr b="1" lang="en-GB" sz="2300">
+              <a:rPr lang="en-GB" sz="2300" b="1">
                 <a:solidFill>
                   <a:schemeClr val="dk2"/>
                 </a:solidFill>
@@ -10577,7 +10612,7 @@
               </a:rPr>
               <a:t>CONTACT US </a:t>
             </a:r>
-            <a:endParaRPr b="1" sz="2300">
+            <a:endParaRPr sz="2300" b="1">
               <a:solidFill>
                 <a:schemeClr val="dk2"/>
               </a:solidFill>
@@ -10654,11 +10689,11 @@
 </file>
 
 <file path=ppt/slides/slide7.xml><?xml version="1.0" encoding="utf-8"?>
-<p:sld xmlns:a="http://schemas.openxmlformats.org/drawingml/2006/main" xmlns:r="http://schemas.openxmlformats.org/officeDocument/2006/relationships" xmlns:mc="http://schemas.openxmlformats.org/markup-compatibility/2006" xmlns:mv="urn:schemas-microsoft-com:mac:vml" xmlns:p="http://schemas.openxmlformats.org/presentationml/2006/main" xmlns:c="http://schemas.openxmlformats.org/drawingml/2006/chart" xmlns:dgm="http://schemas.openxmlformats.org/drawingml/2006/diagram" xmlns:o="urn:schemas-microsoft-com:office:office" xmlns:v="urn:schemas-microsoft-com:vml" xmlns:pvml="urn:schemas-microsoft-com:office:powerpoint" xmlns:com="http://schemas.openxmlformats.org/drawingml/2006/compatibility" xmlns:p14="http://schemas.microsoft.com/office/powerpoint/2010/main" xmlns:p15="http://schemas.microsoft.com/office/powerpoint/2012/main" xmlns:ahyp="http://schemas.microsoft.com/office/drawing/2018/hyperlinkcolor">
+<p:sld xmlns:a="http://schemas.openxmlformats.org/drawingml/2006/main" xmlns:r="http://schemas.openxmlformats.org/officeDocument/2006/relationships" xmlns:p="http://schemas.openxmlformats.org/presentationml/2006/main">
   <p:cSld>
     <p:spTree>
       <p:nvGrpSpPr>
-        <p:cNvPr id="119" name="Shape 119"/>
+        <p:cNvPr id="1" name="Shape 119"/>
         <p:cNvGrpSpPr/>
         <p:nvPr/>
       </p:nvGrpSpPr>
@@ -10680,7 +10715,7 @@
           <a:blip r:embed="rId3">
             <a:alphaModFix/>
           </a:blip>
-          <a:srcRect b="0" l="0" r="16093" t="11355"/>
+          <a:srcRect t="11355" r="16093"/>
           <a:stretch/>
         </p:blipFill>
         <p:spPr>
@@ -10707,7 +10742,7 @@
           <a:blip r:embed="rId4">
             <a:alphaModFix/>
           </a:blip>
-          <a:srcRect b="0" l="15070" r="8312" t="13472"/>
+          <a:srcRect l="15070" t="13472" r="8312"/>
           <a:stretch/>
         </p:blipFill>
         <p:spPr>
@@ -10734,7 +10769,7 @@
           <a:blip r:embed="rId4">
             <a:alphaModFix/>
           </a:blip>
-          <a:srcRect b="85678" l="0" r="83200" t="0"/>
+          <a:srcRect r="83200" b="85678"/>
           <a:stretch/>
         </p:blipFill>
         <p:spPr>
@@ -10771,12 +10806,12 @@
           </a:ln>
         </p:spPr>
         <p:txBody>
-          <a:bodyPr anchorCtr="0" anchor="t" bIns="91425" lIns="91425" spcFirstLastPara="1" rIns="91425" wrap="square" tIns="91425">
+          <a:bodyPr spcFirstLastPara="1" wrap="square" lIns="91425" tIns="91425" rIns="91425" bIns="91425" anchor="t" anchorCtr="0">
             <a:noAutofit/>
           </a:bodyPr>
           <a:lstStyle/>
           <a:p>
-            <a:pPr indent="0" lvl="0" marL="0" rtl="0" algn="l">
+            <a:pPr marL="0" lvl="0" indent="0" algn="l" rtl="0">
               <a:spcBef>
                 <a:spcPts val="0"/>
               </a:spcBef>
@@ -10833,7 +10868,7 @@
 </file>
 
 <file path=ppt/slides/slide8.xml><?xml version="1.0" encoding="utf-8"?>
-<p:sld xmlns:a="http://schemas.openxmlformats.org/drawingml/2006/main" xmlns:r="http://schemas.openxmlformats.org/officeDocument/2006/relationships" xmlns:mc="http://schemas.openxmlformats.org/markup-compatibility/2006" xmlns:mv="urn:schemas-microsoft-com:mac:vml" xmlns:p="http://schemas.openxmlformats.org/presentationml/2006/main" xmlns:c="http://schemas.openxmlformats.org/drawingml/2006/chart" xmlns:dgm="http://schemas.openxmlformats.org/drawingml/2006/diagram" xmlns:o="urn:schemas-microsoft-com:office:office" xmlns:v="urn:schemas-microsoft-com:vml" xmlns:pvml="urn:schemas-microsoft-com:office:powerpoint" xmlns:com="http://schemas.openxmlformats.org/drawingml/2006/compatibility" xmlns:p14="http://schemas.microsoft.com/office/powerpoint/2010/main" xmlns:p15="http://schemas.microsoft.com/office/powerpoint/2012/main" xmlns:ahyp="http://schemas.microsoft.com/office/drawing/2018/hyperlinkcolor">
+<p:sld xmlns:a="http://schemas.openxmlformats.org/drawingml/2006/main" xmlns:r="http://schemas.openxmlformats.org/officeDocument/2006/relationships" xmlns:p="http://schemas.openxmlformats.org/presentationml/2006/main">
   <p:cSld>
     <p:bg>
       <p:bgPr>
@@ -10845,11 +10880,12 @@
             <a:fillRect/>
           </a:stretch>
         </a:blipFill>
+        <a:effectLst/>
       </p:bgPr>
     </p:bg>
     <p:spTree>
       <p:nvGrpSpPr>
-        <p:cNvPr id="127" name="Shape 127"/>
+        <p:cNvPr id="1" name="Shape 127"/>
         <p:cNvGrpSpPr/>
         <p:nvPr/>
       </p:nvGrpSpPr>
@@ -10881,12 +10917,12 @@
           </a:ln>
         </p:spPr>
         <p:txBody>
-          <a:bodyPr anchorCtr="0" anchor="t" bIns="91425" lIns="91425" spcFirstLastPara="1" rIns="91425" wrap="square" tIns="91425">
+          <a:bodyPr spcFirstLastPara="1" wrap="square" lIns="91425" tIns="91425" rIns="91425" bIns="91425" anchor="t" anchorCtr="0">
             <a:noAutofit/>
           </a:bodyPr>
           <a:lstStyle/>
           <a:p>
-            <a:pPr indent="0" lvl="0" marL="0" rtl="0" algn="l">
+            <a:pPr marL="0" lvl="0" indent="0" algn="l" rtl="0">
               <a:spcBef>
                 <a:spcPts val="0"/>
               </a:spcBef>
@@ -10934,7 +10970,7 @@
 </file>
 
 <file path=ppt/slides/slide9.xml><?xml version="1.0" encoding="utf-8"?>
-<p:sld xmlns:a="http://schemas.openxmlformats.org/drawingml/2006/main" xmlns:r="http://schemas.openxmlformats.org/officeDocument/2006/relationships" xmlns:mc="http://schemas.openxmlformats.org/markup-compatibility/2006" xmlns:mv="urn:schemas-microsoft-com:mac:vml" xmlns:p="http://schemas.openxmlformats.org/presentationml/2006/main" xmlns:c="http://schemas.openxmlformats.org/drawingml/2006/chart" xmlns:dgm="http://schemas.openxmlformats.org/drawingml/2006/diagram" xmlns:o="urn:schemas-microsoft-com:office:office" xmlns:v="urn:schemas-microsoft-com:vml" xmlns:pvml="urn:schemas-microsoft-com:office:powerpoint" xmlns:com="http://schemas.openxmlformats.org/drawingml/2006/compatibility" xmlns:p14="http://schemas.microsoft.com/office/powerpoint/2010/main" xmlns:p15="http://schemas.microsoft.com/office/powerpoint/2012/main" xmlns:ahyp="http://schemas.microsoft.com/office/drawing/2018/hyperlinkcolor" show="0">
+<p:sld xmlns:a="http://schemas.openxmlformats.org/drawingml/2006/main" xmlns:r="http://schemas.openxmlformats.org/officeDocument/2006/relationships" xmlns:p="http://schemas.openxmlformats.org/presentationml/2006/main" show="0">
   <p:cSld>
     <p:bg>
       <p:bgPr>
@@ -10946,11 +10982,12 @@
             <a:fillRect/>
           </a:stretch>
         </a:blipFill>
+        <a:effectLst/>
       </p:bgPr>
     </p:bg>
     <p:spTree>
       <p:nvGrpSpPr>
-        <p:cNvPr id="132" name="Shape 132"/>
+        <p:cNvPr id="1" name="Shape 132"/>
         <p:cNvGrpSpPr/>
         <p:nvPr/>
       </p:nvGrpSpPr>
@@ -10982,12 +11019,12 @@
           </a:ln>
         </p:spPr>
         <p:txBody>
-          <a:bodyPr anchorCtr="0" anchor="t" bIns="91425" lIns="91425" spcFirstLastPara="1" rIns="91425" wrap="square" tIns="91425">
+          <a:bodyPr spcFirstLastPara="1" wrap="square" lIns="91425" tIns="91425" rIns="91425" bIns="91425" anchor="t" anchorCtr="0">
             <a:noAutofit/>
           </a:bodyPr>
           <a:lstStyle/>
           <a:p>
-            <a:pPr indent="0" lvl="0" marL="0" rtl="0" algn="l">
+            <a:pPr marL="0" lvl="0" indent="0" algn="l" rtl="0">
               <a:spcBef>
                 <a:spcPts val="0"/>
               </a:spcBef>
@@ -10997,7 +11034,7 @@
               <a:buNone/>
             </a:pPr>
             <a:r>
-              <a:rPr b="1" lang="en-GB" sz="5300">
+              <a:rPr lang="en-GB" sz="5300" b="1">
                 <a:solidFill>
                   <a:schemeClr val="lt1"/>
                 </a:solidFill>
@@ -11008,7 +11045,7 @@
               </a:rPr>
               <a:t>THANK YOU</a:t>
             </a:r>
-            <a:endParaRPr b="1" sz="5300">
+            <a:endParaRPr sz="5300" b="1">
               <a:solidFill>
                 <a:schemeClr val="lt1"/>
               </a:solidFill>
@@ -11057,7 +11094,288 @@
 </file>
 
 <file path=ppt/theme/theme1.xml><?xml version="1.0" encoding="utf-8"?>
-<a:theme xmlns:a="http://schemas.openxmlformats.org/drawingml/2006/main" xmlns:r="http://schemas.openxmlformats.org/officeDocument/2006/relationships">
+<a:theme xmlns:a="http://schemas.openxmlformats.org/drawingml/2006/main" name="Simple Light">
+  <a:themeElements>
+    <a:clrScheme name="Simple Light">
+      <a:dk1>
+        <a:srgbClr val="000000"/>
+      </a:dk1>
+      <a:lt1>
+        <a:srgbClr val="FFFFFF"/>
+      </a:lt1>
+      <a:dk2>
+        <a:srgbClr val="595959"/>
+      </a:dk2>
+      <a:lt2>
+        <a:srgbClr val="EEEEEE"/>
+      </a:lt2>
+      <a:accent1>
+        <a:srgbClr val="4285F4"/>
+      </a:accent1>
+      <a:accent2>
+        <a:srgbClr val="212121"/>
+      </a:accent2>
+      <a:accent3>
+        <a:srgbClr val="78909C"/>
+      </a:accent3>
+      <a:accent4>
+        <a:srgbClr val="FFAB40"/>
+      </a:accent4>
+      <a:accent5>
+        <a:srgbClr val="0097A7"/>
+      </a:accent5>
+      <a:accent6>
+        <a:srgbClr val="EEFF41"/>
+      </a:accent6>
+      <a:hlink>
+        <a:srgbClr val="0097A7"/>
+      </a:hlink>
+      <a:folHlink>
+        <a:srgbClr val="0097A7"/>
+      </a:folHlink>
+    </a:clrScheme>
+    <a:fontScheme name="Office">
+      <a:majorFont>
+        <a:latin typeface="Arial"/>
+        <a:ea typeface=""/>
+        <a:cs typeface=""/>
+        <a:font script="Jpan" typeface="ＭＳ Ｐゴシック"/>
+        <a:font script="Hang" typeface="맑은 고딕"/>
+        <a:font script="Hans" typeface="宋体"/>
+        <a:font script="Hant" typeface="新細明體"/>
+        <a:font script="Arab" typeface="Times New Roman"/>
+        <a:font script="Hebr" typeface="Times New Roman"/>
+        <a:font script="Thai" typeface="Angsana New"/>
+        <a:font script="Ethi" typeface="Nyala"/>
+        <a:font script="Beng" typeface="Vrinda"/>
+        <a:font script="Gujr" typeface="Shruti"/>
+        <a:font script="Khmr" typeface="MoolBoran"/>
+        <a:font script="Knda" typeface="Tunga"/>
+        <a:font script="Guru" typeface="Raavi"/>
+        <a:font script="Cans" typeface="Euphemia"/>
+        <a:font script="Cher" typeface="Plantagenet Cherokee"/>
+        <a:font script="Yiii" typeface="Microsoft Yi Baiti"/>
+        <a:font script="Tibt" typeface="Microsoft Himalaya"/>
+        <a:font script="Thaa" typeface="MV Boli"/>
+        <a:font script="Deva" typeface="Mangal"/>
+        <a:font script="Telu" typeface="Gautami"/>
+        <a:font script="Taml" typeface="Latha"/>
+        <a:font script="Syrc" typeface="Estrangelo Edessa"/>
+        <a:font script="Orya" typeface="Kalinga"/>
+        <a:font script="Mlym" typeface="Kartika"/>
+        <a:font script="Laoo" typeface="DokChampa"/>
+        <a:font script="Sinh" typeface="Iskoola Pota"/>
+        <a:font script="Mong" typeface="Mongolian Baiti"/>
+        <a:font script="Viet" typeface="Times New Roman"/>
+        <a:font script="Uigh" typeface="Microsoft Uighur"/>
+        <a:font script="Geor" typeface="Sylfaen"/>
+      </a:majorFont>
+      <a:minorFont>
+        <a:latin typeface="Arial"/>
+        <a:ea typeface=""/>
+        <a:cs typeface=""/>
+        <a:font script="Jpan" typeface="ＭＳ Ｐゴシック"/>
+        <a:font script="Hang" typeface="맑은 고딕"/>
+        <a:font script="Hans" typeface="宋体"/>
+        <a:font script="Hant" typeface="新細明體"/>
+        <a:font script="Arab" typeface="Arial"/>
+        <a:font script="Hebr" typeface="Arial"/>
+        <a:font script="Thai" typeface="Cordia New"/>
+        <a:font script="Ethi" typeface="Nyala"/>
+        <a:font script="Beng" typeface="Vrinda"/>
+        <a:font script="Gujr" typeface="Shruti"/>
+        <a:font script="Khmr" typeface="DaunPenh"/>
+        <a:font script="Knda" typeface="Tunga"/>
+        <a:font script="Guru" typeface="Raavi"/>
+        <a:font script="Cans" typeface="Euphemia"/>
+        <a:font script="Cher" typeface="Plantagenet Cherokee"/>
+        <a:font script="Yiii" typeface="Microsoft Yi Baiti"/>
+        <a:font script="Tibt" typeface="Microsoft Himalaya"/>
+        <a:font script="Thaa" typeface="MV Boli"/>
+        <a:font script="Deva" typeface="Mangal"/>
+        <a:font script="Telu" typeface="Gautami"/>
+        <a:font script="Taml" typeface="Latha"/>
+        <a:font script="Syrc" typeface="Estrangelo Edessa"/>
+        <a:font script="Orya" typeface="Kalinga"/>
+        <a:font script="Mlym" typeface="Kartika"/>
+        <a:font script="Laoo" typeface="DokChampa"/>
+        <a:font script="Sinh" typeface="Iskoola Pota"/>
+        <a:font script="Mong" typeface="Mongolian Baiti"/>
+        <a:font script="Viet" typeface="Arial"/>
+        <a:font script="Uigh" typeface="Microsoft Uighur"/>
+        <a:font script="Geor" typeface="Sylfaen"/>
+      </a:minorFont>
+    </a:fontScheme>
+    <a:fmtScheme name="Office">
+      <a:fillStyleLst>
+        <a:solidFill>
+          <a:schemeClr val="phClr"/>
+        </a:solidFill>
+        <a:gradFill rotWithShape="1">
+          <a:gsLst>
+            <a:gs pos="0">
+              <a:schemeClr val="phClr">
+                <a:tint val="50000"/>
+                <a:satMod val="300000"/>
+              </a:schemeClr>
+            </a:gs>
+            <a:gs pos="35000">
+              <a:schemeClr val="phClr">
+                <a:tint val="37000"/>
+                <a:satMod val="300000"/>
+              </a:schemeClr>
+            </a:gs>
+            <a:gs pos="100000">
+              <a:schemeClr val="phClr">
+                <a:tint val="15000"/>
+                <a:satMod val="350000"/>
+              </a:schemeClr>
+            </a:gs>
+          </a:gsLst>
+          <a:lin ang="16200000" scaled="1"/>
+        </a:gradFill>
+        <a:gradFill rotWithShape="1">
+          <a:gsLst>
+            <a:gs pos="0">
+              <a:schemeClr val="phClr">
+                <a:tint val="100000"/>
+                <a:shade val="100000"/>
+                <a:satMod val="130000"/>
+              </a:schemeClr>
+            </a:gs>
+            <a:gs pos="100000">
+              <a:schemeClr val="phClr">
+                <a:tint val="50000"/>
+                <a:shade val="100000"/>
+                <a:satMod val="350000"/>
+              </a:schemeClr>
+            </a:gs>
+          </a:gsLst>
+          <a:lin ang="16200000" scaled="0"/>
+        </a:gradFill>
+      </a:fillStyleLst>
+      <a:lnStyleLst>
+        <a:ln w="9525" cap="flat" cmpd="sng" algn="ctr">
+          <a:solidFill>
+            <a:schemeClr val="phClr">
+              <a:shade val="95000"/>
+              <a:satMod val="105000"/>
+            </a:schemeClr>
+          </a:solidFill>
+          <a:prstDash val="solid"/>
+        </a:ln>
+        <a:ln w="25400" cap="flat" cmpd="sng" algn="ctr">
+          <a:solidFill>
+            <a:schemeClr val="phClr"/>
+          </a:solidFill>
+          <a:prstDash val="solid"/>
+        </a:ln>
+        <a:ln w="38100" cap="flat" cmpd="sng" algn="ctr">
+          <a:solidFill>
+            <a:schemeClr val="phClr"/>
+          </a:solidFill>
+          <a:prstDash val="solid"/>
+        </a:ln>
+      </a:lnStyleLst>
+      <a:effectStyleLst>
+        <a:effectStyle>
+          <a:effectLst>
+            <a:outerShdw blurRad="40000" dist="20000" dir="5400000" rotWithShape="0">
+              <a:srgbClr val="000000">
+                <a:alpha val="38000"/>
+              </a:srgbClr>
+            </a:outerShdw>
+          </a:effectLst>
+        </a:effectStyle>
+        <a:effectStyle>
+          <a:effectLst>
+            <a:outerShdw blurRad="40000" dist="23000" dir="5400000" rotWithShape="0">
+              <a:srgbClr val="000000">
+                <a:alpha val="35000"/>
+              </a:srgbClr>
+            </a:outerShdw>
+          </a:effectLst>
+        </a:effectStyle>
+        <a:effectStyle>
+          <a:effectLst>
+            <a:outerShdw blurRad="40000" dist="23000" dir="5400000" rotWithShape="0">
+              <a:srgbClr val="000000">
+                <a:alpha val="35000"/>
+              </a:srgbClr>
+            </a:outerShdw>
+          </a:effectLst>
+          <a:scene3d>
+            <a:camera prst="orthographicFront">
+              <a:rot lat="0" lon="0" rev="0"/>
+            </a:camera>
+            <a:lightRig rig="threePt" dir="t">
+              <a:rot lat="0" lon="0" rev="1200000"/>
+            </a:lightRig>
+          </a:scene3d>
+          <a:sp3d>
+            <a:bevelT w="63500" h="25400"/>
+          </a:sp3d>
+        </a:effectStyle>
+      </a:effectStyleLst>
+      <a:bgFillStyleLst>
+        <a:solidFill>
+          <a:schemeClr val="phClr"/>
+        </a:solidFill>
+        <a:gradFill rotWithShape="1">
+          <a:gsLst>
+            <a:gs pos="0">
+              <a:schemeClr val="phClr">
+                <a:tint val="40000"/>
+                <a:satMod val="350000"/>
+              </a:schemeClr>
+            </a:gs>
+            <a:gs pos="40000">
+              <a:schemeClr val="phClr">
+                <a:tint val="45000"/>
+                <a:shade val="99000"/>
+                <a:satMod val="350000"/>
+              </a:schemeClr>
+            </a:gs>
+            <a:gs pos="100000">
+              <a:schemeClr val="phClr">
+                <a:shade val="20000"/>
+                <a:satMod val="255000"/>
+              </a:schemeClr>
+            </a:gs>
+          </a:gsLst>
+          <a:path path="circle">
+            <a:fillToRect l="50000" t="-80000" r="50000" b="180000"/>
+          </a:path>
+        </a:gradFill>
+        <a:gradFill rotWithShape="1">
+          <a:gsLst>
+            <a:gs pos="0">
+              <a:schemeClr val="phClr">
+                <a:tint val="80000"/>
+                <a:satMod val="300000"/>
+              </a:schemeClr>
+            </a:gs>
+            <a:gs pos="100000">
+              <a:schemeClr val="phClr">
+                <a:shade val="30000"/>
+                <a:satMod val="200000"/>
+              </a:schemeClr>
+            </a:gs>
+          </a:gsLst>
+          <a:path path="circle">
+            <a:fillToRect l="50000" t="50000" r="50000" b="50000"/>
+          </a:path>
+        </a:gradFill>
+      </a:bgFillStyleLst>
+    </a:fmtScheme>
+  </a:themeElements>
+  <a:objectDefaults/>
+  <a:extraClrSchemeLst/>
+</a:theme>
+</file>
+
+<file path=ppt/theme/theme2.xml><?xml version="1.0" encoding="utf-8"?>
+<a:theme xmlns:a="http://schemas.openxmlformats.org/drawingml/2006/main">
   <a:themeElements>
     <a:clrScheme name="Default">
       <a:dk1>
@@ -11332,284 +11650,7 @@
       </a:bgFillStyleLst>
     </a:fmtScheme>
   </a:themeElements>
-</a:theme>
-</file>
-
-<file path=ppt/theme/theme2.xml><?xml version="1.0" encoding="utf-8"?>
-<a:theme xmlns:a="http://schemas.openxmlformats.org/drawingml/2006/main" xmlns:r="http://schemas.openxmlformats.org/officeDocument/2006/relationships" name="Simple Light">
-  <a:themeElements>
-    <a:clrScheme name="Simple Light">
-      <a:dk1>
-        <a:srgbClr val="000000"/>
-      </a:dk1>
-      <a:lt1>
-        <a:srgbClr val="FFFFFF"/>
-      </a:lt1>
-      <a:dk2>
-        <a:srgbClr val="595959"/>
-      </a:dk2>
-      <a:lt2>
-        <a:srgbClr val="EEEEEE"/>
-      </a:lt2>
-      <a:accent1>
-        <a:srgbClr val="4285F4"/>
-      </a:accent1>
-      <a:accent2>
-        <a:srgbClr val="212121"/>
-      </a:accent2>
-      <a:accent3>
-        <a:srgbClr val="78909C"/>
-      </a:accent3>
-      <a:accent4>
-        <a:srgbClr val="FFAB40"/>
-      </a:accent4>
-      <a:accent5>
-        <a:srgbClr val="0097A7"/>
-      </a:accent5>
-      <a:accent6>
-        <a:srgbClr val="EEFF41"/>
-      </a:accent6>
-      <a:hlink>
-        <a:srgbClr val="0097A7"/>
-      </a:hlink>
-      <a:folHlink>
-        <a:srgbClr val="0097A7"/>
-      </a:folHlink>
-    </a:clrScheme>
-    <a:fontScheme name="Office">
-      <a:majorFont>
-        <a:latin typeface="Arial"/>
-        <a:ea typeface=""/>
-        <a:cs typeface=""/>
-        <a:font script="Jpan" typeface="ＭＳ Ｐゴシック"/>
-        <a:font script="Hang" typeface="맑은 고딕"/>
-        <a:font script="Hans" typeface="宋体"/>
-        <a:font script="Hant" typeface="新細明體"/>
-        <a:font script="Arab" typeface="Times New Roman"/>
-        <a:font script="Hebr" typeface="Times New Roman"/>
-        <a:font script="Thai" typeface="Angsana New"/>
-        <a:font script="Ethi" typeface="Nyala"/>
-        <a:font script="Beng" typeface="Vrinda"/>
-        <a:font script="Gujr" typeface="Shruti"/>
-        <a:font script="Khmr" typeface="MoolBoran"/>
-        <a:font script="Knda" typeface="Tunga"/>
-        <a:font script="Guru" typeface="Raavi"/>
-        <a:font script="Cans" typeface="Euphemia"/>
-        <a:font script="Cher" typeface="Plantagenet Cherokee"/>
-        <a:font script="Yiii" typeface="Microsoft Yi Baiti"/>
-        <a:font script="Tibt" typeface="Microsoft Himalaya"/>
-        <a:font script="Thaa" typeface="MV Boli"/>
-        <a:font script="Deva" typeface="Mangal"/>
-        <a:font script="Telu" typeface="Gautami"/>
-        <a:font script="Taml" typeface="Latha"/>
-        <a:font script="Syrc" typeface="Estrangelo Edessa"/>
-        <a:font script="Orya" typeface="Kalinga"/>
-        <a:font script="Mlym" typeface="Kartika"/>
-        <a:font script="Laoo" typeface="DokChampa"/>
-        <a:font script="Sinh" typeface="Iskoola Pota"/>
-        <a:font script="Mong" typeface="Mongolian Baiti"/>
-        <a:font script="Viet" typeface="Times New Roman"/>
-        <a:font script="Uigh" typeface="Microsoft Uighur"/>
-        <a:font script="Geor" typeface="Sylfaen"/>
-      </a:majorFont>
-      <a:minorFont>
-        <a:latin typeface="Arial"/>
-        <a:ea typeface=""/>
-        <a:cs typeface=""/>
-        <a:font script="Jpan" typeface="ＭＳ Ｐゴシック"/>
-        <a:font script="Hang" typeface="맑은 고딕"/>
-        <a:font script="Hans" typeface="宋体"/>
-        <a:font script="Hant" typeface="新細明體"/>
-        <a:font script="Arab" typeface="Arial"/>
-        <a:font script="Hebr" typeface="Arial"/>
-        <a:font script="Thai" typeface="Cordia New"/>
-        <a:font script="Ethi" typeface="Nyala"/>
-        <a:font script="Beng" typeface="Vrinda"/>
-        <a:font script="Gujr" typeface="Shruti"/>
-        <a:font script="Khmr" typeface="DaunPenh"/>
-        <a:font script="Knda" typeface="Tunga"/>
-        <a:font script="Guru" typeface="Raavi"/>
-        <a:font script="Cans" typeface="Euphemia"/>
-        <a:font script="Cher" typeface="Plantagenet Cherokee"/>
-        <a:font script="Yiii" typeface="Microsoft Yi Baiti"/>
-        <a:font script="Tibt" typeface="Microsoft Himalaya"/>
-        <a:font script="Thaa" typeface="MV Boli"/>
-        <a:font script="Deva" typeface="Mangal"/>
-        <a:font script="Telu" typeface="Gautami"/>
-        <a:font script="Taml" typeface="Latha"/>
-        <a:font script="Syrc" typeface="Estrangelo Edessa"/>
-        <a:font script="Orya" typeface="Kalinga"/>
-        <a:font script="Mlym" typeface="Kartika"/>
-        <a:font script="Laoo" typeface="DokChampa"/>
-        <a:font script="Sinh" typeface="Iskoola Pota"/>
-        <a:font script="Mong" typeface="Mongolian Baiti"/>
-        <a:font script="Viet" typeface="Arial"/>
-        <a:font script="Uigh" typeface="Microsoft Uighur"/>
-        <a:font script="Geor" typeface="Sylfaen"/>
-      </a:minorFont>
-    </a:fontScheme>
-    <a:fmtScheme name="Office">
-      <a:fillStyleLst>
-        <a:solidFill>
-          <a:schemeClr val="phClr"/>
-        </a:solidFill>
-        <a:gradFill rotWithShape="1">
-          <a:gsLst>
-            <a:gs pos="0">
-              <a:schemeClr val="phClr">
-                <a:tint val="50000"/>
-                <a:satMod val="300000"/>
-              </a:schemeClr>
-            </a:gs>
-            <a:gs pos="35000">
-              <a:schemeClr val="phClr">
-                <a:tint val="37000"/>
-                <a:satMod val="300000"/>
-              </a:schemeClr>
-            </a:gs>
-            <a:gs pos="100000">
-              <a:schemeClr val="phClr">
-                <a:tint val="15000"/>
-                <a:satMod val="350000"/>
-              </a:schemeClr>
-            </a:gs>
-          </a:gsLst>
-          <a:lin ang="16200000" scaled="1"/>
-        </a:gradFill>
-        <a:gradFill rotWithShape="1">
-          <a:gsLst>
-            <a:gs pos="0">
-              <a:schemeClr val="phClr">
-                <a:tint val="100000"/>
-                <a:shade val="100000"/>
-                <a:satMod val="130000"/>
-              </a:schemeClr>
-            </a:gs>
-            <a:gs pos="100000">
-              <a:schemeClr val="phClr">
-                <a:tint val="50000"/>
-                <a:shade val="100000"/>
-                <a:satMod val="350000"/>
-              </a:schemeClr>
-            </a:gs>
-          </a:gsLst>
-          <a:lin ang="16200000" scaled="0"/>
-        </a:gradFill>
-      </a:fillStyleLst>
-      <a:lnStyleLst>
-        <a:ln w="9525" cap="flat" cmpd="sng" algn="ctr">
-          <a:solidFill>
-            <a:schemeClr val="phClr">
-              <a:shade val="95000"/>
-              <a:satMod val="105000"/>
-            </a:schemeClr>
-          </a:solidFill>
-          <a:prstDash val="solid"/>
-        </a:ln>
-        <a:ln w="25400" cap="flat" cmpd="sng" algn="ctr">
-          <a:solidFill>
-            <a:schemeClr val="phClr"/>
-          </a:solidFill>
-          <a:prstDash val="solid"/>
-        </a:ln>
-        <a:ln w="38100" cap="flat" cmpd="sng" algn="ctr">
-          <a:solidFill>
-            <a:schemeClr val="phClr"/>
-          </a:solidFill>
-          <a:prstDash val="solid"/>
-        </a:ln>
-      </a:lnStyleLst>
-      <a:effectStyleLst>
-        <a:effectStyle>
-          <a:effectLst>
-            <a:outerShdw blurRad="40000" dist="20000" dir="5400000" rotWithShape="0">
-              <a:srgbClr val="000000">
-                <a:alpha val="38000"/>
-              </a:srgbClr>
-            </a:outerShdw>
-          </a:effectLst>
-        </a:effectStyle>
-        <a:effectStyle>
-          <a:effectLst>
-            <a:outerShdw blurRad="40000" dist="23000" dir="5400000" rotWithShape="0">
-              <a:srgbClr val="000000">
-                <a:alpha val="35000"/>
-              </a:srgbClr>
-            </a:outerShdw>
-          </a:effectLst>
-        </a:effectStyle>
-        <a:effectStyle>
-          <a:effectLst>
-            <a:outerShdw blurRad="40000" dist="23000" dir="5400000" rotWithShape="0">
-              <a:srgbClr val="000000">
-                <a:alpha val="35000"/>
-              </a:srgbClr>
-            </a:outerShdw>
-          </a:effectLst>
-          <a:scene3d>
-            <a:camera prst="orthographicFront">
-              <a:rot lat="0" lon="0" rev="0"/>
-            </a:camera>
-            <a:lightRig rig="threePt" dir="t">
-              <a:rot lat="0" lon="0" rev="1200000"/>
-            </a:lightRig>
-          </a:scene3d>
-          <a:sp3d>
-            <a:bevelT w="63500" h="25400"/>
-          </a:sp3d>
-        </a:effectStyle>
-      </a:effectStyleLst>
-      <a:bgFillStyleLst>
-        <a:solidFill>
-          <a:schemeClr val="phClr"/>
-        </a:solidFill>
-        <a:gradFill rotWithShape="1">
-          <a:gsLst>
-            <a:gs pos="0">
-              <a:schemeClr val="phClr">
-                <a:tint val="40000"/>
-                <a:satMod val="350000"/>
-              </a:schemeClr>
-            </a:gs>
-            <a:gs pos="40000">
-              <a:schemeClr val="phClr">
-                <a:tint val="45000"/>
-                <a:shade val="99000"/>
-                <a:satMod val="350000"/>
-              </a:schemeClr>
-            </a:gs>
-            <a:gs pos="100000">
-              <a:schemeClr val="phClr">
-                <a:shade val="20000"/>
-                <a:satMod val="255000"/>
-              </a:schemeClr>
-            </a:gs>
-          </a:gsLst>
-          <a:path path="circle">
-            <a:fillToRect l="50000" t="-80000" r="50000" b="180000"/>
-          </a:path>
-        </a:gradFill>
-        <a:gradFill rotWithShape="1">
-          <a:gsLst>
-            <a:gs pos="0">
-              <a:schemeClr val="phClr">
-                <a:tint val="80000"/>
-                <a:satMod val="300000"/>
-              </a:schemeClr>
-            </a:gs>
-            <a:gs pos="100000">
-              <a:schemeClr val="phClr">
-                <a:shade val="30000"/>
-                <a:satMod val="200000"/>
-              </a:schemeClr>
-            </a:gs>
-          </a:gsLst>
-          <a:path path="circle">
-            <a:fillToRect l="50000" t="50000" r="50000" b="50000"/>
-          </a:path>
-        </a:gradFill>
-      </a:bgFillStyleLst>
-    </a:fmtScheme>
-  </a:themeElements>
+  <a:objectDefaults/>
+  <a:extraClrSchemeLst/>
 </a:theme>
 </file>
--- a/middle presentation.pptx
+++ b/middle presentation.pptx
@@ -929,14 +929,14 @@
               <a:buNone/>
             </a:pPr>
             <a:r>
-              <a:rPr lang="en-GB" b="1">
+              <a:rPr lang="en-GB" b="1" dirty="0">
                 <a:solidFill>
                   <a:schemeClr val="dk1"/>
                 </a:solidFill>
               </a:rPr>
               <a:t> aimed at software developers and teams working on application development, Telerik’s tools are designed to save time and provide high-quality, responsive, and modern designs.</a:t>
             </a:r>
-            <a:endParaRPr b="1">
+            <a:endParaRPr b="1" dirty="0">
               <a:solidFill>
                 <a:schemeClr val="dk1"/>
               </a:solidFill>
@@ -953,7 +953,7 @@
               <a:buNone/>
             </a:pPr>
             <a:r>
-              <a:rPr lang="en-GB" b="1">
+              <a:rPr lang="en-GB" b="1" dirty="0">
                 <a:solidFill>
                   <a:schemeClr val="dk1"/>
                 </a:solidFill>
@@ -961,14 +961,30 @@
               <a:t>Progress Software Corporation</a:t>
             </a:r>
             <a:r>
-              <a:rPr lang="en-GB">
+              <a:rPr lang="en-GB" dirty="0">
                 <a:solidFill>
                   <a:schemeClr val="dk1"/>
                 </a:solidFill>
               </a:rPr>
-              <a:t> תאגידים is a global software company that provides tools, platforms, and solutions for businesses to build, deploy, and manage applications and digital experiences</a:t>
+              <a:t> </a:t>
             </a:r>
-            <a:endParaRPr>
+            <a:r>
+              <a:rPr lang="en-GB" dirty="0" err="1">
+                <a:solidFill>
+                  <a:schemeClr val="dk1"/>
+                </a:solidFill>
+              </a:rPr>
+              <a:t>תאגידים</a:t>
+            </a:r>
+            <a:r>
+              <a:rPr lang="en-GB" dirty="0">
+                <a:solidFill>
+                  <a:schemeClr val="dk1"/>
+                </a:solidFill>
+              </a:rPr>
+              <a:t> is a global software company that provides tools, platforms, and solutions for businesses to build, deploy, and manage applications and digital experiences</a:t>
+            </a:r>
+            <a:endParaRPr dirty="0">
               <a:solidFill>
                 <a:schemeClr val="dk1"/>
               </a:solidFill>
@@ -985,7 +1001,7 @@
               <a:buNone/>
             </a:pPr>
             <a:r>
-              <a:rPr lang="en-GB" b="1">
+              <a:rPr lang="en-GB" b="1" dirty="0">
                 <a:solidFill>
                   <a:schemeClr val="dk1"/>
                 </a:solidFill>
@@ -993,14 +1009,118 @@
               <a:t>Kendo UI: </a:t>
             </a:r>
             <a:r>
-              <a:rPr lang="en-GB">
+              <a:rPr lang="en-GB" dirty="0">
                 <a:solidFill>
                   <a:schemeClr val="dk1"/>
                 </a:solidFill>
               </a:rPr>
-              <a:t>A flagship product מוצר דגל focused on delivering JavaScript-based UI components for frameworks like Angular, React, and Vue.</a:t>
+              <a:t>A flagship product </a:t>
             </a:r>
-            <a:endParaRPr b="1">
+            <a:r>
+              <a:rPr lang="en-GB" dirty="0" err="1">
+                <a:solidFill>
+                  <a:schemeClr val="dk1"/>
+                </a:solidFill>
+              </a:rPr>
+              <a:t>מוצר</a:t>
+            </a:r>
+            <a:r>
+              <a:rPr lang="en-GB" dirty="0">
+                <a:solidFill>
+                  <a:schemeClr val="dk1"/>
+                </a:solidFill>
+              </a:rPr>
+              <a:t> </a:t>
+            </a:r>
+            <a:r>
+              <a:rPr lang="en-GB" dirty="0" err="1">
+                <a:solidFill>
+                  <a:schemeClr val="dk1"/>
+                </a:solidFill>
+              </a:rPr>
+              <a:t>דגל</a:t>
+            </a:r>
+            <a:r>
+              <a:rPr lang="en-GB" dirty="0">
+                <a:solidFill>
+                  <a:schemeClr val="dk1"/>
+                </a:solidFill>
+              </a:rPr>
+              <a:t> focused on delivering JavaScript-based UI components for frameworks like Angular, React, and Vue.</a:t>
+            </a:r>
+            <a:r>
+              <a:rPr lang="he-IL" dirty="0">
+                <a:solidFill>
+                  <a:schemeClr val="dk1"/>
+                </a:solidFill>
+              </a:rPr>
+              <a:t> מספקת ממשק משתמש המבוסס על </a:t>
+            </a:r>
+            <a:r>
+              <a:rPr lang="he-IL" dirty="0" err="1">
+                <a:solidFill>
+                  <a:schemeClr val="dk1"/>
+                </a:solidFill>
+              </a:rPr>
+              <a:t>גאפה</a:t>
+            </a:r>
+            <a:r>
+              <a:rPr lang="he-IL" dirty="0">
+                <a:solidFill>
+                  <a:schemeClr val="dk1"/>
+                </a:solidFill>
+              </a:rPr>
+              <a:t> סקריפט </a:t>
+            </a:r>
+            <a:r>
+              <a:rPr lang="he-IL" dirty="0" err="1">
+                <a:solidFill>
+                  <a:schemeClr val="dk1"/>
+                </a:solidFill>
+              </a:rPr>
+              <a:t>לפרימורקים</a:t>
+            </a:r>
+            <a:r>
+              <a:rPr lang="he-IL" dirty="0">
+                <a:solidFill>
+                  <a:schemeClr val="dk1"/>
+                </a:solidFill>
+              </a:rPr>
+              <a:t> כמו </a:t>
+            </a:r>
+            <a:r>
+              <a:rPr lang="he-IL" dirty="0" err="1">
+                <a:solidFill>
+                  <a:schemeClr val="dk1"/>
+                </a:solidFill>
+              </a:rPr>
+              <a:t>אנגולאר</a:t>
+            </a:r>
+            <a:r>
+              <a:rPr lang="he-IL" dirty="0">
+                <a:solidFill>
+                  <a:schemeClr val="dk1"/>
+                </a:solidFill>
+              </a:rPr>
+              <a:t> </a:t>
+            </a:r>
+            <a:r>
+              <a:rPr lang="he-IL" dirty="0" err="1">
+                <a:solidFill>
+                  <a:schemeClr val="dk1"/>
+                </a:solidFill>
+              </a:rPr>
+              <a:t>וריאקט</a:t>
+            </a:r>
+            <a:r>
+              <a:rPr lang="he-IL" dirty="0">
+                <a:solidFill>
+                  <a:schemeClr val="dk1"/>
+                </a:solidFill>
+              </a:rPr>
+              <a:t> </a:t>
+            </a:r>
+            <a:endParaRPr b="1" dirty="0">
               <a:solidFill>
                 <a:schemeClr val="dk1"/>
               </a:solidFill>
@@ -1017,7 +1137,7 @@
               <a:buNone/>
             </a:pPr>
             <a:r>
-              <a:rPr lang="en-GB" b="1">
+              <a:rPr lang="en-GB" b="1" dirty="0">
                 <a:solidFill>
                   <a:schemeClr val="dk1"/>
                 </a:solidFill>
@@ -1025,14 +1145,94 @@
               <a:t>Angular: </a:t>
             </a:r>
             <a:r>
-              <a:rPr lang="en-GB">
+              <a:rPr lang="en-GB" dirty="0">
                 <a:solidFill>
                   <a:schemeClr val="dk1"/>
                 </a:solidFill>
               </a:rPr>
-              <a:t>is a popular open source web application framework developed by google and community of individual (אִישִׁי) developers and corporations (תאגידים - الشركات) it use to build dynamic and modern web applications - it use with css and js </a:t>
+              <a:t>is a popular open source web application framework developed by google and community of individual (</a:t>
             </a:r>
-            <a:endParaRPr>
+            <a:r>
+              <a:rPr lang="en-GB" dirty="0" err="1">
+                <a:solidFill>
+                  <a:schemeClr val="dk1"/>
+                </a:solidFill>
+              </a:rPr>
+              <a:t>אִיש</a:t>
+            </a:r>
+            <a:r>
+              <a:rPr lang="en-GB" dirty="0">
+                <a:solidFill>
+                  <a:schemeClr val="dk1"/>
+                </a:solidFill>
+              </a:rPr>
+              <a:t>ִׁי) developers and corporations (</a:t>
+            </a:r>
+            <a:r>
+              <a:rPr lang="en-GB" dirty="0" err="1">
+                <a:solidFill>
+                  <a:schemeClr val="dk1"/>
+                </a:solidFill>
+              </a:rPr>
+              <a:t>תאגידים</a:t>
+            </a:r>
+            <a:r>
+              <a:rPr lang="en-GB" dirty="0">
+                <a:solidFill>
+                  <a:schemeClr val="dk1"/>
+                </a:solidFill>
+              </a:rPr>
+              <a:t> - </a:t>
+            </a:r>
+            <a:r>
+              <a:rPr lang="en-GB" dirty="0" err="1">
+                <a:solidFill>
+                  <a:schemeClr val="dk1"/>
+                </a:solidFill>
+              </a:rPr>
+              <a:t>الشركات</a:t>
+            </a:r>
+            <a:r>
+              <a:rPr lang="en-GB" dirty="0">
+                <a:solidFill>
+                  <a:schemeClr val="dk1"/>
+                </a:solidFill>
+              </a:rPr>
+              <a:t>) it use to build dynamic and modern web applications - it use with </a:t>
+            </a:r>
+            <a:r>
+              <a:rPr lang="en-GB" dirty="0" err="1">
+                <a:solidFill>
+                  <a:schemeClr val="dk1"/>
+                </a:solidFill>
+              </a:rPr>
+              <a:t>css</a:t>
+            </a:r>
+            <a:r>
+              <a:rPr lang="en-GB" dirty="0">
+                <a:solidFill>
+                  <a:schemeClr val="dk1"/>
+                </a:solidFill>
+              </a:rPr>
+              <a:t> and </a:t>
+            </a:r>
+            <a:r>
+              <a:rPr lang="en-GB" dirty="0" err="1">
+                <a:solidFill>
+                  <a:schemeClr val="dk1"/>
+                </a:solidFill>
+              </a:rPr>
+              <a:t>js</a:t>
+            </a:r>
+            <a:r>
+              <a:rPr lang="en-GB" dirty="0">
+                <a:solidFill>
+                  <a:schemeClr val="dk1"/>
+                </a:solidFill>
+              </a:rPr>
+              <a:t> </a:t>
+            </a:r>
+            <a:endParaRPr dirty="0">
               <a:solidFill>
                 <a:schemeClr val="dk1"/>
               </a:solidFill>
@@ -1056,7 +1256,7 @@
               <a:buFont typeface="Arial"/>
               <a:buNone/>
             </a:pPr>
-            <a:endParaRPr>
+            <a:endParaRPr dirty="0">
               <a:solidFill>
                 <a:schemeClr val="dk1"/>
               </a:solidFill>
@@ -7170,7 +7370,7 @@
         <p:spPr>
           <a:xfrm>
             <a:off x="5199300" y="907175"/>
-            <a:ext cx="3996000" cy="4148798"/>
+            <a:ext cx="3996000" cy="3865643"/>
           </a:xfrm>
           <a:prstGeom prst="rect">
             <a:avLst/>
@@ -7526,7 +7726,7 @@
             </a:endParaRPr>
           </a:p>
           <a:p>
-            <a:pPr marL="1257300" lvl="0" indent="-342900" algn="l" rtl="0">
+            <a:pPr marL="914400" lvl="0" algn="l" rtl="0">
               <a:lnSpc>
                 <a:spcPct val="115000"/>
               </a:lnSpc>
@@ -7536,8 +7736,6 @@
               <a:spcAft>
                 <a:spcPts val="0"/>
               </a:spcAft>
-              <a:buFont typeface="+mj-lt"/>
-              <a:buAutoNum type="arabicPeriod"/>
             </a:pPr>
             <a:r>
               <a:rPr lang="en-GB" sz="1600" dirty="0">

--- a/middle presentation.pptx
+++ b/middle presentation.pptx
@@ -1301,7 +1301,7 @@
         </p:nvSpPr>
         <p:spPr>
           <a:xfrm>
-            <a:off x="381300" y="685800"/>
+            <a:off x="381000" y="685800"/>
             <a:ext cx="6096000" cy="3429000"/>
           </a:xfrm>
           <a:custGeom>
@@ -1967,7 +1967,7 @@
         </p:nvSpPr>
         <p:spPr>
           <a:xfrm>
-            <a:off x="381300" y="685800"/>
+            <a:off x="381000" y="685800"/>
             <a:ext cx="6096000" cy="3429000"/>
           </a:xfrm>
           <a:custGeom>
@@ -8493,7 +8493,7 @@
               <a:buChar char="➔"/>
             </a:pPr>
             <a:r>
-              <a:rPr lang="en-GB" sz="1800">
+              <a:rPr lang="en-GB" sz="1800" dirty="0">
                 <a:solidFill>
                   <a:schemeClr val="dk1"/>
                 </a:solidFill>
@@ -8504,7 +8504,7 @@
               </a:rPr>
               <a:t>All tests conducted in an OOP manner</a:t>
             </a:r>
-            <a:endParaRPr sz="1800">
+            <a:endParaRPr sz="1800" dirty="0">
               <a:solidFill>
                 <a:schemeClr val="dk1"/>
               </a:solidFill>
@@ -8533,7 +8533,7 @@
               <a:buChar char="➔"/>
             </a:pPr>
             <a:r>
-              <a:rPr lang="en-GB" sz="1800">
+              <a:rPr lang="en-GB" sz="1800" dirty="0">
                 <a:solidFill>
                   <a:schemeClr val="dk1"/>
                 </a:solidFill>
@@ -8544,7 +8544,7 @@
               </a:rPr>
               <a:t>Positive + negative tests</a:t>
             </a:r>
-            <a:endParaRPr sz="1800">
+            <a:endParaRPr sz="1800" dirty="0">
               <a:solidFill>
                 <a:schemeClr val="dk1"/>
               </a:solidFill>
@@ -8573,7 +8573,7 @@
               <a:buChar char="➔"/>
             </a:pPr>
             <a:r>
-              <a:rPr lang="en-GB" sz="1800">
+              <a:rPr lang="en-GB" sz="1800" dirty="0">
                 <a:solidFill>
                   <a:schemeClr val="dk1"/>
                 </a:solidFill>
@@ -8584,7 +8584,7 @@
               </a:rPr>
               <a:t>Black box testing / E2E</a:t>
             </a:r>
-            <a:endParaRPr sz="1800">
+            <a:endParaRPr sz="1800" dirty="0">
               <a:solidFill>
                 <a:schemeClr val="dk1"/>
               </a:solidFill>
@@ -8613,7 +8613,7 @@
               <a:buChar char="➔"/>
             </a:pPr>
             <a:r>
-              <a:rPr lang="en-GB" sz="1800">
+              <a:rPr lang="en-GB" sz="1800" dirty="0">
                 <a:solidFill>
                   <a:schemeClr val="dk1"/>
                 </a:solidFill>
@@ -8624,7 +8624,7 @@
               </a:rPr>
               <a:t>Functionality, GUI </a:t>
             </a:r>
-            <a:endParaRPr sz="1800">
+            <a:endParaRPr sz="1800" dirty="0">
               <a:solidFill>
                 <a:schemeClr val="dk1"/>
               </a:solidFill>
@@ -8653,7 +8653,7 @@
               <a:buChar char="➔"/>
             </a:pPr>
             <a:r>
-              <a:rPr lang="en-GB" sz="1800">
+              <a:rPr lang="en-GB" sz="1800" dirty="0">
                 <a:solidFill>
                   <a:schemeClr val="dk1"/>
                 </a:solidFill>
@@ -8664,7 +8664,7 @@
               </a:rPr>
               <a:t>Sanity Test </a:t>
             </a:r>
-            <a:endParaRPr sz="1800">
+            <a:endParaRPr sz="1800" dirty="0">
               <a:solidFill>
                 <a:schemeClr val="dk1"/>
               </a:solidFill>
@@ -8693,7 +8693,7 @@
               <a:buChar char="➔"/>
             </a:pPr>
             <a:r>
-              <a:rPr lang="en-GB" sz="1800">
+              <a:rPr lang="en-GB" sz="1800" dirty="0">
                 <a:solidFill>
                   <a:schemeClr val="dk1"/>
                 </a:solidFill>
@@ -8704,7 +8704,26 @@
               </a:rPr>
               <a:t>The reports of result saved in html files  </a:t>
             </a:r>
-            <a:endParaRPr sz="1800">
+          </a:p>
+          <a:p>
+            <a:pPr marL="457200" lvl="0" indent="-342900" algn="l" rtl="0">
+              <a:lnSpc>
+                <a:spcPct val="115000"/>
+              </a:lnSpc>
+              <a:spcBef>
+                <a:spcPts val="0"/>
+              </a:spcBef>
+              <a:spcAft>
+                <a:spcPts val="0"/>
+              </a:spcAft>
+              <a:buClr>
+                <a:schemeClr val="dk1"/>
+              </a:buClr>
+              <a:buSzPts val="1800"/>
+              <a:buFont typeface="Georgia"/>
+              <a:buChar char="➔"/>
+            </a:pPr>
+            <a:endParaRPr sz="1800" dirty="0">
               <a:solidFill>
                 <a:schemeClr val="dk1"/>
               </a:solidFill>
@@ -10541,7 +10560,7 @@
               <a:buChar char="●"/>
             </a:pPr>
             <a:r>
-              <a:rPr lang="en-GB" sz="2000">
+              <a:rPr lang="en-GB" sz="2000" dirty="0">
                 <a:solidFill>
                   <a:schemeClr val="dk2"/>
                 </a:solidFill>
@@ -10552,7 +10571,7 @@
               </a:rPr>
               <a:t>Valid input </a:t>
             </a:r>
-            <a:endParaRPr sz="2000">
+            <a:endParaRPr sz="2000" dirty="0">
               <a:solidFill>
                 <a:schemeClr val="dk2"/>
               </a:solidFill>
@@ -10581,7 +10600,7 @@
               <a:buChar char="●"/>
             </a:pPr>
             <a:r>
-              <a:rPr lang="en-GB" sz="2000">
+              <a:rPr lang="en-GB" sz="2000" dirty="0">
                 <a:solidFill>
                   <a:schemeClr val="dk2"/>
                 </a:solidFill>
@@ -10592,7 +10611,7 @@
               </a:rPr>
               <a:t>Empty fields </a:t>
             </a:r>
-            <a:endParaRPr sz="2000">
+            <a:endParaRPr sz="2000" dirty="0">
               <a:solidFill>
                 <a:schemeClr val="dk2"/>
               </a:solidFill>
@@ -10621,7 +10640,7 @@
               <a:buChar char="●"/>
             </a:pPr>
             <a:r>
-              <a:rPr lang="en-GB" sz="2000">
+              <a:rPr lang="en-GB" sz="2000" dirty="0">
                 <a:solidFill>
                   <a:schemeClr val="dk2"/>
                 </a:solidFill>
@@ -10632,7 +10651,7 @@
               </a:rPr>
               <a:t>Special chars and symbols </a:t>
             </a:r>
-            <a:endParaRPr sz="2000">
+            <a:endParaRPr sz="2000" dirty="0">
               <a:solidFill>
                 <a:schemeClr val="dk2"/>
               </a:solidFill>
@@ -10661,7 +10680,7 @@
               <a:buChar char="●"/>
             </a:pPr>
             <a:r>
-              <a:rPr lang="en-GB" sz="2000">
+              <a:rPr lang="en-GB" sz="2000" dirty="0">
                 <a:solidFill>
                   <a:schemeClr val="dk2"/>
                 </a:solidFill>
@@ -10672,7 +10691,7 @@
               </a:rPr>
               <a:t>Tooltip </a:t>
             </a:r>
-            <a:endParaRPr sz="2000">
+            <a:endParaRPr sz="2000" dirty="0">
               <a:solidFill>
                 <a:schemeClr val="dk2"/>
               </a:solidFill>
@@ -10701,7 +10720,7 @@
               <a:buChar char="●"/>
             </a:pPr>
             <a:r>
-              <a:rPr lang="en-GB" sz="2000">
+              <a:rPr lang="en-GB" sz="2000" dirty="0">
                 <a:solidFill>
                   <a:schemeClr val="dk2"/>
                 </a:solidFill>
@@ -10712,7 +10731,7 @@
               </a:rPr>
               <a:t>Invalid </a:t>
             </a:r>
-            <a:endParaRPr sz="2000">
+            <a:endParaRPr sz="2000" dirty="0">
               <a:solidFill>
                 <a:schemeClr val="dk2"/>
               </a:solidFill>
@@ -10741,7 +10760,7 @@
               <a:buChar char="●"/>
             </a:pPr>
             <a:r>
-              <a:rPr lang="en-GB" sz="2000">
+              <a:rPr lang="en-GB" sz="2000" dirty="0">
                 <a:solidFill>
                   <a:schemeClr val="dk2"/>
                 </a:solidFill>
@@ -10752,7 +10771,7 @@
               </a:rPr>
               <a:t>11 methods </a:t>
             </a:r>
-            <a:endParaRPr sz="2000">
+            <a:endParaRPr sz="2000" dirty="0">
               <a:solidFill>
                 <a:schemeClr val="dk2"/>
               </a:solidFill>
@@ -11019,7 +11038,7 @@
               <a:buNone/>
             </a:pPr>
             <a:r>
-              <a:rPr lang="en-GB" sz="2100">
+              <a:rPr lang="en-GB" sz="2100" dirty="0">
                 <a:solidFill>
                   <a:schemeClr val="dk1"/>
                 </a:solidFill>
@@ -11031,7 +11050,7 @@
               <a:t>By </a:t>
             </a:r>
             <a:r>
-              <a:rPr lang="en-GB" sz="2100">
+              <a:rPr lang="en-GB" sz="2100" dirty="0">
                 <a:solidFill>
                   <a:schemeClr val="dk1"/>
                 </a:solidFill>
@@ -11045,7 +11064,7 @@
               </a:rPr>
               <a:t>Allure Report</a:t>
             </a:r>
-            <a:endParaRPr sz="2100">
+            <a:endParaRPr sz="2100" dirty="0">
               <a:solidFill>
                 <a:schemeClr val="dk1"/>
               </a:solidFill>
@@ -11103,7 +11122,7 @@
         </p:nvSpPr>
         <p:spPr>
           <a:xfrm>
-            <a:off x="3068850" y="3301200"/>
+            <a:off x="5672563" y="3812647"/>
             <a:ext cx="3006300" cy="812100"/>
           </a:xfrm>
           <a:prstGeom prst="rect">
@@ -11130,7 +11149,7 @@
               <a:buNone/>
             </a:pPr>
             <a:r>
-              <a:rPr lang="en-GB" sz="2700">
+              <a:rPr lang="en-GB" sz="2700" dirty="0">
                 <a:latin typeface="Comfortaa"/>
                 <a:ea typeface="Comfortaa"/>
                 <a:cs typeface="Comfortaa"/>
@@ -11139,11 +11158,11 @@
               <a:t>DEMO</a:t>
             </a:r>
             <a:r>
-              <a:rPr lang="en-GB" sz="2700"/>
+              <a:rPr lang="en-GB" sz="2700" dirty="0"/>
               <a:t> </a:t>
             </a:r>
             <a:r>
-              <a:rPr lang="en-GB" sz="2700" u="sng">
+              <a:rPr lang="en-GB" sz="2700" u="sng" dirty="0" err="1">
                 <a:solidFill>
                   <a:schemeClr val="hlink"/>
                 </a:solidFill>
@@ -11151,11 +11170,103 @@
               </a:rPr>
               <a:t>Github</a:t>
             </a:r>
-            <a:endParaRPr sz="2700">
+            <a:endParaRPr sz="2700" dirty="0">
               <a:solidFill>
                 <a:schemeClr val="dk2"/>
               </a:solidFill>
             </a:endParaRPr>
+          </a:p>
+        </p:txBody>
+      </p:sp>
+      <p:sp>
+        <p:nvSpPr>
+          <p:cNvPr id="3" name="תיבת טקסט 2">
+            <a:extLst>
+              <a:ext uri="{FF2B5EF4-FFF2-40B4-BE49-F238E27FC236}">
+                <a16:creationId xmlns:a16="http://schemas.microsoft.com/office/drawing/2014/main" id="{0393744A-E66C-8062-7AD0-D81167B7A2D8}"/>
+              </a:ext>
+            </a:extLst>
+          </p:cNvPr>
+          <p:cNvSpPr txBox="1"/>
+          <p:nvPr/>
+        </p:nvSpPr>
+        <p:spPr>
+          <a:xfrm>
+            <a:off x="162733" y="3076415"/>
+            <a:ext cx="4223288" cy="1882951"/>
+          </a:xfrm>
+          <a:prstGeom prst="rect">
+            <a:avLst/>
+          </a:prstGeom>
+          <a:noFill/>
+        </p:spPr>
+        <p:txBody>
+          <a:bodyPr wrap="square" rtlCol="1">
+            <a:spAutoFit/>
+          </a:bodyPr>
+          <a:lstStyle/>
+          <a:p>
+            <a:pPr marL="342900" indent="-342900">
+              <a:lnSpc>
+                <a:spcPct val="150000"/>
+              </a:lnSpc>
+              <a:buFont typeface="Courier New" panose="02070309020205020404" pitchFamily="49" charset="0"/>
+              <a:buChar char="o"/>
+            </a:pPr>
+            <a:r>
+              <a:rPr lang="en-US" sz="2000" b="1" dirty="0">
+                <a:latin typeface="Georgia" panose="02040502050405020303" pitchFamily="18" charset="0"/>
+              </a:rPr>
+              <a:t>Frameworks &amp; Libraries:</a:t>
+            </a:r>
+          </a:p>
+          <a:p>
+            <a:pPr marL="342900" indent="-342900">
+              <a:lnSpc>
+                <a:spcPct val="150000"/>
+              </a:lnSpc>
+              <a:buFont typeface="Wingdings" panose="05000000000000000000" pitchFamily="2" charset="2"/>
+              <a:buChar char="§"/>
+            </a:pPr>
+            <a:r>
+              <a:rPr lang="en-US" sz="2000" dirty="0">
+                <a:latin typeface="Georgia" panose="02040502050405020303" pitchFamily="18" charset="0"/>
+              </a:rPr>
+              <a:t>Selenium </a:t>
+            </a:r>
+          </a:p>
+          <a:p>
+            <a:pPr marL="342900" indent="-342900">
+              <a:lnSpc>
+                <a:spcPct val="150000"/>
+              </a:lnSpc>
+              <a:buFont typeface="Wingdings" panose="05000000000000000000" pitchFamily="2" charset="2"/>
+              <a:buChar char="§"/>
+            </a:pPr>
+            <a:r>
+              <a:rPr lang="en-US" sz="2000" dirty="0" err="1">
+                <a:latin typeface="Georgia" panose="02040502050405020303" pitchFamily="18" charset="0"/>
+              </a:rPr>
+              <a:t>pytest</a:t>
+            </a:r>
+            <a:endParaRPr lang="en-US" sz="2000" dirty="0">
+              <a:latin typeface="Georgia" panose="02040502050405020303" pitchFamily="18" charset="0"/>
+            </a:endParaRPr>
+          </a:p>
+          <a:p>
+            <a:pPr marL="342900" indent="-342900">
+              <a:lnSpc>
+                <a:spcPct val="150000"/>
+              </a:lnSpc>
+              <a:buFont typeface="Wingdings" panose="05000000000000000000" pitchFamily="2" charset="2"/>
+              <a:buChar char="§"/>
+            </a:pPr>
+            <a:r>
+              <a:rPr lang="en-US" sz="2000" dirty="0">
+                <a:latin typeface="Georgia" panose="02040502050405020303" pitchFamily="18" charset="0"/>
+              </a:rPr>
+              <a:t>Report: html, allure </a:t>
+            </a:r>
           </a:p>
         </p:txBody>
       </p:sp>

--- a/middle presentation.pptx
+++ b/middle presentation.pptx
@@ -11217,7 +11217,7 @@
               <a:rPr lang="en-US" sz="2000" b="1" dirty="0">
                 <a:latin typeface="Georgia" panose="02040502050405020303" pitchFamily="18" charset="0"/>
               </a:rPr>
-              <a:t>Frameworks &amp; Libraries:</a:t>
+              <a:t>Frameworks:</a:t>
             </a:r>
           </a:p>
           <a:p>
@@ -11234,6 +11234,15 @@
               </a:rPr>
               <a:t>Selenium </a:t>
             </a:r>
+            <a:r>
+              <a:rPr lang="en-US" sz="2000" dirty="0" err="1">
+                <a:latin typeface="Georgia" panose="02040502050405020303" pitchFamily="18" charset="0"/>
+              </a:rPr>
+              <a:t>webdriver</a:t>
+            </a:r>
+            <a:endParaRPr lang="en-US" sz="2000" dirty="0">
+              <a:latin typeface="Georgia" panose="02040502050405020303" pitchFamily="18" charset="0"/>
+            </a:endParaRPr>
           </a:p>
           <a:p>
             <a:pPr marL="342900" indent="-342900">
